--- a/Class Diagram.pptx
+++ b/Class Diagram.pptx
@@ -2,18 +2,18 @@
 <file path=ppt/presentation.xml><?xml version="1.0" encoding="utf-8"?>
 <p:presentation xmlns:a="http://schemas.openxmlformats.org/drawingml/2006/main" xmlns:r="http://schemas.openxmlformats.org/officeDocument/2006/relationships" xmlns:p="http://schemas.openxmlformats.org/presentationml/2006/main" saveSubsetFonts="1">
   <p:sldMasterIdLst>
-    <p:sldMasterId id="2147483648" r:id="rId1"/>
+    <p:sldMasterId id="2147483660" r:id="rId1"/>
   </p:sldMasterIdLst>
   <p:sldIdLst>
     <p:sldId id="256" r:id="rId2"/>
   </p:sldIdLst>
-  <p:sldSz cx="12192000" cy="6858000"/>
+  <p:sldSz cx="18288000" cy="18288000"/>
   <p:notesSz cx="6858000" cy="9144000"/>
   <p:defaultTextStyle>
     <a:defPPr>
       <a:defRPr lang="en-US"/>
     </a:defPPr>
-    <a:lvl1pPr marL="0" algn="l" defTabSz="914400" rtl="0" eaLnBrk="1" latinLnBrk="0" hangingPunct="1">
+    <a:lvl1pPr marL="0" algn="l" defTabSz="457200" rtl="0" eaLnBrk="1" latinLnBrk="0" hangingPunct="1">
       <a:defRPr sz="1800" kern="1200">
         <a:solidFill>
           <a:schemeClr val="tx1"/>
@@ -23,7 +23,7 @@
         <a:cs typeface="+mn-cs"/>
       </a:defRPr>
     </a:lvl1pPr>
-    <a:lvl2pPr marL="457200" algn="l" defTabSz="914400" rtl="0" eaLnBrk="1" latinLnBrk="0" hangingPunct="1">
+    <a:lvl2pPr marL="457200" algn="l" defTabSz="457200" rtl="0" eaLnBrk="1" latinLnBrk="0" hangingPunct="1">
       <a:defRPr sz="1800" kern="1200">
         <a:solidFill>
           <a:schemeClr val="tx1"/>
@@ -33,7 +33,7 @@
         <a:cs typeface="+mn-cs"/>
       </a:defRPr>
     </a:lvl2pPr>
-    <a:lvl3pPr marL="914400" algn="l" defTabSz="914400" rtl="0" eaLnBrk="1" latinLnBrk="0" hangingPunct="1">
+    <a:lvl3pPr marL="914400" algn="l" defTabSz="457200" rtl="0" eaLnBrk="1" latinLnBrk="0" hangingPunct="1">
       <a:defRPr sz="1800" kern="1200">
         <a:solidFill>
           <a:schemeClr val="tx1"/>
@@ -43,7 +43,7 @@
         <a:cs typeface="+mn-cs"/>
       </a:defRPr>
     </a:lvl3pPr>
-    <a:lvl4pPr marL="1371600" algn="l" defTabSz="914400" rtl="0" eaLnBrk="1" latinLnBrk="0" hangingPunct="1">
+    <a:lvl4pPr marL="1371600" algn="l" defTabSz="457200" rtl="0" eaLnBrk="1" latinLnBrk="0" hangingPunct="1">
       <a:defRPr sz="1800" kern="1200">
         <a:solidFill>
           <a:schemeClr val="tx1"/>
@@ -53,7 +53,7 @@
         <a:cs typeface="+mn-cs"/>
       </a:defRPr>
     </a:lvl4pPr>
-    <a:lvl5pPr marL="1828800" algn="l" defTabSz="914400" rtl="0" eaLnBrk="1" latinLnBrk="0" hangingPunct="1">
+    <a:lvl5pPr marL="1828800" algn="l" defTabSz="457200" rtl="0" eaLnBrk="1" latinLnBrk="0" hangingPunct="1">
       <a:defRPr sz="1800" kern="1200">
         <a:solidFill>
           <a:schemeClr val="tx1"/>
@@ -63,7 +63,7 @@
         <a:cs typeface="+mn-cs"/>
       </a:defRPr>
     </a:lvl5pPr>
-    <a:lvl6pPr marL="2286000" algn="l" defTabSz="914400" rtl="0" eaLnBrk="1" latinLnBrk="0" hangingPunct="1">
+    <a:lvl6pPr marL="2286000" algn="l" defTabSz="457200" rtl="0" eaLnBrk="1" latinLnBrk="0" hangingPunct="1">
       <a:defRPr sz="1800" kern="1200">
         <a:solidFill>
           <a:schemeClr val="tx1"/>
@@ -73,7 +73,7 @@
         <a:cs typeface="+mn-cs"/>
       </a:defRPr>
     </a:lvl6pPr>
-    <a:lvl7pPr marL="2743200" algn="l" defTabSz="914400" rtl="0" eaLnBrk="1" latinLnBrk="0" hangingPunct="1">
+    <a:lvl7pPr marL="2743200" algn="l" defTabSz="457200" rtl="0" eaLnBrk="1" latinLnBrk="0" hangingPunct="1">
       <a:defRPr sz="1800" kern="1200">
         <a:solidFill>
           <a:schemeClr val="tx1"/>
@@ -83,7 +83,7 @@
         <a:cs typeface="+mn-cs"/>
       </a:defRPr>
     </a:lvl7pPr>
-    <a:lvl8pPr marL="3200400" algn="l" defTabSz="914400" rtl="0" eaLnBrk="1" latinLnBrk="0" hangingPunct="1">
+    <a:lvl8pPr marL="3200400" algn="l" defTabSz="457200" rtl="0" eaLnBrk="1" latinLnBrk="0" hangingPunct="1">
       <a:defRPr sz="1800" kern="1200">
         <a:solidFill>
           <a:schemeClr val="tx1"/>
@@ -93,7 +93,7 @@
         <a:cs typeface="+mn-cs"/>
       </a:defRPr>
     </a:lvl8pPr>
-    <a:lvl9pPr marL="3657600" algn="l" defTabSz="914400" rtl="0" eaLnBrk="1" latinLnBrk="0" hangingPunct="1">
+    <a:lvl9pPr marL="3657600" algn="l" defTabSz="457200" rtl="0" eaLnBrk="1" latinLnBrk="0" hangingPunct="1">
       <a:defRPr sz="1800" kern="1200">
         <a:solidFill>
           <a:schemeClr val="tx1"/>
@@ -104,6 +104,11 @@
       </a:defRPr>
     </a:lvl9pPr>
   </p:defaultTextStyle>
+  <p:extLst>
+    <p:ext uri="{EFAFB233-063F-42B5-8137-9DF3F51BA10A}">
+      <p15:sldGuideLst xmlns:p15="http://schemas.microsoft.com/office/powerpoint/2012/main"/>
+    </p:ext>
+  </p:extLst>
 </p:presentation>
 </file>
 
@@ -126,13 +131,7 @@
       </p:grpSpPr>
       <p:sp>
         <p:nvSpPr>
-          <p:cNvPr id="2" name="Title 1">
-            <a:extLst>
-              <a:ext uri="{FF2B5EF4-FFF2-40B4-BE49-F238E27FC236}">
-                <a16:creationId xmlns:a16="http://schemas.microsoft.com/office/drawing/2014/main" id="{3C3DCB8B-E387-4457-9E8E-D01C0AFC1887}"/>
-              </a:ext>
-            </a:extLst>
-          </p:cNvPr>
+          <p:cNvPr id="2" name="Title 1"/>
           <p:cNvSpPr>
             <a:spLocks noGrp="1"/>
           </p:cNvSpPr>
@@ -142,15 +141,15 @@
         </p:nvSpPr>
         <p:spPr>
           <a:xfrm>
-            <a:off x="1524000" y="1122363"/>
-            <a:ext cx="9144000" cy="2387600"/>
+            <a:off x="1371600" y="2992968"/>
+            <a:ext cx="15544800" cy="6366933"/>
           </a:xfrm>
         </p:spPr>
         <p:txBody>
           <a:bodyPr anchor="b"/>
           <a:lstStyle>
             <a:lvl1pPr algn="ctr">
-              <a:defRPr sz="6000"/>
+              <a:defRPr sz="12000"/>
             </a:lvl1pPr>
           </a:lstStyle>
           <a:p>
@@ -158,18 +157,13 @@
               <a:rPr lang="en-US"/>
               <a:t>Click to edit Master title style</a:t>
             </a:r>
-          </a:p>
-        </p:txBody>
-      </p:sp>
-      <p:sp>
-        <p:nvSpPr>
-          <p:cNvPr id="3" name="Subtitle 2">
-            <a:extLst>
-              <a:ext uri="{FF2B5EF4-FFF2-40B4-BE49-F238E27FC236}">
-                <a16:creationId xmlns:a16="http://schemas.microsoft.com/office/drawing/2014/main" id="{AE5F1F03-E2F8-419D-A94A-A488484D6ACD}"/>
-              </a:ext>
-            </a:extLst>
-          </p:cNvPr>
+            <a:endParaRPr lang="en-US" dirty="0"/>
+          </a:p>
+        </p:txBody>
+      </p:sp>
+      <p:sp>
+        <p:nvSpPr>
+          <p:cNvPr id="3" name="Subtitle 2"/>
           <p:cNvSpPr>
             <a:spLocks noGrp="1"/>
           </p:cNvSpPr>
@@ -179,8 +173,8 @@
         </p:nvSpPr>
         <p:spPr>
           <a:xfrm>
-            <a:off x="1524000" y="3602038"/>
-            <a:ext cx="9144000" cy="1655762"/>
+            <a:off x="2286000" y="9605435"/>
+            <a:ext cx="13716000" cy="4415365"/>
           </a:xfrm>
         </p:spPr>
         <p:txBody>
@@ -188,39 +182,39 @@
           <a:lstStyle>
             <a:lvl1pPr marL="0" indent="0" algn="ctr">
               <a:buNone/>
-              <a:defRPr sz="2400"/>
+              <a:defRPr sz="4800"/>
             </a:lvl1pPr>
-            <a:lvl2pPr marL="457200" indent="0" algn="ctr">
-              <a:buNone/>
-              <a:defRPr sz="2000"/>
+            <a:lvl2pPr marL="914400" indent="0" algn="ctr">
+              <a:buNone/>
+              <a:defRPr sz="4000"/>
             </a:lvl2pPr>
-            <a:lvl3pPr marL="914400" indent="0" algn="ctr">
-              <a:buNone/>
-              <a:defRPr sz="1800"/>
+            <a:lvl3pPr marL="1828800" indent="0" algn="ctr">
+              <a:buNone/>
+              <a:defRPr sz="3600"/>
             </a:lvl3pPr>
-            <a:lvl4pPr marL="1371600" indent="0" algn="ctr">
-              <a:buNone/>
-              <a:defRPr sz="1600"/>
+            <a:lvl4pPr marL="2743200" indent="0" algn="ctr">
+              <a:buNone/>
+              <a:defRPr sz="3200"/>
             </a:lvl4pPr>
-            <a:lvl5pPr marL="1828800" indent="0" algn="ctr">
-              <a:buNone/>
-              <a:defRPr sz="1600"/>
+            <a:lvl5pPr marL="3657600" indent="0" algn="ctr">
+              <a:buNone/>
+              <a:defRPr sz="3200"/>
             </a:lvl5pPr>
-            <a:lvl6pPr marL="2286000" indent="0" algn="ctr">
-              <a:buNone/>
-              <a:defRPr sz="1600"/>
+            <a:lvl6pPr marL="4572000" indent="0" algn="ctr">
+              <a:buNone/>
+              <a:defRPr sz="3200"/>
             </a:lvl6pPr>
-            <a:lvl7pPr marL="2743200" indent="0" algn="ctr">
-              <a:buNone/>
-              <a:defRPr sz="1600"/>
+            <a:lvl7pPr marL="5486400" indent="0" algn="ctr">
+              <a:buNone/>
+              <a:defRPr sz="3200"/>
             </a:lvl7pPr>
-            <a:lvl8pPr marL="3200400" indent="0" algn="ctr">
-              <a:buNone/>
-              <a:defRPr sz="1600"/>
+            <a:lvl8pPr marL="6400800" indent="0" algn="ctr">
+              <a:buNone/>
+              <a:defRPr sz="3200"/>
             </a:lvl8pPr>
-            <a:lvl9pPr marL="3657600" indent="0" algn="ctr">
-              <a:buNone/>
-              <a:defRPr sz="1600"/>
+            <a:lvl9pPr marL="7315200" indent="0" algn="ctr">
+              <a:buNone/>
+              <a:defRPr sz="3200"/>
             </a:lvl9pPr>
           </a:lstStyle>
           <a:p>
@@ -228,18 +222,13 @@
               <a:rPr lang="en-US"/>
               <a:t>Click to edit Master subtitle style</a:t>
             </a:r>
-          </a:p>
-        </p:txBody>
-      </p:sp>
-      <p:sp>
-        <p:nvSpPr>
-          <p:cNvPr id="4" name="Date Placeholder 3">
-            <a:extLst>
-              <a:ext uri="{FF2B5EF4-FFF2-40B4-BE49-F238E27FC236}">
-                <a16:creationId xmlns:a16="http://schemas.microsoft.com/office/drawing/2014/main" id="{0872AE47-2383-48C5-AF40-27023B83765C}"/>
-              </a:ext>
-            </a:extLst>
-          </p:cNvPr>
+            <a:endParaRPr lang="en-US" dirty="0"/>
+          </a:p>
+        </p:txBody>
+      </p:sp>
+      <p:sp>
+        <p:nvSpPr>
+          <p:cNvPr id="4" name="Date Placeholder 3"/>
           <p:cNvSpPr>
             <a:spLocks noGrp="1"/>
           </p:cNvSpPr>
@@ -254,7 +243,7 @@
           <a:p>
             <a:fld id="{DFA429E4-E4A0-4FCB-B57B-5790209CB571}" type="datetimeFigureOut">
               <a:rPr lang="en-US" smtClean="0"/>
-              <a:t>8/7/2019</a:t>
+              <a:t>8/8/2019</a:t>
             </a:fld>
             <a:endParaRPr lang="en-US"/>
           </a:p>
@@ -262,13 +251,7 @@
       </p:sp>
       <p:sp>
         <p:nvSpPr>
-          <p:cNvPr id="5" name="Footer Placeholder 4">
-            <a:extLst>
-              <a:ext uri="{FF2B5EF4-FFF2-40B4-BE49-F238E27FC236}">
-                <a16:creationId xmlns:a16="http://schemas.microsoft.com/office/drawing/2014/main" id="{A71BAF5D-4FB8-4331-AF1C-FC611B92DC7E}"/>
-              </a:ext>
-            </a:extLst>
-          </p:cNvPr>
+          <p:cNvPr id="5" name="Footer Placeholder 4"/>
           <p:cNvSpPr>
             <a:spLocks noGrp="1"/>
           </p:cNvSpPr>
@@ -287,13 +270,7 @@
       </p:sp>
       <p:sp>
         <p:nvSpPr>
-          <p:cNvPr id="6" name="Slide Number Placeholder 5">
-            <a:extLst>
-              <a:ext uri="{FF2B5EF4-FFF2-40B4-BE49-F238E27FC236}">
-                <a16:creationId xmlns:a16="http://schemas.microsoft.com/office/drawing/2014/main" id="{6FD57873-875E-43EE-85F8-9F75F6D04764}"/>
-              </a:ext>
-            </a:extLst>
-          </p:cNvPr>
+          <p:cNvPr id="6" name="Slide Number Placeholder 5"/>
           <p:cNvSpPr>
             <a:spLocks noGrp="1"/>
           </p:cNvSpPr>
@@ -317,7 +294,7 @@
     </p:spTree>
     <p:extLst>
       <p:ext uri="{BB962C8B-B14F-4D97-AF65-F5344CB8AC3E}">
-        <p14:creationId xmlns:p14="http://schemas.microsoft.com/office/powerpoint/2010/main" val="2933127895"/>
+        <p14:creationId xmlns:p14="http://schemas.microsoft.com/office/powerpoint/2010/main" val="3904265825"/>
       </p:ext>
     </p:extLst>
   </p:cSld>
@@ -346,13 +323,7 @@
       </p:grpSpPr>
       <p:sp>
         <p:nvSpPr>
-          <p:cNvPr id="2" name="Title 1">
-            <a:extLst>
-              <a:ext uri="{FF2B5EF4-FFF2-40B4-BE49-F238E27FC236}">
-                <a16:creationId xmlns:a16="http://schemas.microsoft.com/office/drawing/2014/main" id="{B5B5C1D6-9C5C-4BFE-834A-D394FBBB96B7}"/>
-              </a:ext>
-            </a:extLst>
-          </p:cNvPr>
+          <p:cNvPr id="2" name="Title 1"/>
           <p:cNvSpPr>
             <a:spLocks noGrp="1"/>
           </p:cNvSpPr>
@@ -369,18 +340,13 @@
               <a:rPr lang="en-US"/>
               <a:t>Click to edit Master title style</a:t>
             </a:r>
-          </a:p>
-        </p:txBody>
-      </p:sp>
-      <p:sp>
-        <p:nvSpPr>
-          <p:cNvPr id="3" name="Vertical Text Placeholder 2">
-            <a:extLst>
-              <a:ext uri="{FF2B5EF4-FFF2-40B4-BE49-F238E27FC236}">
-                <a16:creationId xmlns:a16="http://schemas.microsoft.com/office/drawing/2014/main" id="{4E441A0F-4D7F-4FD0-9E0B-23B4E982A76B}"/>
-              </a:ext>
-            </a:extLst>
-          </p:cNvPr>
+            <a:endParaRPr lang="en-US" dirty="0"/>
+          </a:p>
+        </p:txBody>
+      </p:sp>
+      <p:sp>
+        <p:nvSpPr>
+          <p:cNvPr id="3" name="Vertical Text Placeholder 2"/>
           <p:cNvSpPr>
             <a:spLocks noGrp="1"/>
           </p:cNvSpPr>
@@ -426,18 +392,13 @@
               <a:rPr lang="en-US"/>
               <a:t>Fifth level</a:t>
             </a:r>
-          </a:p>
-        </p:txBody>
-      </p:sp>
-      <p:sp>
-        <p:nvSpPr>
-          <p:cNvPr id="4" name="Date Placeholder 3">
-            <a:extLst>
-              <a:ext uri="{FF2B5EF4-FFF2-40B4-BE49-F238E27FC236}">
-                <a16:creationId xmlns:a16="http://schemas.microsoft.com/office/drawing/2014/main" id="{1340A920-B185-4A42-9ACD-8E1433E1E6FD}"/>
-              </a:ext>
-            </a:extLst>
-          </p:cNvPr>
+            <a:endParaRPr lang="en-US" dirty="0"/>
+          </a:p>
+        </p:txBody>
+      </p:sp>
+      <p:sp>
+        <p:nvSpPr>
+          <p:cNvPr id="4" name="Date Placeholder 3"/>
           <p:cNvSpPr>
             <a:spLocks noGrp="1"/>
           </p:cNvSpPr>
@@ -452,7 +413,7 @@
           <a:p>
             <a:fld id="{DFA429E4-E4A0-4FCB-B57B-5790209CB571}" type="datetimeFigureOut">
               <a:rPr lang="en-US" smtClean="0"/>
-              <a:t>8/7/2019</a:t>
+              <a:t>8/8/2019</a:t>
             </a:fld>
             <a:endParaRPr lang="en-US"/>
           </a:p>
@@ -460,13 +421,7 @@
       </p:sp>
       <p:sp>
         <p:nvSpPr>
-          <p:cNvPr id="5" name="Footer Placeholder 4">
-            <a:extLst>
-              <a:ext uri="{FF2B5EF4-FFF2-40B4-BE49-F238E27FC236}">
-                <a16:creationId xmlns:a16="http://schemas.microsoft.com/office/drawing/2014/main" id="{054D7196-30E6-4574-BD25-062E8E91033D}"/>
-              </a:ext>
-            </a:extLst>
-          </p:cNvPr>
+          <p:cNvPr id="5" name="Footer Placeholder 4"/>
           <p:cNvSpPr>
             <a:spLocks noGrp="1"/>
           </p:cNvSpPr>
@@ -485,13 +440,7 @@
       </p:sp>
       <p:sp>
         <p:nvSpPr>
-          <p:cNvPr id="6" name="Slide Number Placeholder 5">
-            <a:extLst>
-              <a:ext uri="{FF2B5EF4-FFF2-40B4-BE49-F238E27FC236}">
-                <a16:creationId xmlns:a16="http://schemas.microsoft.com/office/drawing/2014/main" id="{5615CD54-F168-42D4-AF62-62801299352A}"/>
-              </a:ext>
-            </a:extLst>
-          </p:cNvPr>
+          <p:cNvPr id="6" name="Slide Number Placeholder 5"/>
           <p:cNvSpPr>
             <a:spLocks noGrp="1"/>
           </p:cNvSpPr>
@@ -515,7 +464,7 @@
     </p:spTree>
     <p:extLst>
       <p:ext uri="{BB962C8B-B14F-4D97-AF65-F5344CB8AC3E}">
-        <p14:creationId xmlns:p14="http://schemas.microsoft.com/office/powerpoint/2010/main" val="3117535467"/>
+        <p14:creationId xmlns:p14="http://schemas.microsoft.com/office/powerpoint/2010/main" val="1964887059"/>
       </p:ext>
     </p:extLst>
   </p:cSld>
@@ -544,13 +493,7 @@
       </p:grpSpPr>
       <p:sp>
         <p:nvSpPr>
-          <p:cNvPr id="2" name="Vertical Title 1">
-            <a:extLst>
-              <a:ext uri="{FF2B5EF4-FFF2-40B4-BE49-F238E27FC236}">
-                <a16:creationId xmlns:a16="http://schemas.microsoft.com/office/drawing/2014/main" id="{4020107A-9230-457C-AC08-D6A227CDDC98}"/>
-              </a:ext>
-            </a:extLst>
-          </p:cNvPr>
+          <p:cNvPr id="2" name="Vertical Title 1"/>
           <p:cNvSpPr>
             <a:spLocks noGrp="1"/>
           </p:cNvSpPr>
@@ -560,8 +503,8 @@
         </p:nvSpPr>
         <p:spPr>
           <a:xfrm>
-            <a:off x="8724900" y="365125"/>
-            <a:ext cx="2628900" cy="5811838"/>
+            <a:off x="13087351" y="973667"/>
+            <a:ext cx="3943350" cy="15498235"/>
           </a:xfrm>
         </p:spPr>
         <p:txBody>
@@ -572,18 +515,13 @@
               <a:rPr lang="en-US"/>
               <a:t>Click to edit Master title style</a:t>
             </a:r>
-          </a:p>
-        </p:txBody>
-      </p:sp>
-      <p:sp>
-        <p:nvSpPr>
-          <p:cNvPr id="3" name="Vertical Text Placeholder 2">
-            <a:extLst>
-              <a:ext uri="{FF2B5EF4-FFF2-40B4-BE49-F238E27FC236}">
-                <a16:creationId xmlns:a16="http://schemas.microsoft.com/office/drawing/2014/main" id="{604979DE-C83F-4E6F-9127-987EE94DE6C7}"/>
-              </a:ext>
-            </a:extLst>
-          </p:cNvPr>
+            <a:endParaRPr lang="en-US" dirty="0"/>
+          </a:p>
+        </p:txBody>
+      </p:sp>
+      <p:sp>
+        <p:nvSpPr>
+          <p:cNvPr id="3" name="Vertical Text Placeholder 2"/>
           <p:cNvSpPr>
             <a:spLocks noGrp="1"/>
           </p:cNvSpPr>
@@ -593,8 +531,8 @@
         </p:nvSpPr>
         <p:spPr>
           <a:xfrm>
-            <a:off x="838200" y="365125"/>
-            <a:ext cx="7734300" cy="5811838"/>
+            <a:off x="1257301" y="973667"/>
+            <a:ext cx="11601450" cy="15498235"/>
           </a:xfrm>
         </p:spPr>
         <p:txBody>
@@ -634,18 +572,13 @@
               <a:rPr lang="en-US"/>
               <a:t>Fifth level</a:t>
             </a:r>
-          </a:p>
-        </p:txBody>
-      </p:sp>
-      <p:sp>
-        <p:nvSpPr>
-          <p:cNvPr id="4" name="Date Placeholder 3">
-            <a:extLst>
-              <a:ext uri="{FF2B5EF4-FFF2-40B4-BE49-F238E27FC236}">
-                <a16:creationId xmlns:a16="http://schemas.microsoft.com/office/drawing/2014/main" id="{4F38B623-E0A0-4CA3-989D-5049FAC879C7}"/>
-              </a:ext>
-            </a:extLst>
-          </p:cNvPr>
+            <a:endParaRPr lang="en-US" dirty="0"/>
+          </a:p>
+        </p:txBody>
+      </p:sp>
+      <p:sp>
+        <p:nvSpPr>
+          <p:cNvPr id="4" name="Date Placeholder 3"/>
           <p:cNvSpPr>
             <a:spLocks noGrp="1"/>
           </p:cNvSpPr>
@@ -660,7 +593,7 @@
           <a:p>
             <a:fld id="{DFA429E4-E4A0-4FCB-B57B-5790209CB571}" type="datetimeFigureOut">
               <a:rPr lang="en-US" smtClean="0"/>
-              <a:t>8/7/2019</a:t>
+              <a:t>8/8/2019</a:t>
             </a:fld>
             <a:endParaRPr lang="en-US"/>
           </a:p>
@@ -668,13 +601,7 @@
       </p:sp>
       <p:sp>
         <p:nvSpPr>
-          <p:cNvPr id="5" name="Footer Placeholder 4">
-            <a:extLst>
-              <a:ext uri="{FF2B5EF4-FFF2-40B4-BE49-F238E27FC236}">
-                <a16:creationId xmlns:a16="http://schemas.microsoft.com/office/drawing/2014/main" id="{4061C6FF-84AA-460D-8386-50FC007D8276}"/>
-              </a:ext>
-            </a:extLst>
-          </p:cNvPr>
+          <p:cNvPr id="5" name="Footer Placeholder 4"/>
           <p:cNvSpPr>
             <a:spLocks noGrp="1"/>
           </p:cNvSpPr>
@@ -693,13 +620,7 @@
       </p:sp>
       <p:sp>
         <p:nvSpPr>
-          <p:cNvPr id="6" name="Slide Number Placeholder 5">
-            <a:extLst>
-              <a:ext uri="{FF2B5EF4-FFF2-40B4-BE49-F238E27FC236}">
-                <a16:creationId xmlns:a16="http://schemas.microsoft.com/office/drawing/2014/main" id="{2E3970CF-C11D-4223-96FD-7AD7B4581010}"/>
-              </a:ext>
-            </a:extLst>
-          </p:cNvPr>
+          <p:cNvPr id="6" name="Slide Number Placeholder 5"/>
           <p:cNvSpPr>
             <a:spLocks noGrp="1"/>
           </p:cNvSpPr>
@@ -723,7 +644,7 @@
     </p:spTree>
     <p:extLst>
       <p:ext uri="{BB962C8B-B14F-4D97-AF65-F5344CB8AC3E}">
-        <p14:creationId xmlns:p14="http://schemas.microsoft.com/office/powerpoint/2010/main" val="569649061"/>
+        <p14:creationId xmlns:p14="http://schemas.microsoft.com/office/powerpoint/2010/main" val="4080102250"/>
       </p:ext>
     </p:extLst>
   </p:cSld>
@@ -752,13 +673,7 @@
       </p:grpSpPr>
       <p:sp>
         <p:nvSpPr>
-          <p:cNvPr id="2" name="Title 1">
-            <a:extLst>
-              <a:ext uri="{FF2B5EF4-FFF2-40B4-BE49-F238E27FC236}">
-                <a16:creationId xmlns:a16="http://schemas.microsoft.com/office/drawing/2014/main" id="{4F61F5D6-EF4B-4397-932B-0371C93DF317}"/>
-              </a:ext>
-            </a:extLst>
-          </p:cNvPr>
+          <p:cNvPr id="2" name="Title 1"/>
           <p:cNvSpPr>
             <a:spLocks noGrp="1"/>
           </p:cNvSpPr>
@@ -775,18 +690,13 @@
               <a:rPr lang="en-US"/>
               <a:t>Click to edit Master title style</a:t>
             </a:r>
-          </a:p>
-        </p:txBody>
-      </p:sp>
-      <p:sp>
-        <p:nvSpPr>
-          <p:cNvPr id="3" name="Content Placeholder 2">
-            <a:extLst>
-              <a:ext uri="{FF2B5EF4-FFF2-40B4-BE49-F238E27FC236}">
-                <a16:creationId xmlns:a16="http://schemas.microsoft.com/office/drawing/2014/main" id="{7CD3B4A8-FBD2-41EF-BDCC-8E684C6127FC}"/>
-              </a:ext>
-            </a:extLst>
-          </p:cNvPr>
+            <a:endParaRPr lang="en-US" dirty="0"/>
+          </a:p>
+        </p:txBody>
+      </p:sp>
+      <p:sp>
+        <p:nvSpPr>
+          <p:cNvPr id="3" name="Content Placeholder 2"/>
           <p:cNvSpPr>
             <a:spLocks noGrp="1"/>
           </p:cNvSpPr>
@@ -832,18 +742,13 @@
               <a:rPr lang="en-US"/>
               <a:t>Fifth level</a:t>
             </a:r>
-          </a:p>
-        </p:txBody>
-      </p:sp>
-      <p:sp>
-        <p:nvSpPr>
-          <p:cNvPr id="4" name="Date Placeholder 3">
-            <a:extLst>
-              <a:ext uri="{FF2B5EF4-FFF2-40B4-BE49-F238E27FC236}">
-                <a16:creationId xmlns:a16="http://schemas.microsoft.com/office/drawing/2014/main" id="{DCF04B3D-E011-4934-A15F-E4F469864C85}"/>
-              </a:ext>
-            </a:extLst>
-          </p:cNvPr>
+            <a:endParaRPr lang="en-US" dirty="0"/>
+          </a:p>
+        </p:txBody>
+      </p:sp>
+      <p:sp>
+        <p:nvSpPr>
+          <p:cNvPr id="4" name="Date Placeholder 3"/>
           <p:cNvSpPr>
             <a:spLocks noGrp="1"/>
           </p:cNvSpPr>
@@ -858,7 +763,7 @@
           <a:p>
             <a:fld id="{DFA429E4-E4A0-4FCB-B57B-5790209CB571}" type="datetimeFigureOut">
               <a:rPr lang="en-US" smtClean="0"/>
-              <a:t>8/7/2019</a:t>
+              <a:t>8/8/2019</a:t>
             </a:fld>
             <a:endParaRPr lang="en-US"/>
           </a:p>
@@ -866,13 +771,7 @@
       </p:sp>
       <p:sp>
         <p:nvSpPr>
-          <p:cNvPr id="5" name="Footer Placeholder 4">
-            <a:extLst>
-              <a:ext uri="{FF2B5EF4-FFF2-40B4-BE49-F238E27FC236}">
-                <a16:creationId xmlns:a16="http://schemas.microsoft.com/office/drawing/2014/main" id="{65BFAD26-8F59-4336-AB17-D06A55B8E372}"/>
-              </a:ext>
-            </a:extLst>
-          </p:cNvPr>
+          <p:cNvPr id="5" name="Footer Placeholder 4"/>
           <p:cNvSpPr>
             <a:spLocks noGrp="1"/>
           </p:cNvSpPr>
@@ -891,13 +790,7 @@
       </p:sp>
       <p:sp>
         <p:nvSpPr>
-          <p:cNvPr id="6" name="Slide Number Placeholder 5">
-            <a:extLst>
-              <a:ext uri="{FF2B5EF4-FFF2-40B4-BE49-F238E27FC236}">
-                <a16:creationId xmlns:a16="http://schemas.microsoft.com/office/drawing/2014/main" id="{BD5044E2-D37A-458D-8D1F-DBFCAF8AED66}"/>
-              </a:ext>
-            </a:extLst>
-          </p:cNvPr>
+          <p:cNvPr id="6" name="Slide Number Placeholder 5"/>
           <p:cNvSpPr>
             <a:spLocks noGrp="1"/>
           </p:cNvSpPr>
@@ -921,7 +814,7 @@
     </p:spTree>
     <p:extLst>
       <p:ext uri="{BB962C8B-B14F-4D97-AF65-F5344CB8AC3E}">
-        <p14:creationId xmlns:p14="http://schemas.microsoft.com/office/powerpoint/2010/main" val="2677348116"/>
+        <p14:creationId xmlns:p14="http://schemas.microsoft.com/office/powerpoint/2010/main" val="223359635"/>
       </p:ext>
     </p:extLst>
   </p:cSld>
@@ -950,13 +843,7 @@
       </p:grpSpPr>
       <p:sp>
         <p:nvSpPr>
-          <p:cNvPr id="2" name="Title 1">
-            <a:extLst>
-              <a:ext uri="{FF2B5EF4-FFF2-40B4-BE49-F238E27FC236}">
-                <a16:creationId xmlns:a16="http://schemas.microsoft.com/office/drawing/2014/main" id="{496DADA9-FF6A-4431-9FEA-6EA910779526}"/>
-              </a:ext>
-            </a:extLst>
-          </p:cNvPr>
+          <p:cNvPr id="2" name="Title 1"/>
           <p:cNvSpPr>
             <a:spLocks noGrp="1"/>
           </p:cNvSpPr>
@@ -966,15 +853,15 @@
         </p:nvSpPr>
         <p:spPr>
           <a:xfrm>
-            <a:off x="831850" y="1709738"/>
-            <a:ext cx="10515600" cy="2852737"/>
+            <a:off x="1247776" y="4559305"/>
+            <a:ext cx="15773400" cy="7607299"/>
           </a:xfrm>
         </p:spPr>
         <p:txBody>
           <a:bodyPr anchor="b"/>
           <a:lstStyle>
             <a:lvl1pPr>
-              <a:defRPr sz="6000"/>
+              <a:defRPr sz="12000"/>
             </a:lvl1pPr>
           </a:lstStyle>
           <a:p>
@@ -982,18 +869,13 @@
               <a:rPr lang="en-US"/>
               <a:t>Click to edit Master title style</a:t>
             </a:r>
-          </a:p>
-        </p:txBody>
-      </p:sp>
-      <p:sp>
-        <p:nvSpPr>
-          <p:cNvPr id="3" name="Text Placeholder 2">
-            <a:extLst>
-              <a:ext uri="{FF2B5EF4-FFF2-40B4-BE49-F238E27FC236}">
-                <a16:creationId xmlns:a16="http://schemas.microsoft.com/office/drawing/2014/main" id="{6590CF3B-9C7A-4A90-B381-3B4B01A28ED1}"/>
-              </a:ext>
-            </a:extLst>
-          </p:cNvPr>
+            <a:endParaRPr lang="en-US" dirty="0"/>
+          </a:p>
+        </p:txBody>
+      </p:sp>
+      <p:sp>
+        <p:nvSpPr>
+          <p:cNvPr id="3" name="Text Placeholder 2"/>
           <p:cNvSpPr>
             <a:spLocks noGrp="1"/>
           </p:cNvSpPr>
@@ -1003,8 +885,8 @@
         </p:nvSpPr>
         <p:spPr>
           <a:xfrm>
-            <a:off x="831850" y="4589463"/>
-            <a:ext cx="10515600" cy="1500187"/>
+            <a:off x="1247776" y="12238572"/>
+            <a:ext cx="15773400" cy="4000499"/>
           </a:xfrm>
         </p:spPr>
         <p:txBody>
@@ -1012,17 +894,15 @@
           <a:lstStyle>
             <a:lvl1pPr marL="0" indent="0">
               <a:buNone/>
-              <a:defRPr sz="2400">
+              <a:defRPr sz="4800">
                 <a:solidFill>
-                  <a:schemeClr val="tx1">
-                    <a:tint val="75000"/>
-                  </a:schemeClr>
+                  <a:schemeClr val="tx1"/>
                 </a:solidFill>
               </a:defRPr>
             </a:lvl1pPr>
-            <a:lvl2pPr marL="457200" indent="0">
-              <a:buNone/>
-              <a:defRPr sz="2000">
+            <a:lvl2pPr marL="914400" indent="0">
+              <a:buNone/>
+              <a:defRPr sz="4000">
                 <a:solidFill>
                   <a:schemeClr val="tx1">
                     <a:tint val="75000"/>
@@ -1030,9 +910,9 @@
                 </a:solidFill>
               </a:defRPr>
             </a:lvl2pPr>
-            <a:lvl3pPr marL="914400" indent="0">
-              <a:buNone/>
-              <a:defRPr sz="1800">
+            <a:lvl3pPr marL="1828800" indent="0">
+              <a:buNone/>
+              <a:defRPr sz="3600">
                 <a:solidFill>
                   <a:schemeClr val="tx1">
                     <a:tint val="75000"/>
@@ -1040,9 +920,9 @@
                 </a:solidFill>
               </a:defRPr>
             </a:lvl3pPr>
-            <a:lvl4pPr marL="1371600" indent="0">
-              <a:buNone/>
-              <a:defRPr sz="1600">
+            <a:lvl4pPr marL="2743200" indent="0">
+              <a:buNone/>
+              <a:defRPr sz="3200">
                 <a:solidFill>
                   <a:schemeClr val="tx1">
                     <a:tint val="75000"/>
@@ -1050,9 +930,9 @@
                 </a:solidFill>
               </a:defRPr>
             </a:lvl4pPr>
-            <a:lvl5pPr marL="1828800" indent="0">
-              <a:buNone/>
-              <a:defRPr sz="1600">
+            <a:lvl5pPr marL="3657600" indent="0">
+              <a:buNone/>
+              <a:defRPr sz="3200">
                 <a:solidFill>
                   <a:schemeClr val="tx1">
                     <a:tint val="75000"/>
@@ -1060,9 +940,9 @@
                 </a:solidFill>
               </a:defRPr>
             </a:lvl5pPr>
-            <a:lvl6pPr marL="2286000" indent="0">
-              <a:buNone/>
-              <a:defRPr sz="1600">
+            <a:lvl6pPr marL="4572000" indent="0">
+              <a:buNone/>
+              <a:defRPr sz="3200">
                 <a:solidFill>
                   <a:schemeClr val="tx1">
                     <a:tint val="75000"/>
@@ -1070,9 +950,9 @@
                 </a:solidFill>
               </a:defRPr>
             </a:lvl6pPr>
-            <a:lvl7pPr marL="2743200" indent="0">
-              <a:buNone/>
-              <a:defRPr sz="1600">
+            <a:lvl7pPr marL="5486400" indent="0">
+              <a:buNone/>
+              <a:defRPr sz="3200">
                 <a:solidFill>
                   <a:schemeClr val="tx1">
                     <a:tint val="75000"/>
@@ -1080,9 +960,9 @@
                 </a:solidFill>
               </a:defRPr>
             </a:lvl7pPr>
-            <a:lvl8pPr marL="3200400" indent="0">
-              <a:buNone/>
-              <a:defRPr sz="1600">
+            <a:lvl8pPr marL="6400800" indent="0">
+              <a:buNone/>
+              <a:defRPr sz="3200">
                 <a:solidFill>
                   <a:schemeClr val="tx1">
                     <a:tint val="75000"/>
@@ -1090,9 +970,9 @@
                 </a:solidFill>
               </a:defRPr>
             </a:lvl8pPr>
-            <a:lvl9pPr marL="3657600" indent="0">
-              <a:buNone/>
-              <a:defRPr sz="1600">
+            <a:lvl9pPr marL="7315200" indent="0">
+              <a:buNone/>
+              <a:defRPr sz="3200">
                 <a:solidFill>
                   <a:schemeClr val="tx1">
                     <a:tint val="75000"/>
@@ -1112,13 +992,7 @@
       </p:sp>
       <p:sp>
         <p:nvSpPr>
-          <p:cNvPr id="4" name="Date Placeholder 3">
-            <a:extLst>
-              <a:ext uri="{FF2B5EF4-FFF2-40B4-BE49-F238E27FC236}">
-                <a16:creationId xmlns:a16="http://schemas.microsoft.com/office/drawing/2014/main" id="{C4604C2B-9987-4647-B4A4-6732316B66BB}"/>
-              </a:ext>
-            </a:extLst>
-          </p:cNvPr>
+          <p:cNvPr id="4" name="Date Placeholder 3"/>
           <p:cNvSpPr>
             <a:spLocks noGrp="1"/>
           </p:cNvSpPr>
@@ -1133,7 +1007,7 @@
           <a:p>
             <a:fld id="{DFA429E4-E4A0-4FCB-B57B-5790209CB571}" type="datetimeFigureOut">
               <a:rPr lang="en-US" smtClean="0"/>
-              <a:t>8/7/2019</a:t>
+              <a:t>8/8/2019</a:t>
             </a:fld>
             <a:endParaRPr lang="en-US"/>
           </a:p>
@@ -1141,13 +1015,7 @@
       </p:sp>
       <p:sp>
         <p:nvSpPr>
-          <p:cNvPr id="5" name="Footer Placeholder 4">
-            <a:extLst>
-              <a:ext uri="{FF2B5EF4-FFF2-40B4-BE49-F238E27FC236}">
-                <a16:creationId xmlns:a16="http://schemas.microsoft.com/office/drawing/2014/main" id="{C55C71A8-0117-4473-9157-092CA4225D1A}"/>
-              </a:ext>
-            </a:extLst>
-          </p:cNvPr>
+          <p:cNvPr id="5" name="Footer Placeholder 4"/>
           <p:cNvSpPr>
             <a:spLocks noGrp="1"/>
           </p:cNvSpPr>
@@ -1166,13 +1034,7 @@
       </p:sp>
       <p:sp>
         <p:nvSpPr>
-          <p:cNvPr id="6" name="Slide Number Placeholder 5">
-            <a:extLst>
-              <a:ext uri="{FF2B5EF4-FFF2-40B4-BE49-F238E27FC236}">
-                <a16:creationId xmlns:a16="http://schemas.microsoft.com/office/drawing/2014/main" id="{E47C9AE8-F6D4-4C67-A2B9-3E26C8EFC9E9}"/>
-              </a:ext>
-            </a:extLst>
-          </p:cNvPr>
+          <p:cNvPr id="6" name="Slide Number Placeholder 5"/>
           <p:cNvSpPr>
             <a:spLocks noGrp="1"/>
           </p:cNvSpPr>
@@ -1196,7 +1058,7 @@
     </p:spTree>
     <p:extLst>
       <p:ext uri="{BB962C8B-B14F-4D97-AF65-F5344CB8AC3E}">
-        <p14:creationId xmlns:p14="http://schemas.microsoft.com/office/powerpoint/2010/main" val="283319107"/>
+        <p14:creationId xmlns:p14="http://schemas.microsoft.com/office/powerpoint/2010/main" val="4252471942"/>
       </p:ext>
     </p:extLst>
   </p:cSld>
@@ -1225,13 +1087,7 @@
       </p:grpSpPr>
       <p:sp>
         <p:nvSpPr>
-          <p:cNvPr id="2" name="Title 1">
-            <a:extLst>
-              <a:ext uri="{FF2B5EF4-FFF2-40B4-BE49-F238E27FC236}">
-                <a16:creationId xmlns:a16="http://schemas.microsoft.com/office/drawing/2014/main" id="{BE97535D-310A-4B3F-A1B7-AF00EC47FDAA}"/>
-              </a:ext>
-            </a:extLst>
-          </p:cNvPr>
+          <p:cNvPr id="2" name="Title 1"/>
           <p:cNvSpPr>
             <a:spLocks noGrp="1"/>
           </p:cNvSpPr>
@@ -1248,18 +1104,13 @@
               <a:rPr lang="en-US"/>
               <a:t>Click to edit Master title style</a:t>
             </a:r>
-          </a:p>
-        </p:txBody>
-      </p:sp>
-      <p:sp>
-        <p:nvSpPr>
-          <p:cNvPr id="3" name="Content Placeholder 2">
-            <a:extLst>
-              <a:ext uri="{FF2B5EF4-FFF2-40B4-BE49-F238E27FC236}">
-                <a16:creationId xmlns:a16="http://schemas.microsoft.com/office/drawing/2014/main" id="{6F712DFB-4388-4B42-BB78-AC53158F0709}"/>
-              </a:ext>
-            </a:extLst>
-          </p:cNvPr>
+            <a:endParaRPr lang="en-US" dirty="0"/>
+          </a:p>
+        </p:txBody>
+      </p:sp>
+      <p:sp>
+        <p:nvSpPr>
+          <p:cNvPr id="3" name="Content Placeholder 2"/>
           <p:cNvSpPr>
             <a:spLocks noGrp="1"/>
           </p:cNvSpPr>
@@ -1269,8 +1120,8 @@
         </p:nvSpPr>
         <p:spPr>
           <a:xfrm>
-            <a:off x="838200" y="1825625"/>
-            <a:ext cx="5181600" cy="4351338"/>
+            <a:off x="1257300" y="4868333"/>
+            <a:ext cx="7772400" cy="11603568"/>
           </a:xfrm>
         </p:spPr>
         <p:txBody>
@@ -1310,18 +1161,13 @@
               <a:rPr lang="en-US"/>
               <a:t>Fifth level</a:t>
             </a:r>
-          </a:p>
-        </p:txBody>
-      </p:sp>
-      <p:sp>
-        <p:nvSpPr>
-          <p:cNvPr id="4" name="Content Placeholder 3">
-            <a:extLst>
-              <a:ext uri="{FF2B5EF4-FFF2-40B4-BE49-F238E27FC236}">
-                <a16:creationId xmlns:a16="http://schemas.microsoft.com/office/drawing/2014/main" id="{1B07E180-9901-404B-97D1-9BA5E8AA8CD6}"/>
-              </a:ext>
-            </a:extLst>
-          </p:cNvPr>
+            <a:endParaRPr lang="en-US" dirty="0"/>
+          </a:p>
+        </p:txBody>
+      </p:sp>
+      <p:sp>
+        <p:nvSpPr>
+          <p:cNvPr id="4" name="Content Placeholder 3"/>
           <p:cNvSpPr>
             <a:spLocks noGrp="1"/>
           </p:cNvSpPr>
@@ -1331,8 +1177,8 @@
         </p:nvSpPr>
         <p:spPr>
           <a:xfrm>
-            <a:off x="6172200" y="1825625"/>
-            <a:ext cx="5181600" cy="4351338"/>
+            <a:off x="9258300" y="4868333"/>
+            <a:ext cx="7772400" cy="11603568"/>
           </a:xfrm>
         </p:spPr>
         <p:txBody>
@@ -1372,18 +1218,13 @@
               <a:rPr lang="en-US"/>
               <a:t>Fifth level</a:t>
             </a:r>
-          </a:p>
-        </p:txBody>
-      </p:sp>
-      <p:sp>
-        <p:nvSpPr>
-          <p:cNvPr id="5" name="Date Placeholder 4">
-            <a:extLst>
-              <a:ext uri="{FF2B5EF4-FFF2-40B4-BE49-F238E27FC236}">
-                <a16:creationId xmlns:a16="http://schemas.microsoft.com/office/drawing/2014/main" id="{EC75DCFA-EE49-4DF0-ACB0-732A3F11B28C}"/>
-              </a:ext>
-            </a:extLst>
-          </p:cNvPr>
+            <a:endParaRPr lang="en-US" dirty="0"/>
+          </a:p>
+        </p:txBody>
+      </p:sp>
+      <p:sp>
+        <p:nvSpPr>
+          <p:cNvPr id="5" name="Date Placeholder 4"/>
           <p:cNvSpPr>
             <a:spLocks noGrp="1"/>
           </p:cNvSpPr>
@@ -1398,7 +1239,7 @@
           <a:p>
             <a:fld id="{DFA429E4-E4A0-4FCB-B57B-5790209CB571}" type="datetimeFigureOut">
               <a:rPr lang="en-US" smtClean="0"/>
-              <a:t>8/7/2019</a:t>
+              <a:t>8/8/2019</a:t>
             </a:fld>
             <a:endParaRPr lang="en-US"/>
           </a:p>
@@ -1406,13 +1247,7 @@
       </p:sp>
       <p:sp>
         <p:nvSpPr>
-          <p:cNvPr id="6" name="Footer Placeholder 5">
-            <a:extLst>
-              <a:ext uri="{FF2B5EF4-FFF2-40B4-BE49-F238E27FC236}">
-                <a16:creationId xmlns:a16="http://schemas.microsoft.com/office/drawing/2014/main" id="{052BA550-23D8-421B-9E0E-9B3051F36D38}"/>
-              </a:ext>
-            </a:extLst>
-          </p:cNvPr>
+          <p:cNvPr id="6" name="Footer Placeholder 5"/>
           <p:cNvSpPr>
             <a:spLocks noGrp="1"/>
           </p:cNvSpPr>
@@ -1431,13 +1266,7 @@
       </p:sp>
       <p:sp>
         <p:nvSpPr>
-          <p:cNvPr id="7" name="Slide Number Placeholder 6">
-            <a:extLst>
-              <a:ext uri="{FF2B5EF4-FFF2-40B4-BE49-F238E27FC236}">
-                <a16:creationId xmlns:a16="http://schemas.microsoft.com/office/drawing/2014/main" id="{202FAF2B-59E1-49D3-82F7-1992B8B0C25F}"/>
-              </a:ext>
-            </a:extLst>
-          </p:cNvPr>
+          <p:cNvPr id="7" name="Slide Number Placeholder 6"/>
           <p:cNvSpPr>
             <a:spLocks noGrp="1"/>
           </p:cNvSpPr>
@@ -1461,7 +1290,7 @@
     </p:spTree>
     <p:extLst>
       <p:ext uri="{BB962C8B-B14F-4D97-AF65-F5344CB8AC3E}">
-        <p14:creationId xmlns:p14="http://schemas.microsoft.com/office/powerpoint/2010/main" val="1066732612"/>
+        <p14:creationId xmlns:p14="http://schemas.microsoft.com/office/powerpoint/2010/main" val="1449166740"/>
       </p:ext>
     </p:extLst>
   </p:cSld>
@@ -1490,13 +1319,7 @@
       </p:grpSpPr>
       <p:sp>
         <p:nvSpPr>
-          <p:cNvPr id="2" name="Title 1">
-            <a:extLst>
-              <a:ext uri="{FF2B5EF4-FFF2-40B4-BE49-F238E27FC236}">
-                <a16:creationId xmlns:a16="http://schemas.microsoft.com/office/drawing/2014/main" id="{F8EE65EA-6C63-4433-93C2-0EB1F6057BA5}"/>
-              </a:ext>
-            </a:extLst>
-          </p:cNvPr>
+          <p:cNvPr id="2" name="Title 1"/>
           <p:cNvSpPr>
             <a:spLocks noGrp="1"/>
           </p:cNvSpPr>
@@ -1506,8 +1329,8 @@
         </p:nvSpPr>
         <p:spPr>
           <a:xfrm>
-            <a:off x="839788" y="365125"/>
-            <a:ext cx="10515600" cy="1325563"/>
+            <a:off x="1259682" y="973671"/>
+            <a:ext cx="15773400" cy="3534835"/>
           </a:xfrm>
         </p:spPr>
         <p:txBody>
@@ -1518,18 +1341,13 @@
               <a:rPr lang="en-US"/>
               <a:t>Click to edit Master title style</a:t>
             </a:r>
-          </a:p>
-        </p:txBody>
-      </p:sp>
-      <p:sp>
-        <p:nvSpPr>
-          <p:cNvPr id="3" name="Text Placeholder 2">
-            <a:extLst>
-              <a:ext uri="{FF2B5EF4-FFF2-40B4-BE49-F238E27FC236}">
-                <a16:creationId xmlns:a16="http://schemas.microsoft.com/office/drawing/2014/main" id="{B0768FCF-A812-4D83-BA33-B38A1D3BBA87}"/>
-              </a:ext>
-            </a:extLst>
-          </p:cNvPr>
+            <a:endParaRPr lang="en-US" dirty="0"/>
+          </a:p>
+        </p:txBody>
+      </p:sp>
+      <p:sp>
+        <p:nvSpPr>
+          <p:cNvPr id="3" name="Text Placeholder 2"/>
           <p:cNvSpPr>
             <a:spLocks noGrp="1"/>
           </p:cNvSpPr>
@@ -1539,8 +1357,8 @@
         </p:nvSpPr>
         <p:spPr>
           <a:xfrm>
-            <a:off x="839788" y="1681163"/>
-            <a:ext cx="5157787" cy="823912"/>
+            <a:off x="1259684" y="4483101"/>
+            <a:ext cx="7736680" cy="2197099"/>
           </a:xfrm>
         </p:spPr>
         <p:txBody>
@@ -1548,39 +1366,39 @@
           <a:lstStyle>
             <a:lvl1pPr marL="0" indent="0">
               <a:buNone/>
-              <a:defRPr sz="2400" b="1"/>
+              <a:defRPr sz="4800" b="1"/>
             </a:lvl1pPr>
-            <a:lvl2pPr marL="457200" indent="0">
-              <a:buNone/>
-              <a:defRPr sz="2000" b="1"/>
+            <a:lvl2pPr marL="914400" indent="0">
+              <a:buNone/>
+              <a:defRPr sz="4000" b="1"/>
             </a:lvl2pPr>
-            <a:lvl3pPr marL="914400" indent="0">
-              <a:buNone/>
-              <a:defRPr sz="1800" b="1"/>
+            <a:lvl3pPr marL="1828800" indent="0">
+              <a:buNone/>
+              <a:defRPr sz="3600" b="1"/>
             </a:lvl3pPr>
-            <a:lvl4pPr marL="1371600" indent="0">
-              <a:buNone/>
-              <a:defRPr sz="1600" b="1"/>
+            <a:lvl4pPr marL="2743200" indent="0">
+              <a:buNone/>
+              <a:defRPr sz="3200" b="1"/>
             </a:lvl4pPr>
-            <a:lvl5pPr marL="1828800" indent="0">
-              <a:buNone/>
-              <a:defRPr sz="1600" b="1"/>
+            <a:lvl5pPr marL="3657600" indent="0">
+              <a:buNone/>
+              <a:defRPr sz="3200" b="1"/>
             </a:lvl5pPr>
-            <a:lvl6pPr marL="2286000" indent="0">
-              <a:buNone/>
-              <a:defRPr sz="1600" b="1"/>
+            <a:lvl6pPr marL="4572000" indent="0">
+              <a:buNone/>
+              <a:defRPr sz="3200" b="1"/>
             </a:lvl6pPr>
-            <a:lvl7pPr marL="2743200" indent="0">
-              <a:buNone/>
-              <a:defRPr sz="1600" b="1"/>
+            <a:lvl7pPr marL="5486400" indent="0">
+              <a:buNone/>
+              <a:defRPr sz="3200" b="1"/>
             </a:lvl7pPr>
-            <a:lvl8pPr marL="3200400" indent="0">
-              <a:buNone/>
-              <a:defRPr sz="1600" b="1"/>
+            <a:lvl8pPr marL="6400800" indent="0">
+              <a:buNone/>
+              <a:defRPr sz="3200" b="1"/>
             </a:lvl8pPr>
-            <a:lvl9pPr marL="3657600" indent="0">
-              <a:buNone/>
-              <a:defRPr sz="1600" b="1"/>
+            <a:lvl9pPr marL="7315200" indent="0">
+              <a:buNone/>
+              <a:defRPr sz="3200" b="1"/>
             </a:lvl9pPr>
           </a:lstStyle>
           <a:p>
@@ -1594,13 +1412,7 @@
       </p:sp>
       <p:sp>
         <p:nvSpPr>
-          <p:cNvPr id="4" name="Content Placeholder 3">
-            <a:extLst>
-              <a:ext uri="{FF2B5EF4-FFF2-40B4-BE49-F238E27FC236}">
-                <a16:creationId xmlns:a16="http://schemas.microsoft.com/office/drawing/2014/main" id="{BA5D3483-56F4-448A-88A9-E73F190DF8AA}"/>
-              </a:ext>
-            </a:extLst>
-          </p:cNvPr>
+          <p:cNvPr id="4" name="Content Placeholder 3"/>
           <p:cNvSpPr>
             <a:spLocks noGrp="1"/>
           </p:cNvSpPr>
@@ -1610,8 +1422,8 @@
         </p:nvSpPr>
         <p:spPr>
           <a:xfrm>
-            <a:off x="839788" y="2505075"/>
-            <a:ext cx="5157787" cy="3684588"/>
+            <a:off x="1259684" y="6680200"/>
+            <a:ext cx="7736680" cy="9825568"/>
           </a:xfrm>
         </p:spPr>
         <p:txBody>
@@ -1651,18 +1463,13 @@
               <a:rPr lang="en-US"/>
               <a:t>Fifth level</a:t>
             </a:r>
-          </a:p>
-        </p:txBody>
-      </p:sp>
-      <p:sp>
-        <p:nvSpPr>
-          <p:cNvPr id="5" name="Text Placeholder 4">
-            <a:extLst>
-              <a:ext uri="{FF2B5EF4-FFF2-40B4-BE49-F238E27FC236}">
-                <a16:creationId xmlns:a16="http://schemas.microsoft.com/office/drawing/2014/main" id="{E03A1084-CCFD-409C-AC63-779E5CAF3C37}"/>
-              </a:ext>
-            </a:extLst>
-          </p:cNvPr>
+            <a:endParaRPr lang="en-US" dirty="0"/>
+          </a:p>
+        </p:txBody>
+      </p:sp>
+      <p:sp>
+        <p:nvSpPr>
+          <p:cNvPr id="5" name="Text Placeholder 4"/>
           <p:cNvSpPr>
             <a:spLocks noGrp="1"/>
           </p:cNvSpPr>
@@ -1672,8 +1479,8 @@
         </p:nvSpPr>
         <p:spPr>
           <a:xfrm>
-            <a:off x="6172200" y="1681163"/>
-            <a:ext cx="5183188" cy="823912"/>
+            <a:off x="9258301" y="4483101"/>
+            <a:ext cx="7774782" cy="2197099"/>
           </a:xfrm>
         </p:spPr>
         <p:txBody>
@@ -1681,39 +1488,39 @@
           <a:lstStyle>
             <a:lvl1pPr marL="0" indent="0">
               <a:buNone/>
-              <a:defRPr sz="2400" b="1"/>
+              <a:defRPr sz="4800" b="1"/>
             </a:lvl1pPr>
-            <a:lvl2pPr marL="457200" indent="0">
-              <a:buNone/>
-              <a:defRPr sz="2000" b="1"/>
+            <a:lvl2pPr marL="914400" indent="0">
+              <a:buNone/>
+              <a:defRPr sz="4000" b="1"/>
             </a:lvl2pPr>
-            <a:lvl3pPr marL="914400" indent="0">
-              <a:buNone/>
-              <a:defRPr sz="1800" b="1"/>
+            <a:lvl3pPr marL="1828800" indent="0">
+              <a:buNone/>
+              <a:defRPr sz="3600" b="1"/>
             </a:lvl3pPr>
-            <a:lvl4pPr marL="1371600" indent="0">
-              <a:buNone/>
-              <a:defRPr sz="1600" b="1"/>
+            <a:lvl4pPr marL="2743200" indent="0">
+              <a:buNone/>
+              <a:defRPr sz="3200" b="1"/>
             </a:lvl4pPr>
-            <a:lvl5pPr marL="1828800" indent="0">
-              <a:buNone/>
-              <a:defRPr sz="1600" b="1"/>
+            <a:lvl5pPr marL="3657600" indent="0">
+              <a:buNone/>
+              <a:defRPr sz="3200" b="1"/>
             </a:lvl5pPr>
-            <a:lvl6pPr marL="2286000" indent="0">
-              <a:buNone/>
-              <a:defRPr sz="1600" b="1"/>
+            <a:lvl6pPr marL="4572000" indent="0">
+              <a:buNone/>
+              <a:defRPr sz="3200" b="1"/>
             </a:lvl6pPr>
-            <a:lvl7pPr marL="2743200" indent="0">
-              <a:buNone/>
-              <a:defRPr sz="1600" b="1"/>
+            <a:lvl7pPr marL="5486400" indent="0">
+              <a:buNone/>
+              <a:defRPr sz="3200" b="1"/>
             </a:lvl7pPr>
-            <a:lvl8pPr marL="3200400" indent="0">
-              <a:buNone/>
-              <a:defRPr sz="1600" b="1"/>
+            <a:lvl8pPr marL="6400800" indent="0">
+              <a:buNone/>
+              <a:defRPr sz="3200" b="1"/>
             </a:lvl8pPr>
-            <a:lvl9pPr marL="3657600" indent="0">
-              <a:buNone/>
-              <a:defRPr sz="1600" b="1"/>
+            <a:lvl9pPr marL="7315200" indent="0">
+              <a:buNone/>
+              <a:defRPr sz="3200" b="1"/>
             </a:lvl9pPr>
           </a:lstStyle>
           <a:p>
@@ -1727,13 +1534,7 @@
       </p:sp>
       <p:sp>
         <p:nvSpPr>
-          <p:cNvPr id="6" name="Content Placeholder 5">
-            <a:extLst>
-              <a:ext uri="{FF2B5EF4-FFF2-40B4-BE49-F238E27FC236}">
-                <a16:creationId xmlns:a16="http://schemas.microsoft.com/office/drawing/2014/main" id="{5F870BC9-FC1A-4A9B-BDD0-70418F756A5F}"/>
-              </a:ext>
-            </a:extLst>
-          </p:cNvPr>
+          <p:cNvPr id="6" name="Content Placeholder 5"/>
           <p:cNvSpPr>
             <a:spLocks noGrp="1"/>
           </p:cNvSpPr>
@@ -1743,8 +1544,8 @@
         </p:nvSpPr>
         <p:spPr>
           <a:xfrm>
-            <a:off x="6172200" y="2505075"/>
-            <a:ext cx="5183188" cy="3684588"/>
+            <a:off x="9258301" y="6680200"/>
+            <a:ext cx="7774782" cy="9825568"/>
           </a:xfrm>
         </p:spPr>
         <p:txBody>
@@ -1784,18 +1585,13 @@
               <a:rPr lang="en-US"/>
               <a:t>Fifth level</a:t>
             </a:r>
-          </a:p>
-        </p:txBody>
-      </p:sp>
-      <p:sp>
-        <p:nvSpPr>
-          <p:cNvPr id="7" name="Date Placeholder 6">
-            <a:extLst>
-              <a:ext uri="{FF2B5EF4-FFF2-40B4-BE49-F238E27FC236}">
-                <a16:creationId xmlns:a16="http://schemas.microsoft.com/office/drawing/2014/main" id="{DFD73366-3628-4713-88E6-23E5F0F943FD}"/>
-              </a:ext>
-            </a:extLst>
-          </p:cNvPr>
+            <a:endParaRPr lang="en-US" dirty="0"/>
+          </a:p>
+        </p:txBody>
+      </p:sp>
+      <p:sp>
+        <p:nvSpPr>
+          <p:cNvPr id="7" name="Date Placeholder 6"/>
           <p:cNvSpPr>
             <a:spLocks noGrp="1"/>
           </p:cNvSpPr>
@@ -1810,7 +1606,7 @@
           <a:p>
             <a:fld id="{DFA429E4-E4A0-4FCB-B57B-5790209CB571}" type="datetimeFigureOut">
               <a:rPr lang="en-US" smtClean="0"/>
-              <a:t>8/7/2019</a:t>
+              <a:t>8/8/2019</a:t>
             </a:fld>
             <a:endParaRPr lang="en-US"/>
           </a:p>
@@ -1818,13 +1614,7 @@
       </p:sp>
       <p:sp>
         <p:nvSpPr>
-          <p:cNvPr id="8" name="Footer Placeholder 7">
-            <a:extLst>
-              <a:ext uri="{FF2B5EF4-FFF2-40B4-BE49-F238E27FC236}">
-                <a16:creationId xmlns:a16="http://schemas.microsoft.com/office/drawing/2014/main" id="{8E1398DE-E251-4303-90F7-B1E741CA89C7}"/>
-              </a:ext>
-            </a:extLst>
-          </p:cNvPr>
+          <p:cNvPr id="8" name="Footer Placeholder 7"/>
           <p:cNvSpPr>
             <a:spLocks noGrp="1"/>
           </p:cNvSpPr>
@@ -1843,13 +1633,7 @@
       </p:sp>
       <p:sp>
         <p:nvSpPr>
-          <p:cNvPr id="9" name="Slide Number Placeholder 8">
-            <a:extLst>
-              <a:ext uri="{FF2B5EF4-FFF2-40B4-BE49-F238E27FC236}">
-                <a16:creationId xmlns:a16="http://schemas.microsoft.com/office/drawing/2014/main" id="{975E9792-394A-4157-82AB-F930B9A8335A}"/>
-              </a:ext>
-            </a:extLst>
-          </p:cNvPr>
+          <p:cNvPr id="9" name="Slide Number Placeholder 8"/>
           <p:cNvSpPr>
             <a:spLocks noGrp="1"/>
           </p:cNvSpPr>
@@ -1873,7 +1657,7 @@
     </p:spTree>
     <p:extLst>
       <p:ext uri="{BB962C8B-B14F-4D97-AF65-F5344CB8AC3E}">
-        <p14:creationId xmlns:p14="http://schemas.microsoft.com/office/powerpoint/2010/main" val="1905906031"/>
+        <p14:creationId xmlns:p14="http://schemas.microsoft.com/office/powerpoint/2010/main" val="3274807118"/>
       </p:ext>
     </p:extLst>
   </p:cSld>
@@ -1902,13 +1686,7 @@
       </p:grpSpPr>
       <p:sp>
         <p:nvSpPr>
-          <p:cNvPr id="2" name="Title 1">
-            <a:extLst>
-              <a:ext uri="{FF2B5EF4-FFF2-40B4-BE49-F238E27FC236}">
-                <a16:creationId xmlns:a16="http://schemas.microsoft.com/office/drawing/2014/main" id="{DEEFB8DE-ED14-4DE2-820E-83EA380D0749}"/>
-              </a:ext>
-            </a:extLst>
-          </p:cNvPr>
+          <p:cNvPr id="2" name="Title 1"/>
           <p:cNvSpPr>
             <a:spLocks noGrp="1"/>
           </p:cNvSpPr>
@@ -1925,18 +1703,13 @@
               <a:rPr lang="en-US"/>
               <a:t>Click to edit Master title style</a:t>
             </a:r>
-          </a:p>
-        </p:txBody>
-      </p:sp>
-      <p:sp>
-        <p:nvSpPr>
-          <p:cNvPr id="3" name="Date Placeholder 2">
-            <a:extLst>
-              <a:ext uri="{FF2B5EF4-FFF2-40B4-BE49-F238E27FC236}">
-                <a16:creationId xmlns:a16="http://schemas.microsoft.com/office/drawing/2014/main" id="{6771712C-D27D-41E6-998C-588F8F7DC62D}"/>
-              </a:ext>
-            </a:extLst>
-          </p:cNvPr>
+            <a:endParaRPr lang="en-US" dirty="0"/>
+          </a:p>
+        </p:txBody>
+      </p:sp>
+      <p:sp>
+        <p:nvSpPr>
+          <p:cNvPr id="3" name="Date Placeholder 2"/>
           <p:cNvSpPr>
             <a:spLocks noGrp="1"/>
           </p:cNvSpPr>
@@ -1951,7 +1724,7 @@
           <a:p>
             <a:fld id="{DFA429E4-E4A0-4FCB-B57B-5790209CB571}" type="datetimeFigureOut">
               <a:rPr lang="en-US" smtClean="0"/>
-              <a:t>8/7/2019</a:t>
+              <a:t>8/8/2019</a:t>
             </a:fld>
             <a:endParaRPr lang="en-US"/>
           </a:p>
@@ -1959,13 +1732,7 @@
       </p:sp>
       <p:sp>
         <p:nvSpPr>
-          <p:cNvPr id="4" name="Footer Placeholder 3">
-            <a:extLst>
-              <a:ext uri="{FF2B5EF4-FFF2-40B4-BE49-F238E27FC236}">
-                <a16:creationId xmlns:a16="http://schemas.microsoft.com/office/drawing/2014/main" id="{6D59A92E-E6C9-4878-881A-5D97F0836B8B}"/>
-              </a:ext>
-            </a:extLst>
-          </p:cNvPr>
+          <p:cNvPr id="4" name="Footer Placeholder 3"/>
           <p:cNvSpPr>
             <a:spLocks noGrp="1"/>
           </p:cNvSpPr>
@@ -1984,13 +1751,7 @@
       </p:sp>
       <p:sp>
         <p:nvSpPr>
-          <p:cNvPr id="5" name="Slide Number Placeholder 4">
-            <a:extLst>
-              <a:ext uri="{FF2B5EF4-FFF2-40B4-BE49-F238E27FC236}">
-                <a16:creationId xmlns:a16="http://schemas.microsoft.com/office/drawing/2014/main" id="{18FA9A0D-10F4-4885-98F0-2A80DB2662FE}"/>
-              </a:ext>
-            </a:extLst>
-          </p:cNvPr>
+          <p:cNvPr id="5" name="Slide Number Placeholder 4"/>
           <p:cNvSpPr>
             <a:spLocks noGrp="1"/>
           </p:cNvSpPr>
@@ -2014,7 +1775,7 @@
     </p:spTree>
     <p:extLst>
       <p:ext uri="{BB962C8B-B14F-4D97-AF65-F5344CB8AC3E}">
-        <p14:creationId xmlns:p14="http://schemas.microsoft.com/office/powerpoint/2010/main" val="19357223"/>
+        <p14:creationId xmlns:p14="http://schemas.microsoft.com/office/powerpoint/2010/main" val="2213112291"/>
       </p:ext>
     </p:extLst>
   </p:cSld>
@@ -2043,13 +1804,7 @@
       </p:grpSpPr>
       <p:sp>
         <p:nvSpPr>
-          <p:cNvPr id="2" name="Date Placeholder 1">
-            <a:extLst>
-              <a:ext uri="{FF2B5EF4-FFF2-40B4-BE49-F238E27FC236}">
-                <a16:creationId xmlns:a16="http://schemas.microsoft.com/office/drawing/2014/main" id="{7D7AE981-C64A-44C9-A3AE-23B88640C609}"/>
-              </a:ext>
-            </a:extLst>
-          </p:cNvPr>
+          <p:cNvPr id="2" name="Date Placeholder 1"/>
           <p:cNvSpPr>
             <a:spLocks noGrp="1"/>
           </p:cNvSpPr>
@@ -2064,7 +1819,7 @@
           <a:p>
             <a:fld id="{DFA429E4-E4A0-4FCB-B57B-5790209CB571}" type="datetimeFigureOut">
               <a:rPr lang="en-US" smtClean="0"/>
-              <a:t>8/7/2019</a:t>
+              <a:t>8/8/2019</a:t>
             </a:fld>
             <a:endParaRPr lang="en-US"/>
           </a:p>
@@ -2072,13 +1827,7 @@
       </p:sp>
       <p:sp>
         <p:nvSpPr>
-          <p:cNvPr id="3" name="Footer Placeholder 2">
-            <a:extLst>
-              <a:ext uri="{FF2B5EF4-FFF2-40B4-BE49-F238E27FC236}">
-                <a16:creationId xmlns:a16="http://schemas.microsoft.com/office/drawing/2014/main" id="{DE510A94-1056-49B5-BBB2-4B13EF09E34C}"/>
-              </a:ext>
-            </a:extLst>
-          </p:cNvPr>
+          <p:cNvPr id="3" name="Footer Placeholder 2"/>
           <p:cNvSpPr>
             <a:spLocks noGrp="1"/>
           </p:cNvSpPr>
@@ -2097,13 +1846,7 @@
       </p:sp>
       <p:sp>
         <p:nvSpPr>
-          <p:cNvPr id="4" name="Slide Number Placeholder 3">
-            <a:extLst>
-              <a:ext uri="{FF2B5EF4-FFF2-40B4-BE49-F238E27FC236}">
-                <a16:creationId xmlns:a16="http://schemas.microsoft.com/office/drawing/2014/main" id="{DD4C6810-EF7B-4214-94A4-4E43C8A0A7BB}"/>
-              </a:ext>
-            </a:extLst>
-          </p:cNvPr>
+          <p:cNvPr id="4" name="Slide Number Placeholder 3"/>
           <p:cNvSpPr>
             <a:spLocks noGrp="1"/>
           </p:cNvSpPr>
@@ -2127,7 +1870,7 @@
     </p:spTree>
     <p:extLst>
       <p:ext uri="{BB962C8B-B14F-4D97-AF65-F5344CB8AC3E}">
-        <p14:creationId xmlns:p14="http://schemas.microsoft.com/office/powerpoint/2010/main" val="479415110"/>
+        <p14:creationId xmlns:p14="http://schemas.microsoft.com/office/powerpoint/2010/main" val="2530503687"/>
       </p:ext>
     </p:extLst>
   </p:cSld>
@@ -2156,13 +1899,7 @@
       </p:grpSpPr>
       <p:sp>
         <p:nvSpPr>
-          <p:cNvPr id="2" name="Title 1">
-            <a:extLst>
-              <a:ext uri="{FF2B5EF4-FFF2-40B4-BE49-F238E27FC236}">
-                <a16:creationId xmlns:a16="http://schemas.microsoft.com/office/drawing/2014/main" id="{3D280E5C-0C7F-4251-BB08-44770BE48560}"/>
-              </a:ext>
-            </a:extLst>
-          </p:cNvPr>
+          <p:cNvPr id="2" name="Title 1"/>
           <p:cNvSpPr>
             <a:spLocks noGrp="1"/>
           </p:cNvSpPr>
@@ -2172,15 +1909,15 @@
         </p:nvSpPr>
         <p:spPr>
           <a:xfrm>
-            <a:off x="839788" y="457200"/>
-            <a:ext cx="3932237" cy="1600200"/>
+            <a:off x="1259682" y="1219200"/>
+            <a:ext cx="5898356" cy="4267200"/>
           </a:xfrm>
         </p:spPr>
         <p:txBody>
           <a:bodyPr anchor="b"/>
           <a:lstStyle>
             <a:lvl1pPr>
-              <a:defRPr sz="3200"/>
+              <a:defRPr sz="6400"/>
             </a:lvl1pPr>
           </a:lstStyle>
           <a:p>
@@ -2188,18 +1925,13 @@
               <a:rPr lang="en-US"/>
               <a:t>Click to edit Master title style</a:t>
             </a:r>
-          </a:p>
-        </p:txBody>
-      </p:sp>
-      <p:sp>
-        <p:nvSpPr>
-          <p:cNvPr id="3" name="Content Placeholder 2">
-            <a:extLst>
-              <a:ext uri="{FF2B5EF4-FFF2-40B4-BE49-F238E27FC236}">
-                <a16:creationId xmlns:a16="http://schemas.microsoft.com/office/drawing/2014/main" id="{F4F1DD4D-DADD-41CD-B183-58A8FEABF281}"/>
-              </a:ext>
-            </a:extLst>
-          </p:cNvPr>
+            <a:endParaRPr lang="en-US" dirty="0"/>
+          </a:p>
+        </p:txBody>
+      </p:sp>
+      <p:sp>
+        <p:nvSpPr>
+          <p:cNvPr id="3" name="Content Placeholder 2"/>
           <p:cNvSpPr>
             <a:spLocks noGrp="1"/>
           </p:cNvSpPr>
@@ -2209,38 +1941,132 @@
         </p:nvSpPr>
         <p:spPr>
           <a:xfrm>
-            <a:off x="5183188" y="987425"/>
-            <a:ext cx="6172200" cy="4873625"/>
+            <a:off x="7774782" y="2633138"/>
+            <a:ext cx="9258300" cy="12996333"/>
           </a:xfrm>
         </p:spPr>
         <p:txBody>
           <a:bodyPr/>
           <a:lstStyle>
             <a:lvl1pPr>
+              <a:defRPr sz="6400"/>
+            </a:lvl1pPr>
+            <a:lvl2pPr>
+              <a:defRPr sz="5600"/>
+            </a:lvl2pPr>
+            <a:lvl3pPr>
+              <a:defRPr sz="4800"/>
+            </a:lvl3pPr>
+            <a:lvl4pPr>
+              <a:defRPr sz="4000"/>
+            </a:lvl4pPr>
+            <a:lvl5pPr>
+              <a:defRPr sz="4000"/>
+            </a:lvl5pPr>
+            <a:lvl6pPr>
+              <a:defRPr sz="4000"/>
+            </a:lvl6pPr>
+            <a:lvl7pPr>
+              <a:defRPr sz="4000"/>
+            </a:lvl7pPr>
+            <a:lvl8pPr>
+              <a:defRPr sz="4000"/>
+            </a:lvl8pPr>
+            <a:lvl9pPr>
+              <a:defRPr sz="4000"/>
+            </a:lvl9pPr>
+          </a:lstStyle>
+          <a:p>
+            <a:pPr lvl="0"/>
+            <a:r>
+              <a:rPr lang="en-US"/>
+              <a:t>Click to edit Master text styles</a:t>
+            </a:r>
+          </a:p>
+          <a:p>
+            <a:pPr lvl="1"/>
+            <a:r>
+              <a:rPr lang="en-US"/>
+              <a:t>Second level</a:t>
+            </a:r>
+          </a:p>
+          <a:p>
+            <a:pPr lvl="2"/>
+            <a:r>
+              <a:rPr lang="en-US"/>
+              <a:t>Third level</a:t>
+            </a:r>
+          </a:p>
+          <a:p>
+            <a:pPr lvl="3"/>
+            <a:r>
+              <a:rPr lang="en-US"/>
+              <a:t>Fourth level</a:t>
+            </a:r>
+          </a:p>
+          <a:p>
+            <a:pPr lvl="4"/>
+            <a:r>
+              <a:rPr lang="en-US"/>
+              <a:t>Fifth level</a:t>
+            </a:r>
+            <a:endParaRPr lang="en-US" dirty="0"/>
+          </a:p>
+        </p:txBody>
+      </p:sp>
+      <p:sp>
+        <p:nvSpPr>
+          <p:cNvPr id="4" name="Text Placeholder 3"/>
+          <p:cNvSpPr>
+            <a:spLocks noGrp="1"/>
+          </p:cNvSpPr>
+          <p:nvPr>
+            <p:ph type="body" sz="half" idx="2"/>
+          </p:nvPr>
+        </p:nvSpPr>
+        <p:spPr>
+          <a:xfrm>
+            <a:off x="1259682" y="5486400"/>
+            <a:ext cx="5898356" cy="10164235"/>
+          </a:xfrm>
+        </p:spPr>
+        <p:txBody>
+          <a:bodyPr/>
+          <a:lstStyle>
+            <a:lvl1pPr marL="0" indent="0">
+              <a:buNone/>
               <a:defRPr sz="3200"/>
             </a:lvl1pPr>
-            <a:lvl2pPr>
+            <a:lvl2pPr marL="914400" indent="0">
+              <a:buNone/>
               <a:defRPr sz="2800"/>
             </a:lvl2pPr>
-            <a:lvl3pPr>
+            <a:lvl3pPr marL="1828800" indent="0">
+              <a:buNone/>
               <a:defRPr sz="2400"/>
             </a:lvl3pPr>
-            <a:lvl4pPr>
+            <a:lvl4pPr marL="2743200" indent="0">
+              <a:buNone/>
               <a:defRPr sz="2000"/>
             </a:lvl4pPr>
-            <a:lvl5pPr>
+            <a:lvl5pPr marL="3657600" indent="0">
+              <a:buNone/>
               <a:defRPr sz="2000"/>
             </a:lvl5pPr>
-            <a:lvl6pPr>
+            <a:lvl6pPr marL="4572000" indent="0">
+              <a:buNone/>
               <a:defRPr sz="2000"/>
             </a:lvl6pPr>
-            <a:lvl7pPr>
+            <a:lvl7pPr marL="5486400" indent="0">
+              <a:buNone/>
               <a:defRPr sz="2000"/>
             </a:lvl7pPr>
-            <a:lvl8pPr>
+            <a:lvl8pPr marL="6400800" indent="0">
+              <a:buNone/>
               <a:defRPr sz="2000"/>
             </a:lvl8pPr>
-            <a:lvl9pPr>
+            <a:lvl9pPr marL="7315200" indent="0">
+              <a:buNone/>
               <a:defRPr sz="2000"/>
             </a:lvl9pPr>
           </a:lstStyle>
@@ -2251,116 +2077,11 @@
               <a:t>Click to edit Master text styles</a:t>
             </a:r>
           </a:p>
-          <a:p>
-            <a:pPr lvl="1"/>
-            <a:r>
-              <a:rPr lang="en-US"/>
-              <a:t>Second level</a:t>
-            </a:r>
-          </a:p>
-          <a:p>
-            <a:pPr lvl="2"/>
-            <a:r>
-              <a:rPr lang="en-US"/>
-              <a:t>Third level</a:t>
-            </a:r>
-          </a:p>
-          <a:p>
-            <a:pPr lvl="3"/>
-            <a:r>
-              <a:rPr lang="en-US"/>
-              <a:t>Fourth level</a:t>
-            </a:r>
-          </a:p>
-          <a:p>
-            <a:pPr lvl="4"/>
-            <a:r>
-              <a:rPr lang="en-US"/>
-              <a:t>Fifth level</a:t>
-            </a:r>
-          </a:p>
-        </p:txBody>
-      </p:sp>
-      <p:sp>
-        <p:nvSpPr>
-          <p:cNvPr id="4" name="Text Placeholder 3">
-            <a:extLst>
-              <a:ext uri="{FF2B5EF4-FFF2-40B4-BE49-F238E27FC236}">
-                <a16:creationId xmlns:a16="http://schemas.microsoft.com/office/drawing/2014/main" id="{4B3EB434-0FFF-451F-B69C-AF268D19192D}"/>
-              </a:ext>
-            </a:extLst>
-          </p:cNvPr>
-          <p:cNvSpPr>
-            <a:spLocks noGrp="1"/>
-          </p:cNvSpPr>
-          <p:nvPr>
-            <p:ph type="body" sz="half" idx="2"/>
-          </p:nvPr>
-        </p:nvSpPr>
-        <p:spPr>
-          <a:xfrm>
-            <a:off x="839788" y="2057400"/>
-            <a:ext cx="3932237" cy="3811588"/>
-          </a:xfrm>
-        </p:spPr>
-        <p:txBody>
-          <a:bodyPr/>
-          <a:lstStyle>
-            <a:lvl1pPr marL="0" indent="0">
-              <a:buNone/>
-              <a:defRPr sz="1600"/>
-            </a:lvl1pPr>
-            <a:lvl2pPr marL="457200" indent="0">
-              <a:buNone/>
-              <a:defRPr sz="1400"/>
-            </a:lvl2pPr>
-            <a:lvl3pPr marL="914400" indent="0">
-              <a:buNone/>
-              <a:defRPr sz="1200"/>
-            </a:lvl3pPr>
-            <a:lvl4pPr marL="1371600" indent="0">
-              <a:buNone/>
-              <a:defRPr sz="1000"/>
-            </a:lvl4pPr>
-            <a:lvl5pPr marL="1828800" indent="0">
-              <a:buNone/>
-              <a:defRPr sz="1000"/>
-            </a:lvl5pPr>
-            <a:lvl6pPr marL="2286000" indent="0">
-              <a:buNone/>
-              <a:defRPr sz="1000"/>
-            </a:lvl6pPr>
-            <a:lvl7pPr marL="2743200" indent="0">
-              <a:buNone/>
-              <a:defRPr sz="1000"/>
-            </a:lvl7pPr>
-            <a:lvl8pPr marL="3200400" indent="0">
-              <a:buNone/>
-              <a:defRPr sz="1000"/>
-            </a:lvl8pPr>
-            <a:lvl9pPr marL="3657600" indent="0">
-              <a:buNone/>
-              <a:defRPr sz="1000"/>
-            </a:lvl9pPr>
-          </a:lstStyle>
-          <a:p>
-            <a:pPr lvl="0"/>
-            <a:r>
-              <a:rPr lang="en-US"/>
-              <a:t>Click to edit Master text styles</a:t>
-            </a:r>
-          </a:p>
-        </p:txBody>
-      </p:sp>
-      <p:sp>
-        <p:nvSpPr>
-          <p:cNvPr id="5" name="Date Placeholder 4">
-            <a:extLst>
-              <a:ext uri="{FF2B5EF4-FFF2-40B4-BE49-F238E27FC236}">
-                <a16:creationId xmlns:a16="http://schemas.microsoft.com/office/drawing/2014/main" id="{75A52AD5-FDB4-464D-AB07-7105CB2A95E8}"/>
-              </a:ext>
-            </a:extLst>
-          </p:cNvPr>
+        </p:txBody>
+      </p:sp>
+      <p:sp>
+        <p:nvSpPr>
+          <p:cNvPr id="5" name="Date Placeholder 4"/>
           <p:cNvSpPr>
             <a:spLocks noGrp="1"/>
           </p:cNvSpPr>
@@ -2375,7 +2096,7 @@
           <a:p>
             <a:fld id="{DFA429E4-E4A0-4FCB-B57B-5790209CB571}" type="datetimeFigureOut">
               <a:rPr lang="en-US" smtClean="0"/>
-              <a:t>8/7/2019</a:t>
+              <a:t>8/8/2019</a:t>
             </a:fld>
             <a:endParaRPr lang="en-US"/>
           </a:p>
@@ -2383,13 +2104,7 @@
       </p:sp>
       <p:sp>
         <p:nvSpPr>
-          <p:cNvPr id="6" name="Footer Placeholder 5">
-            <a:extLst>
-              <a:ext uri="{FF2B5EF4-FFF2-40B4-BE49-F238E27FC236}">
-                <a16:creationId xmlns:a16="http://schemas.microsoft.com/office/drawing/2014/main" id="{DB94187A-748B-4654-B857-4C20FD5C38BC}"/>
-              </a:ext>
-            </a:extLst>
-          </p:cNvPr>
+          <p:cNvPr id="6" name="Footer Placeholder 5"/>
           <p:cNvSpPr>
             <a:spLocks noGrp="1"/>
           </p:cNvSpPr>
@@ -2408,13 +2123,7 @@
       </p:sp>
       <p:sp>
         <p:nvSpPr>
-          <p:cNvPr id="7" name="Slide Number Placeholder 6">
-            <a:extLst>
-              <a:ext uri="{FF2B5EF4-FFF2-40B4-BE49-F238E27FC236}">
-                <a16:creationId xmlns:a16="http://schemas.microsoft.com/office/drawing/2014/main" id="{FED6E6B2-F5EF-4299-BC7A-4886036C37F6}"/>
-              </a:ext>
-            </a:extLst>
-          </p:cNvPr>
+          <p:cNvPr id="7" name="Slide Number Placeholder 6"/>
           <p:cNvSpPr>
             <a:spLocks noGrp="1"/>
           </p:cNvSpPr>
@@ -2438,7 +2147,7 @@
     </p:spTree>
     <p:extLst>
       <p:ext uri="{BB962C8B-B14F-4D97-AF65-F5344CB8AC3E}">
-        <p14:creationId xmlns:p14="http://schemas.microsoft.com/office/powerpoint/2010/main" val="2343104188"/>
+        <p14:creationId xmlns:p14="http://schemas.microsoft.com/office/powerpoint/2010/main" val="1336220625"/>
       </p:ext>
     </p:extLst>
   </p:cSld>
@@ -2467,13 +2176,7 @@
       </p:grpSpPr>
       <p:sp>
         <p:nvSpPr>
-          <p:cNvPr id="2" name="Title 1">
-            <a:extLst>
-              <a:ext uri="{FF2B5EF4-FFF2-40B4-BE49-F238E27FC236}">
-                <a16:creationId xmlns:a16="http://schemas.microsoft.com/office/drawing/2014/main" id="{E4A64CB1-49B5-4CA9-A1EA-6E7F3BE8DE97}"/>
-              </a:ext>
-            </a:extLst>
-          </p:cNvPr>
+          <p:cNvPr id="2" name="Title 1"/>
           <p:cNvSpPr>
             <a:spLocks noGrp="1"/>
           </p:cNvSpPr>
@@ -2483,15 +2186,15 @@
         </p:nvSpPr>
         <p:spPr>
           <a:xfrm>
-            <a:off x="839788" y="457200"/>
-            <a:ext cx="3932237" cy="1600200"/>
+            <a:off x="1259682" y="1219200"/>
+            <a:ext cx="5898356" cy="4267200"/>
           </a:xfrm>
         </p:spPr>
         <p:txBody>
           <a:bodyPr anchor="b"/>
           <a:lstStyle>
             <a:lvl1pPr>
-              <a:defRPr sz="3200"/>
+              <a:defRPr sz="6400"/>
             </a:lvl1pPr>
           </a:lstStyle>
           <a:p>
@@ -2499,20 +2202,15 @@
               <a:rPr lang="en-US"/>
               <a:t>Click to edit Master title style</a:t>
             </a:r>
-          </a:p>
-        </p:txBody>
-      </p:sp>
-      <p:sp>
-        <p:nvSpPr>
-          <p:cNvPr id="3" name="Picture Placeholder 2">
-            <a:extLst>
-              <a:ext uri="{FF2B5EF4-FFF2-40B4-BE49-F238E27FC236}">
-                <a16:creationId xmlns:a16="http://schemas.microsoft.com/office/drawing/2014/main" id="{C58DEB65-0B10-4C7B-A09A-C7F292E7B537}"/>
-              </a:ext>
-            </a:extLst>
-          </p:cNvPr>
-          <p:cNvSpPr>
-            <a:spLocks noGrp="1"/>
+            <a:endParaRPr lang="en-US" dirty="0"/>
+          </a:p>
+        </p:txBody>
+      </p:sp>
+      <p:sp>
+        <p:nvSpPr>
+          <p:cNvPr id="3" name="Picture Placeholder 2"/>
+          <p:cNvSpPr>
+            <a:spLocks noGrp="1" noChangeAspect="1"/>
           </p:cNvSpPr>
           <p:nvPr>
             <p:ph type="pic" idx="1"/>
@@ -2520,8 +2218,73 @@
         </p:nvSpPr>
         <p:spPr>
           <a:xfrm>
-            <a:off x="5183188" y="987425"/>
-            <a:ext cx="6172200" cy="4873625"/>
+            <a:off x="7774782" y="2633138"/>
+            <a:ext cx="9258300" cy="12996333"/>
+          </a:xfrm>
+        </p:spPr>
+        <p:txBody>
+          <a:bodyPr anchor="t"/>
+          <a:lstStyle>
+            <a:lvl1pPr marL="0" indent="0">
+              <a:buNone/>
+              <a:defRPr sz="6400"/>
+            </a:lvl1pPr>
+            <a:lvl2pPr marL="914400" indent="0">
+              <a:buNone/>
+              <a:defRPr sz="5600"/>
+            </a:lvl2pPr>
+            <a:lvl3pPr marL="1828800" indent="0">
+              <a:buNone/>
+              <a:defRPr sz="4800"/>
+            </a:lvl3pPr>
+            <a:lvl4pPr marL="2743200" indent="0">
+              <a:buNone/>
+              <a:defRPr sz="4000"/>
+            </a:lvl4pPr>
+            <a:lvl5pPr marL="3657600" indent="0">
+              <a:buNone/>
+              <a:defRPr sz="4000"/>
+            </a:lvl5pPr>
+            <a:lvl6pPr marL="4572000" indent="0">
+              <a:buNone/>
+              <a:defRPr sz="4000"/>
+            </a:lvl6pPr>
+            <a:lvl7pPr marL="5486400" indent="0">
+              <a:buNone/>
+              <a:defRPr sz="4000"/>
+            </a:lvl7pPr>
+            <a:lvl8pPr marL="6400800" indent="0">
+              <a:buNone/>
+              <a:defRPr sz="4000"/>
+            </a:lvl8pPr>
+            <a:lvl9pPr marL="7315200" indent="0">
+              <a:buNone/>
+              <a:defRPr sz="4000"/>
+            </a:lvl9pPr>
+          </a:lstStyle>
+          <a:p>
+            <a:r>
+              <a:rPr lang="en-US"/>
+              <a:t>Click icon to add picture</a:t>
+            </a:r>
+            <a:endParaRPr lang="en-US" dirty="0"/>
+          </a:p>
+        </p:txBody>
+      </p:sp>
+      <p:sp>
+        <p:nvSpPr>
+          <p:cNvPr id="4" name="Text Placeholder 3"/>
+          <p:cNvSpPr>
+            <a:spLocks noGrp="1"/>
+          </p:cNvSpPr>
+          <p:nvPr>
+            <p:ph type="body" sz="half" idx="2"/>
+          </p:nvPr>
+        </p:nvSpPr>
+        <p:spPr>
+          <a:xfrm>
+            <a:off x="1259682" y="5486400"/>
+            <a:ext cx="5898356" cy="10164235"/>
           </a:xfrm>
         </p:spPr>
         <p:txBody>
@@ -2531,107 +2294,40 @@
               <a:buNone/>
               <a:defRPr sz="3200"/>
             </a:lvl1pPr>
-            <a:lvl2pPr marL="457200" indent="0">
+            <a:lvl2pPr marL="914400" indent="0">
               <a:buNone/>
               <a:defRPr sz="2800"/>
             </a:lvl2pPr>
-            <a:lvl3pPr marL="914400" indent="0">
+            <a:lvl3pPr marL="1828800" indent="0">
               <a:buNone/>
               <a:defRPr sz="2400"/>
             </a:lvl3pPr>
-            <a:lvl4pPr marL="1371600" indent="0">
+            <a:lvl4pPr marL="2743200" indent="0">
               <a:buNone/>
               <a:defRPr sz="2000"/>
             </a:lvl4pPr>
-            <a:lvl5pPr marL="1828800" indent="0">
+            <a:lvl5pPr marL="3657600" indent="0">
               <a:buNone/>
               <a:defRPr sz="2000"/>
             </a:lvl5pPr>
-            <a:lvl6pPr marL="2286000" indent="0">
+            <a:lvl6pPr marL="4572000" indent="0">
               <a:buNone/>
               <a:defRPr sz="2000"/>
             </a:lvl6pPr>
-            <a:lvl7pPr marL="2743200" indent="0">
+            <a:lvl7pPr marL="5486400" indent="0">
               <a:buNone/>
               <a:defRPr sz="2000"/>
             </a:lvl7pPr>
-            <a:lvl8pPr marL="3200400" indent="0">
+            <a:lvl8pPr marL="6400800" indent="0">
               <a:buNone/>
               <a:defRPr sz="2000"/>
             </a:lvl8pPr>
-            <a:lvl9pPr marL="3657600" indent="0">
+            <a:lvl9pPr marL="7315200" indent="0">
               <a:buNone/>
               <a:defRPr sz="2000"/>
             </a:lvl9pPr>
           </a:lstStyle>
           <a:p>
-            <a:endParaRPr lang="en-US"/>
-          </a:p>
-        </p:txBody>
-      </p:sp>
-      <p:sp>
-        <p:nvSpPr>
-          <p:cNvPr id="4" name="Text Placeholder 3">
-            <a:extLst>
-              <a:ext uri="{FF2B5EF4-FFF2-40B4-BE49-F238E27FC236}">
-                <a16:creationId xmlns:a16="http://schemas.microsoft.com/office/drawing/2014/main" id="{4BC4DEEC-FB04-42D9-9F9D-C76759EF3B6F}"/>
-              </a:ext>
-            </a:extLst>
-          </p:cNvPr>
-          <p:cNvSpPr>
-            <a:spLocks noGrp="1"/>
-          </p:cNvSpPr>
-          <p:nvPr>
-            <p:ph type="body" sz="half" idx="2"/>
-          </p:nvPr>
-        </p:nvSpPr>
-        <p:spPr>
-          <a:xfrm>
-            <a:off x="839788" y="2057400"/>
-            <a:ext cx="3932237" cy="3811588"/>
-          </a:xfrm>
-        </p:spPr>
-        <p:txBody>
-          <a:bodyPr/>
-          <a:lstStyle>
-            <a:lvl1pPr marL="0" indent="0">
-              <a:buNone/>
-              <a:defRPr sz="1600"/>
-            </a:lvl1pPr>
-            <a:lvl2pPr marL="457200" indent="0">
-              <a:buNone/>
-              <a:defRPr sz="1400"/>
-            </a:lvl2pPr>
-            <a:lvl3pPr marL="914400" indent="0">
-              <a:buNone/>
-              <a:defRPr sz="1200"/>
-            </a:lvl3pPr>
-            <a:lvl4pPr marL="1371600" indent="0">
-              <a:buNone/>
-              <a:defRPr sz="1000"/>
-            </a:lvl4pPr>
-            <a:lvl5pPr marL="1828800" indent="0">
-              <a:buNone/>
-              <a:defRPr sz="1000"/>
-            </a:lvl5pPr>
-            <a:lvl6pPr marL="2286000" indent="0">
-              <a:buNone/>
-              <a:defRPr sz="1000"/>
-            </a:lvl6pPr>
-            <a:lvl7pPr marL="2743200" indent="0">
-              <a:buNone/>
-              <a:defRPr sz="1000"/>
-            </a:lvl7pPr>
-            <a:lvl8pPr marL="3200400" indent="0">
-              <a:buNone/>
-              <a:defRPr sz="1000"/>
-            </a:lvl8pPr>
-            <a:lvl9pPr marL="3657600" indent="0">
-              <a:buNone/>
-              <a:defRPr sz="1000"/>
-            </a:lvl9pPr>
-          </a:lstStyle>
-          <a:p>
             <a:pPr lvl="0"/>
             <a:r>
               <a:rPr lang="en-US"/>
@@ -2642,13 +2338,7 @@
       </p:sp>
       <p:sp>
         <p:nvSpPr>
-          <p:cNvPr id="5" name="Date Placeholder 4">
-            <a:extLst>
-              <a:ext uri="{FF2B5EF4-FFF2-40B4-BE49-F238E27FC236}">
-                <a16:creationId xmlns:a16="http://schemas.microsoft.com/office/drawing/2014/main" id="{B8CFABAC-0196-47B3-9FD8-417FAC178D38}"/>
-              </a:ext>
-            </a:extLst>
-          </p:cNvPr>
+          <p:cNvPr id="5" name="Date Placeholder 4"/>
           <p:cNvSpPr>
             <a:spLocks noGrp="1"/>
           </p:cNvSpPr>
@@ -2663,7 +2353,7 @@
           <a:p>
             <a:fld id="{DFA429E4-E4A0-4FCB-B57B-5790209CB571}" type="datetimeFigureOut">
               <a:rPr lang="en-US" smtClean="0"/>
-              <a:t>8/7/2019</a:t>
+              <a:t>8/8/2019</a:t>
             </a:fld>
             <a:endParaRPr lang="en-US"/>
           </a:p>
@@ -2671,13 +2361,7 @@
       </p:sp>
       <p:sp>
         <p:nvSpPr>
-          <p:cNvPr id="6" name="Footer Placeholder 5">
-            <a:extLst>
-              <a:ext uri="{FF2B5EF4-FFF2-40B4-BE49-F238E27FC236}">
-                <a16:creationId xmlns:a16="http://schemas.microsoft.com/office/drawing/2014/main" id="{8EC74017-06BB-4C47-948A-F72D64D886ED}"/>
-              </a:ext>
-            </a:extLst>
-          </p:cNvPr>
+          <p:cNvPr id="6" name="Footer Placeholder 5"/>
           <p:cNvSpPr>
             <a:spLocks noGrp="1"/>
           </p:cNvSpPr>
@@ -2696,13 +2380,7 @@
       </p:sp>
       <p:sp>
         <p:nvSpPr>
-          <p:cNvPr id="7" name="Slide Number Placeholder 6">
-            <a:extLst>
-              <a:ext uri="{FF2B5EF4-FFF2-40B4-BE49-F238E27FC236}">
-                <a16:creationId xmlns:a16="http://schemas.microsoft.com/office/drawing/2014/main" id="{A08F8E97-3FBE-4FBA-88A5-94833742FD27}"/>
-              </a:ext>
-            </a:extLst>
-          </p:cNvPr>
+          <p:cNvPr id="7" name="Slide Number Placeholder 6"/>
           <p:cNvSpPr>
             <a:spLocks noGrp="1"/>
           </p:cNvSpPr>
@@ -2726,7 +2404,7 @@
     </p:spTree>
     <p:extLst>
       <p:ext uri="{BB962C8B-B14F-4D97-AF65-F5344CB8AC3E}">
-        <p14:creationId xmlns:p14="http://schemas.microsoft.com/office/powerpoint/2010/main" val="2746373397"/>
+        <p14:creationId xmlns:p14="http://schemas.microsoft.com/office/powerpoint/2010/main" val="1291755669"/>
       </p:ext>
     </p:extLst>
   </p:cSld>
@@ -2760,13 +2438,7 @@
       </p:grpSpPr>
       <p:sp>
         <p:nvSpPr>
-          <p:cNvPr id="2" name="Title Placeholder 1">
-            <a:extLst>
-              <a:ext uri="{FF2B5EF4-FFF2-40B4-BE49-F238E27FC236}">
-                <a16:creationId xmlns:a16="http://schemas.microsoft.com/office/drawing/2014/main" id="{4192792A-731A-414C-868D-0D89932E224D}"/>
-              </a:ext>
-            </a:extLst>
-          </p:cNvPr>
+          <p:cNvPr id="2" name="Title Placeholder 1"/>
           <p:cNvSpPr>
             <a:spLocks noGrp="1"/>
           </p:cNvSpPr>
@@ -2776,8 +2448,8 @@
         </p:nvSpPr>
         <p:spPr>
           <a:xfrm>
-            <a:off x="838200" y="365125"/>
-            <a:ext cx="10515600" cy="1325563"/>
+            <a:off x="1257300" y="973671"/>
+            <a:ext cx="15773400" cy="3534835"/>
           </a:xfrm>
           <a:prstGeom prst="rect">
             <a:avLst/>
@@ -2793,18 +2465,13 @@
               <a:rPr lang="en-US"/>
               <a:t>Click to edit Master title style</a:t>
             </a:r>
-          </a:p>
-        </p:txBody>
-      </p:sp>
-      <p:sp>
-        <p:nvSpPr>
-          <p:cNvPr id="3" name="Text Placeholder 2">
-            <a:extLst>
-              <a:ext uri="{FF2B5EF4-FFF2-40B4-BE49-F238E27FC236}">
-                <a16:creationId xmlns:a16="http://schemas.microsoft.com/office/drawing/2014/main" id="{05220374-74BF-4DAB-B1FC-2AC24282A1E0}"/>
-              </a:ext>
-            </a:extLst>
-          </p:cNvPr>
+            <a:endParaRPr lang="en-US" dirty="0"/>
+          </a:p>
+        </p:txBody>
+      </p:sp>
+      <p:sp>
+        <p:nvSpPr>
+          <p:cNvPr id="3" name="Text Placeholder 2"/>
           <p:cNvSpPr>
             <a:spLocks noGrp="1"/>
           </p:cNvSpPr>
@@ -2814,8 +2481,8 @@
         </p:nvSpPr>
         <p:spPr>
           <a:xfrm>
-            <a:off x="838200" y="1825625"/>
-            <a:ext cx="10515600" cy="4351338"/>
+            <a:off x="1257300" y="4868333"/>
+            <a:ext cx="15773400" cy="11603568"/>
           </a:xfrm>
           <a:prstGeom prst="rect">
             <a:avLst/>
@@ -2860,18 +2527,13 @@
               <a:rPr lang="en-US"/>
               <a:t>Fifth level</a:t>
             </a:r>
-          </a:p>
-        </p:txBody>
-      </p:sp>
-      <p:sp>
-        <p:nvSpPr>
-          <p:cNvPr id="4" name="Date Placeholder 3">
-            <a:extLst>
-              <a:ext uri="{FF2B5EF4-FFF2-40B4-BE49-F238E27FC236}">
-                <a16:creationId xmlns:a16="http://schemas.microsoft.com/office/drawing/2014/main" id="{3D8C47EE-2DA0-4F1D-AB4A-E93EFA832F0A}"/>
-              </a:ext>
-            </a:extLst>
-          </p:cNvPr>
+            <a:endParaRPr lang="en-US" dirty="0"/>
+          </a:p>
+        </p:txBody>
+      </p:sp>
+      <p:sp>
+        <p:nvSpPr>
+          <p:cNvPr id="4" name="Date Placeholder 3"/>
           <p:cNvSpPr>
             <a:spLocks noGrp="1"/>
           </p:cNvSpPr>
@@ -2881,8 +2543,8 @@
         </p:nvSpPr>
         <p:spPr>
           <a:xfrm>
-            <a:off x="838200" y="6356350"/>
-            <a:ext cx="2743200" cy="365125"/>
+            <a:off x="1257300" y="16950271"/>
+            <a:ext cx="4114800" cy="973667"/>
           </a:xfrm>
           <a:prstGeom prst="rect">
             <a:avLst/>
@@ -2892,7 +2554,7 @@
           <a:bodyPr vert="horz" lIns="91440" tIns="45720" rIns="91440" bIns="45720" rtlCol="0" anchor="ctr"/>
           <a:lstStyle>
             <a:lvl1pPr algn="l">
-              <a:defRPr sz="1200">
+              <a:defRPr sz="2400">
                 <a:solidFill>
                   <a:schemeClr val="tx1">
                     <a:tint val="75000"/>
@@ -2904,7 +2566,7 @@
           <a:p>
             <a:fld id="{DFA429E4-E4A0-4FCB-B57B-5790209CB571}" type="datetimeFigureOut">
               <a:rPr lang="en-US" smtClean="0"/>
-              <a:t>8/7/2019</a:t>
+              <a:t>8/8/2019</a:t>
             </a:fld>
             <a:endParaRPr lang="en-US"/>
           </a:p>
@@ -2912,13 +2574,7 @@
       </p:sp>
       <p:sp>
         <p:nvSpPr>
-          <p:cNvPr id="5" name="Footer Placeholder 4">
-            <a:extLst>
-              <a:ext uri="{FF2B5EF4-FFF2-40B4-BE49-F238E27FC236}">
-                <a16:creationId xmlns:a16="http://schemas.microsoft.com/office/drawing/2014/main" id="{287A1766-9DCC-4DD7-9354-9BD7BA6E3E74}"/>
-              </a:ext>
-            </a:extLst>
-          </p:cNvPr>
+          <p:cNvPr id="5" name="Footer Placeholder 4"/>
           <p:cNvSpPr>
             <a:spLocks noGrp="1"/>
           </p:cNvSpPr>
@@ -2928,8 +2584,8 @@
         </p:nvSpPr>
         <p:spPr>
           <a:xfrm>
-            <a:off x="4038600" y="6356350"/>
-            <a:ext cx="4114800" cy="365125"/>
+            <a:off x="6057900" y="16950271"/>
+            <a:ext cx="6172200" cy="973667"/>
           </a:xfrm>
           <a:prstGeom prst="rect">
             <a:avLst/>
@@ -2939,7 +2595,7 @@
           <a:bodyPr vert="horz" lIns="91440" tIns="45720" rIns="91440" bIns="45720" rtlCol="0" anchor="ctr"/>
           <a:lstStyle>
             <a:lvl1pPr algn="ctr">
-              <a:defRPr sz="1200">
+              <a:defRPr sz="2400">
                 <a:solidFill>
                   <a:schemeClr val="tx1">
                     <a:tint val="75000"/>
@@ -2955,13 +2611,7 @@
       </p:sp>
       <p:sp>
         <p:nvSpPr>
-          <p:cNvPr id="6" name="Slide Number Placeholder 5">
-            <a:extLst>
-              <a:ext uri="{FF2B5EF4-FFF2-40B4-BE49-F238E27FC236}">
-                <a16:creationId xmlns:a16="http://schemas.microsoft.com/office/drawing/2014/main" id="{CC6C8689-F027-4000-9AD8-93F65FD6DA49}"/>
-              </a:ext>
-            </a:extLst>
-          </p:cNvPr>
+          <p:cNvPr id="6" name="Slide Number Placeholder 5"/>
           <p:cNvSpPr>
             <a:spLocks noGrp="1"/>
           </p:cNvSpPr>
@@ -2971,8 +2621,8 @@
         </p:nvSpPr>
         <p:spPr>
           <a:xfrm>
-            <a:off x="8610600" y="6356350"/>
-            <a:ext cx="2743200" cy="365125"/>
+            <a:off x="12915900" y="16950271"/>
+            <a:ext cx="4114800" cy="973667"/>
           </a:xfrm>
           <a:prstGeom prst="rect">
             <a:avLst/>
@@ -2982,7 +2632,7 @@
           <a:bodyPr vert="horz" lIns="91440" tIns="45720" rIns="91440" bIns="45720" rtlCol="0" anchor="ctr"/>
           <a:lstStyle>
             <a:lvl1pPr algn="r">
-              <a:defRPr sz="1200">
+              <a:defRPr sz="2400">
                 <a:solidFill>
                   <a:schemeClr val="tx1">
                     <a:tint val="75000"/>
@@ -3003,27 +2653,27 @@
     </p:spTree>
     <p:extLst>
       <p:ext uri="{BB962C8B-B14F-4D97-AF65-F5344CB8AC3E}">
-        <p14:creationId xmlns:p14="http://schemas.microsoft.com/office/powerpoint/2010/main" val="3826216298"/>
+        <p14:creationId xmlns:p14="http://schemas.microsoft.com/office/powerpoint/2010/main" val="4124337448"/>
       </p:ext>
     </p:extLst>
   </p:cSld>
   <p:clrMap bg1="lt1" tx1="dk1" bg2="lt2" tx2="dk2" accent1="accent1" accent2="accent2" accent3="accent3" accent4="accent4" accent5="accent5" accent6="accent6" hlink="hlink" folHlink="folHlink"/>
   <p:sldLayoutIdLst>
-    <p:sldLayoutId id="2147483649" r:id="rId1"/>
-    <p:sldLayoutId id="2147483650" r:id="rId2"/>
-    <p:sldLayoutId id="2147483651" r:id="rId3"/>
-    <p:sldLayoutId id="2147483652" r:id="rId4"/>
-    <p:sldLayoutId id="2147483653" r:id="rId5"/>
-    <p:sldLayoutId id="2147483654" r:id="rId6"/>
-    <p:sldLayoutId id="2147483655" r:id="rId7"/>
-    <p:sldLayoutId id="2147483656" r:id="rId8"/>
-    <p:sldLayoutId id="2147483657" r:id="rId9"/>
-    <p:sldLayoutId id="2147483658" r:id="rId10"/>
-    <p:sldLayoutId id="2147483659" r:id="rId11"/>
+    <p:sldLayoutId id="2147483661" r:id="rId1"/>
+    <p:sldLayoutId id="2147483662" r:id="rId2"/>
+    <p:sldLayoutId id="2147483663" r:id="rId3"/>
+    <p:sldLayoutId id="2147483664" r:id="rId4"/>
+    <p:sldLayoutId id="2147483665" r:id="rId5"/>
+    <p:sldLayoutId id="2147483666" r:id="rId6"/>
+    <p:sldLayoutId id="2147483667" r:id="rId7"/>
+    <p:sldLayoutId id="2147483668" r:id="rId8"/>
+    <p:sldLayoutId id="2147483669" r:id="rId9"/>
+    <p:sldLayoutId id="2147483670" r:id="rId10"/>
+    <p:sldLayoutId id="2147483671" r:id="rId11"/>
   </p:sldLayoutIdLst>
   <p:txStyles>
     <p:titleStyle>
-      <a:lvl1pPr algn="l" defTabSz="914400" rtl="0" eaLnBrk="1" latinLnBrk="0" hangingPunct="1">
+      <a:lvl1pPr algn="l" defTabSz="1828800" rtl="0" eaLnBrk="1" latinLnBrk="0" hangingPunct="1">
         <a:lnSpc>
           <a:spcPct val="90000"/>
         </a:lnSpc>
@@ -3031,7 +2681,7 @@
           <a:spcPct val="0"/>
         </a:spcBef>
         <a:buNone/>
-        <a:defRPr sz="4400" kern="1200">
+        <a:defRPr sz="8800" kern="1200">
           <a:solidFill>
             <a:schemeClr val="tx1"/>
           </a:solidFill>
@@ -3042,7 +2692,25 @@
       </a:lvl1pPr>
     </p:titleStyle>
     <p:bodyStyle>
-      <a:lvl1pPr marL="228600" indent="-228600" algn="l" defTabSz="914400" rtl="0" eaLnBrk="1" latinLnBrk="0" hangingPunct="1">
+      <a:lvl1pPr marL="457200" indent="-457200" algn="l" defTabSz="1828800" rtl="0" eaLnBrk="1" latinLnBrk="0" hangingPunct="1">
+        <a:lnSpc>
+          <a:spcPct val="90000"/>
+        </a:lnSpc>
+        <a:spcBef>
+          <a:spcPts val="2000"/>
+        </a:spcBef>
+        <a:buFont typeface="Arial" panose="020B0604020202020204" pitchFamily="34" charset="0"/>
+        <a:buChar char="•"/>
+        <a:defRPr sz="5600" kern="1200">
+          <a:solidFill>
+            <a:schemeClr val="tx1"/>
+          </a:solidFill>
+          <a:latin typeface="+mn-lt"/>
+          <a:ea typeface="+mn-ea"/>
+          <a:cs typeface="+mn-cs"/>
+        </a:defRPr>
+      </a:lvl1pPr>
+      <a:lvl2pPr marL="1371600" indent="-457200" algn="l" defTabSz="1828800" rtl="0" eaLnBrk="1" latinLnBrk="0" hangingPunct="1">
         <a:lnSpc>
           <a:spcPct val="90000"/>
         </a:lnSpc>
@@ -3051,25 +2719,7 @@
         </a:spcBef>
         <a:buFont typeface="Arial" panose="020B0604020202020204" pitchFamily="34" charset="0"/>
         <a:buChar char="•"/>
-        <a:defRPr sz="2800" kern="1200">
-          <a:solidFill>
-            <a:schemeClr val="tx1"/>
-          </a:solidFill>
-          <a:latin typeface="+mn-lt"/>
-          <a:ea typeface="+mn-ea"/>
-          <a:cs typeface="+mn-cs"/>
-        </a:defRPr>
-      </a:lvl1pPr>
-      <a:lvl2pPr marL="685800" indent="-228600" algn="l" defTabSz="914400" rtl="0" eaLnBrk="1" latinLnBrk="0" hangingPunct="1">
-        <a:lnSpc>
-          <a:spcPct val="90000"/>
-        </a:lnSpc>
-        <a:spcBef>
-          <a:spcPts val="500"/>
-        </a:spcBef>
-        <a:buFont typeface="Arial" panose="020B0604020202020204" pitchFamily="34" charset="0"/>
-        <a:buChar char="•"/>
-        <a:defRPr sz="2400" kern="1200">
+        <a:defRPr sz="4800" kern="1200">
           <a:solidFill>
             <a:schemeClr val="tx1"/>
           </a:solidFill>
@@ -3078,16 +2728,16 @@
           <a:cs typeface="+mn-cs"/>
         </a:defRPr>
       </a:lvl2pPr>
-      <a:lvl3pPr marL="1143000" indent="-228600" algn="l" defTabSz="914400" rtl="0" eaLnBrk="1" latinLnBrk="0" hangingPunct="1">
+      <a:lvl3pPr marL="2286000" indent="-457200" algn="l" defTabSz="1828800" rtl="0" eaLnBrk="1" latinLnBrk="0" hangingPunct="1">
         <a:lnSpc>
           <a:spcPct val="90000"/>
         </a:lnSpc>
         <a:spcBef>
-          <a:spcPts val="500"/>
+          <a:spcPts val="1000"/>
         </a:spcBef>
         <a:buFont typeface="Arial" panose="020B0604020202020204" pitchFamily="34" charset="0"/>
         <a:buChar char="•"/>
-        <a:defRPr sz="2000" kern="1200">
+        <a:defRPr sz="4000" kern="1200">
           <a:solidFill>
             <a:schemeClr val="tx1"/>
           </a:solidFill>
@@ -3096,16 +2746,16 @@
           <a:cs typeface="+mn-cs"/>
         </a:defRPr>
       </a:lvl3pPr>
-      <a:lvl4pPr marL="1600200" indent="-228600" algn="l" defTabSz="914400" rtl="0" eaLnBrk="1" latinLnBrk="0" hangingPunct="1">
+      <a:lvl4pPr marL="3200400" indent="-457200" algn="l" defTabSz="1828800" rtl="0" eaLnBrk="1" latinLnBrk="0" hangingPunct="1">
         <a:lnSpc>
           <a:spcPct val="90000"/>
         </a:lnSpc>
         <a:spcBef>
-          <a:spcPts val="500"/>
+          <a:spcPts val="1000"/>
         </a:spcBef>
         <a:buFont typeface="Arial" panose="020B0604020202020204" pitchFamily="34" charset="0"/>
         <a:buChar char="•"/>
-        <a:defRPr sz="1800" kern="1200">
+        <a:defRPr sz="3600" kern="1200">
           <a:solidFill>
             <a:schemeClr val="tx1"/>
           </a:solidFill>
@@ -3114,16 +2764,16 @@
           <a:cs typeface="+mn-cs"/>
         </a:defRPr>
       </a:lvl4pPr>
-      <a:lvl5pPr marL="2057400" indent="-228600" algn="l" defTabSz="914400" rtl="0" eaLnBrk="1" latinLnBrk="0" hangingPunct="1">
+      <a:lvl5pPr marL="4114800" indent="-457200" algn="l" defTabSz="1828800" rtl="0" eaLnBrk="1" latinLnBrk="0" hangingPunct="1">
         <a:lnSpc>
           <a:spcPct val="90000"/>
         </a:lnSpc>
         <a:spcBef>
-          <a:spcPts val="500"/>
+          <a:spcPts val="1000"/>
         </a:spcBef>
         <a:buFont typeface="Arial" panose="020B0604020202020204" pitchFamily="34" charset="0"/>
         <a:buChar char="•"/>
-        <a:defRPr sz="1800" kern="1200">
+        <a:defRPr sz="3600" kern="1200">
           <a:solidFill>
             <a:schemeClr val="tx1"/>
           </a:solidFill>
@@ -3132,16 +2782,16 @@
           <a:cs typeface="+mn-cs"/>
         </a:defRPr>
       </a:lvl5pPr>
-      <a:lvl6pPr marL="2514600" indent="-228600" algn="l" defTabSz="914400" rtl="0" eaLnBrk="1" latinLnBrk="0" hangingPunct="1">
+      <a:lvl6pPr marL="5029200" indent="-457200" algn="l" defTabSz="1828800" rtl="0" eaLnBrk="1" latinLnBrk="0" hangingPunct="1">
         <a:lnSpc>
           <a:spcPct val="90000"/>
         </a:lnSpc>
         <a:spcBef>
-          <a:spcPts val="500"/>
+          <a:spcPts val="1000"/>
         </a:spcBef>
         <a:buFont typeface="Arial" panose="020B0604020202020204" pitchFamily="34" charset="0"/>
         <a:buChar char="•"/>
-        <a:defRPr sz="1800" kern="1200">
+        <a:defRPr sz="3600" kern="1200">
           <a:solidFill>
             <a:schemeClr val="tx1"/>
           </a:solidFill>
@@ -3150,16 +2800,16 @@
           <a:cs typeface="+mn-cs"/>
         </a:defRPr>
       </a:lvl6pPr>
-      <a:lvl7pPr marL="2971800" indent="-228600" algn="l" defTabSz="914400" rtl="0" eaLnBrk="1" latinLnBrk="0" hangingPunct="1">
+      <a:lvl7pPr marL="5943600" indent="-457200" algn="l" defTabSz="1828800" rtl="0" eaLnBrk="1" latinLnBrk="0" hangingPunct="1">
         <a:lnSpc>
           <a:spcPct val="90000"/>
         </a:lnSpc>
         <a:spcBef>
-          <a:spcPts val="500"/>
+          <a:spcPts val="1000"/>
         </a:spcBef>
         <a:buFont typeface="Arial" panose="020B0604020202020204" pitchFamily="34" charset="0"/>
         <a:buChar char="•"/>
-        <a:defRPr sz="1800" kern="1200">
+        <a:defRPr sz="3600" kern="1200">
           <a:solidFill>
             <a:schemeClr val="tx1"/>
           </a:solidFill>
@@ -3168,16 +2818,16 @@
           <a:cs typeface="+mn-cs"/>
         </a:defRPr>
       </a:lvl7pPr>
-      <a:lvl8pPr marL="3429000" indent="-228600" algn="l" defTabSz="914400" rtl="0" eaLnBrk="1" latinLnBrk="0" hangingPunct="1">
+      <a:lvl8pPr marL="6858000" indent="-457200" algn="l" defTabSz="1828800" rtl="0" eaLnBrk="1" latinLnBrk="0" hangingPunct="1">
         <a:lnSpc>
           <a:spcPct val="90000"/>
         </a:lnSpc>
         <a:spcBef>
-          <a:spcPts val="500"/>
+          <a:spcPts val="1000"/>
         </a:spcBef>
         <a:buFont typeface="Arial" panose="020B0604020202020204" pitchFamily="34" charset="0"/>
         <a:buChar char="•"/>
-        <a:defRPr sz="1800" kern="1200">
+        <a:defRPr sz="3600" kern="1200">
           <a:solidFill>
             <a:schemeClr val="tx1"/>
           </a:solidFill>
@@ -3186,16 +2836,16 @@
           <a:cs typeface="+mn-cs"/>
         </a:defRPr>
       </a:lvl8pPr>
-      <a:lvl9pPr marL="3886200" indent="-228600" algn="l" defTabSz="914400" rtl="0" eaLnBrk="1" latinLnBrk="0" hangingPunct="1">
+      <a:lvl9pPr marL="7772400" indent="-457200" algn="l" defTabSz="1828800" rtl="0" eaLnBrk="1" latinLnBrk="0" hangingPunct="1">
         <a:lnSpc>
           <a:spcPct val="90000"/>
         </a:lnSpc>
         <a:spcBef>
-          <a:spcPts val="500"/>
+          <a:spcPts val="1000"/>
         </a:spcBef>
         <a:buFont typeface="Arial" panose="020B0604020202020204" pitchFamily="34" charset="0"/>
         <a:buChar char="•"/>
-        <a:defRPr sz="1800" kern="1200">
+        <a:defRPr sz="3600" kern="1200">
           <a:solidFill>
             <a:schemeClr val="tx1"/>
           </a:solidFill>
@@ -3209,8 +2859,8 @@
       <a:defPPr>
         <a:defRPr lang="en-US"/>
       </a:defPPr>
-      <a:lvl1pPr marL="0" algn="l" defTabSz="914400" rtl="0" eaLnBrk="1" latinLnBrk="0" hangingPunct="1">
-        <a:defRPr sz="1800" kern="1200">
+      <a:lvl1pPr marL="0" algn="l" defTabSz="1828800" rtl="0" eaLnBrk="1" latinLnBrk="0" hangingPunct="1">
+        <a:defRPr sz="3600" kern="1200">
           <a:solidFill>
             <a:schemeClr val="tx1"/>
           </a:solidFill>
@@ -3219,8 +2869,8 @@
           <a:cs typeface="+mn-cs"/>
         </a:defRPr>
       </a:lvl1pPr>
-      <a:lvl2pPr marL="457200" algn="l" defTabSz="914400" rtl="0" eaLnBrk="1" latinLnBrk="0" hangingPunct="1">
-        <a:defRPr sz="1800" kern="1200">
+      <a:lvl2pPr marL="914400" algn="l" defTabSz="1828800" rtl="0" eaLnBrk="1" latinLnBrk="0" hangingPunct="1">
+        <a:defRPr sz="3600" kern="1200">
           <a:solidFill>
             <a:schemeClr val="tx1"/>
           </a:solidFill>
@@ -3229,8 +2879,8 @@
           <a:cs typeface="+mn-cs"/>
         </a:defRPr>
       </a:lvl2pPr>
-      <a:lvl3pPr marL="914400" algn="l" defTabSz="914400" rtl="0" eaLnBrk="1" latinLnBrk="0" hangingPunct="1">
-        <a:defRPr sz="1800" kern="1200">
+      <a:lvl3pPr marL="1828800" algn="l" defTabSz="1828800" rtl="0" eaLnBrk="1" latinLnBrk="0" hangingPunct="1">
+        <a:defRPr sz="3600" kern="1200">
           <a:solidFill>
             <a:schemeClr val="tx1"/>
           </a:solidFill>
@@ -3239,8 +2889,8 @@
           <a:cs typeface="+mn-cs"/>
         </a:defRPr>
       </a:lvl3pPr>
-      <a:lvl4pPr marL="1371600" algn="l" defTabSz="914400" rtl="0" eaLnBrk="1" latinLnBrk="0" hangingPunct="1">
-        <a:defRPr sz="1800" kern="1200">
+      <a:lvl4pPr marL="2743200" algn="l" defTabSz="1828800" rtl="0" eaLnBrk="1" latinLnBrk="0" hangingPunct="1">
+        <a:defRPr sz="3600" kern="1200">
           <a:solidFill>
             <a:schemeClr val="tx1"/>
           </a:solidFill>
@@ -3249,8 +2899,8 @@
           <a:cs typeface="+mn-cs"/>
         </a:defRPr>
       </a:lvl4pPr>
-      <a:lvl5pPr marL="1828800" algn="l" defTabSz="914400" rtl="0" eaLnBrk="1" latinLnBrk="0" hangingPunct="1">
-        <a:defRPr sz="1800" kern="1200">
+      <a:lvl5pPr marL="3657600" algn="l" defTabSz="1828800" rtl="0" eaLnBrk="1" latinLnBrk="0" hangingPunct="1">
+        <a:defRPr sz="3600" kern="1200">
           <a:solidFill>
             <a:schemeClr val="tx1"/>
           </a:solidFill>
@@ -3259,8 +2909,8 @@
           <a:cs typeface="+mn-cs"/>
         </a:defRPr>
       </a:lvl5pPr>
-      <a:lvl6pPr marL="2286000" algn="l" defTabSz="914400" rtl="0" eaLnBrk="1" latinLnBrk="0" hangingPunct="1">
-        <a:defRPr sz="1800" kern="1200">
+      <a:lvl6pPr marL="4572000" algn="l" defTabSz="1828800" rtl="0" eaLnBrk="1" latinLnBrk="0" hangingPunct="1">
+        <a:defRPr sz="3600" kern="1200">
           <a:solidFill>
             <a:schemeClr val="tx1"/>
           </a:solidFill>
@@ -3269,8 +2919,8 @@
           <a:cs typeface="+mn-cs"/>
         </a:defRPr>
       </a:lvl6pPr>
-      <a:lvl7pPr marL="2743200" algn="l" defTabSz="914400" rtl="0" eaLnBrk="1" latinLnBrk="0" hangingPunct="1">
-        <a:defRPr sz="1800" kern="1200">
+      <a:lvl7pPr marL="5486400" algn="l" defTabSz="1828800" rtl="0" eaLnBrk="1" latinLnBrk="0" hangingPunct="1">
+        <a:defRPr sz="3600" kern="1200">
           <a:solidFill>
             <a:schemeClr val="tx1"/>
           </a:solidFill>
@@ -3279,8 +2929,8 @@
           <a:cs typeface="+mn-cs"/>
         </a:defRPr>
       </a:lvl7pPr>
-      <a:lvl8pPr marL="3200400" algn="l" defTabSz="914400" rtl="0" eaLnBrk="1" latinLnBrk="0" hangingPunct="1">
-        <a:defRPr sz="1800" kern="1200">
+      <a:lvl8pPr marL="6400800" algn="l" defTabSz="1828800" rtl="0" eaLnBrk="1" latinLnBrk="0" hangingPunct="1">
+        <a:defRPr sz="3600" kern="1200">
           <a:solidFill>
             <a:schemeClr val="tx1"/>
           </a:solidFill>
@@ -3289,8 +2939,8 @@
           <a:cs typeface="+mn-cs"/>
         </a:defRPr>
       </a:lvl8pPr>
-      <a:lvl9pPr marL="3657600" algn="l" defTabSz="914400" rtl="0" eaLnBrk="1" latinLnBrk="0" hangingPunct="1">
-        <a:defRPr sz="1800" kern="1200">
+      <a:lvl9pPr marL="7315200" algn="l" defTabSz="1828800" rtl="0" eaLnBrk="1" latinLnBrk="0" hangingPunct="1">
+        <a:defRPr sz="3600" kern="1200">
           <a:solidFill>
             <a:schemeClr val="tx1"/>
           </a:solidFill>
@@ -3337,8 +2987,8 @@
         </p:nvSpPr>
         <p:spPr bwMode="auto">
           <a:xfrm>
-            <a:off x="2526130" y="282258"/>
-            <a:ext cx="3147762" cy="3876674"/>
+            <a:off x="2330865" y="2743836"/>
+            <a:ext cx="4879560" cy="3876674"/>
           </a:xfrm>
           <a:prstGeom prst="rect">
             <a:avLst/>
@@ -3363,66 +3013,36 @@
           </a:bodyPr>
           <a:lstStyle/>
           <a:p>
-            <a:pPr marL="0" marR="0" lvl="0" indent="0" algn="l" defTabSz="914400" rtl="0" eaLnBrk="0" fontAlgn="base" latinLnBrk="0" hangingPunct="0">
-              <a:lnSpc>
-                <a:spcPct val="100000"/>
-              </a:lnSpc>
-              <a:spcBef>
-                <a:spcPct val="0"/>
-              </a:spcBef>
-              <a:spcAft>
-                <a:spcPct val="0"/>
-              </a:spcAft>
-              <a:buClrTx/>
-              <a:buSzTx/>
-              <a:buFontTx/>
-              <a:buNone/>
-              <a:tabLst/>
-            </a:pPr>
-            <a:r>
-              <a:rPr kumimoji="0" lang="en-US" altLang="en-US" sz="1100" b="0" i="0" u="none" strike="noStrike" cap="none" normalizeH="0" baseline="0" dirty="0" err="1">
-                <a:ln>
-                  <a:noFill/>
-                </a:ln>
-                <a:solidFill>
-                  <a:schemeClr val="tx1"/>
-                </a:solidFill>
-                <a:effectLst/>
+            <a:pPr defTabSz="914400" eaLnBrk="0" fontAlgn="base" hangingPunct="0">
+              <a:spcBef>
+                <a:spcPct val="0"/>
+              </a:spcBef>
+              <a:spcAft>
+                <a:spcPct val="0"/>
+              </a:spcAft>
+            </a:pPr>
+            <a:r>
+              <a:rPr lang="en-US" altLang="en-US" sz="1100" dirty="0" err="1">
                 <a:latin typeface="Calibri" panose="020F0502020204030204" pitchFamily="34" charset="0"/>
                 <a:ea typeface="Calibri" panose="020F0502020204030204" pitchFamily="34" charset="0"/>
                 <a:cs typeface="Times New Roman" panose="02020603050405020304" pitchFamily="18" charset="0"/>
               </a:rPr>
               <a:t>RoguelikeObject</a:t>
             </a:r>
-            <a:endParaRPr kumimoji="0" lang="en-US" altLang="en-US" sz="1100" b="0" i="0" u="none" strike="noStrike" cap="none" normalizeH="0" baseline="0" dirty="0">
-              <a:ln>
-                <a:noFill/>
-              </a:ln>
-              <a:solidFill>
-                <a:schemeClr val="tx1"/>
-              </a:solidFill>
-              <a:effectLst/>
+            <a:endParaRPr lang="en-US" altLang="en-US" sz="1100" dirty="0">
               <a:latin typeface="Calibri" panose="020F0502020204030204" pitchFamily="34" charset="0"/>
               <a:ea typeface="Calibri" panose="020F0502020204030204" pitchFamily="34" charset="0"/>
               <a:cs typeface="Times New Roman" panose="02020603050405020304" pitchFamily="18" charset="0"/>
             </a:endParaRPr>
           </a:p>
           <a:p>
-            <a:pPr marL="0" marR="0" lvl="0" indent="0" algn="l" defTabSz="914400" rtl="0" eaLnBrk="0" fontAlgn="base" latinLnBrk="0" hangingPunct="0">
-              <a:lnSpc>
-                <a:spcPct val="100000"/>
-              </a:lnSpc>
-              <a:spcBef>
-                <a:spcPct val="0"/>
-              </a:spcBef>
-              <a:spcAft>
-                <a:spcPct val="0"/>
-              </a:spcAft>
-              <a:buClrTx/>
-              <a:buSzTx/>
-              <a:buFontTx/>
-              <a:buNone/>
-              <a:tabLst/>
+            <a:pPr defTabSz="914400" eaLnBrk="0" fontAlgn="base" hangingPunct="0">
+              <a:spcBef>
+                <a:spcPct val="0"/>
+              </a:spcBef>
+              <a:spcAft>
+                <a:spcPct val="0"/>
+              </a:spcAft>
             </a:pPr>
             <a:r>
               <a:rPr lang="en-US" altLang="en-US" sz="1100" dirty="0">
@@ -3431,126 +3051,57 @@
               </a:rPr>
               <a:t>---------------------------------------------</a:t>
             </a:r>
-            <a:endParaRPr kumimoji="0" lang="en-US" altLang="en-US" sz="800" b="0" i="0" u="none" strike="noStrike" cap="none" normalizeH="0" baseline="0" dirty="0">
-              <a:ln>
-                <a:noFill/>
-              </a:ln>
-              <a:solidFill>
-                <a:schemeClr val="tx1"/>
-              </a:solidFill>
-              <a:effectLst/>
-            </a:endParaRPr>
-          </a:p>
-          <a:p>
-            <a:pPr marL="0" marR="0" lvl="0" indent="0" algn="l" defTabSz="914400" rtl="0" eaLnBrk="0" fontAlgn="base" latinLnBrk="0" hangingPunct="0">
-              <a:lnSpc>
-                <a:spcPct val="100000"/>
-              </a:lnSpc>
-              <a:spcBef>
-                <a:spcPct val="0"/>
-              </a:spcBef>
-              <a:spcAft>
-                <a:spcPct val="0"/>
-              </a:spcAft>
-              <a:buClrTx/>
-              <a:buSzTx/>
-              <a:buFontTx/>
-              <a:buNone/>
-              <a:tabLst/>
-            </a:pPr>
-            <a:r>
-              <a:rPr kumimoji="0" lang="en-US" altLang="en-US" sz="1100" b="0" i="0" u="none" strike="noStrike" cap="none" normalizeH="0" baseline="0" dirty="0">
-                <a:ln>
-                  <a:noFill/>
-                </a:ln>
-                <a:solidFill>
-                  <a:schemeClr val="tx1"/>
-                </a:solidFill>
-                <a:effectLst/>
+            <a:endParaRPr lang="en-US" altLang="en-US" sz="800" dirty="0"/>
+          </a:p>
+          <a:p>
+            <a:pPr defTabSz="914400" eaLnBrk="0" fontAlgn="base" hangingPunct="0">
+              <a:spcBef>
+                <a:spcPct val="0"/>
+              </a:spcBef>
+              <a:spcAft>
+                <a:spcPct val="0"/>
+              </a:spcAft>
+            </a:pPr>
+            <a:r>
+              <a:rPr lang="en-US" altLang="en-US" sz="1100" dirty="0">
                 <a:latin typeface="Calibri" panose="020F0502020204030204" pitchFamily="34" charset="0"/>
                 <a:ea typeface="Calibri" panose="020F0502020204030204" pitchFamily="34" charset="0"/>
                 <a:cs typeface="Times New Roman" panose="02020603050405020304" pitchFamily="18" charset="0"/>
               </a:rPr>
               <a:t>+ string name</a:t>
             </a:r>
-            <a:endParaRPr kumimoji="0" lang="en-US" altLang="en-US" sz="800" b="0" i="0" u="none" strike="noStrike" cap="none" normalizeH="0" baseline="0" dirty="0">
-              <a:ln>
-                <a:noFill/>
-              </a:ln>
-              <a:solidFill>
-                <a:schemeClr val="tx1"/>
-              </a:solidFill>
-              <a:effectLst/>
-            </a:endParaRPr>
-          </a:p>
-          <a:p>
-            <a:pPr marL="0" marR="0" lvl="0" indent="0" algn="l" defTabSz="914400" rtl="0" eaLnBrk="0" fontAlgn="base" latinLnBrk="0" hangingPunct="0">
-              <a:lnSpc>
-                <a:spcPct val="100000"/>
-              </a:lnSpc>
-              <a:spcBef>
-                <a:spcPct val="0"/>
-              </a:spcBef>
-              <a:spcAft>
-                <a:spcPct val="0"/>
-              </a:spcAft>
-              <a:buClrTx/>
-              <a:buSzTx/>
-              <a:buFontTx/>
-              <a:buNone/>
-              <a:tabLst/>
-            </a:pPr>
-            <a:r>
-              <a:rPr kumimoji="0" lang="en-US" altLang="en-US" sz="1100" b="0" i="0" u="none" strike="noStrike" cap="none" normalizeH="0" baseline="0" dirty="0">
-                <a:ln>
-                  <a:noFill/>
-                </a:ln>
-                <a:solidFill>
-                  <a:schemeClr val="tx1"/>
-                </a:solidFill>
-                <a:effectLst/>
+            <a:endParaRPr lang="en-US" altLang="en-US" sz="800" dirty="0"/>
+          </a:p>
+          <a:p>
+            <a:pPr defTabSz="914400" eaLnBrk="0" fontAlgn="base" hangingPunct="0">
+              <a:spcBef>
+                <a:spcPct val="0"/>
+              </a:spcBef>
+              <a:spcAft>
+                <a:spcPct val="0"/>
+              </a:spcAft>
+            </a:pPr>
+            <a:r>
+              <a:rPr lang="en-US" altLang="en-US" sz="1100" dirty="0">
                 <a:latin typeface="Calibri" panose="020F0502020204030204" pitchFamily="34" charset="0"/>
                 <a:ea typeface="Calibri" panose="020F0502020204030204" pitchFamily="34" charset="0"/>
                 <a:cs typeface="Times New Roman" panose="02020603050405020304" pitchFamily="18" charset="0"/>
               </a:rPr>
               <a:t>+ string description</a:t>
             </a:r>
-            <a:endParaRPr kumimoji="0" lang="en-US" altLang="en-US" sz="800" b="0" i="0" u="none" strike="noStrike" cap="none" normalizeH="0" baseline="0" dirty="0">
-              <a:ln>
-                <a:noFill/>
-              </a:ln>
-              <a:solidFill>
-                <a:schemeClr val="tx1"/>
-              </a:solidFill>
-              <a:effectLst/>
-            </a:endParaRPr>
-          </a:p>
-          <a:p>
-            <a:pPr marL="0" marR="0" lvl="0" indent="0" algn="l" defTabSz="914400" rtl="0" eaLnBrk="0" fontAlgn="base" latinLnBrk="0" hangingPunct="0">
-              <a:lnSpc>
-                <a:spcPct val="100000"/>
-              </a:lnSpc>
-              <a:spcBef>
-                <a:spcPct val="0"/>
-              </a:spcBef>
-              <a:spcAft>
-                <a:spcPct val="0"/>
-              </a:spcAft>
-              <a:buClrTx/>
-              <a:buSzTx/>
-              <a:buFontTx/>
-              <a:buNone/>
-              <a:tabLst/>
-            </a:pPr>
-            <a:r>
-              <a:rPr kumimoji="0" lang="en-US" altLang="en-US" sz="1100" b="0" i="0" u="none" strike="noStrike" cap="none" normalizeH="0" baseline="0" dirty="0">
-                <a:ln>
-                  <a:noFill/>
-                </a:ln>
-                <a:solidFill>
-                  <a:schemeClr val="tx1"/>
-                </a:solidFill>
-                <a:effectLst/>
+            <a:endParaRPr lang="en-US" altLang="en-US" sz="800" dirty="0"/>
+          </a:p>
+          <a:p>
+            <a:pPr defTabSz="914400" eaLnBrk="0" fontAlgn="base" hangingPunct="0">
+              <a:spcBef>
+                <a:spcPct val="0"/>
+              </a:spcBef>
+              <a:spcAft>
+                <a:spcPct val="0"/>
+              </a:spcAft>
+            </a:pPr>
+            <a:r>
+              <a:rPr lang="en-US" altLang="en-US" sz="1100" dirty="0">
                 <a:latin typeface="Calibri" panose="020F0502020204030204" pitchFamily="34" charset="0"/>
                 <a:ea typeface="Calibri" panose="020F0502020204030204" pitchFamily="34" charset="0"/>
                 <a:cs typeface="Times New Roman" panose="02020603050405020304" pitchFamily="18" charset="0"/>
@@ -3558,56 +3109,26 @@
               <a:t>+ int </a:t>
             </a:r>
             <a:r>
-              <a:rPr kumimoji="0" lang="en-US" altLang="en-US" sz="1100" b="0" i="0" u="none" strike="noStrike" cap="none" normalizeH="0" baseline="0" dirty="0" err="1">
-                <a:ln>
-                  <a:noFill/>
-                </a:ln>
-                <a:solidFill>
-                  <a:schemeClr val="tx1"/>
-                </a:solidFill>
-                <a:effectLst/>
+              <a:rPr lang="en-US" altLang="en-US" sz="1100" dirty="0" err="1">
                 <a:latin typeface="Calibri" panose="020F0502020204030204" pitchFamily="34" charset="0"/>
                 <a:ea typeface="Calibri" panose="020F0502020204030204" pitchFamily="34" charset="0"/>
                 <a:cs typeface="Times New Roman" panose="02020603050405020304" pitchFamily="18" charset="0"/>
               </a:rPr>
               <a:t>stackSize</a:t>
             </a:r>
-            <a:endParaRPr kumimoji="0" lang="en-US" altLang="en-US" sz="800" b="0" i="0" u="none" strike="noStrike" cap="none" normalizeH="0" baseline="0" dirty="0">
-              <a:ln>
-                <a:noFill/>
-              </a:ln>
-              <a:solidFill>
-                <a:schemeClr val="tx1"/>
-              </a:solidFill>
-              <a:effectLst/>
-            </a:endParaRPr>
-          </a:p>
-          <a:p>
-            <a:pPr marL="0" marR="0" lvl="0" indent="0" algn="l" defTabSz="914400" rtl="0" eaLnBrk="0" fontAlgn="base" latinLnBrk="0" hangingPunct="0">
-              <a:lnSpc>
-                <a:spcPct val="100000"/>
-              </a:lnSpc>
-              <a:spcBef>
-                <a:spcPct val="0"/>
-              </a:spcBef>
-              <a:spcAft>
-                <a:spcPct val="0"/>
-              </a:spcAft>
-              <a:buClrTx/>
-              <a:buSzTx/>
-              <a:buFontTx/>
-              <a:buNone/>
-              <a:tabLst/>
-            </a:pPr>
-            <a:r>
-              <a:rPr kumimoji="0" lang="en-US" altLang="en-US" sz="1100" b="0" i="0" u="none" strike="noStrike" cap="none" normalizeH="0" baseline="0" dirty="0">
-                <a:ln>
-                  <a:noFill/>
-                </a:ln>
-                <a:solidFill>
-                  <a:schemeClr val="tx1"/>
-                </a:solidFill>
-                <a:effectLst/>
+            <a:endParaRPr lang="en-US" altLang="en-US" sz="800" dirty="0"/>
+          </a:p>
+          <a:p>
+            <a:pPr defTabSz="914400" eaLnBrk="0" fontAlgn="base" hangingPunct="0">
+              <a:spcBef>
+                <a:spcPct val="0"/>
+              </a:spcBef>
+              <a:spcAft>
+                <a:spcPct val="0"/>
+              </a:spcAft>
+            </a:pPr>
+            <a:r>
+              <a:rPr lang="en-US" altLang="en-US" sz="1100" dirty="0">
                 <a:latin typeface="Calibri" panose="020F0502020204030204" pitchFamily="34" charset="0"/>
                 <a:ea typeface="Calibri" panose="020F0502020204030204" pitchFamily="34" charset="0"/>
                 <a:cs typeface="Times New Roman" panose="02020603050405020304" pitchFamily="18" charset="0"/>
@@ -3615,98 +3136,45 @@
               <a:t>+ int </a:t>
             </a:r>
             <a:r>
-              <a:rPr kumimoji="0" lang="en-US" altLang="en-US" sz="1100" b="0" i="0" u="none" strike="noStrike" cap="none" normalizeH="0" baseline="0" dirty="0" err="1">
-                <a:ln>
-                  <a:noFill/>
-                </a:ln>
-                <a:solidFill>
-                  <a:schemeClr val="tx1"/>
-                </a:solidFill>
-                <a:effectLst/>
+              <a:rPr lang="en-US" altLang="en-US" sz="1100" dirty="0" err="1">
                 <a:latin typeface="Calibri" panose="020F0502020204030204" pitchFamily="34" charset="0"/>
                 <a:ea typeface="Calibri" panose="020F0502020204030204" pitchFamily="34" charset="0"/>
                 <a:cs typeface="Times New Roman" panose="02020603050405020304" pitchFamily="18" charset="0"/>
               </a:rPr>
               <a:t>maxStackSize</a:t>
             </a:r>
-            <a:endParaRPr kumimoji="0" lang="en-US" altLang="en-US" sz="800" b="0" i="0" u="none" strike="noStrike" cap="none" normalizeH="0" baseline="0" dirty="0">
-              <a:ln>
-                <a:noFill/>
-              </a:ln>
-              <a:solidFill>
-                <a:schemeClr val="tx1"/>
-              </a:solidFill>
-              <a:effectLst/>
-            </a:endParaRPr>
-          </a:p>
-          <a:p>
-            <a:pPr marL="0" marR="0" lvl="0" indent="0" algn="l" defTabSz="914400" rtl="0" eaLnBrk="0" fontAlgn="base" latinLnBrk="0" hangingPunct="0">
-              <a:lnSpc>
-                <a:spcPct val="100000"/>
-              </a:lnSpc>
-              <a:spcBef>
-                <a:spcPct val="0"/>
-              </a:spcBef>
-              <a:spcAft>
-                <a:spcPct val="0"/>
-              </a:spcAft>
-              <a:buClrTx/>
-              <a:buSzTx/>
-              <a:buFontTx/>
-              <a:buNone/>
-              <a:tabLst/>
-            </a:pPr>
-            <a:r>
-              <a:rPr kumimoji="0" lang="en-US" altLang="en-US" sz="1100" b="0" i="0" u="none" strike="noStrike" cap="none" normalizeH="0" baseline="0" dirty="0">
-                <a:ln>
-                  <a:noFill/>
-                </a:ln>
-                <a:solidFill>
-                  <a:schemeClr val="tx1"/>
-                </a:solidFill>
-                <a:effectLst/>
+            <a:endParaRPr lang="en-US" altLang="en-US" sz="800" dirty="0"/>
+          </a:p>
+          <a:p>
+            <a:pPr defTabSz="914400" eaLnBrk="0" fontAlgn="base" hangingPunct="0">
+              <a:spcBef>
+                <a:spcPct val="0"/>
+              </a:spcBef>
+              <a:spcAft>
+                <a:spcPct val="0"/>
+              </a:spcAft>
+            </a:pPr>
+            <a:r>
+              <a:rPr lang="en-US" altLang="en-US" sz="1100" dirty="0">
                 <a:latin typeface="Calibri" panose="020F0502020204030204" pitchFamily="34" charset="0"/>
                 <a:ea typeface="Calibri" panose="020F0502020204030204" pitchFamily="34" charset="0"/>
                 <a:cs typeface="Times New Roman" panose="02020603050405020304" pitchFamily="18" charset="0"/>
               </a:rPr>
               <a:t>+ int value</a:t>
             </a:r>
-            <a:endParaRPr kumimoji="0" lang="en-US" altLang="en-US" sz="800" b="0" i="0" u="none" strike="noStrike" cap="none" normalizeH="0" baseline="0" dirty="0">
-              <a:ln>
-                <a:noFill/>
-              </a:ln>
-              <a:solidFill>
-                <a:schemeClr val="tx1"/>
-              </a:solidFill>
-              <a:effectLst/>
-            </a:endParaRPr>
-          </a:p>
-          <a:p>
-            <a:pPr marL="0" marR="0" lvl="0" indent="0" algn="l" defTabSz="914400" rtl="0" eaLnBrk="0" fontAlgn="base" latinLnBrk="0" hangingPunct="0">
-              <a:lnSpc>
-                <a:spcPct val="100000"/>
-              </a:lnSpc>
-              <a:spcBef>
-                <a:spcPct val="0"/>
-              </a:spcBef>
-              <a:spcAft>
-                <a:spcPct val="0"/>
-              </a:spcAft>
-              <a:buClrTx/>
-              <a:buSzTx/>
-              <a:buFontTx/>
-              <a:buNone/>
-              <a:tabLst/>
-            </a:pPr>
-            <a:r>
-              <a:rPr kumimoji="0" lang="en-US" altLang="en-US" sz="1100" b="0" i="0" u="none" strike="noStrike" cap="none" normalizeH="0" baseline="0" dirty="0">
-                <a:ln>
-                  <a:noFill/>
-                </a:ln>
-                <a:solidFill>
-                  <a:schemeClr val="tx1"/>
-                </a:solidFill>
-                <a:effectLst/>
+            <a:endParaRPr lang="en-US" altLang="en-US" sz="800" dirty="0"/>
+          </a:p>
+          <a:p>
+            <a:pPr defTabSz="914400" eaLnBrk="0" fontAlgn="base" hangingPunct="0">
+              <a:spcBef>
+                <a:spcPct val="0"/>
+              </a:spcBef>
+              <a:spcAft>
+                <a:spcPct val="0"/>
+              </a:spcAft>
+            </a:pPr>
+            <a:r>
+              <a:rPr lang="en-US" altLang="en-US" sz="1100" dirty="0">
                 <a:latin typeface="Calibri" panose="020F0502020204030204" pitchFamily="34" charset="0"/>
                 <a:ea typeface="Calibri" panose="020F0502020204030204" pitchFamily="34" charset="0"/>
                 <a:cs typeface="Times New Roman" panose="02020603050405020304" pitchFamily="18" charset="0"/>
@@ -3714,14 +3182,7 @@
               <a:t>+ List&lt;string&gt; tags (</a:t>
             </a:r>
             <a:r>
-              <a:rPr kumimoji="0" lang="en-US" altLang="en-US" sz="1100" b="0" i="0" u="none" strike="noStrike" cap="none" normalizeH="0" baseline="0" dirty="0" err="1">
-                <a:ln>
-                  <a:noFill/>
-                </a:ln>
-                <a:solidFill>
-                  <a:schemeClr val="tx1"/>
-                </a:solidFill>
-                <a:effectLst/>
+              <a:rPr lang="en-US" altLang="en-US" sz="1100" dirty="0" err="1">
                 <a:latin typeface="Calibri" panose="020F0502020204030204" pitchFamily="34" charset="0"/>
                 <a:ea typeface="Calibri" panose="020F0502020204030204" pitchFamily="34" charset="0"/>
                 <a:cs typeface="Times New Roman" panose="02020603050405020304" pitchFamily="18" charset="0"/>
@@ -3729,195 +3190,37 @@
               <a:t>enum</a:t>
             </a:r>
             <a:r>
-              <a:rPr kumimoji="0" lang="en-US" altLang="en-US" sz="1100" b="0" i="0" u="none" strike="noStrike" cap="none" normalizeH="0" baseline="0" dirty="0">
-                <a:ln>
-                  <a:noFill/>
-                </a:ln>
-                <a:solidFill>
-                  <a:schemeClr val="tx1"/>
-                </a:solidFill>
-                <a:effectLst/>
+              <a:rPr lang="en-US" altLang="en-US" sz="1100" dirty="0">
                 <a:latin typeface="Calibri" panose="020F0502020204030204" pitchFamily="34" charset="0"/>
                 <a:ea typeface="Calibri" panose="020F0502020204030204" pitchFamily="34" charset="0"/>
                 <a:cs typeface="Times New Roman" panose="02020603050405020304" pitchFamily="18" charset="0"/>
               </a:rPr>
               <a:t>?)</a:t>
             </a:r>
-            <a:endParaRPr kumimoji="0" lang="en-US" altLang="en-US" sz="800" b="0" i="0" u="none" strike="noStrike" cap="none" normalizeH="0" baseline="0" dirty="0">
-              <a:ln>
-                <a:noFill/>
-              </a:ln>
-              <a:solidFill>
-                <a:schemeClr val="tx1"/>
-              </a:solidFill>
-              <a:effectLst/>
-            </a:endParaRPr>
-          </a:p>
-          <a:p>
-            <a:pPr marL="0" marR="0" lvl="0" indent="0" algn="l" defTabSz="914400" rtl="0" eaLnBrk="0" fontAlgn="base" latinLnBrk="0" hangingPunct="0">
-              <a:lnSpc>
-                <a:spcPct val="100000"/>
-              </a:lnSpc>
-              <a:spcBef>
-                <a:spcPct val="0"/>
-              </a:spcBef>
-              <a:spcAft>
-                <a:spcPct val="0"/>
-              </a:spcAft>
-              <a:buClrTx/>
-              <a:buSzTx/>
-              <a:buFontTx/>
-              <a:buNone/>
-              <a:tabLst/>
-            </a:pPr>
-            <a:r>
-              <a:rPr kumimoji="0" lang="en-US" altLang="en-US" sz="1100" b="0" i="0" u="none" strike="noStrike" cap="none" normalizeH="0" baseline="0" dirty="0">
-                <a:ln>
-                  <a:noFill/>
-                </a:ln>
-                <a:solidFill>
-                  <a:schemeClr val="tx1"/>
-                </a:solidFill>
-                <a:effectLst/>
-                <a:ea typeface="Calibri" panose="020F0502020204030204" pitchFamily="34" charset="0"/>
-                <a:cs typeface="Times New Roman" panose="02020603050405020304" pitchFamily="18" charset="0"/>
-              </a:rPr>
-              <a:t>+ Sprite </a:t>
-            </a:r>
-            <a:r>
-              <a:rPr kumimoji="0" lang="en-US" altLang="en-US" sz="1100" b="0" i="0" u="none" strike="noStrike" cap="none" normalizeH="0" baseline="0" dirty="0" err="1">
-                <a:ln>
-                  <a:noFill/>
-                </a:ln>
-                <a:solidFill>
-                  <a:schemeClr val="tx1"/>
-                </a:solidFill>
-                <a:effectLst/>
-                <a:ea typeface="Calibri" panose="020F0502020204030204" pitchFamily="34" charset="0"/>
-                <a:cs typeface="Times New Roman" panose="02020603050405020304" pitchFamily="18" charset="0"/>
-              </a:rPr>
-              <a:t>itemSprite</a:t>
-            </a:r>
-            <a:endParaRPr kumimoji="0" lang="en-US" altLang="en-US" sz="1100" b="0" i="0" u="none" strike="noStrike" cap="none" normalizeH="0" baseline="0" dirty="0">
-              <a:ln>
-                <a:noFill/>
-              </a:ln>
-              <a:solidFill>
-                <a:schemeClr val="tx1"/>
-              </a:solidFill>
-              <a:effectLst/>
-              <a:ea typeface="Calibri" panose="020F0502020204030204" pitchFamily="34" charset="0"/>
-              <a:cs typeface="Times New Roman" panose="02020603050405020304" pitchFamily="18" charset="0"/>
-            </a:endParaRPr>
-          </a:p>
-          <a:p>
-            <a:pPr marL="0" marR="0" lvl="0" indent="0" algn="l" defTabSz="914400" rtl="0" eaLnBrk="0" fontAlgn="base" latinLnBrk="0" hangingPunct="0">
-              <a:lnSpc>
-                <a:spcPct val="100000"/>
-              </a:lnSpc>
-              <a:spcBef>
-                <a:spcPct val="0"/>
-              </a:spcBef>
-              <a:spcAft>
-                <a:spcPct val="0"/>
-              </a:spcAft>
-              <a:buClrTx/>
-              <a:buSzTx/>
-              <a:buFontTx/>
-              <a:buNone/>
-              <a:tabLst/>
+            <a:endParaRPr lang="en-US" altLang="en-US" sz="800" dirty="0"/>
+          </a:p>
+          <a:p>
+            <a:pPr defTabSz="914400" eaLnBrk="0" fontAlgn="base" hangingPunct="0">
+              <a:spcBef>
+                <a:spcPct val="0"/>
+              </a:spcBef>
+              <a:spcAft>
+                <a:spcPct val="0"/>
+              </a:spcAft>
             </a:pPr>
             <a:r>
               <a:rPr lang="en-US" altLang="en-US" sz="1100" dirty="0">
                 <a:ea typeface="Calibri" panose="020F0502020204030204" pitchFamily="34" charset="0"/>
                 <a:cs typeface="Times New Roman" panose="02020603050405020304" pitchFamily="18" charset="0"/>
               </a:rPr>
-              <a:t>+ bool exposed</a:t>
-            </a:r>
-            <a:endParaRPr kumimoji="0" lang="en-US" altLang="en-US" sz="1100" b="0" i="0" u="none" strike="noStrike" cap="none" normalizeH="0" baseline="0" dirty="0">
-              <a:ln>
-                <a:noFill/>
-              </a:ln>
-              <a:solidFill>
-                <a:schemeClr val="tx1"/>
-              </a:solidFill>
-              <a:effectLst/>
-              <a:ea typeface="Calibri" panose="020F0502020204030204" pitchFamily="34" charset="0"/>
-              <a:cs typeface="Times New Roman" panose="02020603050405020304" pitchFamily="18" charset="0"/>
-            </a:endParaRPr>
-          </a:p>
-          <a:p>
-            <a:pPr marL="0" marR="0" lvl="0" indent="0" algn="l" defTabSz="914400" rtl="0" eaLnBrk="0" fontAlgn="base" latinLnBrk="0" hangingPunct="0">
-              <a:lnSpc>
-                <a:spcPct val="100000"/>
-              </a:lnSpc>
-              <a:spcBef>
-                <a:spcPct val="0"/>
-              </a:spcBef>
-              <a:spcAft>
-                <a:spcPct val="0"/>
-              </a:spcAft>
-              <a:buClrTx/>
-              <a:buSzTx/>
-              <a:buFontTx/>
-              <a:buNone/>
-              <a:tabLst/>
-            </a:pPr>
-            <a:r>
-              <a:rPr kumimoji="0" lang="en-US" altLang="en-US" sz="1100" b="0" i="0" u="none" strike="noStrike" cap="none" normalizeH="0" baseline="0" dirty="0">
-                <a:ln>
-                  <a:noFill/>
-                </a:ln>
-                <a:solidFill>
-                  <a:schemeClr val="tx1"/>
-                </a:solidFill>
-                <a:effectLst/>
+              <a:t>+ Sprite </a:t>
+            </a:r>
+            <a:r>
+              <a:rPr lang="en-US" altLang="en-US" sz="1100" dirty="0" err="1">
                 <a:ea typeface="Calibri" panose="020F0502020204030204" pitchFamily="34" charset="0"/>
                 <a:cs typeface="Times New Roman" panose="02020603050405020304" pitchFamily="18" charset="0"/>
               </a:rPr>
-              <a:t>- </a:t>
-            </a:r>
-            <a:r>
-              <a:rPr kumimoji="0" lang="en-US" altLang="en-US" sz="1100" b="0" i="0" u="none" strike="noStrike" cap="none" normalizeH="0" baseline="0" dirty="0" err="1">
-                <a:ln>
-                  <a:noFill/>
-                </a:ln>
-                <a:solidFill>
-                  <a:schemeClr val="tx1"/>
-                </a:solidFill>
-                <a:effectLst/>
-                <a:ea typeface="Calibri" panose="020F0502020204030204" pitchFamily="34" charset="0"/>
-                <a:cs typeface="Times New Roman" panose="02020603050405020304" pitchFamily="18" charset="0"/>
-              </a:rPr>
-              <a:t>SpriteRenderer</a:t>
-            </a:r>
-            <a:r>
-              <a:rPr kumimoji="0" lang="en-US" altLang="en-US" sz="1100" b="0" i="0" u="none" strike="noStrike" cap="none" normalizeH="0" baseline="0" dirty="0">
-                <a:ln>
-                  <a:noFill/>
-                </a:ln>
-                <a:solidFill>
-                  <a:schemeClr val="tx1"/>
-                </a:solidFill>
-                <a:effectLst/>
-                <a:ea typeface="Calibri" panose="020F0502020204030204" pitchFamily="34" charset="0"/>
-                <a:cs typeface="Times New Roman" panose="02020603050405020304" pitchFamily="18" charset="0"/>
-              </a:rPr>
-              <a:t> </a:t>
-            </a:r>
-            <a:r>
-              <a:rPr kumimoji="0" lang="en-US" altLang="en-US" sz="1100" b="0" i="0" u="none" strike="noStrike" cap="none" normalizeH="0" baseline="0" dirty="0" err="1">
-                <a:ln>
-                  <a:noFill/>
-                </a:ln>
-                <a:solidFill>
-                  <a:schemeClr val="tx1"/>
-                </a:solidFill>
-                <a:effectLst/>
-                <a:ea typeface="Calibri" panose="020F0502020204030204" pitchFamily="34" charset="0"/>
-                <a:cs typeface="Times New Roman" panose="02020603050405020304" pitchFamily="18" charset="0"/>
-              </a:rPr>
-              <a:t>mySpriteRenderer</a:t>
+              <a:t>itemSprite</a:t>
             </a:r>
             <a:endParaRPr lang="en-US" altLang="en-US" sz="1100" dirty="0">
               <a:ea typeface="Calibri" panose="020F0502020204030204" pitchFamily="34" charset="0"/>
@@ -3925,251 +3228,198 @@
             </a:endParaRPr>
           </a:p>
           <a:p>
-            <a:pPr marL="0" marR="0" lvl="0" indent="0" algn="l" defTabSz="914400" rtl="0" eaLnBrk="0" fontAlgn="base" latinLnBrk="0" hangingPunct="0">
-              <a:lnSpc>
-                <a:spcPct val="100000"/>
-              </a:lnSpc>
-              <a:spcBef>
-                <a:spcPct val="0"/>
-              </a:spcBef>
-              <a:spcAft>
-                <a:spcPct val="0"/>
-              </a:spcAft>
-              <a:buClrTx/>
-              <a:buSzTx/>
-              <a:buFontTx/>
-              <a:buNone/>
-              <a:tabLst/>
-            </a:pPr>
-            <a:r>
-              <a:rPr kumimoji="0" lang="en-US" altLang="en-US" sz="1100" b="0" i="0" u="none" strike="noStrike" cap="none" normalizeH="0" baseline="0" dirty="0">
-                <a:ln>
-                  <a:noFill/>
-                </a:ln>
-                <a:solidFill>
-                  <a:schemeClr val="tx1"/>
-                </a:solidFill>
-                <a:effectLst/>
-              </a:rPr>
+            <a:pPr defTabSz="914400" eaLnBrk="0" fontAlgn="base" hangingPunct="0">
+              <a:spcBef>
+                <a:spcPct val="0"/>
+              </a:spcBef>
+              <a:spcAft>
+                <a:spcPct val="0"/>
+              </a:spcAft>
+            </a:pPr>
+            <a:r>
+              <a:rPr lang="en-US" altLang="en-US" sz="1100" dirty="0">
+                <a:ea typeface="Calibri" panose="020F0502020204030204" pitchFamily="34" charset="0"/>
+                <a:cs typeface="Times New Roman" panose="02020603050405020304" pitchFamily="18" charset="0"/>
+              </a:rPr>
+              <a:t>+ bool exposed</a:t>
+            </a:r>
+          </a:p>
+          <a:p>
+            <a:pPr defTabSz="914400" eaLnBrk="0" fontAlgn="base" hangingPunct="0">
+              <a:spcBef>
+                <a:spcPct val="0"/>
+              </a:spcBef>
+              <a:spcAft>
+                <a:spcPct val="0"/>
+              </a:spcAft>
+            </a:pPr>
+            <a:r>
+              <a:rPr lang="en-US" altLang="en-US" sz="1100" dirty="0">
+                <a:ea typeface="Calibri" panose="020F0502020204030204" pitchFamily="34" charset="0"/>
+                <a:cs typeface="Times New Roman" panose="02020603050405020304" pitchFamily="18" charset="0"/>
+              </a:rPr>
+              <a:t>- </a:t>
+            </a:r>
+            <a:r>
+              <a:rPr lang="en-US" altLang="en-US" sz="1100" dirty="0" err="1">
+                <a:ea typeface="Calibri" panose="020F0502020204030204" pitchFamily="34" charset="0"/>
+                <a:cs typeface="Times New Roman" panose="02020603050405020304" pitchFamily="18" charset="0"/>
+              </a:rPr>
+              <a:t>SpriteRenderer</a:t>
+            </a:r>
+            <a:r>
+              <a:rPr lang="en-US" altLang="en-US" sz="1100" dirty="0">
+                <a:ea typeface="Calibri" panose="020F0502020204030204" pitchFamily="34" charset="0"/>
+                <a:cs typeface="Times New Roman" panose="02020603050405020304" pitchFamily="18" charset="0"/>
+              </a:rPr>
+              <a:t> </a:t>
+            </a:r>
+            <a:r>
+              <a:rPr lang="en-US" altLang="en-US" sz="1100" dirty="0" err="1">
+                <a:ea typeface="Calibri" panose="020F0502020204030204" pitchFamily="34" charset="0"/>
+                <a:cs typeface="Times New Roman" panose="02020603050405020304" pitchFamily="18" charset="0"/>
+              </a:rPr>
+              <a:t>mySpriteRenderer</a:t>
+            </a:r>
+            <a:endParaRPr lang="en-US" altLang="en-US" sz="1100" dirty="0">
+              <a:ea typeface="Calibri" panose="020F0502020204030204" pitchFamily="34" charset="0"/>
+              <a:cs typeface="Times New Roman" panose="02020603050405020304" pitchFamily="18" charset="0"/>
+            </a:endParaRPr>
+          </a:p>
+          <a:p>
+            <a:pPr defTabSz="914400" eaLnBrk="0" fontAlgn="base" hangingPunct="0">
+              <a:spcBef>
+                <a:spcPct val="0"/>
+              </a:spcBef>
+              <a:spcAft>
+                <a:spcPct val="0"/>
+              </a:spcAft>
+            </a:pPr>
+            <a:r>
+              <a:rPr lang="en-US" altLang="en-US" sz="1100" dirty="0"/>
               <a:t>- Dropped</a:t>
             </a:r>
           </a:p>
           <a:p>
-            <a:pPr marL="0" marR="0" lvl="0" indent="0" algn="l" defTabSz="914400" rtl="0" eaLnBrk="0" fontAlgn="base" latinLnBrk="0" hangingPunct="0">
-              <a:lnSpc>
-                <a:spcPct val="100000"/>
-              </a:lnSpc>
-              <a:spcBef>
-                <a:spcPct val="0"/>
-              </a:spcBef>
-              <a:spcAft>
-                <a:spcPct val="0"/>
-              </a:spcAft>
-              <a:buClrTx/>
-              <a:buSzTx/>
-              <a:buFontTx/>
-              <a:buNone/>
-              <a:tabLst/>
-            </a:pPr>
-            <a:r>
-              <a:rPr kumimoji="0" lang="en-US" altLang="en-US" sz="1100" b="0" i="0" u="none" strike="noStrike" cap="none" normalizeH="0" baseline="0" dirty="0">
-                <a:ln>
-                  <a:noFill/>
-                </a:ln>
-                <a:solidFill>
-                  <a:schemeClr val="tx1"/>
-                </a:solidFill>
-                <a:effectLst/>
-                <a:latin typeface="Calibri" panose="020F0502020204030204" pitchFamily="34" charset="0"/>
-                <a:ea typeface="Calibri" panose="020F0502020204030204" pitchFamily="34" charset="0"/>
-                <a:cs typeface="Times New Roman" panose="02020603050405020304" pitchFamily="18" charset="0"/>
-              </a:rPr>
-              <a:t>--------------------------------------------</a:t>
-            </a:r>
-          </a:p>
-          <a:p>
-            <a:pPr eaLnBrk="0" fontAlgn="base" hangingPunct="0">
-              <a:spcBef>
-                <a:spcPct val="0"/>
-              </a:spcBef>
-              <a:spcAft>
-                <a:spcPct val="0"/>
-              </a:spcAft>
-            </a:pPr>
-            <a:r>
-              <a:rPr kumimoji="0" lang="en-US" altLang="en-US" sz="1100" b="0" i="0" u="none" strike="sngStrike" cap="none" normalizeH="0" baseline="0" dirty="0">
-                <a:ln>
-                  <a:noFill/>
-                </a:ln>
-                <a:solidFill>
-                  <a:schemeClr val="tx1"/>
-                </a:solidFill>
-                <a:effectLst/>
-                <a:latin typeface="Calibri" panose="020F0502020204030204" pitchFamily="34" charset="0"/>
-                <a:ea typeface="Calibri" panose="020F0502020204030204" pitchFamily="34" charset="0"/>
-                <a:cs typeface="Times New Roman" panose="02020603050405020304" pitchFamily="18" charset="0"/>
-              </a:rPr>
-              <a:t>+ Obtain</a:t>
-            </a:r>
-            <a:r>
-              <a:rPr kumimoji="0" lang="en-US" altLang="en-US" sz="1100" b="0" i="0" u="none" cap="none" normalizeH="0" baseline="0" dirty="0">
-                <a:ln>
-                  <a:noFill/>
-                </a:ln>
-                <a:solidFill>
-                  <a:schemeClr val="tx1"/>
-                </a:solidFill>
-                <a:effectLst/>
-                <a:latin typeface="Calibri" panose="020F0502020204030204" pitchFamily="34" charset="0"/>
-                <a:ea typeface="Calibri" panose="020F0502020204030204" pitchFamily="34" charset="0"/>
-                <a:cs typeface="Times New Roman" panose="02020603050405020304" pitchFamily="18" charset="0"/>
-              </a:rPr>
-              <a:t> (now handled by the exposed property)</a:t>
-            </a:r>
-          </a:p>
-          <a:p>
-            <a:pPr lvl="0" eaLnBrk="0" fontAlgn="base" hangingPunct="0">
-              <a:spcBef>
-                <a:spcPct val="0"/>
-              </a:spcBef>
-              <a:spcAft>
-                <a:spcPct val="0"/>
-              </a:spcAft>
-            </a:pPr>
-            <a:r>
-              <a:rPr kumimoji="0" lang="en-US" altLang="en-US" sz="1100" b="0" i="0" u="none" strike="sngStrike" cap="none" normalizeH="0" baseline="0" dirty="0">
-                <a:ln>
-                  <a:noFill/>
-                </a:ln>
-                <a:solidFill>
-                  <a:schemeClr val="tx1"/>
-                </a:solidFill>
-                <a:effectLst/>
-                <a:latin typeface="Calibri" panose="020F0502020204030204" pitchFamily="34" charset="0"/>
-                <a:ea typeface="Calibri" panose="020F0502020204030204" pitchFamily="34" charset="0"/>
-                <a:cs typeface="Times New Roman" panose="02020603050405020304" pitchFamily="18" charset="0"/>
-              </a:rPr>
-              <a:t>+ Drop</a:t>
-            </a:r>
-            <a:r>
-              <a:rPr kumimoji="0" lang="en-US" altLang="en-US" sz="1100" b="0" i="0" u="none" cap="none" normalizeH="0" baseline="0" dirty="0">
-                <a:ln>
-                  <a:noFill/>
-                </a:ln>
-                <a:solidFill>
-                  <a:schemeClr val="tx1"/>
-                </a:solidFill>
-                <a:effectLst/>
-                <a:latin typeface="Calibri" panose="020F0502020204030204" pitchFamily="34" charset="0"/>
-                <a:ea typeface="Calibri" panose="020F0502020204030204" pitchFamily="34" charset="0"/>
-                <a:cs typeface="Times New Roman" panose="02020603050405020304" pitchFamily="18" charset="0"/>
-              </a:rPr>
-              <a:t> </a:t>
-            </a:r>
+            <a:pPr defTabSz="914400" eaLnBrk="0" fontAlgn="base" hangingPunct="0">
+              <a:spcBef>
+                <a:spcPct val="0"/>
+              </a:spcBef>
+              <a:spcAft>
+                <a:spcPct val="0"/>
+              </a:spcAft>
+            </a:pPr>
             <a:r>
               <a:rPr lang="en-US" altLang="en-US" sz="1100" dirty="0">
                 <a:latin typeface="Calibri" panose="020F0502020204030204" pitchFamily="34" charset="0"/>
                 <a:ea typeface="Calibri" panose="020F0502020204030204" pitchFamily="34" charset="0"/>
                 <a:cs typeface="Times New Roman" panose="02020603050405020304" pitchFamily="18" charset="0"/>
               </a:rPr>
-              <a:t>(now handled by the exposed property)</a:t>
-            </a:r>
-            <a:endParaRPr kumimoji="0" lang="en-US" altLang="en-US" sz="800" b="0" i="0" u="none" strike="sngStrike" cap="none" normalizeH="0" baseline="0" dirty="0">
-              <a:ln>
-                <a:noFill/>
-              </a:ln>
-              <a:solidFill>
-                <a:schemeClr val="tx1"/>
-              </a:solidFill>
-              <a:effectLst/>
-            </a:endParaRPr>
-          </a:p>
-          <a:p>
-            <a:pPr marL="0" marR="0" lvl="0" indent="0" algn="l" defTabSz="914400" rtl="0" eaLnBrk="0" fontAlgn="base" latinLnBrk="0" hangingPunct="0">
-              <a:lnSpc>
-                <a:spcPct val="100000"/>
-              </a:lnSpc>
-              <a:spcBef>
-                <a:spcPct val="0"/>
-              </a:spcBef>
-              <a:spcAft>
-                <a:spcPct val="0"/>
-              </a:spcAft>
-              <a:buClrTx/>
-              <a:buSzTx/>
-              <a:buFontTx/>
-              <a:buNone/>
-              <a:tabLst/>
-            </a:pPr>
-            <a:r>
-              <a:rPr kumimoji="0" lang="en-US" altLang="en-US" sz="1100" b="0" i="0" u="none" strike="sngStrike" cap="none" normalizeH="0" baseline="0" dirty="0">
-                <a:ln>
-                  <a:noFill/>
-                </a:ln>
-                <a:solidFill>
-                  <a:schemeClr val="tx1"/>
-                </a:solidFill>
-                <a:effectLst/>
+              <a:t>--------------------------------------------</a:t>
+            </a:r>
+          </a:p>
+          <a:p>
+            <a:pPr eaLnBrk="0" fontAlgn="base" hangingPunct="0">
+              <a:spcBef>
+                <a:spcPct val="0"/>
+              </a:spcBef>
+              <a:spcAft>
+                <a:spcPct val="0"/>
+              </a:spcAft>
+            </a:pPr>
+            <a:r>
+              <a:rPr lang="en-US" altLang="en-US" sz="1100" strike="sngStrike" dirty="0">
                 <a:latin typeface="Calibri" panose="020F0502020204030204" pitchFamily="34" charset="0"/>
                 <a:ea typeface="Calibri" panose="020F0502020204030204" pitchFamily="34" charset="0"/>
                 <a:cs typeface="Times New Roman" panose="02020603050405020304" pitchFamily="18" charset="0"/>
               </a:rPr>
-              <a:t>+ </a:t>
-            </a:r>
-            <a:r>
-              <a:rPr kumimoji="0" lang="en-US" altLang="en-US" sz="1100" b="0" i="0" u="none" strike="sngStrike" cap="none" normalizeH="0" baseline="0" dirty="0" err="1">
-                <a:ln>
-                  <a:noFill/>
-                </a:ln>
-                <a:solidFill>
-                  <a:schemeClr val="tx1"/>
-                </a:solidFill>
-                <a:effectLst/>
+              <a:t>+ Obtain</a:t>
+            </a:r>
+            <a:r>
+              <a:rPr lang="en-US" altLang="en-US" sz="1100" dirty="0">
                 <a:latin typeface="Calibri" panose="020F0502020204030204" pitchFamily="34" charset="0"/>
                 <a:ea typeface="Calibri" panose="020F0502020204030204" pitchFamily="34" charset="0"/>
                 <a:cs typeface="Times New Roman" panose="02020603050405020304" pitchFamily="18" charset="0"/>
               </a:rPr>
-              <a:t>SetStackSize</a:t>
-            </a:r>
-            <a:r>
-              <a:rPr kumimoji="0" lang="en-US" altLang="en-US" sz="1100" b="0" i="0" u="none" cap="none" normalizeH="0" baseline="0" dirty="0">
-                <a:ln>
-                  <a:noFill/>
-                </a:ln>
-                <a:solidFill>
-                  <a:schemeClr val="tx1"/>
-                </a:solidFill>
-                <a:effectLst/>
+              <a:t> (now handled by the exposed property)</a:t>
+            </a:r>
+          </a:p>
+          <a:p>
+            <a:pPr lvl="0" eaLnBrk="0" fontAlgn="base" hangingPunct="0">
+              <a:spcBef>
+                <a:spcPct val="0"/>
+              </a:spcBef>
+              <a:spcAft>
+                <a:spcPct val="0"/>
+              </a:spcAft>
+            </a:pPr>
+            <a:r>
+              <a:rPr lang="en-US" altLang="en-US" sz="1100" strike="sngStrike" dirty="0">
                 <a:latin typeface="Calibri" panose="020F0502020204030204" pitchFamily="34" charset="0"/>
                 <a:ea typeface="Calibri" panose="020F0502020204030204" pitchFamily="34" charset="0"/>
                 <a:cs typeface="Times New Roman" panose="02020603050405020304" pitchFamily="18" charset="0"/>
               </a:rPr>
-              <a:t> (now handled by a property)</a:t>
-            </a:r>
-          </a:p>
-          <a:p>
-            <a:pPr marL="0" marR="0" lvl="0" indent="0" algn="l" defTabSz="914400" rtl="0" eaLnBrk="0" fontAlgn="base" latinLnBrk="0" hangingPunct="0">
-              <a:lnSpc>
-                <a:spcPct val="100000"/>
-              </a:lnSpc>
-              <a:spcBef>
-                <a:spcPct val="0"/>
-              </a:spcBef>
-              <a:spcAft>
-                <a:spcPct val="0"/>
-              </a:spcAft>
-              <a:buClrTx/>
-              <a:buSzTx/>
-              <a:buFontTx/>
-              <a:buNone/>
-              <a:tabLst/>
-            </a:pPr>
+              <a:t>+ Drop</a:t>
+            </a:r>
             <a:r>
               <a:rPr lang="en-US" altLang="en-US" sz="1100" dirty="0">
                 <a:latin typeface="Calibri" panose="020F0502020204030204" pitchFamily="34" charset="0"/>
+                <a:ea typeface="Calibri" panose="020F0502020204030204" pitchFamily="34" charset="0"/>
+                <a:cs typeface="Times New Roman" panose="02020603050405020304" pitchFamily="18" charset="0"/>
+              </a:rPr>
+              <a:t> (now handled by the exposed property)</a:t>
+            </a:r>
+            <a:endParaRPr lang="en-US" altLang="en-US" sz="800" strike="sngStrike" dirty="0"/>
+          </a:p>
+          <a:p>
+            <a:pPr defTabSz="914400" eaLnBrk="0" fontAlgn="base" hangingPunct="0">
+              <a:spcBef>
+                <a:spcPct val="0"/>
+              </a:spcBef>
+              <a:spcAft>
+                <a:spcPct val="0"/>
+              </a:spcAft>
+            </a:pPr>
+            <a:r>
+              <a:rPr lang="en-US" altLang="en-US" sz="1100" strike="sngStrike" dirty="0">
+                <a:latin typeface="Calibri" panose="020F0502020204030204" pitchFamily="34" charset="0"/>
+                <a:ea typeface="Calibri" panose="020F0502020204030204" pitchFamily="34" charset="0"/>
                 <a:cs typeface="Times New Roman" panose="02020603050405020304" pitchFamily="18" charset="0"/>
               </a:rPr>
               <a:t>+ </a:t>
+            </a:r>
+            <a:r>
+              <a:rPr lang="en-US" altLang="en-US" sz="1100" strike="sngStrike" dirty="0" err="1">
+                <a:latin typeface="Calibri" panose="020F0502020204030204" pitchFamily="34" charset="0"/>
+                <a:ea typeface="Calibri" panose="020F0502020204030204" pitchFamily="34" charset="0"/>
+                <a:cs typeface="Times New Roman" panose="02020603050405020304" pitchFamily="18" charset="0"/>
+              </a:rPr>
+              <a:t>SetStackSize</a:t>
+            </a:r>
+            <a:r>
+              <a:rPr lang="en-US" altLang="en-US" sz="1100" dirty="0">
+                <a:latin typeface="Calibri" panose="020F0502020204030204" pitchFamily="34" charset="0"/>
+                <a:ea typeface="Calibri" panose="020F0502020204030204" pitchFamily="34" charset="0"/>
+                <a:cs typeface="Times New Roman" panose="02020603050405020304" pitchFamily="18" charset="0"/>
+              </a:rPr>
+              <a:t> (now handled by a property)</a:t>
+            </a:r>
+          </a:p>
+          <a:p>
+            <a:pPr defTabSz="914400" eaLnBrk="0" fontAlgn="base" hangingPunct="0">
+              <a:spcBef>
+                <a:spcPct val="0"/>
+              </a:spcBef>
+              <a:spcAft>
+                <a:spcPct val="0"/>
+              </a:spcAft>
+            </a:pPr>
+            <a:r>
+              <a:rPr lang="en-US" altLang="en-US" sz="1100" dirty="0">
+                <a:latin typeface="Calibri" panose="020F0502020204030204" pitchFamily="34" charset="0"/>
+                <a:cs typeface="Times New Roman" panose="02020603050405020304" pitchFamily="18" charset="0"/>
+              </a:rPr>
+              <a:t>+ string </a:t>
             </a:r>
             <a:r>
               <a:rPr lang="en-US" altLang="en-US" sz="1100" dirty="0" err="1">
@@ -4178,43 +3428,45 @@
               </a:rPr>
               <a:t>GetFinalName</a:t>
             </a:r>
-            <a:endParaRPr kumimoji="0" lang="en-US" altLang="en-US" sz="800" b="0" i="0" u="none" strike="noStrike" cap="none" normalizeH="0" baseline="0" dirty="0">
-              <a:ln>
-                <a:noFill/>
-              </a:ln>
-              <a:solidFill>
-                <a:schemeClr val="tx1"/>
-              </a:solidFill>
-              <a:effectLst/>
-            </a:endParaRPr>
-          </a:p>
-          <a:p>
-            <a:pPr marL="0" marR="0" lvl="0" indent="0" algn="l" defTabSz="914400" rtl="0" eaLnBrk="0" fontAlgn="base" latinLnBrk="0" hangingPunct="0">
-              <a:lnSpc>
-                <a:spcPct val="100000"/>
-              </a:lnSpc>
-              <a:spcBef>
-                <a:spcPct val="0"/>
-              </a:spcBef>
-              <a:spcAft>
-                <a:spcPct val="0"/>
-              </a:spcAft>
-              <a:buClrTx/>
-              <a:buSzTx/>
-              <a:buFontTx/>
-              <a:buNone/>
-              <a:tabLst/>
-            </a:pPr>
-            <a:endParaRPr kumimoji="0" lang="en-US" altLang="en-US" sz="1800" b="0" i="0" u="none" strike="noStrike" cap="none" normalizeH="0" baseline="0" dirty="0">
-              <a:ln>
-                <a:noFill/>
-              </a:ln>
-              <a:solidFill>
-                <a:schemeClr val="tx1"/>
-              </a:solidFill>
-              <a:effectLst/>
-              <a:latin typeface="Arial" panose="020B0604020202020204" pitchFamily="34" charset="0"/>
-            </a:endParaRPr>
+            <a:r>
+              <a:rPr lang="en-US" altLang="en-US" sz="1100" dirty="0">
+                <a:latin typeface="Calibri" panose="020F0502020204030204" pitchFamily="34" charset="0"/>
+                <a:cs typeface="Times New Roman" panose="02020603050405020304" pitchFamily="18" charset="0"/>
+              </a:rPr>
+              <a:t>()</a:t>
+            </a:r>
+          </a:p>
+          <a:p>
+            <a:pPr defTabSz="914400" eaLnBrk="0" fontAlgn="base" hangingPunct="0">
+              <a:spcBef>
+                <a:spcPct val="0"/>
+              </a:spcBef>
+              <a:spcAft>
+                <a:spcPct val="0"/>
+              </a:spcAft>
+            </a:pPr>
+            <a:r>
+              <a:rPr lang="en-US" altLang="en-US" sz="1100" dirty="0">
+                <a:latin typeface="Calibri" panose="020F0502020204030204" pitchFamily="34" charset="0"/>
+                <a:cs typeface="Times New Roman" panose="02020603050405020304" pitchFamily="18" charset="0"/>
+              </a:rPr>
+              <a:t>+ virtual bool </a:t>
+            </a:r>
+            <a:r>
+              <a:rPr lang="en-US" altLang="en-US" sz="1100" dirty="0" err="1">
+                <a:latin typeface="Calibri" panose="020F0502020204030204" pitchFamily="34" charset="0"/>
+                <a:cs typeface="Times New Roman" panose="02020603050405020304" pitchFamily="18" charset="0"/>
+              </a:rPr>
+              <a:t>DestroyObject</a:t>
+            </a:r>
+            <a:r>
+              <a:rPr lang="en-US" altLang="en-US" sz="1100" dirty="0">
+                <a:latin typeface="Calibri" panose="020F0502020204030204" pitchFamily="34" charset="0"/>
+                <a:cs typeface="Times New Roman" panose="02020603050405020304" pitchFamily="18" charset="0"/>
+              </a:rPr>
+              <a:t>();</a:t>
+            </a:r>
+            <a:endParaRPr lang="en-US" altLang="en-US" sz="800" dirty="0"/>
           </a:p>
         </p:txBody>
       </p:sp>
@@ -4234,8 +3486,8 @@
         </p:nvSpPr>
         <p:spPr bwMode="auto">
           <a:xfrm>
-            <a:off x="6529237" y="399733"/>
-            <a:ext cx="1438275" cy="1381125"/>
+            <a:off x="8172449" y="2556669"/>
+            <a:ext cx="4391025" cy="3683940"/>
           </a:xfrm>
           <a:prstGeom prst="rect">
             <a:avLst/>
@@ -4260,200 +3512,143 @@
           </a:bodyPr>
           <a:lstStyle/>
           <a:p>
-            <a:pPr marL="0" marR="0" lvl="0" indent="0" algn="l" defTabSz="914400" rtl="0" eaLnBrk="0" fontAlgn="base" latinLnBrk="0" hangingPunct="0">
-              <a:lnSpc>
-                <a:spcPct val="100000"/>
-              </a:lnSpc>
-              <a:spcBef>
-                <a:spcPct val="0"/>
-              </a:spcBef>
-              <a:spcAft>
-                <a:spcPct val="0"/>
-              </a:spcAft>
-              <a:buClrTx/>
-              <a:buSzTx/>
-              <a:buFontTx/>
-              <a:buNone/>
-              <a:tabLst/>
-            </a:pPr>
-            <a:r>
-              <a:rPr kumimoji="0" lang="en-US" altLang="en-US" sz="1100" b="0" i="0" u="none" strike="noStrike" cap="none" normalizeH="0" baseline="0">
-                <a:ln>
-                  <a:noFill/>
-                </a:ln>
-                <a:solidFill>
-                  <a:schemeClr val="tx1"/>
-                </a:solidFill>
-                <a:effectLst/>
+            <a:pPr defTabSz="914400" eaLnBrk="0" fontAlgn="base" hangingPunct="0">
+              <a:spcBef>
+                <a:spcPct val="0"/>
+              </a:spcBef>
+              <a:spcAft>
+                <a:spcPct val="0"/>
+              </a:spcAft>
+            </a:pPr>
+            <a:r>
+              <a:rPr lang="en-US" altLang="en-US" sz="1100" dirty="0" err="1">
                 <a:latin typeface="Calibri" panose="020F0502020204030204" pitchFamily="34" charset="0"/>
                 <a:ea typeface="Calibri" panose="020F0502020204030204" pitchFamily="34" charset="0"/>
                 <a:cs typeface="Times New Roman" panose="02020603050405020304" pitchFamily="18" charset="0"/>
               </a:rPr>
               <a:t>WorldObject</a:t>
             </a:r>
-            <a:endParaRPr kumimoji="0" lang="en-US" altLang="en-US" sz="800" b="0" i="0" u="none" strike="noStrike" cap="none" normalizeH="0" baseline="0">
-              <a:ln>
-                <a:noFill/>
-              </a:ln>
-              <a:solidFill>
-                <a:schemeClr val="tx1"/>
-              </a:solidFill>
-              <a:effectLst/>
-            </a:endParaRPr>
-          </a:p>
-          <a:p>
-            <a:pPr marL="0" marR="0" lvl="0" indent="0" algn="l" defTabSz="914400" rtl="0" eaLnBrk="0" fontAlgn="base" latinLnBrk="0" hangingPunct="0">
-              <a:lnSpc>
-                <a:spcPct val="100000"/>
-              </a:lnSpc>
-              <a:spcBef>
-                <a:spcPct val="0"/>
-              </a:spcBef>
-              <a:spcAft>
-                <a:spcPct val="0"/>
-              </a:spcAft>
-              <a:buClrTx/>
-              <a:buSzTx/>
-              <a:buFontTx/>
-              <a:buNone/>
-              <a:tabLst/>
-            </a:pPr>
-            <a:r>
-              <a:rPr kumimoji="0" lang="en-US" altLang="en-US" sz="1100" b="0" i="0" u="none" strike="noStrike" cap="none" normalizeH="0" baseline="0">
-                <a:ln>
-                  <a:noFill/>
-                </a:ln>
-                <a:solidFill>
-                  <a:schemeClr val="tx1"/>
-                </a:solidFill>
-                <a:effectLst/>
+            <a:endParaRPr lang="en-US" altLang="en-US" sz="800" dirty="0"/>
+          </a:p>
+          <a:p>
+            <a:pPr defTabSz="914400" eaLnBrk="0" fontAlgn="base" hangingPunct="0">
+              <a:spcBef>
+                <a:spcPct val="0"/>
+              </a:spcBef>
+              <a:spcAft>
+                <a:spcPct val="0"/>
+              </a:spcAft>
+            </a:pPr>
+            <a:r>
+              <a:rPr lang="en-US" altLang="en-US" sz="1100" dirty="0">
                 <a:latin typeface="Calibri" panose="020F0502020204030204" pitchFamily="34" charset="0"/>
                 <a:ea typeface="Calibri" panose="020F0502020204030204" pitchFamily="34" charset="0"/>
                 <a:cs typeface="Times New Roman" panose="02020603050405020304" pitchFamily="18" charset="0"/>
               </a:rPr>
               <a:t>+ bool placed</a:t>
             </a:r>
-            <a:endParaRPr kumimoji="0" lang="en-US" altLang="en-US" sz="800" b="0" i="0" u="none" strike="noStrike" cap="none" normalizeH="0" baseline="0">
-              <a:ln>
-                <a:noFill/>
-              </a:ln>
-              <a:solidFill>
-                <a:schemeClr val="tx1"/>
-              </a:solidFill>
-              <a:effectLst/>
-            </a:endParaRPr>
-          </a:p>
-          <a:p>
-            <a:pPr marL="0" marR="0" lvl="0" indent="0" algn="l" defTabSz="914400" rtl="0" eaLnBrk="0" fontAlgn="base" latinLnBrk="0" hangingPunct="0">
-              <a:lnSpc>
-                <a:spcPct val="100000"/>
-              </a:lnSpc>
-              <a:spcBef>
-                <a:spcPct val="0"/>
-              </a:spcBef>
-              <a:spcAft>
-                <a:spcPct val="0"/>
-              </a:spcAft>
-              <a:buClrTx/>
-              <a:buSzTx/>
-              <a:buFontTx/>
-              <a:buNone/>
-              <a:tabLst/>
-            </a:pPr>
-            <a:r>
-              <a:rPr kumimoji="0" lang="en-US" altLang="en-US" sz="1100" b="0" i="0" u="none" strike="noStrike" cap="none" normalizeH="0" baseline="0">
-                <a:ln>
-                  <a:noFill/>
-                </a:ln>
-                <a:solidFill>
-                  <a:schemeClr val="tx1"/>
-                </a:solidFill>
-                <a:effectLst/>
+            <a:endParaRPr lang="en-US" altLang="en-US" sz="800" dirty="0"/>
+          </a:p>
+          <a:p>
+            <a:pPr defTabSz="914400" eaLnBrk="0" fontAlgn="base" hangingPunct="0">
+              <a:spcBef>
+                <a:spcPct val="0"/>
+              </a:spcBef>
+              <a:spcAft>
+                <a:spcPct val="0"/>
+              </a:spcAft>
+            </a:pPr>
+            <a:r>
+              <a:rPr lang="en-US" altLang="en-US" sz="1100" dirty="0">
                 <a:latin typeface="Calibri" panose="020F0502020204030204" pitchFamily="34" charset="0"/>
                 <a:ea typeface="Calibri" panose="020F0502020204030204" pitchFamily="34" charset="0"/>
                 <a:cs typeface="Times New Roman" panose="02020603050405020304" pitchFamily="18" charset="0"/>
               </a:rPr>
               <a:t>+ health</a:t>
             </a:r>
-            <a:endParaRPr kumimoji="0" lang="en-US" altLang="en-US" sz="800" b="0" i="0" u="none" strike="noStrike" cap="none" normalizeH="0" baseline="0">
-              <a:ln>
-                <a:noFill/>
-              </a:ln>
-              <a:solidFill>
-                <a:schemeClr val="tx1"/>
-              </a:solidFill>
-              <a:effectLst/>
-            </a:endParaRPr>
-          </a:p>
-          <a:p>
-            <a:pPr marL="0" marR="0" lvl="0" indent="0" algn="l" defTabSz="914400" rtl="0" eaLnBrk="0" fontAlgn="base" latinLnBrk="0" hangingPunct="0">
-              <a:lnSpc>
-                <a:spcPct val="100000"/>
-              </a:lnSpc>
-              <a:spcBef>
-                <a:spcPct val="0"/>
-              </a:spcBef>
-              <a:spcAft>
-                <a:spcPct val="0"/>
-              </a:spcAft>
-              <a:buClrTx/>
-              <a:buSzTx/>
-              <a:buFontTx/>
-              <a:buNone/>
-              <a:tabLst/>
-            </a:pPr>
-            <a:r>
-              <a:rPr kumimoji="0" lang="en-US" altLang="en-US" sz="1100" b="0" i="0" u="none" strike="noStrike" cap="none" normalizeH="0" baseline="0">
-                <a:ln>
-                  <a:noFill/>
-                </a:ln>
-                <a:solidFill>
-                  <a:schemeClr val="tx1"/>
-                </a:solidFill>
-                <a:effectLst/>
+            <a:endParaRPr lang="en-US" altLang="en-US" sz="800" dirty="0"/>
+          </a:p>
+          <a:p>
+            <a:pPr defTabSz="914400" eaLnBrk="0" fontAlgn="base" hangingPunct="0">
+              <a:spcBef>
+                <a:spcPct val="0"/>
+              </a:spcBef>
+              <a:spcAft>
+                <a:spcPct val="0"/>
+              </a:spcAft>
+            </a:pPr>
+            <a:r>
+              <a:rPr lang="en-US" altLang="en-US" sz="1100" dirty="0">
                 <a:latin typeface="Calibri" panose="020F0502020204030204" pitchFamily="34" charset="0"/>
                 <a:ea typeface="Calibri" panose="020F0502020204030204" pitchFamily="34" charset="0"/>
                 <a:cs typeface="Times New Roman" panose="02020603050405020304" pitchFamily="18" charset="0"/>
               </a:rPr>
               <a:t>+ Place</a:t>
             </a:r>
-            <a:endParaRPr kumimoji="0" lang="en-US" altLang="en-US" sz="800" b="0" i="0" u="none" strike="noStrike" cap="none" normalizeH="0" baseline="0">
-              <a:ln>
-                <a:noFill/>
-              </a:ln>
-              <a:solidFill>
-                <a:schemeClr val="tx1"/>
-              </a:solidFill>
-              <a:effectLst/>
+            <a:endParaRPr lang="en-US" altLang="en-US" dirty="0">
+              <a:latin typeface="Arial" panose="020B0604020202020204" pitchFamily="34" charset="0"/>
+              <a:ea typeface="Calibri" panose="020F0502020204030204" pitchFamily="34" charset="0"/>
+              <a:cs typeface="Times New Roman" panose="02020603050405020304" pitchFamily="18" charset="0"/>
             </a:endParaRPr>
           </a:p>
           <a:p>
-            <a:pPr marL="0" marR="0" lvl="0" indent="0" algn="l" defTabSz="914400" rtl="0" eaLnBrk="0" fontAlgn="base" latinLnBrk="0" hangingPunct="0">
-              <a:lnSpc>
-                <a:spcPct val="100000"/>
-              </a:lnSpc>
-              <a:spcBef>
-                <a:spcPct val="0"/>
-              </a:spcBef>
-              <a:spcAft>
-                <a:spcPct val="0"/>
-              </a:spcAft>
-              <a:buClrTx/>
-              <a:buSzTx/>
-              <a:buFontTx/>
-              <a:buNone/>
-              <a:tabLst/>
-            </a:pPr>
-            <a:endParaRPr kumimoji="0" lang="en-US" altLang="en-US" sz="1800" b="0" i="0" u="none" strike="noStrike" cap="none" normalizeH="0" baseline="0">
-              <a:ln>
-                <a:noFill/>
-              </a:ln>
-              <a:solidFill>
-                <a:schemeClr val="tx1"/>
-              </a:solidFill>
-              <a:effectLst/>
-              <a:latin typeface="Arial" panose="020B0604020202020204" pitchFamily="34" charset="0"/>
-            </a:endParaRPr>
+            <a:pPr defTabSz="914400" eaLnBrk="0" fontAlgn="base" hangingPunct="0">
+              <a:spcBef>
+                <a:spcPct val="0"/>
+              </a:spcBef>
+              <a:spcAft>
+                <a:spcPct val="0"/>
+              </a:spcAft>
+            </a:pPr>
+            <a:r>
+              <a:rPr lang="en-US" altLang="en-US" sz="800" dirty="0">
+                <a:latin typeface="Arial" panose="020B0604020202020204" pitchFamily="34" charset="0"/>
+                <a:cs typeface="Times New Roman" panose="02020603050405020304" pitchFamily="18" charset="0"/>
+              </a:rPr>
+              <a:t>--------</a:t>
+            </a:r>
+          </a:p>
+          <a:p>
+            <a:pPr defTabSz="914400" eaLnBrk="0" fontAlgn="base" hangingPunct="0">
+              <a:spcBef>
+                <a:spcPct val="0"/>
+              </a:spcBef>
+              <a:spcAft>
+                <a:spcPct val="0"/>
+              </a:spcAft>
+            </a:pPr>
+            <a:r>
+              <a:rPr lang="en-US" altLang="en-US" sz="800" dirty="0">
+                <a:latin typeface="Arial" panose="020B0604020202020204" pitchFamily="34" charset="0"/>
+                <a:cs typeface="Times New Roman" panose="02020603050405020304" pitchFamily="18" charset="0"/>
+              </a:rPr>
+              <a:t>Abstract bool </a:t>
+            </a:r>
+            <a:r>
+              <a:rPr lang="en-US" altLang="en-US" sz="800" dirty="0" err="1">
+                <a:latin typeface="Arial" panose="020B0604020202020204" pitchFamily="34" charset="0"/>
+                <a:cs typeface="Times New Roman" panose="02020603050405020304" pitchFamily="18" charset="0"/>
+              </a:rPr>
+              <a:t>isSpaceFree</a:t>
+            </a:r>
+            <a:r>
+              <a:rPr lang="en-US" altLang="en-US" sz="800" dirty="0">
+                <a:latin typeface="Arial" panose="020B0604020202020204" pitchFamily="34" charset="0"/>
+                <a:cs typeface="Times New Roman" panose="02020603050405020304" pitchFamily="18" charset="0"/>
+              </a:rPr>
+              <a:t>(Vector2 position)</a:t>
+            </a:r>
+          </a:p>
+          <a:p>
+            <a:pPr defTabSz="914400" eaLnBrk="0" fontAlgn="base" hangingPunct="0">
+              <a:spcBef>
+                <a:spcPct val="0"/>
+              </a:spcBef>
+              <a:spcAft>
+                <a:spcPct val="0"/>
+              </a:spcAft>
+            </a:pPr>
+            <a:endParaRPr lang="en-US" altLang="en-US" sz="800" dirty="0"/>
           </a:p>
         </p:txBody>
       </p:sp>
@@ -4473,7 +3668,7 @@
         </p:nvSpPr>
         <p:spPr bwMode="auto">
           <a:xfrm>
-            <a:off x="9569617" y="399733"/>
+            <a:off x="14546038" y="1676724"/>
             <a:ext cx="1438275" cy="590550"/>
           </a:xfrm>
           <a:prstGeom prst="rect">
@@ -4499,72 +3694,34 @@
           </a:bodyPr>
           <a:lstStyle/>
           <a:p>
-            <a:pPr marL="0" marR="0" lvl="0" indent="0" algn="l" defTabSz="914400" rtl="0" eaLnBrk="0" fontAlgn="base" latinLnBrk="0" hangingPunct="0">
-              <a:lnSpc>
-                <a:spcPct val="100000"/>
-              </a:lnSpc>
-              <a:spcBef>
-                <a:spcPct val="0"/>
-              </a:spcBef>
-              <a:spcAft>
-                <a:spcPct val="0"/>
-              </a:spcAft>
-              <a:buClrTx/>
-              <a:buSzTx/>
-              <a:buFontTx/>
-              <a:buNone/>
-              <a:tabLst/>
-            </a:pPr>
-            <a:r>
-              <a:rPr kumimoji="0" lang="en-US" altLang="en-US" sz="1100" b="0" i="0" u="none" strike="noStrike" cap="none" normalizeH="0" baseline="0">
-                <a:ln>
-                  <a:noFill/>
-                </a:ln>
-                <a:solidFill>
-                  <a:schemeClr val="tx1"/>
-                </a:solidFill>
-                <a:effectLst/>
+            <a:pPr defTabSz="914400" eaLnBrk="0" fontAlgn="base" hangingPunct="0">
+              <a:spcBef>
+                <a:spcPct val="0"/>
+              </a:spcBef>
+              <a:spcAft>
+                <a:spcPct val="0"/>
+              </a:spcAft>
+            </a:pPr>
+            <a:r>
+              <a:rPr lang="en-US" altLang="en-US" sz="1100">
                 <a:latin typeface="Calibri" panose="020F0502020204030204" pitchFamily="34" charset="0"/>
                 <a:ea typeface="Calibri" panose="020F0502020204030204" pitchFamily="34" charset="0"/>
                 <a:cs typeface="Times New Roman" panose="02020603050405020304" pitchFamily="18" charset="0"/>
               </a:rPr>
               <a:t>Wall</a:t>
             </a:r>
-            <a:endParaRPr kumimoji="0" lang="en-US" altLang="en-US" sz="800" b="0" i="0" u="none" strike="noStrike" cap="none" normalizeH="0" baseline="0">
-              <a:ln>
-                <a:noFill/>
-              </a:ln>
-              <a:solidFill>
-                <a:schemeClr val="tx1"/>
-              </a:solidFill>
-              <a:effectLst/>
-            </a:endParaRPr>
-          </a:p>
-          <a:p>
-            <a:pPr marL="0" marR="0" lvl="0" indent="0" algn="l" defTabSz="914400" rtl="0" eaLnBrk="0" fontAlgn="base" latinLnBrk="0" hangingPunct="0">
-              <a:lnSpc>
-                <a:spcPct val="100000"/>
-              </a:lnSpc>
-              <a:spcBef>
-                <a:spcPct val="0"/>
-              </a:spcBef>
-              <a:spcAft>
-                <a:spcPct val="0"/>
-              </a:spcAft>
-              <a:buClrTx/>
-              <a:buSzTx/>
-              <a:buFontTx/>
-              <a:buNone/>
-              <a:tabLst/>
-            </a:pPr>
-            <a:endParaRPr kumimoji="0" lang="en-US" altLang="en-US" sz="1800" b="0" i="0" u="none" strike="noStrike" cap="none" normalizeH="0" baseline="0">
-              <a:ln>
-                <a:noFill/>
-              </a:ln>
-              <a:solidFill>
-                <a:schemeClr val="tx1"/>
-              </a:solidFill>
-              <a:effectLst/>
+            <a:endParaRPr lang="en-US" altLang="en-US" sz="800"/>
+          </a:p>
+          <a:p>
+            <a:pPr defTabSz="914400" eaLnBrk="0" fontAlgn="base" hangingPunct="0">
+              <a:spcBef>
+                <a:spcPct val="0"/>
+              </a:spcBef>
+              <a:spcAft>
+                <a:spcPct val="0"/>
+              </a:spcAft>
+            </a:pPr>
+            <a:endParaRPr lang="en-US" altLang="en-US" sz="1800">
               <a:latin typeface="Arial" panose="020B0604020202020204" pitchFamily="34" charset="0"/>
             </a:endParaRPr>
           </a:p>
@@ -4586,7 +3743,7 @@
         </p:nvSpPr>
         <p:spPr bwMode="auto">
           <a:xfrm>
-            <a:off x="9665870" y="2681923"/>
+            <a:off x="14547042" y="6240609"/>
             <a:ext cx="1438275" cy="590550"/>
           </a:xfrm>
           <a:prstGeom prst="rect">
@@ -4612,72 +3769,34 @@
           </a:bodyPr>
           <a:lstStyle/>
           <a:p>
-            <a:pPr marL="0" marR="0" lvl="0" indent="0" algn="l" defTabSz="914400" rtl="0" eaLnBrk="0" fontAlgn="base" latinLnBrk="0" hangingPunct="0">
-              <a:lnSpc>
-                <a:spcPct val="100000"/>
-              </a:lnSpc>
-              <a:spcBef>
-                <a:spcPct val="0"/>
-              </a:spcBef>
-              <a:spcAft>
-                <a:spcPct val="0"/>
-              </a:spcAft>
-              <a:buClrTx/>
-              <a:buSzTx/>
-              <a:buFontTx/>
-              <a:buNone/>
-              <a:tabLst/>
-            </a:pPr>
-            <a:r>
-              <a:rPr kumimoji="0" lang="en-US" altLang="en-US" sz="1100" b="0" i="0" u="none" strike="noStrike" cap="none" normalizeH="0" baseline="0">
-                <a:ln>
-                  <a:noFill/>
-                </a:ln>
-                <a:solidFill>
-                  <a:schemeClr val="tx1"/>
-                </a:solidFill>
-                <a:effectLst/>
+            <a:pPr defTabSz="914400" eaLnBrk="0" fontAlgn="base" hangingPunct="0">
+              <a:spcBef>
+                <a:spcPct val="0"/>
+              </a:spcBef>
+              <a:spcAft>
+                <a:spcPct val="0"/>
+              </a:spcAft>
+            </a:pPr>
+            <a:r>
+              <a:rPr lang="en-US" altLang="en-US" sz="1100">
                 <a:latin typeface="Calibri" panose="020F0502020204030204" pitchFamily="34" charset="0"/>
                 <a:ea typeface="Calibri" panose="020F0502020204030204" pitchFamily="34" charset="0"/>
                 <a:cs typeface="Times New Roman" panose="02020603050405020304" pitchFamily="18" charset="0"/>
               </a:rPr>
               <a:t>Floor</a:t>
             </a:r>
-            <a:endParaRPr kumimoji="0" lang="en-US" altLang="en-US" sz="800" b="0" i="0" u="none" strike="noStrike" cap="none" normalizeH="0" baseline="0">
-              <a:ln>
-                <a:noFill/>
-              </a:ln>
-              <a:solidFill>
-                <a:schemeClr val="tx1"/>
-              </a:solidFill>
-              <a:effectLst/>
-            </a:endParaRPr>
-          </a:p>
-          <a:p>
-            <a:pPr marL="0" marR="0" lvl="0" indent="0" algn="l" defTabSz="914400" rtl="0" eaLnBrk="0" fontAlgn="base" latinLnBrk="0" hangingPunct="0">
-              <a:lnSpc>
-                <a:spcPct val="100000"/>
-              </a:lnSpc>
-              <a:spcBef>
-                <a:spcPct val="0"/>
-              </a:spcBef>
-              <a:spcAft>
-                <a:spcPct val="0"/>
-              </a:spcAft>
-              <a:buClrTx/>
-              <a:buSzTx/>
-              <a:buFontTx/>
-              <a:buNone/>
-              <a:tabLst/>
-            </a:pPr>
-            <a:endParaRPr kumimoji="0" lang="en-US" altLang="en-US" sz="1800" b="0" i="0" u="none" strike="noStrike" cap="none" normalizeH="0" baseline="0">
-              <a:ln>
-                <a:noFill/>
-              </a:ln>
-              <a:solidFill>
-                <a:schemeClr val="tx1"/>
-              </a:solidFill>
-              <a:effectLst/>
+            <a:endParaRPr lang="en-US" altLang="en-US" sz="800"/>
+          </a:p>
+          <a:p>
+            <a:pPr defTabSz="914400" eaLnBrk="0" fontAlgn="base" hangingPunct="0">
+              <a:spcBef>
+                <a:spcPct val="0"/>
+              </a:spcBef>
+              <a:spcAft>
+                <a:spcPct val="0"/>
+              </a:spcAft>
+            </a:pPr>
+            <a:endParaRPr lang="en-US" altLang="en-US" sz="1800">
               <a:latin typeface="Arial" panose="020B0604020202020204" pitchFamily="34" charset="0"/>
             </a:endParaRPr>
           </a:p>
@@ -4699,7 +3818,7 @@
         </p:nvSpPr>
         <p:spPr bwMode="auto">
           <a:xfrm>
-            <a:off x="2544675" y="5098900"/>
+            <a:off x="749210" y="7577157"/>
             <a:ext cx="745958" cy="600075"/>
           </a:xfrm>
           <a:prstGeom prst="rect">
@@ -4725,72 +3844,34 @@
           </a:bodyPr>
           <a:lstStyle/>
           <a:p>
-            <a:pPr marL="0" marR="0" lvl="0" indent="0" algn="l" defTabSz="914400" rtl="0" eaLnBrk="0" fontAlgn="base" latinLnBrk="0" hangingPunct="0">
-              <a:lnSpc>
-                <a:spcPct val="100000"/>
-              </a:lnSpc>
-              <a:spcBef>
-                <a:spcPct val="0"/>
-              </a:spcBef>
-              <a:spcAft>
-                <a:spcPct val="0"/>
-              </a:spcAft>
-              <a:buClrTx/>
-              <a:buSzTx/>
-              <a:buFontTx/>
-              <a:buNone/>
-              <a:tabLst/>
-            </a:pPr>
-            <a:r>
-              <a:rPr kumimoji="0" lang="en-US" altLang="en-US" sz="1100" b="0" i="0" u="none" strike="noStrike" cap="none" normalizeH="0" baseline="0" dirty="0">
-                <a:ln>
-                  <a:noFill/>
-                </a:ln>
-                <a:solidFill>
-                  <a:schemeClr val="tx1"/>
-                </a:solidFill>
-                <a:effectLst/>
+            <a:pPr defTabSz="914400" eaLnBrk="0" fontAlgn="base" hangingPunct="0">
+              <a:spcBef>
+                <a:spcPct val="0"/>
+              </a:spcBef>
+              <a:spcAft>
+                <a:spcPct val="0"/>
+              </a:spcAft>
+            </a:pPr>
+            <a:r>
+              <a:rPr lang="en-US" altLang="en-US" sz="1100" dirty="0">
                 <a:latin typeface="Calibri" panose="020F0502020204030204" pitchFamily="34" charset="0"/>
                 <a:ea typeface="Calibri" panose="020F0502020204030204" pitchFamily="34" charset="0"/>
                 <a:cs typeface="Times New Roman" panose="02020603050405020304" pitchFamily="18" charset="0"/>
               </a:rPr>
               <a:t>Armor</a:t>
             </a:r>
-            <a:endParaRPr kumimoji="0" lang="en-US" altLang="en-US" sz="800" b="0" i="0" u="none" strike="noStrike" cap="none" normalizeH="0" baseline="0" dirty="0">
-              <a:ln>
-                <a:noFill/>
-              </a:ln>
-              <a:solidFill>
-                <a:schemeClr val="tx1"/>
-              </a:solidFill>
-              <a:effectLst/>
-            </a:endParaRPr>
-          </a:p>
-          <a:p>
-            <a:pPr marL="0" marR="0" lvl="0" indent="0" algn="l" defTabSz="914400" rtl="0" eaLnBrk="0" fontAlgn="base" latinLnBrk="0" hangingPunct="0">
-              <a:lnSpc>
-                <a:spcPct val="100000"/>
-              </a:lnSpc>
-              <a:spcBef>
-                <a:spcPct val="0"/>
-              </a:spcBef>
-              <a:spcAft>
-                <a:spcPct val="0"/>
-              </a:spcAft>
-              <a:buClrTx/>
-              <a:buSzTx/>
-              <a:buFontTx/>
-              <a:buNone/>
-              <a:tabLst/>
-            </a:pPr>
-            <a:endParaRPr kumimoji="0" lang="en-US" altLang="en-US" sz="1800" b="0" i="0" u="none" strike="noStrike" cap="none" normalizeH="0" baseline="0" dirty="0">
-              <a:ln>
-                <a:noFill/>
-              </a:ln>
-              <a:solidFill>
-                <a:schemeClr val="tx1"/>
-              </a:solidFill>
-              <a:effectLst/>
+            <a:endParaRPr lang="en-US" altLang="en-US" sz="800" dirty="0"/>
+          </a:p>
+          <a:p>
+            <a:pPr defTabSz="914400" eaLnBrk="0" fontAlgn="base" hangingPunct="0">
+              <a:spcBef>
+                <a:spcPct val="0"/>
+              </a:spcBef>
+              <a:spcAft>
+                <a:spcPct val="0"/>
+              </a:spcAft>
+            </a:pPr>
+            <a:endParaRPr lang="en-US" altLang="en-US" sz="1800" dirty="0">
               <a:latin typeface="Arial" panose="020B0604020202020204" pitchFamily="34" charset="0"/>
             </a:endParaRPr>
           </a:p>
@@ -4812,7 +3893,7 @@
         </p:nvSpPr>
         <p:spPr bwMode="auto">
           <a:xfrm>
-            <a:off x="6105374" y="3406456"/>
+            <a:off x="10191599" y="7782074"/>
             <a:ext cx="1695450" cy="752475"/>
           </a:xfrm>
           <a:prstGeom prst="rect">
@@ -4838,72 +3919,34 @@
           </a:bodyPr>
           <a:lstStyle/>
           <a:p>
-            <a:pPr marL="0" marR="0" lvl="0" indent="0" algn="l" defTabSz="914400" rtl="0" eaLnBrk="0" fontAlgn="base" latinLnBrk="0" hangingPunct="0">
-              <a:lnSpc>
-                <a:spcPct val="100000"/>
-              </a:lnSpc>
-              <a:spcBef>
-                <a:spcPct val="0"/>
-              </a:spcBef>
-              <a:spcAft>
-                <a:spcPct val="0"/>
-              </a:spcAft>
-              <a:buClrTx/>
-              <a:buSzTx/>
-              <a:buFontTx/>
-              <a:buNone/>
-              <a:tabLst/>
-            </a:pPr>
-            <a:r>
-              <a:rPr kumimoji="0" lang="en-US" altLang="en-US" sz="1100" b="0" i="0" u="none" strike="noStrike" cap="none" normalizeH="0" baseline="0">
-                <a:ln>
-                  <a:noFill/>
-                </a:ln>
-                <a:solidFill>
-                  <a:schemeClr val="tx1"/>
-                </a:solidFill>
-                <a:effectLst/>
+            <a:pPr defTabSz="914400" eaLnBrk="0" fontAlgn="base" hangingPunct="0">
+              <a:spcBef>
+                <a:spcPct val="0"/>
+              </a:spcBef>
+              <a:spcAft>
+                <a:spcPct val="0"/>
+              </a:spcAft>
+            </a:pPr>
+            <a:r>
+              <a:rPr lang="en-US" altLang="en-US" sz="1100">
                 <a:latin typeface="Calibri" panose="020F0502020204030204" pitchFamily="34" charset="0"/>
                 <a:ea typeface="Calibri" panose="020F0502020204030204" pitchFamily="34" charset="0"/>
                 <a:cs typeface="Times New Roman" panose="02020603050405020304" pitchFamily="18" charset="0"/>
               </a:rPr>
               <a:t>Unit</a:t>
             </a:r>
-            <a:endParaRPr kumimoji="0" lang="en-US" altLang="en-US" sz="800" b="0" i="0" u="none" strike="noStrike" cap="none" normalizeH="0" baseline="0">
-              <a:ln>
-                <a:noFill/>
-              </a:ln>
-              <a:solidFill>
-                <a:schemeClr val="tx1"/>
-              </a:solidFill>
-              <a:effectLst/>
-            </a:endParaRPr>
-          </a:p>
-          <a:p>
-            <a:pPr marL="0" marR="0" lvl="0" indent="0" algn="l" defTabSz="914400" rtl="0" eaLnBrk="0" fontAlgn="base" latinLnBrk="0" hangingPunct="0">
-              <a:lnSpc>
-                <a:spcPct val="100000"/>
-              </a:lnSpc>
-              <a:spcBef>
-                <a:spcPct val="0"/>
-              </a:spcBef>
-              <a:spcAft>
-                <a:spcPct val="0"/>
-              </a:spcAft>
-              <a:buClrTx/>
-              <a:buSzTx/>
-              <a:buFontTx/>
-              <a:buNone/>
-              <a:tabLst/>
-            </a:pPr>
-            <a:endParaRPr kumimoji="0" lang="en-US" altLang="en-US" sz="1800" b="0" i="0" u="none" strike="noStrike" cap="none" normalizeH="0" baseline="0">
-              <a:ln>
-                <a:noFill/>
-              </a:ln>
-              <a:solidFill>
-                <a:schemeClr val="tx1"/>
-              </a:solidFill>
-              <a:effectLst/>
+            <a:endParaRPr lang="en-US" altLang="en-US" sz="800"/>
+          </a:p>
+          <a:p>
+            <a:pPr defTabSz="914400" eaLnBrk="0" fontAlgn="base" hangingPunct="0">
+              <a:spcBef>
+                <a:spcPct val="0"/>
+              </a:spcBef>
+              <a:spcAft>
+                <a:spcPct val="0"/>
+              </a:spcAft>
+            </a:pPr>
+            <a:endParaRPr lang="en-US" altLang="en-US" sz="1800">
               <a:latin typeface="Arial" panose="020B0604020202020204" pitchFamily="34" charset="0"/>
             </a:endParaRPr>
           </a:p>
@@ -4927,8 +3970,8 @@
         </p:nvCxnSpPr>
         <p:spPr>
           <a:xfrm flipV="1">
-            <a:off x="5673892" y="1090296"/>
-            <a:ext cx="855345" cy="1130299"/>
+            <a:off x="7210425" y="4398639"/>
+            <a:ext cx="962024" cy="283534"/>
           </a:xfrm>
           <a:prstGeom prst="bentConnector3">
             <a:avLst/>
@@ -4970,12 +4013,12 @@
         </p:nvCxnSpPr>
         <p:spPr>
           <a:xfrm>
-            <a:off x="7967512" y="1090296"/>
-            <a:ext cx="1698358" cy="1886902"/>
+            <a:off x="12563474" y="4398639"/>
+            <a:ext cx="1983568" cy="2137245"/>
           </a:xfrm>
           <a:prstGeom prst="bentConnector3">
             <a:avLst>
-              <a:gd name="adj1" fmla="val 25772"/>
+              <a:gd name="adj1" fmla="val 16386"/>
             </a:avLst>
           </a:prstGeom>
           <a:ln>
@@ -5015,12 +4058,12 @@
         </p:nvCxnSpPr>
         <p:spPr>
           <a:xfrm flipV="1">
-            <a:off x="7967512" y="695008"/>
-            <a:ext cx="1602105" cy="395288"/>
+            <a:off x="12563474" y="1971999"/>
+            <a:ext cx="1982564" cy="2426640"/>
           </a:xfrm>
           <a:prstGeom prst="bentConnector3">
             <a:avLst>
-              <a:gd name="adj1" fmla="val 27170"/>
+              <a:gd name="adj1" fmla="val 16369"/>
             </a:avLst>
           </a:prstGeom>
           <a:ln>
@@ -5059,9 +4102,9 @@
           <p:nvPr/>
         </p:nvCxnSpPr>
         <p:spPr>
-          <a:xfrm rot="5400000">
-            <a:off x="6287938" y="2446019"/>
-            <a:ext cx="1625598" cy="295276"/>
+          <a:xfrm rot="16200000" flipH="1">
+            <a:off x="9932911" y="6675660"/>
+            <a:ext cx="1541465" cy="671362"/>
           </a:xfrm>
           <a:prstGeom prst="bentConnector3">
             <a:avLst>
@@ -5103,7 +4146,7 @@
         </p:nvSpPr>
         <p:spPr bwMode="auto">
           <a:xfrm>
-            <a:off x="3367083" y="5098899"/>
+            <a:off x="1868147" y="7572413"/>
             <a:ext cx="745958" cy="600075"/>
           </a:xfrm>
           <a:prstGeom prst="rect">
@@ -5129,72 +4172,34 @@
           </a:bodyPr>
           <a:lstStyle/>
           <a:p>
-            <a:pPr marL="0" marR="0" lvl="0" indent="0" algn="l" defTabSz="914400" rtl="0" eaLnBrk="0" fontAlgn="base" latinLnBrk="0" hangingPunct="0">
-              <a:lnSpc>
-                <a:spcPct val="100000"/>
-              </a:lnSpc>
-              <a:spcBef>
-                <a:spcPct val="0"/>
-              </a:spcBef>
-              <a:spcAft>
-                <a:spcPct val="0"/>
-              </a:spcAft>
-              <a:buClrTx/>
-              <a:buSzTx/>
-              <a:buFontTx/>
-              <a:buNone/>
-              <a:tabLst/>
-            </a:pPr>
-            <a:r>
-              <a:rPr kumimoji="0" lang="en-US" altLang="en-US" sz="1100" b="0" i="0" u="none" strike="noStrike" cap="none" normalizeH="0" baseline="0" dirty="0">
-                <a:ln>
-                  <a:noFill/>
-                </a:ln>
-                <a:solidFill>
-                  <a:schemeClr val="tx1"/>
-                </a:solidFill>
-                <a:effectLst/>
+            <a:pPr defTabSz="914400" eaLnBrk="0" fontAlgn="base" hangingPunct="0">
+              <a:spcBef>
+                <a:spcPct val="0"/>
+              </a:spcBef>
+              <a:spcAft>
+                <a:spcPct val="0"/>
+              </a:spcAft>
+            </a:pPr>
+            <a:r>
+              <a:rPr lang="en-US" altLang="en-US" sz="1100" dirty="0">
                 <a:latin typeface="Calibri" panose="020F0502020204030204" pitchFamily="34" charset="0"/>
                 <a:ea typeface="Calibri" panose="020F0502020204030204" pitchFamily="34" charset="0"/>
                 <a:cs typeface="Times New Roman" panose="02020603050405020304" pitchFamily="18" charset="0"/>
               </a:rPr>
               <a:t>Weapon</a:t>
             </a:r>
-            <a:endParaRPr kumimoji="0" lang="en-US" altLang="en-US" sz="800" b="0" i="0" u="none" strike="noStrike" cap="none" normalizeH="0" baseline="0" dirty="0">
-              <a:ln>
-                <a:noFill/>
-              </a:ln>
-              <a:solidFill>
-                <a:schemeClr val="tx1"/>
-              </a:solidFill>
-              <a:effectLst/>
-            </a:endParaRPr>
-          </a:p>
-          <a:p>
-            <a:pPr marL="0" marR="0" lvl="0" indent="0" algn="l" defTabSz="914400" rtl="0" eaLnBrk="0" fontAlgn="base" latinLnBrk="0" hangingPunct="0">
-              <a:lnSpc>
-                <a:spcPct val="100000"/>
-              </a:lnSpc>
-              <a:spcBef>
-                <a:spcPct val="0"/>
-              </a:spcBef>
-              <a:spcAft>
-                <a:spcPct val="0"/>
-              </a:spcAft>
-              <a:buClrTx/>
-              <a:buSzTx/>
-              <a:buFontTx/>
-              <a:buNone/>
-              <a:tabLst/>
-            </a:pPr>
-            <a:endParaRPr kumimoji="0" lang="en-US" altLang="en-US" sz="1800" b="0" i="0" u="none" strike="noStrike" cap="none" normalizeH="0" baseline="0" dirty="0">
-              <a:ln>
-                <a:noFill/>
-              </a:ln>
-              <a:solidFill>
-                <a:schemeClr val="tx1"/>
-              </a:solidFill>
-              <a:effectLst/>
+            <a:endParaRPr lang="en-US" altLang="en-US" sz="800" dirty="0"/>
+          </a:p>
+          <a:p>
+            <a:pPr defTabSz="914400" eaLnBrk="0" fontAlgn="base" hangingPunct="0">
+              <a:spcBef>
+                <a:spcPct val="0"/>
+              </a:spcBef>
+              <a:spcAft>
+                <a:spcPct val="0"/>
+              </a:spcAft>
+            </a:pPr>
+            <a:endParaRPr lang="en-US" altLang="en-US" sz="1800" dirty="0">
               <a:latin typeface="Arial" panose="020B0604020202020204" pitchFamily="34" charset="0"/>
             </a:endParaRPr>
           </a:p>
@@ -5216,7 +4221,7 @@
         </p:nvSpPr>
         <p:spPr bwMode="auto">
           <a:xfrm>
-            <a:off x="4189492" y="5098899"/>
+            <a:off x="3132907" y="7562926"/>
             <a:ext cx="745958" cy="600075"/>
           </a:xfrm>
           <a:prstGeom prst="rect">
@@ -5242,71 +4247,33 @@
           </a:bodyPr>
           <a:lstStyle/>
           <a:p>
-            <a:pPr marL="0" marR="0" lvl="0" indent="0" algn="l" defTabSz="914400" rtl="0" eaLnBrk="0" fontAlgn="base" latinLnBrk="0" hangingPunct="0">
-              <a:lnSpc>
-                <a:spcPct val="100000"/>
-              </a:lnSpc>
-              <a:spcBef>
-                <a:spcPct val="0"/>
-              </a:spcBef>
-              <a:spcAft>
-                <a:spcPct val="0"/>
-              </a:spcAft>
-              <a:buClrTx/>
-              <a:buSzTx/>
-              <a:buFontTx/>
-              <a:buNone/>
-              <a:tabLst/>
-            </a:pPr>
-            <a:r>
-              <a:rPr kumimoji="0" lang="en-US" altLang="en-US" sz="1100" b="0" i="0" u="none" strike="noStrike" cap="none" normalizeH="0" baseline="0" dirty="0">
-                <a:ln>
-                  <a:noFill/>
-                </a:ln>
-                <a:solidFill>
-                  <a:schemeClr val="tx1"/>
-                </a:solidFill>
-                <a:effectLst/>
+            <a:pPr defTabSz="914400" eaLnBrk="0" fontAlgn="base" hangingPunct="0">
+              <a:spcBef>
+                <a:spcPct val="0"/>
+              </a:spcBef>
+              <a:spcAft>
+                <a:spcPct val="0"/>
+              </a:spcAft>
+            </a:pPr>
+            <a:r>
+              <a:rPr lang="en-US" altLang="en-US" sz="1100" dirty="0">
                 <a:latin typeface="Calibri" panose="020F0502020204030204" pitchFamily="34" charset="0"/>
                 <a:cs typeface="Times New Roman" panose="02020603050405020304" pitchFamily="18" charset="0"/>
               </a:rPr>
               <a:t>Gold</a:t>
             </a:r>
-            <a:endParaRPr kumimoji="0" lang="en-US" altLang="en-US" sz="800" b="0" i="0" u="none" strike="noStrike" cap="none" normalizeH="0" baseline="0" dirty="0">
-              <a:ln>
-                <a:noFill/>
-              </a:ln>
-              <a:solidFill>
-                <a:schemeClr val="tx1"/>
-              </a:solidFill>
-              <a:effectLst/>
-            </a:endParaRPr>
-          </a:p>
-          <a:p>
-            <a:pPr marL="0" marR="0" lvl="0" indent="0" algn="l" defTabSz="914400" rtl="0" eaLnBrk="0" fontAlgn="base" latinLnBrk="0" hangingPunct="0">
-              <a:lnSpc>
-                <a:spcPct val="100000"/>
-              </a:lnSpc>
-              <a:spcBef>
-                <a:spcPct val="0"/>
-              </a:spcBef>
-              <a:spcAft>
-                <a:spcPct val="0"/>
-              </a:spcAft>
-              <a:buClrTx/>
-              <a:buSzTx/>
-              <a:buFontTx/>
-              <a:buNone/>
-              <a:tabLst/>
-            </a:pPr>
-            <a:endParaRPr kumimoji="0" lang="en-US" altLang="en-US" sz="1800" b="0" i="0" u="none" strike="noStrike" cap="none" normalizeH="0" baseline="0" dirty="0">
-              <a:ln>
-                <a:noFill/>
-              </a:ln>
-              <a:solidFill>
-                <a:schemeClr val="tx1"/>
-              </a:solidFill>
-              <a:effectLst/>
+            <a:endParaRPr lang="en-US" altLang="en-US" sz="800" dirty="0"/>
+          </a:p>
+          <a:p>
+            <a:pPr defTabSz="914400" eaLnBrk="0" fontAlgn="base" hangingPunct="0">
+              <a:spcBef>
+                <a:spcPct val="0"/>
+              </a:spcBef>
+              <a:spcAft>
+                <a:spcPct val="0"/>
+              </a:spcAft>
+            </a:pPr>
+            <a:endParaRPr lang="en-US" altLang="en-US" sz="1800" dirty="0">
               <a:latin typeface="Arial" panose="020B0604020202020204" pitchFamily="34" charset="0"/>
             </a:endParaRPr>
           </a:p>
@@ -5330,8 +4297,8 @@
         </p:nvCxnSpPr>
         <p:spPr>
           <a:xfrm rot="5400000">
-            <a:off x="3038849" y="4037738"/>
-            <a:ext cx="939968" cy="1182357"/>
+            <a:off x="2468094" y="5274605"/>
+            <a:ext cx="956647" cy="3648456"/>
           </a:xfrm>
           <a:prstGeom prst="bentConnector3">
             <a:avLst/>
@@ -5373,8 +4340,8 @@
         </p:nvCxnSpPr>
         <p:spPr>
           <a:xfrm rot="5400000">
-            <a:off x="3450054" y="4448941"/>
-            <a:ext cx="939967" cy="359949"/>
+            <a:off x="3029935" y="5831702"/>
+            <a:ext cx="951903" cy="2529519"/>
           </a:xfrm>
           <a:prstGeom prst="bentConnector3">
             <a:avLst/>
@@ -5415,9 +4382,9 @@
           <p:nvPr/>
         </p:nvCxnSpPr>
         <p:spPr>
-          <a:xfrm rot="16200000" flipH="1">
-            <a:off x="3861258" y="4397685"/>
-            <a:ext cx="939967" cy="462460"/>
+          <a:xfrm rot="5400000">
+            <a:off x="3667058" y="6459339"/>
+            <a:ext cx="942416" cy="1264759"/>
           </a:xfrm>
           <a:prstGeom prst="bentConnector3">
             <a:avLst/>
@@ -5457,8 +4424,8 @@
         </p:nvSpPr>
         <p:spPr bwMode="auto">
           <a:xfrm>
-            <a:off x="200398" y="282258"/>
-            <a:ext cx="2230482" cy="2479675"/>
+            <a:off x="4200898" y="234635"/>
+            <a:ext cx="2230482" cy="1938336"/>
           </a:xfrm>
           <a:prstGeom prst="rect">
             <a:avLst/>
@@ -5483,66 +4450,42 @@
           </a:bodyPr>
           <a:lstStyle/>
           <a:p>
-            <a:pPr marL="0" marR="0" lvl="0" indent="0" algn="l" defTabSz="914400" rtl="0" eaLnBrk="0" fontAlgn="base" latinLnBrk="0" hangingPunct="0">
-              <a:lnSpc>
-                <a:spcPct val="100000"/>
-              </a:lnSpc>
-              <a:spcBef>
-                <a:spcPct val="0"/>
-              </a:spcBef>
-              <a:spcAft>
-                <a:spcPct val="0"/>
-              </a:spcAft>
-              <a:buClrTx/>
-              <a:buSzTx/>
-              <a:buFontTx/>
-              <a:buNone/>
-              <a:tabLst/>
-            </a:pPr>
-            <a:r>
-              <a:rPr kumimoji="0" lang="en-US" altLang="en-US" sz="1100" b="0" i="0" u="none" strike="noStrike" cap="none" normalizeH="0" baseline="0" dirty="0" err="1">
-                <a:ln>
-                  <a:noFill/>
-                </a:ln>
+            <a:pPr defTabSz="914400" eaLnBrk="0" fontAlgn="base" hangingPunct="0">
+              <a:spcBef>
+                <a:spcPct val="0"/>
+              </a:spcBef>
+              <a:spcAft>
+                <a:spcPct val="0"/>
+              </a:spcAft>
+            </a:pPr>
+            <a:r>
+              <a:rPr lang="en-US" altLang="en-US" sz="1100" dirty="0" err="1">
                 <a:solidFill>
                   <a:srgbClr val="FF0000"/>
                 </a:solidFill>
-                <a:effectLst/>
                 <a:latin typeface="Calibri" panose="020F0502020204030204" pitchFamily="34" charset="0"/>
                 <a:ea typeface="Calibri" panose="020F0502020204030204" pitchFamily="34" charset="0"/>
                 <a:cs typeface="Times New Roman" panose="02020603050405020304" pitchFamily="18" charset="0"/>
               </a:rPr>
               <a:t>StaticVariables</a:t>
             </a:r>
-            <a:endParaRPr kumimoji="0" lang="en-US" altLang="en-US" sz="1100" b="0" i="0" u="none" strike="noStrike" cap="none" normalizeH="0" baseline="0" dirty="0">
-              <a:ln>
-                <a:noFill/>
-              </a:ln>
+            <a:endParaRPr lang="en-US" altLang="en-US" sz="1100" dirty="0">
               <a:solidFill>
                 <a:srgbClr val="FF0000"/>
               </a:solidFill>
-              <a:effectLst/>
               <a:latin typeface="Calibri" panose="020F0502020204030204" pitchFamily="34" charset="0"/>
               <a:ea typeface="Calibri" panose="020F0502020204030204" pitchFamily="34" charset="0"/>
               <a:cs typeface="Times New Roman" panose="02020603050405020304" pitchFamily="18" charset="0"/>
             </a:endParaRPr>
           </a:p>
           <a:p>
-            <a:pPr marL="0" marR="0" lvl="0" indent="0" algn="l" defTabSz="914400" rtl="0" eaLnBrk="0" fontAlgn="base" latinLnBrk="0" hangingPunct="0">
-              <a:lnSpc>
-                <a:spcPct val="100000"/>
-              </a:lnSpc>
-              <a:spcBef>
-                <a:spcPct val="0"/>
-              </a:spcBef>
-              <a:spcAft>
-                <a:spcPct val="0"/>
-              </a:spcAft>
-              <a:buClrTx/>
-              <a:buSzTx/>
-              <a:buFontTx/>
-              <a:buNone/>
-              <a:tabLst/>
+            <a:pPr defTabSz="914400" eaLnBrk="0" fontAlgn="base" hangingPunct="0">
+              <a:spcBef>
+                <a:spcPct val="0"/>
+              </a:spcBef>
+              <a:spcAft>
+                <a:spcPct val="0"/>
+              </a:spcAft>
             </a:pPr>
             <a:r>
               <a:rPr lang="en-US" altLang="en-US" sz="1100" dirty="0">
@@ -5556,31 +4499,19 @@
             </a:r>
           </a:p>
           <a:p>
-            <a:pPr marL="0" marR="0" lvl="0" indent="0" algn="l" defTabSz="914400" rtl="0" eaLnBrk="0" fontAlgn="base" latinLnBrk="0" hangingPunct="0">
-              <a:lnSpc>
-                <a:spcPct val="100000"/>
-              </a:lnSpc>
-              <a:spcBef>
-                <a:spcPct val="0"/>
-              </a:spcBef>
-              <a:spcAft>
-                <a:spcPct val="0"/>
-              </a:spcAft>
-              <a:buClrTx/>
-              <a:buSzTx/>
-              <a:buFontTx/>
-              <a:buNone/>
-              <a:tabLst/>
-            </a:pPr>
-            <a:r>
-              <a:rPr kumimoji="0" lang="en-US" altLang="en-US" sz="1100" b="0" i="0" u="none" strike="noStrike" cap="none" normalizeH="0" baseline="0" dirty="0">
-                <a:ln>
-                  <a:noFill/>
-                </a:ln>
+            <a:pPr defTabSz="914400" eaLnBrk="0" fontAlgn="base" hangingPunct="0">
+              <a:spcBef>
+                <a:spcPct val="0"/>
+              </a:spcBef>
+              <a:spcAft>
+                <a:spcPct val="0"/>
+              </a:spcAft>
+            </a:pPr>
+            <a:r>
+              <a:rPr lang="en-US" altLang="en-US" sz="1100" dirty="0">
                 <a:solidFill>
                   <a:srgbClr val="FF0000"/>
                 </a:solidFill>
-                <a:effectLst/>
                 <a:latin typeface="Calibri" panose="020F0502020204030204" pitchFamily="34" charset="0"/>
                 <a:cs typeface="Times New Roman" panose="02020603050405020304" pitchFamily="18" charset="0"/>
               </a:rPr>
@@ -5588,57 +4519,29 @@
             </a:r>
           </a:p>
           <a:p>
-            <a:pPr marL="0" marR="0" lvl="0" indent="0" algn="l" defTabSz="914400" rtl="0" eaLnBrk="0" fontAlgn="base" latinLnBrk="0" hangingPunct="0">
-              <a:lnSpc>
-                <a:spcPct val="100000"/>
-              </a:lnSpc>
-              <a:spcBef>
-                <a:spcPct val="0"/>
-              </a:spcBef>
-              <a:spcAft>
-                <a:spcPct val="0"/>
-              </a:spcAft>
-              <a:buClrTx/>
-              <a:buSzTx/>
-              <a:buFontTx/>
-              <a:buNone/>
-              <a:tabLst/>
-            </a:pPr>
-            <a:r>
-              <a:rPr kumimoji="0" lang="en-US" altLang="en-US" sz="800" b="0" i="0" u="none" strike="noStrike" cap="none" normalizeH="0" baseline="0" dirty="0">
-                <a:ln>
-                  <a:noFill/>
-                </a:ln>
-                <a:effectLst/>
-              </a:rPr>
+            <a:pPr defTabSz="914400" eaLnBrk="0" fontAlgn="base" hangingPunct="0">
+              <a:spcBef>
+                <a:spcPct val="0"/>
+              </a:spcBef>
+              <a:spcAft>
+                <a:spcPct val="0"/>
+              </a:spcAft>
+            </a:pPr>
+            <a:r>
+              <a:rPr lang="en-US" altLang="en-US" sz="800" dirty="0"/>
               <a:t>For now, avoid using this to potentially allow for custom objects to be quickly created.</a:t>
             </a:r>
           </a:p>
           <a:p>
-            <a:pPr marL="0" marR="0" lvl="0" indent="0" algn="l" defTabSz="914400" rtl="0" eaLnBrk="0" fontAlgn="base" latinLnBrk="0" hangingPunct="0">
-              <a:lnSpc>
-                <a:spcPct val="100000"/>
-              </a:lnSpc>
-              <a:spcBef>
-                <a:spcPct val="0"/>
-              </a:spcBef>
-              <a:spcAft>
-                <a:spcPct val="0"/>
-              </a:spcAft>
-              <a:buClrTx/>
-              <a:buSzTx/>
-              <a:buFontTx/>
-              <a:buNone/>
-              <a:tabLst/>
-            </a:pPr>
-            <a:endParaRPr kumimoji="0" lang="en-US" altLang="en-US" sz="1800" b="0" i="0" u="none" strike="noStrike" cap="none" normalizeH="0" baseline="0" dirty="0">
-              <a:ln>
-                <a:noFill/>
-              </a:ln>
-              <a:solidFill>
-                <a:schemeClr val="tx1"/>
-              </a:solidFill>
-              <a:effectLst/>
+            <a:pPr defTabSz="914400" eaLnBrk="0" fontAlgn="base" hangingPunct="0">
+              <a:spcBef>
+                <a:spcPct val="0"/>
+              </a:spcBef>
+              <a:spcAft>
+                <a:spcPct val="0"/>
+              </a:spcAft>
+            </a:pPr>
+            <a:endParaRPr lang="en-US" altLang="en-US" sz="1800" dirty="0">
               <a:latin typeface="Arial" panose="020B0604020202020204" pitchFamily="34" charset="0"/>
             </a:endParaRPr>
           </a:p>
@@ -5660,8 +4563,8 @@
         </p:nvSpPr>
         <p:spPr bwMode="auto">
           <a:xfrm>
-            <a:off x="8527582" y="1341913"/>
-            <a:ext cx="1533525" cy="711201"/>
+            <a:off x="13260557" y="3120626"/>
+            <a:ext cx="1846093" cy="711201"/>
           </a:xfrm>
           <a:prstGeom prst="rect">
             <a:avLst/>
@@ -5686,66 +4589,36 @@
           </a:bodyPr>
           <a:lstStyle/>
           <a:p>
-            <a:pPr marL="0" marR="0" lvl="0" indent="0" algn="l" defTabSz="914400" rtl="0" eaLnBrk="0" fontAlgn="base" latinLnBrk="0" hangingPunct="0">
-              <a:lnSpc>
-                <a:spcPct val="100000"/>
-              </a:lnSpc>
-              <a:spcBef>
-                <a:spcPct val="0"/>
-              </a:spcBef>
-              <a:spcAft>
-                <a:spcPct val="0"/>
-              </a:spcAft>
-              <a:buClrTx/>
-              <a:buSzTx/>
-              <a:buFontTx/>
-              <a:buNone/>
-              <a:tabLst/>
-            </a:pPr>
-            <a:r>
-              <a:rPr kumimoji="0" lang="en-US" altLang="en-US" sz="1100" b="0" i="0" u="none" strike="noStrike" cap="none" normalizeH="0" baseline="0" dirty="0" err="1">
-                <a:ln>
-                  <a:noFill/>
-                </a:ln>
-                <a:solidFill>
-                  <a:schemeClr val="tx1"/>
-                </a:solidFill>
-                <a:effectLst/>
+            <a:pPr defTabSz="914400" eaLnBrk="0" fontAlgn="base" hangingPunct="0">
+              <a:spcBef>
+                <a:spcPct val="0"/>
+              </a:spcBef>
+              <a:spcAft>
+                <a:spcPct val="0"/>
+              </a:spcAft>
+            </a:pPr>
+            <a:r>
+              <a:rPr lang="en-US" altLang="en-US" sz="1100" dirty="0" err="1">
                 <a:latin typeface="Calibri" panose="020F0502020204030204" pitchFamily="34" charset="0"/>
                 <a:ea typeface="Calibri" panose="020F0502020204030204" pitchFamily="34" charset="0"/>
                 <a:cs typeface="Times New Roman" panose="02020603050405020304" pitchFamily="18" charset="0"/>
               </a:rPr>
               <a:t>WallSnappable</a:t>
             </a:r>
-            <a:endParaRPr kumimoji="0" lang="en-US" altLang="en-US" sz="1100" b="0" i="0" u="none" strike="noStrike" cap="none" normalizeH="0" baseline="0" dirty="0">
-              <a:ln>
-                <a:noFill/>
-              </a:ln>
-              <a:solidFill>
-                <a:schemeClr val="tx1"/>
-              </a:solidFill>
-              <a:effectLst/>
+            <a:endParaRPr lang="en-US" altLang="en-US" sz="1100" dirty="0">
               <a:latin typeface="Calibri" panose="020F0502020204030204" pitchFamily="34" charset="0"/>
               <a:ea typeface="Calibri" panose="020F0502020204030204" pitchFamily="34" charset="0"/>
               <a:cs typeface="Times New Roman" panose="02020603050405020304" pitchFamily="18" charset="0"/>
             </a:endParaRPr>
           </a:p>
           <a:p>
-            <a:pPr marL="0" marR="0" lvl="0" indent="0" algn="l" defTabSz="914400" rtl="0" eaLnBrk="0" fontAlgn="base" latinLnBrk="0" hangingPunct="0">
-              <a:lnSpc>
-                <a:spcPct val="100000"/>
-              </a:lnSpc>
-              <a:spcBef>
-                <a:spcPct val="0"/>
-              </a:spcBef>
-              <a:spcAft>
-                <a:spcPct val="0"/>
-              </a:spcAft>
-              <a:buClrTx/>
-              <a:buSzTx/>
-              <a:buFontTx/>
-              <a:buNone/>
-              <a:tabLst/>
+            <a:pPr defTabSz="914400" eaLnBrk="0" fontAlgn="base" hangingPunct="0">
+              <a:spcBef>
+                <a:spcPct val="0"/>
+              </a:spcBef>
+              <a:spcAft>
+                <a:spcPct val="0"/>
+              </a:spcAft>
             </a:pPr>
             <a:r>
               <a:rPr lang="en-US" altLang="en-US" sz="1100" dirty="0">
@@ -5756,71 +4629,33 @@
             </a:r>
           </a:p>
           <a:p>
-            <a:pPr marL="0" marR="0" lvl="0" indent="0" algn="l" defTabSz="914400" rtl="0" eaLnBrk="0" fontAlgn="base" latinLnBrk="0" hangingPunct="0">
-              <a:lnSpc>
-                <a:spcPct val="100000"/>
-              </a:lnSpc>
-              <a:spcBef>
-                <a:spcPct val="0"/>
-              </a:spcBef>
-              <a:spcAft>
-                <a:spcPct val="0"/>
-              </a:spcAft>
-              <a:buClrTx/>
-              <a:buSzTx/>
-              <a:buFontTx/>
-              <a:buNone/>
-              <a:tabLst/>
-            </a:pPr>
-            <a:r>
-              <a:rPr kumimoji="0" lang="en-US" altLang="en-US" sz="1100" b="0" i="0" u="none" strike="noStrike" cap="none" normalizeH="0" baseline="0" dirty="0">
-                <a:ln>
-                  <a:noFill/>
-                </a:ln>
-                <a:solidFill>
-                  <a:schemeClr val="tx1"/>
-                </a:solidFill>
-                <a:effectLst/>
+            <a:pPr defTabSz="914400" eaLnBrk="0" fontAlgn="base" hangingPunct="0">
+              <a:spcBef>
+                <a:spcPct val="0"/>
+              </a:spcBef>
+              <a:spcAft>
+                <a:spcPct val="0"/>
+              </a:spcAft>
+            </a:pPr>
+            <a:r>
+              <a:rPr lang="en-US" altLang="en-US" sz="1100" dirty="0">
                 <a:latin typeface="Calibri" panose="020F0502020204030204" pitchFamily="34" charset="0"/>
                 <a:cs typeface="Times New Roman" panose="02020603050405020304" pitchFamily="18" charset="0"/>
               </a:rPr>
               <a:t>Walls that have sprites that snap to each other</a:t>
             </a:r>
-            <a:endParaRPr kumimoji="0" lang="en-US" altLang="en-US" sz="800" b="0" i="0" u="none" strike="noStrike" cap="none" normalizeH="0" baseline="0" dirty="0">
-              <a:ln>
-                <a:noFill/>
-              </a:ln>
-              <a:solidFill>
-                <a:schemeClr val="tx1"/>
-              </a:solidFill>
-              <a:effectLst/>
-            </a:endParaRPr>
-          </a:p>
-          <a:p>
-            <a:pPr marL="0" marR="0" lvl="0" indent="0" algn="l" defTabSz="914400" rtl="0" eaLnBrk="0" fontAlgn="base" latinLnBrk="0" hangingPunct="0">
-              <a:lnSpc>
-                <a:spcPct val="100000"/>
-              </a:lnSpc>
-              <a:spcBef>
-                <a:spcPct val="0"/>
-              </a:spcBef>
-              <a:spcAft>
-                <a:spcPct val="0"/>
-              </a:spcAft>
-              <a:buClrTx/>
-              <a:buSzTx/>
-              <a:buFontTx/>
-              <a:buNone/>
-              <a:tabLst/>
-            </a:pPr>
-            <a:endParaRPr kumimoji="0" lang="en-US" altLang="en-US" sz="1800" b="0" i="0" u="none" strike="noStrike" cap="none" normalizeH="0" baseline="0" dirty="0">
-              <a:ln>
-                <a:noFill/>
-              </a:ln>
-              <a:solidFill>
-                <a:schemeClr val="tx1"/>
-              </a:solidFill>
-              <a:effectLst/>
+            <a:endParaRPr lang="en-US" altLang="en-US" sz="800" dirty="0"/>
+          </a:p>
+          <a:p>
+            <a:pPr defTabSz="914400" eaLnBrk="0" fontAlgn="base" hangingPunct="0">
+              <a:spcBef>
+                <a:spcPct val="0"/>
+              </a:spcBef>
+              <a:spcAft>
+                <a:spcPct val="0"/>
+              </a:spcAft>
+            </a:pPr>
+            <a:endParaRPr lang="en-US" altLang="en-US" sz="1800" dirty="0">
               <a:latin typeface="Arial" panose="020B0604020202020204" pitchFamily="34" charset="0"/>
             </a:endParaRPr>
           </a:p>
@@ -5836,6 +4671,7 @@
             </a:extLst>
           </p:cNvPr>
           <p:cNvCxnSpPr>
+            <a:cxnSpLocks/>
             <a:stCxn id="6" idx="2"/>
             <a:endCxn id="51" idx="0"/>
           </p:cNvCxnSpPr>
@@ -5843,8 +4679,8 @@
         </p:nvCxnSpPr>
         <p:spPr>
           <a:xfrm rot="5400000">
-            <a:off x="9615735" y="668893"/>
-            <a:ext cx="351630" cy="994410"/>
+            <a:off x="14297714" y="2153164"/>
+            <a:ext cx="853352" cy="1081572"/>
           </a:xfrm>
           <a:prstGeom prst="bentConnector3">
             <a:avLst/>
@@ -5884,7 +4720,7 @@
         </p:nvSpPr>
         <p:spPr bwMode="auto">
           <a:xfrm>
-            <a:off x="8850479" y="3512186"/>
+            <a:off x="13731651" y="7070873"/>
             <a:ext cx="1533525" cy="711201"/>
           </a:xfrm>
           <a:prstGeom prst="rect">
@@ -5910,21 +4746,13 @@
           </a:bodyPr>
           <a:lstStyle/>
           <a:p>
-            <a:pPr marL="0" marR="0" lvl="0" indent="0" algn="l" defTabSz="914400" rtl="0" eaLnBrk="0" fontAlgn="base" latinLnBrk="0" hangingPunct="0">
-              <a:lnSpc>
-                <a:spcPct val="100000"/>
-              </a:lnSpc>
-              <a:spcBef>
-                <a:spcPct val="0"/>
-              </a:spcBef>
-              <a:spcAft>
-                <a:spcPct val="0"/>
-              </a:spcAft>
-              <a:buClrTx/>
-              <a:buSzTx/>
-              <a:buFontTx/>
-              <a:buNone/>
-              <a:tabLst/>
+            <a:pPr defTabSz="914400" eaLnBrk="0" fontAlgn="base" hangingPunct="0">
+              <a:spcBef>
+                <a:spcPct val="0"/>
+              </a:spcBef>
+              <a:spcAft>
+                <a:spcPct val="0"/>
+              </a:spcAft>
             </a:pPr>
             <a:r>
               <a:rPr lang="en-US" altLang="en-US" sz="1100" dirty="0" err="1">
@@ -5932,52 +4760,22 @@
                 <a:ea typeface="Calibri" panose="020F0502020204030204" pitchFamily="34" charset="0"/>
                 <a:cs typeface="Times New Roman" panose="02020603050405020304" pitchFamily="18" charset="0"/>
               </a:rPr>
-              <a:t>Floor</a:t>
-            </a:r>
-            <a:r>
-              <a:rPr kumimoji="0" lang="en-US" altLang="en-US" sz="1100" b="0" i="0" u="none" strike="noStrike" cap="none" normalizeH="0" baseline="0" dirty="0" err="1">
-                <a:ln>
-                  <a:noFill/>
-                </a:ln>
-                <a:solidFill>
-                  <a:schemeClr val="tx1"/>
-                </a:solidFill>
-                <a:effectLst/>
-                <a:latin typeface="Calibri" panose="020F0502020204030204" pitchFamily="34" charset="0"/>
-                <a:ea typeface="Calibri" panose="020F0502020204030204" pitchFamily="34" charset="0"/>
-                <a:cs typeface="Times New Roman" panose="02020603050405020304" pitchFamily="18" charset="0"/>
-              </a:rPr>
-              <a:t>Snappable</a:t>
-            </a:r>
-            <a:endParaRPr kumimoji="0" lang="en-US" altLang="en-US" sz="1100" b="0" i="0" u="none" strike="noStrike" cap="none" normalizeH="0" baseline="0" dirty="0">
-              <a:ln>
-                <a:noFill/>
-              </a:ln>
-              <a:solidFill>
-                <a:schemeClr val="tx1"/>
-              </a:solidFill>
-              <a:effectLst/>
+              <a:t>FloorSnappable</a:t>
+            </a:r>
+            <a:endParaRPr lang="en-US" altLang="en-US" sz="1100" dirty="0">
               <a:latin typeface="Calibri" panose="020F0502020204030204" pitchFamily="34" charset="0"/>
               <a:ea typeface="Calibri" panose="020F0502020204030204" pitchFamily="34" charset="0"/>
               <a:cs typeface="Times New Roman" panose="02020603050405020304" pitchFamily="18" charset="0"/>
             </a:endParaRPr>
           </a:p>
           <a:p>
-            <a:pPr marL="0" marR="0" lvl="0" indent="0" algn="l" defTabSz="914400" rtl="0" eaLnBrk="0" fontAlgn="base" latinLnBrk="0" hangingPunct="0">
-              <a:lnSpc>
-                <a:spcPct val="100000"/>
-              </a:lnSpc>
-              <a:spcBef>
-                <a:spcPct val="0"/>
-              </a:spcBef>
-              <a:spcAft>
-                <a:spcPct val="0"/>
-              </a:spcAft>
-              <a:buClrTx/>
-              <a:buSzTx/>
-              <a:buFontTx/>
-              <a:buNone/>
-              <a:tabLst/>
+            <a:pPr defTabSz="914400" eaLnBrk="0" fontAlgn="base" hangingPunct="0">
+              <a:spcBef>
+                <a:spcPct val="0"/>
+              </a:spcBef>
+              <a:spcAft>
+                <a:spcPct val="0"/>
+              </a:spcAft>
             </a:pPr>
             <a:r>
               <a:rPr lang="en-US" altLang="en-US" sz="1100" dirty="0">
@@ -5988,78 +4786,33 @@
             </a:r>
           </a:p>
           <a:p>
-            <a:pPr marL="0" marR="0" lvl="0" indent="0" algn="l" defTabSz="914400" rtl="0" eaLnBrk="0" fontAlgn="base" latinLnBrk="0" hangingPunct="0">
-              <a:lnSpc>
-                <a:spcPct val="100000"/>
-              </a:lnSpc>
-              <a:spcBef>
-                <a:spcPct val="0"/>
-              </a:spcBef>
-              <a:spcAft>
-                <a:spcPct val="0"/>
-              </a:spcAft>
-              <a:buClrTx/>
-              <a:buSzTx/>
-              <a:buFontTx/>
-              <a:buNone/>
-              <a:tabLst/>
+            <a:pPr defTabSz="914400" eaLnBrk="0" fontAlgn="base" hangingPunct="0">
+              <a:spcBef>
+                <a:spcPct val="0"/>
+              </a:spcBef>
+              <a:spcAft>
+                <a:spcPct val="0"/>
+              </a:spcAft>
             </a:pPr>
             <a:r>
               <a:rPr lang="en-US" altLang="en-US" sz="1100" dirty="0">
                 <a:latin typeface="Calibri" panose="020F0502020204030204" pitchFamily="34" charset="0"/>
                 <a:cs typeface="Times New Roman" panose="02020603050405020304" pitchFamily="18" charset="0"/>
               </a:rPr>
-              <a:t>F</a:t>
-            </a:r>
-            <a:r>
-              <a:rPr kumimoji="0" lang="en-US" altLang="en-US" sz="1100" b="0" i="0" u="none" strike="noStrike" cap="none" normalizeH="0" baseline="0" dirty="0">
-                <a:ln>
-                  <a:noFill/>
-                </a:ln>
-                <a:solidFill>
-                  <a:schemeClr val="tx1"/>
-                </a:solidFill>
-                <a:effectLst/>
-                <a:latin typeface="Calibri" panose="020F0502020204030204" pitchFamily="34" charset="0"/>
-                <a:cs typeface="Times New Roman" panose="02020603050405020304" pitchFamily="18" charset="0"/>
-              </a:rPr>
-              <a:t>loors that have sprites that snap to each other</a:t>
-            </a:r>
-            <a:endParaRPr kumimoji="0" lang="en-US" altLang="en-US" sz="800" b="0" i="0" u="none" strike="noStrike" cap="none" normalizeH="0" baseline="0" dirty="0">
-              <a:ln>
-                <a:noFill/>
-              </a:ln>
-              <a:solidFill>
-                <a:schemeClr val="tx1"/>
-              </a:solidFill>
-              <a:effectLst/>
-            </a:endParaRPr>
-          </a:p>
-          <a:p>
-            <a:pPr marL="0" marR="0" lvl="0" indent="0" algn="l" defTabSz="914400" rtl="0" eaLnBrk="0" fontAlgn="base" latinLnBrk="0" hangingPunct="0">
-              <a:lnSpc>
-                <a:spcPct val="100000"/>
-              </a:lnSpc>
-              <a:spcBef>
-                <a:spcPct val="0"/>
-              </a:spcBef>
-              <a:spcAft>
-                <a:spcPct val="0"/>
-              </a:spcAft>
-              <a:buClrTx/>
-              <a:buSzTx/>
-              <a:buFontTx/>
-              <a:buNone/>
-              <a:tabLst/>
-            </a:pPr>
-            <a:endParaRPr kumimoji="0" lang="en-US" altLang="en-US" sz="1800" b="0" i="0" u="none" strike="noStrike" cap="none" normalizeH="0" baseline="0" dirty="0">
-              <a:ln>
-                <a:noFill/>
-              </a:ln>
-              <a:solidFill>
-                <a:schemeClr val="tx1"/>
-              </a:solidFill>
-              <a:effectLst/>
+              <a:t>Floors that have sprites that snap to each other</a:t>
+            </a:r>
+            <a:endParaRPr lang="en-US" altLang="en-US" sz="800" dirty="0"/>
+          </a:p>
+          <a:p>
+            <a:pPr defTabSz="914400" eaLnBrk="0" fontAlgn="base" hangingPunct="0">
+              <a:spcBef>
+                <a:spcPct val="0"/>
+              </a:spcBef>
+              <a:spcAft>
+                <a:spcPct val="0"/>
+              </a:spcAft>
+            </a:pPr>
+            <a:endParaRPr lang="en-US" altLang="en-US" sz="1800" dirty="0">
               <a:latin typeface="Arial" panose="020B0604020202020204" pitchFamily="34" charset="0"/>
             </a:endParaRPr>
           </a:p>
@@ -6082,7 +4835,7 @@
         </p:nvCxnSpPr>
         <p:spPr>
           <a:xfrm rot="5400000">
-            <a:off x="9881269" y="3008446"/>
+            <a:off x="14762441" y="6567132"/>
             <a:ext cx="239713" cy="767766"/>
           </a:xfrm>
           <a:prstGeom prst="bentConnector3">
@@ -6123,7 +4876,7 @@
         </p:nvSpPr>
         <p:spPr bwMode="auto">
           <a:xfrm>
-            <a:off x="10512592" y="3512185"/>
+            <a:off x="15393764" y="7070872"/>
             <a:ext cx="1533525" cy="711201"/>
           </a:xfrm>
           <a:prstGeom prst="rect">
@@ -6149,21 +4902,13 @@
           </a:bodyPr>
           <a:lstStyle/>
           <a:p>
-            <a:pPr marL="0" marR="0" lvl="0" indent="0" algn="l" defTabSz="914400" rtl="0" eaLnBrk="0" fontAlgn="base" latinLnBrk="0" hangingPunct="0">
-              <a:lnSpc>
-                <a:spcPct val="100000"/>
-              </a:lnSpc>
-              <a:spcBef>
-                <a:spcPct val="0"/>
-              </a:spcBef>
-              <a:spcAft>
-                <a:spcPct val="0"/>
-              </a:spcAft>
-              <a:buClrTx/>
-              <a:buSzTx/>
-              <a:buFontTx/>
-              <a:buNone/>
-              <a:tabLst/>
+            <a:pPr defTabSz="914400" eaLnBrk="0" fontAlgn="base" hangingPunct="0">
+              <a:spcBef>
+                <a:spcPct val="0"/>
+              </a:spcBef>
+              <a:spcAft>
+                <a:spcPct val="0"/>
+              </a:spcAft>
             </a:pPr>
             <a:r>
               <a:rPr lang="en-US" altLang="en-US" sz="1100" dirty="0" err="1">
@@ -6171,52 +4916,22 @@
                 <a:ea typeface="Calibri" panose="020F0502020204030204" pitchFamily="34" charset="0"/>
                 <a:cs typeface="Times New Roman" panose="02020603050405020304" pitchFamily="18" charset="0"/>
               </a:rPr>
-              <a:t>Pit</a:t>
-            </a:r>
-            <a:r>
-              <a:rPr kumimoji="0" lang="en-US" altLang="en-US" sz="1100" b="0" i="0" u="none" strike="noStrike" cap="none" normalizeH="0" baseline="0" dirty="0" err="1">
-                <a:ln>
-                  <a:noFill/>
-                </a:ln>
-                <a:solidFill>
-                  <a:schemeClr val="tx1"/>
-                </a:solidFill>
-                <a:effectLst/>
-                <a:latin typeface="Calibri" panose="020F0502020204030204" pitchFamily="34" charset="0"/>
-                <a:ea typeface="Calibri" panose="020F0502020204030204" pitchFamily="34" charset="0"/>
-                <a:cs typeface="Times New Roman" panose="02020603050405020304" pitchFamily="18" charset="0"/>
-              </a:rPr>
-              <a:t>Snappable</a:t>
-            </a:r>
-            <a:endParaRPr kumimoji="0" lang="en-US" altLang="en-US" sz="1100" b="0" i="0" u="none" strike="noStrike" cap="none" normalizeH="0" baseline="0" dirty="0">
-              <a:ln>
-                <a:noFill/>
-              </a:ln>
-              <a:solidFill>
-                <a:schemeClr val="tx1"/>
-              </a:solidFill>
-              <a:effectLst/>
+              <a:t>PitSnappable</a:t>
+            </a:r>
+            <a:endParaRPr lang="en-US" altLang="en-US" sz="1100" dirty="0">
               <a:latin typeface="Calibri" panose="020F0502020204030204" pitchFamily="34" charset="0"/>
               <a:ea typeface="Calibri" panose="020F0502020204030204" pitchFamily="34" charset="0"/>
               <a:cs typeface="Times New Roman" panose="02020603050405020304" pitchFamily="18" charset="0"/>
             </a:endParaRPr>
           </a:p>
           <a:p>
-            <a:pPr marL="0" marR="0" lvl="0" indent="0" algn="l" defTabSz="914400" rtl="0" eaLnBrk="0" fontAlgn="base" latinLnBrk="0" hangingPunct="0">
-              <a:lnSpc>
-                <a:spcPct val="100000"/>
-              </a:lnSpc>
-              <a:spcBef>
-                <a:spcPct val="0"/>
-              </a:spcBef>
-              <a:spcAft>
-                <a:spcPct val="0"/>
-              </a:spcAft>
-              <a:buClrTx/>
-              <a:buSzTx/>
-              <a:buFontTx/>
-              <a:buNone/>
-              <a:tabLst/>
+            <a:pPr defTabSz="914400" eaLnBrk="0" fontAlgn="base" hangingPunct="0">
+              <a:spcBef>
+                <a:spcPct val="0"/>
+              </a:spcBef>
+              <a:spcAft>
+                <a:spcPct val="0"/>
+              </a:spcAft>
             </a:pPr>
             <a:r>
               <a:rPr lang="en-US" altLang="en-US" sz="1100" dirty="0">
@@ -6227,71 +4942,33 @@
             </a:r>
           </a:p>
           <a:p>
-            <a:pPr marL="0" marR="0" lvl="0" indent="0" algn="l" defTabSz="914400" rtl="0" eaLnBrk="0" fontAlgn="base" latinLnBrk="0" hangingPunct="0">
-              <a:lnSpc>
-                <a:spcPct val="100000"/>
-              </a:lnSpc>
-              <a:spcBef>
-                <a:spcPct val="0"/>
-              </a:spcBef>
-              <a:spcAft>
-                <a:spcPct val="0"/>
-              </a:spcAft>
-              <a:buClrTx/>
-              <a:buSzTx/>
-              <a:buFontTx/>
-              <a:buNone/>
-              <a:tabLst/>
-            </a:pPr>
-            <a:r>
-              <a:rPr kumimoji="0" lang="en-US" altLang="en-US" sz="1100" b="0" i="0" u="none" strike="noStrike" cap="none" normalizeH="0" baseline="0" dirty="0">
-                <a:ln>
-                  <a:noFill/>
-                </a:ln>
-                <a:solidFill>
-                  <a:schemeClr val="tx1"/>
-                </a:solidFill>
-                <a:effectLst/>
+            <a:pPr defTabSz="914400" eaLnBrk="0" fontAlgn="base" hangingPunct="0">
+              <a:spcBef>
+                <a:spcPct val="0"/>
+              </a:spcBef>
+              <a:spcAft>
+                <a:spcPct val="0"/>
+              </a:spcAft>
+            </a:pPr>
+            <a:r>
+              <a:rPr lang="en-US" altLang="en-US" sz="1100" dirty="0">
                 <a:latin typeface="Calibri" panose="020F0502020204030204" pitchFamily="34" charset="0"/>
                 <a:cs typeface="Times New Roman" panose="02020603050405020304" pitchFamily="18" charset="0"/>
               </a:rPr>
               <a:t>Pits that have sprites that snap to each other</a:t>
             </a:r>
-            <a:endParaRPr kumimoji="0" lang="en-US" altLang="en-US" sz="800" b="0" i="0" u="none" strike="noStrike" cap="none" normalizeH="0" baseline="0" dirty="0">
-              <a:ln>
-                <a:noFill/>
-              </a:ln>
-              <a:solidFill>
-                <a:schemeClr val="tx1"/>
-              </a:solidFill>
-              <a:effectLst/>
-            </a:endParaRPr>
-          </a:p>
-          <a:p>
-            <a:pPr marL="0" marR="0" lvl="0" indent="0" algn="l" defTabSz="914400" rtl="0" eaLnBrk="0" fontAlgn="base" latinLnBrk="0" hangingPunct="0">
-              <a:lnSpc>
-                <a:spcPct val="100000"/>
-              </a:lnSpc>
-              <a:spcBef>
-                <a:spcPct val="0"/>
-              </a:spcBef>
-              <a:spcAft>
-                <a:spcPct val="0"/>
-              </a:spcAft>
-              <a:buClrTx/>
-              <a:buSzTx/>
-              <a:buFontTx/>
-              <a:buNone/>
-              <a:tabLst/>
-            </a:pPr>
-            <a:endParaRPr kumimoji="0" lang="en-US" altLang="en-US" sz="1800" b="0" i="0" u="none" strike="noStrike" cap="none" normalizeH="0" baseline="0" dirty="0">
-              <a:ln>
-                <a:noFill/>
-              </a:ln>
-              <a:solidFill>
-                <a:schemeClr val="tx1"/>
-              </a:solidFill>
-              <a:effectLst/>
+            <a:endParaRPr lang="en-US" altLang="en-US" sz="800" dirty="0"/>
+          </a:p>
+          <a:p>
+            <a:pPr defTabSz="914400" eaLnBrk="0" fontAlgn="base" hangingPunct="0">
+              <a:spcBef>
+                <a:spcPct val="0"/>
+              </a:spcBef>
+              <a:spcAft>
+                <a:spcPct val="0"/>
+              </a:spcAft>
+            </a:pPr>
+            <a:endParaRPr lang="en-US" altLang="en-US" sz="1800" dirty="0">
               <a:latin typeface="Arial" panose="020B0604020202020204" pitchFamily="34" charset="0"/>
             </a:endParaRPr>
           </a:p>
@@ -6315,7 +4992,7 @@
         </p:nvCxnSpPr>
         <p:spPr>
           <a:xfrm rot="16200000" flipH="1">
-            <a:off x="10712325" y="2945155"/>
+            <a:off x="15593496" y="6503842"/>
             <a:ext cx="239712" cy="894347"/>
           </a:xfrm>
           <a:prstGeom prst="bentConnector3">
@@ -6358,8 +5035,8 @@
         </p:nvSpPr>
         <p:spPr bwMode="auto">
           <a:xfrm>
-            <a:off x="10288755" y="1341913"/>
-            <a:ext cx="1533525" cy="988380"/>
+            <a:off x="15706726" y="3120626"/>
+            <a:ext cx="2331984" cy="988380"/>
           </a:xfrm>
           <a:prstGeom prst="rect">
             <a:avLst/>
@@ -6384,66 +5061,36 @@
           </a:bodyPr>
           <a:lstStyle/>
           <a:p>
-            <a:pPr marL="0" marR="0" lvl="0" indent="0" algn="l" defTabSz="914400" rtl="0" eaLnBrk="0" fontAlgn="base" latinLnBrk="0" hangingPunct="0">
-              <a:lnSpc>
-                <a:spcPct val="100000"/>
-              </a:lnSpc>
-              <a:spcBef>
-                <a:spcPct val="0"/>
-              </a:spcBef>
-              <a:spcAft>
-                <a:spcPct val="0"/>
-              </a:spcAft>
-              <a:buClrTx/>
-              <a:buSzTx/>
-              <a:buFontTx/>
-              <a:buNone/>
-              <a:tabLst/>
-            </a:pPr>
-            <a:r>
-              <a:rPr kumimoji="0" lang="en-US" altLang="en-US" sz="1100" b="0" i="0" u="none" strike="noStrike" cap="none" normalizeH="0" baseline="0" dirty="0" err="1">
-                <a:ln>
-                  <a:noFill/>
-                </a:ln>
-                <a:solidFill>
-                  <a:schemeClr val="tx1"/>
-                </a:solidFill>
-                <a:effectLst/>
+            <a:pPr defTabSz="914400" eaLnBrk="0" fontAlgn="base" hangingPunct="0">
+              <a:spcBef>
+                <a:spcPct val="0"/>
+              </a:spcBef>
+              <a:spcAft>
+                <a:spcPct val="0"/>
+              </a:spcAft>
+            </a:pPr>
+            <a:r>
+              <a:rPr lang="en-US" altLang="en-US" sz="1100" dirty="0" err="1">
                 <a:latin typeface="Calibri" panose="020F0502020204030204" pitchFamily="34" charset="0"/>
                 <a:ea typeface="Calibri" panose="020F0502020204030204" pitchFamily="34" charset="0"/>
                 <a:cs typeface="Times New Roman" panose="02020603050405020304" pitchFamily="18" charset="0"/>
               </a:rPr>
               <a:t>FenceSnappable</a:t>
             </a:r>
-            <a:endParaRPr kumimoji="0" lang="en-US" altLang="en-US" sz="1100" b="0" i="0" u="none" strike="noStrike" cap="none" normalizeH="0" baseline="0" dirty="0">
-              <a:ln>
-                <a:noFill/>
-              </a:ln>
-              <a:solidFill>
-                <a:schemeClr val="tx1"/>
-              </a:solidFill>
-              <a:effectLst/>
+            <a:endParaRPr lang="en-US" altLang="en-US" sz="1100" dirty="0">
               <a:latin typeface="Calibri" panose="020F0502020204030204" pitchFamily="34" charset="0"/>
               <a:ea typeface="Calibri" panose="020F0502020204030204" pitchFamily="34" charset="0"/>
               <a:cs typeface="Times New Roman" panose="02020603050405020304" pitchFamily="18" charset="0"/>
             </a:endParaRPr>
           </a:p>
           <a:p>
-            <a:pPr marL="0" marR="0" lvl="0" indent="0" algn="l" defTabSz="914400" rtl="0" eaLnBrk="0" fontAlgn="base" latinLnBrk="0" hangingPunct="0">
-              <a:lnSpc>
-                <a:spcPct val="100000"/>
-              </a:lnSpc>
-              <a:spcBef>
-                <a:spcPct val="0"/>
-              </a:spcBef>
-              <a:spcAft>
-                <a:spcPct val="0"/>
-              </a:spcAft>
-              <a:buClrTx/>
-              <a:buSzTx/>
-              <a:buFontTx/>
-              <a:buNone/>
-              <a:tabLst/>
+            <a:pPr defTabSz="914400" eaLnBrk="0" fontAlgn="base" hangingPunct="0">
+              <a:spcBef>
+                <a:spcPct val="0"/>
+              </a:spcBef>
+              <a:spcAft>
+                <a:spcPct val="0"/>
+              </a:spcAft>
             </a:pPr>
             <a:r>
               <a:rPr lang="en-US" altLang="en-US" sz="1100" dirty="0">
@@ -6454,71 +5101,33 @@
             </a:r>
           </a:p>
           <a:p>
-            <a:pPr marL="0" marR="0" lvl="0" indent="0" algn="l" defTabSz="914400" rtl="0" eaLnBrk="0" fontAlgn="base" latinLnBrk="0" hangingPunct="0">
-              <a:lnSpc>
-                <a:spcPct val="100000"/>
-              </a:lnSpc>
-              <a:spcBef>
-                <a:spcPct val="0"/>
-              </a:spcBef>
-              <a:spcAft>
-                <a:spcPct val="0"/>
-              </a:spcAft>
-              <a:buClrTx/>
-              <a:buSzTx/>
-              <a:buFontTx/>
-              <a:buNone/>
-              <a:tabLst/>
-            </a:pPr>
-            <a:r>
-              <a:rPr kumimoji="0" lang="en-US" altLang="en-US" sz="1100" b="0" i="0" u="none" strike="noStrike" cap="none" normalizeH="0" baseline="0" dirty="0">
-                <a:ln>
-                  <a:noFill/>
-                </a:ln>
-                <a:solidFill>
-                  <a:schemeClr val="tx1"/>
-                </a:solidFill>
-                <a:effectLst/>
+            <a:pPr defTabSz="914400" eaLnBrk="0" fontAlgn="base" hangingPunct="0">
+              <a:spcBef>
+                <a:spcPct val="0"/>
+              </a:spcBef>
+              <a:spcAft>
+                <a:spcPct val="0"/>
+              </a:spcAft>
+            </a:pPr>
+            <a:r>
+              <a:rPr lang="en-US" altLang="en-US" sz="1100" dirty="0">
                 <a:latin typeface="Calibri" panose="020F0502020204030204" pitchFamily="34" charset="0"/>
                 <a:cs typeface="Times New Roman" panose="02020603050405020304" pitchFamily="18" charset="0"/>
               </a:rPr>
               <a:t>Walls that have sprites that snap to each other but in a fence fashion.</a:t>
             </a:r>
-            <a:endParaRPr kumimoji="0" lang="en-US" altLang="en-US" sz="800" b="0" i="0" u="none" strike="noStrike" cap="none" normalizeH="0" baseline="0" dirty="0">
-              <a:ln>
-                <a:noFill/>
-              </a:ln>
-              <a:solidFill>
-                <a:schemeClr val="tx1"/>
-              </a:solidFill>
-              <a:effectLst/>
-            </a:endParaRPr>
-          </a:p>
-          <a:p>
-            <a:pPr marL="0" marR="0" lvl="0" indent="0" algn="l" defTabSz="914400" rtl="0" eaLnBrk="0" fontAlgn="base" latinLnBrk="0" hangingPunct="0">
-              <a:lnSpc>
-                <a:spcPct val="100000"/>
-              </a:lnSpc>
-              <a:spcBef>
-                <a:spcPct val="0"/>
-              </a:spcBef>
-              <a:spcAft>
-                <a:spcPct val="0"/>
-              </a:spcAft>
-              <a:buClrTx/>
-              <a:buSzTx/>
-              <a:buFontTx/>
-              <a:buNone/>
-              <a:tabLst/>
-            </a:pPr>
-            <a:endParaRPr kumimoji="0" lang="en-US" altLang="en-US" sz="1800" b="0" i="0" u="none" strike="noStrike" cap="none" normalizeH="0" baseline="0" dirty="0">
-              <a:ln>
-                <a:noFill/>
-              </a:ln>
-              <a:solidFill>
-                <a:schemeClr val="tx1"/>
-              </a:solidFill>
-              <a:effectLst/>
+            <a:endParaRPr lang="en-US" altLang="en-US" sz="800" dirty="0"/>
+          </a:p>
+          <a:p>
+            <a:pPr defTabSz="914400" eaLnBrk="0" fontAlgn="base" hangingPunct="0">
+              <a:spcBef>
+                <a:spcPct val="0"/>
+              </a:spcBef>
+              <a:spcAft>
+                <a:spcPct val="0"/>
+              </a:spcAft>
+            </a:pPr>
+            <a:endParaRPr lang="en-US" altLang="en-US" sz="1800" dirty="0">
               <a:latin typeface="Arial" panose="020B0604020202020204" pitchFamily="34" charset="0"/>
             </a:endParaRPr>
           </a:p>
@@ -6542,12 +5151,130 @@
         </p:nvCxnSpPr>
         <p:spPr>
           <a:xfrm rot="16200000" flipH="1">
-            <a:off x="10496321" y="782716"/>
-            <a:ext cx="351630" cy="766763"/>
+            <a:off x="15642271" y="1890179"/>
+            <a:ext cx="853352" cy="1607542"/>
           </a:xfrm>
           <a:prstGeom prst="bentConnector3">
             <a:avLst>
               <a:gd name="adj1" fmla="val 50000"/>
+            </a:avLst>
+          </a:prstGeom>
+          <a:ln>
+            <a:tailEnd type="triangle"/>
+          </a:ln>
+        </p:spPr>
+        <p:style>
+          <a:lnRef idx="1">
+            <a:schemeClr val="accent1"/>
+          </a:lnRef>
+          <a:fillRef idx="0">
+            <a:schemeClr val="accent1"/>
+          </a:fillRef>
+          <a:effectRef idx="0">
+            <a:schemeClr val="accent1"/>
+          </a:effectRef>
+          <a:fontRef idx="minor">
+            <a:schemeClr val="tx1"/>
+          </a:fontRef>
+        </p:style>
+      </p:cxnSp>
+      <p:sp>
+        <p:nvSpPr>
+          <p:cNvPr id="56" name="Text Box 8">
+            <a:extLst>
+              <a:ext uri="{FF2B5EF4-FFF2-40B4-BE49-F238E27FC236}">
+                <a16:creationId xmlns:a16="http://schemas.microsoft.com/office/drawing/2014/main" id="{E4947114-1F88-4047-9094-DD1417F12627}"/>
+              </a:ext>
+            </a:extLst>
+          </p:cNvPr>
+          <p:cNvSpPr txBox="1">
+            <a:spLocks noChangeArrowheads="1"/>
+          </p:cNvSpPr>
+          <p:nvPr/>
+        </p:nvSpPr>
+        <p:spPr bwMode="auto">
+          <a:xfrm>
+            <a:off x="4457162" y="7558237"/>
+            <a:ext cx="745958" cy="600075"/>
+          </a:xfrm>
+          <a:prstGeom prst="rect">
+            <a:avLst/>
+          </a:prstGeom>
+          <a:solidFill>
+            <a:srgbClr val="FFFFFF"/>
+          </a:solidFill>
+          <a:ln w="9525">
+            <a:solidFill>
+              <a:srgbClr val="000000"/>
+            </a:solidFill>
+            <a:miter lim="800000"/>
+            <a:headEnd/>
+            <a:tailEnd/>
+          </a:ln>
+        </p:spPr>
+        <p:txBody>
+          <a:bodyPr vert="horz" wrap="square" lIns="91440" tIns="45720" rIns="91440" bIns="45720" numCol="1" anchor="t" anchorCtr="0" compatLnSpc="1">
+            <a:prstTxWarp prst="textNoShape">
+              <a:avLst/>
+            </a:prstTxWarp>
+          </a:bodyPr>
+          <a:lstStyle/>
+          <a:p>
+            <a:pPr defTabSz="914400" eaLnBrk="0" fontAlgn="base" hangingPunct="0">
+              <a:spcBef>
+                <a:spcPct val="0"/>
+              </a:spcBef>
+              <a:spcAft>
+                <a:spcPct val="0"/>
+              </a:spcAft>
+            </a:pPr>
+            <a:r>
+              <a:rPr lang="en-US" altLang="en-US" sz="1100" dirty="0">
+                <a:latin typeface="Calibri" panose="020F0502020204030204" pitchFamily="34" charset="0"/>
+                <a:cs typeface="Times New Roman" panose="02020603050405020304" pitchFamily="18" charset="0"/>
+              </a:rPr>
+              <a:t>Wand</a:t>
+            </a:r>
+            <a:endParaRPr lang="en-US" altLang="en-US" sz="800" dirty="0"/>
+          </a:p>
+          <a:p>
+            <a:pPr defTabSz="914400" eaLnBrk="0" fontAlgn="base" hangingPunct="0">
+              <a:spcBef>
+                <a:spcPct val="0"/>
+              </a:spcBef>
+              <a:spcAft>
+                <a:spcPct val="0"/>
+              </a:spcAft>
+            </a:pPr>
+            <a:endParaRPr lang="en-US" altLang="en-US" sz="1800" dirty="0">
+              <a:latin typeface="Arial" panose="020B0604020202020204" pitchFamily="34" charset="0"/>
+            </a:endParaRPr>
+          </a:p>
+        </p:txBody>
+      </p:sp>
+      <p:cxnSp>
+        <p:nvCxnSpPr>
+          <p:cNvPr id="58" name="Connector: Elbow 57">
+            <a:extLst>
+              <a:ext uri="{FF2B5EF4-FFF2-40B4-BE49-F238E27FC236}">
+                <a16:creationId xmlns:a16="http://schemas.microsoft.com/office/drawing/2014/main" id="{381229F4-0881-4086-AA3B-DD849A79A88C}"/>
+              </a:ext>
+            </a:extLst>
+          </p:cNvPr>
+          <p:cNvCxnSpPr>
+            <a:cxnSpLocks/>
+            <a:endCxn id="56" idx="0"/>
+          </p:cNvCxnSpPr>
+          <p:nvPr/>
+        </p:nvCxnSpPr>
+        <p:spPr>
+          <a:xfrm rot="16200000" flipH="1">
+            <a:off x="4331530" y="7059626"/>
+            <a:ext cx="937726" cy="59496"/>
+          </a:xfrm>
+          <a:prstGeom prst="bentConnector3">
+            <a:avLst>
+              <a:gd name="adj1" fmla="val 51016"/>
             </a:avLst>
           </a:prstGeom>
           <a:ln>
@@ -6585,7 +5312,7 @@
 <file path=ppt/theme/theme1.xml><?xml version="1.0" encoding="utf-8"?>
 <a:theme xmlns:a="http://schemas.openxmlformats.org/drawingml/2006/main" name="Office Theme">
   <a:themeElements>
-    <a:clrScheme name="Office">
+    <a:clrScheme name="Office Theme">
       <a:dk1>
         <a:sysClr val="windowText" lastClr="000000"/>
       </a:dk1>
@@ -6623,7 +5350,7 @@
         <a:srgbClr val="954F72"/>
       </a:folHlink>
     </a:clrScheme>
-    <a:fontScheme name="Office">
+    <a:fontScheme name="Office Theme">
       <a:majorFont>
         <a:latin typeface="Calibri Light" panose="020F0302020204030204"/>
         <a:ea typeface=""/>
@@ -6658,23 +5385,6 @@
         <a:font script="Viet" typeface="Times New Roman"/>
         <a:font script="Uigh" typeface="Microsoft Uighur"/>
         <a:font script="Geor" typeface="Sylfaen"/>
-        <a:font script="Armn" typeface="Arial"/>
-        <a:font script="Bugi" typeface="Leelawadee UI"/>
-        <a:font script="Bopo" typeface="Microsoft JhengHei"/>
-        <a:font script="Java" typeface="Javanese Text"/>
-        <a:font script="Lisu" typeface="Segoe UI"/>
-        <a:font script="Mymr" typeface="Myanmar Text"/>
-        <a:font script="Nkoo" typeface="Ebrima"/>
-        <a:font script="Olck" typeface="Nirmala UI"/>
-        <a:font script="Osma" typeface="Ebrima"/>
-        <a:font script="Phag" typeface="Phagspa"/>
-        <a:font script="Syrn" typeface="Estrangelo Edessa"/>
-        <a:font script="Syrj" typeface="Estrangelo Edessa"/>
-        <a:font script="Syre" typeface="Estrangelo Edessa"/>
-        <a:font script="Sora" typeface="Nirmala UI"/>
-        <a:font script="Tale" typeface="Microsoft Tai Le"/>
-        <a:font script="Talu" typeface="Microsoft New Tai Lue"/>
-        <a:font script="Tfng" typeface="Ebrima"/>
       </a:majorFont>
       <a:minorFont>
         <a:latin typeface="Calibri" panose="020F0502020204030204"/>
@@ -6710,26 +5420,9 @@
         <a:font script="Viet" typeface="Arial"/>
         <a:font script="Uigh" typeface="Microsoft Uighur"/>
         <a:font script="Geor" typeface="Sylfaen"/>
-        <a:font script="Armn" typeface="Arial"/>
-        <a:font script="Bugi" typeface="Leelawadee UI"/>
-        <a:font script="Bopo" typeface="Microsoft JhengHei"/>
-        <a:font script="Java" typeface="Javanese Text"/>
-        <a:font script="Lisu" typeface="Segoe UI"/>
-        <a:font script="Mymr" typeface="Myanmar Text"/>
-        <a:font script="Nkoo" typeface="Ebrima"/>
-        <a:font script="Olck" typeface="Nirmala UI"/>
-        <a:font script="Osma" typeface="Ebrima"/>
-        <a:font script="Phag" typeface="Phagspa"/>
-        <a:font script="Syrn" typeface="Estrangelo Edessa"/>
-        <a:font script="Syrj" typeface="Estrangelo Edessa"/>
-        <a:font script="Syre" typeface="Estrangelo Edessa"/>
-        <a:font script="Sora" typeface="Nirmala UI"/>
-        <a:font script="Tale" typeface="Microsoft Tai Le"/>
-        <a:font script="Talu" typeface="Microsoft New Tai Lue"/>
-        <a:font script="Tfng" typeface="Ebrima"/>
       </a:minorFont>
     </a:fontScheme>
-    <a:fmtScheme name="Office">
+    <a:fmtScheme name="Office Theme">
       <a:fillStyleLst>
         <a:solidFill>
           <a:schemeClr val="phClr"/>

--- a/Class Diagram.pptx
+++ b/Class Diagram.pptx
@@ -2987,8 +2987,8 @@
         </p:nvSpPr>
         <p:spPr bwMode="auto">
           <a:xfrm>
-            <a:off x="2330865" y="2743836"/>
-            <a:ext cx="4879560" cy="3876674"/>
+            <a:off x="2914649" y="2743836"/>
+            <a:ext cx="4295775" cy="3876674"/>
           </a:xfrm>
           <a:prstGeom prst="rect">
             <a:avLst/>
@@ -3022,12 +3022,229 @@
               </a:spcAft>
             </a:pPr>
             <a:r>
+              <a:rPr lang="en-US" altLang="en-US" sz="1100" dirty="0">
+                <a:latin typeface="Calibri" panose="020F0502020204030204" pitchFamily="34" charset="0"/>
+                <a:ea typeface="Calibri" panose="020F0502020204030204" pitchFamily="34" charset="0"/>
+                <a:cs typeface="Times New Roman" panose="02020603050405020304" pitchFamily="18" charset="0"/>
+              </a:rPr>
+              <a:t>RoguelikeObject</a:t>
+            </a:r>
+          </a:p>
+          <a:p>
+            <a:pPr defTabSz="914400" eaLnBrk="0" fontAlgn="base" hangingPunct="0">
+              <a:spcBef>
+                <a:spcPct val="0"/>
+              </a:spcBef>
+              <a:spcAft>
+                <a:spcPct val="0"/>
+              </a:spcAft>
+            </a:pPr>
+            <a:r>
+              <a:rPr lang="en-US" altLang="en-US" sz="1100" dirty="0">
+                <a:latin typeface="Calibri" panose="020F0502020204030204" pitchFamily="34" charset="0"/>
+                <a:cs typeface="Times New Roman" panose="02020603050405020304" pitchFamily="18" charset="0"/>
+              </a:rPr>
+              <a:t>---------------------------------------------</a:t>
+            </a:r>
+          </a:p>
+          <a:p>
+            <a:pPr defTabSz="914400" eaLnBrk="0" fontAlgn="base" hangingPunct="0">
+              <a:spcBef>
+                <a:spcPct val="0"/>
+              </a:spcBef>
+              <a:spcAft>
+                <a:spcPct val="0"/>
+              </a:spcAft>
+            </a:pPr>
+            <a:r>
+              <a:rPr lang="en-US" altLang="en-US" sz="1100" dirty="0">
+                <a:latin typeface="Calibri" panose="020F0502020204030204" pitchFamily="34" charset="0"/>
+                <a:cs typeface="Times New Roman" panose="02020603050405020304" pitchFamily="18" charset="0"/>
+              </a:rPr>
+              <a:t>+ </a:t>
+            </a:r>
+            <a:r>
               <a:rPr lang="en-US" altLang="en-US" sz="1100" dirty="0" err="1">
                 <a:latin typeface="Calibri" panose="020F0502020204030204" pitchFamily="34" charset="0"/>
+                <a:cs typeface="Times New Roman" panose="02020603050405020304" pitchFamily="18" charset="0"/>
+              </a:rPr>
+              <a:t>enum</a:t>
+            </a:r>
+            <a:r>
+              <a:rPr lang="en-US" altLang="en-US" sz="1100" dirty="0">
+                <a:latin typeface="Calibri" panose="020F0502020204030204" pitchFamily="34" charset="0"/>
+                <a:cs typeface="Times New Roman" panose="02020603050405020304" pitchFamily="18" charset="0"/>
+              </a:rPr>
+              <a:t> </a:t>
+            </a:r>
+            <a:r>
+              <a:rPr lang="en-US" altLang="en-US" sz="1100" dirty="0" err="1">
+                <a:latin typeface="Calibri" panose="020F0502020204030204" pitchFamily="34" charset="0"/>
+                <a:cs typeface="Times New Roman" panose="02020603050405020304" pitchFamily="18" charset="0"/>
+              </a:rPr>
+              <a:t>TagEnum</a:t>
+            </a:r>
+            <a:endParaRPr lang="en-US" altLang="en-US" sz="1100" dirty="0">
+              <a:latin typeface="Calibri" panose="020F0502020204030204" pitchFamily="34" charset="0"/>
+              <a:cs typeface="Times New Roman" panose="02020603050405020304" pitchFamily="18" charset="0"/>
+            </a:endParaRPr>
+          </a:p>
+          <a:p>
+            <a:pPr defTabSz="914400" eaLnBrk="0" fontAlgn="base" hangingPunct="0">
+              <a:spcBef>
+                <a:spcPct val="0"/>
+              </a:spcBef>
+              <a:spcAft>
+                <a:spcPct val="0"/>
+              </a:spcAft>
+            </a:pPr>
+            <a:r>
+              <a:rPr lang="en-US" altLang="en-US" sz="1100" dirty="0">
+                <a:latin typeface="Calibri" panose="020F0502020204030204" pitchFamily="34" charset="0"/>
+                <a:cs typeface="Times New Roman" panose="02020603050405020304" pitchFamily="18" charset="0"/>
+              </a:rPr>
+              <a:t>+ List&lt;</a:t>
+            </a:r>
+            <a:r>
+              <a:rPr lang="en-US" altLang="en-US" sz="1100" dirty="0" err="1">
+                <a:latin typeface="Calibri" panose="020F0502020204030204" pitchFamily="34" charset="0"/>
+                <a:cs typeface="Times New Roman" panose="02020603050405020304" pitchFamily="18" charset="0"/>
+              </a:rPr>
+              <a:t>TagEnum</a:t>
+            </a:r>
+            <a:r>
+              <a:rPr lang="en-US" altLang="en-US" sz="1100" dirty="0">
+                <a:latin typeface="Calibri" panose="020F0502020204030204" pitchFamily="34" charset="0"/>
+                <a:cs typeface="Times New Roman" panose="02020603050405020304" pitchFamily="18" charset="0"/>
+              </a:rPr>
+              <a:t>&gt; tags</a:t>
+            </a:r>
+            <a:endParaRPr lang="en-US" altLang="en-US" sz="800" dirty="0"/>
+          </a:p>
+          <a:p>
+            <a:pPr defTabSz="914400" eaLnBrk="0" fontAlgn="base" hangingPunct="0">
+              <a:spcBef>
+                <a:spcPct val="0"/>
+              </a:spcBef>
+              <a:spcAft>
+                <a:spcPct val="0"/>
+              </a:spcAft>
+            </a:pPr>
+            <a:r>
+              <a:rPr lang="en-US" altLang="en-US" sz="1100" dirty="0">
+                <a:latin typeface="Calibri" panose="020F0502020204030204" pitchFamily="34" charset="0"/>
                 <a:ea typeface="Calibri" panose="020F0502020204030204" pitchFamily="34" charset="0"/>
                 <a:cs typeface="Times New Roman" panose="02020603050405020304" pitchFamily="18" charset="0"/>
               </a:rPr>
-              <a:t>RoguelikeObject</a:t>
+              <a:t>+ string </a:t>
+            </a:r>
+            <a:r>
+              <a:rPr lang="en-US" altLang="en-US" sz="1100" dirty="0" err="1">
+                <a:latin typeface="Calibri" panose="020F0502020204030204" pitchFamily="34" charset="0"/>
+                <a:ea typeface="Calibri" panose="020F0502020204030204" pitchFamily="34" charset="0"/>
+                <a:cs typeface="Times New Roman" panose="02020603050405020304" pitchFamily="18" charset="0"/>
+              </a:rPr>
+              <a:t>objectName</a:t>
+            </a:r>
+            <a:endParaRPr lang="en-US" altLang="en-US" sz="800" dirty="0"/>
+          </a:p>
+          <a:p>
+            <a:pPr defTabSz="914400" eaLnBrk="0" fontAlgn="base" hangingPunct="0">
+              <a:spcBef>
+                <a:spcPct val="0"/>
+              </a:spcBef>
+              <a:spcAft>
+                <a:spcPct val="0"/>
+              </a:spcAft>
+            </a:pPr>
+            <a:r>
+              <a:rPr lang="en-US" altLang="en-US" sz="1100" dirty="0">
+                <a:latin typeface="Calibri" panose="020F0502020204030204" pitchFamily="34" charset="0"/>
+                <a:ea typeface="Calibri" panose="020F0502020204030204" pitchFamily="34" charset="0"/>
+                <a:cs typeface="Times New Roman" panose="02020603050405020304" pitchFamily="18" charset="0"/>
+              </a:rPr>
+              <a:t>+ string description</a:t>
+            </a:r>
+            <a:endParaRPr lang="en-US" altLang="en-US" sz="800" dirty="0"/>
+          </a:p>
+          <a:p>
+            <a:pPr defTabSz="914400" eaLnBrk="0" fontAlgn="base" hangingPunct="0">
+              <a:spcBef>
+                <a:spcPct val="0"/>
+              </a:spcBef>
+              <a:spcAft>
+                <a:spcPct val="0"/>
+              </a:spcAft>
+            </a:pPr>
+            <a:r>
+              <a:rPr lang="en-US" altLang="en-US" sz="1100" dirty="0">
+                <a:latin typeface="Calibri" panose="020F0502020204030204" pitchFamily="34" charset="0"/>
+                <a:ea typeface="Calibri" panose="020F0502020204030204" pitchFamily="34" charset="0"/>
+                <a:cs typeface="Times New Roman" panose="02020603050405020304" pitchFamily="18" charset="0"/>
+              </a:rPr>
+              <a:t>+ int </a:t>
+            </a:r>
+            <a:r>
+              <a:rPr lang="en-US" altLang="en-US" sz="1100" dirty="0" err="1">
+                <a:latin typeface="Calibri" panose="020F0502020204030204" pitchFamily="34" charset="0"/>
+                <a:ea typeface="Calibri" panose="020F0502020204030204" pitchFamily="34" charset="0"/>
+                <a:cs typeface="Times New Roman" panose="02020603050405020304" pitchFamily="18" charset="0"/>
+              </a:rPr>
+              <a:t>stackSize</a:t>
+            </a:r>
+            <a:endParaRPr lang="en-US" altLang="en-US" sz="800" dirty="0"/>
+          </a:p>
+          <a:p>
+            <a:pPr defTabSz="914400" eaLnBrk="0" fontAlgn="base" hangingPunct="0">
+              <a:spcBef>
+                <a:spcPct val="0"/>
+              </a:spcBef>
+              <a:spcAft>
+                <a:spcPct val="0"/>
+              </a:spcAft>
+            </a:pPr>
+            <a:r>
+              <a:rPr lang="en-US" altLang="en-US" sz="1100" dirty="0">
+                <a:latin typeface="Calibri" panose="020F0502020204030204" pitchFamily="34" charset="0"/>
+                <a:ea typeface="Calibri" panose="020F0502020204030204" pitchFamily="34" charset="0"/>
+                <a:cs typeface="Times New Roman" panose="02020603050405020304" pitchFamily="18" charset="0"/>
+              </a:rPr>
+              <a:t>+ int </a:t>
+            </a:r>
+            <a:r>
+              <a:rPr lang="en-US" altLang="en-US" sz="1100" dirty="0" err="1">
+                <a:latin typeface="Calibri" panose="020F0502020204030204" pitchFamily="34" charset="0"/>
+                <a:ea typeface="Calibri" panose="020F0502020204030204" pitchFamily="34" charset="0"/>
+                <a:cs typeface="Times New Roman" panose="02020603050405020304" pitchFamily="18" charset="0"/>
+              </a:rPr>
+              <a:t>maxStackSize</a:t>
+            </a:r>
+            <a:endParaRPr lang="en-US" altLang="en-US" sz="800" dirty="0"/>
+          </a:p>
+          <a:p>
+            <a:pPr defTabSz="914400" eaLnBrk="0" fontAlgn="base" hangingPunct="0">
+              <a:spcBef>
+                <a:spcPct val="0"/>
+              </a:spcBef>
+              <a:spcAft>
+                <a:spcPct val="0"/>
+              </a:spcAft>
+            </a:pPr>
+            <a:r>
+              <a:rPr lang="en-US" altLang="en-US" sz="1100" dirty="0">
+                <a:latin typeface="Calibri" panose="020F0502020204030204" pitchFamily="34" charset="0"/>
+                <a:ea typeface="Calibri" panose="020F0502020204030204" pitchFamily="34" charset="0"/>
+                <a:cs typeface="Times New Roman" panose="02020603050405020304" pitchFamily="18" charset="0"/>
+              </a:rPr>
+              <a:t>+ int </a:t>
+            </a:r>
+            <a:r>
+              <a:rPr lang="en-US" altLang="en-US" sz="1100" dirty="0" err="1">
+                <a:latin typeface="Calibri" panose="020F0502020204030204" pitchFamily="34" charset="0"/>
+                <a:ea typeface="Calibri" panose="020F0502020204030204" pitchFamily="34" charset="0"/>
+                <a:cs typeface="Times New Roman" panose="02020603050405020304" pitchFamily="18" charset="0"/>
+              </a:rPr>
+              <a:t>goldValue</a:t>
             </a:r>
             <a:endParaRPr lang="en-US" altLang="en-US" sz="1100" dirty="0">
               <a:latin typeface="Calibri" panose="020F0502020204030204" pitchFamily="34" charset="0"/>
@@ -3047,11 +3264,11 @@
             <a:r>
               <a:rPr lang="en-US" altLang="en-US" sz="1100" dirty="0">
                 <a:latin typeface="Calibri" panose="020F0502020204030204" pitchFamily="34" charset="0"/>
-                <a:cs typeface="Times New Roman" panose="02020603050405020304" pitchFamily="18" charset="0"/>
-              </a:rPr>
-              <a:t>---------------------------------------------</a:t>
-            </a:r>
-            <a:endParaRPr lang="en-US" altLang="en-US" sz="800" dirty="0"/>
+                <a:ea typeface="Calibri" panose="020F0502020204030204" pitchFamily="34" charset="0"/>
+                <a:cs typeface="Times New Roman" panose="02020603050405020304" pitchFamily="18" charset="0"/>
+              </a:rPr>
+              <a:t>+ int weight</a:t>
+            </a:r>
           </a:p>
           <a:p>
             <a:pPr defTabSz="914400" eaLnBrk="0" fontAlgn="base" hangingPunct="0">
@@ -3068,9 +3285,8 @@
                 <a:ea typeface="Calibri" panose="020F0502020204030204" pitchFamily="34" charset="0"/>
                 <a:cs typeface="Times New Roman" panose="02020603050405020304" pitchFamily="18" charset="0"/>
               </a:rPr>
-              <a:t>+ string name</a:t>
-            </a:r>
-            <a:endParaRPr lang="en-US" altLang="en-US" sz="800" dirty="0"/>
+              <a:t>+ bool flammable</a:t>
+            </a:r>
           </a:p>
           <a:p>
             <a:pPr defTabSz="914400" eaLnBrk="0" fontAlgn="base" hangingPunct="0">
@@ -3087,9 +3303,21 @@
                 <a:ea typeface="Calibri" panose="020F0502020204030204" pitchFamily="34" charset="0"/>
                 <a:cs typeface="Times New Roman" panose="02020603050405020304" pitchFamily="18" charset="0"/>
               </a:rPr>
-              <a:t>+ string description</a:t>
-            </a:r>
-            <a:endParaRPr lang="en-US" altLang="en-US" sz="800" dirty="0"/>
+              <a:t>- int </a:t>
+            </a:r>
+            <a:r>
+              <a:rPr lang="en-US" altLang="en-US" sz="1100" u="sng" dirty="0" err="1">
+                <a:latin typeface="Calibri" panose="020F0502020204030204" pitchFamily="34" charset="0"/>
+                <a:ea typeface="Calibri" panose="020F0502020204030204" pitchFamily="34" charset="0"/>
+                <a:cs typeface="Times New Roman" panose="02020603050405020304" pitchFamily="18" charset="0"/>
+              </a:rPr>
+              <a:t>fireAmountMax</a:t>
+            </a:r>
+            <a:endParaRPr lang="en-US" altLang="en-US" sz="1100" u="sng" dirty="0">
+              <a:latin typeface="Calibri" panose="020F0502020204030204" pitchFamily="34" charset="0"/>
+              <a:ea typeface="Calibri" panose="020F0502020204030204" pitchFamily="34" charset="0"/>
+              <a:cs typeface="Times New Roman" panose="02020603050405020304" pitchFamily="18" charset="0"/>
+            </a:endParaRPr>
           </a:p>
           <a:p>
             <a:pPr defTabSz="914400" eaLnBrk="0" fontAlgn="base" hangingPunct="0">
@@ -3114,9 +3342,13 @@
                 <a:ea typeface="Calibri" panose="020F0502020204030204" pitchFamily="34" charset="0"/>
                 <a:cs typeface="Times New Roman" panose="02020603050405020304" pitchFamily="18" charset="0"/>
               </a:rPr>
-              <a:t>stackSize</a:t>
-            </a:r>
-            <a:endParaRPr lang="en-US" altLang="en-US" sz="800" dirty="0"/>
+              <a:t>fireAmount</a:t>
+            </a:r>
+            <a:endParaRPr lang="en-US" altLang="en-US" sz="1100" dirty="0">
+              <a:latin typeface="Calibri" panose="020F0502020204030204" pitchFamily="34" charset="0"/>
+              <a:ea typeface="Calibri" panose="020F0502020204030204" pitchFamily="34" charset="0"/>
+              <a:cs typeface="Times New Roman" panose="02020603050405020304" pitchFamily="18" charset="0"/>
+            </a:endParaRPr>
           </a:p>
           <a:p>
             <a:pPr defTabSz="914400" eaLnBrk="0" fontAlgn="base" hangingPunct="0">
@@ -3133,71 +3365,30 @@
                 <a:ea typeface="Calibri" panose="020F0502020204030204" pitchFamily="34" charset="0"/>
                 <a:cs typeface="Times New Roman" panose="02020603050405020304" pitchFamily="18" charset="0"/>
               </a:rPr>
-              <a:t>+ int </a:t>
-            </a:r>
-            <a:r>
-              <a:rPr lang="en-US" altLang="en-US" sz="1100" dirty="0" err="1">
-                <a:latin typeface="Calibri" panose="020F0502020204030204" pitchFamily="34" charset="0"/>
+              <a:t>+ int explosive</a:t>
+            </a:r>
+          </a:p>
+          <a:p>
+            <a:pPr defTabSz="914400" eaLnBrk="0" fontAlgn="base" hangingPunct="0">
+              <a:spcBef>
+                <a:spcPct val="0"/>
+              </a:spcBef>
+              <a:spcAft>
+                <a:spcPct val="0"/>
+              </a:spcAft>
+            </a:pPr>
+            <a:r>
+              <a:rPr lang="en-US" altLang="en-US" sz="1100" dirty="0">
                 <a:ea typeface="Calibri" panose="020F0502020204030204" pitchFamily="34" charset="0"/>
                 <a:cs typeface="Times New Roman" panose="02020603050405020304" pitchFamily="18" charset="0"/>
               </a:rPr>
-              <a:t>maxStackSize</a:t>
-            </a:r>
-            <a:endParaRPr lang="en-US" altLang="en-US" sz="800" dirty="0"/>
-          </a:p>
-          <a:p>
-            <a:pPr defTabSz="914400" eaLnBrk="0" fontAlgn="base" hangingPunct="0">
-              <a:spcBef>
-                <a:spcPct val="0"/>
-              </a:spcBef>
-              <a:spcAft>
-                <a:spcPct val="0"/>
-              </a:spcAft>
-            </a:pPr>
-            <a:r>
-              <a:rPr lang="en-US" altLang="en-US" sz="1100" dirty="0">
-                <a:latin typeface="Calibri" panose="020F0502020204030204" pitchFamily="34" charset="0"/>
-                <a:ea typeface="Calibri" panose="020F0502020204030204" pitchFamily="34" charset="0"/>
-                <a:cs typeface="Times New Roman" panose="02020603050405020304" pitchFamily="18" charset="0"/>
-              </a:rPr>
-              <a:t>+ int value</a:t>
-            </a:r>
-            <a:endParaRPr lang="en-US" altLang="en-US" sz="800" dirty="0"/>
-          </a:p>
-          <a:p>
-            <a:pPr defTabSz="914400" eaLnBrk="0" fontAlgn="base" hangingPunct="0">
-              <a:spcBef>
-                <a:spcPct val="0"/>
-              </a:spcBef>
-              <a:spcAft>
-                <a:spcPct val="0"/>
-              </a:spcAft>
-            </a:pPr>
-            <a:r>
-              <a:rPr lang="en-US" altLang="en-US" sz="1100" dirty="0">
-                <a:latin typeface="Calibri" panose="020F0502020204030204" pitchFamily="34" charset="0"/>
-                <a:ea typeface="Calibri" panose="020F0502020204030204" pitchFamily="34" charset="0"/>
-                <a:cs typeface="Times New Roman" panose="02020603050405020304" pitchFamily="18" charset="0"/>
-              </a:rPr>
-              <a:t>+ List&lt;string&gt; tags (</a:t>
-            </a:r>
-            <a:r>
-              <a:rPr lang="en-US" altLang="en-US" sz="1100" dirty="0" err="1">
-                <a:latin typeface="Calibri" panose="020F0502020204030204" pitchFamily="34" charset="0"/>
-                <a:ea typeface="Calibri" panose="020F0502020204030204" pitchFamily="34" charset="0"/>
-                <a:cs typeface="Times New Roman" panose="02020603050405020304" pitchFamily="18" charset="0"/>
-              </a:rPr>
-              <a:t>enum</a:t>
-            </a:r>
-            <a:r>
-              <a:rPr lang="en-US" altLang="en-US" sz="1100" dirty="0">
-                <a:latin typeface="Calibri" panose="020F0502020204030204" pitchFamily="34" charset="0"/>
-                <a:ea typeface="Calibri" panose="020F0502020204030204" pitchFamily="34" charset="0"/>
-                <a:cs typeface="Times New Roman" panose="02020603050405020304" pitchFamily="18" charset="0"/>
-              </a:rPr>
-              <a:t>?)</a:t>
-            </a:r>
-            <a:endParaRPr lang="en-US" altLang="en-US" sz="800" dirty="0"/>
+              <a:t>+ bool exposed</a:t>
+            </a:r>
+            <a:endParaRPr lang="en-US" altLang="en-US" sz="1100" dirty="0">
+              <a:latin typeface="Calibri" panose="020F0502020204030204" pitchFamily="34" charset="0"/>
+              <a:ea typeface="Calibri" panose="020F0502020204030204" pitchFamily="34" charset="0"/>
+              <a:cs typeface="Times New Roman" panose="02020603050405020304" pitchFamily="18" charset="0"/>
+            </a:endParaRPr>
           </a:p>
           <a:p>
             <a:pPr defTabSz="914400" eaLnBrk="0" fontAlgn="base" hangingPunct="0">
@@ -3241,45 +3432,31 @@
                 <a:ea typeface="Calibri" panose="020F0502020204030204" pitchFamily="34" charset="0"/>
                 <a:cs typeface="Times New Roman" panose="02020603050405020304" pitchFamily="18" charset="0"/>
               </a:rPr>
-              <a:t>+ bool exposed</a:t>
-            </a:r>
-          </a:p>
-          <a:p>
-            <a:pPr defTabSz="914400" eaLnBrk="0" fontAlgn="base" hangingPunct="0">
-              <a:spcBef>
-                <a:spcPct val="0"/>
-              </a:spcBef>
-              <a:spcAft>
-                <a:spcPct val="0"/>
-              </a:spcAft>
-            </a:pPr>
+              <a:t>- </a:t>
+            </a:r>
+            <a:r>
+              <a:rPr lang="en-US" altLang="en-US" sz="1100" dirty="0" err="1">
+                <a:latin typeface="Calibri" panose="020F0502020204030204" pitchFamily="34" charset="0"/>
+                <a:ea typeface="Calibri" panose="020F0502020204030204" pitchFamily="34" charset="0"/>
+                <a:cs typeface="Times New Roman" panose="02020603050405020304" pitchFamily="18" charset="0"/>
+              </a:rPr>
+              <a:t>ItemSpriteRenderer</a:t>
+            </a:r>
             <a:r>
               <a:rPr lang="en-US" altLang="en-US" sz="1100" dirty="0">
+                <a:latin typeface="Calibri" panose="020F0502020204030204" pitchFamily="34" charset="0"/>
                 <a:ea typeface="Calibri" panose="020F0502020204030204" pitchFamily="34" charset="0"/>
                 <a:cs typeface="Times New Roman" panose="02020603050405020304" pitchFamily="18" charset="0"/>
               </a:rPr>
-              <a:t>- </a:t>
+              <a:t> </a:t>
             </a:r>
             <a:r>
               <a:rPr lang="en-US" altLang="en-US" sz="1100" dirty="0" err="1">
+                <a:latin typeface="Calibri" panose="020F0502020204030204" pitchFamily="34" charset="0"/>
                 <a:ea typeface="Calibri" panose="020F0502020204030204" pitchFamily="34" charset="0"/>
                 <a:cs typeface="Times New Roman" panose="02020603050405020304" pitchFamily="18" charset="0"/>
               </a:rPr>
-              <a:t>SpriteRenderer</a:t>
-            </a:r>
-            <a:r>
-              <a:rPr lang="en-US" altLang="en-US" sz="1100" dirty="0">
-                <a:ea typeface="Calibri" panose="020F0502020204030204" pitchFamily="34" charset="0"/>
-                <a:cs typeface="Times New Roman" panose="02020603050405020304" pitchFamily="18" charset="0"/>
-              </a:rPr>
-              <a:t> </a:t>
-            </a:r>
-            <a:r>
-              <a:rPr lang="en-US" altLang="en-US" sz="1100" dirty="0" err="1">
-                <a:ea typeface="Calibri" panose="020F0502020204030204" pitchFamily="34" charset="0"/>
-                <a:cs typeface="Times New Roman" panose="02020603050405020304" pitchFamily="18" charset="0"/>
-              </a:rPr>
-              <a:t>mySpriteRenderer</a:t>
+              <a:t>myItemSpriteRenderer</a:t>
             </a:r>
             <a:endParaRPr lang="en-US" altLang="en-US" sz="1100" dirty="0">
               <a:ea typeface="Calibri" panose="020F0502020204030204" pitchFamily="34" charset="0"/>
@@ -3296,113 +3473,12 @@
               </a:spcAft>
             </a:pPr>
             <a:r>
-              <a:rPr lang="en-US" altLang="en-US" sz="1100" dirty="0"/>
-              <a:t>- Dropped</a:t>
-            </a:r>
-          </a:p>
-          <a:p>
-            <a:pPr defTabSz="914400" eaLnBrk="0" fontAlgn="base" hangingPunct="0">
-              <a:spcBef>
-                <a:spcPct val="0"/>
-              </a:spcBef>
-              <a:spcAft>
-                <a:spcPct val="0"/>
-              </a:spcAft>
-            </a:pPr>
-            <a:r>
               <a:rPr lang="en-US" altLang="en-US" sz="1100" dirty="0">
                 <a:latin typeface="Calibri" panose="020F0502020204030204" pitchFamily="34" charset="0"/>
                 <a:ea typeface="Calibri" panose="020F0502020204030204" pitchFamily="34" charset="0"/>
                 <a:cs typeface="Times New Roman" panose="02020603050405020304" pitchFamily="18" charset="0"/>
               </a:rPr>
               <a:t>--------------------------------------------</a:t>
-            </a:r>
-          </a:p>
-          <a:p>
-            <a:pPr eaLnBrk="0" fontAlgn="base" hangingPunct="0">
-              <a:spcBef>
-                <a:spcPct val="0"/>
-              </a:spcBef>
-              <a:spcAft>
-                <a:spcPct val="0"/>
-              </a:spcAft>
-            </a:pPr>
-            <a:r>
-              <a:rPr lang="en-US" altLang="en-US" sz="1100" strike="sngStrike" dirty="0">
-                <a:latin typeface="Calibri" panose="020F0502020204030204" pitchFamily="34" charset="0"/>
-                <a:ea typeface="Calibri" panose="020F0502020204030204" pitchFamily="34" charset="0"/>
-                <a:cs typeface="Times New Roman" panose="02020603050405020304" pitchFamily="18" charset="0"/>
-              </a:rPr>
-              <a:t>+ Obtain</a:t>
-            </a:r>
-            <a:r>
-              <a:rPr lang="en-US" altLang="en-US" sz="1100" dirty="0">
-                <a:latin typeface="Calibri" panose="020F0502020204030204" pitchFamily="34" charset="0"/>
-                <a:ea typeface="Calibri" panose="020F0502020204030204" pitchFamily="34" charset="0"/>
-                <a:cs typeface="Times New Roman" panose="02020603050405020304" pitchFamily="18" charset="0"/>
-              </a:rPr>
-              <a:t> (now handled by the exposed property)</a:t>
-            </a:r>
-          </a:p>
-          <a:p>
-            <a:pPr lvl="0" eaLnBrk="0" fontAlgn="base" hangingPunct="0">
-              <a:spcBef>
-                <a:spcPct val="0"/>
-              </a:spcBef>
-              <a:spcAft>
-                <a:spcPct val="0"/>
-              </a:spcAft>
-            </a:pPr>
-            <a:r>
-              <a:rPr lang="en-US" altLang="en-US" sz="1100" strike="sngStrike" dirty="0">
-                <a:latin typeface="Calibri" panose="020F0502020204030204" pitchFamily="34" charset="0"/>
-                <a:ea typeface="Calibri" panose="020F0502020204030204" pitchFamily="34" charset="0"/>
-                <a:cs typeface="Times New Roman" panose="02020603050405020304" pitchFamily="18" charset="0"/>
-              </a:rPr>
-              <a:t>+ Drop</a:t>
-            </a:r>
-            <a:r>
-              <a:rPr lang="en-US" altLang="en-US" sz="1100" dirty="0">
-                <a:latin typeface="Calibri" panose="020F0502020204030204" pitchFamily="34" charset="0"/>
-                <a:ea typeface="Calibri" panose="020F0502020204030204" pitchFamily="34" charset="0"/>
-                <a:cs typeface="Times New Roman" panose="02020603050405020304" pitchFamily="18" charset="0"/>
-              </a:rPr>
-              <a:t> (now handled by the exposed property)</a:t>
-            </a:r>
-            <a:endParaRPr lang="en-US" altLang="en-US" sz="800" strike="sngStrike" dirty="0"/>
-          </a:p>
-          <a:p>
-            <a:pPr defTabSz="914400" eaLnBrk="0" fontAlgn="base" hangingPunct="0">
-              <a:spcBef>
-                <a:spcPct val="0"/>
-              </a:spcBef>
-              <a:spcAft>
-                <a:spcPct val="0"/>
-              </a:spcAft>
-            </a:pPr>
-            <a:r>
-              <a:rPr lang="en-US" altLang="en-US" sz="1100" strike="sngStrike" dirty="0">
-                <a:latin typeface="Calibri" panose="020F0502020204030204" pitchFamily="34" charset="0"/>
-                <a:ea typeface="Calibri" panose="020F0502020204030204" pitchFamily="34" charset="0"/>
-                <a:cs typeface="Times New Roman" panose="02020603050405020304" pitchFamily="18" charset="0"/>
-              </a:rPr>
-              <a:t>+ </a:t>
-            </a:r>
-            <a:r>
-              <a:rPr lang="en-US" altLang="en-US" sz="1100" strike="sngStrike" dirty="0" err="1">
-                <a:latin typeface="Calibri" panose="020F0502020204030204" pitchFamily="34" charset="0"/>
-                <a:ea typeface="Calibri" panose="020F0502020204030204" pitchFamily="34" charset="0"/>
-                <a:cs typeface="Times New Roman" panose="02020603050405020304" pitchFamily="18" charset="0"/>
-              </a:rPr>
-              <a:t>SetStackSize</a:t>
-            </a:r>
-            <a:r>
-              <a:rPr lang="en-US" altLang="en-US" sz="1100" dirty="0">
-                <a:latin typeface="Calibri" panose="020F0502020204030204" pitchFamily="34" charset="0"/>
-                <a:ea typeface="Calibri" panose="020F0502020204030204" pitchFamily="34" charset="0"/>
-                <a:cs typeface="Times New Roman" panose="02020603050405020304" pitchFamily="18" charset="0"/>
-              </a:rPr>
-              <a:t> (now handled by a property)</a:t>
             </a:r>
           </a:p>
           <a:p>
@@ -3578,66 +3654,74 @@
               </a:spcAft>
             </a:pPr>
             <a:r>
-              <a:rPr lang="en-US" altLang="en-US" sz="1100" dirty="0">
-                <a:latin typeface="Calibri" panose="020F0502020204030204" pitchFamily="34" charset="0"/>
-                <a:ea typeface="Calibri" panose="020F0502020204030204" pitchFamily="34" charset="0"/>
-                <a:cs typeface="Times New Roman" panose="02020603050405020304" pitchFamily="18" charset="0"/>
-              </a:rPr>
-              <a:t>+ Place</a:t>
-            </a:r>
-            <a:endParaRPr lang="en-US" altLang="en-US" dirty="0">
+              <a:rPr lang="en-US" altLang="en-US" sz="800" dirty="0">
+                <a:latin typeface="Arial" panose="020B0604020202020204" pitchFamily="34" charset="0"/>
+                <a:cs typeface="Times New Roman" panose="02020603050405020304" pitchFamily="18" charset="0"/>
+              </a:rPr>
+              <a:t>--------</a:t>
+            </a:r>
+          </a:p>
+          <a:p>
+            <a:pPr defTabSz="914400" eaLnBrk="0" fontAlgn="base" hangingPunct="0">
+              <a:spcBef>
+                <a:spcPct val="0"/>
+              </a:spcBef>
+              <a:spcAft>
+                <a:spcPct val="0"/>
+              </a:spcAft>
+            </a:pPr>
+            <a:r>
+              <a:rPr lang="en-US" altLang="en-US" sz="800" dirty="0">
+                <a:latin typeface="Arial" panose="020B0604020202020204" pitchFamily="34" charset="0"/>
+                <a:cs typeface="Times New Roman" panose="02020603050405020304" pitchFamily="18" charset="0"/>
+              </a:rPr>
+              <a:t>+ Abstract bool </a:t>
+            </a:r>
+            <a:r>
+              <a:rPr lang="en-US" altLang="en-US" sz="800" dirty="0" err="1">
+                <a:latin typeface="Arial" panose="020B0604020202020204" pitchFamily="34" charset="0"/>
+                <a:cs typeface="Times New Roman" panose="02020603050405020304" pitchFamily="18" charset="0"/>
+              </a:rPr>
+              <a:t>isSpaceFree</a:t>
+            </a:r>
+            <a:r>
+              <a:rPr lang="en-US" altLang="en-US" sz="800" dirty="0">
+                <a:latin typeface="Arial" panose="020B0604020202020204" pitchFamily="34" charset="0"/>
+                <a:cs typeface="Times New Roman" panose="02020603050405020304" pitchFamily="18" charset="0"/>
+              </a:rPr>
+              <a:t>(Vector2 position)</a:t>
+            </a:r>
+          </a:p>
+          <a:p>
+            <a:pPr defTabSz="914400" eaLnBrk="0" fontAlgn="base" hangingPunct="0">
+              <a:spcBef>
+                <a:spcPct val="0"/>
+              </a:spcBef>
+              <a:spcAft>
+                <a:spcPct val="0"/>
+              </a:spcAft>
+            </a:pPr>
+            <a:r>
+              <a:rPr lang="en-US" altLang="en-US" sz="800" dirty="0">
+                <a:latin typeface="Arial" panose="020B0604020202020204" pitchFamily="34" charset="0"/>
+                <a:cs typeface="Times New Roman" panose="02020603050405020304" pitchFamily="18" charset="0"/>
+              </a:rPr>
+              <a:t>+ bool Place(Vector2 position)</a:t>
+            </a:r>
+          </a:p>
+          <a:p>
+            <a:pPr defTabSz="914400" eaLnBrk="0" fontAlgn="base" hangingPunct="0">
+              <a:spcBef>
+                <a:spcPct val="0"/>
+              </a:spcBef>
+              <a:spcAft>
+                <a:spcPct val="0"/>
+              </a:spcAft>
+            </a:pPr>
+            <a:endParaRPr lang="en-US" altLang="en-US" sz="800" dirty="0">
               <a:latin typeface="Arial" panose="020B0604020202020204" pitchFamily="34" charset="0"/>
-              <a:ea typeface="Calibri" panose="020F0502020204030204" pitchFamily="34" charset="0"/>
               <a:cs typeface="Times New Roman" panose="02020603050405020304" pitchFamily="18" charset="0"/>
             </a:endParaRPr>
-          </a:p>
-          <a:p>
-            <a:pPr defTabSz="914400" eaLnBrk="0" fontAlgn="base" hangingPunct="0">
-              <a:spcBef>
-                <a:spcPct val="0"/>
-              </a:spcBef>
-              <a:spcAft>
-                <a:spcPct val="0"/>
-              </a:spcAft>
-            </a:pPr>
-            <a:r>
-              <a:rPr lang="en-US" altLang="en-US" sz="800" dirty="0">
-                <a:latin typeface="Arial" panose="020B0604020202020204" pitchFamily="34" charset="0"/>
-                <a:cs typeface="Times New Roman" panose="02020603050405020304" pitchFamily="18" charset="0"/>
-              </a:rPr>
-              <a:t>--------</a:t>
-            </a:r>
-          </a:p>
-          <a:p>
-            <a:pPr defTabSz="914400" eaLnBrk="0" fontAlgn="base" hangingPunct="0">
-              <a:spcBef>
-                <a:spcPct val="0"/>
-              </a:spcBef>
-              <a:spcAft>
-                <a:spcPct val="0"/>
-              </a:spcAft>
-            </a:pPr>
-            <a:r>
-              <a:rPr lang="en-US" altLang="en-US" sz="800" dirty="0">
-                <a:latin typeface="Arial" panose="020B0604020202020204" pitchFamily="34" charset="0"/>
-                <a:cs typeface="Times New Roman" panose="02020603050405020304" pitchFamily="18" charset="0"/>
-              </a:rPr>
-              <a:t>Abstract bool </a:t>
-            </a:r>
-            <a:r>
-              <a:rPr lang="en-US" altLang="en-US" sz="800" dirty="0" err="1">
-                <a:latin typeface="Arial" panose="020B0604020202020204" pitchFamily="34" charset="0"/>
-                <a:cs typeface="Times New Roman" panose="02020603050405020304" pitchFamily="18" charset="0"/>
-              </a:rPr>
-              <a:t>isSpaceFree</a:t>
-            </a:r>
-            <a:r>
-              <a:rPr lang="en-US" altLang="en-US" sz="800" dirty="0">
-                <a:latin typeface="Arial" panose="020B0604020202020204" pitchFamily="34" charset="0"/>
-                <a:cs typeface="Times New Roman" panose="02020603050405020304" pitchFamily="18" charset="0"/>
-              </a:rPr>
-              <a:t>(Vector2 position)</a:t>
-            </a:r>
           </a:p>
           <a:p>
             <a:pPr defTabSz="914400" eaLnBrk="0" fontAlgn="base" hangingPunct="0">
@@ -3970,8 +4054,8 @@
         </p:nvCxnSpPr>
         <p:spPr>
           <a:xfrm flipV="1">
-            <a:off x="7210425" y="4398639"/>
-            <a:ext cx="962024" cy="283534"/>
+            <a:off x="7210424" y="4398639"/>
+            <a:ext cx="962025" cy="283534"/>
           </a:xfrm>
           <a:prstGeom prst="bentConnector3">
             <a:avLst/>
@@ -4297,8 +4381,8 @@
         </p:nvCxnSpPr>
         <p:spPr>
           <a:xfrm rot="5400000">
-            <a:off x="2468094" y="5274605"/>
-            <a:ext cx="956647" cy="3648456"/>
+            <a:off x="2614040" y="5128659"/>
+            <a:ext cx="956647" cy="3940348"/>
           </a:xfrm>
           <a:prstGeom prst="bentConnector3">
             <a:avLst/>
@@ -4340,11 +4424,13 @@
         </p:nvCxnSpPr>
         <p:spPr>
           <a:xfrm rot="5400000">
-            <a:off x="3029935" y="5831702"/>
-            <a:ext cx="951903" cy="2529519"/>
+            <a:off x="3175881" y="5685756"/>
+            <a:ext cx="951903" cy="2821411"/>
           </a:xfrm>
           <a:prstGeom prst="bentConnector3">
-            <a:avLst/>
+            <a:avLst>
+              <a:gd name="adj1" fmla="val 50000"/>
+            </a:avLst>
           </a:prstGeom>
           <a:ln>
             <a:tailEnd type="triangle"/>
@@ -4383,11 +4469,13 @@
         </p:nvCxnSpPr>
         <p:spPr>
           <a:xfrm rot="5400000">
-            <a:off x="3667058" y="6459339"/>
-            <a:ext cx="942416" cy="1264759"/>
+            <a:off x="3813004" y="6313393"/>
+            <a:ext cx="942416" cy="1556651"/>
           </a:xfrm>
           <a:prstGeom prst="bentConnector3">
-            <a:avLst/>
+            <a:avLst>
+              <a:gd name="adj1" fmla="val 50000"/>
+            </a:avLst>
           </a:prstGeom>
           <a:ln>
             <a:tailEnd type="triangle"/>
@@ -4720,7 +4808,7 @@
         </p:nvSpPr>
         <p:spPr bwMode="auto">
           <a:xfrm>
-            <a:off x="13731651" y="7070873"/>
+            <a:off x="13621568" y="7073580"/>
             <a:ext cx="1533525" cy="711201"/>
           </a:xfrm>
           <a:prstGeom prst="rect">
@@ -4835,8 +4923,8 @@
         </p:nvCxnSpPr>
         <p:spPr>
           <a:xfrm rot="5400000">
-            <a:off x="14762441" y="6567132"/>
-            <a:ext cx="239713" cy="767766"/>
+            <a:off x="14706046" y="6513445"/>
+            <a:ext cx="242421" cy="877849"/>
           </a:xfrm>
           <a:prstGeom prst="bentConnector3">
             <a:avLst/>
@@ -5194,7 +5282,7 @@
         </p:nvSpPr>
         <p:spPr bwMode="auto">
           <a:xfrm>
-            <a:off x="4457162" y="7558237"/>
+            <a:off x="5825233" y="7572413"/>
             <a:ext cx="745958" cy="600075"/>
           </a:xfrm>
           <a:prstGeom prst="rect">
@@ -5263,21 +5351,290 @@
           </p:cNvPr>
           <p:cNvCxnSpPr>
             <a:cxnSpLocks/>
+            <a:stCxn id="4" idx="2"/>
             <a:endCxn id="56" idx="0"/>
           </p:cNvCxnSpPr>
           <p:nvPr/>
         </p:nvCxnSpPr>
         <p:spPr>
           <a:xfrm rot="16200000" flipH="1">
-            <a:off x="4331530" y="7059626"/>
-            <a:ext cx="937726" cy="59496"/>
+            <a:off x="5154423" y="6528623"/>
+            <a:ext cx="951903" cy="1135675"/>
           </a:xfrm>
           <a:prstGeom prst="bentConnector3">
             <a:avLst>
-              <a:gd name="adj1" fmla="val 51016"/>
+              <a:gd name="adj1" fmla="val 50000"/>
             </a:avLst>
           </a:prstGeom>
           <a:ln>
+            <a:tailEnd type="triangle"/>
+          </a:ln>
+        </p:spPr>
+        <p:style>
+          <a:lnRef idx="1">
+            <a:schemeClr val="accent1"/>
+          </a:lnRef>
+          <a:fillRef idx="0">
+            <a:schemeClr val="accent1"/>
+          </a:fillRef>
+          <a:effectRef idx="0">
+            <a:schemeClr val="accent1"/>
+          </a:effectRef>
+          <a:fontRef idx="minor">
+            <a:schemeClr val="tx1"/>
+          </a:fontRef>
+        </p:style>
+      </p:cxnSp>
+      <p:sp>
+        <p:nvSpPr>
+          <p:cNvPr id="113" name="Text Box 2">
+            <a:extLst>
+              <a:ext uri="{FF2B5EF4-FFF2-40B4-BE49-F238E27FC236}">
+                <a16:creationId xmlns:a16="http://schemas.microsoft.com/office/drawing/2014/main" id="{3677A67A-F659-48F1-B76A-4472B505B111}"/>
+              </a:ext>
+            </a:extLst>
+          </p:cNvPr>
+          <p:cNvSpPr txBox="1">
+            <a:spLocks noChangeArrowheads="1"/>
+          </p:cNvSpPr>
+          <p:nvPr/>
+        </p:nvSpPr>
+        <p:spPr bwMode="auto">
+          <a:xfrm>
+            <a:off x="138856" y="139084"/>
+            <a:ext cx="2712623" cy="1352494"/>
+          </a:xfrm>
+          <a:prstGeom prst="rect">
+            <a:avLst/>
+          </a:prstGeom>
+          <a:solidFill>
+            <a:srgbClr val="FFFFFF"/>
+          </a:solidFill>
+          <a:ln w="9525">
+            <a:solidFill>
+              <a:srgbClr val="000000"/>
+            </a:solidFill>
+            <a:miter lim="800000"/>
+            <a:headEnd/>
+            <a:tailEnd/>
+          </a:ln>
+        </p:spPr>
+        <p:txBody>
+          <a:bodyPr vert="horz" wrap="square" lIns="91440" tIns="45720" rIns="91440" bIns="45720" numCol="1" anchor="t" anchorCtr="0" compatLnSpc="1">
+            <a:prstTxWarp prst="textNoShape">
+              <a:avLst/>
+            </a:prstTxWarp>
+          </a:bodyPr>
+          <a:lstStyle/>
+          <a:p>
+            <a:pPr defTabSz="914400" eaLnBrk="0" fontAlgn="base" hangingPunct="0">
+              <a:spcBef>
+                <a:spcPct val="0"/>
+              </a:spcBef>
+              <a:spcAft>
+                <a:spcPct val="0"/>
+              </a:spcAft>
+            </a:pPr>
+            <a:r>
+              <a:rPr lang="en-US" altLang="en-US" sz="1100" dirty="0" err="1">
+                <a:latin typeface="Calibri" panose="020F0502020204030204" pitchFamily="34" charset="0"/>
+                <a:ea typeface="Calibri" panose="020F0502020204030204" pitchFamily="34" charset="0"/>
+                <a:cs typeface="Times New Roman" panose="02020603050405020304" pitchFamily="18" charset="0"/>
+              </a:rPr>
+              <a:t>ItemSpriteRenderer</a:t>
+            </a:r>
+            <a:endParaRPr lang="en-US" altLang="en-US" sz="1100" dirty="0">
+              <a:latin typeface="Calibri" panose="020F0502020204030204" pitchFamily="34" charset="0"/>
+              <a:ea typeface="Calibri" panose="020F0502020204030204" pitchFamily="34" charset="0"/>
+              <a:cs typeface="Times New Roman" panose="02020603050405020304" pitchFamily="18" charset="0"/>
+            </a:endParaRPr>
+          </a:p>
+          <a:p>
+            <a:pPr defTabSz="914400" eaLnBrk="0" fontAlgn="base" hangingPunct="0">
+              <a:spcBef>
+                <a:spcPct val="0"/>
+              </a:spcBef>
+              <a:spcAft>
+                <a:spcPct val="0"/>
+              </a:spcAft>
+            </a:pPr>
+            <a:r>
+              <a:rPr lang="en-US" altLang="en-US" sz="1100" dirty="0">
+                <a:latin typeface="Calibri" panose="020F0502020204030204" pitchFamily="34" charset="0"/>
+                <a:cs typeface="Times New Roman" panose="02020603050405020304" pitchFamily="18" charset="0"/>
+              </a:rPr>
+              <a:t>---------------------------------------------</a:t>
+            </a:r>
+          </a:p>
+          <a:p>
+            <a:pPr marL="171450" indent="-171450" defTabSz="914400" eaLnBrk="0" fontAlgn="base" hangingPunct="0">
+              <a:spcBef>
+                <a:spcPct val="0"/>
+              </a:spcBef>
+              <a:spcAft>
+                <a:spcPct val="0"/>
+              </a:spcAft>
+              <a:buFontTx/>
+              <a:buChar char="-"/>
+            </a:pPr>
+            <a:r>
+              <a:rPr lang="en-US" altLang="en-US" sz="1100" dirty="0" err="1">
+                <a:ea typeface="Calibri" panose="020F0502020204030204" pitchFamily="34" charset="0"/>
+                <a:cs typeface="Times New Roman" panose="02020603050405020304" pitchFamily="18" charset="0"/>
+              </a:rPr>
+              <a:t>SpriteRenderer</a:t>
+            </a:r>
+            <a:r>
+              <a:rPr lang="en-US" altLang="en-US" sz="1100" dirty="0">
+                <a:ea typeface="Calibri" panose="020F0502020204030204" pitchFamily="34" charset="0"/>
+                <a:cs typeface="Times New Roman" panose="02020603050405020304" pitchFamily="18" charset="0"/>
+              </a:rPr>
+              <a:t> </a:t>
+            </a:r>
+            <a:r>
+              <a:rPr lang="en-US" altLang="en-US" sz="1100" dirty="0" err="1">
+                <a:ea typeface="Calibri" panose="020F0502020204030204" pitchFamily="34" charset="0"/>
+                <a:cs typeface="Times New Roman" panose="02020603050405020304" pitchFamily="18" charset="0"/>
+              </a:rPr>
+              <a:t>mySpriteRenderer</a:t>
+            </a:r>
+            <a:endParaRPr lang="en-US" altLang="en-US" sz="1100" dirty="0">
+              <a:ea typeface="Calibri" panose="020F0502020204030204" pitchFamily="34" charset="0"/>
+              <a:cs typeface="Times New Roman" panose="02020603050405020304" pitchFamily="18" charset="0"/>
+            </a:endParaRPr>
+          </a:p>
+          <a:p>
+            <a:pPr marL="171450" indent="-171450" defTabSz="914400" eaLnBrk="0" fontAlgn="base" hangingPunct="0">
+              <a:spcBef>
+                <a:spcPct val="0"/>
+              </a:spcBef>
+              <a:spcAft>
+                <a:spcPct val="0"/>
+              </a:spcAft>
+              <a:buFontTx/>
+              <a:buChar char="-"/>
+            </a:pPr>
+            <a:r>
+              <a:rPr lang="en-US" altLang="en-US" sz="1100" dirty="0">
+                <a:ea typeface="Calibri" panose="020F0502020204030204" pitchFamily="34" charset="0"/>
+                <a:cs typeface="Times New Roman" panose="02020603050405020304" pitchFamily="18" charset="0"/>
+              </a:rPr>
+              <a:t>Entry </a:t>
+            </a:r>
+            <a:r>
+              <a:rPr lang="en-US" altLang="en-US" sz="1100" dirty="0" err="1">
+                <a:ea typeface="Calibri" panose="020F0502020204030204" pitchFamily="34" charset="0"/>
+                <a:cs typeface="Times New Roman" panose="02020603050405020304" pitchFamily="18" charset="0"/>
+              </a:rPr>
+              <a:t>stackNumberEntry</a:t>
+            </a:r>
+            <a:endParaRPr lang="en-US" altLang="en-US" sz="1100" dirty="0">
+              <a:ea typeface="Calibri" panose="020F0502020204030204" pitchFamily="34" charset="0"/>
+              <a:cs typeface="Times New Roman" panose="02020603050405020304" pitchFamily="18" charset="0"/>
+            </a:endParaRPr>
+          </a:p>
+          <a:p>
+            <a:pPr defTabSz="914400" eaLnBrk="0" fontAlgn="base" hangingPunct="0">
+              <a:spcBef>
+                <a:spcPct val="0"/>
+              </a:spcBef>
+              <a:spcAft>
+                <a:spcPct val="0"/>
+              </a:spcAft>
+            </a:pPr>
+            <a:r>
+              <a:rPr lang="en-US" altLang="en-US" sz="1100" dirty="0">
+                <a:ea typeface="Calibri" panose="020F0502020204030204" pitchFamily="34" charset="0"/>
+                <a:cs typeface="Times New Roman" panose="02020603050405020304" pitchFamily="18" charset="0"/>
+              </a:rPr>
+              <a:t>+ Sprite </a:t>
+            </a:r>
+            <a:r>
+              <a:rPr lang="en-US" altLang="en-US" sz="1100" dirty="0" err="1">
+                <a:ea typeface="Calibri" panose="020F0502020204030204" pitchFamily="34" charset="0"/>
+                <a:cs typeface="Times New Roman" panose="02020603050405020304" pitchFamily="18" charset="0"/>
+              </a:rPr>
+              <a:t>itemSprite</a:t>
+            </a:r>
+            <a:endParaRPr lang="en-US" altLang="en-US" sz="1100" dirty="0">
+              <a:ea typeface="Calibri" panose="020F0502020204030204" pitchFamily="34" charset="0"/>
+              <a:cs typeface="Times New Roman" panose="02020603050405020304" pitchFamily="18" charset="0"/>
+            </a:endParaRPr>
+          </a:p>
+          <a:p>
+            <a:pPr defTabSz="914400" eaLnBrk="0" fontAlgn="base" hangingPunct="0">
+              <a:spcBef>
+                <a:spcPct val="0"/>
+              </a:spcBef>
+              <a:spcAft>
+                <a:spcPct val="0"/>
+              </a:spcAft>
+            </a:pPr>
+            <a:r>
+              <a:rPr lang="en-US" altLang="en-US" sz="1100" dirty="0">
+                <a:ea typeface="Calibri" panose="020F0502020204030204" pitchFamily="34" charset="0"/>
+                <a:cs typeface="Times New Roman" panose="02020603050405020304" pitchFamily="18" charset="0"/>
+              </a:rPr>
+              <a:t>+ int </a:t>
+            </a:r>
+            <a:r>
+              <a:rPr lang="en-US" altLang="en-US" sz="1100" dirty="0" err="1">
+                <a:ea typeface="Calibri" panose="020F0502020204030204" pitchFamily="34" charset="0"/>
+                <a:cs typeface="Times New Roman" panose="02020603050405020304" pitchFamily="18" charset="0"/>
+              </a:rPr>
+              <a:t>stackSize</a:t>
+            </a:r>
+            <a:endParaRPr lang="en-US" altLang="en-US" sz="1100" dirty="0">
+              <a:ea typeface="Calibri" panose="020F0502020204030204" pitchFamily="34" charset="0"/>
+              <a:cs typeface="Times New Roman" panose="02020603050405020304" pitchFamily="18" charset="0"/>
+            </a:endParaRPr>
+          </a:p>
+          <a:p>
+            <a:pPr defTabSz="914400" eaLnBrk="0" fontAlgn="base" hangingPunct="0">
+              <a:spcBef>
+                <a:spcPct val="0"/>
+              </a:spcBef>
+              <a:spcAft>
+                <a:spcPct val="0"/>
+              </a:spcAft>
+            </a:pPr>
+            <a:r>
+              <a:rPr lang="en-US" altLang="en-US" sz="1100" dirty="0">
+                <a:latin typeface="Calibri" panose="020F0502020204030204" pitchFamily="34" charset="0"/>
+                <a:ea typeface="Calibri" panose="020F0502020204030204" pitchFamily="34" charset="0"/>
+                <a:cs typeface="Times New Roman" panose="02020603050405020304" pitchFamily="18" charset="0"/>
+              </a:rPr>
+              <a:t>--------------------------------------------</a:t>
+            </a:r>
+          </a:p>
+        </p:txBody>
+      </p:sp>
+      <p:cxnSp>
+        <p:nvCxnSpPr>
+          <p:cNvPr id="117" name="Connector: Elbow 116">
+            <a:extLst>
+              <a:ext uri="{FF2B5EF4-FFF2-40B4-BE49-F238E27FC236}">
+                <a16:creationId xmlns:a16="http://schemas.microsoft.com/office/drawing/2014/main" id="{47AC32E2-595F-4439-97F3-E9586ED11B19}"/>
+              </a:ext>
+            </a:extLst>
+          </p:cNvPr>
+          <p:cNvCxnSpPr>
+            <a:cxnSpLocks/>
+            <a:stCxn id="113" idx="2"/>
+            <a:endCxn id="4" idx="1"/>
+          </p:cNvCxnSpPr>
+          <p:nvPr/>
+        </p:nvCxnSpPr>
+        <p:spPr>
+          <a:xfrm rot="16200000" flipH="1">
+            <a:off x="609611" y="2377134"/>
+            <a:ext cx="3190595" cy="1419481"/>
+          </a:xfrm>
+          <a:prstGeom prst="bentConnector2">
+            <a:avLst/>
+          </a:prstGeom>
+          <a:ln w="12700">
+            <a:prstDash val="lgDash"/>
             <a:tailEnd type="triangle"/>
           </a:ln>
         </p:spPr>

--- a/Class Diagram.pptx
+++ b/Class Diagram.pptx
@@ -243,7 +243,7 @@
           <a:p>
             <a:fld id="{DFA429E4-E4A0-4FCB-B57B-5790209CB571}" type="datetimeFigureOut">
               <a:rPr lang="en-US" smtClean="0"/>
-              <a:t>8/8/2019</a:t>
+              <a:t>8/10/2019</a:t>
             </a:fld>
             <a:endParaRPr lang="en-US"/>
           </a:p>
@@ -413,7 +413,7 @@
           <a:p>
             <a:fld id="{DFA429E4-E4A0-4FCB-B57B-5790209CB571}" type="datetimeFigureOut">
               <a:rPr lang="en-US" smtClean="0"/>
-              <a:t>8/8/2019</a:t>
+              <a:t>8/10/2019</a:t>
             </a:fld>
             <a:endParaRPr lang="en-US"/>
           </a:p>
@@ -593,7 +593,7 @@
           <a:p>
             <a:fld id="{DFA429E4-E4A0-4FCB-B57B-5790209CB571}" type="datetimeFigureOut">
               <a:rPr lang="en-US" smtClean="0"/>
-              <a:t>8/8/2019</a:t>
+              <a:t>8/10/2019</a:t>
             </a:fld>
             <a:endParaRPr lang="en-US"/>
           </a:p>
@@ -763,7 +763,7 @@
           <a:p>
             <a:fld id="{DFA429E4-E4A0-4FCB-B57B-5790209CB571}" type="datetimeFigureOut">
               <a:rPr lang="en-US" smtClean="0"/>
-              <a:t>8/8/2019</a:t>
+              <a:t>8/10/2019</a:t>
             </a:fld>
             <a:endParaRPr lang="en-US"/>
           </a:p>
@@ -1007,7 +1007,7 @@
           <a:p>
             <a:fld id="{DFA429E4-E4A0-4FCB-B57B-5790209CB571}" type="datetimeFigureOut">
               <a:rPr lang="en-US" smtClean="0"/>
-              <a:t>8/8/2019</a:t>
+              <a:t>8/10/2019</a:t>
             </a:fld>
             <a:endParaRPr lang="en-US"/>
           </a:p>
@@ -1239,7 +1239,7 @@
           <a:p>
             <a:fld id="{DFA429E4-E4A0-4FCB-B57B-5790209CB571}" type="datetimeFigureOut">
               <a:rPr lang="en-US" smtClean="0"/>
-              <a:t>8/8/2019</a:t>
+              <a:t>8/10/2019</a:t>
             </a:fld>
             <a:endParaRPr lang="en-US"/>
           </a:p>
@@ -1606,7 +1606,7 @@
           <a:p>
             <a:fld id="{DFA429E4-E4A0-4FCB-B57B-5790209CB571}" type="datetimeFigureOut">
               <a:rPr lang="en-US" smtClean="0"/>
-              <a:t>8/8/2019</a:t>
+              <a:t>8/10/2019</a:t>
             </a:fld>
             <a:endParaRPr lang="en-US"/>
           </a:p>
@@ -1724,7 +1724,7 @@
           <a:p>
             <a:fld id="{DFA429E4-E4A0-4FCB-B57B-5790209CB571}" type="datetimeFigureOut">
               <a:rPr lang="en-US" smtClean="0"/>
-              <a:t>8/8/2019</a:t>
+              <a:t>8/10/2019</a:t>
             </a:fld>
             <a:endParaRPr lang="en-US"/>
           </a:p>
@@ -1819,7 +1819,7 @@
           <a:p>
             <a:fld id="{DFA429E4-E4A0-4FCB-B57B-5790209CB571}" type="datetimeFigureOut">
               <a:rPr lang="en-US" smtClean="0"/>
-              <a:t>8/8/2019</a:t>
+              <a:t>8/10/2019</a:t>
             </a:fld>
             <a:endParaRPr lang="en-US"/>
           </a:p>
@@ -2096,7 +2096,7 @@
           <a:p>
             <a:fld id="{DFA429E4-E4A0-4FCB-B57B-5790209CB571}" type="datetimeFigureOut">
               <a:rPr lang="en-US" smtClean="0"/>
-              <a:t>8/8/2019</a:t>
+              <a:t>8/10/2019</a:t>
             </a:fld>
             <a:endParaRPr lang="en-US"/>
           </a:p>
@@ -2353,7 +2353,7 @@
           <a:p>
             <a:fld id="{DFA429E4-E4A0-4FCB-B57B-5790209CB571}" type="datetimeFigureOut">
               <a:rPr lang="en-US" smtClean="0"/>
-              <a:t>8/8/2019</a:t>
+              <a:t>8/10/2019</a:t>
             </a:fld>
             <a:endParaRPr lang="en-US"/>
           </a:p>
@@ -2566,7 +2566,7 @@
           <a:p>
             <a:fld id="{DFA429E4-E4A0-4FCB-B57B-5790209CB571}" type="datetimeFigureOut">
               <a:rPr lang="en-US" smtClean="0"/>
-              <a:t>8/8/2019</a:t>
+              <a:t>8/10/2019</a:t>
             </a:fld>
             <a:endParaRPr lang="en-US"/>
           </a:p>
@@ -2987,8 +2987,8 @@
         </p:nvSpPr>
         <p:spPr bwMode="auto">
           <a:xfrm>
-            <a:off x="2914649" y="2743836"/>
-            <a:ext cx="4295775" cy="3876674"/>
+            <a:off x="2914649" y="2743835"/>
+            <a:ext cx="3516731" cy="4327037"/>
           </a:xfrm>
           <a:prstGeom prst="rect">
             <a:avLst/>
@@ -3119,6 +3119,30 @@
               </a:rPr>
               <a:t>&gt; tags</a:t>
             </a:r>
+          </a:p>
+          <a:p>
+            <a:pPr defTabSz="914400" eaLnBrk="0" fontAlgn="base" hangingPunct="0">
+              <a:spcBef>
+                <a:spcPct val="0"/>
+              </a:spcBef>
+              <a:spcAft>
+                <a:spcPct val="0"/>
+              </a:spcAft>
+            </a:pPr>
+            <a:r>
+              <a:rPr lang="en-US" altLang="en-US" sz="1100" dirty="0">
+                <a:latin typeface="Calibri" panose="020F0502020204030204" pitchFamily="34" charset="0"/>
+                <a:cs typeface="Times New Roman" panose="02020603050405020304" pitchFamily="18" charset="0"/>
+              </a:rPr>
+              <a:t>+ string </a:t>
+            </a:r>
+            <a:r>
+              <a:rPr lang="en-US" altLang="en-US" sz="1100" dirty="0" err="1">
+                <a:latin typeface="Calibri" panose="020F0502020204030204" pitchFamily="34" charset="0"/>
+                <a:cs typeface="Times New Roman" panose="02020603050405020304" pitchFamily="18" charset="0"/>
+              </a:rPr>
+              <a:t>UniqueID</a:t>
+            </a:r>
             <a:endParaRPr lang="en-US" altLang="en-US" sz="800" dirty="0"/>
           </a:p>
           <a:p>
@@ -3164,6 +3188,30 @@
                 <a:cs typeface="Times New Roman" panose="02020603050405020304" pitchFamily="18" charset="0"/>
               </a:rPr>
               <a:t>+ string description</a:t>
+            </a:r>
+          </a:p>
+          <a:p>
+            <a:pPr defTabSz="914400" eaLnBrk="0" fontAlgn="base" hangingPunct="0">
+              <a:spcBef>
+                <a:spcPct val="0"/>
+              </a:spcBef>
+              <a:spcAft>
+                <a:spcPct val="0"/>
+              </a:spcAft>
+            </a:pPr>
+            <a:r>
+              <a:rPr lang="en-US" altLang="en-US" sz="1100" dirty="0">
+                <a:latin typeface="Calibri" panose="020F0502020204030204" pitchFamily="34" charset="0"/>
+                <a:cs typeface="Times New Roman" panose="02020603050405020304" pitchFamily="18" charset="0"/>
+              </a:rPr>
+              <a:t>+ Inventory </a:t>
+            </a:r>
+            <a:r>
+              <a:rPr lang="en-US" altLang="en-US" sz="1100" dirty="0" err="1">
+                <a:latin typeface="Calibri" panose="020F0502020204030204" pitchFamily="34" charset="0"/>
+                <a:cs typeface="Times New Roman" panose="02020603050405020304" pitchFamily="18" charset="0"/>
+              </a:rPr>
+              <a:t>myInventory</a:t>
             </a:r>
             <a:endParaRPr lang="en-US" altLang="en-US" sz="800" dirty="0"/>
           </a:p>
@@ -3493,6 +3541,24 @@
             <a:r>
               <a:rPr lang="en-US" altLang="en-US" sz="1100" dirty="0">
                 <a:latin typeface="Calibri" panose="020F0502020204030204" pitchFamily="34" charset="0"/>
+                <a:ea typeface="Calibri" panose="020F0502020204030204" pitchFamily="34" charset="0"/>
+                <a:cs typeface="Times New Roman" panose="02020603050405020304" pitchFamily="18" charset="0"/>
+              </a:rPr>
+              <a:t>+ void Initialize();</a:t>
+            </a:r>
+          </a:p>
+          <a:p>
+            <a:pPr defTabSz="914400" eaLnBrk="0" fontAlgn="base" hangingPunct="0">
+              <a:spcBef>
+                <a:spcPct val="0"/>
+              </a:spcBef>
+              <a:spcAft>
+                <a:spcPct val="0"/>
+              </a:spcAft>
+            </a:pPr>
+            <a:r>
+              <a:rPr lang="en-US" altLang="en-US" sz="1100" dirty="0">
+                <a:latin typeface="Calibri" panose="020F0502020204030204" pitchFamily="34" charset="0"/>
                 <a:cs typeface="Times New Roman" panose="02020603050405020304" pitchFamily="18" charset="0"/>
               </a:rPr>
               <a:t>+ string </a:t>
@@ -3509,7 +3575,7 @@
                 <a:latin typeface="Calibri" panose="020F0502020204030204" pitchFamily="34" charset="0"/>
                 <a:cs typeface="Times New Roman" panose="02020603050405020304" pitchFamily="18" charset="0"/>
               </a:rPr>
-              <a:t>()</a:t>
+              <a:t>();</a:t>
             </a:r>
           </a:p>
           <a:p>
@@ -3563,7 +3629,7 @@
         <p:spPr bwMode="auto">
           <a:xfrm>
             <a:off x="8172449" y="2556669"/>
-            <a:ext cx="4391025" cy="3683940"/>
+            <a:ext cx="2978151" cy="3683940"/>
           </a:xfrm>
           <a:prstGeom prst="rect">
             <a:avLst/>
@@ -4054,8 +4120,8 @@
         </p:nvCxnSpPr>
         <p:spPr>
           <a:xfrm flipV="1">
-            <a:off x="7210424" y="4398639"/>
-            <a:ext cx="962025" cy="283534"/>
+            <a:off x="6431380" y="4398639"/>
+            <a:ext cx="1741069" cy="508715"/>
           </a:xfrm>
           <a:prstGeom prst="bentConnector3">
             <a:avLst/>
@@ -4097,12 +4163,12 @@
         </p:nvCxnSpPr>
         <p:spPr>
           <a:xfrm>
-            <a:off x="12563474" y="4398639"/>
-            <a:ext cx="1983568" cy="2137245"/>
+            <a:off x="11150600" y="4398639"/>
+            <a:ext cx="3396442" cy="2137245"/>
           </a:xfrm>
           <a:prstGeom prst="bentConnector3">
             <a:avLst>
-              <a:gd name="adj1" fmla="val 16386"/>
+              <a:gd name="adj1" fmla="val 32800"/>
             </a:avLst>
           </a:prstGeom>
           <a:ln>
@@ -4142,12 +4208,12 @@
         </p:nvCxnSpPr>
         <p:spPr>
           <a:xfrm flipV="1">
-            <a:off x="12563474" y="1971999"/>
-            <a:ext cx="1982564" cy="2426640"/>
+            <a:off x="11150600" y="1971999"/>
+            <a:ext cx="3395438" cy="2426640"/>
           </a:xfrm>
           <a:prstGeom prst="bentConnector3">
             <a:avLst>
-              <a:gd name="adj1" fmla="val 16369"/>
+              <a:gd name="adj1" fmla="val 32421"/>
             </a:avLst>
           </a:prstGeom>
           <a:ln>
@@ -4187,8 +4253,8 @@
         </p:nvCxnSpPr>
         <p:spPr>
           <a:xfrm rot="16200000" flipH="1">
-            <a:off x="9932911" y="6675660"/>
-            <a:ext cx="1541465" cy="671362"/>
+            <a:off x="9579692" y="6322441"/>
+            <a:ext cx="1541465" cy="1377799"/>
           </a:xfrm>
           <a:prstGeom prst="bentConnector3">
             <a:avLst>
@@ -4381,8 +4447,8 @@
         </p:nvCxnSpPr>
         <p:spPr>
           <a:xfrm rot="5400000">
-            <a:off x="2614040" y="5128659"/>
-            <a:ext cx="956647" cy="3940348"/>
+            <a:off x="2644460" y="5548601"/>
+            <a:ext cx="506285" cy="3550826"/>
           </a:xfrm>
           <a:prstGeom prst="bentConnector3">
             <a:avLst/>
@@ -4424,8 +4490,8 @@
         </p:nvCxnSpPr>
         <p:spPr>
           <a:xfrm rot="5400000">
-            <a:off x="3175881" y="5685756"/>
-            <a:ext cx="951903" cy="2821411"/>
+            <a:off x="3206301" y="6105698"/>
+            <a:ext cx="501541" cy="2431889"/>
           </a:xfrm>
           <a:prstGeom prst="bentConnector3">
             <a:avLst>
@@ -4469,8 +4535,8 @@
         </p:nvCxnSpPr>
         <p:spPr>
           <a:xfrm rot="5400000">
-            <a:off x="3813004" y="6313393"/>
-            <a:ext cx="942416" cy="1556651"/>
+            <a:off x="3843424" y="6733335"/>
+            <a:ext cx="492054" cy="1167129"/>
           </a:xfrm>
           <a:prstGeom prst="bentConnector3">
             <a:avLst>
@@ -5358,8 +5424,8 @@
         </p:nvCxnSpPr>
         <p:spPr>
           <a:xfrm rot="16200000" flipH="1">
-            <a:off x="5154423" y="6528623"/>
-            <a:ext cx="951903" cy="1135675"/>
+            <a:off x="5184843" y="6559043"/>
+            <a:ext cx="501541" cy="1525197"/>
           </a:xfrm>
           <a:prstGeom prst="bentConnector3">
             <a:avLst>
@@ -5627,8 +5693,8 @@
         </p:nvCxnSpPr>
         <p:spPr>
           <a:xfrm rot="16200000" flipH="1">
-            <a:off x="609611" y="2377134"/>
-            <a:ext cx="3190595" cy="1419481"/>
+            <a:off x="497020" y="2489725"/>
+            <a:ext cx="3415776" cy="1419481"/>
           </a:xfrm>
           <a:prstGeom prst="bentConnector2">
             <a:avLst/>

--- a/Class Diagram.pptx
+++ b/Class Diagram.pptx
@@ -243,7 +243,7 @@
           <a:p>
             <a:fld id="{DFA429E4-E4A0-4FCB-B57B-5790209CB571}" type="datetimeFigureOut">
               <a:rPr lang="en-US" smtClean="0"/>
-              <a:t>8/10/2019</a:t>
+              <a:t>8/13/2019</a:t>
             </a:fld>
             <a:endParaRPr lang="en-US"/>
           </a:p>
@@ -413,7 +413,7 @@
           <a:p>
             <a:fld id="{DFA429E4-E4A0-4FCB-B57B-5790209CB571}" type="datetimeFigureOut">
               <a:rPr lang="en-US" smtClean="0"/>
-              <a:t>8/10/2019</a:t>
+              <a:t>8/13/2019</a:t>
             </a:fld>
             <a:endParaRPr lang="en-US"/>
           </a:p>
@@ -593,7 +593,7 @@
           <a:p>
             <a:fld id="{DFA429E4-E4A0-4FCB-B57B-5790209CB571}" type="datetimeFigureOut">
               <a:rPr lang="en-US" smtClean="0"/>
-              <a:t>8/10/2019</a:t>
+              <a:t>8/13/2019</a:t>
             </a:fld>
             <a:endParaRPr lang="en-US"/>
           </a:p>
@@ -763,7 +763,7 @@
           <a:p>
             <a:fld id="{DFA429E4-E4A0-4FCB-B57B-5790209CB571}" type="datetimeFigureOut">
               <a:rPr lang="en-US" smtClean="0"/>
-              <a:t>8/10/2019</a:t>
+              <a:t>8/13/2019</a:t>
             </a:fld>
             <a:endParaRPr lang="en-US"/>
           </a:p>
@@ -1007,7 +1007,7 @@
           <a:p>
             <a:fld id="{DFA429E4-E4A0-4FCB-B57B-5790209CB571}" type="datetimeFigureOut">
               <a:rPr lang="en-US" smtClean="0"/>
-              <a:t>8/10/2019</a:t>
+              <a:t>8/13/2019</a:t>
             </a:fld>
             <a:endParaRPr lang="en-US"/>
           </a:p>
@@ -1239,7 +1239,7 @@
           <a:p>
             <a:fld id="{DFA429E4-E4A0-4FCB-B57B-5790209CB571}" type="datetimeFigureOut">
               <a:rPr lang="en-US" smtClean="0"/>
-              <a:t>8/10/2019</a:t>
+              <a:t>8/13/2019</a:t>
             </a:fld>
             <a:endParaRPr lang="en-US"/>
           </a:p>
@@ -1606,7 +1606,7 @@
           <a:p>
             <a:fld id="{DFA429E4-E4A0-4FCB-B57B-5790209CB571}" type="datetimeFigureOut">
               <a:rPr lang="en-US" smtClean="0"/>
-              <a:t>8/10/2019</a:t>
+              <a:t>8/13/2019</a:t>
             </a:fld>
             <a:endParaRPr lang="en-US"/>
           </a:p>
@@ -1724,7 +1724,7 @@
           <a:p>
             <a:fld id="{DFA429E4-E4A0-4FCB-B57B-5790209CB571}" type="datetimeFigureOut">
               <a:rPr lang="en-US" smtClean="0"/>
-              <a:t>8/10/2019</a:t>
+              <a:t>8/13/2019</a:t>
             </a:fld>
             <a:endParaRPr lang="en-US"/>
           </a:p>
@@ -1819,7 +1819,7 @@
           <a:p>
             <a:fld id="{DFA429E4-E4A0-4FCB-B57B-5790209CB571}" type="datetimeFigureOut">
               <a:rPr lang="en-US" smtClean="0"/>
-              <a:t>8/10/2019</a:t>
+              <a:t>8/13/2019</a:t>
             </a:fld>
             <a:endParaRPr lang="en-US"/>
           </a:p>
@@ -2096,7 +2096,7 @@
           <a:p>
             <a:fld id="{DFA429E4-E4A0-4FCB-B57B-5790209CB571}" type="datetimeFigureOut">
               <a:rPr lang="en-US" smtClean="0"/>
-              <a:t>8/10/2019</a:t>
+              <a:t>8/13/2019</a:t>
             </a:fld>
             <a:endParaRPr lang="en-US"/>
           </a:p>
@@ -2353,7 +2353,7 @@
           <a:p>
             <a:fld id="{DFA429E4-E4A0-4FCB-B57B-5790209CB571}" type="datetimeFigureOut">
               <a:rPr lang="en-US" smtClean="0"/>
-              <a:t>8/10/2019</a:t>
+              <a:t>8/13/2019</a:t>
             </a:fld>
             <a:endParaRPr lang="en-US"/>
           </a:p>
@@ -2566,7 +2566,7 @@
           <a:p>
             <a:fld id="{DFA429E4-E4A0-4FCB-B57B-5790209CB571}" type="datetimeFigureOut">
               <a:rPr lang="en-US" smtClean="0"/>
-              <a:t>8/10/2019</a:t>
+              <a:t>8/13/2019</a:t>
             </a:fld>
             <a:endParaRPr lang="en-US"/>
           </a:p>
@@ -2987,8 +2987,8 @@
         </p:nvSpPr>
         <p:spPr bwMode="auto">
           <a:xfrm>
-            <a:off x="2914649" y="2743835"/>
-            <a:ext cx="3516731" cy="4327037"/>
+            <a:off x="1691640" y="2743835"/>
+            <a:ext cx="4133593" cy="4857116"/>
           </a:xfrm>
           <a:prstGeom prst="rect">
             <a:avLst/>
@@ -3022,7 +3022,10 @@
               </a:spcAft>
             </a:pPr>
             <a:r>
-              <a:rPr lang="en-US" altLang="en-US" sz="1100" dirty="0">
+              <a:rPr lang="en-US" altLang="en-US" sz="1100" i="1" dirty="0">
+                <a:highlight>
+                  <a:srgbClr val="00FF00"/>
+                </a:highlight>
                 <a:latin typeface="Calibri" panose="020F0502020204030204" pitchFamily="34" charset="0"/>
                 <a:ea typeface="Calibri" panose="020F0502020204030204" pitchFamily="34" charset="0"/>
                 <a:cs typeface="Times New Roman" panose="02020603050405020304" pitchFamily="18" charset="0"/>
@@ -3041,23 +3044,29 @@
             </a:pPr>
             <a:r>
               <a:rPr lang="en-US" altLang="en-US" sz="1100" dirty="0">
-                <a:latin typeface="Calibri" panose="020F0502020204030204" pitchFamily="34" charset="0"/>
-                <a:cs typeface="Times New Roman" panose="02020603050405020304" pitchFamily="18" charset="0"/>
-              </a:rPr>
-              <a:t>---------------------------------------------</a:t>
-            </a:r>
-          </a:p>
-          <a:p>
-            <a:pPr defTabSz="914400" eaLnBrk="0" fontAlgn="base" hangingPunct="0">
-              <a:spcBef>
-                <a:spcPct val="0"/>
-              </a:spcBef>
-              <a:spcAft>
-                <a:spcPct val="0"/>
-              </a:spcAft>
-            </a:pPr>
-            <a:r>
-              <a:rPr lang="en-US" altLang="en-US" sz="1100" dirty="0">
+                <a:highlight>
+                  <a:srgbClr val="00FF00"/>
+                </a:highlight>
+                <a:latin typeface="Calibri" panose="020F0502020204030204" pitchFamily="34" charset="0"/>
+                <a:cs typeface="Times New Roman" panose="02020603050405020304" pitchFamily="18" charset="0"/>
+              </a:rPr>
+              <a:t>--------------------------------------------------------------------------------------------</a:t>
+            </a:r>
+          </a:p>
+          <a:p>
+            <a:pPr defTabSz="914400" eaLnBrk="0" fontAlgn="base" hangingPunct="0">
+              <a:spcBef>
+                <a:spcPct val="0"/>
+              </a:spcBef>
+              <a:spcAft>
+                <a:spcPct val="0"/>
+              </a:spcAft>
+            </a:pPr>
+            <a:r>
+              <a:rPr lang="en-US" altLang="en-US" sz="1100" dirty="0">
+                <a:highlight>
+                  <a:srgbClr val="00FF00"/>
+                </a:highlight>
                 <a:latin typeface="Calibri" panose="020F0502020204030204" pitchFamily="34" charset="0"/>
                 <a:cs typeface="Times New Roman" panose="02020603050405020304" pitchFamily="18" charset="0"/>
               </a:rPr>
@@ -3065,6 +3074,29 @@
             </a:r>
             <a:r>
               <a:rPr lang="en-US" altLang="en-US" sz="1100" dirty="0" err="1">
+                <a:highlight>
+                  <a:srgbClr val="00FF00"/>
+                </a:highlight>
+                <a:latin typeface="Calibri" panose="020F0502020204030204" pitchFamily="34" charset="0"/>
+                <a:cs typeface="Times New Roman" panose="02020603050405020304" pitchFamily="18" charset="0"/>
+              </a:rPr>
+              <a:t>TagEnum</a:t>
+            </a:r>
+            <a:r>
+              <a:rPr lang="en-US" altLang="en-US" sz="1100" dirty="0">
+                <a:highlight>
+                  <a:srgbClr val="00FF00"/>
+                </a:highlight>
+                <a:latin typeface="Calibri" panose="020F0502020204030204" pitchFamily="34" charset="0"/>
+                <a:cs typeface="Times New Roman" panose="02020603050405020304" pitchFamily="18" charset="0"/>
+              </a:rPr>
+              <a:t> : </a:t>
+            </a:r>
+            <a:r>
+              <a:rPr lang="en-US" altLang="en-US" sz="1100" dirty="0" err="1">
+                <a:highlight>
+                  <a:srgbClr val="00FF00"/>
+                </a:highlight>
                 <a:latin typeface="Calibri" panose="020F0502020204030204" pitchFamily="34" charset="0"/>
                 <a:cs typeface="Times New Roman" panose="02020603050405020304" pitchFamily="18" charset="0"/>
               </a:rPr>
@@ -3072,229 +3104,182 @@
             </a:r>
             <a:r>
               <a:rPr lang="en-US" altLang="en-US" sz="1100" dirty="0">
+                <a:highlight>
+                  <a:srgbClr val="00FF00"/>
+                </a:highlight>
                 <a:latin typeface="Calibri" panose="020F0502020204030204" pitchFamily="34" charset="0"/>
                 <a:cs typeface="Times New Roman" panose="02020603050405020304" pitchFamily="18" charset="0"/>
               </a:rPr>
               <a:t> </a:t>
             </a:r>
+          </a:p>
+          <a:p>
+            <a:pPr defTabSz="914400" eaLnBrk="0" fontAlgn="base" hangingPunct="0">
+              <a:spcBef>
+                <a:spcPct val="0"/>
+              </a:spcBef>
+              <a:spcAft>
+                <a:spcPct val="0"/>
+              </a:spcAft>
+            </a:pPr>
+            <a:r>
+              <a:rPr lang="en-US" altLang="en-US" sz="1100" dirty="0">
+                <a:highlight>
+                  <a:srgbClr val="00FF00"/>
+                </a:highlight>
+                <a:latin typeface="Calibri" panose="020F0502020204030204" pitchFamily="34" charset="0"/>
+                <a:cs typeface="Times New Roman" panose="02020603050405020304" pitchFamily="18" charset="0"/>
+              </a:rPr>
+              <a:t>+ tags : List&lt;</a:t>
+            </a:r>
             <a:r>
               <a:rPr lang="en-US" altLang="en-US" sz="1100" dirty="0" err="1">
+                <a:highlight>
+                  <a:srgbClr val="00FF00"/>
+                </a:highlight>
                 <a:latin typeface="Calibri" panose="020F0502020204030204" pitchFamily="34" charset="0"/>
                 <a:cs typeface="Times New Roman" panose="02020603050405020304" pitchFamily="18" charset="0"/>
               </a:rPr>
               <a:t>TagEnum</a:t>
             </a:r>
+            <a:r>
+              <a:rPr lang="en-US" altLang="en-US" sz="1100" dirty="0">
+                <a:highlight>
+                  <a:srgbClr val="00FF00"/>
+                </a:highlight>
+                <a:latin typeface="Calibri" panose="020F0502020204030204" pitchFamily="34" charset="0"/>
+                <a:cs typeface="Times New Roman" panose="02020603050405020304" pitchFamily="18" charset="0"/>
+              </a:rPr>
+              <a:t>&gt;</a:t>
+            </a:r>
+          </a:p>
+          <a:p>
+            <a:pPr defTabSz="914400" eaLnBrk="0" fontAlgn="base" hangingPunct="0">
+              <a:spcBef>
+                <a:spcPct val="0"/>
+              </a:spcBef>
+              <a:spcAft>
+                <a:spcPct val="0"/>
+              </a:spcAft>
+            </a:pPr>
+            <a:r>
+              <a:rPr lang="en-US" altLang="en-US" sz="1100" dirty="0">
+                <a:highlight>
+                  <a:srgbClr val="00FF00"/>
+                </a:highlight>
+                <a:latin typeface="Calibri" panose="020F0502020204030204" pitchFamily="34" charset="0"/>
+                <a:cs typeface="Times New Roman" panose="02020603050405020304" pitchFamily="18" charset="0"/>
+              </a:rPr>
+              <a:t>+ </a:t>
+            </a:r>
+            <a:r>
+              <a:rPr lang="en-US" altLang="en-US" sz="1100" dirty="0" err="1">
+                <a:highlight>
+                  <a:srgbClr val="00FF00"/>
+                </a:highlight>
+                <a:latin typeface="Calibri" panose="020F0502020204030204" pitchFamily="34" charset="0"/>
+                <a:cs typeface="Times New Roman" panose="02020603050405020304" pitchFamily="18" charset="0"/>
+              </a:rPr>
+              <a:t>UniqueID</a:t>
+            </a:r>
+            <a:r>
+              <a:rPr lang="en-US" altLang="en-US" sz="1100" dirty="0">
+                <a:highlight>
+                  <a:srgbClr val="00FF00"/>
+                </a:highlight>
+                <a:latin typeface="Calibri" panose="020F0502020204030204" pitchFamily="34" charset="0"/>
+                <a:cs typeface="Times New Roman" panose="02020603050405020304" pitchFamily="18" charset="0"/>
+              </a:rPr>
+              <a:t> : string </a:t>
+            </a:r>
+            <a:endParaRPr lang="en-US" altLang="en-US" sz="800" dirty="0">
+              <a:highlight>
+                <a:srgbClr val="00FF00"/>
+              </a:highlight>
+            </a:endParaRPr>
+          </a:p>
+          <a:p>
+            <a:pPr defTabSz="914400" eaLnBrk="0" fontAlgn="base" hangingPunct="0">
+              <a:spcBef>
+                <a:spcPct val="0"/>
+              </a:spcBef>
+              <a:spcAft>
+                <a:spcPct val="0"/>
+              </a:spcAft>
+            </a:pPr>
+            <a:r>
+              <a:rPr lang="en-US" altLang="en-US" sz="1100" dirty="0">
+                <a:highlight>
+                  <a:srgbClr val="00FF00"/>
+                </a:highlight>
+                <a:latin typeface="Calibri" panose="020F0502020204030204" pitchFamily="34" charset="0"/>
+                <a:ea typeface="Calibri" panose="020F0502020204030204" pitchFamily="34" charset="0"/>
+                <a:cs typeface="Times New Roman" panose="02020603050405020304" pitchFamily="18" charset="0"/>
+              </a:rPr>
+              <a:t>+ </a:t>
+            </a:r>
+            <a:r>
+              <a:rPr lang="en-US" altLang="en-US" sz="1100" dirty="0" err="1">
+                <a:highlight>
+                  <a:srgbClr val="00FF00"/>
+                </a:highlight>
+                <a:latin typeface="Calibri" panose="020F0502020204030204" pitchFamily="34" charset="0"/>
+                <a:ea typeface="Calibri" panose="020F0502020204030204" pitchFamily="34" charset="0"/>
+                <a:cs typeface="Times New Roman" panose="02020603050405020304" pitchFamily="18" charset="0"/>
+              </a:rPr>
+              <a:t>objectName</a:t>
+            </a:r>
+            <a:r>
+              <a:rPr lang="en-US" altLang="en-US" sz="1100" dirty="0">
+                <a:highlight>
+                  <a:srgbClr val="00FF00"/>
+                </a:highlight>
+                <a:latin typeface="Calibri" panose="020F0502020204030204" pitchFamily="34" charset="0"/>
+                <a:ea typeface="Calibri" panose="020F0502020204030204" pitchFamily="34" charset="0"/>
+                <a:cs typeface="Times New Roman" panose="02020603050405020304" pitchFamily="18" charset="0"/>
+              </a:rPr>
+              <a:t> : string </a:t>
+            </a:r>
+            <a:endParaRPr lang="en-US" altLang="en-US" sz="800" dirty="0">
+              <a:highlight>
+                <a:srgbClr val="00FF00"/>
+              </a:highlight>
+            </a:endParaRPr>
+          </a:p>
+          <a:p>
+            <a:pPr defTabSz="914400" eaLnBrk="0" fontAlgn="base" hangingPunct="0">
+              <a:spcBef>
+                <a:spcPct val="0"/>
+              </a:spcBef>
+              <a:spcAft>
+                <a:spcPct val="0"/>
+              </a:spcAft>
+            </a:pPr>
+            <a:r>
+              <a:rPr lang="en-US" altLang="en-US" sz="1100" dirty="0">
+                <a:highlight>
+                  <a:srgbClr val="00FF00"/>
+                </a:highlight>
+                <a:latin typeface="Calibri" panose="020F0502020204030204" pitchFamily="34" charset="0"/>
+                <a:ea typeface="Calibri" panose="020F0502020204030204" pitchFamily="34" charset="0"/>
+                <a:cs typeface="Times New Roman" panose="02020603050405020304" pitchFamily="18" charset="0"/>
+              </a:rPr>
+              <a:t>+ description</a:t>
+            </a:r>
+            <a:r>
+              <a:rPr lang="en-US" altLang="en-US" sz="1100" dirty="0">
+                <a:highlight>
+                  <a:srgbClr val="00FF00"/>
+                </a:highlight>
+                <a:latin typeface="Calibri" panose="020F0502020204030204" pitchFamily="34" charset="0"/>
+                <a:cs typeface="Times New Roman" panose="02020603050405020304" pitchFamily="18" charset="0"/>
+              </a:rPr>
+              <a:t> : string </a:t>
+            </a:r>
             <a:endParaRPr lang="en-US" altLang="en-US" sz="1100" dirty="0">
-              <a:latin typeface="Calibri" panose="020F0502020204030204" pitchFamily="34" charset="0"/>
-              <a:cs typeface="Times New Roman" panose="02020603050405020304" pitchFamily="18" charset="0"/>
-            </a:endParaRPr>
-          </a:p>
-          <a:p>
-            <a:pPr defTabSz="914400" eaLnBrk="0" fontAlgn="base" hangingPunct="0">
-              <a:spcBef>
-                <a:spcPct val="0"/>
-              </a:spcBef>
-              <a:spcAft>
-                <a:spcPct val="0"/>
-              </a:spcAft>
-            </a:pPr>
-            <a:r>
-              <a:rPr lang="en-US" altLang="en-US" sz="1100" dirty="0">
-                <a:latin typeface="Calibri" panose="020F0502020204030204" pitchFamily="34" charset="0"/>
-                <a:cs typeface="Times New Roman" panose="02020603050405020304" pitchFamily="18" charset="0"/>
-              </a:rPr>
-              <a:t>+ List&lt;</a:t>
-            </a:r>
-            <a:r>
-              <a:rPr lang="en-US" altLang="en-US" sz="1100" dirty="0" err="1">
-                <a:latin typeface="Calibri" panose="020F0502020204030204" pitchFamily="34" charset="0"/>
-                <a:cs typeface="Times New Roman" panose="02020603050405020304" pitchFamily="18" charset="0"/>
-              </a:rPr>
-              <a:t>TagEnum</a:t>
-            </a:r>
-            <a:r>
-              <a:rPr lang="en-US" altLang="en-US" sz="1100" dirty="0">
-                <a:latin typeface="Calibri" panose="020F0502020204030204" pitchFamily="34" charset="0"/>
-                <a:cs typeface="Times New Roman" panose="02020603050405020304" pitchFamily="18" charset="0"/>
-              </a:rPr>
-              <a:t>&gt; tags</a:t>
-            </a:r>
-          </a:p>
-          <a:p>
-            <a:pPr defTabSz="914400" eaLnBrk="0" fontAlgn="base" hangingPunct="0">
-              <a:spcBef>
-                <a:spcPct val="0"/>
-              </a:spcBef>
-              <a:spcAft>
-                <a:spcPct val="0"/>
-              </a:spcAft>
-            </a:pPr>
-            <a:r>
-              <a:rPr lang="en-US" altLang="en-US" sz="1100" dirty="0">
-                <a:latin typeface="Calibri" panose="020F0502020204030204" pitchFamily="34" charset="0"/>
-                <a:cs typeface="Times New Roman" panose="02020603050405020304" pitchFamily="18" charset="0"/>
-              </a:rPr>
-              <a:t>+ string </a:t>
-            </a:r>
-            <a:r>
-              <a:rPr lang="en-US" altLang="en-US" sz="1100" dirty="0" err="1">
-                <a:latin typeface="Calibri" panose="020F0502020204030204" pitchFamily="34" charset="0"/>
-                <a:cs typeface="Times New Roman" panose="02020603050405020304" pitchFamily="18" charset="0"/>
-              </a:rPr>
-              <a:t>UniqueID</a:t>
-            </a:r>
-            <a:endParaRPr lang="en-US" altLang="en-US" sz="800" dirty="0"/>
-          </a:p>
-          <a:p>
-            <a:pPr defTabSz="914400" eaLnBrk="0" fontAlgn="base" hangingPunct="0">
-              <a:spcBef>
-                <a:spcPct val="0"/>
-              </a:spcBef>
-              <a:spcAft>
-                <a:spcPct val="0"/>
-              </a:spcAft>
-            </a:pPr>
-            <a:r>
-              <a:rPr lang="en-US" altLang="en-US" sz="1100" dirty="0">
-                <a:latin typeface="Calibri" panose="020F0502020204030204" pitchFamily="34" charset="0"/>
-                <a:ea typeface="Calibri" panose="020F0502020204030204" pitchFamily="34" charset="0"/>
-                <a:cs typeface="Times New Roman" panose="02020603050405020304" pitchFamily="18" charset="0"/>
-              </a:rPr>
-              <a:t>+ string </a:t>
-            </a:r>
-            <a:r>
-              <a:rPr lang="en-US" altLang="en-US" sz="1100" dirty="0" err="1">
-                <a:latin typeface="Calibri" panose="020F0502020204030204" pitchFamily="34" charset="0"/>
-                <a:ea typeface="Calibri" panose="020F0502020204030204" pitchFamily="34" charset="0"/>
-                <a:cs typeface="Times New Roman" panose="02020603050405020304" pitchFamily="18" charset="0"/>
-              </a:rPr>
-              <a:t>objectName</a:t>
-            </a:r>
-            <a:endParaRPr lang="en-US" altLang="en-US" sz="800" dirty="0"/>
-          </a:p>
-          <a:p>
-            <a:pPr defTabSz="914400" eaLnBrk="0" fontAlgn="base" hangingPunct="0">
-              <a:spcBef>
-                <a:spcPct val="0"/>
-              </a:spcBef>
-              <a:spcAft>
-                <a:spcPct val="0"/>
-              </a:spcAft>
-            </a:pPr>
-            <a:r>
-              <a:rPr lang="en-US" altLang="en-US" sz="1100" dirty="0">
-                <a:latin typeface="Calibri" panose="020F0502020204030204" pitchFamily="34" charset="0"/>
-                <a:ea typeface="Calibri" panose="020F0502020204030204" pitchFamily="34" charset="0"/>
-                <a:cs typeface="Times New Roman" panose="02020603050405020304" pitchFamily="18" charset="0"/>
-              </a:rPr>
-              <a:t>+ string description</a:t>
-            </a:r>
-          </a:p>
-          <a:p>
-            <a:pPr defTabSz="914400" eaLnBrk="0" fontAlgn="base" hangingPunct="0">
-              <a:spcBef>
-                <a:spcPct val="0"/>
-              </a:spcBef>
-              <a:spcAft>
-                <a:spcPct val="0"/>
-              </a:spcAft>
-            </a:pPr>
-            <a:r>
-              <a:rPr lang="en-US" altLang="en-US" sz="1100" dirty="0">
-                <a:latin typeface="Calibri" panose="020F0502020204030204" pitchFamily="34" charset="0"/>
-                <a:cs typeface="Times New Roman" panose="02020603050405020304" pitchFamily="18" charset="0"/>
-              </a:rPr>
-              <a:t>+ Inventory </a:t>
-            </a:r>
-            <a:r>
-              <a:rPr lang="en-US" altLang="en-US" sz="1100" dirty="0" err="1">
-                <a:latin typeface="Calibri" panose="020F0502020204030204" pitchFamily="34" charset="0"/>
-                <a:cs typeface="Times New Roman" panose="02020603050405020304" pitchFamily="18" charset="0"/>
-              </a:rPr>
-              <a:t>myInventory</a:t>
-            </a:r>
-            <a:endParaRPr lang="en-US" altLang="en-US" sz="800" dirty="0"/>
-          </a:p>
-          <a:p>
-            <a:pPr defTabSz="914400" eaLnBrk="0" fontAlgn="base" hangingPunct="0">
-              <a:spcBef>
-                <a:spcPct val="0"/>
-              </a:spcBef>
-              <a:spcAft>
-                <a:spcPct val="0"/>
-              </a:spcAft>
-            </a:pPr>
-            <a:r>
-              <a:rPr lang="en-US" altLang="en-US" sz="1100" dirty="0">
-                <a:latin typeface="Calibri" panose="020F0502020204030204" pitchFamily="34" charset="0"/>
-                <a:ea typeface="Calibri" panose="020F0502020204030204" pitchFamily="34" charset="0"/>
-                <a:cs typeface="Times New Roman" panose="02020603050405020304" pitchFamily="18" charset="0"/>
-              </a:rPr>
-              <a:t>+ int </a:t>
-            </a:r>
-            <a:r>
-              <a:rPr lang="en-US" altLang="en-US" sz="1100" dirty="0" err="1">
-                <a:latin typeface="Calibri" panose="020F0502020204030204" pitchFamily="34" charset="0"/>
-                <a:ea typeface="Calibri" panose="020F0502020204030204" pitchFamily="34" charset="0"/>
-                <a:cs typeface="Times New Roman" panose="02020603050405020304" pitchFamily="18" charset="0"/>
-              </a:rPr>
-              <a:t>stackSize</a:t>
-            </a:r>
-            <a:endParaRPr lang="en-US" altLang="en-US" sz="800" dirty="0"/>
-          </a:p>
-          <a:p>
-            <a:pPr defTabSz="914400" eaLnBrk="0" fontAlgn="base" hangingPunct="0">
-              <a:spcBef>
-                <a:spcPct val="0"/>
-              </a:spcBef>
-              <a:spcAft>
-                <a:spcPct val="0"/>
-              </a:spcAft>
-            </a:pPr>
-            <a:r>
-              <a:rPr lang="en-US" altLang="en-US" sz="1100" dirty="0">
-                <a:latin typeface="Calibri" panose="020F0502020204030204" pitchFamily="34" charset="0"/>
-                <a:ea typeface="Calibri" panose="020F0502020204030204" pitchFamily="34" charset="0"/>
-                <a:cs typeface="Times New Roman" panose="02020603050405020304" pitchFamily="18" charset="0"/>
-              </a:rPr>
-              <a:t>+ int </a:t>
-            </a:r>
-            <a:r>
-              <a:rPr lang="en-US" altLang="en-US" sz="1100" dirty="0" err="1">
-                <a:latin typeface="Calibri" panose="020F0502020204030204" pitchFamily="34" charset="0"/>
-                <a:ea typeface="Calibri" panose="020F0502020204030204" pitchFamily="34" charset="0"/>
-                <a:cs typeface="Times New Roman" panose="02020603050405020304" pitchFamily="18" charset="0"/>
-              </a:rPr>
-              <a:t>maxStackSize</a:t>
-            </a:r>
-            <a:endParaRPr lang="en-US" altLang="en-US" sz="800" dirty="0"/>
-          </a:p>
-          <a:p>
-            <a:pPr defTabSz="914400" eaLnBrk="0" fontAlgn="base" hangingPunct="0">
-              <a:spcBef>
-                <a:spcPct val="0"/>
-              </a:spcBef>
-              <a:spcAft>
-                <a:spcPct val="0"/>
-              </a:spcAft>
-            </a:pPr>
-            <a:r>
-              <a:rPr lang="en-US" altLang="en-US" sz="1100" dirty="0">
-                <a:latin typeface="Calibri" panose="020F0502020204030204" pitchFamily="34" charset="0"/>
-                <a:ea typeface="Calibri" panose="020F0502020204030204" pitchFamily="34" charset="0"/>
-                <a:cs typeface="Times New Roman" panose="02020603050405020304" pitchFamily="18" charset="0"/>
-              </a:rPr>
-              <a:t>+ int </a:t>
-            </a:r>
-            <a:r>
-              <a:rPr lang="en-US" altLang="en-US" sz="1100" dirty="0" err="1">
-                <a:latin typeface="Calibri" panose="020F0502020204030204" pitchFamily="34" charset="0"/>
-                <a:ea typeface="Calibri" panose="020F0502020204030204" pitchFamily="34" charset="0"/>
-                <a:cs typeface="Times New Roman" panose="02020603050405020304" pitchFamily="18" charset="0"/>
-              </a:rPr>
-              <a:t>goldValue</a:t>
-            </a:r>
-            <a:endParaRPr lang="en-US" altLang="en-US" sz="1100" dirty="0">
+              <a:highlight>
+                <a:srgbClr val="00FF00"/>
+              </a:highlight>
               <a:latin typeface="Calibri" panose="020F0502020204030204" pitchFamily="34" charset="0"/>
               <a:ea typeface="Calibri" panose="020F0502020204030204" pitchFamily="34" charset="0"/>
               <a:cs typeface="Times New Roman" panose="02020603050405020304" pitchFamily="18" charset="0"/>
@@ -3311,57 +3296,415 @@
             </a:pPr>
             <a:r>
               <a:rPr lang="en-US" altLang="en-US" sz="1100" dirty="0">
+                <a:highlight>
+                  <a:srgbClr val="00FF00"/>
+                </a:highlight>
+                <a:latin typeface="Calibri" panose="020F0502020204030204" pitchFamily="34" charset="0"/>
+                <a:cs typeface="Times New Roman" panose="02020603050405020304" pitchFamily="18" charset="0"/>
+              </a:rPr>
+              <a:t>+ </a:t>
+            </a:r>
+            <a:r>
+              <a:rPr lang="en-US" altLang="en-US" sz="1100" dirty="0" err="1">
+                <a:highlight>
+                  <a:srgbClr val="00FF00"/>
+                </a:highlight>
+                <a:latin typeface="Calibri" panose="020F0502020204030204" pitchFamily="34" charset="0"/>
+                <a:cs typeface="Times New Roman" panose="02020603050405020304" pitchFamily="18" charset="0"/>
+              </a:rPr>
+              <a:t>myInventory</a:t>
+            </a:r>
+            <a:r>
+              <a:rPr lang="en-US" altLang="en-US" sz="1100" dirty="0">
+                <a:highlight>
+                  <a:srgbClr val="00FF00"/>
+                </a:highlight>
+                <a:latin typeface="Calibri" panose="020F0502020204030204" pitchFamily="34" charset="0"/>
+                <a:cs typeface="Times New Roman" panose="02020603050405020304" pitchFamily="18" charset="0"/>
+              </a:rPr>
+              <a:t> : Inventory</a:t>
+            </a:r>
+            <a:endParaRPr lang="en-US" altLang="en-US" sz="800" dirty="0">
+              <a:highlight>
+                <a:srgbClr val="00FF00"/>
+              </a:highlight>
+            </a:endParaRPr>
+          </a:p>
+          <a:p>
+            <a:pPr defTabSz="914400" eaLnBrk="0" fontAlgn="base" hangingPunct="0">
+              <a:spcBef>
+                <a:spcPct val="0"/>
+              </a:spcBef>
+              <a:spcAft>
+                <a:spcPct val="0"/>
+              </a:spcAft>
+            </a:pPr>
+            <a:r>
+              <a:rPr lang="en-US" altLang="en-US" sz="1100" dirty="0">
+                <a:highlight>
+                  <a:srgbClr val="00FF00"/>
+                </a:highlight>
                 <a:latin typeface="Calibri" panose="020F0502020204030204" pitchFamily="34" charset="0"/>
                 <a:ea typeface="Calibri" panose="020F0502020204030204" pitchFamily="34" charset="0"/>
                 <a:cs typeface="Times New Roman" panose="02020603050405020304" pitchFamily="18" charset="0"/>
               </a:rPr>
-              <a:t>+ int weight</a:t>
-            </a:r>
-          </a:p>
-          <a:p>
-            <a:pPr defTabSz="914400" eaLnBrk="0" fontAlgn="base" hangingPunct="0">
-              <a:spcBef>
-                <a:spcPct val="0"/>
-              </a:spcBef>
-              <a:spcAft>
-                <a:spcPct val="0"/>
-              </a:spcAft>
-            </a:pPr>
-            <a:r>
-              <a:rPr lang="en-US" altLang="en-US" sz="1100" dirty="0">
+              <a:t>+ </a:t>
+            </a:r>
+            <a:r>
+              <a:rPr lang="en-US" altLang="en-US" sz="1100" dirty="0" err="1">
+                <a:highlight>
+                  <a:srgbClr val="00FF00"/>
+                </a:highlight>
                 <a:latin typeface="Calibri" panose="020F0502020204030204" pitchFamily="34" charset="0"/>
                 <a:ea typeface="Calibri" panose="020F0502020204030204" pitchFamily="34" charset="0"/>
                 <a:cs typeface="Times New Roman" panose="02020603050405020304" pitchFamily="18" charset="0"/>
               </a:rPr>
-              <a:t>+ bool flammable</a:t>
-            </a:r>
-          </a:p>
-          <a:p>
-            <a:pPr defTabSz="914400" eaLnBrk="0" fontAlgn="base" hangingPunct="0">
-              <a:spcBef>
-                <a:spcPct val="0"/>
-              </a:spcBef>
-              <a:spcAft>
-                <a:spcPct val="0"/>
-              </a:spcAft>
-            </a:pPr>
-            <a:r>
-              <a:rPr lang="en-US" altLang="en-US" sz="1100" dirty="0">
+              <a:t>stackSize</a:t>
+            </a:r>
+            <a:r>
+              <a:rPr lang="en-US" altLang="en-US" sz="1100" dirty="0">
+                <a:highlight>
+                  <a:srgbClr val="00FF00"/>
+                </a:highlight>
                 <a:latin typeface="Calibri" panose="020F0502020204030204" pitchFamily="34" charset="0"/>
                 <a:ea typeface="Calibri" panose="020F0502020204030204" pitchFamily="34" charset="0"/>
                 <a:cs typeface="Times New Roman" panose="02020603050405020304" pitchFamily="18" charset="0"/>
               </a:rPr>
-              <a:t>- int </a:t>
+              <a:t> : int</a:t>
+            </a:r>
+            <a:endParaRPr lang="en-US" altLang="en-US" sz="800" dirty="0">
+              <a:highlight>
+                <a:srgbClr val="00FF00"/>
+              </a:highlight>
+            </a:endParaRPr>
+          </a:p>
+          <a:p>
+            <a:pPr defTabSz="914400" eaLnBrk="0" fontAlgn="base" hangingPunct="0">
+              <a:spcBef>
+                <a:spcPct val="0"/>
+              </a:spcBef>
+              <a:spcAft>
+                <a:spcPct val="0"/>
+              </a:spcAft>
+            </a:pPr>
+            <a:r>
+              <a:rPr lang="en-US" altLang="en-US" sz="1100" dirty="0">
+                <a:highlight>
+                  <a:srgbClr val="00FF00"/>
+                </a:highlight>
+                <a:latin typeface="Calibri" panose="020F0502020204030204" pitchFamily="34" charset="0"/>
+                <a:ea typeface="Calibri" panose="020F0502020204030204" pitchFamily="34" charset="0"/>
+                <a:cs typeface="Times New Roman" panose="02020603050405020304" pitchFamily="18" charset="0"/>
+              </a:rPr>
+              <a:t>+ </a:t>
+            </a:r>
+            <a:r>
+              <a:rPr lang="en-US" altLang="en-US" sz="1100" dirty="0" err="1">
+                <a:highlight>
+                  <a:srgbClr val="00FF00"/>
+                </a:highlight>
+                <a:latin typeface="Calibri" panose="020F0502020204030204" pitchFamily="34" charset="0"/>
+                <a:ea typeface="Calibri" panose="020F0502020204030204" pitchFamily="34" charset="0"/>
+                <a:cs typeface="Times New Roman" panose="02020603050405020304" pitchFamily="18" charset="0"/>
+              </a:rPr>
+              <a:t>maxStackSize</a:t>
+            </a:r>
+            <a:r>
+              <a:rPr lang="en-US" altLang="en-US" sz="1100" dirty="0">
+                <a:highlight>
+                  <a:srgbClr val="00FF00"/>
+                </a:highlight>
+                <a:latin typeface="Calibri" panose="020F0502020204030204" pitchFamily="34" charset="0"/>
+                <a:ea typeface="Calibri" panose="020F0502020204030204" pitchFamily="34" charset="0"/>
+                <a:cs typeface="Times New Roman" panose="02020603050405020304" pitchFamily="18" charset="0"/>
+              </a:rPr>
+              <a:t> : int</a:t>
+            </a:r>
+            <a:endParaRPr lang="en-US" altLang="en-US" sz="800" dirty="0">
+              <a:highlight>
+                <a:srgbClr val="00FF00"/>
+              </a:highlight>
+            </a:endParaRPr>
+          </a:p>
+          <a:p>
+            <a:pPr defTabSz="914400" eaLnBrk="0" fontAlgn="base" hangingPunct="0">
+              <a:spcBef>
+                <a:spcPct val="0"/>
+              </a:spcBef>
+              <a:spcAft>
+                <a:spcPct val="0"/>
+              </a:spcAft>
+            </a:pPr>
+            <a:r>
+              <a:rPr lang="en-US" altLang="en-US" sz="1100" dirty="0">
+                <a:highlight>
+                  <a:srgbClr val="00FF00"/>
+                </a:highlight>
+                <a:latin typeface="Calibri" panose="020F0502020204030204" pitchFamily="34" charset="0"/>
+                <a:ea typeface="Calibri" panose="020F0502020204030204" pitchFamily="34" charset="0"/>
+                <a:cs typeface="Times New Roman" panose="02020603050405020304" pitchFamily="18" charset="0"/>
+              </a:rPr>
+              <a:t>+ </a:t>
+            </a:r>
+            <a:r>
+              <a:rPr lang="en-US" altLang="en-US" sz="1100" dirty="0" err="1">
+                <a:highlight>
+                  <a:srgbClr val="00FF00"/>
+                </a:highlight>
+                <a:latin typeface="Calibri" panose="020F0502020204030204" pitchFamily="34" charset="0"/>
+                <a:ea typeface="Calibri" panose="020F0502020204030204" pitchFamily="34" charset="0"/>
+                <a:cs typeface="Times New Roman" panose="02020603050405020304" pitchFamily="18" charset="0"/>
+              </a:rPr>
+              <a:t>goldValue</a:t>
+            </a:r>
+            <a:r>
+              <a:rPr lang="en-US" altLang="en-US" sz="1100" dirty="0">
+                <a:highlight>
+                  <a:srgbClr val="00FF00"/>
+                </a:highlight>
+                <a:latin typeface="Calibri" panose="020F0502020204030204" pitchFamily="34" charset="0"/>
+                <a:ea typeface="Calibri" panose="020F0502020204030204" pitchFamily="34" charset="0"/>
+                <a:cs typeface="Times New Roman" panose="02020603050405020304" pitchFamily="18" charset="0"/>
+              </a:rPr>
+              <a:t> : int</a:t>
+            </a:r>
+          </a:p>
+          <a:p>
+            <a:pPr defTabSz="914400" eaLnBrk="0" fontAlgn="base" hangingPunct="0">
+              <a:spcBef>
+                <a:spcPct val="0"/>
+              </a:spcBef>
+              <a:spcAft>
+                <a:spcPct val="0"/>
+              </a:spcAft>
+            </a:pPr>
+            <a:r>
+              <a:rPr lang="en-US" altLang="en-US" sz="1100" dirty="0">
+                <a:highlight>
+                  <a:srgbClr val="00FF00"/>
+                </a:highlight>
+                <a:latin typeface="Calibri" panose="020F0502020204030204" pitchFamily="34" charset="0"/>
+                <a:ea typeface="Calibri" panose="020F0502020204030204" pitchFamily="34" charset="0"/>
+                <a:cs typeface="Times New Roman" panose="02020603050405020304" pitchFamily="18" charset="0"/>
+              </a:rPr>
+              <a:t>+ </a:t>
+            </a:r>
+            <a:r>
+              <a:rPr lang="en-US" altLang="en-US" sz="1100" dirty="0" err="1">
+                <a:highlight>
+                  <a:srgbClr val="00FF00"/>
+                </a:highlight>
+                <a:latin typeface="Calibri" panose="020F0502020204030204" pitchFamily="34" charset="0"/>
+                <a:ea typeface="Calibri" panose="020F0502020204030204" pitchFamily="34" charset="0"/>
+                <a:cs typeface="Times New Roman" panose="02020603050405020304" pitchFamily="18" charset="0"/>
+              </a:rPr>
+              <a:t>healthMax</a:t>
+            </a:r>
+            <a:r>
+              <a:rPr lang="en-US" altLang="en-US" sz="1100" dirty="0">
+                <a:highlight>
+                  <a:srgbClr val="00FF00"/>
+                </a:highlight>
+                <a:latin typeface="Calibri" panose="020F0502020204030204" pitchFamily="34" charset="0"/>
+                <a:ea typeface="Calibri" panose="020F0502020204030204" pitchFamily="34" charset="0"/>
+                <a:cs typeface="Times New Roman" panose="02020603050405020304" pitchFamily="18" charset="0"/>
+              </a:rPr>
+              <a:t> : int</a:t>
+            </a:r>
+          </a:p>
+          <a:p>
+            <a:pPr defTabSz="914400" eaLnBrk="0" fontAlgn="base" hangingPunct="0">
+              <a:spcBef>
+                <a:spcPct val="0"/>
+              </a:spcBef>
+              <a:spcAft>
+                <a:spcPct val="0"/>
+              </a:spcAft>
+            </a:pPr>
+            <a:r>
+              <a:rPr lang="en-US" altLang="en-US" sz="1100" dirty="0">
+                <a:highlight>
+                  <a:srgbClr val="00FF00"/>
+                </a:highlight>
+                <a:latin typeface="Calibri" panose="020F0502020204030204" pitchFamily="34" charset="0"/>
+                <a:ea typeface="Calibri" panose="020F0502020204030204" pitchFamily="34" charset="0"/>
+                <a:cs typeface="Times New Roman" panose="02020603050405020304" pitchFamily="18" charset="0"/>
+              </a:rPr>
+              <a:t>+ health : int</a:t>
+            </a:r>
+          </a:p>
+          <a:p>
+            <a:pPr defTabSz="914400" eaLnBrk="0" fontAlgn="base" hangingPunct="0">
+              <a:spcBef>
+                <a:spcPct val="0"/>
+              </a:spcBef>
+              <a:spcAft>
+                <a:spcPct val="0"/>
+              </a:spcAft>
+            </a:pPr>
+            <a:r>
+              <a:rPr lang="en-US" altLang="en-US" sz="1100" dirty="0">
+                <a:highlight>
+                  <a:srgbClr val="00FF00"/>
+                </a:highlight>
+                <a:latin typeface="Calibri" panose="020F0502020204030204" pitchFamily="34" charset="0"/>
+                <a:ea typeface="Calibri" panose="020F0502020204030204" pitchFamily="34" charset="0"/>
+                <a:cs typeface="Times New Roman" panose="02020603050405020304" pitchFamily="18" charset="0"/>
+              </a:rPr>
+              <a:t>+ weight : int</a:t>
+            </a:r>
+          </a:p>
+          <a:p>
+            <a:pPr defTabSz="914400" eaLnBrk="0" fontAlgn="base" hangingPunct="0">
+              <a:spcBef>
+                <a:spcPct val="0"/>
+              </a:spcBef>
+              <a:spcAft>
+                <a:spcPct val="0"/>
+              </a:spcAft>
+            </a:pPr>
+            <a:r>
+              <a:rPr lang="en-US" altLang="en-US" sz="1100" dirty="0">
+                <a:highlight>
+                  <a:srgbClr val="00FF00"/>
+                </a:highlight>
+                <a:latin typeface="Calibri" panose="020F0502020204030204" pitchFamily="34" charset="0"/>
+                <a:ea typeface="Calibri" panose="020F0502020204030204" pitchFamily="34" charset="0"/>
+                <a:cs typeface="Times New Roman" panose="02020603050405020304" pitchFamily="18" charset="0"/>
+              </a:rPr>
+              <a:t>+ flammable : bool</a:t>
+            </a:r>
+          </a:p>
+          <a:p>
+            <a:pPr defTabSz="914400" eaLnBrk="0" fontAlgn="base" hangingPunct="0">
+              <a:spcBef>
+                <a:spcPct val="0"/>
+              </a:spcBef>
+              <a:spcAft>
+                <a:spcPct val="0"/>
+              </a:spcAft>
+            </a:pPr>
+            <a:r>
+              <a:rPr lang="en-US" altLang="en-US" sz="1100" dirty="0">
+                <a:highlight>
+                  <a:srgbClr val="00FF00"/>
+                </a:highlight>
+                <a:latin typeface="Calibri" panose="020F0502020204030204" pitchFamily="34" charset="0"/>
+                <a:ea typeface="Calibri" panose="020F0502020204030204" pitchFamily="34" charset="0"/>
+                <a:cs typeface="Times New Roman" panose="02020603050405020304" pitchFamily="18" charset="0"/>
+              </a:rPr>
+              <a:t>- </a:t>
             </a:r>
             <a:r>
               <a:rPr lang="en-US" altLang="en-US" sz="1100" u="sng" dirty="0" err="1">
+                <a:highlight>
+                  <a:srgbClr val="00FF00"/>
+                </a:highlight>
                 <a:latin typeface="Calibri" panose="020F0502020204030204" pitchFamily="34" charset="0"/>
                 <a:ea typeface="Calibri" panose="020F0502020204030204" pitchFamily="34" charset="0"/>
                 <a:cs typeface="Times New Roman" panose="02020603050405020304" pitchFamily="18" charset="0"/>
               </a:rPr>
               <a:t>fireAmountMax</a:t>
             </a:r>
-            <a:endParaRPr lang="en-US" altLang="en-US" sz="1100" u="sng" dirty="0">
+            <a:r>
+              <a:rPr lang="en-US" altLang="en-US" sz="1100" u="sng" dirty="0">
+                <a:highlight>
+                  <a:srgbClr val="00FF00"/>
+                </a:highlight>
+                <a:latin typeface="Calibri" panose="020F0502020204030204" pitchFamily="34" charset="0"/>
+                <a:ea typeface="Calibri" panose="020F0502020204030204" pitchFamily="34" charset="0"/>
+                <a:cs typeface="Times New Roman" panose="02020603050405020304" pitchFamily="18" charset="0"/>
+              </a:rPr>
+              <a:t> : int</a:t>
+            </a:r>
+          </a:p>
+          <a:p>
+            <a:pPr defTabSz="914400" eaLnBrk="0" fontAlgn="base" hangingPunct="0">
+              <a:spcBef>
+                <a:spcPct val="0"/>
+              </a:spcBef>
+              <a:spcAft>
+                <a:spcPct val="0"/>
+              </a:spcAft>
+            </a:pPr>
+            <a:r>
+              <a:rPr lang="en-US" altLang="en-US" sz="1100" dirty="0">
+                <a:highlight>
+                  <a:srgbClr val="00FF00"/>
+                </a:highlight>
+                <a:latin typeface="Calibri" panose="020F0502020204030204" pitchFamily="34" charset="0"/>
+                <a:ea typeface="Calibri" panose="020F0502020204030204" pitchFamily="34" charset="0"/>
+                <a:cs typeface="Times New Roman" panose="02020603050405020304" pitchFamily="18" charset="0"/>
+              </a:rPr>
+              <a:t>+ </a:t>
+            </a:r>
+            <a:r>
+              <a:rPr lang="en-US" altLang="en-US" sz="1100" dirty="0" err="1">
+                <a:highlight>
+                  <a:srgbClr val="00FF00"/>
+                </a:highlight>
+                <a:latin typeface="Calibri" panose="020F0502020204030204" pitchFamily="34" charset="0"/>
+                <a:ea typeface="Calibri" panose="020F0502020204030204" pitchFamily="34" charset="0"/>
+                <a:cs typeface="Times New Roman" panose="02020603050405020304" pitchFamily="18" charset="0"/>
+              </a:rPr>
+              <a:t>fireAmount</a:t>
+            </a:r>
+            <a:r>
+              <a:rPr lang="en-US" altLang="en-US" sz="1100" dirty="0">
+                <a:highlight>
+                  <a:srgbClr val="00FF00"/>
+                </a:highlight>
+                <a:latin typeface="Calibri" panose="020F0502020204030204" pitchFamily="34" charset="0"/>
+                <a:ea typeface="Calibri" panose="020F0502020204030204" pitchFamily="34" charset="0"/>
+                <a:cs typeface="Times New Roman" panose="02020603050405020304" pitchFamily="18" charset="0"/>
+              </a:rPr>
+              <a:t> : int</a:t>
+            </a:r>
+          </a:p>
+          <a:p>
+            <a:pPr defTabSz="914400" eaLnBrk="0" fontAlgn="base" hangingPunct="0">
+              <a:spcBef>
+                <a:spcPct val="0"/>
+              </a:spcBef>
+              <a:spcAft>
+                <a:spcPct val="0"/>
+              </a:spcAft>
+            </a:pPr>
+            <a:r>
+              <a:rPr lang="en-US" altLang="en-US" sz="1100" dirty="0">
+                <a:highlight>
+                  <a:srgbClr val="00FF00"/>
+                </a:highlight>
+                <a:latin typeface="Calibri" panose="020F0502020204030204" pitchFamily="34" charset="0"/>
+                <a:ea typeface="Calibri" panose="020F0502020204030204" pitchFamily="34" charset="0"/>
+                <a:cs typeface="Times New Roman" panose="02020603050405020304" pitchFamily="18" charset="0"/>
+              </a:rPr>
+              <a:t>+ explosive : int</a:t>
+            </a:r>
+          </a:p>
+          <a:p>
+            <a:pPr defTabSz="914400" eaLnBrk="0" fontAlgn="base" hangingPunct="0">
+              <a:spcBef>
+                <a:spcPct val="0"/>
+              </a:spcBef>
+              <a:spcAft>
+                <a:spcPct val="0"/>
+              </a:spcAft>
+            </a:pPr>
+            <a:r>
+              <a:rPr lang="en-US" altLang="en-US" sz="1100" dirty="0">
+                <a:highlight>
+                  <a:srgbClr val="00FF00"/>
+                </a:highlight>
+                <a:ea typeface="Calibri" panose="020F0502020204030204" pitchFamily="34" charset="0"/>
+                <a:cs typeface="Times New Roman" panose="02020603050405020304" pitchFamily="18" charset="0"/>
+              </a:rPr>
+              <a:t>+ exposed : bool</a:t>
+            </a:r>
+            <a:endParaRPr lang="en-US" altLang="en-US" sz="1100" dirty="0">
+              <a:highlight>
+                <a:srgbClr val="00FF00"/>
+              </a:highlight>
               <a:latin typeface="Calibri" panose="020F0502020204030204" pitchFamily="34" charset="0"/>
               <a:ea typeface="Calibri" panose="020F0502020204030204" pitchFamily="34" charset="0"/>
               <a:cs typeface="Times New Roman" panose="02020603050405020304" pitchFamily="18" charset="0"/>
@@ -3378,21 +3721,118 @@
             </a:pPr>
             <a:r>
               <a:rPr lang="en-US" altLang="en-US" sz="1100" dirty="0">
-                <a:latin typeface="Calibri" panose="020F0502020204030204" pitchFamily="34" charset="0"/>
+                <a:highlight>
+                  <a:srgbClr val="00FF00"/>
+                </a:highlight>
                 <a:ea typeface="Calibri" panose="020F0502020204030204" pitchFamily="34" charset="0"/>
                 <a:cs typeface="Times New Roman" panose="02020603050405020304" pitchFamily="18" charset="0"/>
               </a:rPr>
-              <a:t>+ int </a:t>
+              <a:t>+ </a:t>
             </a:r>
             <a:r>
               <a:rPr lang="en-US" altLang="en-US" sz="1100" dirty="0" err="1">
-                <a:latin typeface="Calibri" panose="020F0502020204030204" pitchFamily="34" charset="0"/>
+                <a:highlight>
+                  <a:srgbClr val="00FF00"/>
+                </a:highlight>
                 <a:ea typeface="Calibri" panose="020F0502020204030204" pitchFamily="34" charset="0"/>
                 <a:cs typeface="Times New Roman" panose="02020603050405020304" pitchFamily="18" charset="0"/>
               </a:rPr>
-              <a:t>fireAmount</a:t>
+              <a:t>itemSprite</a:t>
+            </a:r>
+            <a:r>
+              <a:rPr lang="en-US" altLang="en-US" sz="1100" dirty="0">
+                <a:highlight>
+                  <a:srgbClr val="00FF00"/>
+                </a:highlight>
+                <a:ea typeface="Calibri" panose="020F0502020204030204" pitchFamily="34" charset="0"/>
+                <a:cs typeface="Times New Roman" panose="02020603050405020304" pitchFamily="18" charset="0"/>
+              </a:rPr>
+              <a:t> : Sprite</a:t>
+            </a:r>
+          </a:p>
+          <a:p>
+            <a:pPr defTabSz="914400" eaLnBrk="0" fontAlgn="base" hangingPunct="0">
+              <a:spcBef>
+                <a:spcPct val="0"/>
+              </a:spcBef>
+              <a:spcAft>
+                <a:spcPct val="0"/>
+              </a:spcAft>
+            </a:pPr>
+            <a:r>
+              <a:rPr lang="en-US" altLang="en-US" sz="1100" dirty="0">
+                <a:highlight>
+                  <a:srgbClr val="00FF00"/>
+                </a:highlight>
+                <a:ea typeface="Calibri" panose="020F0502020204030204" pitchFamily="34" charset="0"/>
+                <a:cs typeface="Times New Roman" panose="02020603050405020304" pitchFamily="18" charset="0"/>
+              </a:rPr>
+              <a:t># </a:t>
+            </a:r>
+            <a:r>
+              <a:rPr lang="en-US" altLang="en-US" sz="1100" dirty="0" err="1">
+                <a:highlight>
+                  <a:srgbClr val="00FF00"/>
+                </a:highlight>
+                <a:latin typeface="Calibri" panose="020F0502020204030204" pitchFamily="34" charset="0"/>
+                <a:ea typeface="Calibri" panose="020F0502020204030204" pitchFamily="34" charset="0"/>
+                <a:cs typeface="Times New Roman" panose="02020603050405020304" pitchFamily="18" charset="0"/>
+              </a:rPr>
+              <a:t>myRogueSpriteRenderer</a:t>
+            </a:r>
+            <a:r>
+              <a:rPr lang="en-US" altLang="en-US" sz="1100" dirty="0">
+                <a:highlight>
+                  <a:srgbClr val="00FF00"/>
+                </a:highlight>
+                <a:latin typeface="Calibri" panose="020F0502020204030204" pitchFamily="34" charset="0"/>
+                <a:ea typeface="Calibri" panose="020F0502020204030204" pitchFamily="34" charset="0"/>
+                <a:cs typeface="Times New Roman" panose="02020603050405020304" pitchFamily="18" charset="0"/>
+              </a:rPr>
+              <a:t> : </a:t>
+            </a:r>
+            <a:r>
+              <a:rPr lang="en-US" altLang="en-US" sz="1100" dirty="0" err="1">
+                <a:highlight>
+                  <a:srgbClr val="00FF00"/>
+                </a:highlight>
+                <a:latin typeface="Calibri" panose="020F0502020204030204" pitchFamily="34" charset="0"/>
+                <a:ea typeface="Calibri" panose="020F0502020204030204" pitchFamily="34" charset="0"/>
+                <a:cs typeface="Times New Roman" panose="02020603050405020304" pitchFamily="18" charset="0"/>
+              </a:rPr>
+              <a:t>RogueSpriteRenderer</a:t>
             </a:r>
             <a:endParaRPr lang="en-US" altLang="en-US" sz="1100" dirty="0">
+              <a:highlight>
+                <a:srgbClr val="00FF00"/>
+              </a:highlight>
+              <a:ea typeface="Calibri" panose="020F0502020204030204" pitchFamily="34" charset="0"/>
+              <a:cs typeface="Times New Roman" panose="02020603050405020304" pitchFamily="18" charset="0"/>
+            </a:endParaRPr>
+          </a:p>
+          <a:p>
+            <a:pPr defTabSz="914400" eaLnBrk="0" fontAlgn="base" hangingPunct="0">
+              <a:spcBef>
+                <a:spcPct val="0"/>
+              </a:spcBef>
+              <a:spcAft>
+                <a:spcPct val="0"/>
+              </a:spcAft>
+            </a:pPr>
+            <a:r>
+              <a:rPr lang="en-US" altLang="en-US" sz="1100" dirty="0">
+                <a:highlight>
+                  <a:srgbClr val="00FF00"/>
+                </a:highlight>
+                <a:latin typeface="Calibri" panose="020F0502020204030204" pitchFamily="34" charset="0"/>
+                <a:cs typeface="Times New Roman" panose="02020603050405020304" pitchFamily="18" charset="0"/>
+              </a:rPr>
+              <a:t>--------------------------------------------------------------------------------------------</a:t>
+            </a:r>
+            <a:endParaRPr lang="en-US" altLang="en-US" sz="1100" dirty="0">
+              <a:highlight>
+                <a:srgbClr val="00FF00"/>
+              </a:highlight>
               <a:latin typeface="Calibri" panose="020F0502020204030204" pitchFamily="34" charset="0"/>
               <a:ea typeface="Calibri" panose="020F0502020204030204" pitchFamily="34" charset="0"/>
               <a:cs typeface="Times New Roman" panose="02020603050405020304" pitchFamily="18" charset="0"/>
@@ -3408,207 +3848,251 @@
               </a:spcAft>
             </a:pPr>
             <a:r>
-              <a:rPr lang="en-US" altLang="en-US" sz="1100" dirty="0">
+              <a:rPr lang="en-US" altLang="en-US" sz="1100" i="1" dirty="0">
+                <a:highlight>
+                  <a:srgbClr val="00FF00"/>
+                </a:highlight>
                 <a:latin typeface="Calibri" panose="020F0502020204030204" pitchFamily="34" charset="0"/>
                 <a:ea typeface="Calibri" panose="020F0502020204030204" pitchFamily="34" charset="0"/>
                 <a:cs typeface="Times New Roman" panose="02020603050405020304" pitchFamily="18" charset="0"/>
               </a:rPr>
-              <a:t>+ int explosive</a:t>
-            </a:r>
-          </a:p>
-          <a:p>
-            <a:pPr defTabSz="914400" eaLnBrk="0" fontAlgn="base" hangingPunct="0">
-              <a:spcBef>
-                <a:spcPct val="0"/>
-              </a:spcBef>
-              <a:spcAft>
-                <a:spcPct val="0"/>
-              </a:spcAft>
-            </a:pPr>
-            <a:r>
-              <a:rPr lang="en-US" altLang="en-US" sz="1100" dirty="0">
-                <a:ea typeface="Calibri" panose="020F0502020204030204" pitchFamily="34" charset="0"/>
-                <a:cs typeface="Times New Roman" panose="02020603050405020304" pitchFamily="18" charset="0"/>
-              </a:rPr>
-              <a:t>+ bool exposed</a:t>
-            </a:r>
-            <a:endParaRPr lang="en-US" altLang="en-US" sz="1100" dirty="0">
-              <a:latin typeface="Calibri" panose="020F0502020204030204" pitchFamily="34" charset="0"/>
-              <a:ea typeface="Calibri" panose="020F0502020204030204" pitchFamily="34" charset="0"/>
-              <a:cs typeface="Times New Roman" panose="02020603050405020304" pitchFamily="18" charset="0"/>
+              <a:t>+ Initialize() : void</a:t>
+            </a:r>
+          </a:p>
+          <a:p>
+            <a:pPr defTabSz="914400" eaLnBrk="0" fontAlgn="base" hangingPunct="0">
+              <a:spcBef>
+                <a:spcPct val="0"/>
+              </a:spcBef>
+              <a:spcAft>
+                <a:spcPct val="0"/>
+              </a:spcAft>
+            </a:pPr>
+            <a:r>
+              <a:rPr lang="en-US" altLang="en-US" sz="1100" i="1" dirty="0">
+                <a:highlight>
+                  <a:srgbClr val="00FF00"/>
+                </a:highlight>
+                <a:latin typeface="Calibri" panose="020F0502020204030204" pitchFamily="34" charset="0"/>
+                <a:cs typeface="Times New Roman" panose="02020603050405020304" pitchFamily="18" charset="0"/>
+              </a:rPr>
+              <a:t>+ </a:t>
+            </a:r>
+            <a:r>
+              <a:rPr lang="en-US" altLang="en-US" sz="1100" i="1" dirty="0" err="1">
+                <a:highlight>
+                  <a:srgbClr val="00FF00"/>
+                </a:highlight>
+                <a:latin typeface="Calibri" panose="020F0502020204030204" pitchFamily="34" charset="0"/>
+                <a:cs typeface="Times New Roman" panose="02020603050405020304" pitchFamily="18" charset="0"/>
+              </a:rPr>
+              <a:t>GetFullName</a:t>
+            </a:r>
+            <a:r>
+              <a:rPr lang="en-US" altLang="en-US" sz="1100" i="1" dirty="0">
+                <a:highlight>
+                  <a:srgbClr val="00FF00"/>
+                </a:highlight>
+                <a:latin typeface="Calibri" panose="020F0502020204030204" pitchFamily="34" charset="0"/>
+                <a:cs typeface="Times New Roman" panose="02020603050405020304" pitchFamily="18" charset="0"/>
+              </a:rPr>
+              <a:t>() : string</a:t>
+            </a:r>
+          </a:p>
+          <a:p>
+            <a:pPr defTabSz="914400" eaLnBrk="0" fontAlgn="base" hangingPunct="0">
+              <a:spcBef>
+                <a:spcPct val="0"/>
+              </a:spcBef>
+              <a:spcAft>
+                <a:spcPct val="0"/>
+              </a:spcAft>
+            </a:pPr>
+            <a:r>
+              <a:rPr lang="en-US" altLang="en-US" sz="1100" dirty="0">
+                <a:highlight>
+                  <a:srgbClr val="00FF00"/>
+                </a:highlight>
+                <a:latin typeface="Calibri" panose="020F0502020204030204" pitchFamily="34" charset="0"/>
+                <a:cs typeface="Times New Roman" panose="02020603050405020304" pitchFamily="18" charset="0"/>
+              </a:rPr>
+              <a:t>+ </a:t>
+            </a:r>
+            <a:r>
+              <a:rPr lang="en-US" altLang="en-US" sz="1100" dirty="0" err="1">
+                <a:highlight>
+                  <a:srgbClr val="00FF00"/>
+                </a:highlight>
+                <a:latin typeface="Calibri" panose="020F0502020204030204" pitchFamily="34" charset="0"/>
+                <a:cs typeface="Times New Roman" panose="02020603050405020304" pitchFamily="18" charset="0"/>
+              </a:rPr>
+              <a:t>UpdateRogueSpriteRenderer</a:t>
+            </a:r>
+            <a:r>
+              <a:rPr lang="en-US" altLang="en-US" sz="1100" dirty="0">
+                <a:highlight>
+                  <a:srgbClr val="00FF00"/>
+                </a:highlight>
+                <a:latin typeface="Calibri" panose="020F0502020204030204" pitchFamily="34" charset="0"/>
+                <a:cs typeface="Times New Roman" panose="02020603050405020304" pitchFamily="18" charset="0"/>
+              </a:rPr>
+              <a:t>() : void</a:t>
+            </a:r>
+          </a:p>
+          <a:p>
+            <a:pPr defTabSz="914400" eaLnBrk="0" fontAlgn="base" hangingPunct="0">
+              <a:spcBef>
+                <a:spcPct val="0"/>
+              </a:spcBef>
+              <a:spcAft>
+                <a:spcPct val="0"/>
+              </a:spcAft>
+            </a:pPr>
+            <a:r>
+              <a:rPr lang="en-US" altLang="en-US" sz="1100" i="1" dirty="0">
+                <a:highlight>
+                  <a:srgbClr val="00FF00"/>
+                </a:highlight>
+                <a:latin typeface="Calibri" panose="020F0502020204030204" pitchFamily="34" charset="0"/>
+                <a:cs typeface="Times New Roman" panose="02020603050405020304" pitchFamily="18" charset="0"/>
+              </a:rPr>
+              <a:t>+ </a:t>
+            </a:r>
+            <a:r>
+              <a:rPr lang="en-US" altLang="en-US" sz="1100" i="1" dirty="0" err="1">
+                <a:highlight>
+                  <a:srgbClr val="00FF00"/>
+                </a:highlight>
+                <a:latin typeface="Calibri" panose="020F0502020204030204" pitchFamily="34" charset="0"/>
+                <a:cs typeface="Times New Roman" panose="02020603050405020304" pitchFamily="18" charset="0"/>
+              </a:rPr>
+              <a:t>GetCurrentSprite</a:t>
+            </a:r>
+            <a:r>
+              <a:rPr lang="en-US" altLang="en-US" sz="1100" i="1" dirty="0">
+                <a:highlight>
+                  <a:srgbClr val="00FF00"/>
+                </a:highlight>
+                <a:latin typeface="Calibri" panose="020F0502020204030204" pitchFamily="34" charset="0"/>
+                <a:cs typeface="Times New Roman" panose="02020603050405020304" pitchFamily="18" charset="0"/>
+              </a:rPr>
+              <a:t>() : Sprite</a:t>
+            </a:r>
+          </a:p>
+          <a:p>
+            <a:pPr defTabSz="914400" eaLnBrk="0" fontAlgn="base" hangingPunct="0">
+              <a:spcBef>
+                <a:spcPct val="0"/>
+              </a:spcBef>
+              <a:spcAft>
+                <a:spcPct val="0"/>
+              </a:spcAft>
+            </a:pPr>
+            <a:r>
+              <a:rPr lang="en-US" altLang="en-US" sz="1100" i="1" dirty="0">
+                <a:highlight>
+                  <a:srgbClr val="00FF00"/>
+                </a:highlight>
+                <a:latin typeface="Calibri" panose="020F0502020204030204" pitchFamily="34" charset="0"/>
+                <a:cs typeface="Times New Roman" panose="02020603050405020304" pitchFamily="18" charset="0"/>
+              </a:rPr>
+              <a:t># </a:t>
+            </a:r>
+            <a:r>
+              <a:rPr lang="en-US" altLang="en-US" sz="1100" i="1" dirty="0" err="1">
+                <a:highlight>
+                  <a:srgbClr val="00FF00"/>
+                </a:highlight>
+                <a:latin typeface="Calibri" panose="020F0502020204030204" pitchFamily="34" charset="0"/>
+                <a:cs typeface="Times New Roman" panose="02020603050405020304" pitchFamily="18" charset="0"/>
+              </a:rPr>
+              <a:t>DestroyObject</a:t>
+            </a:r>
+            <a:r>
+              <a:rPr lang="en-US" altLang="en-US" sz="1100" i="1" dirty="0">
+                <a:highlight>
+                  <a:srgbClr val="00FF00"/>
+                </a:highlight>
+                <a:latin typeface="Calibri" panose="020F0502020204030204" pitchFamily="34" charset="0"/>
+                <a:cs typeface="Times New Roman" panose="02020603050405020304" pitchFamily="18" charset="0"/>
+              </a:rPr>
+              <a:t>() : bool</a:t>
+            </a:r>
+          </a:p>
+          <a:p>
+            <a:pPr defTabSz="914400" eaLnBrk="0" fontAlgn="base" hangingPunct="0">
+              <a:spcBef>
+                <a:spcPct val="0"/>
+              </a:spcBef>
+              <a:spcAft>
+                <a:spcPct val="0"/>
+              </a:spcAft>
+            </a:pPr>
+            <a:r>
+              <a:rPr lang="en-US" altLang="en-US" sz="1100" dirty="0">
+                <a:highlight>
+                  <a:srgbClr val="00FF00"/>
+                </a:highlight>
+                <a:latin typeface="Calibri" panose="020F0502020204030204" pitchFamily="34" charset="0"/>
+                <a:cs typeface="Times New Roman" panose="02020603050405020304" pitchFamily="18" charset="0"/>
+              </a:rPr>
+              <a:t>+ </a:t>
+            </a:r>
+            <a:r>
+              <a:rPr lang="en-US" altLang="en-US" sz="1100" dirty="0" err="1">
+                <a:highlight>
+                  <a:srgbClr val="00FF00"/>
+                </a:highlight>
+                <a:latin typeface="Calibri" panose="020F0502020204030204" pitchFamily="34" charset="0"/>
+                <a:cs typeface="Times New Roman" panose="02020603050405020304" pitchFamily="18" charset="0"/>
+              </a:rPr>
+              <a:t>MakeItem</a:t>
+            </a:r>
+            <a:r>
+              <a:rPr lang="en-US" altLang="en-US" sz="1100" dirty="0">
+                <a:highlight>
+                  <a:srgbClr val="00FF00"/>
+                </a:highlight>
+                <a:latin typeface="Calibri" panose="020F0502020204030204" pitchFamily="34" charset="0"/>
+                <a:cs typeface="Times New Roman" panose="02020603050405020304" pitchFamily="18" charset="0"/>
+              </a:rPr>
+              <a:t>(</a:t>
+            </a:r>
+            <a:r>
+              <a:rPr lang="en-US" altLang="en-US" sz="1100" dirty="0" err="1">
+                <a:highlight>
+                  <a:srgbClr val="00FF00"/>
+                </a:highlight>
+                <a:latin typeface="Calibri" panose="020F0502020204030204" pitchFamily="34" charset="0"/>
+                <a:cs typeface="Times New Roman" panose="02020603050405020304" pitchFamily="18" charset="0"/>
+              </a:rPr>
+              <a:t>RoguelikeObject</a:t>
+            </a:r>
+            <a:r>
+              <a:rPr lang="en-US" altLang="en-US" sz="1100" dirty="0">
+                <a:highlight>
+                  <a:srgbClr val="00FF00"/>
+                </a:highlight>
+                <a:latin typeface="Calibri" panose="020F0502020204030204" pitchFamily="34" charset="0"/>
+                <a:cs typeface="Times New Roman" panose="02020603050405020304" pitchFamily="18" charset="0"/>
+              </a:rPr>
+              <a:t>, int, Inventory, int) : </a:t>
+            </a:r>
+            <a:r>
+              <a:rPr lang="en-US" altLang="en-US" sz="1100" dirty="0" err="1">
+                <a:highlight>
+                  <a:srgbClr val="00FF00"/>
+                </a:highlight>
+                <a:latin typeface="Calibri" panose="020F0502020204030204" pitchFamily="34" charset="0"/>
+                <a:cs typeface="Times New Roman" panose="02020603050405020304" pitchFamily="18" charset="0"/>
+              </a:rPr>
+              <a:t>RoguelikeObject</a:t>
+            </a:r>
+            <a:endParaRPr lang="en-US" altLang="en-US" sz="800" dirty="0">
+              <a:highlight>
+                <a:srgbClr val="00FF00"/>
+              </a:highlight>
             </a:endParaRPr>
-          </a:p>
-          <a:p>
-            <a:pPr defTabSz="914400" eaLnBrk="0" fontAlgn="base" hangingPunct="0">
-              <a:spcBef>
-                <a:spcPct val="0"/>
-              </a:spcBef>
-              <a:spcAft>
-                <a:spcPct val="0"/>
-              </a:spcAft>
-            </a:pPr>
-            <a:r>
-              <a:rPr lang="en-US" altLang="en-US" sz="1100" dirty="0">
-                <a:ea typeface="Calibri" panose="020F0502020204030204" pitchFamily="34" charset="0"/>
-                <a:cs typeface="Times New Roman" panose="02020603050405020304" pitchFamily="18" charset="0"/>
-              </a:rPr>
-              <a:t>+ Sprite </a:t>
-            </a:r>
-            <a:r>
-              <a:rPr lang="en-US" altLang="en-US" sz="1100" dirty="0" err="1">
-                <a:ea typeface="Calibri" panose="020F0502020204030204" pitchFamily="34" charset="0"/>
-                <a:cs typeface="Times New Roman" panose="02020603050405020304" pitchFamily="18" charset="0"/>
-              </a:rPr>
-              <a:t>itemSprite</a:t>
-            </a:r>
-            <a:endParaRPr lang="en-US" altLang="en-US" sz="1100" dirty="0">
-              <a:ea typeface="Calibri" panose="020F0502020204030204" pitchFamily="34" charset="0"/>
-              <a:cs typeface="Times New Roman" panose="02020603050405020304" pitchFamily="18" charset="0"/>
-            </a:endParaRPr>
-          </a:p>
-          <a:p>
-            <a:pPr defTabSz="914400" eaLnBrk="0" fontAlgn="base" hangingPunct="0">
-              <a:spcBef>
-                <a:spcPct val="0"/>
-              </a:spcBef>
-              <a:spcAft>
-                <a:spcPct val="0"/>
-              </a:spcAft>
-            </a:pPr>
-            <a:r>
-              <a:rPr lang="en-US" altLang="en-US" sz="1100" dirty="0">
-                <a:ea typeface="Calibri" panose="020F0502020204030204" pitchFamily="34" charset="0"/>
-                <a:cs typeface="Times New Roman" panose="02020603050405020304" pitchFamily="18" charset="0"/>
-              </a:rPr>
-              <a:t>- </a:t>
-            </a:r>
-            <a:r>
-              <a:rPr lang="en-US" altLang="en-US" sz="1100" dirty="0" err="1">
-                <a:latin typeface="Calibri" panose="020F0502020204030204" pitchFamily="34" charset="0"/>
-                <a:ea typeface="Calibri" panose="020F0502020204030204" pitchFamily="34" charset="0"/>
-                <a:cs typeface="Times New Roman" panose="02020603050405020304" pitchFamily="18" charset="0"/>
-              </a:rPr>
-              <a:t>ItemSpriteRenderer</a:t>
-            </a:r>
-            <a:r>
-              <a:rPr lang="en-US" altLang="en-US" sz="1100" dirty="0">
-                <a:latin typeface="Calibri" panose="020F0502020204030204" pitchFamily="34" charset="0"/>
-                <a:ea typeface="Calibri" panose="020F0502020204030204" pitchFamily="34" charset="0"/>
-                <a:cs typeface="Times New Roman" panose="02020603050405020304" pitchFamily="18" charset="0"/>
-              </a:rPr>
-              <a:t> </a:t>
-            </a:r>
-            <a:r>
-              <a:rPr lang="en-US" altLang="en-US" sz="1100" dirty="0" err="1">
-                <a:latin typeface="Calibri" panose="020F0502020204030204" pitchFamily="34" charset="0"/>
-                <a:ea typeface="Calibri" panose="020F0502020204030204" pitchFamily="34" charset="0"/>
-                <a:cs typeface="Times New Roman" panose="02020603050405020304" pitchFamily="18" charset="0"/>
-              </a:rPr>
-              <a:t>myItemSpriteRenderer</a:t>
-            </a:r>
-            <a:endParaRPr lang="en-US" altLang="en-US" sz="1100" dirty="0">
-              <a:ea typeface="Calibri" panose="020F0502020204030204" pitchFamily="34" charset="0"/>
-              <a:cs typeface="Times New Roman" panose="02020603050405020304" pitchFamily="18" charset="0"/>
-            </a:endParaRPr>
-          </a:p>
-          <a:p>
-            <a:pPr defTabSz="914400" eaLnBrk="0" fontAlgn="base" hangingPunct="0">
-              <a:spcBef>
-                <a:spcPct val="0"/>
-              </a:spcBef>
-              <a:spcAft>
-                <a:spcPct val="0"/>
-              </a:spcAft>
-            </a:pPr>
-            <a:r>
-              <a:rPr lang="en-US" altLang="en-US" sz="1100" dirty="0">
-                <a:latin typeface="Calibri" panose="020F0502020204030204" pitchFamily="34" charset="0"/>
-                <a:ea typeface="Calibri" panose="020F0502020204030204" pitchFamily="34" charset="0"/>
-                <a:cs typeface="Times New Roman" panose="02020603050405020304" pitchFamily="18" charset="0"/>
-              </a:rPr>
-              <a:t>--------------------------------------------</a:t>
-            </a:r>
-          </a:p>
-          <a:p>
-            <a:pPr defTabSz="914400" eaLnBrk="0" fontAlgn="base" hangingPunct="0">
-              <a:spcBef>
-                <a:spcPct val="0"/>
-              </a:spcBef>
-              <a:spcAft>
-                <a:spcPct val="0"/>
-              </a:spcAft>
-            </a:pPr>
-            <a:r>
-              <a:rPr lang="en-US" altLang="en-US" sz="1100" dirty="0">
-                <a:latin typeface="Calibri" panose="020F0502020204030204" pitchFamily="34" charset="0"/>
-                <a:ea typeface="Calibri" panose="020F0502020204030204" pitchFamily="34" charset="0"/>
-                <a:cs typeface="Times New Roman" panose="02020603050405020304" pitchFamily="18" charset="0"/>
-              </a:rPr>
-              <a:t>+ void Initialize();</a:t>
-            </a:r>
-          </a:p>
-          <a:p>
-            <a:pPr defTabSz="914400" eaLnBrk="0" fontAlgn="base" hangingPunct="0">
-              <a:spcBef>
-                <a:spcPct val="0"/>
-              </a:spcBef>
-              <a:spcAft>
-                <a:spcPct val="0"/>
-              </a:spcAft>
-            </a:pPr>
-            <a:r>
-              <a:rPr lang="en-US" altLang="en-US" sz="1100" dirty="0">
-                <a:latin typeface="Calibri" panose="020F0502020204030204" pitchFamily="34" charset="0"/>
-                <a:cs typeface="Times New Roman" panose="02020603050405020304" pitchFamily="18" charset="0"/>
-              </a:rPr>
-              <a:t>+ string </a:t>
-            </a:r>
-            <a:r>
-              <a:rPr lang="en-US" altLang="en-US" sz="1100" dirty="0" err="1">
-                <a:latin typeface="Calibri" panose="020F0502020204030204" pitchFamily="34" charset="0"/>
-                <a:cs typeface="Times New Roman" panose="02020603050405020304" pitchFamily="18" charset="0"/>
-              </a:rPr>
-              <a:t>GetFinalName</a:t>
-            </a:r>
-            <a:r>
-              <a:rPr lang="en-US" altLang="en-US" sz="1100" dirty="0">
-                <a:latin typeface="Calibri" panose="020F0502020204030204" pitchFamily="34" charset="0"/>
-                <a:cs typeface="Times New Roman" panose="02020603050405020304" pitchFamily="18" charset="0"/>
-              </a:rPr>
-              <a:t>();</a:t>
-            </a:r>
-          </a:p>
-          <a:p>
-            <a:pPr defTabSz="914400" eaLnBrk="0" fontAlgn="base" hangingPunct="0">
-              <a:spcBef>
-                <a:spcPct val="0"/>
-              </a:spcBef>
-              <a:spcAft>
-                <a:spcPct val="0"/>
-              </a:spcAft>
-            </a:pPr>
-            <a:r>
-              <a:rPr lang="en-US" altLang="en-US" sz="1100" dirty="0">
-                <a:latin typeface="Calibri" panose="020F0502020204030204" pitchFamily="34" charset="0"/>
-                <a:cs typeface="Times New Roman" panose="02020603050405020304" pitchFamily="18" charset="0"/>
-              </a:rPr>
-              <a:t>+ virtual bool </a:t>
-            </a:r>
-            <a:r>
-              <a:rPr lang="en-US" altLang="en-US" sz="1100" dirty="0" err="1">
-                <a:latin typeface="Calibri" panose="020F0502020204030204" pitchFamily="34" charset="0"/>
-                <a:cs typeface="Times New Roman" panose="02020603050405020304" pitchFamily="18" charset="0"/>
-              </a:rPr>
-              <a:t>DestroyObject</a:t>
-            </a:r>
-            <a:r>
-              <a:rPr lang="en-US" altLang="en-US" sz="1100" dirty="0">
-                <a:latin typeface="Calibri" panose="020F0502020204030204" pitchFamily="34" charset="0"/>
-                <a:cs typeface="Times New Roman" panose="02020603050405020304" pitchFamily="18" charset="0"/>
-              </a:rPr>
-              <a:t>();</a:t>
-            </a:r>
-            <a:endParaRPr lang="en-US" altLang="en-US" sz="800" dirty="0"/>
           </a:p>
         </p:txBody>
       </p:sp>
@@ -3628,8 +4112,8 @@
         </p:nvSpPr>
         <p:spPr bwMode="auto">
           <a:xfrm>
-            <a:off x="8172449" y="2556669"/>
-            <a:ext cx="2978151" cy="3683940"/>
+            <a:off x="8929596" y="2556669"/>
+            <a:ext cx="3164969" cy="2197571"/>
           </a:xfrm>
           <a:prstGeom prst="rect">
             <a:avLst/>
@@ -3663,116 +4147,357 @@
               </a:spcAft>
             </a:pPr>
             <a:r>
+              <a:rPr lang="en-US" altLang="en-US" sz="1100" i="1" dirty="0" err="1">
+                <a:highlight>
+                  <a:srgbClr val="00FF00"/>
+                </a:highlight>
+                <a:ea typeface="Calibri" panose="020F0502020204030204" pitchFamily="34" charset="0"/>
+                <a:cs typeface="Times New Roman" panose="02020603050405020304" pitchFamily="18" charset="0"/>
+              </a:rPr>
+              <a:t>WorldObject</a:t>
+            </a:r>
+            <a:endParaRPr lang="en-US" altLang="en-US" sz="1100" i="1" dirty="0">
+              <a:highlight>
+                <a:srgbClr val="00FF00"/>
+              </a:highlight>
+              <a:ea typeface="Calibri" panose="020F0502020204030204" pitchFamily="34" charset="0"/>
+              <a:cs typeface="Times New Roman" panose="02020603050405020304" pitchFamily="18" charset="0"/>
+            </a:endParaRPr>
+          </a:p>
+          <a:p>
+            <a:pPr defTabSz="914400" eaLnBrk="0" fontAlgn="base" hangingPunct="0">
+              <a:spcBef>
+                <a:spcPct val="0"/>
+              </a:spcBef>
+              <a:spcAft>
+                <a:spcPct val="0"/>
+              </a:spcAft>
+            </a:pPr>
+            <a:r>
+              <a:rPr lang="en-US" altLang="en-US" sz="1100" i="1" dirty="0">
+                <a:highlight>
+                  <a:srgbClr val="00FF00"/>
+                </a:highlight>
+                <a:ea typeface="Calibri" panose="020F0502020204030204" pitchFamily="34" charset="0"/>
+                <a:cs typeface="Times New Roman" panose="02020603050405020304" pitchFamily="18" charset="0"/>
+              </a:rPr>
+              <a:t>-----------------------------------------------------------------</a:t>
+            </a:r>
+          </a:p>
+          <a:p>
+            <a:pPr defTabSz="914400" eaLnBrk="0" fontAlgn="base" hangingPunct="0">
+              <a:spcBef>
+                <a:spcPct val="0"/>
+              </a:spcBef>
+              <a:spcAft>
+                <a:spcPct val="0"/>
+              </a:spcAft>
+            </a:pPr>
+            <a:r>
+              <a:rPr lang="en-US" altLang="en-US" sz="1100" dirty="0">
+                <a:highlight>
+                  <a:srgbClr val="00FF00"/>
+                </a:highlight>
+                <a:cs typeface="Times New Roman" panose="02020603050405020304" pitchFamily="18" charset="0"/>
+              </a:rPr>
+              <a:t>+ </a:t>
+            </a:r>
+            <a:r>
               <a:rPr lang="en-US" altLang="en-US" sz="1100" dirty="0" err="1">
-                <a:latin typeface="Calibri" panose="020F0502020204030204" pitchFamily="34" charset="0"/>
+                <a:highlight>
+                  <a:srgbClr val="00FF00"/>
+                </a:highlight>
+                <a:cs typeface="Times New Roman" panose="02020603050405020304" pitchFamily="18" charset="0"/>
+              </a:rPr>
+              <a:t>worldSprite</a:t>
+            </a:r>
+            <a:r>
+              <a:rPr lang="en-US" altLang="en-US" sz="1100" dirty="0">
+                <a:highlight>
+                  <a:srgbClr val="00FF00"/>
+                </a:highlight>
+                <a:cs typeface="Times New Roman" panose="02020603050405020304" pitchFamily="18" charset="0"/>
+              </a:rPr>
+              <a:t> : Sprite</a:t>
+            </a:r>
+          </a:p>
+          <a:p>
+            <a:pPr defTabSz="914400" eaLnBrk="0" fontAlgn="base" hangingPunct="0">
+              <a:spcBef>
+                <a:spcPct val="0"/>
+              </a:spcBef>
+              <a:spcAft>
+                <a:spcPct val="0"/>
+              </a:spcAft>
+            </a:pPr>
+            <a:r>
+              <a:rPr lang="en-US" altLang="en-US" sz="1100" dirty="0">
+                <a:highlight>
+                  <a:srgbClr val="00FF00"/>
+                </a:highlight>
+                <a:cs typeface="Times New Roman" panose="02020603050405020304" pitchFamily="18" charset="0"/>
+              </a:rPr>
+              <a:t>- </a:t>
+            </a:r>
+            <a:r>
+              <a:rPr lang="en-US" altLang="en-US" sz="1100" dirty="0" err="1">
+                <a:highlight>
+                  <a:srgbClr val="00FF00"/>
+                </a:highlight>
+                <a:cs typeface="Times New Roman" panose="02020603050405020304" pitchFamily="18" charset="0"/>
+              </a:rPr>
+              <a:t>pathfindingCost</a:t>
+            </a:r>
+            <a:r>
+              <a:rPr lang="en-US" altLang="en-US" sz="1100" dirty="0">
+                <a:highlight>
+                  <a:srgbClr val="00FF00"/>
+                </a:highlight>
+                <a:cs typeface="Times New Roman" panose="02020603050405020304" pitchFamily="18" charset="0"/>
+              </a:rPr>
+              <a:t> : float</a:t>
+            </a:r>
+            <a:endParaRPr lang="en-US" altLang="en-US" sz="1100" dirty="0">
+              <a:highlight>
+                <a:srgbClr val="00FF00"/>
+              </a:highlight>
+            </a:endParaRPr>
+          </a:p>
+          <a:p>
+            <a:pPr defTabSz="914400" eaLnBrk="0" fontAlgn="base" hangingPunct="0">
+              <a:spcBef>
+                <a:spcPct val="0"/>
+              </a:spcBef>
+              <a:spcAft>
+                <a:spcPct val="0"/>
+              </a:spcAft>
+            </a:pPr>
+            <a:r>
+              <a:rPr lang="en-US" altLang="en-US" sz="1100" dirty="0">
+                <a:highlight>
+                  <a:srgbClr val="00FF00"/>
+                </a:highlight>
                 <a:ea typeface="Calibri" panose="020F0502020204030204" pitchFamily="34" charset="0"/>
                 <a:cs typeface="Times New Roman" panose="02020603050405020304" pitchFamily="18" charset="0"/>
               </a:rPr>
-              <a:t>WorldObject</a:t>
-            </a:r>
-            <a:endParaRPr lang="en-US" altLang="en-US" sz="800" dirty="0"/>
-          </a:p>
-          <a:p>
-            <a:pPr defTabSz="914400" eaLnBrk="0" fontAlgn="base" hangingPunct="0">
-              <a:spcBef>
-                <a:spcPct val="0"/>
-              </a:spcBef>
-              <a:spcAft>
-                <a:spcPct val="0"/>
-              </a:spcAft>
-            </a:pPr>
-            <a:r>
-              <a:rPr lang="en-US" altLang="en-US" sz="1100" dirty="0">
-                <a:latin typeface="Calibri" panose="020F0502020204030204" pitchFamily="34" charset="0"/>
+              <a:t>+ placed : bool</a:t>
+            </a:r>
+            <a:endParaRPr lang="en-US" altLang="en-US" sz="1100" dirty="0">
+              <a:highlight>
+                <a:srgbClr val="00FF00"/>
+              </a:highlight>
+            </a:endParaRPr>
+          </a:p>
+          <a:p>
+            <a:pPr defTabSz="914400" eaLnBrk="0" fontAlgn="base" hangingPunct="0">
+              <a:spcBef>
+                <a:spcPct val="0"/>
+              </a:spcBef>
+              <a:spcAft>
+                <a:spcPct val="0"/>
+              </a:spcAft>
+            </a:pPr>
+            <a:r>
+              <a:rPr lang="en-US" altLang="en-US" sz="1100" i="1" dirty="0">
+                <a:highlight>
+                  <a:srgbClr val="00FF00"/>
+                </a:highlight>
                 <a:ea typeface="Calibri" panose="020F0502020204030204" pitchFamily="34" charset="0"/>
                 <a:cs typeface="Times New Roman" panose="02020603050405020304" pitchFamily="18" charset="0"/>
               </a:rPr>
-              <a:t>+ bool placed</a:t>
-            </a:r>
-            <a:endParaRPr lang="en-US" altLang="en-US" sz="800" dirty="0"/>
-          </a:p>
-          <a:p>
-            <a:pPr defTabSz="914400" eaLnBrk="0" fontAlgn="base" hangingPunct="0">
-              <a:spcBef>
-                <a:spcPct val="0"/>
-              </a:spcBef>
-              <a:spcAft>
-                <a:spcPct val="0"/>
-              </a:spcAft>
-            </a:pPr>
-            <a:r>
-              <a:rPr lang="en-US" altLang="en-US" sz="1100" dirty="0">
-                <a:latin typeface="Calibri" panose="020F0502020204030204" pitchFamily="34" charset="0"/>
-                <a:ea typeface="Calibri" panose="020F0502020204030204" pitchFamily="34" charset="0"/>
-                <a:cs typeface="Times New Roman" panose="02020603050405020304" pitchFamily="18" charset="0"/>
-              </a:rPr>
-              <a:t>+ health</a:t>
-            </a:r>
-            <a:endParaRPr lang="en-US" altLang="en-US" sz="800" dirty="0"/>
-          </a:p>
-          <a:p>
-            <a:pPr defTabSz="914400" eaLnBrk="0" fontAlgn="base" hangingPunct="0">
-              <a:spcBef>
-                <a:spcPct val="0"/>
-              </a:spcBef>
-              <a:spcAft>
-                <a:spcPct val="0"/>
-              </a:spcAft>
-            </a:pPr>
-            <a:r>
-              <a:rPr lang="en-US" altLang="en-US" sz="800" dirty="0">
-                <a:latin typeface="Arial" panose="020B0604020202020204" pitchFamily="34" charset="0"/>
-                <a:cs typeface="Times New Roman" panose="02020603050405020304" pitchFamily="18" charset="0"/>
-              </a:rPr>
-              <a:t>--------</a:t>
-            </a:r>
-          </a:p>
-          <a:p>
-            <a:pPr defTabSz="914400" eaLnBrk="0" fontAlgn="base" hangingPunct="0">
-              <a:spcBef>
-                <a:spcPct val="0"/>
-              </a:spcBef>
-              <a:spcAft>
-                <a:spcPct val="0"/>
-              </a:spcAft>
-            </a:pPr>
-            <a:r>
-              <a:rPr lang="en-US" altLang="en-US" sz="800" dirty="0">
-                <a:latin typeface="Arial" panose="020B0604020202020204" pitchFamily="34" charset="0"/>
-                <a:cs typeface="Times New Roman" panose="02020603050405020304" pitchFamily="18" charset="0"/>
-              </a:rPr>
-              <a:t>+ Abstract bool </a:t>
-            </a:r>
-            <a:r>
-              <a:rPr lang="en-US" altLang="en-US" sz="800" dirty="0" err="1">
-                <a:latin typeface="Arial" panose="020B0604020202020204" pitchFamily="34" charset="0"/>
+              <a:t>-----------------------------------------------------------------</a:t>
+            </a:r>
+            <a:endParaRPr lang="en-US" altLang="en-US" sz="1100" dirty="0">
+              <a:highlight>
+                <a:srgbClr val="00FF00"/>
+              </a:highlight>
+              <a:cs typeface="Times New Roman" panose="02020603050405020304" pitchFamily="18" charset="0"/>
+            </a:endParaRPr>
+          </a:p>
+          <a:p>
+            <a:pPr defTabSz="914400" eaLnBrk="0" fontAlgn="base" hangingPunct="0">
+              <a:spcBef>
+                <a:spcPct val="0"/>
+              </a:spcBef>
+              <a:spcAft>
+                <a:spcPct val="0"/>
+              </a:spcAft>
+            </a:pPr>
+            <a:r>
+              <a:rPr lang="en-US" altLang="en-US" sz="1100" dirty="0">
+                <a:highlight>
+                  <a:srgbClr val="00FF00"/>
+                </a:highlight>
+                <a:cs typeface="Times New Roman" panose="02020603050405020304" pitchFamily="18" charset="0"/>
+              </a:rPr>
+              <a:t>+ </a:t>
+            </a:r>
+            <a:r>
+              <a:rPr lang="en-US" altLang="en-US" sz="1100" dirty="0" err="1">
+                <a:highlight>
+                  <a:srgbClr val="00FF00"/>
+                </a:highlight>
+                <a:cs typeface="Times New Roman" panose="02020603050405020304" pitchFamily="18" charset="0"/>
+              </a:rPr>
+              <a:t>GetCurrentSprite</a:t>
+            </a:r>
+            <a:r>
+              <a:rPr lang="en-US" altLang="en-US" sz="1100" dirty="0">
+                <a:highlight>
+                  <a:srgbClr val="00FF00"/>
+                </a:highlight>
+                <a:cs typeface="Times New Roman" panose="02020603050405020304" pitchFamily="18" charset="0"/>
+              </a:rPr>
+              <a:t>() : Sprite &lt;&lt;override&gt;&gt;</a:t>
+            </a:r>
+          </a:p>
+          <a:p>
+            <a:pPr defTabSz="914400" eaLnBrk="0" fontAlgn="base" hangingPunct="0">
+              <a:spcBef>
+                <a:spcPct val="0"/>
+              </a:spcBef>
+              <a:spcAft>
+                <a:spcPct val="0"/>
+              </a:spcAft>
+            </a:pPr>
+            <a:r>
+              <a:rPr lang="en-US" altLang="en-US" sz="1100" i="1" dirty="0">
+                <a:highlight>
+                  <a:srgbClr val="00FF00"/>
+                </a:highlight>
+                <a:cs typeface="Times New Roman" panose="02020603050405020304" pitchFamily="18" charset="0"/>
+              </a:rPr>
+              <a:t>+ </a:t>
+            </a:r>
+            <a:r>
+              <a:rPr lang="en-US" altLang="en-US" sz="1100" i="1" dirty="0" err="1">
+                <a:highlight>
+                  <a:srgbClr val="00FF00"/>
+                </a:highlight>
                 <a:cs typeface="Times New Roman" panose="02020603050405020304" pitchFamily="18" charset="0"/>
               </a:rPr>
               <a:t>isSpaceFree</a:t>
             </a:r>
             <a:r>
-              <a:rPr lang="en-US" altLang="en-US" sz="800" dirty="0">
-                <a:latin typeface="Arial" panose="020B0604020202020204" pitchFamily="34" charset="0"/>
-                <a:cs typeface="Times New Roman" panose="02020603050405020304" pitchFamily="18" charset="0"/>
-              </a:rPr>
-              <a:t>(Vector2 position)</a:t>
-            </a:r>
-          </a:p>
-          <a:p>
-            <a:pPr defTabSz="914400" eaLnBrk="0" fontAlgn="base" hangingPunct="0">
-              <a:spcBef>
-                <a:spcPct val="0"/>
-              </a:spcBef>
-              <a:spcAft>
-                <a:spcPct val="0"/>
-              </a:spcAft>
-            </a:pPr>
-            <a:r>
-              <a:rPr lang="en-US" altLang="en-US" sz="800" dirty="0">
-                <a:latin typeface="Arial" panose="020B0604020202020204" pitchFamily="34" charset="0"/>
-                <a:cs typeface="Times New Roman" panose="02020603050405020304" pitchFamily="18" charset="0"/>
-              </a:rPr>
-              <a:t>+ bool Place(Vector2 position)</a:t>
+              <a:rPr lang="en-US" altLang="en-US" sz="1100" i="1" dirty="0">
+                <a:highlight>
+                  <a:srgbClr val="00FF00"/>
+                </a:highlight>
+                <a:cs typeface="Times New Roman" panose="02020603050405020304" pitchFamily="18" charset="0"/>
+              </a:rPr>
+              <a:t>(Vector2Int): bool</a:t>
+            </a:r>
+          </a:p>
+          <a:p>
+            <a:pPr defTabSz="914400" eaLnBrk="0" fontAlgn="base" hangingPunct="0">
+              <a:spcBef>
+                <a:spcPct val="0"/>
+              </a:spcBef>
+              <a:spcAft>
+                <a:spcPct val="0"/>
+              </a:spcAft>
+            </a:pPr>
+            <a:r>
+              <a:rPr lang="en-US" altLang="en-US" sz="1100" i="1" dirty="0">
+                <a:highlight>
+                  <a:srgbClr val="00FF00"/>
+                </a:highlight>
+                <a:cs typeface="Times New Roman" panose="02020603050405020304" pitchFamily="18" charset="0"/>
+              </a:rPr>
+              <a:t>+ </a:t>
+            </a:r>
+            <a:r>
+              <a:rPr lang="en-US" altLang="en-US" sz="1100" i="1" dirty="0" err="1">
+                <a:highlight>
+                  <a:srgbClr val="00FF00"/>
+                </a:highlight>
+                <a:cs typeface="Times New Roman" panose="02020603050405020304" pitchFamily="18" charset="0"/>
+              </a:rPr>
+              <a:t>GetWorldObjectInventory</a:t>
+            </a:r>
+            <a:r>
+              <a:rPr lang="en-US" altLang="en-US" sz="1100" i="1" dirty="0">
+                <a:highlight>
+                  <a:srgbClr val="00FF00"/>
+                </a:highlight>
+                <a:cs typeface="Times New Roman" panose="02020603050405020304" pitchFamily="18" charset="0"/>
+              </a:rPr>
+              <a:t>(Vector2Int) : Inventory</a:t>
+            </a:r>
+          </a:p>
+          <a:p>
+            <a:pPr defTabSz="914400" eaLnBrk="0" fontAlgn="base" hangingPunct="0">
+              <a:spcBef>
+                <a:spcPct val="0"/>
+              </a:spcBef>
+              <a:spcAft>
+                <a:spcPct val="0"/>
+              </a:spcAft>
+            </a:pPr>
+            <a:r>
+              <a:rPr lang="en-US" altLang="en-US" sz="1100" dirty="0">
+                <a:highlight>
+                  <a:srgbClr val="00FF00"/>
+                </a:highlight>
+                <a:cs typeface="Times New Roman" panose="02020603050405020304" pitchFamily="18" charset="0"/>
+              </a:rPr>
+              <a:t>+ Place(Vector2Int) : bool</a:t>
+            </a:r>
+          </a:p>
+          <a:p>
+            <a:pPr defTabSz="914400" eaLnBrk="0" fontAlgn="base" hangingPunct="0">
+              <a:spcBef>
+                <a:spcPct val="0"/>
+              </a:spcBef>
+              <a:spcAft>
+                <a:spcPct val="0"/>
+              </a:spcAft>
+            </a:pPr>
+            <a:r>
+              <a:rPr lang="en-US" altLang="en-US" sz="1100" dirty="0">
+                <a:highlight>
+                  <a:srgbClr val="00FF00"/>
+                </a:highlight>
+                <a:cs typeface="Times New Roman" panose="02020603050405020304" pitchFamily="18" charset="0"/>
+              </a:rPr>
+              <a:t>+ Take(Vector2Int) : bool</a:t>
+            </a:r>
+          </a:p>
+          <a:p>
+            <a:pPr defTabSz="914400" eaLnBrk="0" fontAlgn="base" hangingPunct="0">
+              <a:spcBef>
+                <a:spcPct val="0"/>
+              </a:spcBef>
+              <a:spcAft>
+                <a:spcPct val="0"/>
+              </a:spcAft>
+            </a:pPr>
+            <a:r>
+              <a:rPr lang="en-US" altLang="en-US" sz="1100" i="1" dirty="0">
+                <a:highlight>
+                  <a:srgbClr val="00FF00"/>
+                </a:highlight>
+                <a:cs typeface="Times New Roman" panose="02020603050405020304" pitchFamily="18" charset="0"/>
+              </a:rPr>
+              <a:t>+ </a:t>
+            </a:r>
+            <a:r>
+              <a:rPr lang="en-US" altLang="en-US" sz="1100" i="1" dirty="0" err="1">
+                <a:highlight>
+                  <a:srgbClr val="00FF00"/>
+                </a:highlight>
+                <a:cs typeface="Times New Roman" panose="02020603050405020304" pitchFamily="18" charset="0"/>
+              </a:rPr>
+              <a:t>GetPathfindingCost</a:t>
+            </a:r>
+            <a:r>
+              <a:rPr lang="en-US" altLang="en-US" sz="1100" i="1" dirty="0">
+                <a:highlight>
+                  <a:srgbClr val="00FF00"/>
+                </a:highlight>
+                <a:cs typeface="Times New Roman" panose="02020603050405020304" pitchFamily="18" charset="0"/>
+              </a:rPr>
+              <a:t>() : float</a:t>
             </a:r>
           </a:p>
           <a:p>
@@ -3818,8 +4543,8 @@
         </p:nvSpPr>
         <p:spPr bwMode="auto">
           <a:xfrm>
-            <a:off x="14546038" y="1676724"/>
-            <a:ext cx="1438275" cy="590550"/>
+            <a:off x="13716818" y="1877696"/>
+            <a:ext cx="3976822" cy="1176963"/>
           </a:xfrm>
           <a:prstGeom prst="rect">
             <a:avLst/>
@@ -3853,27 +4578,175 @@
               </a:spcAft>
             </a:pPr>
             <a:r>
-              <a:rPr lang="en-US" altLang="en-US" sz="1100">
-                <a:latin typeface="Calibri" panose="020F0502020204030204" pitchFamily="34" charset="0"/>
+              <a:rPr lang="en-US" altLang="en-US" sz="1100" i="1" dirty="0">
+                <a:highlight>
+                  <a:srgbClr val="00FF00"/>
+                </a:highlight>
                 <a:ea typeface="Calibri" panose="020F0502020204030204" pitchFamily="34" charset="0"/>
                 <a:cs typeface="Times New Roman" panose="02020603050405020304" pitchFamily="18" charset="0"/>
               </a:rPr>
               <a:t>Wall</a:t>
             </a:r>
-            <a:endParaRPr lang="en-US" altLang="en-US" sz="800"/>
-          </a:p>
-          <a:p>
-            <a:pPr defTabSz="914400" eaLnBrk="0" fontAlgn="base" hangingPunct="0">
-              <a:spcBef>
-                <a:spcPct val="0"/>
-              </a:spcBef>
-              <a:spcAft>
-                <a:spcPct val="0"/>
-              </a:spcAft>
-            </a:pPr>
-            <a:endParaRPr lang="en-US" altLang="en-US" sz="1800">
-              <a:latin typeface="Arial" panose="020B0604020202020204" pitchFamily="34" charset="0"/>
+            <a:endParaRPr lang="en-US" altLang="en-US" sz="1100" i="1" dirty="0">
+              <a:highlight>
+                <a:srgbClr val="00FF00"/>
+              </a:highlight>
             </a:endParaRPr>
+          </a:p>
+          <a:p>
+            <a:pPr defTabSz="914400" eaLnBrk="0" fontAlgn="base" hangingPunct="0">
+              <a:spcBef>
+                <a:spcPct val="0"/>
+              </a:spcBef>
+              <a:spcAft>
+                <a:spcPct val="0"/>
+              </a:spcAft>
+            </a:pPr>
+            <a:r>
+              <a:rPr lang="en-US" altLang="en-US" sz="1100" dirty="0">
+                <a:highlight>
+                  <a:srgbClr val="00FF00"/>
+                </a:highlight>
+              </a:rPr>
+              <a:t>---------------------------------------------------------------------------------------</a:t>
+            </a:r>
+          </a:p>
+          <a:p>
+            <a:pPr defTabSz="914400" eaLnBrk="0" fontAlgn="base" hangingPunct="0">
+              <a:spcBef>
+                <a:spcPct val="0"/>
+              </a:spcBef>
+              <a:spcAft>
+                <a:spcPct val="0"/>
+              </a:spcAft>
+            </a:pPr>
+            <a:r>
+              <a:rPr lang="en-US" altLang="en-US" sz="1100" dirty="0">
+                <a:highlight>
+                  <a:srgbClr val="00FF00"/>
+                </a:highlight>
+              </a:rPr>
+              <a:t>+ </a:t>
+            </a:r>
+            <a:r>
+              <a:rPr lang="en-US" altLang="en-US" sz="1100" dirty="0" err="1">
+                <a:highlight>
+                  <a:srgbClr val="00FF00"/>
+                </a:highlight>
+              </a:rPr>
+              <a:t>blocksUnits</a:t>
+            </a:r>
+            <a:r>
+              <a:rPr lang="en-US" altLang="en-US" sz="1100" dirty="0">
+                <a:highlight>
+                  <a:srgbClr val="00FF00"/>
+                </a:highlight>
+              </a:rPr>
+              <a:t> : bool</a:t>
+            </a:r>
+          </a:p>
+          <a:p>
+            <a:pPr defTabSz="914400" eaLnBrk="0" fontAlgn="base" hangingPunct="0">
+              <a:spcBef>
+                <a:spcPct val="0"/>
+              </a:spcBef>
+              <a:spcAft>
+                <a:spcPct val="0"/>
+              </a:spcAft>
+            </a:pPr>
+            <a:r>
+              <a:rPr lang="en-US" altLang="en-US" sz="1100" dirty="0">
+                <a:highlight>
+                  <a:srgbClr val="00FF00"/>
+                </a:highlight>
+              </a:rPr>
+              <a:t>---------------------------------------------------------------------------------------</a:t>
+            </a:r>
+          </a:p>
+          <a:p>
+            <a:pPr defTabSz="914400" eaLnBrk="0" fontAlgn="base" hangingPunct="0">
+              <a:spcBef>
+                <a:spcPct val="0"/>
+              </a:spcBef>
+              <a:spcAft>
+                <a:spcPct val="0"/>
+              </a:spcAft>
+            </a:pPr>
+            <a:r>
+              <a:rPr lang="en-US" altLang="en-US" sz="1100" dirty="0">
+                <a:highlight>
+                  <a:srgbClr val="00FF00"/>
+                </a:highlight>
+                <a:cs typeface="Times New Roman" panose="02020603050405020304" pitchFamily="18" charset="0"/>
+              </a:rPr>
+              <a:t>+ </a:t>
+            </a:r>
+            <a:r>
+              <a:rPr lang="en-US" altLang="en-US" sz="1100" dirty="0" err="1">
+                <a:highlight>
+                  <a:srgbClr val="00FF00"/>
+                </a:highlight>
+                <a:cs typeface="Times New Roman" panose="02020603050405020304" pitchFamily="18" charset="0"/>
+              </a:rPr>
+              <a:t>isSpaceFree</a:t>
+            </a:r>
+            <a:r>
+              <a:rPr lang="en-US" altLang="en-US" sz="1100" dirty="0">
+                <a:highlight>
+                  <a:srgbClr val="00FF00"/>
+                </a:highlight>
+                <a:cs typeface="Times New Roman" panose="02020603050405020304" pitchFamily="18" charset="0"/>
+              </a:rPr>
+              <a:t>(Vector2Int): bool &lt;&lt;override&gt;&gt;</a:t>
+            </a:r>
+          </a:p>
+          <a:p>
+            <a:pPr defTabSz="914400" eaLnBrk="0" fontAlgn="base" hangingPunct="0">
+              <a:spcBef>
+                <a:spcPct val="0"/>
+              </a:spcBef>
+              <a:spcAft>
+                <a:spcPct val="0"/>
+              </a:spcAft>
+            </a:pPr>
+            <a:r>
+              <a:rPr lang="en-US" altLang="en-US" sz="1100" dirty="0">
+                <a:highlight>
+                  <a:srgbClr val="00FF00"/>
+                </a:highlight>
+                <a:cs typeface="Times New Roman" panose="02020603050405020304" pitchFamily="18" charset="0"/>
+              </a:rPr>
+              <a:t>+ </a:t>
+            </a:r>
+            <a:r>
+              <a:rPr lang="en-US" altLang="en-US" sz="1100" dirty="0" err="1">
+                <a:highlight>
+                  <a:srgbClr val="00FF00"/>
+                </a:highlight>
+                <a:cs typeface="Times New Roman" panose="02020603050405020304" pitchFamily="18" charset="0"/>
+              </a:rPr>
+              <a:t>GetWorldObjectInventory</a:t>
+            </a:r>
+            <a:r>
+              <a:rPr lang="en-US" altLang="en-US" sz="1100" dirty="0">
+                <a:highlight>
+                  <a:srgbClr val="00FF00"/>
+                </a:highlight>
+                <a:cs typeface="Times New Roman" panose="02020603050405020304" pitchFamily="18" charset="0"/>
+              </a:rPr>
+              <a:t>(Vector2Int) : Inventory &lt;&lt;override&gt;&gt;</a:t>
+            </a:r>
+          </a:p>
+          <a:p>
+            <a:pPr defTabSz="914400" eaLnBrk="0" fontAlgn="base" hangingPunct="0">
+              <a:spcBef>
+                <a:spcPct val="0"/>
+              </a:spcBef>
+              <a:spcAft>
+                <a:spcPct val="0"/>
+              </a:spcAft>
+            </a:pPr>
+            <a:endParaRPr lang="en-US" altLang="en-US" sz="1100" dirty="0"/>
           </a:p>
         </p:txBody>
       </p:sp>
@@ -3893,8 +4766,8 @@
         </p:nvSpPr>
         <p:spPr bwMode="auto">
           <a:xfrm>
-            <a:off x="14547042" y="6240609"/>
-            <a:ext cx="1438275" cy="590550"/>
+            <a:off x="13716818" y="6240608"/>
+            <a:ext cx="3976822" cy="988380"/>
           </a:xfrm>
           <a:prstGeom prst="rect">
             <a:avLst/>
@@ -3928,26 +4801,104 @@
               </a:spcAft>
             </a:pPr>
             <a:r>
-              <a:rPr lang="en-US" altLang="en-US" sz="1100">
-                <a:latin typeface="Calibri" panose="020F0502020204030204" pitchFamily="34" charset="0"/>
+              <a:rPr lang="en-US" altLang="en-US" sz="1100" i="1" dirty="0">
+                <a:highlight>
+                  <a:srgbClr val="00FF00"/>
+                </a:highlight>
                 <a:ea typeface="Calibri" panose="020F0502020204030204" pitchFamily="34" charset="0"/>
                 <a:cs typeface="Times New Roman" panose="02020603050405020304" pitchFamily="18" charset="0"/>
               </a:rPr>
               <a:t>Floor</a:t>
             </a:r>
-            <a:endParaRPr lang="en-US" altLang="en-US" sz="800"/>
-          </a:p>
-          <a:p>
-            <a:pPr defTabSz="914400" eaLnBrk="0" fontAlgn="base" hangingPunct="0">
-              <a:spcBef>
-                <a:spcPct val="0"/>
-              </a:spcBef>
-              <a:spcAft>
-                <a:spcPct val="0"/>
-              </a:spcAft>
-            </a:pPr>
-            <a:endParaRPr lang="en-US" altLang="en-US" sz="1800">
-              <a:latin typeface="Arial" panose="020B0604020202020204" pitchFamily="34" charset="0"/>
+            <a:endParaRPr lang="en-US" altLang="en-US" sz="1100" i="1" dirty="0">
+              <a:highlight>
+                <a:srgbClr val="00FF00"/>
+              </a:highlight>
+            </a:endParaRPr>
+          </a:p>
+          <a:p>
+            <a:pPr defTabSz="914400" eaLnBrk="0" fontAlgn="base" hangingPunct="0">
+              <a:spcBef>
+                <a:spcPct val="0"/>
+              </a:spcBef>
+              <a:spcAft>
+                <a:spcPct val="0"/>
+              </a:spcAft>
+            </a:pPr>
+            <a:r>
+              <a:rPr lang="en-US" altLang="en-US" sz="1100" dirty="0">
+                <a:highlight>
+                  <a:srgbClr val="00FF00"/>
+                </a:highlight>
+              </a:rPr>
+              <a:t>----------------------------------------------------------------------------------------</a:t>
+            </a:r>
+          </a:p>
+          <a:p>
+            <a:pPr defTabSz="914400" eaLnBrk="0" fontAlgn="base" hangingPunct="0">
+              <a:spcBef>
+                <a:spcPct val="0"/>
+              </a:spcBef>
+              <a:spcAft>
+                <a:spcPct val="0"/>
+              </a:spcAft>
+            </a:pPr>
+            <a:r>
+              <a:rPr lang="en-US" altLang="en-US" sz="1100" dirty="0">
+                <a:highlight>
+                  <a:srgbClr val="00FF00"/>
+                </a:highlight>
+              </a:rPr>
+              <a:t>+ </a:t>
+            </a:r>
+            <a:r>
+              <a:rPr lang="en-US" altLang="en-US" sz="1100" dirty="0" err="1">
+                <a:highlight>
+                  <a:srgbClr val="00FF00"/>
+                </a:highlight>
+              </a:rPr>
+              <a:t>canSupportWall</a:t>
+            </a:r>
+            <a:r>
+              <a:rPr lang="en-US" altLang="en-US" sz="1100" dirty="0">
+                <a:highlight>
+                  <a:srgbClr val="00FF00"/>
+                </a:highlight>
+              </a:rPr>
+              <a:t> : bool</a:t>
+            </a:r>
+          </a:p>
+          <a:p>
+            <a:pPr defTabSz="914400" eaLnBrk="0" fontAlgn="base" hangingPunct="0">
+              <a:spcBef>
+                <a:spcPct val="0"/>
+              </a:spcBef>
+              <a:spcAft>
+                <a:spcPct val="0"/>
+              </a:spcAft>
+            </a:pPr>
+            <a:r>
+              <a:rPr lang="en-US" altLang="en-US" sz="1100" dirty="0">
+                <a:highlight>
+                  <a:srgbClr val="00FF00"/>
+                </a:highlight>
+              </a:rPr>
+              <a:t>----------------------------------------------------------------------------------------</a:t>
+            </a:r>
+          </a:p>
+          <a:p>
+            <a:pPr defTabSz="914400" eaLnBrk="0" fontAlgn="base" hangingPunct="0">
+              <a:spcBef>
+                <a:spcPct val="0"/>
+              </a:spcBef>
+              <a:spcAft>
+                <a:spcPct val="0"/>
+              </a:spcAft>
+            </a:pPr>
+            <a:endParaRPr lang="en-US" altLang="en-US" sz="1100" dirty="0">
+              <a:highlight>
+                <a:srgbClr val="00FF00"/>
+              </a:highlight>
             </a:endParaRPr>
           </a:p>
         </p:txBody>
@@ -3968,7 +4919,7 @@
         </p:nvSpPr>
         <p:spPr bwMode="auto">
           <a:xfrm>
-            <a:off x="749210" y="7577157"/>
+            <a:off x="749210" y="8697297"/>
             <a:ext cx="745958" cy="600075"/>
           </a:xfrm>
           <a:prstGeom prst="rect">
@@ -4078,25 +5029,25 @@
               </a:spcAft>
             </a:pPr>
             <a:r>
-              <a:rPr lang="en-US" altLang="en-US" sz="1100">
+              <a:rPr lang="en-US" altLang="en-US" sz="1100" i="1" dirty="0">
                 <a:latin typeface="Calibri" panose="020F0502020204030204" pitchFamily="34" charset="0"/>
                 <a:ea typeface="Calibri" panose="020F0502020204030204" pitchFamily="34" charset="0"/>
                 <a:cs typeface="Times New Roman" panose="02020603050405020304" pitchFamily="18" charset="0"/>
               </a:rPr>
               <a:t>Unit</a:t>
             </a:r>
-            <a:endParaRPr lang="en-US" altLang="en-US" sz="800"/>
-          </a:p>
-          <a:p>
-            <a:pPr defTabSz="914400" eaLnBrk="0" fontAlgn="base" hangingPunct="0">
-              <a:spcBef>
-                <a:spcPct val="0"/>
-              </a:spcBef>
-              <a:spcAft>
-                <a:spcPct val="0"/>
-              </a:spcAft>
-            </a:pPr>
-            <a:endParaRPr lang="en-US" altLang="en-US" sz="1800">
+            <a:endParaRPr lang="en-US" altLang="en-US" sz="800" i="1" dirty="0"/>
+          </a:p>
+          <a:p>
+            <a:pPr defTabSz="914400" eaLnBrk="0" fontAlgn="base" hangingPunct="0">
+              <a:spcBef>
+                <a:spcPct val="0"/>
+              </a:spcBef>
+              <a:spcAft>
+                <a:spcPct val="0"/>
+              </a:spcAft>
+            </a:pPr>
+            <a:endParaRPr lang="en-US" altLang="en-US" sz="1800" dirty="0">
               <a:latin typeface="Arial" panose="020B0604020202020204" pitchFamily="34" charset="0"/>
             </a:endParaRPr>
           </a:p>
@@ -4120,8 +5071,8 @@
         </p:nvCxnSpPr>
         <p:spPr>
           <a:xfrm flipV="1">
-            <a:off x="6431380" y="4398639"/>
-            <a:ext cx="1741069" cy="508715"/>
+            <a:off x="5825233" y="3655455"/>
+            <a:ext cx="3104363" cy="1516938"/>
           </a:xfrm>
           <a:prstGeom prst="bentConnector3">
             <a:avLst/>
@@ -4163,12 +5114,12 @@
         </p:nvCxnSpPr>
         <p:spPr>
           <a:xfrm>
-            <a:off x="11150600" y="4398639"/>
-            <a:ext cx="3396442" cy="2137245"/>
+            <a:off x="12094565" y="3655455"/>
+            <a:ext cx="1622253" cy="3079343"/>
           </a:xfrm>
           <a:prstGeom prst="bentConnector3">
             <a:avLst>
-              <a:gd name="adj1" fmla="val 32800"/>
+              <a:gd name="adj1" fmla="val 50000"/>
             </a:avLst>
           </a:prstGeom>
           <a:ln>
@@ -4208,12 +5159,12 @@
         </p:nvCxnSpPr>
         <p:spPr>
           <a:xfrm flipV="1">
-            <a:off x="11150600" y="1971999"/>
-            <a:ext cx="3395438" cy="2426640"/>
+            <a:off x="12094565" y="2466178"/>
+            <a:ext cx="1622253" cy="1189277"/>
           </a:xfrm>
           <a:prstGeom prst="bentConnector3">
             <a:avLst>
-              <a:gd name="adj1" fmla="val 32421"/>
+              <a:gd name="adj1" fmla="val 50000"/>
             </a:avLst>
           </a:prstGeom>
           <a:ln>
@@ -4253,8 +5204,8 @@
         </p:nvCxnSpPr>
         <p:spPr>
           <a:xfrm rot="16200000" flipH="1">
-            <a:off x="9579692" y="6322441"/>
-            <a:ext cx="1541465" cy="1377799"/>
+            <a:off x="9261785" y="6004535"/>
+            <a:ext cx="3027834" cy="527243"/>
           </a:xfrm>
           <a:prstGeom prst="bentConnector3">
             <a:avLst>
@@ -4296,7 +5247,7 @@
         </p:nvSpPr>
         <p:spPr bwMode="auto">
           <a:xfrm>
-            <a:off x="1868147" y="7572413"/>
+            <a:off x="1868147" y="8692553"/>
             <a:ext cx="745958" cy="600075"/>
           </a:xfrm>
           <a:prstGeom prst="rect">
@@ -4371,7 +5322,7 @@
         </p:nvSpPr>
         <p:spPr bwMode="auto">
           <a:xfrm>
-            <a:off x="3132907" y="7562926"/>
+            <a:off x="3132907" y="8683066"/>
             <a:ext cx="745958" cy="600075"/>
           </a:xfrm>
           <a:prstGeom prst="rect">
@@ -4447,11 +5398,13 @@
         </p:nvCxnSpPr>
         <p:spPr>
           <a:xfrm rot="5400000">
-            <a:off x="2644460" y="5548601"/>
-            <a:ext cx="506285" cy="3550826"/>
+            <a:off x="1892140" y="6831000"/>
+            <a:ext cx="1096346" cy="2636248"/>
           </a:xfrm>
           <a:prstGeom prst="bentConnector3">
-            <a:avLst/>
+            <a:avLst>
+              <a:gd name="adj1" fmla="val 50000"/>
+            </a:avLst>
           </a:prstGeom>
           <a:ln>
             <a:tailEnd type="triangle"/>
@@ -4490,8 +5443,8 @@
         </p:nvCxnSpPr>
         <p:spPr>
           <a:xfrm rot="5400000">
-            <a:off x="3206301" y="6105698"/>
-            <a:ext cx="501541" cy="2431889"/>
+            <a:off x="2453981" y="7388097"/>
+            <a:ext cx="1091602" cy="1517311"/>
           </a:xfrm>
           <a:prstGeom prst="bentConnector3">
             <a:avLst>
@@ -4535,8 +5488,8 @@
         </p:nvCxnSpPr>
         <p:spPr>
           <a:xfrm rot="5400000">
-            <a:off x="3843424" y="6733335"/>
-            <a:ext cx="492054" cy="1167129"/>
+            <a:off x="3091105" y="8015733"/>
+            <a:ext cx="1082115" cy="252551"/>
           </a:xfrm>
           <a:prstGeom prst="bentConnector3">
             <a:avLst>
@@ -4717,7 +5670,7 @@
         </p:nvSpPr>
         <p:spPr bwMode="auto">
           <a:xfrm>
-            <a:off x="13260557" y="3120626"/>
+            <a:off x="13260557" y="3765860"/>
             <a:ext cx="1846093" cy="711201"/>
           </a:xfrm>
           <a:prstGeom prst="rect">
@@ -4833,321 +5786,8 @@
         </p:nvCxnSpPr>
         <p:spPr>
           <a:xfrm rot="5400000">
-            <a:off x="14297714" y="2153164"/>
-            <a:ext cx="853352" cy="1081572"/>
-          </a:xfrm>
-          <a:prstGeom prst="bentConnector3">
-            <a:avLst/>
-          </a:prstGeom>
-          <a:ln>
-            <a:tailEnd type="triangle"/>
-          </a:ln>
-        </p:spPr>
-        <p:style>
-          <a:lnRef idx="1">
-            <a:schemeClr val="accent1"/>
-          </a:lnRef>
-          <a:fillRef idx="0">
-            <a:schemeClr val="accent1"/>
-          </a:fillRef>
-          <a:effectRef idx="0">
-            <a:schemeClr val="accent1"/>
-          </a:effectRef>
-          <a:fontRef idx="minor">
-            <a:schemeClr val="tx1"/>
-          </a:fontRef>
-        </p:style>
-      </p:cxnSp>
-      <p:sp>
-        <p:nvSpPr>
-          <p:cNvPr id="55" name="Text Box 1">
-            <a:extLst>
-              <a:ext uri="{FF2B5EF4-FFF2-40B4-BE49-F238E27FC236}">
-                <a16:creationId xmlns:a16="http://schemas.microsoft.com/office/drawing/2014/main" id="{2B55F062-370C-4724-BD09-0AFF6A2FAF48}"/>
-              </a:ext>
-            </a:extLst>
-          </p:cNvPr>
-          <p:cNvSpPr txBox="1">
-            <a:spLocks noChangeArrowheads="1"/>
-          </p:cNvSpPr>
-          <p:nvPr/>
-        </p:nvSpPr>
-        <p:spPr bwMode="auto">
-          <a:xfrm>
-            <a:off x="13621568" y="7073580"/>
-            <a:ext cx="1533525" cy="711201"/>
-          </a:xfrm>
-          <a:prstGeom prst="rect">
-            <a:avLst/>
-          </a:prstGeom>
-          <a:solidFill>
-            <a:srgbClr val="FFFFFF"/>
-          </a:solidFill>
-          <a:ln w="9525">
-            <a:solidFill>
-              <a:srgbClr val="000000"/>
-            </a:solidFill>
-            <a:miter lim="800000"/>
-            <a:headEnd/>
-            <a:tailEnd/>
-          </a:ln>
-        </p:spPr>
-        <p:txBody>
-          <a:bodyPr vert="horz" wrap="square" lIns="91440" tIns="45720" rIns="91440" bIns="45720" numCol="1" anchor="t" anchorCtr="0" compatLnSpc="1">
-            <a:prstTxWarp prst="textNoShape">
-              <a:avLst/>
-            </a:prstTxWarp>
-          </a:bodyPr>
-          <a:lstStyle/>
-          <a:p>
-            <a:pPr defTabSz="914400" eaLnBrk="0" fontAlgn="base" hangingPunct="0">
-              <a:spcBef>
-                <a:spcPct val="0"/>
-              </a:spcBef>
-              <a:spcAft>
-                <a:spcPct val="0"/>
-              </a:spcAft>
-            </a:pPr>
-            <a:r>
-              <a:rPr lang="en-US" altLang="en-US" sz="1100" dirty="0" err="1">
-                <a:latin typeface="Calibri" panose="020F0502020204030204" pitchFamily="34" charset="0"/>
-                <a:ea typeface="Calibri" panose="020F0502020204030204" pitchFamily="34" charset="0"/>
-                <a:cs typeface="Times New Roman" panose="02020603050405020304" pitchFamily="18" charset="0"/>
-              </a:rPr>
-              <a:t>FloorSnappable</a:t>
-            </a:r>
-            <a:endParaRPr lang="en-US" altLang="en-US" sz="1100" dirty="0">
-              <a:latin typeface="Calibri" panose="020F0502020204030204" pitchFamily="34" charset="0"/>
-              <a:ea typeface="Calibri" panose="020F0502020204030204" pitchFamily="34" charset="0"/>
-              <a:cs typeface="Times New Roman" panose="02020603050405020304" pitchFamily="18" charset="0"/>
-            </a:endParaRPr>
-          </a:p>
-          <a:p>
-            <a:pPr defTabSz="914400" eaLnBrk="0" fontAlgn="base" hangingPunct="0">
-              <a:spcBef>
-                <a:spcPct val="0"/>
-              </a:spcBef>
-              <a:spcAft>
-                <a:spcPct val="0"/>
-              </a:spcAft>
-            </a:pPr>
-            <a:r>
-              <a:rPr lang="en-US" altLang="en-US" sz="1100" dirty="0">
-                <a:latin typeface="Calibri" panose="020F0502020204030204" pitchFamily="34" charset="0"/>
-                <a:cs typeface="Times New Roman" panose="02020603050405020304" pitchFamily="18" charset="0"/>
-              </a:rPr>
-              <a:t>---------------------------</a:t>
-            </a:r>
-          </a:p>
-          <a:p>
-            <a:pPr defTabSz="914400" eaLnBrk="0" fontAlgn="base" hangingPunct="0">
-              <a:spcBef>
-                <a:spcPct val="0"/>
-              </a:spcBef>
-              <a:spcAft>
-                <a:spcPct val="0"/>
-              </a:spcAft>
-            </a:pPr>
-            <a:r>
-              <a:rPr lang="en-US" altLang="en-US" sz="1100" dirty="0">
-                <a:latin typeface="Calibri" panose="020F0502020204030204" pitchFamily="34" charset="0"/>
-                <a:cs typeface="Times New Roman" panose="02020603050405020304" pitchFamily="18" charset="0"/>
-              </a:rPr>
-              <a:t>Floors that have sprites that snap to each other</a:t>
-            </a:r>
-            <a:endParaRPr lang="en-US" altLang="en-US" sz="800" dirty="0"/>
-          </a:p>
-          <a:p>
-            <a:pPr defTabSz="914400" eaLnBrk="0" fontAlgn="base" hangingPunct="0">
-              <a:spcBef>
-                <a:spcPct val="0"/>
-              </a:spcBef>
-              <a:spcAft>
-                <a:spcPct val="0"/>
-              </a:spcAft>
-            </a:pPr>
-            <a:endParaRPr lang="en-US" altLang="en-US" sz="1800" dirty="0">
-              <a:latin typeface="Arial" panose="020B0604020202020204" pitchFamily="34" charset="0"/>
-            </a:endParaRPr>
-          </a:p>
-        </p:txBody>
-      </p:sp>
-      <p:cxnSp>
-        <p:nvCxnSpPr>
-          <p:cNvPr id="57" name="Connector: Elbow 56">
-            <a:extLst>
-              <a:ext uri="{FF2B5EF4-FFF2-40B4-BE49-F238E27FC236}">
-                <a16:creationId xmlns:a16="http://schemas.microsoft.com/office/drawing/2014/main" id="{410F9EC9-1A3D-4A92-8881-A7001F749C21}"/>
-              </a:ext>
-            </a:extLst>
-          </p:cNvPr>
-          <p:cNvCxnSpPr>
-            <a:stCxn id="7" idx="2"/>
-            <a:endCxn id="55" idx="0"/>
-          </p:cNvCxnSpPr>
-          <p:nvPr/>
-        </p:nvCxnSpPr>
-        <p:spPr>
-          <a:xfrm rot="5400000">
-            <a:off x="14706046" y="6513445"/>
-            <a:ext cx="242421" cy="877849"/>
-          </a:xfrm>
-          <a:prstGeom prst="bentConnector3">
-            <a:avLst/>
-          </a:prstGeom>
-          <a:ln>
-            <a:tailEnd type="triangle"/>
-          </a:ln>
-        </p:spPr>
-        <p:style>
-          <a:lnRef idx="1">
-            <a:schemeClr val="accent1"/>
-          </a:lnRef>
-          <a:fillRef idx="0">
-            <a:schemeClr val="accent1"/>
-          </a:fillRef>
-          <a:effectRef idx="0">
-            <a:schemeClr val="accent1"/>
-          </a:effectRef>
-          <a:fontRef idx="minor">
-            <a:schemeClr val="tx1"/>
-          </a:fontRef>
-        </p:style>
-      </p:cxnSp>
-      <p:sp>
-        <p:nvSpPr>
-          <p:cNvPr id="59" name="Text Box 1">
-            <a:extLst>
-              <a:ext uri="{FF2B5EF4-FFF2-40B4-BE49-F238E27FC236}">
-                <a16:creationId xmlns:a16="http://schemas.microsoft.com/office/drawing/2014/main" id="{1EFCB648-148F-467A-86C3-B3C825DB8C4C}"/>
-              </a:ext>
-            </a:extLst>
-          </p:cNvPr>
-          <p:cNvSpPr txBox="1">
-            <a:spLocks noChangeArrowheads="1"/>
-          </p:cNvSpPr>
-          <p:nvPr/>
-        </p:nvSpPr>
-        <p:spPr bwMode="auto">
-          <a:xfrm>
-            <a:off x="15393764" y="7070872"/>
-            <a:ext cx="1533525" cy="711201"/>
-          </a:xfrm>
-          <a:prstGeom prst="rect">
-            <a:avLst/>
-          </a:prstGeom>
-          <a:solidFill>
-            <a:srgbClr val="FFFFFF"/>
-          </a:solidFill>
-          <a:ln w="9525">
-            <a:solidFill>
-              <a:srgbClr val="000000"/>
-            </a:solidFill>
-            <a:miter lim="800000"/>
-            <a:headEnd/>
-            <a:tailEnd/>
-          </a:ln>
-        </p:spPr>
-        <p:txBody>
-          <a:bodyPr vert="horz" wrap="square" lIns="91440" tIns="45720" rIns="91440" bIns="45720" numCol="1" anchor="t" anchorCtr="0" compatLnSpc="1">
-            <a:prstTxWarp prst="textNoShape">
-              <a:avLst/>
-            </a:prstTxWarp>
-          </a:bodyPr>
-          <a:lstStyle/>
-          <a:p>
-            <a:pPr defTabSz="914400" eaLnBrk="0" fontAlgn="base" hangingPunct="0">
-              <a:spcBef>
-                <a:spcPct val="0"/>
-              </a:spcBef>
-              <a:spcAft>
-                <a:spcPct val="0"/>
-              </a:spcAft>
-            </a:pPr>
-            <a:r>
-              <a:rPr lang="en-US" altLang="en-US" sz="1100" dirty="0" err="1">
-                <a:latin typeface="Calibri" panose="020F0502020204030204" pitchFamily="34" charset="0"/>
-                <a:ea typeface="Calibri" panose="020F0502020204030204" pitchFamily="34" charset="0"/>
-                <a:cs typeface="Times New Roman" panose="02020603050405020304" pitchFamily="18" charset="0"/>
-              </a:rPr>
-              <a:t>PitSnappable</a:t>
-            </a:r>
-            <a:endParaRPr lang="en-US" altLang="en-US" sz="1100" dirty="0">
-              <a:latin typeface="Calibri" panose="020F0502020204030204" pitchFamily="34" charset="0"/>
-              <a:ea typeface="Calibri" panose="020F0502020204030204" pitchFamily="34" charset="0"/>
-              <a:cs typeface="Times New Roman" panose="02020603050405020304" pitchFamily="18" charset="0"/>
-            </a:endParaRPr>
-          </a:p>
-          <a:p>
-            <a:pPr defTabSz="914400" eaLnBrk="0" fontAlgn="base" hangingPunct="0">
-              <a:spcBef>
-                <a:spcPct val="0"/>
-              </a:spcBef>
-              <a:spcAft>
-                <a:spcPct val="0"/>
-              </a:spcAft>
-            </a:pPr>
-            <a:r>
-              <a:rPr lang="en-US" altLang="en-US" sz="1100" dirty="0">
-                <a:latin typeface="Calibri" panose="020F0502020204030204" pitchFamily="34" charset="0"/>
-                <a:cs typeface="Times New Roman" panose="02020603050405020304" pitchFamily="18" charset="0"/>
-              </a:rPr>
-              <a:t>---------------------------</a:t>
-            </a:r>
-          </a:p>
-          <a:p>
-            <a:pPr defTabSz="914400" eaLnBrk="0" fontAlgn="base" hangingPunct="0">
-              <a:spcBef>
-                <a:spcPct val="0"/>
-              </a:spcBef>
-              <a:spcAft>
-                <a:spcPct val="0"/>
-              </a:spcAft>
-            </a:pPr>
-            <a:r>
-              <a:rPr lang="en-US" altLang="en-US" sz="1100" dirty="0">
-                <a:latin typeface="Calibri" panose="020F0502020204030204" pitchFamily="34" charset="0"/>
-                <a:cs typeface="Times New Roman" panose="02020603050405020304" pitchFamily="18" charset="0"/>
-              </a:rPr>
-              <a:t>Pits that have sprites that snap to each other</a:t>
-            </a:r>
-            <a:endParaRPr lang="en-US" altLang="en-US" sz="800" dirty="0"/>
-          </a:p>
-          <a:p>
-            <a:pPr defTabSz="914400" eaLnBrk="0" fontAlgn="base" hangingPunct="0">
-              <a:spcBef>
-                <a:spcPct val="0"/>
-              </a:spcBef>
-              <a:spcAft>
-                <a:spcPct val="0"/>
-              </a:spcAft>
-            </a:pPr>
-            <a:endParaRPr lang="en-US" altLang="en-US" sz="1800" dirty="0">
-              <a:latin typeface="Arial" panose="020B0604020202020204" pitchFamily="34" charset="0"/>
-            </a:endParaRPr>
-          </a:p>
-        </p:txBody>
-      </p:sp>
-      <p:cxnSp>
-        <p:nvCxnSpPr>
-          <p:cNvPr id="62" name="Connector: Elbow 61">
-            <a:extLst>
-              <a:ext uri="{FF2B5EF4-FFF2-40B4-BE49-F238E27FC236}">
-                <a16:creationId xmlns:a16="http://schemas.microsoft.com/office/drawing/2014/main" id="{05DBCBC5-BCDC-4711-9A21-1555A2B7941F}"/>
-              </a:ext>
-            </a:extLst>
-          </p:cNvPr>
-          <p:cNvCxnSpPr>
-            <a:cxnSpLocks/>
-            <a:stCxn id="7" idx="2"/>
-            <a:endCxn id="59" idx="0"/>
-          </p:cNvCxnSpPr>
-          <p:nvPr/>
-        </p:nvCxnSpPr>
-        <p:spPr>
-          <a:xfrm rot="16200000" flipH="1">
-            <a:off x="15593496" y="6503842"/>
-            <a:ext cx="239712" cy="894347"/>
+            <a:off x="14588817" y="2649447"/>
+            <a:ext cx="711201" cy="1521625"/>
           </a:xfrm>
           <a:prstGeom prst="bentConnector3">
             <a:avLst>
@@ -5175,10 +5815,10 @@
       </p:cxnSp>
       <p:sp>
         <p:nvSpPr>
-          <p:cNvPr id="70" name="Text Box 1">
+          <p:cNvPr id="55" name="Text Box 1">
             <a:extLst>
               <a:ext uri="{FF2B5EF4-FFF2-40B4-BE49-F238E27FC236}">
-                <a16:creationId xmlns:a16="http://schemas.microsoft.com/office/drawing/2014/main" id="{228ACAEE-0497-40A7-A0E3-920D949AD19D}"/>
+                <a16:creationId xmlns:a16="http://schemas.microsoft.com/office/drawing/2014/main" id="{2B55F062-370C-4724-BD09-0AFF6A2FAF48}"/>
               </a:ext>
             </a:extLst>
           </p:cNvPr>
@@ -5189,8 +5829,8 @@
         </p:nvSpPr>
         <p:spPr bwMode="auto">
           <a:xfrm>
-            <a:off x="15706726" y="3120626"/>
-            <a:ext cx="2331984" cy="988380"/>
+            <a:off x="14108240" y="8181656"/>
+            <a:ext cx="1533525" cy="711201"/>
           </a:xfrm>
           <a:prstGeom prst="rect">
             <a:avLst/>
@@ -5229,7 +5869,7 @@
                 <a:ea typeface="Calibri" panose="020F0502020204030204" pitchFamily="34" charset="0"/>
                 <a:cs typeface="Times New Roman" panose="02020603050405020304" pitchFamily="18" charset="0"/>
               </a:rPr>
-              <a:t>FenceSnappable</a:t>
+              <a:t>FloorSnappable</a:t>
             </a:r>
             <a:endParaRPr lang="en-US" altLang="en-US" sz="1100" dirty="0">
               <a:latin typeface="Calibri" panose="020F0502020204030204" pitchFamily="34" charset="0"/>
@@ -5268,7 +5908,7 @@
                 <a:latin typeface="Calibri" panose="020F0502020204030204" pitchFamily="34" charset="0"/>
                 <a:cs typeface="Times New Roman" panose="02020603050405020304" pitchFamily="18" charset="0"/>
               </a:rPr>
-              <a:t>Walls that have sprites that snap to each other but in a fence fashion.</a:t>
+              <a:t>Floors that have sprites that snap to each other</a:t>
             </a:r>
             <a:endParaRPr lang="en-US" altLang="en-US" sz="800" dirty="0"/>
           </a:p>
@@ -5289,24 +5929,181 @@
       </p:sp>
       <p:cxnSp>
         <p:nvCxnSpPr>
-          <p:cNvPr id="71" name="Connector: Elbow 70">
+          <p:cNvPr id="57" name="Connector: Elbow 56">
             <a:extLst>
               <a:ext uri="{FF2B5EF4-FFF2-40B4-BE49-F238E27FC236}">
-                <a16:creationId xmlns:a16="http://schemas.microsoft.com/office/drawing/2014/main" id="{23DA0303-62E1-4AB7-88B1-9A2CA4D16A5C}"/>
+                <a16:creationId xmlns:a16="http://schemas.microsoft.com/office/drawing/2014/main" id="{410F9EC9-1A3D-4A92-8881-A7001F749C21}"/>
               </a:ext>
             </a:extLst>
           </p:cNvPr>
           <p:cNvCxnSpPr>
             <a:cxnSpLocks/>
-            <a:stCxn id="6" idx="2"/>
-            <a:endCxn id="70" idx="0"/>
+            <a:stCxn id="7" idx="2"/>
+            <a:endCxn id="55" idx="0"/>
+          </p:cNvCxnSpPr>
+          <p:nvPr/>
+        </p:nvCxnSpPr>
+        <p:spPr>
+          <a:xfrm rot="5400000">
+            <a:off x="14813782" y="7290209"/>
+            <a:ext cx="952668" cy="830226"/>
+          </a:xfrm>
+          <a:prstGeom prst="bentConnector3">
+            <a:avLst/>
+          </a:prstGeom>
+          <a:ln>
+            <a:tailEnd type="triangle"/>
+          </a:ln>
+        </p:spPr>
+        <p:style>
+          <a:lnRef idx="1">
+            <a:schemeClr val="accent1"/>
+          </a:lnRef>
+          <a:fillRef idx="0">
+            <a:schemeClr val="accent1"/>
+          </a:fillRef>
+          <a:effectRef idx="0">
+            <a:schemeClr val="accent1"/>
+          </a:effectRef>
+          <a:fontRef idx="minor">
+            <a:schemeClr val="tx1"/>
+          </a:fontRef>
+        </p:style>
+      </p:cxnSp>
+      <p:sp>
+        <p:nvSpPr>
+          <p:cNvPr id="59" name="Text Box 1">
+            <a:extLst>
+              <a:ext uri="{FF2B5EF4-FFF2-40B4-BE49-F238E27FC236}">
+                <a16:creationId xmlns:a16="http://schemas.microsoft.com/office/drawing/2014/main" id="{1EFCB648-148F-467A-86C3-B3C825DB8C4C}"/>
+              </a:ext>
+            </a:extLst>
+          </p:cNvPr>
+          <p:cNvSpPr txBox="1">
+            <a:spLocks noChangeArrowheads="1"/>
+          </p:cNvSpPr>
+          <p:nvPr/>
+        </p:nvSpPr>
+        <p:spPr bwMode="auto">
+          <a:xfrm>
+            <a:off x="15880436" y="8178948"/>
+            <a:ext cx="1533525" cy="711201"/>
+          </a:xfrm>
+          <a:prstGeom prst="rect">
+            <a:avLst/>
+          </a:prstGeom>
+          <a:solidFill>
+            <a:srgbClr val="FFFFFF"/>
+          </a:solidFill>
+          <a:ln w="9525">
+            <a:solidFill>
+              <a:srgbClr val="000000"/>
+            </a:solidFill>
+            <a:miter lim="800000"/>
+            <a:headEnd/>
+            <a:tailEnd/>
+          </a:ln>
+        </p:spPr>
+        <p:txBody>
+          <a:bodyPr vert="horz" wrap="square" lIns="91440" tIns="45720" rIns="91440" bIns="45720" numCol="1" anchor="t" anchorCtr="0" compatLnSpc="1">
+            <a:prstTxWarp prst="textNoShape">
+              <a:avLst/>
+            </a:prstTxWarp>
+          </a:bodyPr>
+          <a:lstStyle/>
+          <a:p>
+            <a:pPr defTabSz="914400" eaLnBrk="0" fontAlgn="base" hangingPunct="0">
+              <a:spcBef>
+                <a:spcPct val="0"/>
+              </a:spcBef>
+              <a:spcAft>
+                <a:spcPct val="0"/>
+              </a:spcAft>
+            </a:pPr>
+            <a:r>
+              <a:rPr lang="en-US" altLang="en-US" sz="1100" dirty="0" err="1">
+                <a:latin typeface="Calibri" panose="020F0502020204030204" pitchFamily="34" charset="0"/>
+                <a:ea typeface="Calibri" panose="020F0502020204030204" pitchFamily="34" charset="0"/>
+                <a:cs typeface="Times New Roman" panose="02020603050405020304" pitchFamily="18" charset="0"/>
+              </a:rPr>
+              <a:t>PitSnappable</a:t>
+            </a:r>
+            <a:endParaRPr lang="en-US" altLang="en-US" sz="1100" dirty="0">
+              <a:latin typeface="Calibri" panose="020F0502020204030204" pitchFamily="34" charset="0"/>
+              <a:ea typeface="Calibri" panose="020F0502020204030204" pitchFamily="34" charset="0"/>
+              <a:cs typeface="Times New Roman" panose="02020603050405020304" pitchFamily="18" charset="0"/>
+            </a:endParaRPr>
+          </a:p>
+          <a:p>
+            <a:pPr defTabSz="914400" eaLnBrk="0" fontAlgn="base" hangingPunct="0">
+              <a:spcBef>
+                <a:spcPct val="0"/>
+              </a:spcBef>
+              <a:spcAft>
+                <a:spcPct val="0"/>
+              </a:spcAft>
+            </a:pPr>
+            <a:r>
+              <a:rPr lang="en-US" altLang="en-US" sz="1100" dirty="0">
+                <a:latin typeface="Calibri" panose="020F0502020204030204" pitchFamily="34" charset="0"/>
+                <a:cs typeface="Times New Roman" panose="02020603050405020304" pitchFamily="18" charset="0"/>
+              </a:rPr>
+              <a:t>---------------------------</a:t>
+            </a:r>
+          </a:p>
+          <a:p>
+            <a:pPr defTabSz="914400" eaLnBrk="0" fontAlgn="base" hangingPunct="0">
+              <a:spcBef>
+                <a:spcPct val="0"/>
+              </a:spcBef>
+              <a:spcAft>
+                <a:spcPct val="0"/>
+              </a:spcAft>
+            </a:pPr>
+            <a:r>
+              <a:rPr lang="en-US" altLang="en-US" sz="1100" dirty="0">
+                <a:latin typeface="Calibri" panose="020F0502020204030204" pitchFamily="34" charset="0"/>
+                <a:cs typeface="Times New Roman" panose="02020603050405020304" pitchFamily="18" charset="0"/>
+              </a:rPr>
+              <a:t>Pits that have sprites that snap to each other</a:t>
+            </a:r>
+            <a:endParaRPr lang="en-US" altLang="en-US" sz="800" dirty="0"/>
+          </a:p>
+          <a:p>
+            <a:pPr defTabSz="914400" eaLnBrk="0" fontAlgn="base" hangingPunct="0">
+              <a:spcBef>
+                <a:spcPct val="0"/>
+              </a:spcBef>
+              <a:spcAft>
+                <a:spcPct val="0"/>
+              </a:spcAft>
+            </a:pPr>
+            <a:endParaRPr lang="en-US" altLang="en-US" sz="1800" dirty="0">
+              <a:latin typeface="Arial" panose="020B0604020202020204" pitchFamily="34" charset="0"/>
+            </a:endParaRPr>
+          </a:p>
+        </p:txBody>
+      </p:sp>
+      <p:cxnSp>
+        <p:nvCxnSpPr>
+          <p:cNvPr id="62" name="Connector: Elbow 61">
+            <a:extLst>
+              <a:ext uri="{FF2B5EF4-FFF2-40B4-BE49-F238E27FC236}">
+                <a16:creationId xmlns:a16="http://schemas.microsoft.com/office/drawing/2014/main" id="{05DBCBC5-BCDC-4711-9A21-1555A2B7941F}"/>
+              </a:ext>
+            </a:extLst>
+          </p:cNvPr>
+          <p:cNvCxnSpPr>
+            <a:cxnSpLocks/>
+            <a:stCxn id="7" idx="2"/>
+            <a:endCxn id="59" idx="0"/>
           </p:cNvCxnSpPr>
           <p:nvPr/>
         </p:nvCxnSpPr>
         <p:spPr>
           <a:xfrm rot="16200000" flipH="1">
-            <a:off x="15642271" y="1890179"/>
-            <a:ext cx="853352" cy="1607542"/>
+            <a:off x="15701234" y="7232983"/>
+            <a:ext cx="949960" cy="941970"/>
           </a:xfrm>
           <a:prstGeom prst="bentConnector3">
             <a:avLst>
@@ -5334,10 +6131,10 @@
       </p:cxnSp>
       <p:sp>
         <p:nvSpPr>
-          <p:cNvPr id="56" name="Text Box 8">
+          <p:cNvPr id="70" name="Text Box 1">
             <a:extLst>
               <a:ext uri="{FF2B5EF4-FFF2-40B4-BE49-F238E27FC236}">
-                <a16:creationId xmlns:a16="http://schemas.microsoft.com/office/drawing/2014/main" id="{E4947114-1F88-4047-9094-DD1417F12627}"/>
+                <a16:creationId xmlns:a16="http://schemas.microsoft.com/office/drawing/2014/main" id="{228ACAEE-0497-40A7-A0E3-920D949AD19D}"/>
               </a:ext>
             </a:extLst>
           </p:cNvPr>
@@ -5348,8 +6145,8 @@
         </p:nvSpPr>
         <p:spPr bwMode="auto">
           <a:xfrm>
-            <a:off x="5825233" y="7572413"/>
-            <a:ext cx="745958" cy="600075"/>
+            <a:off x="15706726" y="3765860"/>
+            <a:ext cx="2331984" cy="988380"/>
           </a:xfrm>
           <a:prstGeom prst="rect">
             <a:avLst/>
@@ -5383,11 +6180,51 @@
               </a:spcAft>
             </a:pPr>
             <a:r>
-              <a:rPr lang="en-US" altLang="en-US" sz="1100" dirty="0">
-                <a:latin typeface="Calibri" panose="020F0502020204030204" pitchFamily="34" charset="0"/>
-                <a:cs typeface="Times New Roman" panose="02020603050405020304" pitchFamily="18" charset="0"/>
-              </a:rPr>
-              <a:t>Wand</a:t>
+              <a:rPr lang="en-US" altLang="en-US" sz="1100" dirty="0" err="1">
+                <a:latin typeface="Calibri" panose="020F0502020204030204" pitchFamily="34" charset="0"/>
+                <a:ea typeface="Calibri" panose="020F0502020204030204" pitchFamily="34" charset="0"/>
+                <a:cs typeface="Times New Roman" panose="02020603050405020304" pitchFamily="18" charset="0"/>
+              </a:rPr>
+              <a:t>FenceSnappable</a:t>
+            </a:r>
+            <a:endParaRPr lang="en-US" altLang="en-US" sz="1100" dirty="0">
+              <a:latin typeface="Calibri" panose="020F0502020204030204" pitchFamily="34" charset="0"/>
+              <a:ea typeface="Calibri" panose="020F0502020204030204" pitchFamily="34" charset="0"/>
+              <a:cs typeface="Times New Roman" panose="02020603050405020304" pitchFamily="18" charset="0"/>
+            </a:endParaRPr>
+          </a:p>
+          <a:p>
+            <a:pPr defTabSz="914400" eaLnBrk="0" fontAlgn="base" hangingPunct="0">
+              <a:spcBef>
+                <a:spcPct val="0"/>
+              </a:spcBef>
+              <a:spcAft>
+                <a:spcPct val="0"/>
+              </a:spcAft>
+            </a:pPr>
+            <a:r>
+              <a:rPr lang="en-US" altLang="en-US" sz="1100" dirty="0">
+                <a:latin typeface="Calibri" panose="020F0502020204030204" pitchFamily="34" charset="0"/>
+                <a:cs typeface="Times New Roman" panose="02020603050405020304" pitchFamily="18" charset="0"/>
+              </a:rPr>
+              <a:t>---------------------------</a:t>
+            </a:r>
+          </a:p>
+          <a:p>
+            <a:pPr defTabSz="914400" eaLnBrk="0" fontAlgn="base" hangingPunct="0">
+              <a:spcBef>
+                <a:spcPct val="0"/>
+              </a:spcBef>
+              <a:spcAft>
+                <a:spcPct val="0"/>
+              </a:spcAft>
+            </a:pPr>
+            <a:r>
+              <a:rPr lang="en-US" altLang="en-US" sz="1100" dirty="0">
+                <a:latin typeface="Calibri" panose="020F0502020204030204" pitchFamily="34" charset="0"/>
+                <a:cs typeface="Times New Roman" panose="02020603050405020304" pitchFamily="18" charset="0"/>
+              </a:rPr>
+              <a:t>Walls that have sprites that snap to each other but in a fence fashion.</a:t>
             </a:r>
             <a:endParaRPr lang="en-US" altLang="en-US" sz="800" dirty="0"/>
           </a:p>
@@ -5408,24 +6245,24 @@
       </p:sp>
       <p:cxnSp>
         <p:nvCxnSpPr>
-          <p:cNvPr id="58" name="Connector: Elbow 57">
+          <p:cNvPr id="71" name="Connector: Elbow 70">
             <a:extLst>
               <a:ext uri="{FF2B5EF4-FFF2-40B4-BE49-F238E27FC236}">
-                <a16:creationId xmlns:a16="http://schemas.microsoft.com/office/drawing/2014/main" id="{381229F4-0881-4086-AA3B-DD849A79A88C}"/>
+                <a16:creationId xmlns:a16="http://schemas.microsoft.com/office/drawing/2014/main" id="{23DA0303-62E1-4AB7-88B1-9A2CA4D16A5C}"/>
               </a:ext>
             </a:extLst>
           </p:cNvPr>
           <p:cNvCxnSpPr>
             <a:cxnSpLocks/>
-            <a:stCxn id="4" idx="2"/>
-            <a:endCxn id="56" idx="0"/>
+            <a:stCxn id="6" idx="2"/>
+            <a:endCxn id="70" idx="0"/>
           </p:cNvCxnSpPr>
           <p:nvPr/>
         </p:nvCxnSpPr>
         <p:spPr>
           <a:xfrm rot="16200000" flipH="1">
-            <a:off x="5184843" y="6559043"/>
-            <a:ext cx="501541" cy="1525197"/>
+            <a:off x="15933373" y="2826514"/>
+            <a:ext cx="711201" cy="1167489"/>
           </a:xfrm>
           <a:prstGeom prst="bentConnector3">
             <a:avLst>
@@ -5453,6 +6290,125 @@
       </p:cxnSp>
       <p:sp>
         <p:nvSpPr>
+          <p:cNvPr id="56" name="Text Box 8">
+            <a:extLst>
+              <a:ext uri="{FF2B5EF4-FFF2-40B4-BE49-F238E27FC236}">
+                <a16:creationId xmlns:a16="http://schemas.microsoft.com/office/drawing/2014/main" id="{E4947114-1F88-4047-9094-DD1417F12627}"/>
+              </a:ext>
+            </a:extLst>
+          </p:cNvPr>
+          <p:cNvSpPr txBox="1">
+            <a:spLocks noChangeArrowheads="1"/>
+          </p:cNvSpPr>
+          <p:nvPr/>
+        </p:nvSpPr>
+        <p:spPr bwMode="auto">
+          <a:xfrm>
+            <a:off x="5825233" y="8692553"/>
+            <a:ext cx="745958" cy="600075"/>
+          </a:xfrm>
+          <a:prstGeom prst="rect">
+            <a:avLst/>
+          </a:prstGeom>
+          <a:solidFill>
+            <a:srgbClr val="FFFFFF"/>
+          </a:solidFill>
+          <a:ln w="9525">
+            <a:solidFill>
+              <a:srgbClr val="000000"/>
+            </a:solidFill>
+            <a:miter lim="800000"/>
+            <a:headEnd/>
+            <a:tailEnd/>
+          </a:ln>
+        </p:spPr>
+        <p:txBody>
+          <a:bodyPr vert="horz" wrap="square" lIns="91440" tIns="45720" rIns="91440" bIns="45720" numCol="1" anchor="t" anchorCtr="0" compatLnSpc="1">
+            <a:prstTxWarp prst="textNoShape">
+              <a:avLst/>
+            </a:prstTxWarp>
+          </a:bodyPr>
+          <a:lstStyle/>
+          <a:p>
+            <a:pPr defTabSz="914400" eaLnBrk="0" fontAlgn="base" hangingPunct="0">
+              <a:spcBef>
+                <a:spcPct val="0"/>
+              </a:spcBef>
+              <a:spcAft>
+                <a:spcPct val="0"/>
+              </a:spcAft>
+            </a:pPr>
+            <a:r>
+              <a:rPr lang="en-US" altLang="en-US" sz="1100" dirty="0">
+                <a:latin typeface="Calibri" panose="020F0502020204030204" pitchFamily="34" charset="0"/>
+                <a:cs typeface="Times New Roman" panose="02020603050405020304" pitchFamily="18" charset="0"/>
+              </a:rPr>
+              <a:t>Wand</a:t>
+            </a:r>
+            <a:endParaRPr lang="en-US" altLang="en-US" sz="800" dirty="0"/>
+          </a:p>
+          <a:p>
+            <a:pPr defTabSz="914400" eaLnBrk="0" fontAlgn="base" hangingPunct="0">
+              <a:spcBef>
+                <a:spcPct val="0"/>
+              </a:spcBef>
+              <a:spcAft>
+                <a:spcPct val="0"/>
+              </a:spcAft>
+            </a:pPr>
+            <a:endParaRPr lang="en-US" altLang="en-US" sz="1800" dirty="0">
+              <a:latin typeface="Arial" panose="020B0604020202020204" pitchFamily="34" charset="0"/>
+            </a:endParaRPr>
+          </a:p>
+        </p:txBody>
+      </p:sp>
+      <p:cxnSp>
+        <p:nvCxnSpPr>
+          <p:cNvPr id="58" name="Connector: Elbow 57">
+            <a:extLst>
+              <a:ext uri="{FF2B5EF4-FFF2-40B4-BE49-F238E27FC236}">
+                <a16:creationId xmlns:a16="http://schemas.microsoft.com/office/drawing/2014/main" id="{381229F4-0881-4086-AA3B-DD849A79A88C}"/>
+              </a:ext>
+            </a:extLst>
+          </p:cNvPr>
+          <p:cNvCxnSpPr>
+            <a:cxnSpLocks/>
+            <a:stCxn id="4" idx="2"/>
+            <a:endCxn id="56" idx="0"/>
+          </p:cNvCxnSpPr>
+          <p:nvPr/>
+        </p:nvCxnSpPr>
+        <p:spPr>
+          <a:xfrm rot="16200000" flipH="1">
+            <a:off x="4432523" y="6926864"/>
+            <a:ext cx="1091602" cy="2439775"/>
+          </a:xfrm>
+          <a:prstGeom prst="bentConnector3">
+            <a:avLst>
+              <a:gd name="adj1" fmla="val 50000"/>
+            </a:avLst>
+          </a:prstGeom>
+          <a:ln>
+            <a:tailEnd type="triangle"/>
+          </a:ln>
+        </p:spPr>
+        <p:style>
+          <a:lnRef idx="1">
+            <a:schemeClr val="accent1"/>
+          </a:lnRef>
+          <a:fillRef idx="0">
+            <a:schemeClr val="accent1"/>
+          </a:fillRef>
+          <a:effectRef idx="0">
+            <a:schemeClr val="accent1"/>
+          </a:effectRef>
+          <a:fontRef idx="minor">
+            <a:schemeClr val="tx1"/>
+          </a:fontRef>
+        </p:style>
+      </p:cxnSp>
+      <p:sp>
+        <p:nvSpPr>
           <p:cNvPr id="113" name="Text Box 2">
             <a:extLst>
               <a:ext uri="{FF2B5EF4-FFF2-40B4-BE49-F238E27FC236}">
@@ -5503,11 +6459,14 @@
             </a:pPr>
             <a:r>
               <a:rPr lang="en-US" altLang="en-US" sz="1100" dirty="0" err="1">
+                <a:highlight>
+                  <a:srgbClr val="00FF00"/>
+                </a:highlight>
                 <a:latin typeface="Calibri" panose="020F0502020204030204" pitchFamily="34" charset="0"/>
                 <a:ea typeface="Calibri" panose="020F0502020204030204" pitchFamily="34" charset="0"/>
                 <a:cs typeface="Times New Roman" panose="02020603050405020304" pitchFamily="18" charset="0"/>
               </a:rPr>
-              <a:t>ItemSpriteRenderer</a:t>
+              <a:t>RogueSpriteRenderer</a:t>
             </a:r>
             <a:endParaRPr lang="en-US" altLang="en-US" sz="1100" dirty="0">
               <a:latin typeface="Calibri" panose="020F0502020204030204" pitchFamily="34" charset="0"/>
@@ -5693,8 +6652,8 @@
         </p:nvCxnSpPr>
         <p:spPr>
           <a:xfrm rot="16200000" flipH="1">
-            <a:off x="497020" y="2489725"/>
-            <a:ext cx="3415776" cy="1419481"/>
+            <a:off x="-247003" y="3233749"/>
+            <a:ext cx="3680815" cy="196472"/>
           </a:xfrm>
           <a:prstGeom prst="bentConnector2">
             <a:avLst/>
@@ -5719,6 +6678,90 @@
           </a:fontRef>
         </p:style>
       </p:cxnSp>
+      <p:sp>
+        <p:nvSpPr>
+          <p:cNvPr id="18" name="Rectangle 17">
+            <a:extLst>
+              <a:ext uri="{FF2B5EF4-FFF2-40B4-BE49-F238E27FC236}">
+                <a16:creationId xmlns:a16="http://schemas.microsoft.com/office/drawing/2014/main" id="{0F6D728E-1CBC-4220-AA6B-66210342536C}"/>
+              </a:ext>
+            </a:extLst>
+          </p:cNvPr>
+          <p:cNvSpPr/>
+          <p:nvPr/>
+        </p:nvSpPr>
+        <p:spPr>
+          <a:xfrm>
+            <a:off x="7717731" y="234635"/>
+            <a:ext cx="3060759" cy="1442089"/>
+          </a:xfrm>
+          <a:prstGeom prst="rect">
+            <a:avLst/>
+          </a:prstGeom>
+          <a:solidFill>
+            <a:schemeClr val="bg1">
+              <a:lumMod val="95000"/>
+            </a:schemeClr>
+          </a:solidFill>
+        </p:spPr>
+        <p:style>
+          <a:lnRef idx="2">
+            <a:schemeClr val="accent1">
+              <a:shade val="50000"/>
+            </a:schemeClr>
+          </a:lnRef>
+          <a:fillRef idx="1">
+            <a:schemeClr val="accent1"/>
+          </a:fillRef>
+          <a:effectRef idx="0">
+            <a:schemeClr val="accent1"/>
+          </a:effectRef>
+          <a:fontRef idx="minor">
+            <a:schemeClr val="lt1"/>
+          </a:fontRef>
+        </p:style>
+        <p:txBody>
+          <a:bodyPr rtlCol="0" anchor="t"/>
+          <a:lstStyle/>
+          <a:p>
+            <a:pPr algn="ctr"/>
+            <a:r>
+              <a:rPr lang="en-US" dirty="0">
+                <a:solidFill>
+                  <a:schemeClr val="tx1"/>
+                </a:solidFill>
+              </a:rPr>
+              <a:t>Key</a:t>
+            </a:r>
+          </a:p>
+          <a:p>
+            <a:r>
+              <a:rPr lang="en-US" dirty="0">
+                <a:solidFill>
+                  <a:schemeClr val="tx1"/>
+                </a:solidFill>
+                <a:highlight>
+                  <a:srgbClr val="00FF00"/>
+                </a:highlight>
+              </a:rPr>
+              <a:t>Implemented</a:t>
+            </a:r>
+          </a:p>
+          <a:p>
+            <a:r>
+              <a:rPr lang="en-US" dirty="0">
+                <a:solidFill>
+                  <a:schemeClr val="tx1"/>
+                </a:solidFill>
+                <a:highlight>
+                  <a:srgbClr val="FF0000"/>
+                </a:highlight>
+              </a:rPr>
+              <a:t>Unimplemented</a:t>
+            </a:r>
+          </a:p>
+        </p:txBody>
+      </p:sp>
     </p:spTree>
     <p:extLst>
       <p:ext uri="{BB962C8B-B14F-4D97-AF65-F5344CB8AC3E}">

--- a/Class Diagram.pptx
+++ b/Class Diagram.pptx
@@ -243,7 +243,7 @@
           <a:p>
             <a:fld id="{DFA429E4-E4A0-4FCB-B57B-5790209CB571}" type="datetimeFigureOut">
               <a:rPr lang="en-US" smtClean="0"/>
-              <a:t>8/13/2019</a:t>
+              <a:t>8/18/2019</a:t>
             </a:fld>
             <a:endParaRPr lang="en-US"/>
           </a:p>
@@ -413,7 +413,7 @@
           <a:p>
             <a:fld id="{DFA429E4-E4A0-4FCB-B57B-5790209CB571}" type="datetimeFigureOut">
               <a:rPr lang="en-US" smtClean="0"/>
-              <a:t>8/13/2019</a:t>
+              <a:t>8/18/2019</a:t>
             </a:fld>
             <a:endParaRPr lang="en-US"/>
           </a:p>
@@ -593,7 +593,7 @@
           <a:p>
             <a:fld id="{DFA429E4-E4A0-4FCB-B57B-5790209CB571}" type="datetimeFigureOut">
               <a:rPr lang="en-US" smtClean="0"/>
-              <a:t>8/13/2019</a:t>
+              <a:t>8/18/2019</a:t>
             </a:fld>
             <a:endParaRPr lang="en-US"/>
           </a:p>
@@ -763,7 +763,7 @@
           <a:p>
             <a:fld id="{DFA429E4-E4A0-4FCB-B57B-5790209CB571}" type="datetimeFigureOut">
               <a:rPr lang="en-US" smtClean="0"/>
-              <a:t>8/13/2019</a:t>
+              <a:t>8/18/2019</a:t>
             </a:fld>
             <a:endParaRPr lang="en-US"/>
           </a:p>
@@ -1007,7 +1007,7 @@
           <a:p>
             <a:fld id="{DFA429E4-E4A0-4FCB-B57B-5790209CB571}" type="datetimeFigureOut">
               <a:rPr lang="en-US" smtClean="0"/>
-              <a:t>8/13/2019</a:t>
+              <a:t>8/18/2019</a:t>
             </a:fld>
             <a:endParaRPr lang="en-US"/>
           </a:p>
@@ -1239,7 +1239,7 @@
           <a:p>
             <a:fld id="{DFA429E4-E4A0-4FCB-B57B-5790209CB571}" type="datetimeFigureOut">
               <a:rPr lang="en-US" smtClean="0"/>
-              <a:t>8/13/2019</a:t>
+              <a:t>8/18/2019</a:t>
             </a:fld>
             <a:endParaRPr lang="en-US"/>
           </a:p>
@@ -1606,7 +1606,7 @@
           <a:p>
             <a:fld id="{DFA429E4-E4A0-4FCB-B57B-5790209CB571}" type="datetimeFigureOut">
               <a:rPr lang="en-US" smtClean="0"/>
-              <a:t>8/13/2019</a:t>
+              <a:t>8/18/2019</a:t>
             </a:fld>
             <a:endParaRPr lang="en-US"/>
           </a:p>
@@ -1724,7 +1724,7 @@
           <a:p>
             <a:fld id="{DFA429E4-E4A0-4FCB-B57B-5790209CB571}" type="datetimeFigureOut">
               <a:rPr lang="en-US" smtClean="0"/>
-              <a:t>8/13/2019</a:t>
+              <a:t>8/18/2019</a:t>
             </a:fld>
             <a:endParaRPr lang="en-US"/>
           </a:p>
@@ -1819,7 +1819,7 @@
           <a:p>
             <a:fld id="{DFA429E4-E4A0-4FCB-B57B-5790209CB571}" type="datetimeFigureOut">
               <a:rPr lang="en-US" smtClean="0"/>
-              <a:t>8/13/2019</a:t>
+              <a:t>8/18/2019</a:t>
             </a:fld>
             <a:endParaRPr lang="en-US"/>
           </a:p>
@@ -2096,7 +2096,7 @@
           <a:p>
             <a:fld id="{DFA429E4-E4A0-4FCB-B57B-5790209CB571}" type="datetimeFigureOut">
               <a:rPr lang="en-US" smtClean="0"/>
-              <a:t>8/13/2019</a:t>
+              <a:t>8/18/2019</a:t>
             </a:fld>
             <a:endParaRPr lang="en-US"/>
           </a:p>
@@ -2353,7 +2353,7 @@
           <a:p>
             <a:fld id="{DFA429E4-E4A0-4FCB-B57B-5790209CB571}" type="datetimeFigureOut">
               <a:rPr lang="en-US" smtClean="0"/>
-              <a:t>8/13/2019</a:t>
+              <a:t>8/18/2019</a:t>
             </a:fld>
             <a:endParaRPr lang="en-US"/>
           </a:p>
@@ -2566,7 +2566,7 @@
           <a:p>
             <a:fld id="{DFA429E4-E4A0-4FCB-B57B-5790209CB571}" type="datetimeFigureOut">
               <a:rPr lang="en-US" smtClean="0"/>
-              <a:t>8/13/2019</a:t>
+              <a:t>8/18/2019</a:t>
             </a:fld>
             <a:endParaRPr lang="en-US"/>
           </a:p>
@@ -2987,8 +2987,8 @@
         </p:nvSpPr>
         <p:spPr bwMode="auto">
           <a:xfrm>
-            <a:off x="1691640" y="2743835"/>
-            <a:ext cx="4133593" cy="4857116"/>
+            <a:off x="1691640" y="2743834"/>
+            <a:ext cx="5248048" cy="5866766"/>
           </a:xfrm>
           <a:prstGeom prst="rect">
             <a:avLst/>
@@ -3073,6 +3073,66 @@
               <a:t>+ </a:t>
             </a:r>
             <a:r>
+              <a:rPr lang="en-US" altLang="en-US" sz="1100" u="sng" dirty="0" err="1">
+                <a:highlight>
+                  <a:srgbClr val="00FF00"/>
+                </a:highlight>
+                <a:latin typeface="Calibri" panose="020F0502020204030204" pitchFamily="34" charset="0"/>
+                <a:cs typeface="Times New Roman" panose="02020603050405020304" pitchFamily="18" charset="0"/>
+              </a:rPr>
+              <a:t>roguelikeObjectList</a:t>
+            </a:r>
+            <a:r>
+              <a:rPr lang="en-US" altLang="en-US" sz="1100" u="sng" dirty="0">
+                <a:highlight>
+                  <a:srgbClr val="00FF00"/>
+                </a:highlight>
+                <a:latin typeface="Calibri" panose="020F0502020204030204" pitchFamily="34" charset="0"/>
+                <a:cs typeface="Times New Roman" panose="02020603050405020304" pitchFamily="18" charset="0"/>
+              </a:rPr>
+              <a:t> : List&lt;</a:t>
+            </a:r>
+            <a:r>
+              <a:rPr lang="en-US" altLang="en-US" sz="1100" u="sng" dirty="0" err="1">
+                <a:highlight>
+                  <a:srgbClr val="00FF00"/>
+                </a:highlight>
+                <a:latin typeface="Calibri" panose="020F0502020204030204" pitchFamily="34" charset="0"/>
+                <a:cs typeface="Times New Roman" panose="02020603050405020304" pitchFamily="18" charset="0"/>
+              </a:rPr>
+              <a:t>RoguelikeObject</a:t>
+            </a:r>
+            <a:r>
+              <a:rPr lang="en-US" altLang="en-US" sz="1100" u="sng" dirty="0">
+                <a:highlight>
+                  <a:srgbClr val="00FF00"/>
+                </a:highlight>
+                <a:latin typeface="Calibri" panose="020F0502020204030204" pitchFamily="34" charset="0"/>
+                <a:cs typeface="Times New Roman" panose="02020603050405020304" pitchFamily="18" charset="0"/>
+              </a:rPr>
+              <a:t>&gt;</a:t>
+            </a:r>
+          </a:p>
+          <a:p>
+            <a:pPr defTabSz="914400" eaLnBrk="0" fontAlgn="base" hangingPunct="0">
+              <a:spcBef>
+                <a:spcPct val="0"/>
+              </a:spcBef>
+              <a:spcAft>
+                <a:spcPct val="0"/>
+              </a:spcAft>
+            </a:pPr>
+            <a:r>
+              <a:rPr lang="en-US" altLang="en-US" sz="1100" dirty="0">
+                <a:highlight>
+                  <a:srgbClr val="00FF00"/>
+                </a:highlight>
+                <a:latin typeface="Calibri" panose="020F0502020204030204" pitchFamily="34" charset="0"/>
+                <a:cs typeface="Times New Roman" panose="02020603050405020304" pitchFamily="18" charset="0"/>
+              </a:rPr>
+              <a:t>+ </a:t>
+            </a:r>
+            <a:r>
               <a:rPr lang="en-US" altLang="en-US" sz="1100" dirty="0" err="1">
                 <a:highlight>
                   <a:srgbClr val="00FF00"/>
@@ -3150,27 +3210,7 @@
                 <a:latin typeface="Calibri" panose="020F0502020204030204" pitchFamily="34" charset="0"/>
                 <a:cs typeface="Times New Roman" panose="02020603050405020304" pitchFamily="18" charset="0"/>
               </a:rPr>
-              <a:t>&gt;</a:t>
-            </a:r>
-          </a:p>
-          <a:p>
-            <a:pPr defTabSz="914400" eaLnBrk="0" fontAlgn="base" hangingPunct="0">
-              <a:spcBef>
-                <a:spcPct val="0"/>
-              </a:spcBef>
-              <a:spcAft>
-                <a:spcPct val="0"/>
-              </a:spcAft>
-            </a:pPr>
-            <a:r>
-              <a:rPr lang="en-US" altLang="en-US" sz="1100" dirty="0">
-                <a:highlight>
-                  <a:srgbClr val="00FF00"/>
-                </a:highlight>
-                <a:latin typeface="Calibri" panose="020F0502020204030204" pitchFamily="34" charset="0"/>
-                <a:cs typeface="Times New Roman" panose="02020603050405020304" pitchFamily="18" charset="0"/>
-              </a:rPr>
-              <a:t>+ </a:t>
+              <a:t>&gt;+ </a:t>
             </a:r>
             <a:r>
               <a:rPr lang="en-US" altLang="en-US" sz="1100" dirty="0" err="1">
@@ -3727,6 +3767,53 @@
                 <a:ea typeface="Calibri" panose="020F0502020204030204" pitchFamily="34" charset="0"/>
                 <a:cs typeface="Times New Roman" panose="02020603050405020304" pitchFamily="18" charset="0"/>
               </a:rPr>
+              <a:t>+ itemSprite1 : Sprite</a:t>
+            </a:r>
+          </a:p>
+          <a:p>
+            <a:pPr defTabSz="914400" eaLnBrk="0" fontAlgn="base" hangingPunct="0">
+              <a:spcBef>
+                <a:spcPct val="0"/>
+              </a:spcBef>
+              <a:spcAft>
+                <a:spcPct val="0"/>
+              </a:spcAft>
+            </a:pPr>
+            <a:r>
+              <a:rPr lang="en-US" altLang="en-US" sz="1100" dirty="0">
+                <a:highlight>
+                  <a:srgbClr val="00FF00"/>
+                </a:highlight>
+                <a:ea typeface="Calibri" panose="020F0502020204030204" pitchFamily="34" charset="0"/>
+                <a:cs typeface="Times New Roman" panose="02020603050405020304" pitchFamily="18" charset="0"/>
+              </a:rPr>
+              <a:t>+ itemSprite2 : Sprite</a:t>
+            </a:r>
+            <a:endParaRPr lang="en-US" altLang="en-US" sz="1100" dirty="0">
+              <a:highlight>
+                <a:srgbClr val="00FF00"/>
+              </a:highlight>
+              <a:latin typeface="Calibri" panose="020F0502020204030204" pitchFamily="34" charset="0"/>
+              <a:cs typeface="Times New Roman" panose="02020603050405020304" pitchFamily="18" charset="0"/>
+            </a:endParaRPr>
+          </a:p>
+          <a:p>
+            <a:pPr defTabSz="914400" eaLnBrk="0" fontAlgn="base" hangingPunct="0">
+              <a:spcBef>
+                <a:spcPct val="0"/>
+              </a:spcBef>
+              <a:spcAft>
+                <a:spcPct val="0"/>
+              </a:spcAft>
+            </a:pPr>
+            <a:r>
+              <a:rPr lang="en-US" altLang="en-US" sz="1100" dirty="0">
+                <a:highlight>
+                  <a:srgbClr val="00FF00"/>
+                </a:highlight>
+                <a:latin typeface="Calibri" panose="020F0502020204030204" pitchFamily="34" charset="0"/>
+                <a:cs typeface="Times New Roman" panose="02020603050405020304" pitchFamily="18" charset="0"/>
+              </a:rPr>
               <a:t>+ </a:t>
             </a:r>
             <a:r>
@@ -3734,20 +3821,60 @@
                 <a:highlight>
                   <a:srgbClr val="00FF00"/>
                 </a:highlight>
+                <a:latin typeface="Calibri" panose="020F0502020204030204" pitchFamily="34" charset="0"/>
+                <a:cs typeface="Times New Roman" panose="02020603050405020304" pitchFamily="18" charset="0"/>
+              </a:rPr>
+              <a:t>animationSpeed</a:t>
+            </a:r>
+            <a:r>
+              <a:rPr lang="en-US" altLang="en-US" sz="1100" dirty="0">
+                <a:highlight>
+                  <a:srgbClr val="00FF00"/>
+                </a:highlight>
+                <a:latin typeface="Calibri" panose="020F0502020204030204" pitchFamily="34" charset="0"/>
+                <a:cs typeface="Times New Roman" panose="02020603050405020304" pitchFamily="18" charset="0"/>
+              </a:rPr>
+              <a:t> : float</a:t>
+            </a:r>
+          </a:p>
+          <a:p>
+            <a:pPr defTabSz="914400" eaLnBrk="0" fontAlgn="base" hangingPunct="0">
+              <a:spcBef>
+                <a:spcPct val="0"/>
+              </a:spcBef>
+              <a:spcAft>
+                <a:spcPct val="0"/>
+              </a:spcAft>
+            </a:pPr>
+            <a:r>
+              <a:rPr lang="en-US" altLang="en-US" sz="1100" dirty="0">
+                <a:highlight>
+                  <a:srgbClr val="00FF00"/>
+                </a:highlight>
                 <a:ea typeface="Calibri" panose="020F0502020204030204" pitchFamily="34" charset="0"/>
                 <a:cs typeface="Times New Roman" panose="02020603050405020304" pitchFamily="18" charset="0"/>
               </a:rPr>
-              <a:t>itemSprite</a:t>
-            </a:r>
-            <a:r>
-              <a:rPr lang="en-US" altLang="en-US" sz="1100" dirty="0">
+              <a:t>+ </a:t>
+            </a:r>
+            <a:r>
+              <a:rPr lang="en-US" altLang="en-US" sz="1100" dirty="0" err="1">
                 <a:highlight>
                   <a:srgbClr val="00FF00"/>
                 </a:highlight>
                 <a:ea typeface="Calibri" panose="020F0502020204030204" pitchFamily="34" charset="0"/>
                 <a:cs typeface="Times New Roman" panose="02020603050405020304" pitchFamily="18" charset="0"/>
               </a:rPr>
-              <a:t> : Sprite</a:t>
+              <a:t>spriteToggle</a:t>
+            </a:r>
+            <a:r>
+              <a:rPr lang="en-US" altLang="en-US" sz="1100" dirty="0">
+                <a:highlight>
+                  <a:srgbClr val="00FF00"/>
+                </a:highlight>
+                <a:ea typeface="Calibri" panose="020F0502020204030204" pitchFamily="34" charset="0"/>
+                <a:cs typeface="Times New Roman" panose="02020603050405020304" pitchFamily="18" charset="0"/>
+              </a:rPr>
+              <a:t> : bool</a:t>
             </a:r>
           </a:p>
           <a:p>
@@ -3874,6 +4001,7 @@
                   <a:srgbClr val="00FF00"/>
                 </a:highlight>
                 <a:latin typeface="Calibri" panose="020F0502020204030204" pitchFamily="34" charset="0"/>
+                <a:ea typeface="Calibri" panose="020F0502020204030204" pitchFamily="34" charset="0"/>
                 <a:cs typeface="Times New Roman" panose="02020603050405020304" pitchFamily="18" charset="0"/>
               </a:rPr>
               <a:t>+ </a:t>
@@ -3884,6 +4012,48 @@
                   <a:srgbClr val="00FF00"/>
                 </a:highlight>
                 <a:latin typeface="Calibri" panose="020F0502020204030204" pitchFamily="34" charset="0"/>
+                <a:ea typeface="Calibri" panose="020F0502020204030204" pitchFamily="34" charset="0"/>
+                <a:cs typeface="Times New Roman" panose="02020603050405020304" pitchFamily="18" charset="0"/>
+              </a:rPr>
+              <a:t>OnCreate</a:t>
+            </a:r>
+            <a:r>
+              <a:rPr lang="en-US" altLang="en-US" sz="1100" i="1" dirty="0">
+                <a:highlight>
+                  <a:srgbClr val="00FF00"/>
+                </a:highlight>
+                <a:latin typeface="Calibri" panose="020F0502020204030204" pitchFamily="34" charset="0"/>
+                <a:ea typeface="Calibri" panose="020F0502020204030204" pitchFamily="34" charset="0"/>
+                <a:cs typeface="Times New Roman" panose="02020603050405020304" pitchFamily="18" charset="0"/>
+              </a:rPr>
+              <a:t>() : void</a:t>
+            </a:r>
+          </a:p>
+          <a:p>
+            <a:pPr defTabSz="914400" eaLnBrk="0" fontAlgn="base" hangingPunct="0">
+              <a:spcBef>
+                <a:spcPct val="0"/>
+              </a:spcBef>
+              <a:spcAft>
+                <a:spcPct val="0"/>
+              </a:spcAft>
+            </a:pPr>
+            <a:r>
+              <a:rPr lang="en-US" altLang="en-US" sz="1100" i="1" dirty="0">
+                <a:highlight>
+                  <a:srgbClr val="00FF00"/>
+                </a:highlight>
+                <a:latin typeface="Calibri" panose="020F0502020204030204" pitchFamily="34" charset="0"/>
+                <a:cs typeface="Times New Roman" panose="02020603050405020304" pitchFamily="18" charset="0"/>
+              </a:rPr>
+              <a:t>+ </a:t>
+            </a:r>
+            <a:r>
+              <a:rPr lang="en-US" altLang="en-US" sz="1100" i="1" dirty="0" err="1">
+                <a:highlight>
+                  <a:srgbClr val="00FF00"/>
+                </a:highlight>
+                <a:latin typeface="Calibri" panose="020F0502020204030204" pitchFamily="34" charset="0"/>
                 <a:cs typeface="Times New Roman" panose="02020603050405020304" pitchFamily="18" charset="0"/>
               </a:rPr>
               <a:t>GetFullName</a:t>
@@ -3996,7 +4166,7 @@
                 <a:latin typeface="Calibri" panose="020F0502020204030204" pitchFamily="34" charset="0"/>
                 <a:cs typeface="Times New Roman" panose="02020603050405020304" pitchFamily="18" charset="0"/>
               </a:rPr>
-              <a:t># </a:t>
+              <a:t>+ </a:t>
             </a:r>
             <a:r>
               <a:rPr lang="en-US" altLang="en-US" sz="1100" i="1" dirty="0" err="1">
@@ -4039,27 +4209,27 @@
               <a:t>+ </a:t>
             </a:r>
             <a:r>
-              <a:rPr lang="en-US" altLang="en-US" sz="1100" dirty="0" err="1">
-                <a:highlight>
-                  <a:srgbClr val="00FF00"/>
-                </a:highlight>
-                <a:latin typeface="Calibri" panose="020F0502020204030204" pitchFamily="34" charset="0"/>
-                <a:cs typeface="Times New Roman" panose="02020603050405020304" pitchFamily="18" charset="0"/>
-              </a:rPr>
-              <a:t>MakeItem</a:t>
-            </a:r>
-            <a:r>
-              <a:rPr lang="en-US" altLang="en-US" sz="1100" dirty="0">
-                <a:highlight>
-                  <a:srgbClr val="00FF00"/>
-                </a:highlight>
-                <a:latin typeface="Calibri" panose="020F0502020204030204" pitchFamily="34" charset="0"/>
-                <a:cs typeface="Times New Roman" panose="02020603050405020304" pitchFamily="18" charset="0"/>
-              </a:rPr>
-              <a:t>(</a:t>
-            </a:r>
-            <a:r>
-              <a:rPr lang="en-US" altLang="en-US" sz="1100" dirty="0" err="1">
+              <a:rPr lang="en-US" altLang="en-US" sz="1100" u="sng" dirty="0" err="1">
+                <a:highlight>
+                  <a:srgbClr val="00FF00"/>
+                </a:highlight>
+                <a:latin typeface="Calibri" panose="020F0502020204030204" pitchFamily="34" charset="0"/>
+                <a:cs typeface="Times New Roman" panose="02020603050405020304" pitchFamily="18" charset="0"/>
+              </a:rPr>
+              <a:t>MakeRoguelikeObject</a:t>
+            </a:r>
+            <a:r>
+              <a:rPr lang="en-US" altLang="en-US" sz="1100" u="sng" dirty="0">
+                <a:highlight>
+                  <a:srgbClr val="00FF00"/>
+                </a:highlight>
+                <a:latin typeface="Calibri" panose="020F0502020204030204" pitchFamily="34" charset="0"/>
+                <a:cs typeface="Times New Roman" panose="02020603050405020304" pitchFamily="18" charset="0"/>
+              </a:rPr>
+              <a:t> (</a:t>
+            </a:r>
+            <a:r>
+              <a:rPr lang="en-US" altLang="en-US" sz="1100" u="sng" dirty="0" err="1">
                 <a:highlight>
                   <a:srgbClr val="00FF00"/>
                 </a:highlight>
@@ -4069,7 +4239,7 @@
               <a:t>RoguelikeObject</a:t>
             </a:r>
             <a:r>
-              <a:rPr lang="en-US" altLang="en-US" sz="1100" dirty="0">
+              <a:rPr lang="en-US" altLang="en-US" sz="1100" u="sng" dirty="0">
                 <a:highlight>
                   <a:srgbClr val="00FF00"/>
                 </a:highlight>
@@ -4079,7 +4249,7 @@
               <a:t>, int, Inventory, int) : </a:t>
             </a:r>
             <a:r>
-              <a:rPr lang="en-US" altLang="en-US" sz="1100" dirty="0" err="1">
+              <a:rPr lang="en-US" altLang="en-US" sz="1100" u="sng" dirty="0" err="1">
                 <a:highlight>
                   <a:srgbClr val="00FF00"/>
                 </a:highlight>
@@ -4088,10 +4258,146 @@
               </a:rPr>
               <a:t>RoguelikeObject</a:t>
             </a:r>
-            <a:endParaRPr lang="en-US" altLang="en-US" sz="800" dirty="0">
+            <a:endParaRPr lang="en-US" altLang="en-US" sz="1100" u="sng" dirty="0">
               <a:highlight>
                 <a:srgbClr val="00FF00"/>
               </a:highlight>
+              <a:latin typeface="Calibri" panose="020F0502020204030204" pitchFamily="34" charset="0"/>
+              <a:cs typeface="Times New Roman" panose="02020603050405020304" pitchFamily="18" charset="0"/>
+            </a:endParaRPr>
+          </a:p>
+          <a:p>
+            <a:pPr defTabSz="914400" eaLnBrk="0" fontAlgn="base" hangingPunct="0">
+              <a:spcBef>
+                <a:spcPct val="0"/>
+              </a:spcBef>
+              <a:spcAft>
+                <a:spcPct val="0"/>
+              </a:spcAft>
+            </a:pPr>
+            <a:r>
+              <a:rPr lang="en-US" altLang="en-US" sz="1100" dirty="0">
+                <a:highlight>
+                  <a:srgbClr val="00FF00"/>
+                </a:highlight>
+                <a:latin typeface="Calibri" panose="020F0502020204030204" pitchFamily="34" charset="0"/>
+                <a:cs typeface="Times New Roman" panose="02020603050405020304" pitchFamily="18" charset="0"/>
+              </a:rPr>
+              <a:t>+ </a:t>
+            </a:r>
+            <a:r>
+              <a:rPr lang="en-US" altLang="en-US" sz="1100" u="sng" dirty="0" err="1">
+                <a:highlight>
+                  <a:srgbClr val="00FF00"/>
+                </a:highlight>
+                <a:latin typeface="Calibri" panose="020F0502020204030204" pitchFamily="34" charset="0"/>
+                <a:cs typeface="Times New Roman" panose="02020603050405020304" pitchFamily="18" charset="0"/>
+              </a:rPr>
+              <a:t>MakeRoguelikeObjectTemporary</a:t>
+            </a:r>
+            <a:r>
+              <a:rPr lang="en-US" altLang="en-US" sz="1100" u="sng" dirty="0">
+                <a:highlight>
+                  <a:srgbClr val="00FF00"/>
+                </a:highlight>
+                <a:latin typeface="Calibri" panose="020F0502020204030204" pitchFamily="34" charset="0"/>
+                <a:cs typeface="Times New Roman" panose="02020603050405020304" pitchFamily="18" charset="0"/>
+              </a:rPr>
+              <a:t>(</a:t>
+            </a:r>
+            <a:r>
+              <a:rPr lang="en-US" altLang="en-US" sz="1100" u="sng" dirty="0" err="1">
+                <a:highlight>
+                  <a:srgbClr val="00FF00"/>
+                </a:highlight>
+                <a:latin typeface="Calibri" panose="020F0502020204030204" pitchFamily="34" charset="0"/>
+                <a:cs typeface="Times New Roman" panose="02020603050405020304" pitchFamily="18" charset="0"/>
+              </a:rPr>
+              <a:t>RoguelikeObject</a:t>
+            </a:r>
+            <a:r>
+              <a:rPr lang="en-US" altLang="en-US" sz="1100" u="sng" dirty="0">
+                <a:highlight>
+                  <a:srgbClr val="00FF00"/>
+                </a:highlight>
+                <a:latin typeface="Calibri" panose="020F0502020204030204" pitchFamily="34" charset="0"/>
+                <a:cs typeface="Times New Roman" panose="02020603050405020304" pitchFamily="18" charset="0"/>
+              </a:rPr>
+              <a:t>, int) : </a:t>
+            </a:r>
+            <a:r>
+              <a:rPr lang="en-US" altLang="en-US" sz="1100" u="sng" dirty="0" err="1">
+                <a:highlight>
+                  <a:srgbClr val="00FF00"/>
+                </a:highlight>
+                <a:latin typeface="Calibri" panose="020F0502020204030204" pitchFamily="34" charset="0"/>
+                <a:cs typeface="Times New Roman" panose="02020603050405020304" pitchFamily="18" charset="0"/>
+              </a:rPr>
+              <a:t>RoguelikeObject</a:t>
+            </a:r>
+            <a:endParaRPr lang="en-US" altLang="en-US" sz="1100" u="sng" dirty="0">
+              <a:highlight>
+                <a:srgbClr val="00FF00"/>
+              </a:highlight>
+              <a:latin typeface="Calibri" panose="020F0502020204030204" pitchFamily="34" charset="0"/>
+              <a:cs typeface="Times New Roman" panose="02020603050405020304" pitchFamily="18" charset="0"/>
+            </a:endParaRPr>
+          </a:p>
+          <a:p>
+            <a:pPr defTabSz="914400" eaLnBrk="0" fontAlgn="base" hangingPunct="0">
+              <a:spcBef>
+                <a:spcPct val="0"/>
+              </a:spcBef>
+              <a:spcAft>
+                <a:spcPct val="0"/>
+              </a:spcAft>
+            </a:pPr>
+            <a:r>
+              <a:rPr lang="en-US" altLang="en-US" sz="1100" dirty="0">
+                <a:highlight>
+                  <a:srgbClr val="00FF00"/>
+                </a:highlight>
+                <a:latin typeface="Calibri" panose="020F0502020204030204" pitchFamily="34" charset="0"/>
+                <a:cs typeface="Times New Roman" panose="02020603050405020304" pitchFamily="18" charset="0"/>
+              </a:rPr>
+              <a:t>+ </a:t>
+            </a:r>
+            <a:r>
+              <a:rPr lang="en-US" altLang="en-US" sz="1100" dirty="0" err="1">
+                <a:highlight>
+                  <a:srgbClr val="00FF00"/>
+                </a:highlight>
+                <a:latin typeface="Calibri" panose="020F0502020204030204" pitchFamily="34" charset="0"/>
+                <a:cs typeface="Times New Roman" panose="02020603050405020304" pitchFamily="18" charset="0"/>
+              </a:rPr>
+              <a:t>ToggleRoguelikeObjectSprite</a:t>
+            </a:r>
+            <a:r>
+              <a:rPr lang="en-US" altLang="en-US" sz="1100" dirty="0">
+                <a:highlight>
+                  <a:srgbClr val="00FF00"/>
+                </a:highlight>
+                <a:latin typeface="Calibri" panose="020F0502020204030204" pitchFamily="34" charset="0"/>
+                <a:cs typeface="Times New Roman" panose="02020603050405020304" pitchFamily="18" charset="0"/>
+              </a:rPr>
+              <a:t>() : </a:t>
+            </a:r>
+            <a:r>
+              <a:rPr lang="en-US" altLang="en-US" sz="1100" dirty="0" err="1">
+                <a:highlight>
+                  <a:srgbClr val="00FF00"/>
+                </a:highlight>
+                <a:latin typeface="Calibri" panose="020F0502020204030204" pitchFamily="34" charset="0"/>
+                <a:cs typeface="Times New Roman" panose="02020603050405020304" pitchFamily="18" charset="0"/>
+              </a:rPr>
+              <a:t>IEnumerator</a:t>
+            </a:r>
+            <a:endParaRPr lang="en-US" altLang="en-US" sz="1100" dirty="0">
+              <a:highlight>
+                <a:srgbClr val="00FF00"/>
+              </a:highlight>
+              <a:latin typeface="Calibri" panose="020F0502020204030204" pitchFamily="34" charset="0"/>
+              <a:cs typeface="Times New Roman" panose="02020603050405020304" pitchFamily="18" charset="0"/>
             </a:endParaRPr>
           </a:p>
         </p:txBody>
@@ -4113,7 +4419,7 @@
         <p:spPr bwMode="auto">
           <a:xfrm>
             <a:off x="8929596" y="2556669"/>
-            <a:ext cx="3164969" cy="2197571"/>
+            <a:ext cx="3619734" cy="3282156"/>
           </a:xfrm>
           <a:prstGeom prst="rect">
             <a:avLst/>
@@ -4198,27 +4504,88 @@
                 <a:highlight>
                   <a:srgbClr val="00FF00"/>
                 </a:highlight>
+                <a:ea typeface="Calibri" panose="020F0502020204030204" pitchFamily="34" charset="0"/>
                 <a:cs typeface="Times New Roman" panose="02020603050405020304" pitchFamily="18" charset="0"/>
               </a:rPr>
               <a:t>+ </a:t>
             </a:r>
             <a:r>
-              <a:rPr lang="en-US" altLang="en-US" sz="1100" dirty="0" err="1">
-                <a:highlight>
-                  <a:srgbClr val="00FF00"/>
-                </a:highlight>
-                <a:cs typeface="Times New Roman" panose="02020603050405020304" pitchFamily="18" charset="0"/>
-              </a:rPr>
-              <a:t>worldSprite</a:t>
-            </a:r>
-            <a:r>
-              <a:rPr lang="en-US" altLang="en-US" sz="1100" dirty="0">
-                <a:highlight>
-                  <a:srgbClr val="00FF00"/>
-                </a:highlight>
-                <a:cs typeface="Times New Roman" panose="02020603050405020304" pitchFamily="18" charset="0"/>
-              </a:rPr>
-              <a:t> : Sprite</a:t>
+              <a:rPr lang="en-US" altLang="en-US" sz="1100" u="sng" dirty="0" err="1">
+                <a:highlight>
+                  <a:srgbClr val="00FF00"/>
+                </a:highlight>
+                <a:ea typeface="Calibri" panose="020F0502020204030204" pitchFamily="34" charset="0"/>
+                <a:cs typeface="Times New Roman" panose="02020603050405020304" pitchFamily="18" charset="0"/>
+              </a:rPr>
+              <a:t>worldObjectList</a:t>
+            </a:r>
+            <a:r>
+              <a:rPr lang="en-US" altLang="en-US" sz="1100" u="sng" dirty="0">
+                <a:highlight>
+                  <a:srgbClr val="00FF00"/>
+                </a:highlight>
+                <a:ea typeface="Calibri" panose="020F0502020204030204" pitchFamily="34" charset="0"/>
+                <a:cs typeface="Times New Roman" panose="02020603050405020304" pitchFamily="18" charset="0"/>
+              </a:rPr>
+              <a:t> : List&lt;</a:t>
+            </a:r>
+            <a:r>
+              <a:rPr lang="en-US" altLang="en-US" sz="1100" u="sng" dirty="0" err="1">
+                <a:highlight>
+                  <a:srgbClr val="00FF00"/>
+                </a:highlight>
+                <a:ea typeface="Calibri" panose="020F0502020204030204" pitchFamily="34" charset="0"/>
+                <a:cs typeface="Times New Roman" panose="02020603050405020304" pitchFamily="18" charset="0"/>
+              </a:rPr>
+              <a:t>WorldObject</a:t>
+            </a:r>
+            <a:r>
+              <a:rPr lang="en-US" altLang="en-US" sz="1100" u="sng" dirty="0">
+                <a:highlight>
+                  <a:srgbClr val="00FF00"/>
+                </a:highlight>
+                <a:ea typeface="Calibri" panose="020F0502020204030204" pitchFamily="34" charset="0"/>
+                <a:cs typeface="Times New Roman" panose="02020603050405020304" pitchFamily="18" charset="0"/>
+              </a:rPr>
+              <a:t>&gt;</a:t>
+            </a:r>
+          </a:p>
+          <a:p>
+            <a:pPr defTabSz="914400" eaLnBrk="0" fontAlgn="base" hangingPunct="0">
+              <a:spcBef>
+                <a:spcPct val="0"/>
+              </a:spcBef>
+              <a:spcAft>
+                <a:spcPct val="0"/>
+              </a:spcAft>
+            </a:pPr>
+            <a:r>
+              <a:rPr lang="en-US" altLang="en-US" sz="1100" dirty="0">
+                <a:highlight>
+                  <a:srgbClr val="00FF00"/>
+                </a:highlight>
+                <a:cs typeface="Times New Roman" panose="02020603050405020304" pitchFamily="18" charset="0"/>
+              </a:rPr>
+              <a:t>+ worldSprite1 : Sprite</a:t>
+            </a:r>
+          </a:p>
+          <a:p>
+            <a:pPr defTabSz="914400" eaLnBrk="0" fontAlgn="base" hangingPunct="0">
+              <a:spcBef>
+                <a:spcPct val="0"/>
+              </a:spcBef>
+              <a:spcAft>
+                <a:spcPct val="0"/>
+              </a:spcAft>
+            </a:pPr>
+            <a:r>
+              <a:rPr lang="en-US" altLang="en-US" sz="1100" dirty="0">
+                <a:highlight>
+                  <a:srgbClr val="00FF00"/>
+                </a:highlight>
+                <a:cs typeface="Times New Roman" panose="02020603050405020304" pitchFamily="18" charset="0"/>
+              </a:rPr>
+              <a:t>+ worldSprite2 : Sprite</a:t>
             </a:r>
           </a:p>
           <a:p>
@@ -4376,6 +4743,117 @@
                 </a:highlight>
                 <a:cs typeface="Times New Roman" panose="02020603050405020304" pitchFamily="18" charset="0"/>
               </a:rPr>
+              <a:t>GetWorldSprite</a:t>
+            </a:r>
+            <a:r>
+              <a:rPr lang="en-US" altLang="en-US" sz="1100" i="1" dirty="0">
+                <a:highlight>
+                  <a:srgbClr val="00FF00"/>
+                </a:highlight>
+                <a:cs typeface="Times New Roman" panose="02020603050405020304" pitchFamily="18" charset="0"/>
+              </a:rPr>
+              <a:t>() : Sprite</a:t>
+            </a:r>
+          </a:p>
+          <a:p>
+            <a:pPr defTabSz="914400" eaLnBrk="0" fontAlgn="base" hangingPunct="0">
+              <a:spcBef>
+                <a:spcPct val="0"/>
+              </a:spcBef>
+              <a:spcAft>
+                <a:spcPct val="0"/>
+              </a:spcAft>
+            </a:pPr>
+            <a:r>
+              <a:rPr lang="en-US" altLang="en-US" sz="1100" dirty="0">
+                <a:highlight>
+                  <a:srgbClr val="00FF00"/>
+                </a:highlight>
+                <a:cs typeface="Times New Roman" panose="02020603050405020304" pitchFamily="18" charset="0"/>
+              </a:rPr>
+              <a:t>+ </a:t>
+            </a:r>
+            <a:r>
+              <a:rPr lang="en-US" altLang="en-US" sz="1100" dirty="0" err="1">
+                <a:highlight>
+                  <a:srgbClr val="00FF00"/>
+                </a:highlight>
+                <a:cs typeface="Times New Roman" panose="02020603050405020304" pitchFamily="18" charset="0"/>
+              </a:rPr>
+              <a:t>DestroyObject</a:t>
+            </a:r>
+            <a:r>
+              <a:rPr lang="en-US" altLang="en-US" sz="1100" dirty="0">
+                <a:highlight>
+                  <a:srgbClr val="00FF00"/>
+                </a:highlight>
+                <a:cs typeface="Times New Roman" panose="02020603050405020304" pitchFamily="18" charset="0"/>
+              </a:rPr>
+              <a:t>() : void &lt;&lt;override&gt;&gt;</a:t>
+            </a:r>
+          </a:p>
+          <a:p>
+            <a:pPr defTabSz="914400" eaLnBrk="0" fontAlgn="base" hangingPunct="0">
+              <a:spcBef>
+                <a:spcPct val="0"/>
+              </a:spcBef>
+              <a:spcAft>
+                <a:spcPct val="0"/>
+              </a:spcAft>
+            </a:pPr>
+            <a:r>
+              <a:rPr lang="en-US" altLang="en-US" sz="1100" dirty="0">
+                <a:highlight>
+                  <a:srgbClr val="00FF00"/>
+                </a:highlight>
+                <a:cs typeface="Times New Roman" panose="02020603050405020304" pitchFamily="18" charset="0"/>
+              </a:rPr>
+              <a:t>+ </a:t>
+            </a:r>
+            <a:r>
+              <a:rPr lang="en-US" altLang="en-US" sz="1100" dirty="0" err="1">
+                <a:highlight>
+                  <a:srgbClr val="00FF00"/>
+                </a:highlight>
+                <a:cs typeface="Times New Roman" panose="02020603050405020304" pitchFamily="18" charset="0"/>
+              </a:rPr>
+              <a:t>OnCreate</a:t>
+            </a:r>
+            <a:r>
+              <a:rPr lang="en-US" altLang="en-US" sz="1100" dirty="0">
+                <a:highlight>
+                  <a:srgbClr val="00FF00"/>
+                </a:highlight>
+                <a:cs typeface="Times New Roman" panose="02020603050405020304" pitchFamily="18" charset="0"/>
+              </a:rPr>
+              <a:t>() : void &lt;&lt;override&gt;&gt;</a:t>
+            </a:r>
+          </a:p>
+          <a:p>
+            <a:pPr defTabSz="914400" eaLnBrk="0" fontAlgn="base" hangingPunct="0">
+              <a:spcBef>
+                <a:spcPct val="0"/>
+              </a:spcBef>
+              <a:spcAft>
+                <a:spcPct val="0"/>
+              </a:spcAft>
+            </a:pPr>
+            <a:r>
+              <a:rPr lang="en-US" altLang="en-US" sz="1100" i="1" dirty="0">
+                <a:highlight>
+                  <a:srgbClr val="00FF00"/>
+                </a:highlight>
+                <a:cs typeface="Times New Roman" panose="02020603050405020304" pitchFamily="18" charset="0"/>
+              </a:rPr>
+              <a:t>+ </a:t>
+            </a:r>
+            <a:r>
+              <a:rPr lang="en-US" altLang="en-US" sz="1100" i="1" dirty="0" err="1">
+                <a:highlight>
+                  <a:srgbClr val="00FF00"/>
+                </a:highlight>
+                <a:cs typeface="Times New Roman" panose="02020603050405020304" pitchFamily="18" charset="0"/>
+              </a:rPr>
               <a:t>isSpaceFree</a:t>
             </a:r>
             <a:r>
@@ -4499,6 +4977,58 @@
               </a:rPr>
               <a:t>() : float</a:t>
             </a:r>
+          </a:p>
+          <a:p>
+            <a:pPr defTabSz="914400" eaLnBrk="0" fontAlgn="base" hangingPunct="0">
+              <a:spcBef>
+                <a:spcPct val="0"/>
+              </a:spcBef>
+              <a:spcAft>
+                <a:spcPct val="0"/>
+              </a:spcAft>
+            </a:pPr>
+            <a:r>
+              <a:rPr lang="en-US" altLang="en-US" sz="1100" dirty="0">
+                <a:highlight>
+                  <a:srgbClr val="00FF00"/>
+                </a:highlight>
+                <a:cs typeface="Times New Roman" panose="02020603050405020304" pitchFamily="18" charset="0"/>
+              </a:rPr>
+              <a:t>+ </a:t>
+            </a:r>
+            <a:r>
+              <a:rPr lang="en-US" altLang="en-US" sz="1100" u="sng" dirty="0" err="1">
+                <a:highlight>
+                  <a:srgbClr val="00FF00"/>
+                </a:highlight>
+                <a:cs typeface="Times New Roman" panose="02020603050405020304" pitchFamily="18" charset="0"/>
+              </a:rPr>
+              <a:t>MakeAndPlaceWorldObject</a:t>
+            </a:r>
+            <a:r>
+              <a:rPr lang="en-US" altLang="en-US" sz="1100" u="sng" dirty="0">
+                <a:highlight>
+                  <a:srgbClr val="00FF00"/>
+                </a:highlight>
+                <a:cs typeface="Times New Roman" panose="02020603050405020304" pitchFamily="18" charset="0"/>
+              </a:rPr>
+              <a:t>() : </a:t>
+            </a:r>
+            <a:r>
+              <a:rPr lang="en-US" altLang="en-US" sz="1100" u="sng" dirty="0" err="1">
+                <a:highlight>
+                  <a:srgbClr val="00FF00"/>
+                </a:highlight>
+                <a:cs typeface="Times New Roman" panose="02020603050405020304" pitchFamily="18" charset="0"/>
+              </a:rPr>
+              <a:t>WorldObject</a:t>
+            </a:r>
+            <a:endParaRPr lang="en-US" altLang="en-US" sz="1100" u="sng" dirty="0">
+              <a:highlight>
+                <a:srgbClr val="00FF00"/>
+              </a:highlight>
+              <a:cs typeface="Times New Roman" panose="02020603050405020304" pitchFamily="18" charset="0"/>
+            </a:endParaRPr>
           </a:p>
           <a:p>
             <a:pPr defTabSz="914400" eaLnBrk="0" fontAlgn="base" hangingPunct="0">
@@ -4919,7 +5449,7 @@
         </p:nvSpPr>
         <p:spPr bwMode="auto">
           <a:xfrm>
-            <a:off x="749210" y="8697297"/>
+            <a:off x="669042" y="9981548"/>
             <a:ext cx="745958" cy="600075"/>
           </a:xfrm>
           <a:prstGeom prst="rect">
@@ -5071,8 +5601,8 @@
         </p:nvCxnSpPr>
         <p:spPr>
           <a:xfrm flipV="1">
-            <a:off x="5825233" y="3655455"/>
-            <a:ext cx="3104363" cy="1516938"/>
+            <a:off x="6939688" y="4197747"/>
+            <a:ext cx="1989908" cy="1479470"/>
           </a:xfrm>
           <a:prstGeom prst="bentConnector3">
             <a:avLst/>
@@ -5114,8 +5644,8 @@
         </p:nvCxnSpPr>
         <p:spPr>
           <a:xfrm>
-            <a:off x="12094565" y="3655455"/>
-            <a:ext cx="1622253" cy="3079343"/>
+            <a:off x="12549330" y="4197747"/>
+            <a:ext cx="1167488" cy="2537051"/>
           </a:xfrm>
           <a:prstGeom prst="bentConnector3">
             <a:avLst>
@@ -5159,8 +5689,8 @@
         </p:nvCxnSpPr>
         <p:spPr>
           <a:xfrm flipV="1">
-            <a:off x="12094565" y="2466178"/>
-            <a:ext cx="1622253" cy="1189277"/>
+            <a:off x="12549330" y="2466178"/>
+            <a:ext cx="1167488" cy="1731569"/>
           </a:xfrm>
           <a:prstGeom prst="bentConnector3">
             <a:avLst>
@@ -5204,8 +5734,8 @@
         </p:nvCxnSpPr>
         <p:spPr>
           <a:xfrm rot="16200000" flipH="1">
-            <a:off x="9261785" y="6004535"/>
-            <a:ext cx="3027834" cy="527243"/>
+            <a:off x="9917769" y="6660518"/>
+            <a:ext cx="1943249" cy="299861"/>
           </a:xfrm>
           <a:prstGeom prst="bentConnector3">
             <a:avLst>
@@ -5247,7 +5777,7 @@
         </p:nvSpPr>
         <p:spPr bwMode="auto">
           <a:xfrm>
-            <a:off x="1868147" y="8692553"/>
+            <a:off x="1787979" y="9976804"/>
             <a:ext cx="745958" cy="600075"/>
           </a:xfrm>
           <a:prstGeom prst="rect">
@@ -5322,7 +5852,7 @@
         </p:nvSpPr>
         <p:spPr bwMode="auto">
           <a:xfrm>
-            <a:off x="3132907" y="8683066"/>
+            <a:off x="3052739" y="9967317"/>
             <a:ext cx="745958" cy="600075"/>
           </a:xfrm>
           <a:prstGeom prst="rect">
@@ -5398,8 +5928,8 @@
         </p:nvCxnSpPr>
         <p:spPr>
           <a:xfrm rot="5400000">
-            <a:off x="1892140" y="6831000"/>
-            <a:ext cx="1096346" cy="2636248"/>
+            <a:off x="1993369" y="7659253"/>
+            <a:ext cx="1370948" cy="3273643"/>
           </a:xfrm>
           <a:prstGeom prst="bentConnector3">
             <a:avLst>
@@ -5443,8 +5973,8 @@
         </p:nvCxnSpPr>
         <p:spPr>
           <a:xfrm rot="5400000">
-            <a:off x="2453981" y="7388097"/>
-            <a:ext cx="1091602" cy="1517311"/>
+            <a:off x="2555209" y="8216349"/>
+            <a:ext cx="1366204" cy="2154706"/>
           </a:xfrm>
           <a:prstGeom prst="bentConnector3">
             <a:avLst>
@@ -5488,8 +6018,8 @@
         </p:nvCxnSpPr>
         <p:spPr>
           <a:xfrm rot="5400000">
-            <a:off x="3091105" y="8015733"/>
-            <a:ext cx="1082115" cy="252551"/>
+            <a:off x="3192333" y="8843985"/>
+            <a:ext cx="1356717" cy="889946"/>
           </a:xfrm>
           <a:prstGeom prst="bentConnector3">
             <a:avLst>
@@ -6304,7 +6834,7 @@
         </p:nvSpPr>
         <p:spPr bwMode="auto">
           <a:xfrm>
-            <a:off x="5825233" y="8692553"/>
+            <a:off x="5745065" y="9976804"/>
             <a:ext cx="745958" cy="600075"/>
           </a:xfrm>
           <a:prstGeom prst="rect">
@@ -6380,8 +6910,8 @@
         </p:nvCxnSpPr>
         <p:spPr>
           <a:xfrm rot="16200000" flipH="1">
-            <a:off x="4432523" y="6926864"/>
-            <a:ext cx="1091602" cy="2439775"/>
+            <a:off x="4533752" y="8392512"/>
+            <a:ext cx="1366204" cy="1802380"/>
           </a:xfrm>
           <a:prstGeom prst="bentConnector3">
             <a:avLst>
@@ -6652,8 +7182,8 @@
         </p:nvCxnSpPr>
         <p:spPr>
           <a:xfrm rot="16200000" flipH="1">
-            <a:off x="-247003" y="3233749"/>
-            <a:ext cx="3680815" cy="196472"/>
+            <a:off x="-499415" y="3486161"/>
+            <a:ext cx="4185639" cy="196472"/>
           </a:xfrm>
           <a:prstGeom prst="bentConnector2">
             <a:avLst/>

--- a/Class Diagram.pptx
+++ b/Class Diagram.pptx
@@ -4044,6 +4044,48 @@
                   <a:srgbClr val="00FF00"/>
                 </a:highlight>
                 <a:latin typeface="Calibri" panose="020F0502020204030204" pitchFamily="34" charset="0"/>
+                <a:ea typeface="Calibri" panose="020F0502020204030204" pitchFamily="34" charset="0"/>
+                <a:cs typeface="Times New Roman" panose="02020603050405020304" pitchFamily="18" charset="0"/>
+              </a:rPr>
+              <a:t>+ Step() : void</a:t>
+            </a:r>
+          </a:p>
+          <a:p>
+            <a:pPr defTabSz="914400" eaLnBrk="0" fontAlgn="base" hangingPunct="0">
+              <a:spcBef>
+                <a:spcPct val="0"/>
+              </a:spcBef>
+              <a:spcAft>
+                <a:spcPct val="0"/>
+              </a:spcAft>
+            </a:pPr>
+            <a:r>
+              <a:rPr lang="en-US" altLang="en-US" sz="1100" i="1" dirty="0">
+                <a:highlight>
+                  <a:srgbClr val="00FF00"/>
+                </a:highlight>
+                <a:latin typeface="Calibri" panose="020F0502020204030204" pitchFamily="34" charset="0"/>
+                <a:ea typeface="Calibri" panose="020F0502020204030204" pitchFamily="34" charset="0"/>
+                <a:cs typeface="Times New Roman" panose="02020603050405020304" pitchFamily="18" charset="0"/>
+              </a:rPr>
+              <a:t>+ Die() : void</a:t>
+            </a:r>
+          </a:p>
+          <a:p>
+            <a:pPr defTabSz="914400" eaLnBrk="0" fontAlgn="base" hangingPunct="0">
+              <a:spcBef>
+                <a:spcPct val="0"/>
+              </a:spcBef>
+              <a:spcAft>
+                <a:spcPct val="0"/>
+              </a:spcAft>
+            </a:pPr>
+            <a:r>
+              <a:rPr lang="en-US" altLang="en-US" sz="1100" i="1" dirty="0">
+                <a:highlight>
+                  <a:srgbClr val="00FF00"/>
+                </a:highlight>
+                <a:latin typeface="Calibri" panose="020F0502020204030204" pitchFamily="34" charset="0"/>
                 <a:cs typeface="Times New Roman" panose="02020603050405020304" pitchFamily="18" charset="0"/>
               </a:rPr>
               <a:t>+ </a:t>
@@ -5074,7 +5116,7 @@
         <p:spPr bwMode="auto">
           <a:xfrm>
             <a:off x="13716818" y="1877696"/>
-            <a:ext cx="3976822" cy="1176963"/>
+            <a:ext cx="3976822" cy="1608850"/>
           </a:xfrm>
           <a:prstGeom prst="rect">
             <a:avLst/>
@@ -5190,8 +5232,121 @@
                   <a:srgbClr val="00FF00"/>
                 </a:highlight>
               </a:rPr>
+              <a:t>+ </a:t>
+            </a:r>
+            <a:r>
+              <a:rPr lang="en-US" altLang="en-US" sz="1100" dirty="0" err="1">
+                <a:highlight>
+                  <a:srgbClr val="00FF00"/>
+                </a:highlight>
+              </a:rPr>
+              <a:t>influenceFloors</a:t>
+            </a:r>
+            <a:r>
+              <a:rPr lang="en-US" altLang="en-US" sz="1100" dirty="0">
+                <a:highlight>
+                  <a:srgbClr val="00FF00"/>
+                </a:highlight>
+              </a:rPr>
+              <a:t>: bool</a:t>
+            </a:r>
+          </a:p>
+          <a:p>
+            <a:pPr defTabSz="914400" eaLnBrk="0" fontAlgn="base" hangingPunct="0">
+              <a:spcBef>
+                <a:spcPct val="0"/>
+              </a:spcBef>
+              <a:spcAft>
+                <a:spcPct val="0"/>
+              </a:spcAft>
+            </a:pPr>
+            <a:r>
+              <a:rPr lang="en-US" altLang="en-US" sz="1100" dirty="0">
+                <a:highlight>
+                  <a:srgbClr val="00FF00"/>
+                </a:highlight>
+              </a:rPr>
               <a:t>---------------------------------------------------------------------------------------</a:t>
             </a:r>
+          </a:p>
+          <a:p>
+            <a:pPr defTabSz="914400" eaLnBrk="0" fontAlgn="base" hangingPunct="0">
+              <a:spcBef>
+                <a:spcPct val="0"/>
+              </a:spcBef>
+              <a:spcAft>
+                <a:spcPct val="0"/>
+              </a:spcAft>
+            </a:pPr>
+            <a:r>
+              <a:rPr lang="en-US" altLang="en-US" sz="1100" dirty="0">
+                <a:highlight>
+                  <a:srgbClr val="00FF00"/>
+                </a:highlight>
+                <a:cs typeface="Times New Roman" panose="02020603050405020304" pitchFamily="18" charset="0"/>
+              </a:rPr>
+              <a:t>+ </a:t>
+            </a:r>
+            <a:r>
+              <a:rPr lang="en-US" altLang="en-US" sz="1100" dirty="0" err="1">
+                <a:highlight>
+                  <a:srgbClr val="00FF00"/>
+                </a:highlight>
+                <a:cs typeface="Times New Roman" panose="02020603050405020304" pitchFamily="18" charset="0"/>
+              </a:rPr>
+              <a:t>DestroyObject</a:t>
+            </a:r>
+            <a:r>
+              <a:rPr lang="en-US" altLang="en-US" sz="1100" dirty="0">
+                <a:highlight>
+                  <a:srgbClr val="00FF00"/>
+                </a:highlight>
+                <a:cs typeface="Times New Roman" panose="02020603050405020304" pitchFamily="18" charset="0"/>
+              </a:rPr>
+              <a:t>() : void &lt;&lt;override&gt;&gt;</a:t>
+            </a:r>
+          </a:p>
+          <a:p>
+            <a:pPr defTabSz="914400" eaLnBrk="0" fontAlgn="base" hangingPunct="0">
+              <a:spcBef>
+                <a:spcPct val="0"/>
+              </a:spcBef>
+              <a:spcAft>
+                <a:spcPct val="0"/>
+              </a:spcAft>
+            </a:pPr>
+            <a:r>
+              <a:rPr lang="en-US" altLang="en-US" sz="1100" dirty="0">
+                <a:highlight>
+                  <a:srgbClr val="00FF00"/>
+                </a:highlight>
+                <a:cs typeface="Times New Roman" panose="02020603050405020304" pitchFamily="18" charset="0"/>
+              </a:rPr>
+              <a:t>+ </a:t>
+            </a:r>
+            <a:r>
+              <a:rPr lang="en-US" altLang="en-US" sz="1100" dirty="0" err="1">
+                <a:highlight>
+                  <a:srgbClr val="00FF00"/>
+                </a:highlight>
+                <a:cs typeface="Times New Roman" panose="02020603050405020304" pitchFamily="18" charset="0"/>
+              </a:rPr>
+              <a:t>OnCreate</a:t>
+            </a:r>
+            <a:r>
+              <a:rPr lang="en-US" altLang="en-US" sz="1100" dirty="0">
+                <a:highlight>
+                  <a:srgbClr val="00FF00"/>
+                </a:highlight>
+                <a:cs typeface="Times New Roman" panose="02020603050405020304" pitchFamily="18" charset="0"/>
+              </a:rPr>
+              <a:t>() : void &lt;&lt;override&gt;&gt;</a:t>
+            </a:r>
+            <a:endParaRPr lang="en-US" altLang="en-US" sz="1100" dirty="0">
+              <a:highlight>
+                <a:srgbClr val="00FF00"/>
+              </a:highlight>
+            </a:endParaRPr>
           </a:p>
           <a:p>
             <a:pPr defTabSz="914400" eaLnBrk="0" fontAlgn="base" hangingPunct="0">
@@ -5296,8 +5451,8 @@
         </p:nvSpPr>
         <p:spPr bwMode="auto">
           <a:xfrm>
-            <a:off x="13716818" y="6240608"/>
-            <a:ext cx="3976822" cy="988380"/>
+            <a:off x="13716818" y="6240607"/>
+            <a:ext cx="3976822" cy="1541465"/>
           </a:xfrm>
           <a:prstGeom prst="rect">
             <a:avLst/>
@@ -5414,6 +5569,159 @@
                 </a:highlight>
               </a:rPr>
               <a:t>----------------------------------------------------------------------------------------</a:t>
+            </a:r>
+          </a:p>
+          <a:p>
+            <a:pPr defTabSz="914400" eaLnBrk="0" fontAlgn="base" hangingPunct="0">
+              <a:spcBef>
+                <a:spcPct val="0"/>
+              </a:spcBef>
+              <a:spcAft>
+                <a:spcPct val="0"/>
+              </a:spcAft>
+            </a:pPr>
+            <a:r>
+              <a:rPr lang="en-US" altLang="en-US" sz="1100" dirty="0">
+                <a:highlight>
+                  <a:srgbClr val="00FF00"/>
+                </a:highlight>
+                <a:cs typeface="Times New Roman" panose="02020603050405020304" pitchFamily="18" charset="0"/>
+              </a:rPr>
+              <a:t>+ </a:t>
+            </a:r>
+            <a:r>
+              <a:rPr lang="en-US" altLang="en-US" sz="1100" dirty="0" err="1">
+                <a:highlight>
+                  <a:srgbClr val="00FF00"/>
+                </a:highlight>
+                <a:cs typeface="Times New Roman" panose="02020603050405020304" pitchFamily="18" charset="0"/>
+              </a:rPr>
+              <a:t>DestroyObject</a:t>
+            </a:r>
+            <a:r>
+              <a:rPr lang="en-US" altLang="en-US" sz="1100" dirty="0">
+                <a:highlight>
+                  <a:srgbClr val="00FF00"/>
+                </a:highlight>
+                <a:cs typeface="Times New Roman" panose="02020603050405020304" pitchFamily="18" charset="0"/>
+              </a:rPr>
+              <a:t>() : void &lt;&lt;override&gt;&gt;</a:t>
+            </a:r>
+          </a:p>
+          <a:p>
+            <a:pPr defTabSz="914400" eaLnBrk="0" fontAlgn="base" hangingPunct="0">
+              <a:spcBef>
+                <a:spcPct val="0"/>
+              </a:spcBef>
+              <a:spcAft>
+                <a:spcPct val="0"/>
+              </a:spcAft>
+            </a:pPr>
+            <a:r>
+              <a:rPr lang="en-US" altLang="en-US" sz="1100" dirty="0">
+                <a:highlight>
+                  <a:srgbClr val="00FF00"/>
+                </a:highlight>
+                <a:cs typeface="Times New Roman" panose="02020603050405020304" pitchFamily="18" charset="0"/>
+              </a:rPr>
+              <a:t>+ </a:t>
+            </a:r>
+            <a:r>
+              <a:rPr lang="en-US" altLang="en-US" sz="1100" dirty="0" err="1">
+                <a:highlight>
+                  <a:srgbClr val="00FF00"/>
+                </a:highlight>
+                <a:cs typeface="Times New Roman" panose="02020603050405020304" pitchFamily="18" charset="0"/>
+              </a:rPr>
+              <a:t>OnCreate</a:t>
+            </a:r>
+            <a:r>
+              <a:rPr lang="en-US" altLang="en-US" sz="1100" dirty="0">
+                <a:highlight>
+                  <a:srgbClr val="00FF00"/>
+                </a:highlight>
+                <a:cs typeface="Times New Roman" panose="02020603050405020304" pitchFamily="18" charset="0"/>
+              </a:rPr>
+              <a:t>() : void &lt;&lt;override&gt;&gt;</a:t>
+            </a:r>
+            <a:endParaRPr lang="en-US" altLang="en-US" sz="1100" dirty="0">
+              <a:highlight>
+                <a:srgbClr val="00FF00"/>
+              </a:highlight>
+            </a:endParaRPr>
+          </a:p>
+          <a:p>
+            <a:pPr defTabSz="914400" eaLnBrk="0" fontAlgn="base" hangingPunct="0">
+              <a:spcBef>
+                <a:spcPct val="0"/>
+              </a:spcBef>
+              <a:spcAft>
+                <a:spcPct val="0"/>
+              </a:spcAft>
+            </a:pPr>
+            <a:r>
+              <a:rPr lang="en-US" altLang="en-US" sz="1100" dirty="0">
+                <a:highlight>
+                  <a:srgbClr val="00FF00"/>
+                </a:highlight>
+                <a:cs typeface="Times New Roman" panose="02020603050405020304" pitchFamily="18" charset="0"/>
+              </a:rPr>
+              <a:t>+ </a:t>
+            </a:r>
+            <a:r>
+              <a:rPr lang="en-US" altLang="en-US" sz="1100" dirty="0" err="1">
+                <a:highlight>
+                  <a:srgbClr val="00FF00"/>
+                </a:highlight>
+                <a:cs typeface="Times New Roman" panose="02020603050405020304" pitchFamily="18" charset="0"/>
+              </a:rPr>
+              <a:t>isSpaceFree</a:t>
+            </a:r>
+            <a:r>
+              <a:rPr lang="en-US" altLang="en-US" sz="1100" dirty="0">
+                <a:highlight>
+                  <a:srgbClr val="00FF00"/>
+                </a:highlight>
+                <a:cs typeface="Times New Roman" panose="02020603050405020304" pitchFamily="18" charset="0"/>
+              </a:rPr>
+              <a:t>(Vector2Int): bool &lt;&lt;override&gt;&gt;</a:t>
+            </a:r>
+          </a:p>
+          <a:p>
+            <a:pPr defTabSz="914400" eaLnBrk="0" fontAlgn="base" hangingPunct="0">
+              <a:spcBef>
+                <a:spcPct val="0"/>
+              </a:spcBef>
+              <a:spcAft>
+                <a:spcPct val="0"/>
+              </a:spcAft>
+            </a:pPr>
+            <a:r>
+              <a:rPr lang="en-US" altLang="en-US" sz="1100" dirty="0">
+                <a:highlight>
+                  <a:srgbClr val="00FF00"/>
+                </a:highlight>
+                <a:cs typeface="Times New Roman" panose="02020603050405020304" pitchFamily="18" charset="0"/>
+              </a:rPr>
+              <a:t>+ </a:t>
+            </a:r>
+            <a:r>
+              <a:rPr lang="en-US" altLang="en-US" sz="1100" dirty="0" err="1">
+                <a:highlight>
+                  <a:srgbClr val="00FF00"/>
+                </a:highlight>
+                <a:cs typeface="Times New Roman" panose="02020603050405020304" pitchFamily="18" charset="0"/>
+              </a:rPr>
+              <a:t>GetWorldObjectInventory</a:t>
+            </a:r>
+            <a:r>
+              <a:rPr lang="en-US" altLang="en-US" sz="1100" dirty="0">
+                <a:highlight>
+                  <a:srgbClr val="00FF00"/>
+                </a:highlight>
+                <a:cs typeface="Times New Roman" panose="02020603050405020304" pitchFamily="18" charset="0"/>
+              </a:rPr>
+              <a:t>(Vector2Int) : Inventory &lt;&lt;override&gt;&gt;</a:t>
             </a:r>
           </a:p>
           <a:p>
@@ -5524,8 +5832,8 @@
         </p:nvSpPr>
         <p:spPr bwMode="auto">
           <a:xfrm>
-            <a:off x="10191599" y="7782074"/>
-            <a:ext cx="1695450" cy="752475"/>
+            <a:off x="8535553" y="6540263"/>
+            <a:ext cx="3976821" cy="3282156"/>
           </a:xfrm>
           <a:prstGeom prst="rect">
             <a:avLst/>
@@ -5560,26 +5868,633 @@
             </a:pPr>
             <a:r>
               <a:rPr lang="en-US" altLang="en-US" sz="1100" i="1" dirty="0">
+                <a:highlight>
+                  <a:srgbClr val="00FF00"/>
+                </a:highlight>
                 <a:latin typeface="Calibri" panose="020F0502020204030204" pitchFamily="34" charset="0"/>
                 <a:ea typeface="Calibri" panose="020F0502020204030204" pitchFamily="34" charset="0"/>
                 <a:cs typeface="Times New Roman" panose="02020603050405020304" pitchFamily="18" charset="0"/>
               </a:rPr>
               <a:t>Unit</a:t>
             </a:r>
-            <a:endParaRPr lang="en-US" altLang="en-US" sz="800" i="1" dirty="0"/>
-          </a:p>
-          <a:p>
-            <a:pPr defTabSz="914400" eaLnBrk="0" fontAlgn="base" hangingPunct="0">
-              <a:spcBef>
-                <a:spcPct val="0"/>
-              </a:spcBef>
-              <a:spcAft>
-                <a:spcPct val="0"/>
-              </a:spcAft>
-            </a:pPr>
-            <a:endParaRPr lang="en-US" altLang="en-US" sz="1800" dirty="0">
-              <a:latin typeface="Arial" panose="020B0604020202020204" pitchFamily="34" charset="0"/>
+          </a:p>
+          <a:p>
+            <a:pPr defTabSz="914400" eaLnBrk="0" fontAlgn="base" hangingPunct="0">
+              <a:spcBef>
+                <a:spcPct val="0"/>
+              </a:spcBef>
+              <a:spcAft>
+                <a:spcPct val="0"/>
+              </a:spcAft>
+            </a:pPr>
+            <a:r>
+              <a:rPr lang="en-US" altLang="en-US" sz="1100" i="1" dirty="0">
+                <a:highlight>
+                  <a:srgbClr val="00FF00"/>
+                </a:highlight>
+                <a:latin typeface="Calibri" panose="020F0502020204030204" pitchFamily="34" charset="0"/>
+                <a:cs typeface="Times New Roman" panose="02020603050405020304" pitchFamily="18" charset="0"/>
+              </a:rPr>
+              <a:t>----------------------------------------------------------------------------------------</a:t>
+            </a:r>
+          </a:p>
+          <a:p>
+            <a:pPr defTabSz="914400" eaLnBrk="0" fontAlgn="base" hangingPunct="0">
+              <a:spcBef>
+                <a:spcPct val="0"/>
+              </a:spcBef>
+              <a:spcAft>
+                <a:spcPct val="0"/>
+              </a:spcAft>
+            </a:pPr>
+            <a:r>
+              <a:rPr lang="en-US" altLang="en-US" sz="1100" i="1" dirty="0">
+                <a:highlight>
+                  <a:srgbClr val="00FF00"/>
+                </a:highlight>
+                <a:latin typeface="Calibri" panose="020F0502020204030204" pitchFamily="34" charset="0"/>
+                <a:cs typeface="Times New Roman" panose="02020603050405020304" pitchFamily="18" charset="0"/>
+              </a:rPr>
+              <a:t>+ </a:t>
+            </a:r>
+            <a:r>
+              <a:rPr lang="en-US" altLang="en-US" sz="1100" i="1" u="sng" dirty="0" err="1">
+                <a:highlight>
+                  <a:srgbClr val="00FF00"/>
+                </a:highlight>
+                <a:latin typeface="Calibri" panose="020F0502020204030204" pitchFamily="34" charset="0"/>
+                <a:cs typeface="Times New Roman" panose="02020603050405020304" pitchFamily="18" charset="0"/>
+              </a:rPr>
+              <a:t>unitList</a:t>
+            </a:r>
+            <a:r>
+              <a:rPr lang="en-US" altLang="en-US" sz="1100" i="1" u="sng" dirty="0">
+                <a:highlight>
+                  <a:srgbClr val="00FF00"/>
+                </a:highlight>
+                <a:latin typeface="Calibri" panose="020F0502020204030204" pitchFamily="34" charset="0"/>
+                <a:cs typeface="Times New Roman" panose="02020603050405020304" pitchFamily="18" charset="0"/>
+              </a:rPr>
+              <a:t> : List&lt;Unit&gt;</a:t>
+            </a:r>
+          </a:p>
+          <a:p>
+            <a:pPr defTabSz="914400" eaLnBrk="0" fontAlgn="base" hangingPunct="0">
+              <a:spcBef>
+                <a:spcPct val="0"/>
+              </a:spcBef>
+              <a:spcAft>
+                <a:spcPct val="0"/>
+              </a:spcAft>
+            </a:pPr>
+            <a:r>
+              <a:rPr lang="en-US" altLang="en-US" sz="1100" dirty="0">
+                <a:highlight>
+                  <a:srgbClr val="00FF00"/>
+                </a:highlight>
+              </a:rPr>
+              <a:t>+ </a:t>
+            </a:r>
+            <a:r>
+              <a:rPr lang="en-US" altLang="en-US" sz="1100" dirty="0" err="1">
+                <a:highlight>
+                  <a:srgbClr val="00FF00"/>
+                </a:highlight>
+              </a:rPr>
+              <a:t>unitTnventory</a:t>
+            </a:r>
+            <a:r>
+              <a:rPr lang="en-US" altLang="en-US" sz="1100" dirty="0">
+                <a:highlight>
+                  <a:srgbClr val="00FF00"/>
+                </a:highlight>
+              </a:rPr>
+              <a:t> : Inventory</a:t>
+            </a:r>
+          </a:p>
+          <a:p>
+            <a:pPr defTabSz="914400" eaLnBrk="0" fontAlgn="base" hangingPunct="0">
+              <a:spcBef>
+                <a:spcPct val="0"/>
+              </a:spcBef>
+              <a:spcAft>
+                <a:spcPct val="0"/>
+              </a:spcAft>
+            </a:pPr>
+            <a:r>
+              <a:rPr lang="en-US" altLang="en-US" sz="1100" dirty="0">
+                <a:highlight>
+                  <a:srgbClr val="00FF00"/>
+                </a:highlight>
+              </a:rPr>
+              <a:t>+ burrower : bool</a:t>
+            </a:r>
+          </a:p>
+          <a:p>
+            <a:pPr defTabSz="914400" eaLnBrk="0" fontAlgn="base" hangingPunct="0">
+              <a:spcBef>
+                <a:spcPct val="0"/>
+              </a:spcBef>
+              <a:spcAft>
+                <a:spcPct val="0"/>
+              </a:spcAft>
+            </a:pPr>
+            <a:r>
+              <a:rPr lang="en-US" altLang="en-US" sz="1100" dirty="0">
+                <a:highlight>
+                  <a:srgbClr val="00FF00"/>
+                </a:highlight>
+              </a:rPr>
+              <a:t>+ dead : bool</a:t>
+            </a:r>
+          </a:p>
+          <a:p>
+            <a:pPr defTabSz="914400" eaLnBrk="0" fontAlgn="base" hangingPunct="0">
+              <a:spcBef>
+                <a:spcPct val="0"/>
+              </a:spcBef>
+              <a:spcAft>
+                <a:spcPct val="0"/>
+              </a:spcAft>
+            </a:pPr>
+            <a:r>
+              <a:rPr lang="en-US" altLang="en-US" sz="1100" dirty="0">
+                <a:highlight>
+                  <a:srgbClr val="00FF00"/>
+                </a:highlight>
+              </a:rPr>
+              <a:t>+ speed : int</a:t>
+            </a:r>
+          </a:p>
+          <a:p>
+            <a:pPr defTabSz="914400" eaLnBrk="0" fontAlgn="base" hangingPunct="0">
+              <a:spcBef>
+                <a:spcPct val="0"/>
+              </a:spcBef>
+              <a:spcAft>
+                <a:spcPct val="0"/>
+              </a:spcAft>
+            </a:pPr>
+            <a:r>
+              <a:rPr lang="en-US" altLang="en-US" sz="1100" dirty="0">
+                <a:highlight>
+                  <a:srgbClr val="00FF00"/>
+                </a:highlight>
+              </a:rPr>
+              <a:t>- </a:t>
+            </a:r>
+            <a:r>
+              <a:rPr lang="en-US" altLang="en-US" sz="1100" dirty="0" err="1">
+                <a:highlight>
+                  <a:srgbClr val="00FF00"/>
+                </a:highlight>
+              </a:rPr>
+              <a:t>speedCounter</a:t>
+            </a:r>
+            <a:r>
+              <a:rPr lang="en-US" altLang="en-US" sz="1100" dirty="0">
+                <a:highlight>
+                  <a:srgbClr val="00FF00"/>
+                </a:highlight>
+              </a:rPr>
+              <a:t> : int</a:t>
+            </a:r>
+          </a:p>
+          <a:p>
+            <a:pPr defTabSz="914400" eaLnBrk="0" fontAlgn="base" hangingPunct="0">
+              <a:spcBef>
+                <a:spcPct val="0"/>
+              </a:spcBef>
+              <a:spcAft>
+                <a:spcPct val="0"/>
+              </a:spcAft>
+            </a:pPr>
+            <a:r>
+              <a:rPr lang="en-US" altLang="en-US" sz="1100" dirty="0">
+                <a:highlight>
+                  <a:srgbClr val="00FF00"/>
+                </a:highlight>
+              </a:rPr>
+              <a:t>----------------------------------------------------------------------------------------</a:t>
+            </a:r>
+          </a:p>
+          <a:p>
+            <a:pPr defTabSz="914400" eaLnBrk="0" fontAlgn="base" hangingPunct="0">
+              <a:spcBef>
+                <a:spcPct val="0"/>
+              </a:spcBef>
+              <a:spcAft>
+                <a:spcPct val="0"/>
+              </a:spcAft>
+            </a:pPr>
+            <a:r>
+              <a:rPr lang="en-US" altLang="en-US" sz="1100" i="1" dirty="0">
+                <a:highlight>
+                  <a:srgbClr val="00FF00"/>
+                </a:highlight>
+              </a:rPr>
+              <a:t># </a:t>
+            </a:r>
+            <a:r>
+              <a:rPr lang="en-US" altLang="en-US" sz="1100" i="1" dirty="0" err="1">
+                <a:highlight>
+                  <a:srgbClr val="00FF00"/>
+                </a:highlight>
+              </a:rPr>
+              <a:t>TakeTurn</a:t>
+            </a:r>
+            <a:r>
+              <a:rPr lang="en-US" altLang="en-US" sz="1100" i="1" dirty="0">
+                <a:highlight>
+                  <a:srgbClr val="00FF00"/>
+                </a:highlight>
+              </a:rPr>
+              <a:t>() : void</a:t>
+            </a:r>
+            <a:endParaRPr lang="en-US" altLang="en-US" sz="1100" dirty="0">
+              <a:highlight>
+                <a:srgbClr val="00FF00"/>
+              </a:highlight>
+              <a:cs typeface="Times New Roman" panose="02020603050405020304" pitchFamily="18" charset="0"/>
             </a:endParaRPr>
+          </a:p>
+          <a:p>
+            <a:pPr defTabSz="914400" eaLnBrk="0" fontAlgn="base" hangingPunct="0">
+              <a:spcBef>
+                <a:spcPct val="0"/>
+              </a:spcBef>
+              <a:spcAft>
+                <a:spcPct val="0"/>
+              </a:spcAft>
+            </a:pPr>
+            <a:r>
+              <a:rPr lang="en-US" altLang="en-US" sz="1100" dirty="0">
+                <a:highlight>
+                  <a:srgbClr val="00FF00"/>
+                </a:highlight>
+                <a:cs typeface="Times New Roman" panose="02020603050405020304" pitchFamily="18" charset="0"/>
+              </a:rPr>
+              <a:t>- </a:t>
+            </a:r>
+            <a:r>
+              <a:rPr lang="en-US" altLang="en-US" sz="1100" dirty="0" err="1">
+                <a:highlight>
+                  <a:srgbClr val="00FF00"/>
+                </a:highlight>
+                <a:cs typeface="Times New Roman" panose="02020603050405020304" pitchFamily="18" charset="0"/>
+              </a:rPr>
+              <a:t>GetMoveDirection</a:t>
+            </a:r>
+            <a:r>
+              <a:rPr lang="en-US" altLang="en-US" sz="1100" dirty="0">
+                <a:highlight>
+                  <a:srgbClr val="00FF00"/>
+                </a:highlight>
+                <a:cs typeface="Times New Roman" panose="02020603050405020304" pitchFamily="18" charset="0"/>
+              </a:rPr>
+              <a:t>() : Vector2Int</a:t>
+            </a:r>
+          </a:p>
+          <a:p>
+            <a:pPr defTabSz="914400" eaLnBrk="0" fontAlgn="base" hangingPunct="0">
+              <a:spcBef>
+                <a:spcPct val="0"/>
+              </a:spcBef>
+              <a:spcAft>
+                <a:spcPct val="0"/>
+              </a:spcAft>
+            </a:pPr>
+            <a:r>
+              <a:rPr lang="en-US" altLang="en-US" sz="1100" dirty="0">
+                <a:highlight>
+                  <a:srgbClr val="00FF00"/>
+                </a:highlight>
+                <a:cs typeface="Times New Roman" panose="02020603050405020304" pitchFamily="18" charset="0"/>
+              </a:rPr>
+              <a:t>- </a:t>
+            </a:r>
+            <a:r>
+              <a:rPr lang="en-US" altLang="en-US" sz="1100" dirty="0" err="1">
+                <a:highlight>
+                  <a:srgbClr val="00FF00"/>
+                </a:highlight>
+                <a:cs typeface="Times New Roman" panose="02020603050405020304" pitchFamily="18" charset="0"/>
+              </a:rPr>
+              <a:t>GetMoveMap</a:t>
+            </a:r>
+            <a:r>
+              <a:rPr lang="en-US" altLang="en-US" sz="1100" dirty="0">
+                <a:highlight>
+                  <a:srgbClr val="00FF00"/>
+                </a:highlight>
+                <a:cs typeface="Times New Roman" panose="02020603050405020304" pitchFamily="18" charset="0"/>
+              </a:rPr>
+              <a:t>() : Node[,]</a:t>
+            </a:r>
+          </a:p>
+          <a:p>
+            <a:pPr defTabSz="914400" eaLnBrk="0" fontAlgn="base" hangingPunct="0">
+              <a:spcBef>
+                <a:spcPct val="0"/>
+              </a:spcBef>
+              <a:spcAft>
+                <a:spcPct val="0"/>
+              </a:spcAft>
+            </a:pPr>
+            <a:r>
+              <a:rPr lang="en-US" altLang="en-US" sz="1100" dirty="0">
+                <a:highlight>
+                  <a:srgbClr val="00FF00"/>
+                </a:highlight>
+              </a:rPr>
+              <a:t># </a:t>
+            </a:r>
+            <a:r>
+              <a:rPr lang="en-US" altLang="en-US" sz="1100" dirty="0" err="1">
+                <a:highlight>
+                  <a:srgbClr val="00FF00"/>
+                </a:highlight>
+              </a:rPr>
+              <a:t>AttackMove</a:t>
+            </a:r>
+            <a:r>
+              <a:rPr lang="en-US" altLang="en-US" sz="1100" dirty="0">
+                <a:highlight>
+                  <a:srgbClr val="00FF00"/>
+                </a:highlight>
+              </a:rPr>
+              <a:t>(Vecotr2Int) : bool</a:t>
+            </a:r>
+          </a:p>
+          <a:p>
+            <a:pPr defTabSz="914400" eaLnBrk="0" fontAlgn="base" hangingPunct="0">
+              <a:spcBef>
+                <a:spcPct val="0"/>
+              </a:spcBef>
+              <a:spcAft>
+                <a:spcPct val="0"/>
+              </a:spcAft>
+            </a:pPr>
+            <a:r>
+              <a:rPr lang="en-US" altLang="en-US" sz="1100" dirty="0">
+                <a:highlight>
+                  <a:srgbClr val="00FF00"/>
+                </a:highlight>
+              </a:rPr>
+              <a:t>- </a:t>
+            </a:r>
+            <a:r>
+              <a:rPr lang="en-US" altLang="en-US" sz="1100" dirty="0" err="1">
+                <a:highlight>
+                  <a:srgbClr val="00FF00"/>
+                </a:highlight>
+              </a:rPr>
+              <a:t>MeleeAttack</a:t>
+            </a:r>
+            <a:r>
+              <a:rPr lang="en-US" altLang="en-US" sz="1100" dirty="0">
+                <a:highlight>
+                  <a:srgbClr val="00FF00"/>
+                </a:highlight>
+              </a:rPr>
+              <a:t>(</a:t>
+            </a:r>
+            <a:r>
+              <a:rPr lang="en-US" altLang="en-US" sz="1100" dirty="0" err="1">
+                <a:highlight>
+                  <a:srgbClr val="00FF00"/>
+                </a:highlight>
+              </a:rPr>
+              <a:t>RoguelikeObject</a:t>
+            </a:r>
+            <a:r>
+              <a:rPr lang="en-US" altLang="en-US" sz="1100" dirty="0">
+                <a:highlight>
+                  <a:srgbClr val="00FF00"/>
+                </a:highlight>
+              </a:rPr>
+              <a:t>) : bool</a:t>
+            </a:r>
+          </a:p>
+          <a:p>
+            <a:pPr defTabSz="914400" eaLnBrk="0" fontAlgn="base" hangingPunct="0">
+              <a:spcBef>
+                <a:spcPct val="0"/>
+              </a:spcBef>
+              <a:spcAft>
+                <a:spcPct val="0"/>
+              </a:spcAft>
+            </a:pPr>
+            <a:r>
+              <a:rPr lang="en-US" altLang="en-US" sz="1100" dirty="0">
+                <a:highlight>
+                  <a:srgbClr val="00FF00"/>
+                </a:highlight>
+              </a:rPr>
+              <a:t>+ Die() : void &lt;&lt;override&gt;&gt;</a:t>
+            </a:r>
+          </a:p>
+          <a:p>
+            <a:pPr defTabSz="914400" eaLnBrk="0" fontAlgn="base" hangingPunct="0">
+              <a:spcBef>
+                <a:spcPct val="0"/>
+              </a:spcBef>
+              <a:spcAft>
+                <a:spcPct val="0"/>
+              </a:spcAft>
+            </a:pPr>
+            <a:r>
+              <a:rPr lang="en-US" altLang="en-US" sz="1100" dirty="0">
+                <a:highlight>
+                  <a:srgbClr val="00FF00"/>
+                </a:highlight>
+              </a:rPr>
+              <a:t>+ Step() : void &lt;&lt;override&gt;&gt;</a:t>
+            </a:r>
+          </a:p>
+          <a:p>
+            <a:pPr defTabSz="914400" eaLnBrk="0" fontAlgn="base" hangingPunct="0">
+              <a:spcBef>
+                <a:spcPct val="0"/>
+              </a:spcBef>
+              <a:spcAft>
+                <a:spcPct val="0"/>
+              </a:spcAft>
+            </a:pPr>
+            <a:r>
+              <a:rPr lang="en-US" altLang="en-US" sz="1100" dirty="0">
+                <a:highlight>
+                  <a:srgbClr val="00FF00"/>
+                </a:highlight>
+                <a:cs typeface="Times New Roman" panose="02020603050405020304" pitchFamily="18" charset="0"/>
+              </a:rPr>
+              <a:t>+ </a:t>
+            </a:r>
+            <a:r>
+              <a:rPr lang="en-US" altLang="en-US" sz="1100" dirty="0" err="1">
+                <a:highlight>
+                  <a:srgbClr val="00FF00"/>
+                </a:highlight>
+                <a:cs typeface="Times New Roman" panose="02020603050405020304" pitchFamily="18" charset="0"/>
+              </a:rPr>
+              <a:t>GetWorldObjectInventory</a:t>
+            </a:r>
+            <a:r>
+              <a:rPr lang="en-US" altLang="en-US" sz="1100" dirty="0">
+                <a:highlight>
+                  <a:srgbClr val="00FF00"/>
+                </a:highlight>
+                <a:cs typeface="Times New Roman" panose="02020603050405020304" pitchFamily="18" charset="0"/>
+              </a:rPr>
+              <a:t>(Vector2Int) : Inventory &lt;&lt;override&gt;&gt;</a:t>
+            </a:r>
+            <a:endParaRPr lang="en-US" altLang="en-US" sz="1100" dirty="0">
+              <a:highlight>
+                <a:srgbClr val="00FF00"/>
+              </a:highlight>
+            </a:endParaRPr>
+          </a:p>
+          <a:p>
+            <a:pPr defTabSz="914400" eaLnBrk="0" fontAlgn="base" hangingPunct="0">
+              <a:spcBef>
+                <a:spcPct val="0"/>
+              </a:spcBef>
+              <a:spcAft>
+                <a:spcPct val="0"/>
+              </a:spcAft>
+            </a:pPr>
+            <a:r>
+              <a:rPr lang="en-US" altLang="en-US" sz="1100" dirty="0">
+                <a:highlight>
+                  <a:srgbClr val="00FF00"/>
+                </a:highlight>
+                <a:cs typeface="Times New Roman" panose="02020603050405020304" pitchFamily="18" charset="0"/>
+              </a:rPr>
+              <a:t>+ </a:t>
+            </a:r>
+            <a:r>
+              <a:rPr lang="en-US" altLang="en-US" sz="1100" dirty="0" err="1">
+                <a:highlight>
+                  <a:srgbClr val="00FF00"/>
+                </a:highlight>
+                <a:cs typeface="Times New Roman" panose="02020603050405020304" pitchFamily="18" charset="0"/>
+              </a:rPr>
+              <a:t>isSpaceFree</a:t>
+            </a:r>
+            <a:r>
+              <a:rPr lang="en-US" altLang="en-US" sz="1100" dirty="0">
+                <a:highlight>
+                  <a:srgbClr val="00FF00"/>
+                </a:highlight>
+                <a:cs typeface="Times New Roman" panose="02020603050405020304" pitchFamily="18" charset="0"/>
+              </a:rPr>
+              <a:t>(Vector2Int): bool &lt;&lt;override&gt;&gt;</a:t>
+            </a:r>
+          </a:p>
+          <a:p>
+            <a:pPr defTabSz="914400" eaLnBrk="0" fontAlgn="base" hangingPunct="0">
+              <a:spcBef>
+                <a:spcPct val="0"/>
+              </a:spcBef>
+              <a:spcAft>
+                <a:spcPct val="0"/>
+              </a:spcAft>
+            </a:pPr>
+            <a:r>
+              <a:rPr lang="en-US" altLang="en-US" sz="1100" dirty="0">
+                <a:highlight>
+                  <a:srgbClr val="00FF00"/>
+                </a:highlight>
+                <a:cs typeface="Times New Roman" panose="02020603050405020304" pitchFamily="18" charset="0"/>
+              </a:rPr>
+              <a:t>+ </a:t>
+            </a:r>
+            <a:r>
+              <a:rPr lang="en-US" altLang="en-US" sz="1100" dirty="0" err="1">
+                <a:highlight>
+                  <a:srgbClr val="00FF00"/>
+                </a:highlight>
+                <a:cs typeface="Times New Roman" panose="02020603050405020304" pitchFamily="18" charset="0"/>
+              </a:rPr>
+              <a:t>OnCreate</a:t>
+            </a:r>
+            <a:r>
+              <a:rPr lang="en-US" altLang="en-US" sz="1100" dirty="0">
+                <a:highlight>
+                  <a:srgbClr val="00FF00"/>
+                </a:highlight>
+                <a:cs typeface="Times New Roman" panose="02020603050405020304" pitchFamily="18" charset="0"/>
+              </a:rPr>
+              <a:t>() : void &lt;&lt;override&gt;&gt;</a:t>
+            </a:r>
+          </a:p>
+          <a:p>
+            <a:pPr defTabSz="914400" eaLnBrk="0" fontAlgn="base" hangingPunct="0">
+              <a:spcBef>
+                <a:spcPct val="0"/>
+              </a:spcBef>
+              <a:spcAft>
+                <a:spcPct val="0"/>
+              </a:spcAft>
+            </a:pPr>
+            <a:r>
+              <a:rPr lang="en-US" altLang="en-US" sz="1100" dirty="0">
+                <a:highlight>
+                  <a:srgbClr val="00FF00"/>
+                </a:highlight>
+                <a:cs typeface="Times New Roman" panose="02020603050405020304" pitchFamily="18" charset="0"/>
+              </a:rPr>
+              <a:t>+ </a:t>
+            </a:r>
+            <a:r>
+              <a:rPr lang="en-US" altLang="en-US" sz="1100" dirty="0" err="1">
+                <a:highlight>
+                  <a:srgbClr val="00FF00"/>
+                </a:highlight>
+                <a:cs typeface="Times New Roman" panose="02020603050405020304" pitchFamily="18" charset="0"/>
+              </a:rPr>
+              <a:t>DestroyObject</a:t>
+            </a:r>
+            <a:r>
+              <a:rPr lang="en-US" altLang="en-US" sz="1100" dirty="0">
+                <a:highlight>
+                  <a:srgbClr val="00FF00"/>
+                </a:highlight>
+                <a:cs typeface="Times New Roman" panose="02020603050405020304" pitchFamily="18" charset="0"/>
+              </a:rPr>
+              <a:t>() : void &lt;&lt;override&gt;&gt;</a:t>
+            </a:r>
+            <a:endParaRPr lang="en-US" altLang="en-US" sz="1100" dirty="0">
+              <a:highlight>
+                <a:srgbClr val="00FF00"/>
+              </a:highlight>
+            </a:endParaRPr>
+          </a:p>
+          <a:p>
+            <a:pPr defTabSz="914400" eaLnBrk="0" fontAlgn="base" hangingPunct="0">
+              <a:spcBef>
+                <a:spcPct val="0"/>
+              </a:spcBef>
+              <a:spcAft>
+                <a:spcPct val="0"/>
+              </a:spcAft>
+            </a:pPr>
+            <a:endParaRPr lang="en-US" altLang="en-US" sz="1100" dirty="0">
+              <a:highlight>
+                <a:srgbClr val="00FF00"/>
+              </a:highlight>
+            </a:endParaRPr>
+          </a:p>
+          <a:p>
+            <a:pPr defTabSz="914400" eaLnBrk="0" fontAlgn="base" hangingPunct="0">
+              <a:spcBef>
+                <a:spcPct val="0"/>
+              </a:spcBef>
+              <a:spcAft>
+                <a:spcPct val="0"/>
+              </a:spcAft>
+            </a:pPr>
+            <a:endParaRPr lang="en-US" altLang="en-US" sz="1100" i="1" dirty="0"/>
           </a:p>
         </p:txBody>
       </p:sp>
@@ -5645,7 +6560,7 @@
         <p:spPr>
           <a:xfrm>
             <a:off x="12549330" y="4197747"/>
-            <a:ext cx="1167488" cy="2537051"/>
+            <a:ext cx="1167488" cy="2813593"/>
           </a:xfrm>
           <a:prstGeom prst="bentConnector3">
             <a:avLst>
@@ -5689,8 +6604,8 @@
         </p:nvCxnSpPr>
         <p:spPr>
           <a:xfrm flipV="1">
-            <a:off x="12549330" y="2466178"/>
-            <a:ext cx="1167488" cy="1731569"/>
+            <a:off x="12549330" y="2682121"/>
+            <a:ext cx="1167488" cy="1515626"/>
           </a:xfrm>
           <a:prstGeom prst="bentConnector3">
             <a:avLst>
@@ -5733,9 +6648,9 @@
           <p:nvPr/>
         </p:nvCxnSpPr>
         <p:spPr>
-          <a:xfrm rot="16200000" flipH="1">
-            <a:off x="9917769" y="6660518"/>
-            <a:ext cx="1943249" cy="299861"/>
+          <a:xfrm rot="5400000">
+            <a:off x="10280995" y="6081795"/>
+            <a:ext cx="701438" cy="215499"/>
           </a:xfrm>
           <a:prstGeom prst="bentConnector3">
             <a:avLst>
@@ -6316,8 +7231,8 @@
         </p:nvCxnSpPr>
         <p:spPr>
           <a:xfrm rot="5400000">
-            <a:off x="14588817" y="2649447"/>
-            <a:ext cx="711201" cy="1521625"/>
+            <a:off x="14804760" y="2865391"/>
+            <a:ext cx="279314" cy="1521625"/>
           </a:xfrm>
           <a:prstGeom prst="bentConnector3">
             <a:avLst>
@@ -6475,8 +7390,8 @@
         </p:nvCxnSpPr>
         <p:spPr>
           <a:xfrm rot="5400000">
-            <a:off x="14813782" y="7290209"/>
-            <a:ext cx="952668" cy="830226"/>
+            <a:off x="15090324" y="7566751"/>
+            <a:ext cx="399584" cy="830226"/>
           </a:xfrm>
           <a:prstGeom prst="bentConnector3">
             <a:avLst/>
@@ -6632,8 +7547,8 @@
         </p:nvCxnSpPr>
         <p:spPr>
           <a:xfrm rot="16200000" flipH="1">
-            <a:off x="15701234" y="7232983"/>
-            <a:ext cx="949960" cy="941970"/>
+            <a:off x="15977776" y="7509525"/>
+            <a:ext cx="396876" cy="941970"/>
           </a:xfrm>
           <a:prstGeom prst="bentConnector3">
             <a:avLst>
@@ -6791,8 +7706,8 @@
         </p:nvCxnSpPr>
         <p:spPr>
           <a:xfrm rot="16200000" flipH="1">
-            <a:off x="15933373" y="2826514"/>
-            <a:ext cx="711201" cy="1167489"/>
+            <a:off x="16149316" y="3042458"/>
+            <a:ext cx="279314" cy="1167489"/>
           </a:xfrm>
           <a:prstGeom prst="bentConnector3">
             <a:avLst>

--- a/Class Diagram.pptx
+++ b/Class Diagram.pptx
@@ -2987,8 +2987,8 @@
         </p:nvSpPr>
         <p:spPr bwMode="auto">
           <a:xfrm>
-            <a:off x="1691640" y="2743834"/>
-            <a:ext cx="5248048" cy="5866766"/>
+            <a:off x="1691639" y="2743832"/>
+            <a:ext cx="4854005" cy="6719481"/>
           </a:xfrm>
           <a:prstGeom prst="rect">
             <a:avLst/>
@@ -3023,10 +3023,6 @@
             </a:pPr>
             <a:r>
               <a:rPr lang="en-US" altLang="en-US" sz="1100" i="1" dirty="0">
-                <a:highlight>
-                  <a:srgbClr val="00FF00"/>
-                </a:highlight>
-                <a:latin typeface="Calibri" panose="020F0502020204030204" pitchFamily="34" charset="0"/>
                 <a:ea typeface="Calibri" panose="020F0502020204030204" pitchFamily="34" charset="0"/>
                 <a:cs typeface="Times New Roman" panose="02020603050405020304" pitchFamily="18" charset="0"/>
               </a:rPr>
@@ -3044,10 +3040,6 @@
             </a:pPr>
             <a:r>
               <a:rPr lang="en-US" altLang="en-US" sz="1100" dirty="0">
-                <a:highlight>
-                  <a:srgbClr val="00FF00"/>
-                </a:highlight>
-                <a:latin typeface="Calibri" panose="020F0502020204030204" pitchFamily="34" charset="0"/>
                 <a:cs typeface="Times New Roman" panose="02020603050405020304" pitchFamily="18" charset="0"/>
               </a:rPr>
               <a:t>--------------------------------------------------------------------------------------------</a:t>
@@ -3064,50 +3056,30 @@
             </a:pPr>
             <a:r>
               <a:rPr lang="en-US" altLang="en-US" sz="1100" dirty="0">
-                <a:highlight>
-                  <a:srgbClr val="00FF00"/>
-                </a:highlight>
-                <a:latin typeface="Calibri" panose="020F0502020204030204" pitchFamily="34" charset="0"/>
                 <a:cs typeface="Times New Roman" panose="02020603050405020304" pitchFamily="18" charset="0"/>
               </a:rPr>
               <a:t>+ </a:t>
             </a:r>
             <a:r>
               <a:rPr lang="en-US" altLang="en-US" sz="1100" u="sng" dirty="0" err="1">
-                <a:highlight>
-                  <a:srgbClr val="00FF00"/>
-                </a:highlight>
-                <a:latin typeface="Calibri" panose="020F0502020204030204" pitchFamily="34" charset="0"/>
                 <a:cs typeface="Times New Roman" panose="02020603050405020304" pitchFamily="18" charset="0"/>
               </a:rPr>
               <a:t>roguelikeObjectList</a:t>
             </a:r>
             <a:r>
               <a:rPr lang="en-US" altLang="en-US" sz="1100" u="sng" dirty="0">
-                <a:highlight>
-                  <a:srgbClr val="00FF00"/>
-                </a:highlight>
-                <a:latin typeface="Calibri" panose="020F0502020204030204" pitchFamily="34" charset="0"/>
                 <a:cs typeface="Times New Roman" panose="02020603050405020304" pitchFamily="18" charset="0"/>
               </a:rPr>
               <a:t> : List&lt;</a:t>
             </a:r>
             <a:r>
               <a:rPr lang="en-US" altLang="en-US" sz="1100" u="sng" dirty="0" err="1">
-                <a:highlight>
-                  <a:srgbClr val="00FF00"/>
-                </a:highlight>
-                <a:latin typeface="Calibri" panose="020F0502020204030204" pitchFamily="34" charset="0"/>
                 <a:cs typeface="Times New Roman" panose="02020603050405020304" pitchFamily="18" charset="0"/>
               </a:rPr>
               <a:t>RoguelikeObject</a:t>
             </a:r>
             <a:r>
               <a:rPr lang="en-US" altLang="en-US" sz="1100" u="sng" dirty="0">
-                <a:highlight>
-                  <a:srgbClr val="00FF00"/>
-                </a:highlight>
-                <a:latin typeface="Calibri" panose="020F0502020204030204" pitchFamily="34" charset="0"/>
                 <a:cs typeface="Times New Roman" panose="02020603050405020304" pitchFamily="18" charset="0"/>
               </a:rPr>
               <a:t>&gt;</a:t>
@@ -3124,50 +3096,64 @@
             </a:pPr>
             <a:r>
               <a:rPr lang="en-US" altLang="en-US" sz="1100" dirty="0">
-                <a:highlight>
-                  <a:srgbClr val="00FF00"/>
-                </a:highlight>
-                <a:latin typeface="Calibri" panose="020F0502020204030204" pitchFamily="34" charset="0"/>
+                <a:ea typeface="Calibri" panose="020F0502020204030204" pitchFamily="34" charset="0"/>
+                <a:cs typeface="Times New Roman" panose="02020603050405020304" pitchFamily="18" charset="0"/>
+              </a:rPr>
+              <a:t>- </a:t>
+            </a:r>
+            <a:r>
+              <a:rPr lang="en-US" altLang="en-US" sz="1100" u="sng" dirty="0" err="1">
+                <a:ea typeface="Calibri" panose="020F0502020204030204" pitchFamily="34" charset="0"/>
+                <a:cs typeface="Times New Roman" panose="02020603050405020304" pitchFamily="18" charset="0"/>
+              </a:rPr>
+              <a:t>fireAmountMax</a:t>
+            </a:r>
+            <a:r>
+              <a:rPr lang="en-US" altLang="en-US" sz="1100" u="sng" dirty="0">
+                <a:ea typeface="Calibri" panose="020F0502020204030204" pitchFamily="34" charset="0"/>
+                <a:cs typeface="Times New Roman" panose="02020603050405020304" pitchFamily="18" charset="0"/>
+              </a:rPr>
+              <a:t> : int</a:t>
+            </a:r>
+            <a:endParaRPr lang="en-US" altLang="en-US" sz="1100" u="sng" dirty="0">
+              <a:cs typeface="Times New Roman" panose="02020603050405020304" pitchFamily="18" charset="0"/>
+            </a:endParaRPr>
+          </a:p>
+          <a:p>
+            <a:pPr defTabSz="914400" eaLnBrk="0" fontAlgn="base" hangingPunct="0">
+              <a:spcBef>
+                <a:spcPct val="0"/>
+              </a:spcBef>
+              <a:spcAft>
+                <a:spcPct val="0"/>
+              </a:spcAft>
+            </a:pPr>
+            <a:r>
+              <a:rPr lang="en-US" altLang="en-US" sz="1100" dirty="0">
                 <a:cs typeface="Times New Roman" panose="02020603050405020304" pitchFamily="18" charset="0"/>
               </a:rPr>
               <a:t>+ </a:t>
             </a:r>
             <a:r>
               <a:rPr lang="en-US" altLang="en-US" sz="1100" dirty="0" err="1">
-                <a:highlight>
-                  <a:srgbClr val="00FF00"/>
-                </a:highlight>
-                <a:latin typeface="Calibri" panose="020F0502020204030204" pitchFamily="34" charset="0"/>
                 <a:cs typeface="Times New Roman" panose="02020603050405020304" pitchFamily="18" charset="0"/>
               </a:rPr>
               <a:t>TagEnum</a:t>
             </a:r>
             <a:r>
               <a:rPr lang="en-US" altLang="en-US" sz="1100" dirty="0">
-                <a:highlight>
-                  <a:srgbClr val="00FF00"/>
-                </a:highlight>
-                <a:latin typeface="Calibri" panose="020F0502020204030204" pitchFamily="34" charset="0"/>
                 <a:cs typeface="Times New Roman" panose="02020603050405020304" pitchFamily="18" charset="0"/>
               </a:rPr>
               <a:t> : </a:t>
             </a:r>
             <a:r>
               <a:rPr lang="en-US" altLang="en-US" sz="1100" dirty="0" err="1">
-                <a:highlight>
-                  <a:srgbClr val="00FF00"/>
-                </a:highlight>
-                <a:latin typeface="Calibri" panose="020F0502020204030204" pitchFamily="34" charset="0"/>
                 <a:cs typeface="Times New Roman" panose="02020603050405020304" pitchFamily="18" charset="0"/>
               </a:rPr>
               <a:t>enum</a:t>
             </a:r>
             <a:r>
               <a:rPr lang="en-US" altLang="en-US" sz="1100" dirty="0">
-                <a:highlight>
-                  <a:srgbClr val="00FF00"/>
-                </a:highlight>
-                <a:latin typeface="Calibri" panose="020F0502020204030204" pitchFamily="34" charset="0"/>
                 <a:cs typeface="Times New Roman" panose="02020603050405020304" pitchFamily="18" charset="0"/>
               </a:rPr>
               <a:t> </a:t>
@@ -3184,75 +3170,74 @@
             </a:pPr>
             <a:r>
               <a:rPr lang="en-US" altLang="en-US" sz="1100" dirty="0">
-                <a:highlight>
-                  <a:srgbClr val="00FF00"/>
-                </a:highlight>
-                <a:latin typeface="Calibri" panose="020F0502020204030204" pitchFamily="34" charset="0"/>
                 <a:cs typeface="Times New Roman" panose="02020603050405020304" pitchFamily="18" charset="0"/>
               </a:rPr>
               <a:t>+ tags : List&lt;</a:t>
             </a:r>
             <a:r>
               <a:rPr lang="en-US" altLang="en-US" sz="1100" dirty="0" err="1">
-                <a:highlight>
-                  <a:srgbClr val="00FF00"/>
-                </a:highlight>
-                <a:latin typeface="Calibri" panose="020F0502020204030204" pitchFamily="34" charset="0"/>
                 <a:cs typeface="Times New Roman" panose="02020603050405020304" pitchFamily="18" charset="0"/>
               </a:rPr>
               <a:t>TagEnum</a:t>
             </a:r>
             <a:r>
               <a:rPr lang="en-US" altLang="en-US" sz="1100" dirty="0">
-                <a:highlight>
-                  <a:srgbClr val="00FF00"/>
-                </a:highlight>
-                <a:latin typeface="Calibri" panose="020F0502020204030204" pitchFamily="34" charset="0"/>
                 <a:cs typeface="Times New Roman" panose="02020603050405020304" pitchFamily="18" charset="0"/>
               </a:rPr>
               <a:t>&gt;+ </a:t>
             </a:r>
             <a:r>
               <a:rPr lang="en-US" altLang="en-US" sz="1100" dirty="0" err="1">
-                <a:highlight>
-                  <a:srgbClr val="00FF00"/>
-                </a:highlight>
-                <a:latin typeface="Calibri" panose="020F0502020204030204" pitchFamily="34" charset="0"/>
                 <a:cs typeface="Times New Roman" panose="02020603050405020304" pitchFamily="18" charset="0"/>
               </a:rPr>
               <a:t>UniqueID</a:t>
             </a:r>
             <a:r>
               <a:rPr lang="en-US" altLang="en-US" sz="1100" dirty="0">
-                <a:highlight>
-                  <a:srgbClr val="00FF00"/>
-                </a:highlight>
-                <a:latin typeface="Calibri" panose="020F0502020204030204" pitchFamily="34" charset="0"/>
                 <a:cs typeface="Times New Roman" panose="02020603050405020304" pitchFamily="18" charset="0"/>
               </a:rPr>
               <a:t> : string </a:t>
             </a:r>
-            <a:endParaRPr lang="en-US" altLang="en-US" sz="800" dirty="0">
-              <a:highlight>
-                <a:srgbClr val="00FF00"/>
-              </a:highlight>
-            </a:endParaRPr>
-          </a:p>
-          <a:p>
-            <a:pPr defTabSz="914400" eaLnBrk="0" fontAlgn="base" hangingPunct="0">
-              <a:spcBef>
-                <a:spcPct val="0"/>
-              </a:spcBef>
-              <a:spcAft>
-                <a:spcPct val="0"/>
-              </a:spcAft>
-            </a:pPr>
-            <a:r>
-              <a:rPr lang="en-US" altLang="en-US" sz="1100" dirty="0">
-                <a:highlight>
-                  <a:srgbClr val="00FF00"/>
-                </a:highlight>
-                <a:latin typeface="Calibri" panose="020F0502020204030204" pitchFamily="34" charset="0"/>
+          </a:p>
+          <a:p>
+            <a:pPr defTabSz="914400" eaLnBrk="0" fontAlgn="base" hangingPunct="0">
+              <a:spcBef>
+                <a:spcPct val="0"/>
+              </a:spcBef>
+              <a:spcAft>
+                <a:spcPct val="0"/>
+              </a:spcAft>
+            </a:pPr>
+            <a:r>
+              <a:rPr lang="en-US" altLang="en-US" sz="1100" dirty="0">
+                <a:cs typeface="Times New Roman" panose="02020603050405020304" pitchFamily="18" charset="0"/>
+              </a:rPr>
+              <a:t>+ </a:t>
+            </a:r>
+            <a:r>
+              <a:rPr lang="en-US" altLang="en-US" sz="1100" dirty="0" err="1">
+                <a:cs typeface="Times New Roman" panose="02020603050405020304" pitchFamily="18" charset="0"/>
+              </a:rPr>
+              <a:t>uniqueID</a:t>
+            </a:r>
+            <a:r>
+              <a:rPr lang="en-US" altLang="en-US" sz="1100" dirty="0">
+                <a:cs typeface="Times New Roman" panose="02020603050405020304" pitchFamily="18" charset="0"/>
+              </a:rPr>
+              <a:t> : string</a:t>
+            </a:r>
+          </a:p>
+          <a:p>
+            <a:pPr defTabSz="914400" eaLnBrk="0" fontAlgn="base" hangingPunct="0">
+              <a:spcBef>
+                <a:spcPct val="0"/>
+              </a:spcBef>
+              <a:spcAft>
+                <a:spcPct val="0"/>
+              </a:spcAft>
+            </a:pPr>
+            <a:r>
+              <a:rPr lang="en-US" altLang="en-US" sz="1100" dirty="0">
                 <a:ea typeface="Calibri" panose="020F0502020204030204" pitchFamily="34" charset="0"/>
                 <a:cs typeface="Times New Roman" panose="02020603050405020304" pitchFamily="18" charset="0"/>
               </a:rPr>
@@ -3260,10 +3245,6 @@
             </a:r>
             <a:r>
               <a:rPr lang="en-US" altLang="en-US" sz="1100" dirty="0" err="1">
-                <a:highlight>
-                  <a:srgbClr val="00FF00"/>
-                </a:highlight>
-                <a:latin typeface="Calibri" panose="020F0502020204030204" pitchFamily="34" charset="0"/>
                 <a:ea typeface="Calibri" panose="020F0502020204030204" pitchFamily="34" charset="0"/>
                 <a:cs typeface="Times New Roman" panose="02020603050405020304" pitchFamily="18" charset="0"/>
               </a:rPr>
@@ -3271,36 +3252,24 @@
             </a:r>
             <a:r>
               <a:rPr lang="en-US" altLang="en-US" sz="1100" dirty="0">
-                <a:highlight>
-                  <a:srgbClr val="00FF00"/>
-                </a:highlight>
-                <a:latin typeface="Calibri" panose="020F0502020204030204" pitchFamily="34" charset="0"/>
                 <a:ea typeface="Calibri" panose="020F0502020204030204" pitchFamily="34" charset="0"/>
                 <a:cs typeface="Times New Roman" panose="02020603050405020304" pitchFamily="18" charset="0"/>
               </a:rPr>
               <a:t> : string </a:t>
             </a:r>
-            <a:endParaRPr lang="en-US" altLang="en-US" sz="800" dirty="0">
-              <a:highlight>
-                <a:srgbClr val="00FF00"/>
-              </a:highlight>
-            </a:endParaRPr>
-          </a:p>
-          <a:p>
-            <a:pPr defTabSz="914400" eaLnBrk="0" fontAlgn="base" hangingPunct="0">
-              <a:spcBef>
-                <a:spcPct val="0"/>
-              </a:spcBef>
-              <a:spcAft>
-                <a:spcPct val="0"/>
-              </a:spcAft>
-            </a:pPr>
-            <a:r>
-              <a:rPr lang="en-US" altLang="en-US" sz="1100" dirty="0">
-                <a:highlight>
-                  <a:srgbClr val="00FF00"/>
-                </a:highlight>
-                <a:latin typeface="Calibri" panose="020F0502020204030204" pitchFamily="34" charset="0"/>
+            <a:endParaRPr lang="en-US" altLang="en-US" sz="1100" dirty="0"/>
+          </a:p>
+          <a:p>
+            <a:pPr defTabSz="914400" eaLnBrk="0" fontAlgn="base" hangingPunct="0">
+              <a:spcBef>
+                <a:spcPct val="0"/>
+              </a:spcBef>
+              <a:spcAft>
+                <a:spcPct val="0"/>
+              </a:spcAft>
+            </a:pPr>
+            <a:r>
+              <a:rPr lang="en-US" altLang="en-US" sz="1100" dirty="0">
                 <a:ea typeface="Calibri" panose="020F0502020204030204" pitchFamily="34" charset="0"/>
                 <a:cs typeface="Times New Roman" panose="02020603050405020304" pitchFamily="18" charset="0"/>
               </a:rPr>
@@ -3308,19 +3277,11 @@
             </a:r>
             <a:r>
               <a:rPr lang="en-US" altLang="en-US" sz="1100" dirty="0">
-                <a:highlight>
-                  <a:srgbClr val="00FF00"/>
-                </a:highlight>
-                <a:latin typeface="Calibri" panose="020F0502020204030204" pitchFamily="34" charset="0"/>
                 <a:cs typeface="Times New Roman" panose="02020603050405020304" pitchFamily="18" charset="0"/>
               </a:rPr>
               <a:t> : string </a:t>
             </a:r>
             <a:endParaRPr lang="en-US" altLang="en-US" sz="1100" dirty="0">
-              <a:highlight>
-                <a:srgbClr val="00FF00"/>
-              </a:highlight>
-              <a:latin typeface="Calibri" panose="020F0502020204030204" pitchFamily="34" charset="0"/>
               <a:ea typeface="Calibri" panose="020F0502020204030204" pitchFamily="34" charset="0"/>
               <a:cs typeface="Times New Roman" panose="02020603050405020304" pitchFamily="18" charset="0"/>
             </a:endParaRPr>
@@ -3336,416 +3297,33 @@
             </a:pPr>
             <a:r>
               <a:rPr lang="en-US" altLang="en-US" sz="1100" dirty="0">
-                <a:highlight>
-                  <a:srgbClr val="00FF00"/>
-                </a:highlight>
-                <a:latin typeface="Calibri" panose="020F0502020204030204" pitchFamily="34" charset="0"/>
+                <a:ea typeface="Calibri" panose="020F0502020204030204" pitchFamily="34" charset="0"/>
                 <a:cs typeface="Times New Roman" panose="02020603050405020304" pitchFamily="18" charset="0"/>
               </a:rPr>
               <a:t>+ </a:t>
             </a:r>
             <a:r>
               <a:rPr lang="en-US" altLang="en-US" sz="1100" dirty="0" err="1">
-                <a:highlight>
-                  <a:srgbClr val="00FF00"/>
-                </a:highlight>
-                <a:latin typeface="Calibri" panose="020F0502020204030204" pitchFamily="34" charset="0"/>
-                <a:cs typeface="Times New Roman" panose="02020603050405020304" pitchFamily="18" charset="0"/>
-              </a:rPr>
-              <a:t>myInventory</a:t>
-            </a:r>
-            <a:r>
-              <a:rPr lang="en-US" altLang="en-US" sz="1100" dirty="0">
-                <a:highlight>
-                  <a:srgbClr val="00FF00"/>
-                </a:highlight>
-                <a:latin typeface="Calibri" panose="020F0502020204030204" pitchFamily="34" charset="0"/>
-                <a:cs typeface="Times New Roman" panose="02020603050405020304" pitchFamily="18" charset="0"/>
-              </a:rPr>
-              <a:t> : Inventory</a:t>
-            </a:r>
-            <a:endParaRPr lang="en-US" altLang="en-US" sz="800" dirty="0">
-              <a:highlight>
-                <a:srgbClr val="00FF00"/>
-              </a:highlight>
-            </a:endParaRPr>
-          </a:p>
-          <a:p>
-            <a:pPr defTabSz="914400" eaLnBrk="0" fontAlgn="base" hangingPunct="0">
-              <a:spcBef>
-                <a:spcPct val="0"/>
-              </a:spcBef>
-              <a:spcAft>
-                <a:spcPct val="0"/>
-              </a:spcAft>
-            </a:pPr>
-            <a:r>
-              <a:rPr lang="en-US" altLang="en-US" sz="1100" dirty="0">
-                <a:highlight>
-                  <a:srgbClr val="00FF00"/>
-                </a:highlight>
-                <a:latin typeface="Calibri" panose="020F0502020204030204" pitchFamily="34" charset="0"/>
                 <a:ea typeface="Calibri" panose="020F0502020204030204" pitchFamily="34" charset="0"/>
                 <a:cs typeface="Times New Roman" panose="02020603050405020304" pitchFamily="18" charset="0"/>
               </a:rPr>
-              <a:t>+ </a:t>
+              <a:t>myRogueSpriteRenderer</a:t>
+            </a:r>
+            <a:r>
+              <a:rPr lang="en-US" altLang="en-US" sz="1100" dirty="0">
+                <a:ea typeface="Calibri" panose="020F0502020204030204" pitchFamily="34" charset="0"/>
+                <a:cs typeface="Times New Roman" panose="02020603050405020304" pitchFamily="18" charset="0"/>
+              </a:rPr>
+              <a:t> : </a:t>
             </a:r>
             <a:r>
               <a:rPr lang="en-US" altLang="en-US" sz="1100" dirty="0" err="1">
-                <a:highlight>
-                  <a:srgbClr val="00FF00"/>
-                </a:highlight>
-                <a:latin typeface="Calibri" panose="020F0502020204030204" pitchFamily="34" charset="0"/>
                 <a:ea typeface="Calibri" panose="020F0502020204030204" pitchFamily="34" charset="0"/>
                 <a:cs typeface="Times New Roman" panose="02020603050405020304" pitchFamily="18" charset="0"/>
               </a:rPr>
-              <a:t>stackSize</a:t>
-            </a:r>
-            <a:r>
-              <a:rPr lang="en-US" altLang="en-US" sz="1100" dirty="0">
-                <a:highlight>
-                  <a:srgbClr val="00FF00"/>
-                </a:highlight>
-                <a:latin typeface="Calibri" panose="020F0502020204030204" pitchFamily="34" charset="0"/>
-                <a:ea typeface="Calibri" panose="020F0502020204030204" pitchFamily="34" charset="0"/>
-                <a:cs typeface="Times New Roman" panose="02020603050405020304" pitchFamily="18" charset="0"/>
-              </a:rPr>
-              <a:t> : int</a:t>
-            </a:r>
-            <a:endParaRPr lang="en-US" altLang="en-US" sz="800" dirty="0">
-              <a:highlight>
-                <a:srgbClr val="00FF00"/>
-              </a:highlight>
-            </a:endParaRPr>
-          </a:p>
-          <a:p>
-            <a:pPr defTabSz="914400" eaLnBrk="0" fontAlgn="base" hangingPunct="0">
-              <a:spcBef>
-                <a:spcPct val="0"/>
-              </a:spcBef>
-              <a:spcAft>
-                <a:spcPct val="0"/>
-              </a:spcAft>
-            </a:pPr>
-            <a:r>
-              <a:rPr lang="en-US" altLang="en-US" sz="1100" dirty="0">
-                <a:highlight>
-                  <a:srgbClr val="00FF00"/>
-                </a:highlight>
-                <a:latin typeface="Calibri" panose="020F0502020204030204" pitchFamily="34" charset="0"/>
-                <a:ea typeface="Calibri" panose="020F0502020204030204" pitchFamily="34" charset="0"/>
-                <a:cs typeface="Times New Roman" panose="02020603050405020304" pitchFamily="18" charset="0"/>
-              </a:rPr>
-              <a:t>+ </a:t>
-            </a:r>
-            <a:r>
-              <a:rPr lang="en-US" altLang="en-US" sz="1100" dirty="0" err="1">
-                <a:highlight>
-                  <a:srgbClr val="00FF00"/>
-                </a:highlight>
-                <a:latin typeface="Calibri" panose="020F0502020204030204" pitchFamily="34" charset="0"/>
-                <a:ea typeface="Calibri" panose="020F0502020204030204" pitchFamily="34" charset="0"/>
-                <a:cs typeface="Times New Roman" panose="02020603050405020304" pitchFamily="18" charset="0"/>
-              </a:rPr>
-              <a:t>maxStackSize</a:t>
-            </a:r>
-            <a:r>
-              <a:rPr lang="en-US" altLang="en-US" sz="1100" dirty="0">
-                <a:highlight>
-                  <a:srgbClr val="00FF00"/>
-                </a:highlight>
-                <a:latin typeface="Calibri" panose="020F0502020204030204" pitchFamily="34" charset="0"/>
-                <a:ea typeface="Calibri" panose="020F0502020204030204" pitchFamily="34" charset="0"/>
-                <a:cs typeface="Times New Roman" panose="02020603050405020304" pitchFamily="18" charset="0"/>
-              </a:rPr>
-              <a:t> : int</a:t>
-            </a:r>
-            <a:endParaRPr lang="en-US" altLang="en-US" sz="800" dirty="0">
-              <a:highlight>
-                <a:srgbClr val="00FF00"/>
-              </a:highlight>
-            </a:endParaRPr>
-          </a:p>
-          <a:p>
-            <a:pPr defTabSz="914400" eaLnBrk="0" fontAlgn="base" hangingPunct="0">
-              <a:spcBef>
-                <a:spcPct val="0"/>
-              </a:spcBef>
-              <a:spcAft>
-                <a:spcPct val="0"/>
-              </a:spcAft>
-            </a:pPr>
-            <a:r>
-              <a:rPr lang="en-US" altLang="en-US" sz="1100" dirty="0">
-                <a:highlight>
-                  <a:srgbClr val="00FF00"/>
-                </a:highlight>
-                <a:latin typeface="Calibri" panose="020F0502020204030204" pitchFamily="34" charset="0"/>
-                <a:ea typeface="Calibri" panose="020F0502020204030204" pitchFamily="34" charset="0"/>
-                <a:cs typeface="Times New Roman" panose="02020603050405020304" pitchFamily="18" charset="0"/>
-              </a:rPr>
-              <a:t>+ </a:t>
-            </a:r>
-            <a:r>
-              <a:rPr lang="en-US" altLang="en-US" sz="1100" dirty="0" err="1">
-                <a:highlight>
-                  <a:srgbClr val="00FF00"/>
-                </a:highlight>
-                <a:latin typeface="Calibri" panose="020F0502020204030204" pitchFamily="34" charset="0"/>
-                <a:ea typeface="Calibri" panose="020F0502020204030204" pitchFamily="34" charset="0"/>
-                <a:cs typeface="Times New Roman" panose="02020603050405020304" pitchFamily="18" charset="0"/>
-              </a:rPr>
-              <a:t>goldValue</a:t>
-            </a:r>
-            <a:r>
-              <a:rPr lang="en-US" altLang="en-US" sz="1100" dirty="0">
-                <a:highlight>
-                  <a:srgbClr val="00FF00"/>
-                </a:highlight>
-                <a:latin typeface="Calibri" panose="020F0502020204030204" pitchFamily="34" charset="0"/>
-                <a:ea typeface="Calibri" panose="020F0502020204030204" pitchFamily="34" charset="0"/>
-                <a:cs typeface="Times New Roman" panose="02020603050405020304" pitchFamily="18" charset="0"/>
-              </a:rPr>
-              <a:t> : int</a:t>
-            </a:r>
-          </a:p>
-          <a:p>
-            <a:pPr defTabSz="914400" eaLnBrk="0" fontAlgn="base" hangingPunct="0">
-              <a:spcBef>
-                <a:spcPct val="0"/>
-              </a:spcBef>
-              <a:spcAft>
-                <a:spcPct val="0"/>
-              </a:spcAft>
-            </a:pPr>
-            <a:r>
-              <a:rPr lang="en-US" altLang="en-US" sz="1100" dirty="0">
-                <a:highlight>
-                  <a:srgbClr val="00FF00"/>
-                </a:highlight>
-                <a:latin typeface="Calibri" panose="020F0502020204030204" pitchFamily="34" charset="0"/>
-                <a:ea typeface="Calibri" panose="020F0502020204030204" pitchFamily="34" charset="0"/>
-                <a:cs typeface="Times New Roman" panose="02020603050405020304" pitchFamily="18" charset="0"/>
-              </a:rPr>
-              <a:t>+ </a:t>
-            </a:r>
-            <a:r>
-              <a:rPr lang="en-US" altLang="en-US" sz="1100" dirty="0" err="1">
-                <a:highlight>
-                  <a:srgbClr val="00FF00"/>
-                </a:highlight>
-                <a:latin typeface="Calibri" panose="020F0502020204030204" pitchFamily="34" charset="0"/>
-                <a:ea typeface="Calibri" panose="020F0502020204030204" pitchFamily="34" charset="0"/>
-                <a:cs typeface="Times New Roman" panose="02020603050405020304" pitchFamily="18" charset="0"/>
-              </a:rPr>
-              <a:t>healthMax</a:t>
-            </a:r>
-            <a:r>
-              <a:rPr lang="en-US" altLang="en-US" sz="1100" dirty="0">
-                <a:highlight>
-                  <a:srgbClr val="00FF00"/>
-                </a:highlight>
-                <a:latin typeface="Calibri" panose="020F0502020204030204" pitchFamily="34" charset="0"/>
-                <a:ea typeface="Calibri" panose="020F0502020204030204" pitchFamily="34" charset="0"/>
-                <a:cs typeface="Times New Roman" panose="02020603050405020304" pitchFamily="18" charset="0"/>
-              </a:rPr>
-              <a:t> : int</a:t>
-            </a:r>
-          </a:p>
-          <a:p>
-            <a:pPr defTabSz="914400" eaLnBrk="0" fontAlgn="base" hangingPunct="0">
-              <a:spcBef>
-                <a:spcPct val="0"/>
-              </a:spcBef>
-              <a:spcAft>
-                <a:spcPct val="0"/>
-              </a:spcAft>
-            </a:pPr>
-            <a:r>
-              <a:rPr lang="en-US" altLang="en-US" sz="1100" dirty="0">
-                <a:highlight>
-                  <a:srgbClr val="00FF00"/>
-                </a:highlight>
-                <a:latin typeface="Calibri" panose="020F0502020204030204" pitchFamily="34" charset="0"/>
-                <a:ea typeface="Calibri" panose="020F0502020204030204" pitchFamily="34" charset="0"/>
-                <a:cs typeface="Times New Roman" panose="02020603050405020304" pitchFamily="18" charset="0"/>
-              </a:rPr>
-              <a:t>+ health : int</a:t>
-            </a:r>
-          </a:p>
-          <a:p>
-            <a:pPr defTabSz="914400" eaLnBrk="0" fontAlgn="base" hangingPunct="0">
-              <a:spcBef>
-                <a:spcPct val="0"/>
-              </a:spcBef>
-              <a:spcAft>
-                <a:spcPct val="0"/>
-              </a:spcAft>
-            </a:pPr>
-            <a:r>
-              <a:rPr lang="en-US" altLang="en-US" sz="1100" dirty="0">
-                <a:highlight>
-                  <a:srgbClr val="00FF00"/>
-                </a:highlight>
-                <a:latin typeface="Calibri" panose="020F0502020204030204" pitchFamily="34" charset="0"/>
-                <a:ea typeface="Calibri" panose="020F0502020204030204" pitchFamily="34" charset="0"/>
-                <a:cs typeface="Times New Roman" panose="02020603050405020304" pitchFamily="18" charset="0"/>
-              </a:rPr>
-              <a:t>+ weight : int</a:t>
-            </a:r>
-          </a:p>
-          <a:p>
-            <a:pPr defTabSz="914400" eaLnBrk="0" fontAlgn="base" hangingPunct="0">
-              <a:spcBef>
-                <a:spcPct val="0"/>
-              </a:spcBef>
-              <a:spcAft>
-                <a:spcPct val="0"/>
-              </a:spcAft>
-            </a:pPr>
-            <a:r>
-              <a:rPr lang="en-US" altLang="en-US" sz="1100" dirty="0">
-                <a:highlight>
-                  <a:srgbClr val="00FF00"/>
-                </a:highlight>
-                <a:latin typeface="Calibri" panose="020F0502020204030204" pitchFamily="34" charset="0"/>
-                <a:ea typeface="Calibri" panose="020F0502020204030204" pitchFamily="34" charset="0"/>
-                <a:cs typeface="Times New Roman" panose="02020603050405020304" pitchFamily="18" charset="0"/>
-              </a:rPr>
-              <a:t>+ flammable : bool</a:t>
-            </a:r>
-          </a:p>
-          <a:p>
-            <a:pPr defTabSz="914400" eaLnBrk="0" fontAlgn="base" hangingPunct="0">
-              <a:spcBef>
-                <a:spcPct val="0"/>
-              </a:spcBef>
-              <a:spcAft>
-                <a:spcPct val="0"/>
-              </a:spcAft>
-            </a:pPr>
-            <a:r>
-              <a:rPr lang="en-US" altLang="en-US" sz="1100" dirty="0">
-                <a:highlight>
-                  <a:srgbClr val="00FF00"/>
-                </a:highlight>
-                <a:latin typeface="Calibri" panose="020F0502020204030204" pitchFamily="34" charset="0"/>
-                <a:ea typeface="Calibri" panose="020F0502020204030204" pitchFamily="34" charset="0"/>
-                <a:cs typeface="Times New Roman" panose="02020603050405020304" pitchFamily="18" charset="0"/>
-              </a:rPr>
-              <a:t>- </a:t>
-            </a:r>
-            <a:r>
-              <a:rPr lang="en-US" altLang="en-US" sz="1100" u="sng" dirty="0" err="1">
-                <a:highlight>
-                  <a:srgbClr val="00FF00"/>
-                </a:highlight>
-                <a:latin typeface="Calibri" panose="020F0502020204030204" pitchFamily="34" charset="0"/>
-                <a:ea typeface="Calibri" panose="020F0502020204030204" pitchFamily="34" charset="0"/>
-                <a:cs typeface="Times New Roman" panose="02020603050405020304" pitchFamily="18" charset="0"/>
-              </a:rPr>
-              <a:t>fireAmountMax</a:t>
-            </a:r>
-            <a:r>
-              <a:rPr lang="en-US" altLang="en-US" sz="1100" u="sng" dirty="0">
-                <a:highlight>
-                  <a:srgbClr val="00FF00"/>
-                </a:highlight>
-                <a:latin typeface="Calibri" panose="020F0502020204030204" pitchFamily="34" charset="0"/>
-                <a:ea typeface="Calibri" panose="020F0502020204030204" pitchFamily="34" charset="0"/>
-                <a:cs typeface="Times New Roman" panose="02020603050405020304" pitchFamily="18" charset="0"/>
-              </a:rPr>
-              <a:t> : int</a:t>
-            </a:r>
-          </a:p>
-          <a:p>
-            <a:pPr defTabSz="914400" eaLnBrk="0" fontAlgn="base" hangingPunct="0">
-              <a:spcBef>
-                <a:spcPct val="0"/>
-              </a:spcBef>
-              <a:spcAft>
-                <a:spcPct val="0"/>
-              </a:spcAft>
-            </a:pPr>
-            <a:r>
-              <a:rPr lang="en-US" altLang="en-US" sz="1100" dirty="0">
-                <a:highlight>
-                  <a:srgbClr val="00FF00"/>
-                </a:highlight>
-                <a:latin typeface="Calibri" panose="020F0502020204030204" pitchFamily="34" charset="0"/>
-                <a:ea typeface="Calibri" panose="020F0502020204030204" pitchFamily="34" charset="0"/>
-                <a:cs typeface="Times New Roman" panose="02020603050405020304" pitchFamily="18" charset="0"/>
-              </a:rPr>
-              <a:t>+ </a:t>
-            </a:r>
-            <a:r>
-              <a:rPr lang="en-US" altLang="en-US" sz="1100" dirty="0" err="1">
-                <a:highlight>
-                  <a:srgbClr val="00FF00"/>
-                </a:highlight>
-                <a:latin typeface="Calibri" panose="020F0502020204030204" pitchFamily="34" charset="0"/>
-                <a:ea typeface="Calibri" panose="020F0502020204030204" pitchFamily="34" charset="0"/>
-                <a:cs typeface="Times New Roman" panose="02020603050405020304" pitchFamily="18" charset="0"/>
-              </a:rPr>
-              <a:t>fireAmount</a:t>
-            </a:r>
-            <a:r>
-              <a:rPr lang="en-US" altLang="en-US" sz="1100" dirty="0">
-                <a:highlight>
-                  <a:srgbClr val="00FF00"/>
-                </a:highlight>
-                <a:latin typeface="Calibri" panose="020F0502020204030204" pitchFamily="34" charset="0"/>
-                <a:ea typeface="Calibri" panose="020F0502020204030204" pitchFamily="34" charset="0"/>
-                <a:cs typeface="Times New Roman" panose="02020603050405020304" pitchFamily="18" charset="0"/>
-              </a:rPr>
-              <a:t> : int</a:t>
-            </a:r>
-          </a:p>
-          <a:p>
-            <a:pPr defTabSz="914400" eaLnBrk="0" fontAlgn="base" hangingPunct="0">
-              <a:spcBef>
-                <a:spcPct val="0"/>
-              </a:spcBef>
-              <a:spcAft>
-                <a:spcPct val="0"/>
-              </a:spcAft>
-            </a:pPr>
-            <a:r>
-              <a:rPr lang="en-US" altLang="en-US" sz="1100" dirty="0">
-                <a:highlight>
-                  <a:srgbClr val="00FF00"/>
-                </a:highlight>
-                <a:latin typeface="Calibri" panose="020F0502020204030204" pitchFamily="34" charset="0"/>
-                <a:ea typeface="Calibri" panose="020F0502020204030204" pitchFamily="34" charset="0"/>
-                <a:cs typeface="Times New Roman" panose="02020603050405020304" pitchFamily="18" charset="0"/>
-              </a:rPr>
-              <a:t>+ explosive : int</a:t>
-            </a:r>
-          </a:p>
-          <a:p>
-            <a:pPr defTabSz="914400" eaLnBrk="0" fontAlgn="base" hangingPunct="0">
-              <a:spcBef>
-                <a:spcPct val="0"/>
-              </a:spcBef>
-              <a:spcAft>
-                <a:spcPct val="0"/>
-              </a:spcAft>
-            </a:pPr>
-            <a:r>
-              <a:rPr lang="en-US" altLang="en-US" sz="1100" dirty="0">
-                <a:highlight>
-                  <a:srgbClr val="00FF00"/>
-                </a:highlight>
-                <a:ea typeface="Calibri" panose="020F0502020204030204" pitchFamily="34" charset="0"/>
-                <a:cs typeface="Times New Roman" panose="02020603050405020304" pitchFamily="18" charset="0"/>
-              </a:rPr>
-              <a:t>+ exposed : bool</a:t>
+              <a:t>RogueSpriteRenderer</a:t>
             </a:r>
             <a:endParaRPr lang="en-US" altLang="en-US" sz="1100" dirty="0">
-              <a:highlight>
-                <a:srgbClr val="00FF00"/>
-              </a:highlight>
-              <a:latin typeface="Calibri" panose="020F0502020204030204" pitchFamily="34" charset="0"/>
               <a:ea typeface="Calibri" panose="020F0502020204030204" pitchFamily="34" charset="0"/>
               <a:cs typeface="Times New Roman" panose="02020603050405020304" pitchFamily="18" charset="0"/>
             </a:endParaRPr>
@@ -3761,9 +3339,6 @@
             </a:pPr>
             <a:r>
               <a:rPr lang="en-US" altLang="en-US" sz="1100" dirty="0">
-                <a:highlight>
-                  <a:srgbClr val="00FF00"/>
-                </a:highlight>
                 <a:ea typeface="Calibri" panose="020F0502020204030204" pitchFamily="34" charset="0"/>
                 <a:cs typeface="Times New Roman" panose="02020603050405020304" pitchFamily="18" charset="0"/>
               </a:rPr>
@@ -3781,158 +3356,357 @@
             </a:pPr>
             <a:r>
               <a:rPr lang="en-US" altLang="en-US" sz="1100" dirty="0">
-                <a:highlight>
-                  <a:srgbClr val="00FF00"/>
-                </a:highlight>
                 <a:ea typeface="Calibri" panose="020F0502020204030204" pitchFamily="34" charset="0"/>
                 <a:cs typeface="Times New Roman" panose="02020603050405020304" pitchFamily="18" charset="0"/>
               </a:rPr>
               <a:t>+ itemSprite2 : Sprite</a:t>
             </a:r>
+          </a:p>
+          <a:p>
+            <a:pPr defTabSz="914400" eaLnBrk="0" fontAlgn="base" hangingPunct="0">
+              <a:spcBef>
+                <a:spcPct val="0"/>
+              </a:spcBef>
+              <a:spcAft>
+                <a:spcPct val="0"/>
+              </a:spcAft>
+            </a:pPr>
+            <a:r>
+              <a:rPr lang="en-US" altLang="en-US" sz="1100" dirty="0">
+                <a:ea typeface="Calibri" panose="020F0502020204030204" pitchFamily="34" charset="0"/>
+                <a:cs typeface="Times New Roman" panose="02020603050405020304" pitchFamily="18" charset="0"/>
+              </a:rPr>
+              <a:t>+ </a:t>
+            </a:r>
+            <a:r>
+              <a:rPr lang="en-US" altLang="en-US" sz="1100" dirty="0" err="1">
+                <a:ea typeface="Calibri" panose="020F0502020204030204" pitchFamily="34" charset="0"/>
+                <a:cs typeface="Times New Roman" panose="02020603050405020304" pitchFamily="18" charset="0"/>
+              </a:rPr>
+              <a:t>spriteToggle</a:t>
+            </a:r>
+            <a:r>
+              <a:rPr lang="en-US" altLang="en-US" sz="1100" dirty="0">
+                <a:ea typeface="Calibri" panose="020F0502020204030204" pitchFamily="34" charset="0"/>
+                <a:cs typeface="Times New Roman" panose="02020603050405020304" pitchFamily="18" charset="0"/>
+              </a:rPr>
+              <a:t> : bool</a:t>
+            </a:r>
+          </a:p>
+          <a:p>
+            <a:pPr defTabSz="914400" eaLnBrk="0" fontAlgn="base" hangingPunct="0">
+              <a:spcBef>
+                <a:spcPct val="0"/>
+              </a:spcBef>
+              <a:spcAft>
+                <a:spcPct val="0"/>
+              </a:spcAft>
+            </a:pPr>
+            <a:r>
+              <a:rPr lang="en-US" altLang="en-US" sz="1100" dirty="0">
+                <a:cs typeface="Times New Roman" panose="02020603050405020304" pitchFamily="18" charset="0"/>
+              </a:rPr>
+              <a:t>+ </a:t>
+            </a:r>
+            <a:r>
+              <a:rPr lang="en-US" altLang="en-US" sz="1100" dirty="0" err="1">
+                <a:cs typeface="Times New Roman" panose="02020603050405020304" pitchFamily="18" charset="0"/>
+              </a:rPr>
+              <a:t>animationSpeed</a:t>
+            </a:r>
+            <a:r>
+              <a:rPr lang="en-US" altLang="en-US" sz="1100" dirty="0">
+                <a:cs typeface="Times New Roman" panose="02020603050405020304" pitchFamily="18" charset="0"/>
+              </a:rPr>
+              <a:t> : float</a:t>
+            </a:r>
+          </a:p>
+          <a:p>
+            <a:pPr defTabSz="914400" eaLnBrk="0" fontAlgn="base" hangingPunct="0">
+              <a:spcBef>
+                <a:spcPct val="0"/>
+              </a:spcBef>
+              <a:spcAft>
+                <a:spcPct val="0"/>
+              </a:spcAft>
+            </a:pPr>
+            <a:r>
+              <a:rPr lang="en-US" altLang="en-US" sz="1100" dirty="0">
+                <a:ea typeface="Calibri" panose="020F0502020204030204" pitchFamily="34" charset="0"/>
+                <a:cs typeface="Times New Roman" panose="02020603050405020304" pitchFamily="18" charset="0"/>
+              </a:rPr>
+              <a:t>+ </a:t>
+            </a:r>
+            <a:r>
+              <a:rPr lang="en-US" altLang="en-US" sz="1100" dirty="0" err="1">
+                <a:ea typeface="Calibri" panose="020F0502020204030204" pitchFamily="34" charset="0"/>
+                <a:cs typeface="Times New Roman" panose="02020603050405020304" pitchFamily="18" charset="0"/>
+              </a:rPr>
+              <a:t>healthMax</a:t>
+            </a:r>
+            <a:r>
+              <a:rPr lang="en-US" altLang="en-US" sz="1100" dirty="0">
+                <a:ea typeface="Calibri" panose="020F0502020204030204" pitchFamily="34" charset="0"/>
+                <a:cs typeface="Times New Roman" panose="02020603050405020304" pitchFamily="18" charset="0"/>
+              </a:rPr>
+              <a:t> : int</a:t>
+            </a:r>
+          </a:p>
+          <a:p>
+            <a:pPr defTabSz="914400" eaLnBrk="0" fontAlgn="base" hangingPunct="0">
+              <a:spcBef>
+                <a:spcPct val="0"/>
+              </a:spcBef>
+              <a:spcAft>
+                <a:spcPct val="0"/>
+              </a:spcAft>
+            </a:pPr>
+            <a:r>
+              <a:rPr lang="en-US" altLang="en-US" sz="1100" dirty="0">
+                <a:ea typeface="Calibri" panose="020F0502020204030204" pitchFamily="34" charset="0"/>
+                <a:cs typeface="Times New Roman" panose="02020603050405020304" pitchFamily="18" charset="0"/>
+              </a:rPr>
+              <a:t>+ health : int</a:t>
+            </a:r>
+          </a:p>
+          <a:p>
+            <a:pPr defTabSz="914400" eaLnBrk="0" fontAlgn="base" hangingPunct="0">
+              <a:spcBef>
+                <a:spcPct val="0"/>
+              </a:spcBef>
+              <a:spcAft>
+                <a:spcPct val="0"/>
+              </a:spcAft>
+            </a:pPr>
+            <a:r>
+              <a:rPr lang="en-US" altLang="en-US" sz="1100" dirty="0">
+                <a:ea typeface="Calibri" panose="020F0502020204030204" pitchFamily="34" charset="0"/>
+                <a:cs typeface="Times New Roman" panose="02020603050405020304" pitchFamily="18" charset="0"/>
+              </a:rPr>
+              <a:t>+ </a:t>
+            </a:r>
+            <a:r>
+              <a:rPr lang="en-US" altLang="en-US" sz="1100" dirty="0" err="1">
+                <a:ea typeface="Calibri" panose="020F0502020204030204" pitchFamily="34" charset="0"/>
+                <a:cs typeface="Times New Roman" panose="02020603050405020304" pitchFamily="18" charset="0"/>
+              </a:rPr>
+              <a:t>stackSize</a:t>
+            </a:r>
+            <a:r>
+              <a:rPr lang="en-US" altLang="en-US" sz="1100" dirty="0">
+                <a:ea typeface="Calibri" panose="020F0502020204030204" pitchFamily="34" charset="0"/>
+                <a:cs typeface="Times New Roman" panose="02020603050405020304" pitchFamily="18" charset="0"/>
+              </a:rPr>
+              <a:t> : int</a:t>
+            </a:r>
+            <a:endParaRPr lang="en-US" altLang="en-US" sz="1100" dirty="0"/>
+          </a:p>
+          <a:p>
+            <a:pPr defTabSz="914400" eaLnBrk="0" fontAlgn="base" hangingPunct="0">
+              <a:spcBef>
+                <a:spcPct val="0"/>
+              </a:spcBef>
+              <a:spcAft>
+                <a:spcPct val="0"/>
+              </a:spcAft>
+            </a:pPr>
+            <a:r>
+              <a:rPr lang="en-US" altLang="en-US" sz="1100" dirty="0">
+                <a:ea typeface="Calibri" panose="020F0502020204030204" pitchFamily="34" charset="0"/>
+                <a:cs typeface="Times New Roman" panose="02020603050405020304" pitchFamily="18" charset="0"/>
+              </a:rPr>
+              <a:t>+ </a:t>
+            </a:r>
+            <a:r>
+              <a:rPr lang="en-US" altLang="en-US" sz="1100" dirty="0" err="1">
+                <a:ea typeface="Calibri" panose="020F0502020204030204" pitchFamily="34" charset="0"/>
+                <a:cs typeface="Times New Roman" panose="02020603050405020304" pitchFamily="18" charset="0"/>
+              </a:rPr>
+              <a:t>tackSizeMax</a:t>
+            </a:r>
+            <a:r>
+              <a:rPr lang="en-US" altLang="en-US" sz="1100" dirty="0">
+                <a:ea typeface="Calibri" panose="020F0502020204030204" pitchFamily="34" charset="0"/>
+                <a:cs typeface="Times New Roman" panose="02020603050405020304" pitchFamily="18" charset="0"/>
+              </a:rPr>
+              <a:t> : int</a:t>
+            </a:r>
+          </a:p>
+          <a:p>
+            <a:pPr defTabSz="914400" eaLnBrk="0" fontAlgn="base" hangingPunct="0">
+              <a:spcBef>
+                <a:spcPct val="0"/>
+              </a:spcBef>
+              <a:spcAft>
+                <a:spcPct val="0"/>
+              </a:spcAft>
+            </a:pPr>
+            <a:r>
+              <a:rPr lang="en-US" altLang="en-US" sz="1100" dirty="0">
+                <a:ea typeface="Calibri" panose="020F0502020204030204" pitchFamily="34" charset="0"/>
+                <a:cs typeface="Times New Roman" panose="02020603050405020304" pitchFamily="18" charset="0"/>
+              </a:rPr>
+              <a:t>+ </a:t>
+            </a:r>
+            <a:r>
+              <a:rPr lang="en-US" altLang="en-US" sz="1100" dirty="0" err="1">
+                <a:ea typeface="Calibri" panose="020F0502020204030204" pitchFamily="34" charset="0"/>
+                <a:cs typeface="Times New Roman" panose="02020603050405020304" pitchFamily="18" charset="0"/>
+              </a:rPr>
+              <a:t>goldValue</a:t>
+            </a:r>
+            <a:r>
+              <a:rPr lang="en-US" altLang="en-US" sz="1100" dirty="0">
+                <a:ea typeface="Calibri" panose="020F0502020204030204" pitchFamily="34" charset="0"/>
+                <a:cs typeface="Times New Roman" panose="02020603050405020304" pitchFamily="18" charset="0"/>
+              </a:rPr>
+              <a:t> : int</a:t>
+            </a:r>
+          </a:p>
+          <a:p>
+            <a:pPr defTabSz="914400" eaLnBrk="0" fontAlgn="base" hangingPunct="0">
+              <a:spcBef>
+                <a:spcPct val="0"/>
+              </a:spcBef>
+              <a:spcAft>
+                <a:spcPct val="0"/>
+              </a:spcAft>
+            </a:pPr>
+            <a:r>
+              <a:rPr lang="en-US" altLang="en-US" sz="1100" dirty="0">
+                <a:ea typeface="Calibri" panose="020F0502020204030204" pitchFamily="34" charset="0"/>
+                <a:cs typeface="Times New Roman" panose="02020603050405020304" pitchFamily="18" charset="0"/>
+              </a:rPr>
+              <a:t>+ weight : int</a:t>
+            </a:r>
+          </a:p>
+          <a:p>
+            <a:pPr defTabSz="914400" eaLnBrk="0" fontAlgn="base" hangingPunct="0">
+              <a:spcBef>
+                <a:spcPct val="0"/>
+              </a:spcBef>
+              <a:spcAft>
+                <a:spcPct val="0"/>
+              </a:spcAft>
+            </a:pPr>
+            <a:r>
+              <a:rPr lang="en-US" altLang="en-US" sz="1100" dirty="0">
+                <a:ea typeface="Calibri" panose="020F0502020204030204" pitchFamily="34" charset="0"/>
+                <a:cs typeface="Times New Roman" panose="02020603050405020304" pitchFamily="18" charset="0"/>
+              </a:rPr>
+              <a:t>+ flammable : bool</a:t>
+            </a:r>
+          </a:p>
+          <a:p>
+            <a:pPr defTabSz="914400" eaLnBrk="0" fontAlgn="base" hangingPunct="0">
+              <a:spcBef>
+                <a:spcPct val="0"/>
+              </a:spcBef>
+              <a:spcAft>
+                <a:spcPct val="0"/>
+              </a:spcAft>
+            </a:pPr>
+            <a:r>
+              <a:rPr lang="en-US" altLang="en-US" sz="1100" dirty="0">
+                <a:ea typeface="Calibri" panose="020F0502020204030204" pitchFamily="34" charset="0"/>
+                <a:cs typeface="Times New Roman" panose="02020603050405020304" pitchFamily="18" charset="0"/>
+              </a:rPr>
+              <a:t>+ </a:t>
+            </a:r>
+            <a:r>
+              <a:rPr lang="en-US" altLang="en-US" sz="1100" dirty="0" err="1">
+                <a:ea typeface="Calibri" panose="020F0502020204030204" pitchFamily="34" charset="0"/>
+                <a:cs typeface="Times New Roman" panose="02020603050405020304" pitchFamily="18" charset="0"/>
+              </a:rPr>
+              <a:t>fireAmount</a:t>
+            </a:r>
+            <a:r>
+              <a:rPr lang="en-US" altLang="en-US" sz="1100" dirty="0">
+                <a:ea typeface="Calibri" panose="020F0502020204030204" pitchFamily="34" charset="0"/>
+                <a:cs typeface="Times New Roman" panose="02020603050405020304" pitchFamily="18" charset="0"/>
+              </a:rPr>
+              <a:t> : int</a:t>
+            </a:r>
+          </a:p>
+          <a:p>
+            <a:pPr defTabSz="914400" eaLnBrk="0" fontAlgn="base" hangingPunct="0">
+              <a:spcBef>
+                <a:spcPct val="0"/>
+              </a:spcBef>
+              <a:spcAft>
+                <a:spcPct val="0"/>
+              </a:spcAft>
+            </a:pPr>
+            <a:r>
+              <a:rPr lang="en-US" altLang="en-US" sz="1100" dirty="0">
+                <a:ea typeface="Calibri" panose="020F0502020204030204" pitchFamily="34" charset="0"/>
+                <a:cs typeface="Times New Roman" panose="02020603050405020304" pitchFamily="18" charset="0"/>
+              </a:rPr>
+              <a:t>+ explosive : int</a:t>
+            </a:r>
+          </a:p>
+          <a:p>
+            <a:pPr defTabSz="914400" eaLnBrk="0" fontAlgn="base" hangingPunct="0">
+              <a:spcBef>
+                <a:spcPct val="0"/>
+              </a:spcBef>
+              <a:spcAft>
+                <a:spcPct val="0"/>
+              </a:spcAft>
+            </a:pPr>
+            <a:r>
+              <a:rPr lang="en-US" altLang="en-US" sz="1100" dirty="0">
+                <a:cs typeface="Times New Roman" panose="02020603050405020304" pitchFamily="18" charset="0"/>
+              </a:rPr>
+              <a:t>+ </a:t>
+            </a:r>
+            <a:r>
+              <a:rPr lang="en-US" altLang="en-US" sz="1100" dirty="0" err="1">
+                <a:cs typeface="Times New Roman" panose="02020603050405020304" pitchFamily="18" charset="0"/>
+              </a:rPr>
+              <a:t>myInventory</a:t>
+            </a:r>
+            <a:r>
+              <a:rPr lang="en-US" altLang="en-US" sz="1100" dirty="0">
+                <a:cs typeface="Times New Roman" panose="02020603050405020304" pitchFamily="18" charset="0"/>
+              </a:rPr>
+              <a:t> : Inventory</a:t>
+            </a:r>
+            <a:endParaRPr lang="en-US" altLang="en-US" sz="1100" dirty="0"/>
+          </a:p>
+          <a:p>
+            <a:pPr defTabSz="914400" eaLnBrk="0" fontAlgn="base" hangingPunct="0">
+              <a:spcBef>
+                <a:spcPct val="0"/>
+              </a:spcBef>
+              <a:spcAft>
+                <a:spcPct val="0"/>
+              </a:spcAft>
+            </a:pPr>
+            <a:r>
+              <a:rPr lang="en-US" altLang="en-US" sz="1100" dirty="0">
+                <a:ea typeface="Calibri" panose="020F0502020204030204" pitchFamily="34" charset="0"/>
+                <a:cs typeface="Times New Roman" panose="02020603050405020304" pitchFamily="18" charset="0"/>
+              </a:rPr>
+              <a:t>+ exposed : bool</a:t>
+            </a:r>
+          </a:p>
+          <a:p>
+            <a:pPr defTabSz="914400" eaLnBrk="0" fontAlgn="base" hangingPunct="0">
+              <a:spcBef>
+                <a:spcPct val="0"/>
+              </a:spcBef>
+              <a:spcAft>
+                <a:spcPct val="0"/>
+              </a:spcAft>
+            </a:pPr>
+            <a:r>
+              <a:rPr lang="en-US" altLang="en-US" sz="1100" dirty="0">
+                <a:cs typeface="Times New Roman" panose="02020603050405020304" pitchFamily="18" charset="0"/>
+              </a:rPr>
+              <a:t>--------------------------------------------------------------------------------------------</a:t>
+            </a:r>
             <a:endParaRPr lang="en-US" altLang="en-US" sz="1100" dirty="0">
-              <a:highlight>
-                <a:srgbClr val="00FF00"/>
-              </a:highlight>
-              <a:latin typeface="Calibri" panose="020F0502020204030204" pitchFamily="34" charset="0"/>
-              <a:cs typeface="Times New Roman" panose="02020603050405020304" pitchFamily="18" charset="0"/>
-            </a:endParaRPr>
-          </a:p>
-          <a:p>
-            <a:pPr defTabSz="914400" eaLnBrk="0" fontAlgn="base" hangingPunct="0">
-              <a:spcBef>
-                <a:spcPct val="0"/>
-              </a:spcBef>
-              <a:spcAft>
-                <a:spcPct val="0"/>
-              </a:spcAft>
-            </a:pPr>
-            <a:r>
-              <a:rPr lang="en-US" altLang="en-US" sz="1100" dirty="0">
-                <a:highlight>
-                  <a:srgbClr val="00FF00"/>
-                </a:highlight>
-                <a:latin typeface="Calibri" panose="020F0502020204030204" pitchFamily="34" charset="0"/>
-                <a:cs typeface="Times New Roman" panose="02020603050405020304" pitchFamily="18" charset="0"/>
-              </a:rPr>
-              <a:t>+ </a:t>
-            </a:r>
-            <a:r>
-              <a:rPr lang="en-US" altLang="en-US" sz="1100" dirty="0" err="1">
-                <a:highlight>
-                  <a:srgbClr val="00FF00"/>
-                </a:highlight>
-                <a:latin typeface="Calibri" panose="020F0502020204030204" pitchFamily="34" charset="0"/>
-                <a:cs typeface="Times New Roman" panose="02020603050405020304" pitchFamily="18" charset="0"/>
-              </a:rPr>
-              <a:t>animationSpeed</a:t>
-            </a:r>
-            <a:r>
-              <a:rPr lang="en-US" altLang="en-US" sz="1100" dirty="0">
-                <a:highlight>
-                  <a:srgbClr val="00FF00"/>
-                </a:highlight>
-                <a:latin typeface="Calibri" panose="020F0502020204030204" pitchFamily="34" charset="0"/>
-                <a:cs typeface="Times New Roman" panose="02020603050405020304" pitchFamily="18" charset="0"/>
-              </a:rPr>
-              <a:t> : float</a:t>
-            </a:r>
-          </a:p>
-          <a:p>
-            <a:pPr defTabSz="914400" eaLnBrk="0" fontAlgn="base" hangingPunct="0">
-              <a:spcBef>
-                <a:spcPct val="0"/>
-              </a:spcBef>
-              <a:spcAft>
-                <a:spcPct val="0"/>
-              </a:spcAft>
-            </a:pPr>
-            <a:r>
-              <a:rPr lang="en-US" altLang="en-US" sz="1100" dirty="0">
-                <a:highlight>
-                  <a:srgbClr val="00FF00"/>
-                </a:highlight>
-                <a:ea typeface="Calibri" panose="020F0502020204030204" pitchFamily="34" charset="0"/>
-                <a:cs typeface="Times New Roman" panose="02020603050405020304" pitchFamily="18" charset="0"/>
-              </a:rPr>
-              <a:t>+ </a:t>
-            </a:r>
-            <a:r>
-              <a:rPr lang="en-US" altLang="en-US" sz="1100" dirty="0" err="1">
-                <a:highlight>
-                  <a:srgbClr val="00FF00"/>
-                </a:highlight>
-                <a:ea typeface="Calibri" panose="020F0502020204030204" pitchFamily="34" charset="0"/>
-                <a:cs typeface="Times New Roman" panose="02020603050405020304" pitchFamily="18" charset="0"/>
-              </a:rPr>
-              <a:t>spriteToggle</a:t>
-            </a:r>
-            <a:r>
-              <a:rPr lang="en-US" altLang="en-US" sz="1100" dirty="0">
-                <a:highlight>
-                  <a:srgbClr val="00FF00"/>
-                </a:highlight>
-                <a:ea typeface="Calibri" panose="020F0502020204030204" pitchFamily="34" charset="0"/>
-                <a:cs typeface="Times New Roman" panose="02020603050405020304" pitchFamily="18" charset="0"/>
-              </a:rPr>
-              <a:t> : bool</a:t>
-            </a:r>
-          </a:p>
-          <a:p>
-            <a:pPr defTabSz="914400" eaLnBrk="0" fontAlgn="base" hangingPunct="0">
-              <a:spcBef>
-                <a:spcPct val="0"/>
-              </a:spcBef>
-              <a:spcAft>
-                <a:spcPct val="0"/>
-              </a:spcAft>
-            </a:pPr>
-            <a:r>
-              <a:rPr lang="en-US" altLang="en-US" sz="1100" dirty="0">
-                <a:highlight>
-                  <a:srgbClr val="00FF00"/>
-                </a:highlight>
-                <a:ea typeface="Calibri" panose="020F0502020204030204" pitchFamily="34" charset="0"/>
-                <a:cs typeface="Times New Roman" panose="02020603050405020304" pitchFamily="18" charset="0"/>
-              </a:rPr>
-              <a:t># </a:t>
-            </a:r>
-            <a:r>
-              <a:rPr lang="en-US" altLang="en-US" sz="1100" dirty="0" err="1">
-                <a:highlight>
-                  <a:srgbClr val="00FF00"/>
-                </a:highlight>
-                <a:latin typeface="Calibri" panose="020F0502020204030204" pitchFamily="34" charset="0"/>
-                <a:ea typeface="Calibri" panose="020F0502020204030204" pitchFamily="34" charset="0"/>
-                <a:cs typeface="Times New Roman" panose="02020603050405020304" pitchFamily="18" charset="0"/>
-              </a:rPr>
-              <a:t>myRogueSpriteRenderer</a:t>
-            </a:r>
-            <a:r>
-              <a:rPr lang="en-US" altLang="en-US" sz="1100" dirty="0">
-                <a:highlight>
-                  <a:srgbClr val="00FF00"/>
-                </a:highlight>
-                <a:latin typeface="Calibri" panose="020F0502020204030204" pitchFamily="34" charset="0"/>
-                <a:ea typeface="Calibri" panose="020F0502020204030204" pitchFamily="34" charset="0"/>
-                <a:cs typeface="Times New Roman" panose="02020603050405020304" pitchFamily="18" charset="0"/>
-              </a:rPr>
-              <a:t> : </a:t>
-            </a:r>
-            <a:r>
-              <a:rPr lang="en-US" altLang="en-US" sz="1100" dirty="0" err="1">
-                <a:highlight>
-                  <a:srgbClr val="00FF00"/>
-                </a:highlight>
-                <a:latin typeface="Calibri" panose="020F0502020204030204" pitchFamily="34" charset="0"/>
-                <a:ea typeface="Calibri" panose="020F0502020204030204" pitchFamily="34" charset="0"/>
-                <a:cs typeface="Times New Roman" panose="02020603050405020304" pitchFamily="18" charset="0"/>
-              </a:rPr>
-              <a:t>RogueSpriteRenderer</a:t>
-            </a:r>
-            <a:endParaRPr lang="en-US" altLang="en-US" sz="1100" dirty="0">
-              <a:highlight>
-                <a:srgbClr val="00FF00"/>
-              </a:highlight>
               <a:ea typeface="Calibri" panose="020F0502020204030204" pitchFamily="34" charset="0"/>
               <a:cs typeface="Times New Roman" panose="02020603050405020304" pitchFamily="18" charset="0"/>
             </a:endParaRPr>
@@ -3948,19 +3722,287 @@
             </a:pPr>
             <a:r>
               <a:rPr lang="en-US" altLang="en-US" sz="1100" dirty="0">
-                <a:highlight>
-                  <a:srgbClr val="00FF00"/>
-                </a:highlight>
-                <a:latin typeface="Calibri" panose="020F0502020204030204" pitchFamily="34" charset="0"/>
-                <a:cs typeface="Times New Roman" panose="02020603050405020304" pitchFamily="18" charset="0"/>
-              </a:rPr>
-              <a:t>--------------------------------------------------------------------------------------------</a:t>
+                <a:cs typeface="Times New Roman" panose="02020603050405020304" pitchFamily="18" charset="0"/>
+              </a:rPr>
+              <a:t>+ </a:t>
+            </a:r>
+            <a:r>
+              <a:rPr lang="en-US" altLang="en-US" sz="1100" u="sng" dirty="0" err="1">
+                <a:cs typeface="Times New Roman" panose="02020603050405020304" pitchFamily="18" charset="0"/>
+              </a:rPr>
+              <a:t>MakeRoguelikeObject</a:t>
+            </a:r>
+            <a:r>
+              <a:rPr lang="en-US" altLang="en-US" sz="1100" u="sng" dirty="0">
+                <a:cs typeface="Times New Roman" panose="02020603050405020304" pitchFamily="18" charset="0"/>
+              </a:rPr>
+              <a:t> (</a:t>
+            </a:r>
+            <a:r>
+              <a:rPr lang="en-US" altLang="en-US" sz="1100" u="sng" dirty="0" err="1">
+                <a:cs typeface="Times New Roman" panose="02020603050405020304" pitchFamily="18" charset="0"/>
+              </a:rPr>
+              <a:t>RoguelikeObject</a:t>
+            </a:r>
+            <a:r>
+              <a:rPr lang="en-US" altLang="en-US" sz="1100" u="sng" dirty="0">
+                <a:cs typeface="Times New Roman" panose="02020603050405020304" pitchFamily="18" charset="0"/>
+              </a:rPr>
+              <a:t>, int, Inventory, int) : </a:t>
+            </a:r>
+            <a:r>
+              <a:rPr lang="en-US" altLang="en-US" sz="1100" u="sng" dirty="0" err="1">
+                <a:cs typeface="Times New Roman" panose="02020603050405020304" pitchFamily="18" charset="0"/>
+              </a:rPr>
+              <a:t>RoguelikeObject</a:t>
+            </a:r>
+            <a:endParaRPr lang="en-US" altLang="en-US" sz="1100" u="sng" dirty="0">
+              <a:cs typeface="Times New Roman" panose="02020603050405020304" pitchFamily="18" charset="0"/>
+            </a:endParaRPr>
+          </a:p>
+          <a:p>
+            <a:pPr defTabSz="914400" eaLnBrk="0" fontAlgn="base" hangingPunct="0">
+              <a:spcBef>
+                <a:spcPct val="0"/>
+              </a:spcBef>
+              <a:spcAft>
+                <a:spcPct val="0"/>
+              </a:spcAft>
+            </a:pPr>
+            <a:r>
+              <a:rPr lang="en-US" altLang="en-US" sz="1100" dirty="0">
+                <a:cs typeface="Times New Roman" panose="02020603050405020304" pitchFamily="18" charset="0"/>
+              </a:rPr>
+              <a:t>+ </a:t>
+            </a:r>
+            <a:r>
+              <a:rPr lang="en-US" altLang="en-US" sz="1100" u="sng" dirty="0" err="1">
+                <a:cs typeface="Times New Roman" panose="02020603050405020304" pitchFamily="18" charset="0"/>
+              </a:rPr>
+              <a:t>MakeRoguelikeObjectTemporary</a:t>
+            </a:r>
+            <a:r>
+              <a:rPr lang="en-US" altLang="en-US" sz="1100" u="sng" dirty="0">
+                <a:cs typeface="Times New Roman" panose="02020603050405020304" pitchFamily="18" charset="0"/>
+              </a:rPr>
+              <a:t>(</a:t>
+            </a:r>
+            <a:r>
+              <a:rPr lang="en-US" altLang="en-US" sz="1100" u="sng" dirty="0" err="1">
+                <a:cs typeface="Times New Roman" panose="02020603050405020304" pitchFamily="18" charset="0"/>
+              </a:rPr>
+              <a:t>RoguelikeObject</a:t>
+            </a:r>
+            <a:r>
+              <a:rPr lang="en-US" altLang="en-US" sz="1100" u="sng" dirty="0">
+                <a:cs typeface="Times New Roman" panose="02020603050405020304" pitchFamily="18" charset="0"/>
+              </a:rPr>
+              <a:t>, int) : </a:t>
+            </a:r>
+            <a:r>
+              <a:rPr lang="en-US" altLang="en-US" sz="1100" u="sng" dirty="0" err="1">
+                <a:cs typeface="Times New Roman" panose="02020603050405020304" pitchFamily="18" charset="0"/>
+              </a:rPr>
+              <a:t>RoguelikeObject</a:t>
+            </a:r>
+            <a:endParaRPr lang="en-US" altLang="en-US" sz="1100" u="sng" dirty="0">
+              <a:cs typeface="Times New Roman" panose="02020603050405020304" pitchFamily="18" charset="0"/>
+            </a:endParaRPr>
+          </a:p>
+          <a:p>
+            <a:pPr defTabSz="914400" eaLnBrk="0" fontAlgn="base" hangingPunct="0">
+              <a:spcBef>
+                <a:spcPct val="0"/>
+              </a:spcBef>
+              <a:spcAft>
+                <a:spcPct val="0"/>
+              </a:spcAft>
+            </a:pPr>
+            <a:r>
+              <a:rPr lang="en-US" altLang="en-US" sz="1100" dirty="0">
+                <a:cs typeface="Times New Roman" panose="02020603050405020304" pitchFamily="18" charset="0"/>
+              </a:rPr>
+              <a:t>+ </a:t>
+            </a:r>
+            <a:r>
+              <a:rPr lang="en-US" altLang="en-US" sz="1100" dirty="0" err="1">
+                <a:cs typeface="Times New Roman" panose="02020603050405020304" pitchFamily="18" charset="0"/>
+              </a:rPr>
+              <a:t>UpdateRogueSpriteRenderer</a:t>
+            </a:r>
+            <a:r>
+              <a:rPr lang="en-US" altLang="en-US" sz="1100" dirty="0">
+                <a:cs typeface="Times New Roman" panose="02020603050405020304" pitchFamily="18" charset="0"/>
+              </a:rPr>
+              <a:t>() : void</a:t>
+            </a:r>
+          </a:p>
+          <a:p>
+            <a:pPr defTabSz="914400" eaLnBrk="0" fontAlgn="base" hangingPunct="0">
+              <a:spcBef>
+                <a:spcPct val="0"/>
+              </a:spcBef>
+              <a:spcAft>
+                <a:spcPct val="0"/>
+              </a:spcAft>
+            </a:pPr>
+            <a:r>
+              <a:rPr lang="en-US" altLang="en-US" sz="1100" dirty="0">
+                <a:cs typeface="Times New Roman" panose="02020603050405020304" pitchFamily="18" charset="0"/>
+              </a:rPr>
+              <a:t>+ </a:t>
+            </a:r>
+            <a:r>
+              <a:rPr lang="en-US" altLang="en-US" sz="1100" dirty="0" err="1">
+                <a:cs typeface="Times New Roman" panose="02020603050405020304" pitchFamily="18" charset="0"/>
+              </a:rPr>
+              <a:t>ToggleRogulikeObjectSprites</a:t>
+            </a:r>
+            <a:r>
+              <a:rPr lang="en-US" altLang="en-US" sz="1100" dirty="0">
+                <a:cs typeface="Times New Roman" panose="02020603050405020304" pitchFamily="18" charset="0"/>
+              </a:rPr>
+              <a:t>() : </a:t>
+            </a:r>
+            <a:r>
+              <a:rPr lang="en-US" altLang="en-US" sz="1100" dirty="0" err="1">
+                <a:cs typeface="Times New Roman" panose="02020603050405020304" pitchFamily="18" charset="0"/>
+              </a:rPr>
+              <a:t>Ienumerator</a:t>
             </a:r>
             <a:endParaRPr lang="en-US" altLang="en-US" sz="1100" dirty="0">
-              <a:highlight>
-                <a:srgbClr val="00FF00"/>
-              </a:highlight>
-              <a:latin typeface="Calibri" panose="020F0502020204030204" pitchFamily="34" charset="0"/>
+              <a:cs typeface="Times New Roman" panose="02020603050405020304" pitchFamily="18" charset="0"/>
+            </a:endParaRPr>
+          </a:p>
+          <a:p>
+            <a:pPr defTabSz="914400" eaLnBrk="0" fontAlgn="base" hangingPunct="0">
+              <a:spcBef>
+                <a:spcPct val="0"/>
+              </a:spcBef>
+              <a:spcAft>
+                <a:spcPct val="0"/>
+              </a:spcAft>
+            </a:pPr>
+            <a:r>
+              <a:rPr lang="en-US" altLang="en-US" sz="1100" dirty="0">
+                <a:cs typeface="Times New Roman" panose="02020603050405020304" pitchFamily="18" charset="0"/>
+              </a:rPr>
+              <a:t>+ </a:t>
+            </a:r>
+            <a:r>
+              <a:rPr lang="en-US" altLang="en-US" sz="1100" dirty="0" err="1">
+                <a:cs typeface="Times New Roman" panose="02020603050405020304" pitchFamily="18" charset="0"/>
+              </a:rPr>
+              <a:t>GetPosition</a:t>
+            </a:r>
+            <a:r>
+              <a:rPr lang="en-US" altLang="en-US" sz="1100" dirty="0">
+                <a:cs typeface="Times New Roman" panose="02020603050405020304" pitchFamily="18" charset="0"/>
+              </a:rPr>
+              <a:t>() : Vector2Int</a:t>
+            </a:r>
+          </a:p>
+          <a:p>
+            <a:pPr defTabSz="914400" eaLnBrk="0" fontAlgn="base" hangingPunct="0">
+              <a:spcBef>
+                <a:spcPct val="0"/>
+              </a:spcBef>
+              <a:spcAft>
+                <a:spcPct val="0"/>
+              </a:spcAft>
+            </a:pPr>
+            <a:r>
+              <a:rPr lang="en-US" altLang="en-US" sz="1100" dirty="0">
+                <a:cs typeface="Times New Roman" panose="02020603050405020304" pitchFamily="18" charset="0"/>
+              </a:rPr>
+              <a:t>+ </a:t>
+            </a:r>
+            <a:r>
+              <a:rPr lang="en-US" altLang="en-US" sz="1100" dirty="0" err="1">
+                <a:cs typeface="Times New Roman" panose="02020603050405020304" pitchFamily="18" charset="0"/>
+              </a:rPr>
+              <a:t>GetPositionOffset</a:t>
+            </a:r>
+            <a:r>
+              <a:rPr lang="en-US" altLang="en-US" sz="1100" dirty="0">
+                <a:cs typeface="Times New Roman" panose="02020603050405020304" pitchFamily="18" charset="0"/>
+              </a:rPr>
+              <a:t>(Vecotr2Int) : Vector2Int</a:t>
+            </a:r>
+          </a:p>
+          <a:p>
+            <a:pPr defTabSz="914400" eaLnBrk="0" fontAlgn="base" hangingPunct="0">
+              <a:spcBef>
+                <a:spcPct val="0"/>
+              </a:spcBef>
+              <a:spcAft>
+                <a:spcPct val="0"/>
+              </a:spcAft>
+            </a:pPr>
+            <a:r>
+              <a:rPr lang="en-US" altLang="en-US" sz="1100" i="1" dirty="0">
+                <a:ea typeface="Calibri" panose="020F0502020204030204" pitchFamily="34" charset="0"/>
+                <a:cs typeface="Times New Roman" panose="02020603050405020304" pitchFamily="18" charset="0"/>
+              </a:rPr>
+              <a:t>+ Initialize() : void</a:t>
+            </a:r>
+          </a:p>
+          <a:p>
+            <a:pPr defTabSz="914400" eaLnBrk="0" fontAlgn="base" hangingPunct="0">
+              <a:spcBef>
+                <a:spcPct val="0"/>
+              </a:spcBef>
+              <a:spcAft>
+                <a:spcPct val="0"/>
+              </a:spcAft>
+            </a:pPr>
+            <a:r>
+              <a:rPr lang="en-US" altLang="en-US" sz="1100" i="1" dirty="0">
+                <a:cs typeface="Times New Roman" panose="02020603050405020304" pitchFamily="18" charset="0"/>
+              </a:rPr>
+              <a:t>+ </a:t>
+            </a:r>
+            <a:r>
+              <a:rPr lang="en-US" altLang="en-US" sz="1100" i="1" dirty="0" err="1">
+                <a:cs typeface="Times New Roman" panose="02020603050405020304" pitchFamily="18" charset="0"/>
+              </a:rPr>
+              <a:t>GetFullName</a:t>
+            </a:r>
+            <a:r>
+              <a:rPr lang="en-US" altLang="en-US" sz="1100" i="1" dirty="0">
+                <a:cs typeface="Times New Roman" panose="02020603050405020304" pitchFamily="18" charset="0"/>
+              </a:rPr>
+              <a:t>() : string</a:t>
+            </a:r>
+          </a:p>
+          <a:p>
+            <a:pPr defTabSz="914400" eaLnBrk="0" fontAlgn="base" hangingPunct="0">
+              <a:spcBef>
+                <a:spcPct val="0"/>
+              </a:spcBef>
+              <a:spcAft>
+                <a:spcPct val="0"/>
+              </a:spcAft>
+            </a:pPr>
+            <a:r>
+              <a:rPr lang="en-US" altLang="en-US" sz="1100" i="1" dirty="0">
+                <a:cs typeface="Times New Roman" panose="02020603050405020304" pitchFamily="18" charset="0"/>
+              </a:rPr>
+              <a:t>+ </a:t>
+            </a:r>
+            <a:r>
+              <a:rPr lang="en-US" altLang="en-US" sz="1100" i="1" dirty="0" err="1">
+                <a:cs typeface="Times New Roman" panose="02020603050405020304" pitchFamily="18" charset="0"/>
+              </a:rPr>
+              <a:t>GetCurrentSprite</a:t>
+            </a:r>
+            <a:r>
+              <a:rPr lang="en-US" altLang="en-US" sz="1100" i="1" dirty="0">
+                <a:cs typeface="Times New Roman" panose="02020603050405020304" pitchFamily="18" charset="0"/>
+              </a:rPr>
+              <a:t>() : Sprite</a:t>
+            </a:r>
+            <a:endParaRPr lang="en-US" altLang="en-US" sz="1100" i="1" dirty="0">
               <a:ea typeface="Calibri" panose="020F0502020204030204" pitchFamily="34" charset="0"/>
               <a:cs typeface="Times New Roman" panose="02020603050405020304" pitchFamily="18" charset="0"/>
             </a:endParaRPr>
@@ -3976,14 +4018,10 @@
             </a:pPr>
             <a:r>
               <a:rPr lang="en-US" altLang="en-US" sz="1100" i="1" dirty="0">
-                <a:highlight>
-                  <a:srgbClr val="00FF00"/>
-                </a:highlight>
-                <a:latin typeface="Calibri" panose="020F0502020204030204" pitchFamily="34" charset="0"/>
                 <a:ea typeface="Calibri" panose="020F0502020204030204" pitchFamily="34" charset="0"/>
                 <a:cs typeface="Times New Roman" panose="02020603050405020304" pitchFamily="18" charset="0"/>
               </a:rPr>
-              <a:t>+ Initialize() : void</a:t>
+              <a:t>+ Step() : void</a:t>
             </a:r>
           </a:p>
           <a:p>
@@ -3997,21 +4035,30 @@
             </a:pPr>
             <a:r>
               <a:rPr lang="en-US" altLang="en-US" sz="1100" i="1" dirty="0">
-                <a:highlight>
-                  <a:srgbClr val="00FF00"/>
-                </a:highlight>
-                <a:latin typeface="Calibri" panose="020F0502020204030204" pitchFamily="34" charset="0"/>
                 <a:ea typeface="Calibri" panose="020F0502020204030204" pitchFamily="34" charset="0"/>
                 <a:cs typeface="Times New Roman" panose="02020603050405020304" pitchFamily="18" charset="0"/>
               </a:rPr>
+              <a:t>+ Die() : void</a:t>
+            </a:r>
+          </a:p>
+          <a:p>
+            <a:pPr defTabSz="914400" eaLnBrk="0" fontAlgn="base" hangingPunct="0">
+              <a:spcBef>
+                <a:spcPct val="0"/>
+              </a:spcBef>
+              <a:spcAft>
+                <a:spcPct val="0"/>
+              </a:spcAft>
+            </a:pPr>
+            <a:r>
+              <a:rPr lang="en-US" altLang="en-US" sz="1100" i="1" dirty="0">
+                <a:ea typeface="Calibri" panose="020F0502020204030204" pitchFamily="34" charset="0"/>
+                <a:cs typeface="Times New Roman" panose="02020603050405020304" pitchFamily="18" charset="0"/>
+              </a:rPr>
               <a:t>+ </a:t>
             </a:r>
             <a:r>
               <a:rPr lang="en-US" altLang="en-US" sz="1100" i="1" dirty="0" err="1">
-                <a:highlight>
-                  <a:srgbClr val="00FF00"/>
-                </a:highlight>
-                <a:latin typeface="Calibri" panose="020F0502020204030204" pitchFamily="34" charset="0"/>
                 <a:ea typeface="Calibri" panose="020F0502020204030204" pitchFamily="34" charset="0"/>
                 <a:cs typeface="Times New Roman" panose="02020603050405020304" pitchFamily="18" charset="0"/>
               </a:rPr>
@@ -4019,10 +4066,6 @@
             </a:r>
             <a:r>
               <a:rPr lang="en-US" altLang="en-US" sz="1100" i="1" dirty="0">
-                <a:highlight>
-                  <a:srgbClr val="00FF00"/>
-                </a:highlight>
-                <a:latin typeface="Calibri" panose="020F0502020204030204" pitchFamily="34" charset="0"/>
                 <a:ea typeface="Calibri" panose="020F0502020204030204" pitchFamily="34" charset="0"/>
                 <a:cs typeface="Times New Roman" panose="02020603050405020304" pitchFamily="18" charset="0"/>
               </a:rPr>
@@ -4040,405 +4083,23 @@
             </a:pPr>
             <a:r>
               <a:rPr lang="en-US" altLang="en-US" sz="1100" i="1" dirty="0">
-                <a:highlight>
-                  <a:srgbClr val="00FF00"/>
-                </a:highlight>
-                <a:latin typeface="Calibri" panose="020F0502020204030204" pitchFamily="34" charset="0"/>
-                <a:ea typeface="Calibri" panose="020F0502020204030204" pitchFamily="34" charset="0"/>
-                <a:cs typeface="Times New Roman" panose="02020603050405020304" pitchFamily="18" charset="0"/>
-              </a:rPr>
-              <a:t>+ Step() : void</a:t>
-            </a:r>
-          </a:p>
-          <a:p>
-            <a:pPr defTabSz="914400" eaLnBrk="0" fontAlgn="base" hangingPunct="0">
-              <a:spcBef>
-                <a:spcPct val="0"/>
-              </a:spcBef>
-              <a:spcAft>
-                <a:spcPct val="0"/>
-              </a:spcAft>
-            </a:pPr>
+                <a:cs typeface="Times New Roman" panose="02020603050405020304" pitchFamily="18" charset="0"/>
+              </a:rPr>
+              <a:t>+ </a:t>
+            </a:r>
+            <a:r>
+              <a:rPr lang="en-US" altLang="en-US" sz="1100" i="1" dirty="0" err="1">
+                <a:cs typeface="Times New Roman" panose="02020603050405020304" pitchFamily="18" charset="0"/>
+              </a:rPr>
+              <a:t>DestroyObject</a:t>
+            </a:r>
             <a:r>
               <a:rPr lang="en-US" altLang="en-US" sz="1100" i="1" dirty="0">
-                <a:highlight>
-                  <a:srgbClr val="00FF00"/>
-                </a:highlight>
-                <a:latin typeface="Calibri" panose="020F0502020204030204" pitchFamily="34" charset="0"/>
-                <a:ea typeface="Calibri" panose="020F0502020204030204" pitchFamily="34" charset="0"/>
-                <a:cs typeface="Times New Roman" panose="02020603050405020304" pitchFamily="18" charset="0"/>
-              </a:rPr>
-              <a:t>+ Die() : void</a:t>
-            </a:r>
-          </a:p>
-          <a:p>
-            <a:pPr defTabSz="914400" eaLnBrk="0" fontAlgn="base" hangingPunct="0">
-              <a:spcBef>
-                <a:spcPct val="0"/>
-              </a:spcBef>
-              <a:spcAft>
-                <a:spcPct val="0"/>
-              </a:spcAft>
-            </a:pPr>
-            <a:r>
-              <a:rPr lang="en-US" altLang="en-US" sz="1100" i="1" dirty="0">
-                <a:highlight>
-                  <a:srgbClr val="00FF00"/>
-                </a:highlight>
-                <a:latin typeface="Calibri" panose="020F0502020204030204" pitchFamily="34" charset="0"/>
-                <a:cs typeface="Times New Roman" panose="02020603050405020304" pitchFamily="18" charset="0"/>
-              </a:rPr>
-              <a:t>+ </a:t>
-            </a:r>
-            <a:r>
-              <a:rPr lang="en-US" altLang="en-US" sz="1100" i="1" dirty="0" err="1">
-                <a:highlight>
-                  <a:srgbClr val="00FF00"/>
-                </a:highlight>
-                <a:latin typeface="Calibri" panose="020F0502020204030204" pitchFamily="34" charset="0"/>
-                <a:cs typeface="Times New Roman" panose="02020603050405020304" pitchFamily="18" charset="0"/>
-              </a:rPr>
-              <a:t>GetFullName</a:t>
-            </a:r>
-            <a:r>
-              <a:rPr lang="en-US" altLang="en-US" sz="1100" i="1" dirty="0">
-                <a:highlight>
-                  <a:srgbClr val="00FF00"/>
-                </a:highlight>
-                <a:latin typeface="Calibri" panose="020F0502020204030204" pitchFamily="34" charset="0"/>
-                <a:cs typeface="Times New Roman" panose="02020603050405020304" pitchFamily="18" charset="0"/>
-              </a:rPr>
-              <a:t>() : string</a:t>
-            </a:r>
-          </a:p>
-          <a:p>
-            <a:pPr defTabSz="914400" eaLnBrk="0" fontAlgn="base" hangingPunct="0">
-              <a:spcBef>
-                <a:spcPct val="0"/>
-              </a:spcBef>
-              <a:spcAft>
-                <a:spcPct val="0"/>
-              </a:spcAft>
-            </a:pPr>
-            <a:r>
-              <a:rPr lang="en-US" altLang="en-US" sz="1100" dirty="0">
-                <a:highlight>
-                  <a:srgbClr val="00FF00"/>
-                </a:highlight>
-                <a:latin typeface="Calibri" panose="020F0502020204030204" pitchFamily="34" charset="0"/>
-                <a:cs typeface="Times New Roman" panose="02020603050405020304" pitchFamily="18" charset="0"/>
-              </a:rPr>
-              <a:t>+ </a:t>
-            </a:r>
-            <a:r>
-              <a:rPr lang="en-US" altLang="en-US" sz="1100" dirty="0" err="1">
-                <a:highlight>
-                  <a:srgbClr val="00FF00"/>
-                </a:highlight>
-                <a:latin typeface="Calibri" panose="020F0502020204030204" pitchFamily="34" charset="0"/>
-                <a:cs typeface="Times New Roman" panose="02020603050405020304" pitchFamily="18" charset="0"/>
-              </a:rPr>
-              <a:t>UpdateRogueSpriteRenderer</a:t>
-            </a:r>
-            <a:r>
-              <a:rPr lang="en-US" altLang="en-US" sz="1100" dirty="0">
-                <a:highlight>
-                  <a:srgbClr val="00FF00"/>
-                </a:highlight>
-                <a:latin typeface="Calibri" panose="020F0502020204030204" pitchFamily="34" charset="0"/>
-                <a:cs typeface="Times New Roman" panose="02020603050405020304" pitchFamily="18" charset="0"/>
-              </a:rPr>
-              <a:t>() : void</a:t>
-            </a:r>
-          </a:p>
-          <a:p>
-            <a:pPr defTabSz="914400" eaLnBrk="0" fontAlgn="base" hangingPunct="0">
-              <a:spcBef>
-                <a:spcPct val="0"/>
-              </a:spcBef>
-              <a:spcAft>
-                <a:spcPct val="0"/>
-              </a:spcAft>
-            </a:pPr>
-            <a:r>
-              <a:rPr lang="en-US" altLang="en-US" sz="1100" i="1" dirty="0">
-                <a:highlight>
-                  <a:srgbClr val="00FF00"/>
-                </a:highlight>
-                <a:latin typeface="Calibri" panose="020F0502020204030204" pitchFamily="34" charset="0"/>
-                <a:cs typeface="Times New Roman" panose="02020603050405020304" pitchFamily="18" charset="0"/>
-              </a:rPr>
-              <a:t>+ </a:t>
-            </a:r>
-            <a:r>
-              <a:rPr lang="en-US" altLang="en-US" sz="1100" i="1" dirty="0" err="1">
-                <a:highlight>
-                  <a:srgbClr val="00FF00"/>
-                </a:highlight>
-                <a:latin typeface="Calibri" panose="020F0502020204030204" pitchFamily="34" charset="0"/>
-                <a:cs typeface="Times New Roman" panose="02020603050405020304" pitchFamily="18" charset="0"/>
-              </a:rPr>
-              <a:t>GetCurrentSprite</a:t>
-            </a:r>
-            <a:r>
-              <a:rPr lang="en-US" altLang="en-US" sz="1100" i="1" dirty="0">
-                <a:highlight>
-                  <a:srgbClr val="00FF00"/>
-                </a:highlight>
-                <a:latin typeface="Calibri" panose="020F0502020204030204" pitchFamily="34" charset="0"/>
-                <a:cs typeface="Times New Roman" panose="02020603050405020304" pitchFamily="18" charset="0"/>
-              </a:rPr>
-              <a:t>() : Sprite</a:t>
-            </a:r>
-          </a:p>
-          <a:p>
-            <a:pPr defTabSz="914400" eaLnBrk="0" fontAlgn="base" hangingPunct="0">
-              <a:spcBef>
-                <a:spcPct val="0"/>
-              </a:spcBef>
-              <a:spcAft>
-                <a:spcPct val="0"/>
-              </a:spcAft>
-            </a:pPr>
-            <a:r>
-              <a:rPr lang="en-US" altLang="en-US" sz="1100" i="1" dirty="0">
-                <a:highlight>
-                  <a:srgbClr val="00FF00"/>
-                </a:highlight>
-                <a:latin typeface="Calibri" panose="020F0502020204030204" pitchFamily="34" charset="0"/>
-                <a:cs typeface="Times New Roman" panose="02020603050405020304" pitchFamily="18" charset="0"/>
-              </a:rPr>
-              <a:t>+ </a:t>
-            </a:r>
-            <a:r>
-              <a:rPr lang="en-US" altLang="en-US" sz="1100" i="1" dirty="0" err="1">
-                <a:highlight>
-                  <a:srgbClr val="00FF00"/>
-                </a:highlight>
-                <a:latin typeface="Calibri" panose="020F0502020204030204" pitchFamily="34" charset="0"/>
-                <a:cs typeface="Times New Roman" panose="02020603050405020304" pitchFamily="18" charset="0"/>
-              </a:rPr>
-              <a:t>DestroyObject</a:t>
-            </a:r>
-            <a:r>
-              <a:rPr lang="en-US" altLang="en-US" sz="1100" i="1" dirty="0">
-                <a:highlight>
-                  <a:srgbClr val="00FF00"/>
-                </a:highlight>
-                <a:latin typeface="Calibri" panose="020F0502020204030204" pitchFamily="34" charset="0"/>
                 <a:cs typeface="Times New Roman" panose="02020603050405020304" pitchFamily="18" charset="0"/>
               </a:rPr>
               <a:t>() : bool</a:t>
             </a:r>
-          </a:p>
-          <a:p>
-            <a:pPr defTabSz="914400" eaLnBrk="0" fontAlgn="base" hangingPunct="0">
-              <a:spcBef>
-                <a:spcPct val="0"/>
-              </a:spcBef>
-              <a:spcAft>
-                <a:spcPct val="0"/>
-              </a:spcAft>
-            </a:pPr>
-            <a:r>
-              <a:rPr lang="en-US" altLang="en-US" sz="1100" dirty="0">
-                <a:highlight>
-                  <a:srgbClr val="00FF00"/>
-                </a:highlight>
-                <a:latin typeface="Calibri" panose="020F0502020204030204" pitchFamily="34" charset="0"/>
-                <a:cs typeface="Times New Roman" panose="02020603050405020304" pitchFamily="18" charset="0"/>
-              </a:rPr>
-              <a:t>+ </a:t>
-            </a:r>
-            <a:r>
-              <a:rPr lang="en-US" altLang="en-US" sz="1100" u="sng" dirty="0" err="1">
-                <a:highlight>
-                  <a:srgbClr val="00FF00"/>
-                </a:highlight>
-                <a:latin typeface="Calibri" panose="020F0502020204030204" pitchFamily="34" charset="0"/>
-                <a:cs typeface="Times New Roman" panose="02020603050405020304" pitchFamily="18" charset="0"/>
-              </a:rPr>
-              <a:t>MakeRoguelikeObject</a:t>
-            </a:r>
-            <a:r>
-              <a:rPr lang="en-US" altLang="en-US" sz="1100" u="sng" dirty="0">
-                <a:highlight>
-                  <a:srgbClr val="00FF00"/>
-                </a:highlight>
-                <a:latin typeface="Calibri" panose="020F0502020204030204" pitchFamily="34" charset="0"/>
-                <a:cs typeface="Times New Roman" panose="02020603050405020304" pitchFamily="18" charset="0"/>
-              </a:rPr>
-              <a:t> (</a:t>
-            </a:r>
-            <a:r>
-              <a:rPr lang="en-US" altLang="en-US" sz="1100" u="sng" dirty="0" err="1">
-                <a:highlight>
-                  <a:srgbClr val="00FF00"/>
-                </a:highlight>
-                <a:latin typeface="Calibri" panose="020F0502020204030204" pitchFamily="34" charset="0"/>
-                <a:cs typeface="Times New Roman" panose="02020603050405020304" pitchFamily="18" charset="0"/>
-              </a:rPr>
-              <a:t>RoguelikeObject</a:t>
-            </a:r>
-            <a:r>
-              <a:rPr lang="en-US" altLang="en-US" sz="1100" u="sng" dirty="0">
-                <a:highlight>
-                  <a:srgbClr val="00FF00"/>
-                </a:highlight>
-                <a:latin typeface="Calibri" panose="020F0502020204030204" pitchFamily="34" charset="0"/>
-                <a:cs typeface="Times New Roman" panose="02020603050405020304" pitchFamily="18" charset="0"/>
-              </a:rPr>
-              <a:t>, int, Inventory, int) : </a:t>
-            </a:r>
-            <a:r>
-              <a:rPr lang="en-US" altLang="en-US" sz="1100" u="sng" dirty="0" err="1">
-                <a:highlight>
-                  <a:srgbClr val="00FF00"/>
-                </a:highlight>
-                <a:latin typeface="Calibri" panose="020F0502020204030204" pitchFamily="34" charset="0"/>
-                <a:cs typeface="Times New Roman" panose="02020603050405020304" pitchFamily="18" charset="0"/>
-              </a:rPr>
-              <a:t>RoguelikeObject</a:t>
-            </a:r>
-            <a:endParaRPr lang="en-US" altLang="en-US" sz="1100" u="sng" dirty="0">
-              <a:highlight>
-                <a:srgbClr val="00FF00"/>
-              </a:highlight>
-              <a:latin typeface="Calibri" panose="020F0502020204030204" pitchFamily="34" charset="0"/>
-              <a:cs typeface="Times New Roman" panose="02020603050405020304" pitchFamily="18" charset="0"/>
-            </a:endParaRPr>
-          </a:p>
-          <a:p>
-            <a:pPr defTabSz="914400" eaLnBrk="0" fontAlgn="base" hangingPunct="0">
-              <a:spcBef>
-                <a:spcPct val="0"/>
-              </a:spcBef>
-              <a:spcAft>
-                <a:spcPct val="0"/>
-              </a:spcAft>
-            </a:pPr>
-            <a:r>
-              <a:rPr lang="en-US" altLang="en-US" sz="1100" dirty="0">
-                <a:highlight>
-                  <a:srgbClr val="00FF00"/>
-                </a:highlight>
-                <a:latin typeface="Calibri" panose="020F0502020204030204" pitchFamily="34" charset="0"/>
-                <a:cs typeface="Times New Roman" panose="02020603050405020304" pitchFamily="18" charset="0"/>
-              </a:rPr>
-              <a:t>+ </a:t>
-            </a:r>
-            <a:r>
-              <a:rPr lang="en-US" altLang="en-US" sz="1100" u="sng" dirty="0" err="1">
-                <a:highlight>
-                  <a:srgbClr val="00FF00"/>
-                </a:highlight>
-                <a:latin typeface="Calibri" panose="020F0502020204030204" pitchFamily="34" charset="0"/>
-                <a:cs typeface="Times New Roman" panose="02020603050405020304" pitchFamily="18" charset="0"/>
-              </a:rPr>
-              <a:t>MakeRoguelikeObjectTemporary</a:t>
-            </a:r>
-            <a:r>
-              <a:rPr lang="en-US" altLang="en-US" sz="1100" u="sng" dirty="0">
-                <a:highlight>
-                  <a:srgbClr val="00FF00"/>
-                </a:highlight>
-                <a:latin typeface="Calibri" panose="020F0502020204030204" pitchFamily="34" charset="0"/>
-                <a:cs typeface="Times New Roman" panose="02020603050405020304" pitchFamily="18" charset="0"/>
-              </a:rPr>
-              <a:t>(</a:t>
-            </a:r>
-            <a:r>
-              <a:rPr lang="en-US" altLang="en-US" sz="1100" u="sng" dirty="0" err="1">
-                <a:highlight>
-                  <a:srgbClr val="00FF00"/>
-                </a:highlight>
-                <a:latin typeface="Calibri" panose="020F0502020204030204" pitchFamily="34" charset="0"/>
-                <a:cs typeface="Times New Roman" panose="02020603050405020304" pitchFamily="18" charset="0"/>
-              </a:rPr>
-              <a:t>RoguelikeObject</a:t>
-            </a:r>
-            <a:r>
-              <a:rPr lang="en-US" altLang="en-US" sz="1100" u="sng" dirty="0">
-                <a:highlight>
-                  <a:srgbClr val="00FF00"/>
-                </a:highlight>
-                <a:latin typeface="Calibri" panose="020F0502020204030204" pitchFamily="34" charset="0"/>
-                <a:cs typeface="Times New Roman" panose="02020603050405020304" pitchFamily="18" charset="0"/>
-              </a:rPr>
-              <a:t>, int) : </a:t>
-            </a:r>
-            <a:r>
-              <a:rPr lang="en-US" altLang="en-US" sz="1100" u="sng" dirty="0" err="1">
-                <a:highlight>
-                  <a:srgbClr val="00FF00"/>
-                </a:highlight>
-                <a:latin typeface="Calibri" panose="020F0502020204030204" pitchFamily="34" charset="0"/>
-                <a:cs typeface="Times New Roman" panose="02020603050405020304" pitchFamily="18" charset="0"/>
-              </a:rPr>
-              <a:t>RoguelikeObject</a:t>
-            </a:r>
-            <a:endParaRPr lang="en-US" altLang="en-US" sz="1100" u="sng" dirty="0">
-              <a:highlight>
-                <a:srgbClr val="00FF00"/>
-              </a:highlight>
-              <a:latin typeface="Calibri" panose="020F0502020204030204" pitchFamily="34" charset="0"/>
-              <a:cs typeface="Times New Roman" panose="02020603050405020304" pitchFamily="18" charset="0"/>
-            </a:endParaRPr>
-          </a:p>
-          <a:p>
-            <a:pPr defTabSz="914400" eaLnBrk="0" fontAlgn="base" hangingPunct="0">
-              <a:spcBef>
-                <a:spcPct val="0"/>
-              </a:spcBef>
-              <a:spcAft>
-                <a:spcPct val="0"/>
-              </a:spcAft>
-            </a:pPr>
-            <a:r>
-              <a:rPr lang="en-US" altLang="en-US" sz="1100" dirty="0">
-                <a:highlight>
-                  <a:srgbClr val="00FF00"/>
-                </a:highlight>
-                <a:latin typeface="Calibri" panose="020F0502020204030204" pitchFamily="34" charset="0"/>
-                <a:cs typeface="Times New Roman" panose="02020603050405020304" pitchFamily="18" charset="0"/>
-              </a:rPr>
-              <a:t>+ </a:t>
-            </a:r>
-            <a:r>
-              <a:rPr lang="en-US" altLang="en-US" sz="1100" dirty="0" err="1">
-                <a:highlight>
-                  <a:srgbClr val="00FF00"/>
-                </a:highlight>
-                <a:latin typeface="Calibri" panose="020F0502020204030204" pitchFamily="34" charset="0"/>
-                <a:cs typeface="Times New Roman" panose="02020603050405020304" pitchFamily="18" charset="0"/>
-              </a:rPr>
-              <a:t>ToggleRoguelikeObjectSprite</a:t>
-            </a:r>
-            <a:r>
-              <a:rPr lang="en-US" altLang="en-US" sz="1100" dirty="0">
-                <a:highlight>
-                  <a:srgbClr val="00FF00"/>
-                </a:highlight>
-                <a:latin typeface="Calibri" panose="020F0502020204030204" pitchFamily="34" charset="0"/>
-                <a:cs typeface="Times New Roman" panose="02020603050405020304" pitchFamily="18" charset="0"/>
-              </a:rPr>
-              <a:t>() : </a:t>
-            </a:r>
-            <a:r>
-              <a:rPr lang="en-US" altLang="en-US" sz="1100" dirty="0" err="1">
-                <a:highlight>
-                  <a:srgbClr val="00FF00"/>
-                </a:highlight>
-                <a:latin typeface="Calibri" panose="020F0502020204030204" pitchFamily="34" charset="0"/>
-                <a:cs typeface="Times New Roman" panose="02020603050405020304" pitchFamily="18" charset="0"/>
-              </a:rPr>
-              <a:t>IEnumerator</a:t>
-            </a:r>
             <a:endParaRPr lang="en-US" altLang="en-US" sz="1100" dirty="0">
-              <a:highlight>
-                <a:srgbClr val="00FF00"/>
-              </a:highlight>
-              <a:latin typeface="Calibri" panose="020F0502020204030204" pitchFamily="34" charset="0"/>
               <a:cs typeface="Times New Roman" panose="02020603050405020304" pitchFamily="18" charset="0"/>
             </a:endParaRPr>
           </a:p>
@@ -4460,8 +4121,8 @@
         </p:nvSpPr>
         <p:spPr bwMode="auto">
           <a:xfrm>
-            <a:off x="8929596" y="2556669"/>
-            <a:ext cx="3619734" cy="3282156"/>
+            <a:off x="8929596" y="2556668"/>
+            <a:ext cx="3619734" cy="3526631"/>
           </a:xfrm>
           <a:prstGeom prst="rect">
             <a:avLst/>
@@ -4496,18 +4157,12 @@
             </a:pPr>
             <a:r>
               <a:rPr lang="en-US" altLang="en-US" sz="1100" i="1" dirty="0" err="1">
-                <a:highlight>
-                  <a:srgbClr val="00FF00"/>
-                </a:highlight>
                 <a:ea typeface="Calibri" panose="020F0502020204030204" pitchFamily="34" charset="0"/>
                 <a:cs typeface="Times New Roman" panose="02020603050405020304" pitchFamily="18" charset="0"/>
               </a:rPr>
               <a:t>WorldObject</a:t>
             </a:r>
             <a:endParaRPr lang="en-US" altLang="en-US" sz="1100" i="1" dirty="0">
-              <a:highlight>
-                <a:srgbClr val="00FF00"/>
-              </a:highlight>
               <a:ea typeface="Calibri" panose="020F0502020204030204" pitchFamily="34" charset="0"/>
               <a:cs typeface="Times New Roman" panose="02020603050405020304" pitchFamily="18" charset="0"/>
             </a:endParaRPr>
@@ -4523,9 +4178,6 @@
             </a:pPr>
             <a:r>
               <a:rPr lang="en-US" altLang="en-US" sz="1100" i="1" dirty="0">
-                <a:highlight>
-                  <a:srgbClr val="00FF00"/>
-                </a:highlight>
                 <a:ea typeface="Calibri" panose="020F0502020204030204" pitchFamily="34" charset="0"/>
                 <a:cs typeface="Times New Roman" panose="02020603050405020304" pitchFamily="18" charset="0"/>
               </a:rPr>
@@ -4543,9 +4195,6 @@
             </a:pPr>
             <a:r>
               <a:rPr lang="en-US" altLang="en-US" sz="1100" dirty="0">
-                <a:highlight>
-                  <a:srgbClr val="00FF00"/>
-                </a:highlight>
                 <a:ea typeface="Calibri" panose="020F0502020204030204" pitchFamily="34" charset="0"/>
                 <a:cs typeface="Times New Roman" panose="02020603050405020304" pitchFamily="18" charset="0"/>
               </a:rPr>
@@ -4553,9 +4202,6 @@
             </a:r>
             <a:r>
               <a:rPr lang="en-US" altLang="en-US" sz="1100" u="sng" dirty="0" err="1">
-                <a:highlight>
-                  <a:srgbClr val="00FF00"/>
-                </a:highlight>
                 <a:ea typeface="Calibri" panose="020F0502020204030204" pitchFamily="34" charset="0"/>
                 <a:cs typeface="Times New Roman" panose="02020603050405020304" pitchFamily="18" charset="0"/>
               </a:rPr>
@@ -4563,9 +4209,6 @@
             </a:r>
             <a:r>
               <a:rPr lang="en-US" altLang="en-US" sz="1100" u="sng" dirty="0">
-                <a:highlight>
-                  <a:srgbClr val="00FF00"/>
-                </a:highlight>
                 <a:ea typeface="Calibri" panose="020F0502020204030204" pitchFamily="34" charset="0"/>
                 <a:cs typeface="Times New Roman" panose="02020603050405020304" pitchFamily="18" charset="0"/>
               </a:rPr>
@@ -4573,9 +4216,6 @@
             </a:r>
             <a:r>
               <a:rPr lang="en-US" altLang="en-US" sz="1100" u="sng" dirty="0" err="1">
-                <a:highlight>
-                  <a:srgbClr val="00FF00"/>
-                </a:highlight>
                 <a:ea typeface="Calibri" panose="020F0502020204030204" pitchFamily="34" charset="0"/>
                 <a:cs typeface="Times New Roman" panose="02020603050405020304" pitchFamily="18" charset="0"/>
               </a:rPr>
@@ -4583,9 +4223,6 @@
             </a:r>
             <a:r>
               <a:rPr lang="en-US" altLang="en-US" sz="1100" u="sng" dirty="0">
-                <a:highlight>
-                  <a:srgbClr val="00FF00"/>
-                </a:highlight>
                 <a:ea typeface="Calibri" panose="020F0502020204030204" pitchFamily="34" charset="0"/>
                 <a:cs typeface="Times New Roman" panose="02020603050405020304" pitchFamily="18" charset="0"/>
               </a:rPr>
@@ -4603,9 +4240,6 @@
             </a:pPr>
             <a:r>
               <a:rPr lang="en-US" altLang="en-US" sz="1100" dirty="0">
-                <a:highlight>
-                  <a:srgbClr val="00FF00"/>
-                </a:highlight>
                 <a:cs typeface="Times New Roman" panose="02020603050405020304" pitchFamily="18" charset="0"/>
               </a:rPr>
               <a:t>+ worldSprite1 : Sprite</a:t>
@@ -4622,9 +4256,6 @@
             </a:pPr>
             <a:r>
               <a:rPr lang="en-US" altLang="en-US" sz="1100" dirty="0">
-                <a:highlight>
-                  <a:srgbClr val="00FF00"/>
-                </a:highlight>
                 <a:cs typeface="Times New Roman" panose="02020603050405020304" pitchFamily="18" charset="0"/>
               </a:rPr>
               <a:t>+ worldSprite2 : Sprite</a:t>
@@ -4641,35 +4272,96 @@
             </a:pPr>
             <a:r>
               <a:rPr lang="en-US" altLang="en-US" sz="1100" dirty="0">
-                <a:highlight>
-                  <a:srgbClr val="00FF00"/>
-                </a:highlight>
+                <a:ea typeface="Calibri" panose="020F0502020204030204" pitchFamily="34" charset="0"/>
+                <a:cs typeface="Times New Roman" panose="02020603050405020304" pitchFamily="18" charset="0"/>
+              </a:rPr>
+              <a:t>+ placed : bool</a:t>
+            </a:r>
+            <a:endParaRPr lang="en-US" altLang="en-US" sz="1100" dirty="0">
+              <a:cs typeface="Times New Roman" panose="02020603050405020304" pitchFamily="18" charset="0"/>
+            </a:endParaRPr>
+          </a:p>
+          <a:p>
+            <a:pPr defTabSz="914400" eaLnBrk="0" fontAlgn="base" hangingPunct="0">
+              <a:spcBef>
+                <a:spcPct val="0"/>
+              </a:spcBef>
+              <a:spcAft>
+                <a:spcPct val="0"/>
+              </a:spcAft>
+            </a:pPr>
+            <a:r>
+              <a:rPr lang="en-US" altLang="en-US" sz="1100" dirty="0">
                 <a:cs typeface="Times New Roman" panose="02020603050405020304" pitchFamily="18" charset="0"/>
               </a:rPr>
               <a:t>- </a:t>
             </a:r>
             <a:r>
               <a:rPr lang="en-US" altLang="en-US" sz="1100" dirty="0" err="1">
-                <a:highlight>
-                  <a:srgbClr val="00FF00"/>
-                </a:highlight>
                 <a:cs typeface="Times New Roman" panose="02020603050405020304" pitchFamily="18" charset="0"/>
               </a:rPr>
               <a:t>pathfindingCost</a:t>
             </a:r>
             <a:r>
               <a:rPr lang="en-US" altLang="en-US" sz="1100" dirty="0">
-                <a:highlight>
-                  <a:srgbClr val="00FF00"/>
-                </a:highlight>
                 <a:cs typeface="Times New Roman" panose="02020603050405020304" pitchFamily="18" charset="0"/>
               </a:rPr>
               <a:t> : float</a:t>
             </a:r>
-            <a:endParaRPr lang="en-US" altLang="en-US" sz="1100" dirty="0">
-              <a:highlight>
-                <a:srgbClr val="00FF00"/>
-              </a:highlight>
+            <a:endParaRPr lang="en-US" altLang="en-US" sz="1100" dirty="0"/>
+          </a:p>
+          <a:p>
+            <a:pPr defTabSz="914400" eaLnBrk="0" fontAlgn="base" hangingPunct="0">
+              <a:spcBef>
+                <a:spcPct val="0"/>
+              </a:spcBef>
+              <a:spcAft>
+                <a:spcPct val="0"/>
+              </a:spcAft>
+            </a:pPr>
+            <a:r>
+              <a:rPr lang="en-US" altLang="en-US" sz="1100" i="1" dirty="0">
+                <a:ea typeface="Calibri" panose="020F0502020204030204" pitchFamily="34" charset="0"/>
+                <a:cs typeface="Times New Roman" panose="02020603050405020304" pitchFamily="18" charset="0"/>
+              </a:rPr>
+              <a:t>-----------------------------------------------------------------</a:t>
+            </a:r>
+          </a:p>
+          <a:p>
+            <a:pPr defTabSz="914400" eaLnBrk="0" fontAlgn="base" hangingPunct="0">
+              <a:spcBef>
+                <a:spcPct val="0"/>
+              </a:spcBef>
+              <a:spcAft>
+                <a:spcPct val="0"/>
+              </a:spcAft>
+            </a:pPr>
+            <a:r>
+              <a:rPr lang="en-US" altLang="en-US" sz="1100" dirty="0">
+                <a:cs typeface="Times New Roman" panose="02020603050405020304" pitchFamily="18" charset="0"/>
+              </a:rPr>
+              <a:t>+ </a:t>
+            </a:r>
+            <a:r>
+              <a:rPr lang="en-US" altLang="en-US" sz="1100" u="sng" dirty="0" err="1">
+                <a:cs typeface="Times New Roman" panose="02020603050405020304" pitchFamily="18" charset="0"/>
+              </a:rPr>
+              <a:t>MakeAndPlaceWorldObject</a:t>
+            </a:r>
+            <a:r>
+              <a:rPr lang="en-US" altLang="en-US" sz="1100" u="sng" dirty="0">
+                <a:cs typeface="Times New Roman" panose="02020603050405020304" pitchFamily="18" charset="0"/>
+              </a:rPr>
+              <a:t>() : </a:t>
+            </a:r>
+            <a:r>
+              <a:rPr lang="en-US" altLang="en-US" sz="1100" u="sng" dirty="0" err="1">
+                <a:cs typeface="Times New Roman" panose="02020603050405020304" pitchFamily="18" charset="0"/>
+              </a:rPr>
+              <a:t>WorldObject</a:t>
+            </a:r>
+            <a:endParaRPr lang="en-US" altLang="en-US" sz="1100" u="sng" dirty="0">
+              <a:cs typeface="Times New Roman" panose="02020603050405020304" pitchFamily="18" charset="0"/>
             </a:endParaRPr>
           </a:p>
           <a:p>
@@ -4683,18 +4375,224 @@
             </a:pPr>
             <a:r>
               <a:rPr lang="en-US" altLang="en-US" sz="1100" dirty="0">
-                <a:highlight>
-                  <a:srgbClr val="00FF00"/>
-                </a:highlight>
-                <a:ea typeface="Calibri" panose="020F0502020204030204" pitchFamily="34" charset="0"/>
-                <a:cs typeface="Times New Roman" panose="02020603050405020304" pitchFamily="18" charset="0"/>
-              </a:rPr>
-              <a:t>+ placed : bool</a:t>
-            </a:r>
-            <a:endParaRPr lang="en-US" altLang="en-US" sz="1100" dirty="0">
-              <a:highlight>
-                <a:srgbClr val="00FF00"/>
-              </a:highlight>
+                <a:cs typeface="Times New Roman" panose="02020603050405020304" pitchFamily="18" charset="0"/>
+              </a:rPr>
+              <a:t>+ Place(Vector2Int) : bool</a:t>
+            </a:r>
+          </a:p>
+          <a:p>
+            <a:pPr defTabSz="914400" eaLnBrk="0" fontAlgn="base" hangingPunct="0">
+              <a:spcBef>
+                <a:spcPct val="0"/>
+              </a:spcBef>
+              <a:spcAft>
+                <a:spcPct val="0"/>
+              </a:spcAft>
+            </a:pPr>
+            <a:r>
+              <a:rPr lang="en-US" altLang="en-US" sz="1100" dirty="0">
+                <a:cs typeface="Times New Roman" panose="02020603050405020304" pitchFamily="18" charset="0"/>
+              </a:rPr>
+              <a:t>+ Take(Vector2Int) : bool</a:t>
+            </a:r>
+          </a:p>
+          <a:p>
+            <a:pPr defTabSz="914400" eaLnBrk="0" fontAlgn="base" hangingPunct="0">
+              <a:spcBef>
+                <a:spcPct val="0"/>
+              </a:spcBef>
+              <a:spcAft>
+                <a:spcPct val="0"/>
+              </a:spcAft>
+            </a:pPr>
+            <a:r>
+              <a:rPr lang="en-US" altLang="en-US" sz="1100" dirty="0">
+                <a:cs typeface="Times New Roman" panose="02020603050405020304" pitchFamily="18" charset="0"/>
+              </a:rPr>
+              <a:t>+ </a:t>
+            </a:r>
+            <a:r>
+              <a:rPr lang="en-US" altLang="en-US" sz="1100" dirty="0" err="1">
+                <a:cs typeface="Times New Roman" panose="02020603050405020304" pitchFamily="18" charset="0"/>
+              </a:rPr>
+              <a:t>GetInventoryBelow</a:t>
+            </a:r>
+            <a:r>
+              <a:rPr lang="en-US" altLang="en-US" sz="1100" dirty="0">
+                <a:cs typeface="Times New Roman" panose="02020603050405020304" pitchFamily="18" charset="0"/>
+              </a:rPr>
+              <a:t>() : Inventory</a:t>
+            </a:r>
+          </a:p>
+          <a:p>
+            <a:pPr defTabSz="914400" eaLnBrk="0" fontAlgn="base" hangingPunct="0">
+              <a:spcBef>
+                <a:spcPct val="0"/>
+              </a:spcBef>
+              <a:spcAft>
+                <a:spcPct val="0"/>
+              </a:spcAft>
+            </a:pPr>
+            <a:r>
+              <a:rPr lang="en-US" altLang="en-US" sz="1100" i="1" dirty="0">
+                <a:cs typeface="Times New Roman" panose="02020603050405020304" pitchFamily="18" charset="0"/>
+              </a:rPr>
+              <a:t>+ </a:t>
+            </a:r>
+            <a:r>
+              <a:rPr lang="en-US" altLang="en-US" sz="1100" i="1" dirty="0" err="1">
+                <a:cs typeface="Times New Roman" panose="02020603050405020304" pitchFamily="18" charset="0"/>
+              </a:rPr>
+              <a:t>GetWorldSprite</a:t>
+            </a:r>
+            <a:r>
+              <a:rPr lang="en-US" altLang="en-US" sz="1100" i="1" dirty="0">
+                <a:cs typeface="Times New Roman" panose="02020603050405020304" pitchFamily="18" charset="0"/>
+              </a:rPr>
+              <a:t>() : Sprite</a:t>
+            </a:r>
+          </a:p>
+          <a:p>
+            <a:pPr defTabSz="914400" eaLnBrk="0" fontAlgn="base" hangingPunct="0">
+              <a:spcBef>
+                <a:spcPct val="0"/>
+              </a:spcBef>
+              <a:spcAft>
+                <a:spcPct val="0"/>
+              </a:spcAft>
+            </a:pPr>
+            <a:r>
+              <a:rPr lang="en-US" altLang="en-US" sz="1100" i="1" dirty="0">
+                <a:cs typeface="Times New Roman" panose="02020603050405020304" pitchFamily="18" charset="0"/>
+              </a:rPr>
+              <a:t>+ </a:t>
+            </a:r>
+            <a:r>
+              <a:rPr lang="en-US" altLang="en-US" sz="1100" i="1" dirty="0" err="1">
+                <a:cs typeface="Times New Roman" panose="02020603050405020304" pitchFamily="18" charset="0"/>
+              </a:rPr>
+              <a:t>isSpaceFree</a:t>
+            </a:r>
+            <a:r>
+              <a:rPr lang="en-US" altLang="en-US" sz="1100" i="1" dirty="0">
+                <a:cs typeface="Times New Roman" panose="02020603050405020304" pitchFamily="18" charset="0"/>
+              </a:rPr>
+              <a:t>(Vector2Int): bool</a:t>
+            </a:r>
+          </a:p>
+          <a:p>
+            <a:pPr defTabSz="914400" eaLnBrk="0" fontAlgn="base" hangingPunct="0">
+              <a:spcBef>
+                <a:spcPct val="0"/>
+              </a:spcBef>
+              <a:spcAft>
+                <a:spcPct val="0"/>
+              </a:spcAft>
+            </a:pPr>
+            <a:r>
+              <a:rPr lang="en-US" altLang="en-US" sz="1100" i="1" dirty="0">
+                <a:cs typeface="Times New Roman" panose="02020603050405020304" pitchFamily="18" charset="0"/>
+              </a:rPr>
+              <a:t>+ </a:t>
+            </a:r>
+            <a:r>
+              <a:rPr lang="en-US" altLang="en-US" sz="1100" i="1" dirty="0" err="1">
+                <a:cs typeface="Times New Roman" panose="02020603050405020304" pitchFamily="18" charset="0"/>
+              </a:rPr>
+              <a:t>GetWorldObjectInventory</a:t>
+            </a:r>
+            <a:r>
+              <a:rPr lang="en-US" altLang="en-US" sz="1100" i="1" dirty="0">
+                <a:cs typeface="Times New Roman" panose="02020603050405020304" pitchFamily="18" charset="0"/>
+              </a:rPr>
+              <a:t>(Vector2Int) : Inventory</a:t>
+            </a:r>
+          </a:p>
+          <a:p>
+            <a:pPr defTabSz="914400" eaLnBrk="0" fontAlgn="base" hangingPunct="0">
+              <a:spcBef>
+                <a:spcPct val="0"/>
+              </a:spcBef>
+              <a:spcAft>
+                <a:spcPct val="0"/>
+              </a:spcAft>
+            </a:pPr>
+            <a:r>
+              <a:rPr lang="en-US" altLang="en-US" sz="1100" i="1" dirty="0">
+                <a:cs typeface="Times New Roman" panose="02020603050405020304" pitchFamily="18" charset="0"/>
+              </a:rPr>
+              <a:t>+ </a:t>
+            </a:r>
+            <a:r>
+              <a:rPr lang="en-US" altLang="en-US" sz="1100" i="1" dirty="0" err="1">
+                <a:cs typeface="Times New Roman" panose="02020603050405020304" pitchFamily="18" charset="0"/>
+              </a:rPr>
+              <a:t>GetPathfindingCost</a:t>
+            </a:r>
+            <a:r>
+              <a:rPr lang="en-US" altLang="en-US" sz="1100" i="1" dirty="0">
+                <a:cs typeface="Times New Roman" panose="02020603050405020304" pitchFamily="18" charset="0"/>
+              </a:rPr>
+              <a:t>() : float</a:t>
+            </a:r>
+          </a:p>
+          <a:p>
+            <a:pPr defTabSz="914400" eaLnBrk="0" fontAlgn="base" hangingPunct="0">
+              <a:spcBef>
+                <a:spcPct val="0"/>
+              </a:spcBef>
+              <a:spcAft>
+                <a:spcPct val="0"/>
+              </a:spcAft>
+            </a:pPr>
+            <a:r>
+              <a:rPr lang="en-US" altLang="en-US" sz="1100" i="1" dirty="0">
+                <a:cs typeface="Times New Roman" panose="02020603050405020304" pitchFamily="18" charset="0"/>
+              </a:rPr>
+              <a:t>+ </a:t>
+            </a:r>
+            <a:r>
+              <a:rPr lang="en-US" altLang="en-US" sz="1100" i="1" dirty="0" err="1">
+                <a:cs typeface="Times New Roman" panose="02020603050405020304" pitchFamily="18" charset="0"/>
+              </a:rPr>
+              <a:t>MoveToLocation</a:t>
+            </a:r>
+            <a:r>
+              <a:rPr lang="en-US" altLang="en-US" sz="1100" i="1" dirty="0">
+                <a:cs typeface="Times New Roman" panose="02020603050405020304" pitchFamily="18" charset="0"/>
+              </a:rPr>
+              <a:t>(Vector2Int) : bool</a:t>
+            </a:r>
+          </a:p>
+          <a:p>
+            <a:pPr defTabSz="914400" eaLnBrk="0" fontAlgn="base" hangingPunct="0">
+              <a:spcBef>
+                <a:spcPct val="0"/>
+              </a:spcBef>
+              <a:spcAft>
+                <a:spcPct val="0"/>
+              </a:spcAft>
+            </a:pPr>
+            <a:r>
+              <a:rPr lang="en-US" altLang="en-US" sz="1100" dirty="0">
+                <a:cs typeface="Times New Roman" panose="02020603050405020304" pitchFamily="18" charset="0"/>
+              </a:rPr>
+              <a:t>+ </a:t>
+            </a:r>
+            <a:r>
+              <a:rPr lang="en-US" altLang="en-US" sz="1100" dirty="0" err="1">
+                <a:cs typeface="Times New Roman" panose="02020603050405020304" pitchFamily="18" charset="0"/>
+              </a:rPr>
+              <a:t>GetCurrentSprite</a:t>
+            </a:r>
+            <a:r>
+              <a:rPr lang="en-US" altLang="en-US" sz="1100" dirty="0">
+                <a:cs typeface="Times New Roman" panose="02020603050405020304" pitchFamily="18" charset="0"/>
+              </a:rPr>
+              <a:t>() : Sprite &lt;&lt;override&gt;&gt;</a:t>
+            </a:r>
+            <a:endParaRPr lang="en-US" altLang="en-US" sz="1100" i="1" dirty="0">
+              <a:cs typeface="Times New Roman" panose="02020603050405020304" pitchFamily="18" charset="0"/>
             </a:endParaRPr>
           </a:p>
           <a:p>
@@ -4707,16 +4605,62 @@
               </a:spcAft>
             </a:pPr>
             <a:r>
-              <a:rPr lang="en-US" altLang="en-US" sz="1100" i="1" dirty="0">
-                <a:highlight>
-                  <a:srgbClr val="00FF00"/>
-                </a:highlight>
-                <a:ea typeface="Calibri" panose="020F0502020204030204" pitchFamily="34" charset="0"/>
-                <a:cs typeface="Times New Roman" panose="02020603050405020304" pitchFamily="18" charset="0"/>
-              </a:rPr>
-              <a:t>-----------------------------------------------------------------</a:t>
-            </a:r>
-            <a:endParaRPr lang="en-US" altLang="en-US" sz="1100" dirty="0">
+              <a:rPr lang="en-US" altLang="en-US" sz="1100" dirty="0">
+                <a:cs typeface="Times New Roman" panose="02020603050405020304" pitchFamily="18" charset="0"/>
+              </a:rPr>
+              <a:t>+ </a:t>
+            </a:r>
+            <a:r>
+              <a:rPr lang="en-US" altLang="en-US" sz="1100" dirty="0" err="1">
+                <a:cs typeface="Times New Roman" panose="02020603050405020304" pitchFamily="18" charset="0"/>
+              </a:rPr>
+              <a:t>DestroyObject</a:t>
+            </a:r>
+            <a:r>
+              <a:rPr lang="en-US" altLang="en-US" sz="1100" dirty="0">
+                <a:cs typeface="Times New Roman" panose="02020603050405020304" pitchFamily="18" charset="0"/>
+              </a:rPr>
+              <a:t>() : void &lt;&lt;override&gt;&gt;</a:t>
+            </a:r>
+          </a:p>
+          <a:p>
+            <a:pPr defTabSz="914400" eaLnBrk="0" fontAlgn="base" hangingPunct="0">
+              <a:spcBef>
+                <a:spcPct val="0"/>
+              </a:spcBef>
+              <a:spcAft>
+                <a:spcPct val="0"/>
+              </a:spcAft>
+            </a:pPr>
+            <a:r>
+              <a:rPr lang="en-US" altLang="en-US" sz="1100" dirty="0">
+                <a:cs typeface="Times New Roman" panose="02020603050405020304" pitchFamily="18" charset="0"/>
+              </a:rPr>
+              <a:t>+ </a:t>
+            </a:r>
+            <a:r>
+              <a:rPr lang="en-US" altLang="en-US" sz="1100" dirty="0" err="1">
+                <a:cs typeface="Times New Roman" panose="02020603050405020304" pitchFamily="18" charset="0"/>
+              </a:rPr>
+              <a:t>OnCreate</a:t>
+            </a:r>
+            <a:r>
+              <a:rPr lang="en-US" altLang="en-US" sz="1100" dirty="0">
+                <a:cs typeface="Times New Roman" panose="02020603050405020304" pitchFamily="18" charset="0"/>
+              </a:rPr>
+              <a:t>() : void &lt;&lt;override&gt;&gt;</a:t>
+            </a:r>
+          </a:p>
+          <a:p>
+            <a:pPr defTabSz="914400" eaLnBrk="0" fontAlgn="base" hangingPunct="0">
+              <a:spcBef>
+                <a:spcPct val="0"/>
+              </a:spcBef>
+              <a:spcAft>
+                <a:spcPct val="0"/>
+              </a:spcAft>
+            </a:pPr>
+            <a:endParaRPr lang="en-US" altLang="en-US" sz="1100" i="1" dirty="0">
               <a:highlight>
                 <a:srgbClr val="00FF00"/>
               </a:highlight>
@@ -4732,343 +4676,7 @@
                 <a:spcPct val="0"/>
               </a:spcAft>
             </a:pPr>
-            <a:r>
-              <a:rPr lang="en-US" altLang="en-US" sz="1100" dirty="0">
-                <a:highlight>
-                  <a:srgbClr val="00FF00"/>
-                </a:highlight>
-                <a:cs typeface="Times New Roman" panose="02020603050405020304" pitchFamily="18" charset="0"/>
-              </a:rPr>
-              <a:t>+ </a:t>
-            </a:r>
-            <a:r>
-              <a:rPr lang="en-US" altLang="en-US" sz="1100" dirty="0" err="1">
-                <a:highlight>
-                  <a:srgbClr val="00FF00"/>
-                </a:highlight>
-                <a:cs typeface="Times New Roman" panose="02020603050405020304" pitchFamily="18" charset="0"/>
-              </a:rPr>
-              <a:t>GetCurrentSprite</a:t>
-            </a:r>
-            <a:r>
-              <a:rPr lang="en-US" altLang="en-US" sz="1100" dirty="0">
-                <a:highlight>
-                  <a:srgbClr val="00FF00"/>
-                </a:highlight>
-                <a:cs typeface="Times New Roman" panose="02020603050405020304" pitchFamily="18" charset="0"/>
-              </a:rPr>
-              <a:t>() : Sprite &lt;&lt;override&gt;&gt;</a:t>
-            </a:r>
-          </a:p>
-          <a:p>
-            <a:pPr defTabSz="914400" eaLnBrk="0" fontAlgn="base" hangingPunct="0">
-              <a:spcBef>
-                <a:spcPct val="0"/>
-              </a:spcBef>
-              <a:spcAft>
-                <a:spcPct val="0"/>
-              </a:spcAft>
-            </a:pPr>
-            <a:r>
-              <a:rPr lang="en-US" altLang="en-US" sz="1100" i="1" dirty="0">
-                <a:highlight>
-                  <a:srgbClr val="00FF00"/>
-                </a:highlight>
-                <a:cs typeface="Times New Roman" panose="02020603050405020304" pitchFamily="18" charset="0"/>
-              </a:rPr>
-              <a:t>+ </a:t>
-            </a:r>
-            <a:r>
-              <a:rPr lang="en-US" altLang="en-US" sz="1100" i="1" dirty="0" err="1">
-                <a:highlight>
-                  <a:srgbClr val="00FF00"/>
-                </a:highlight>
-                <a:cs typeface="Times New Roman" panose="02020603050405020304" pitchFamily="18" charset="0"/>
-              </a:rPr>
-              <a:t>GetWorldSprite</a:t>
-            </a:r>
-            <a:r>
-              <a:rPr lang="en-US" altLang="en-US" sz="1100" i="1" dirty="0">
-                <a:highlight>
-                  <a:srgbClr val="00FF00"/>
-                </a:highlight>
-                <a:cs typeface="Times New Roman" panose="02020603050405020304" pitchFamily="18" charset="0"/>
-              </a:rPr>
-              <a:t>() : Sprite</a:t>
-            </a:r>
-          </a:p>
-          <a:p>
-            <a:pPr defTabSz="914400" eaLnBrk="0" fontAlgn="base" hangingPunct="0">
-              <a:spcBef>
-                <a:spcPct val="0"/>
-              </a:spcBef>
-              <a:spcAft>
-                <a:spcPct val="0"/>
-              </a:spcAft>
-            </a:pPr>
-            <a:r>
-              <a:rPr lang="en-US" altLang="en-US" sz="1100" dirty="0">
-                <a:highlight>
-                  <a:srgbClr val="00FF00"/>
-                </a:highlight>
-                <a:cs typeface="Times New Roman" panose="02020603050405020304" pitchFamily="18" charset="0"/>
-              </a:rPr>
-              <a:t>+ </a:t>
-            </a:r>
-            <a:r>
-              <a:rPr lang="en-US" altLang="en-US" sz="1100" dirty="0" err="1">
-                <a:highlight>
-                  <a:srgbClr val="00FF00"/>
-                </a:highlight>
-                <a:cs typeface="Times New Roman" panose="02020603050405020304" pitchFamily="18" charset="0"/>
-              </a:rPr>
-              <a:t>DestroyObject</a:t>
-            </a:r>
-            <a:r>
-              <a:rPr lang="en-US" altLang="en-US" sz="1100" dirty="0">
-                <a:highlight>
-                  <a:srgbClr val="00FF00"/>
-                </a:highlight>
-                <a:cs typeface="Times New Roman" panose="02020603050405020304" pitchFamily="18" charset="0"/>
-              </a:rPr>
-              <a:t>() : void &lt;&lt;override&gt;&gt;</a:t>
-            </a:r>
-          </a:p>
-          <a:p>
-            <a:pPr defTabSz="914400" eaLnBrk="0" fontAlgn="base" hangingPunct="0">
-              <a:spcBef>
-                <a:spcPct val="0"/>
-              </a:spcBef>
-              <a:spcAft>
-                <a:spcPct val="0"/>
-              </a:spcAft>
-            </a:pPr>
-            <a:r>
-              <a:rPr lang="en-US" altLang="en-US" sz="1100" dirty="0">
-                <a:highlight>
-                  <a:srgbClr val="00FF00"/>
-                </a:highlight>
-                <a:cs typeface="Times New Roman" panose="02020603050405020304" pitchFamily="18" charset="0"/>
-              </a:rPr>
-              <a:t>+ </a:t>
-            </a:r>
-            <a:r>
-              <a:rPr lang="en-US" altLang="en-US" sz="1100" dirty="0" err="1">
-                <a:highlight>
-                  <a:srgbClr val="00FF00"/>
-                </a:highlight>
-                <a:cs typeface="Times New Roman" panose="02020603050405020304" pitchFamily="18" charset="0"/>
-              </a:rPr>
-              <a:t>OnCreate</a:t>
-            </a:r>
-            <a:r>
-              <a:rPr lang="en-US" altLang="en-US" sz="1100" dirty="0">
-                <a:highlight>
-                  <a:srgbClr val="00FF00"/>
-                </a:highlight>
-                <a:cs typeface="Times New Roman" panose="02020603050405020304" pitchFamily="18" charset="0"/>
-              </a:rPr>
-              <a:t>() : void &lt;&lt;override&gt;&gt;</a:t>
-            </a:r>
-          </a:p>
-          <a:p>
-            <a:pPr defTabSz="914400" eaLnBrk="0" fontAlgn="base" hangingPunct="0">
-              <a:spcBef>
-                <a:spcPct val="0"/>
-              </a:spcBef>
-              <a:spcAft>
-                <a:spcPct val="0"/>
-              </a:spcAft>
-            </a:pPr>
-            <a:r>
-              <a:rPr lang="en-US" altLang="en-US" sz="1100" i="1" dirty="0">
-                <a:highlight>
-                  <a:srgbClr val="00FF00"/>
-                </a:highlight>
-                <a:cs typeface="Times New Roman" panose="02020603050405020304" pitchFamily="18" charset="0"/>
-              </a:rPr>
-              <a:t>+ </a:t>
-            </a:r>
-            <a:r>
-              <a:rPr lang="en-US" altLang="en-US" sz="1100" i="1" dirty="0" err="1">
-                <a:highlight>
-                  <a:srgbClr val="00FF00"/>
-                </a:highlight>
-                <a:cs typeface="Times New Roman" panose="02020603050405020304" pitchFamily="18" charset="0"/>
-              </a:rPr>
-              <a:t>isSpaceFree</a:t>
-            </a:r>
-            <a:r>
-              <a:rPr lang="en-US" altLang="en-US" sz="1100" i="1" dirty="0">
-                <a:highlight>
-                  <a:srgbClr val="00FF00"/>
-                </a:highlight>
-                <a:cs typeface="Times New Roman" panose="02020603050405020304" pitchFamily="18" charset="0"/>
-              </a:rPr>
-              <a:t>(Vector2Int): bool</a:t>
-            </a:r>
-          </a:p>
-          <a:p>
-            <a:pPr defTabSz="914400" eaLnBrk="0" fontAlgn="base" hangingPunct="0">
-              <a:spcBef>
-                <a:spcPct val="0"/>
-              </a:spcBef>
-              <a:spcAft>
-                <a:spcPct val="0"/>
-              </a:spcAft>
-            </a:pPr>
-            <a:r>
-              <a:rPr lang="en-US" altLang="en-US" sz="1100" i="1" dirty="0">
-                <a:highlight>
-                  <a:srgbClr val="00FF00"/>
-                </a:highlight>
-                <a:cs typeface="Times New Roman" panose="02020603050405020304" pitchFamily="18" charset="0"/>
-              </a:rPr>
-              <a:t>+ </a:t>
-            </a:r>
-            <a:r>
-              <a:rPr lang="en-US" altLang="en-US" sz="1100" i="1" dirty="0" err="1">
-                <a:highlight>
-                  <a:srgbClr val="00FF00"/>
-                </a:highlight>
-                <a:cs typeface="Times New Roman" panose="02020603050405020304" pitchFamily="18" charset="0"/>
-              </a:rPr>
-              <a:t>GetWorldObjectInventory</a:t>
-            </a:r>
-            <a:r>
-              <a:rPr lang="en-US" altLang="en-US" sz="1100" i="1" dirty="0">
-                <a:highlight>
-                  <a:srgbClr val="00FF00"/>
-                </a:highlight>
-                <a:cs typeface="Times New Roman" panose="02020603050405020304" pitchFamily="18" charset="0"/>
-              </a:rPr>
-              <a:t>(Vector2Int) : Inventory</a:t>
-            </a:r>
-          </a:p>
-          <a:p>
-            <a:pPr defTabSz="914400" eaLnBrk="0" fontAlgn="base" hangingPunct="0">
-              <a:spcBef>
-                <a:spcPct val="0"/>
-              </a:spcBef>
-              <a:spcAft>
-                <a:spcPct val="0"/>
-              </a:spcAft>
-            </a:pPr>
-            <a:r>
-              <a:rPr lang="en-US" altLang="en-US" sz="1100" dirty="0">
-                <a:highlight>
-                  <a:srgbClr val="00FF00"/>
-                </a:highlight>
-                <a:cs typeface="Times New Roman" panose="02020603050405020304" pitchFamily="18" charset="0"/>
-              </a:rPr>
-              <a:t>+ Place(Vector2Int) : bool</a:t>
-            </a:r>
-          </a:p>
-          <a:p>
-            <a:pPr defTabSz="914400" eaLnBrk="0" fontAlgn="base" hangingPunct="0">
-              <a:spcBef>
-                <a:spcPct val="0"/>
-              </a:spcBef>
-              <a:spcAft>
-                <a:spcPct val="0"/>
-              </a:spcAft>
-            </a:pPr>
-            <a:r>
-              <a:rPr lang="en-US" altLang="en-US" sz="1100" dirty="0">
-                <a:highlight>
-                  <a:srgbClr val="00FF00"/>
-                </a:highlight>
-                <a:cs typeface="Times New Roman" panose="02020603050405020304" pitchFamily="18" charset="0"/>
-              </a:rPr>
-              <a:t>+ Take(Vector2Int) : bool</a:t>
-            </a:r>
-          </a:p>
-          <a:p>
-            <a:pPr defTabSz="914400" eaLnBrk="0" fontAlgn="base" hangingPunct="0">
-              <a:spcBef>
-                <a:spcPct val="0"/>
-              </a:spcBef>
-              <a:spcAft>
-                <a:spcPct val="0"/>
-              </a:spcAft>
-            </a:pPr>
-            <a:r>
-              <a:rPr lang="en-US" altLang="en-US" sz="1100" i="1" dirty="0">
-                <a:highlight>
-                  <a:srgbClr val="00FF00"/>
-                </a:highlight>
-                <a:cs typeface="Times New Roman" panose="02020603050405020304" pitchFamily="18" charset="0"/>
-              </a:rPr>
-              <a:t>+ </a:t>
-            </a:r>
-            <a:r>
-              <a:rPr lang="en-US" altLang="en-US" sz="1100" i="1" dirty="0" err="1">
-                <a:highlight>
-                  <a:srgbClr val="00FF00"/>
-                </a:highlight>
-                <a:cs typeface="Times New Roman" panose="02020603050405020304" pitchFamily="18" charset="0"/>
-              </a:rPr>
-              <a:t>GetPathfindingCost</a:t>
-            </a:r>
-            <a:r>
-              <a:rPr lang="en-US" altLang="en-US" sz="1100" i="1" dirty="0">
-                <a:highlight>
-                  <a:srgbClr val="00FF00"/>
-                </a:highlight>
-                <a:cs typeface="Times New Roman" panose="02020603050405020304" pitchFamily="18" charset="0"/>
-              </a:rPr>
-              <a:t>() : float</a:t>
-            </a:r>
-          </a:p>
-          <a:p>
-            <a:pPr defTabSz="914400" eaLnBrk="0" fontAlgn="base" hangingPunct="0">
-              <a:spcBef>
-                <a:spcPct val="0"/>
-              </a:spcBef>
-              <a:spcAft>
-                <a:spcPct val="0"/>
-              </a:spcAft>
-            </a:pPr>
-            <a:r>
-              <a:rPr lang="en-US" altLang="en-US" sz="1100" dirty="0">
-                <a:highlight>
-                  <a:srgbClr val="00FF00"/>
-                </a:highlight>
-                <a:cs typeface="Times New Roman" panose="02020603050405020304" pitchFamily="18" charset="0"/>
-              </a:rPr>
-              <a:t>+ </a:t>
-            </a:r>
-            <a:r>
-              <a:rPr lang="en-US" altLang="en-US" sz="1100" u="sng" dirty="0" err="1">
-                <a:highlight>
-                  <a:srgbClr val="00FF00"/>
-                </a:highlight>
-                <a:cs typeface="Times New Roman" panose="02020603050405020304" pitchFamily="18" charset="0"/>
-              </a:rPr>
-              <a:t>MakeAndPlaceWorldObject</a:t>
-            </a:r>
-            <a:r>
-              <a:rPr lang="en-US" altLang="en-US" sz="1100" u="sng" dirty="0">
-                <a:highlight>
-                  <a:srgbClr val="00FF00"/>
-                </a:highlight>
-                <a:cs typeface="Times New Roman" panose="02020603050405020304" pitchFamily="18" charset="0"/>
-              </a:rPr>
-              <a:t>() : </a:t>
-            </a:r>
-            <a:r>
-              <a:rPr lang="en-US" altLang="en-US" sz="1100" u="sng" dirty="0" err="1">
-                <a:highlight>
-                  <a:srgbClr val="00FF00"/>
-                </a:highlight>
-                <a:cs typeface="Times New Roman" panose="02020603050405020304" pitchFamily="18" charset="0"/>
-              </a:rPr>
-              <a:t>WorldObject</a:t>
-            </a:r>
-            <a:endParaRPr lang="en-US" altLang="en-US" sz="1100" u="sng" dirty="0">
-              <a:highlight>
-                <a:srgbClr val="00FF00"/>
-              </a:highlight>
+            <a:endParaRPr lang="en-US" altLang="en-US" sz="1100" dirty="0">
               <a:cs typeface="Times New Roman" panose="02020603050405020304" pitchFamily="18" charset="0"/>
             </a:endParaRPr>
           </a:p>
@@ -5081,21 +4689,7 @@
                 <a:spcPct val="0"/>
               </a:spcAft>
             </a:pPr>
-            <a:endParaRPr lang="en-US" altLang="en-US" sz="800" dirty="0">
-              <a:latin typeface="Arial" panose="020B0604020202020204" pitchFamily="34" charset="0"/>
-              <a:cs typeface="Times New Roman" panose="02020603050405020304" pitchFamily="18" charset="0"/>
-            </a:endParaRPr>
-          </a:p>
-          <a:p>
-            <a:pPr defTabSz="914400" eaLnBrk="0" fontAlgn="base" hangingPunct="0">
-              <a:spcBef>
-                <a:spcPct val="0"/>
-              </a:spcBef>
-              <a:spcAft>
-                <a:spcPct val="0"/>
-              </a:spcAft>
-            </a:pPr>
-            <a:endParaRPr lang="en-US" altLang="en-US" sz="800" dirty="0"/>
+            <a:endParaRPr lang="en-US" altLang="en-US" sz="1100" dirty="0"/>
           </a:p>
         </p:txBody>
       </p:sp>
@@ -5151,35 +4745,24 @@
             </a:pPr>
             <a:r>
               <a:rPr lang="en-US" altLang="en-US" sz="1100" i="1" dirty="0">
-                <a:highlight>
-                  <a:srgbClr val="00FF00"/>
-                </a:highlight>
                 <a:ea typeface="Calibri" panose="020F0502020204030204" pitchFamily="34" charset="0"/>
                 <a:cs typeface="Times New Roman" panose="02020603050405020304" pitchFamily="18" charset="0"/>
               </a:rPr>
               <a:t>Wall</a:t>
             </a:r>
-            <a:endParaRPr lang="en-US" altLang="en-US" sz="1100" i="1" dirty="0">
-              <a:highlight>
-                <a:srgbClr val="00FF00"/>
-              </a:highlight>
-            </a:endParaRPr>
-          </a:p>
-          <a:p>
-            <a:pPr defTabSz="914400" eaLnBrk="0" fontAlgn="base" hangingPunct="0">
-              <a:spcBef>
-                <a:spcPct val="0"/>
-              </a:spcBef>
-              <a:spcAft>
-                <a:spcPct val="0"/>
-              </a:spcAft>
-            </a:pPr>
-            <a:r>
-              <a:rPr lang="en-US" altLang="en-US" sz="1100" dirty="0">
-                <a:highlight>
-                  <a:srgbClr val="00FF00"/>
-                </a:highlight>
-              </a:rPr>
+            <a:endParaRPr lang="en-US" altLang="en-US" sz="1100" i="1" dirty="0"/>
+          </a:p>
+          <a:p>
+            <a:pPr defTabSz="914400" eaLnBrk="0" fontAlgn="base" hangingPunct="0">
+              <a:spcBef>
+                <a:spcPct val="0"/>
+              </a:spcBef>
+              <a:spcAft>
+                <a:spcPct val="0"/>
+              </a:spcAft>
+            </a:pPr>
+            <a:r>
+              <a:rPr lang="en-US" altLang="en-US" sz="1100" dirty="0"/>
               <a:t>---------------------------------------------------------------------------------------</a:t>
             </a:r>
           </a:p>
@@ -5193,114 +4776,162 @@
               </a:spcAft>
             </a:pPr>
             <a:r>
-              <a:rPr lang="en-US" altLang="en-US" sz="1100" dirty="0">
-                <a:highlight>
-                  <a:srgbClr val="00FF00"/>
-                </a:highlight>
-              </a:rPr>
+              <a:rPr lang="en-US" altLang="en-US" sz="1100" dirty="0"/>
               <a:t>+ </a:t>
             </a:r>
             <a:r>
+              <a:rPr lang="en-US" altLang="en-US" sz="1100" dirty="0" err="1"/>
+              <a:t>blocksUnits</a:t>
+            </a:r>
+            <a:r>
+              <a:rPr lang="en-US" altLang="en-US" sz="1100" dirty="0"/>
+              <a:t> : bool</a:t>
+            </a:r>
+          </a:p>
+          <a:p>
+            <a:pPr defTabSz="914400" eaLnBrk="0" fontAlgn="base" hangingPunct="0">
+              <a:spcBef>
+                <a:spcPct val="0"/>
+              </a:spcBef>
+              <a:spcAft>
+                <a:spcPct val="0"/>
+              </a:spcAft>
+            </a:pPr>
+            <a:r>
+              <a:rPr lang="en-US" altLang="en-US" sz="1100" dirty="0"/>
+              <a:t>+ </a:t>
+            </a:r>
+            <a:r>
+              <a:rPr lang="en-US" altLang="en-US" sz="1100" dirty="0" err="1"/>
+              <a:t>influenceFloors</a:t>
+            </a:r>
+            <a:r>
+              <a:rPr lang="en-US" altLang="en-US" sz="1100" dirty="0"/>
+              <a:t>: bool</a:t>
+            </a:r>
+          </a:p>
+          <a:p>
+            <a:pPr defTabSz="914400" eaLnBrk="0" fontAlgn="base" hangingPunct="0">
+              <a:spcBef>
+                <a:spcPct val="0"/>
+              </a:spcBef>
+              <a:spcAft>
+                <a:spcPct val="0"/>
+              </a:spcAft>
+            </a:pPr>
+            <a:r>
+              <a:rPr lang="en-US" altLang="en-US" sz="1100" dirty="0"/>
+              <a:t>---------------------------------------------------------------------------------------</a:t>
+            </a:r>
+          </a:p>
+          <a:p>
+            <a:pPr defTabSz="914400" eaLnBrk="0" fontAlgn="base" hangingPunct="0">
+              <a:spcBef>
+                <a:spcPct val="0"/>
+              </a:spcBef>
+              <a:spcAft>
+                <a:spcPct val="0"/>
+              </a:spcAft>
+            </a:pPr>
+            <a:r>
+              <a:rPr lang="en-US" altLang="en-US" sz="1100" dirty="0">
+                <a:cs typeface="Times New Roman" panose="02020603050405020304" pitchFamily="18" charset="0"/>
+              </a:rPr>
+              <a:t>+ </a:t>
+            </a:r>
+            <a:r>
               <a:rPr lang="en-US" altLang="en-US" sz="1100" dirty="0" err="1">
-                <a:highlight>
-                  <a:srgbClr val="00FF00"/>
-                </a:highlight>
-              </a:rPr>
-              <a:t>blocksUnits</a:t>
-            </a:r>
-            <a:r>
-              <a:rPr lang="en-US" altLang="en-US" sz="1100" dirty="0">
-                <a:highlight>
-                  <a:srgbClr val="00FF00"/>
-                </a:highlight>
-              </a:rPr>
-              <a:t> : bool</a:t>
-            </a:r>
-          </a:p>
-          <a:p>
-            <a:pPr defTabSz="914400" eaLnBrk="0" fontAlgn="base" hangingPunct="0">
-              <a:spcBef>
-                <a:spcPct val="0"/>
-              </a:spcBef>
-              <a:spcAft>
-                <a:spcPct val="0"/>
-              </a:spcAft>
-            </a:pPr>
-            <a:r>
-              <a:rPr lang="en-US" altLang="en-US" sz="1100" dirty="0">
-                <a:highlight>
-                  <a:srgbClr val="00FF00"/>
-                </a:highlight>
+                <a:cs typeface="Times New Roman" panose="02020603050405020304" pitchFamily="18" charset="0"/>
+              </a:rPr>
+              <a:t>GetWorldObjectInventory</a:t>
+            </a:r>
+            <a:r>
+              <a:rPr lang="en-US" altLang="en-US" sz="1100" dirty="0">
+                <a:cs typeface="Times New Roman" panose="02020603050405020304" pitchFamily="18" charset="0"/>
+              </a:rPr>
+              <a:t>(Vector2Int) : Inventory &lt;&lt;override&gt;&gt;</a:t>
+            </a:r>
+          </a:p>
+          <a:p>
+            <a:pPr defTabSz="914400" eaLnBrk="0" fontAlgn="base" hangingPunct="0">
+              <a:spcBef>
+                <a:spcPct val="0"/>
+              </a:spcBef>
+              <a:spcAft>
+                <a:spcPct val="0"/>
+              </a:spcAft>
+            </a:pPr>
+            <a:r>
+              <a:rPr lang="en-US" altLang="en-US" sz="1100" dirty="0">
+                <a:cs typeface="Times New Roman" panose="02020603050405020304" pitchFamily="18" charset="0"/>
               </a:rPr>
               <a:t>+ </a:t>
             </a:r>
             <a:r>
               <a:rPr lang="en-US" altLang="en-US" sz="1100" dirty="0" err="1">
-                <a:highlight>
-                  <a:srgbClr val="00FF00"/>
-                </a:highlight>
-              </a:rPr>
-              <a:t>influenceFloors</a:t>
-            </a:r>
-            <a:r>
-              <a:rPr lang="en-US" altLang="en-US" sz="1100" dirty="0">
-                <a:highlight>
-                  <a:srgbClr val="00FF00"/>
-                </a:highlight>
-              </a:rPr>
-              <a:t>: bool</a:t>
-            </a:r>
-          </a:p>
-          <a:p>
-            <a:pPr defTabSz="914400" eaLnBrk="0" fontAlgn="base" hangingPunct="0">
-              <a:spcBef>
-                <a:spcPct val="0"/>
-              </a:spcBef>
-              <a:spcAft>
-                <a:spcPct val="0"/>
-              </a:spcAft>
-            </a:pPr>
-            <a:r>
-              <a:rPr lang="en-US" altLang="en-US" sz="1100" dirty="0">
-                <a:highlight>
-                  <a:srgbClr val="00FF00"/>
-                </a:highlight>
-              </a:rPr>
-              <a:t>---------------------------------------------------------------------------------------</a:t>
-            </a:r>
-          </a:p>
-          <a:p>
-            <a:pPr defTabSz="914400" eaLnBrk="0" fontAlgn="base" hangingPunct="0">
-              <a:spcBef>
-                <a:spcPct val="0"/>
-              </a:spcBef>
-              <a:spcAft>
-                <a:spcPct val="0"/>
-              </a:spcAft>
-            </a:pPr>
-            <a:r>
-              <a:rPr lang="en-US" altLang="en-US" sz="1100" dirty="0">
-                <a:highlight>
-                  <a:srgbClr val="00FF00"/>
-                </a:highlight>
+                <a:cs typeface="Times New Roman" panose="02020603050405020304" pitchFamily="18" charset="0"/>
+              </a:rPr>
+              <a:t>isSpaceFree</a:t>
+            </a:r>
+            <a:r>
+              <a:rPr lang="en-US" altLang="en-US" sz="1100" dirty="0">
+                <a:cs typeface="Times New Roman" panose="02020603050405020304" pitchFamily="18" charset="0"/>
+              </a:rPr>
+              <a:t>(Vector2Int): bool &lt;&lt;override&gt;&gt;</a:t>
+            </a:r>
+          </a:p>
+          <a:p>
+            <a:pPr defTabSz="914400" eaLnBrk="0" fontAlgn="base" hangingPunct="0">
+              <a:spcBef>
+                <a:spcPct val="0"/>
+              </a:spcBef>
+              <a:spcAft>
+                <a:spcPct val="0"/>
+              </a:spcAft>
+            </a:pPr>
+            <a:r>
+              <a:rPr lang="en-US" altLang="en-US" sz="1100" dirty="0">
                 <a:cs typeface="Times New Roman" panose="02020603050405020304" pitchFamily="18" charset="0"/>
               </a:rPr>
               <a:t>+ </a:t>
             </a:r>
             <a:r>
               <a:rPr lang="en-US" altLang="en-US" sz="1100" dirty="0" err="1">
-                <a:highlight>
-                  <a:srgbClr val="00FF00"/>
-                </a:highlight>
+                <a:cs typeface="Times New Roman" panose="02020603050405020304" pitchFamily="18" charset="0"/>
+              </a:rPr>
+              <a:t>OnCreate</a:t>
+            </a:r>
+            <a:r>
+              <a:rPr lang="en-US" altLang="en-US" sz="1100" dirty="0">
+                <a:cs typeface="Times New Roman" panose="02020603050405020304" pitchFamily="18" charset="0"/>
+              </a:rPr>
+              <a:t>() : void &lt;&lt;override&gt;&gt;</a:t>
+            </a:r>
+            <a:endParaRPr lang="en-US" altLang="en-US" sz="1100" dirty="0"/>
+          </a:p>
+          <a:p>
+            <a:pPr defTabSz="914400" eaLnBrk="0" fontAlgn="base" hangingPunct="0">
+              <a:spcBef>
+                <a:spcPct val="0"/>
+              </a:spcBef>
+              <a:spcAft>
+                <a:spcPct val="0"/>
+              </a:spcAft>
+            </a:pPr>
+            <a:r>
+              <a:rPr lang="en-US" altLang="en-US" sz="1100" dirty="0">
+                <a:cs typeface="Times New Roman" panose="02020603050405020304" pitchFamily="18" charset="0"/>
+              </a:rPr>
+              <a:t>+ </a:t>
+            </a:r>
+            <a:r>
+              <a:rPr lang="en-US" altLang="en-US" sz="1100" dirty="0" err="1">
                 <a:cs typeface="Times New Roman" panose="02020603050405020304" pitchFamily="18" charset="0"/>
               </a:rPr>
               <a:t>DestroyObject</a:t>
             </a:r>
             <a:r>
               <a:rPr lang="en-US" altLang="en-US" sz="1100" dirty="0">
-                <a:highlight>
-                  <a:srgbClr val="00FF00"/>
-                </a:highlight>
                 <a:cs typeface="Times New Roman" panose="02020603050405020304" pitchFamily="18" charset="0"/>
               </a:rPr>
               <a:t>() : void &lt;&lt;override&gt;&gt;</a:t>
@@ -5315,123 +4946,11 @@
                 <a:spcPct val="0"/>
               </a:spcAft>
             </a:pPr>
-            <a:r>
-              <a:rPr lang="en-US" altLang="en-US" sz="1100" dirty="0">
-                <a:highlight>
-                  <a:srgbClr val="00FF00"/>
-                </a:highlight>
-                <a:cs typeface="Times New Roman" panose="02020603050405020304" pitchFamily="18" charset="0"/>
-              </a:rPr>
-              <a:t>+ </a:t>
-            </a:r>
-            <a:r>
-              <a:rPr lang="en-US" altLang="en-US" sz="1100" dirty="0" err="1">
-                <a:highlight>
-                  <a:srgbClr val="00FF00"/>
-                </a:highlight>
-                <a:cs typeface="Times New Roman" panose="02020603050405020304" pitchFamily="18" charset="0"/>
-              </a:rPr>
-              <a:t>OnCreate</a:t>
-            </a:r>
-            <a:r>
-              <a:rPr lang="en-US" altLang="en-US" sz="1100" dirty="0">
-                <a:highlight>
-                  <a:srgbClr val="00FF00"/>
-                </a:highlight>
-                <a:cs typeface="Times New Roman" panose="02020603050405020304" pitchFamily="18" charset="0"/>
-              </a:rPr>
-              <a:t>() : void &lt;&lt;override&gt;&gt;</a:t>
-            </a:r>
             <a:endParaRPr lang="en-US" altLang="en-US" sz="1100" dirty="0">
               <a:highlight>
                 <a:srgbClr val="00FF00"/>
               </a:highlight>
             </a:endParaRPr>
-          </a:p>
-          <a:p>
-            <a:pPr defTabSz="914400" eaLnBrk="0" fontAlgn="base" hangingPunct="0">
-              <a:spcBef>
-                <a:spcPct val="0"/>
-              </a:spcBef>
-              <a:spcAft>
-                <a:spcPct val="0"/>
-              </a:spcAft>
-            </a:pPr>
-            <a:r>
-              <a:rPr lang="en-US" altLang="en-US" sz="1100" dirty="0">
-                <a:highlight>
-                  <a:srgbClr val="00FF00"/>
-                </a:highlight>
-                <a:cs typeface="Times New Roman" panose="02020603050405020304" pitchFamily="18" charset="0"/>
-              </a:rPr>
-              <a:t>+ </a:t>
-            </a:r>
-            <a:r>
-              <a:rPr lang="en-US" altLang="en-US" sz="1100" dirty="0" err="1">
-                <a:highlight>
-                  <a:srgbClr val="00FF00"/>
-                </a:highlight>
-                <a:cs typeface="Times New Roman" panose="02020603050405020304" pitchFamily="18" charset="0"/>
-              </a:rPr>
-              <a:t>isSpaceFree</a:t>
-            </a:r>
-            <a:r>
-              <a:rPr lang="en-US" altLang="en-US" sz="1100" dirty="0">
-                <a:highlight>
-                  <a:srgbClr val="00FF00"/>
-                </a:highlight>
-                <a:cs typeface="Times New Roman" panose="02020603050405020304" pitchFamily="18" charset="0"/>
-              </a:rPr>
-              <a:t>(Vector2Int): bool &lt;&lt;override&gt;&gt;</a:t>
-            </a:r>
-          </a:p>
-          <a:p>
-            <a:pPr defTabSz="914400" eaLnBrk="0" fontAlgn="base" hangingPunct="0">
-              <a:spcBef>
-                <a:spcPct val="0"/>
-              </a:spcBef>
-              <a:spcAft>
-                <a:spcPct val="0"/>
-              </a:spcAft>
-            </a:pPr>
-            <a:r>
-              <a:rPr lang="en-US" altLang="en-US" sz="1100" dirty="0">
-                <a:highlight>
-                  <a:srgbClr val="00FF00"/>
-                </a:highlight>
-                <a:cs typeface="Times New Roman" panose="02020603050405020304" pitchFamily="18" charset="0"/>
-              </a:rPr>
-              <a:t>+ </a:t>
-            </a:r>
-            <a:r>
-              <a:rPr lang="en-US" altLang="en-US" sz="1100" dirty="0" err="1">
-                <a:highlight>
-                  <a:srgbClr val="00FF00"/>
-                </a:highlight>
-                <a:cs typeface="Times New Roman" panose="02020603050405020304" pitchFamily="18" charset="0"/>
-              </a:rPr>
-              <a:t>GetWorldObjectInventory</a:t>
-            </a:r>
-            <a:r>
-              <a:rPr lang="en-US" altLang="en-US" sz="1100" dirty="0">
-                <a:highlight>
-                  <a:srgbClr val="00FF00"/>
-                </a:highlight>
-                <a:cs typeface="Times New Roman" panose="02020603050405020304" pitchFamily="18" charset="0"/>
-              </a:rPr>
-              <a:t>(Vector2Int) : Inventory &lt;&lt;override&gt;&gt;</a:t>
-            </a:r>
-          </a:p>
-          <a:p>
-            <a:pPr defTabSz="914400" eaLnBrk="0" fontAlgn="base" hangingPunct="0">
-              <a:spcBef>
-                <a:spcPct val="0"/>
-              </a:spcBef>
-              <a:spcAft>
-                <a:spcPct val="0"/>
-              </a:spcAft>
-            </a:pPr>
-            <a:endParaRPr lang="en-US" altLang="en-US" sz="1100" dirty="0"/>
           </a:p>
         </p:txBody>
       </p:sp>
@@ -5451,8 +4970,8 @@
         </p:nvSpPr>
         <p:spPr bwMode="auto">
           <a:xfrm>
-            <a:off x="13716818" y="6240607"/>
-            <a:ext cx="3976822" cy="1541465"/>
+            <a:off x="13604130" y="9131815"/>
+            <a:ext cx="3976822" cy="1419665"/>
           </a:xfrm>
           <a:prstGeom prst="rect">
             <a:avLst/>
@@ -5487,35 +5006,24 @@
             </a:pPr>
             <a:r>
               <a:rPr lang="en-US" altLang="en-US" sz="1100" i="1" dirty="0">
-                <a:highlight>
-                  <a:srgbClr val="00FF00"/>
-                </a:highlight>
                 <a:ea typeface="Calibri" panose="020F0502020204030204" pitchFamily="34" charset="0"/>
                 <a:cs typeface="Times New Roman" panose="02020603050405020304" pitchFamily="18" charset="0"/>
               </a:rPr>
               <a:t>Floor</a:t>
             </a:r>
-            <a:endParaRPr lang="en-US" altLang="en-US" sz="1100" i="1" dirty="0">
-              <a:highlight>
-                <a:srgbClr val="00FF00"/>
-              </a:highlight>
-            </a:endParaRPr>
-          </a:p>
-          <a:p>
-            <a:pPr defTabSz="914400" eaLnBrk="0" fontAlgn="base" hangingPunct="0">
-              <a:spcBef>
-                <a:spcPct val="0"/>
-              </a:spcBef>
-              <a:spcAft>
-                <a:spcPct val="0"/>
-              </a:spcAft>
-            </a:pPr>
-            <a:r>
-              <a:rPr lang="en-US" altLang="en-US" sz="1100" dirty="0">
-                <a:highlight>
-                  <a:srgbClr val="00FF00"/>
-                </a:highlight>
-              </a:rPr>
+            <a:endParaRPr lang="en-US" altLang="en-US" sz="1100" i="1" dirty="0"/>
+          </a:p>
+          <a:p>
+            <a:pPr defTabSz="914400" eaLnBrk="0" fontAlgn="base" hangingPunct="0">
+              <a:spcBef>
+                <a:spcPct val="0"/>
+              </a:spcBef>
+              <a:spcAft>
+                <a:spcPct val="0"/>
+              </a:spcAft>
+            </a:pPr>
+            <a:r>
+              <a:rPr lang="en-US" altLang="en-US" sz="1100" dirty="0"/>
               <a:t>----------------------------------------------------------------------------------------</a:t>
             </a:r>
           </a:p>
@@ -5529,215 +5037,144 @@
               </a:spcAft>
             </a:pPr>
             <a:r>
-              <a:rPr lang="en-US" altLang="en-US" sz="1100" dirty="0">
-                <a:highlight>
-                  <a:srgbClr val="00FF00"/>
-                </a:highlight>
-              </a:rPr>
+              <a:rPr lang="en-US" altLang="en-US" sz="1100" dirty="0"/>
               <a:t>+ </a:t>
             </a:r>
             <a:r>
+              <a:rPr lang="en-US" altLang="en-US" sz="1100" dirty="0" err="1"/>
+              <a:t>canSupportWall</a:t>
+            </a:r>
+            <a:r>
+              <a:rPr lang="en-US" altLang="en-US" sz="1100" dirty="0"/>
+              <a:t> : bool</a:t>
+            </a:r>
+          </a:p>
+          <a:p>
+            <a:pPr defTabSz="914400" eaLnBrk="0" fontAlgn="base" hangingPunct="0">
+              <a:spcBef>
+                <a:spcPct val="0"/>
+              </a:spcBef>
+              <a:spcAft>
+                <a:spcPct val="0"/>
+              </a:spcAft>
+            </a:pPr>
+            <a:r>
+              <a:rPr lang="en-US" altLang="en-US" sz="1100" dirty="0"/>
+              <a:t>----------------------------------------------------------------------------------------</a:t>
+            </a:r>
+          </a:p>
+          <a:p>
+            <a:pPr defTabSz="914400" eaLnBrk="0" fontAlgn="base" hangingPunct="0">
+              <a:spcBef>
+                <a:spcPct val="0"/>
+              </a:spcBef>
+              <a:spcAft>
+                <a:spcPct val="0"/>
+              </a:spcAft>
+            </a:pPr>
+            <a:r>
+              <a:rPr lang="en-US" altLang="en-US" sz="1100" dirty="0">
+                <a:cs typeface="Times New Roman" panose="02020603050405020304" pitchFamily="18" charset="0"/>
+              </a:rPr>
+              <a:t>+ </a:t>
+            </a:r>
+            <a:r>
               <a:rPr lang="en-US" altLang="en-US" sz="1100" dirty="0" err="1">
-                <a:highlight>
-                  <a:srgbClr val="00FF00"/>
-                </a:highlight>
-              </a:rPr>
-              <a:t>canSupportWall</a:t>
-            </a:r>
-            <a:r>
-              <a:rPr lang="en-US" altLang="en-US" sz="1100" dirty="0">
-                <a:highlight>
-                  <a:srgbClr val="00FF00"/>
-                </a:highlight>
-              </a:rPr>
-              <a:t> : bool</a:t>
-            </a:r>
-          </a:p>
-          <a:p>
-            <a:pPr defTabSz="914400" eaLnBrk="0" fontAlgn="base" hangingPunct="0">
-              <a:spcBef>
-                <a:spcPct val="0"/>
-              </a:spcBef>
-              <a:spcAft>
-                <a:spcPct val="0"/>
-              </a:spcAft>
-            </a:pPr>
-            <a:r>
-              <a:rPr lang="en-US" altLang="en-US" sz="1100" dirty="0">
-                <a:highlight>
-                  <a:srgbClr val="00FF00"/>
-                </a:highlight>
-              </a:rPr>
-              <a:t>----------------------------------------------------------------------------------------</a:t>
-            </a:r>
-          </a:p>
-          <a:p>
-            <a:pPr defTabSz="914400" eaLnBrk="0" fontAlgn="base" hangingPunct="0">
-              <a:spcBef>
-                <a:spcPct val="0"/>
-              </a:spcBef>
-              <a:spcAft>
-                <a:spcPct val="0"/>
-              </a:spcAft>
-            </a:pPr>
-            <a:r>
-              <a:rPr lang="en-US" altLang="en-US" sz="1100" dirty="0">
-                <a:highlight>
-                  <a:srgbClr val="00FF00"/>
-                </a:highlight>
+                <a:cs typeface="Times New Roman" panose="02020603050405020304" pitchFamily="18" charset="0"/>
+              </a:rPr>
+              <a:t>GetWorldObjectInventory</a:t>
+            </a:r>
+            <a:r>
+              <a:rPr lang="en-US" altLang="en-US" sz="1100" dirty="0">
+                <a:cs typeface="Times New Roman" panose="02020603050405020304" pitchFamily="18" charset="0"/>
+              </a:rPr>
+              <a:t>(Vector2Int) : Inventory &lt;&lt;override&gt;&gt;</a:t>
+            </a:r>
+          </a:p>
+          <a:p>
+            <a:pPr defTabSz="914400" eaLnBrk="0" fontAlgn="base" hangingPunct="0">
+              <a:spcBef>
+                <a:spcPct val="0"/>
+              </a:spcBef>
+              <a:spcAft>
+                <a:spcPct val="0"/>
+              </a:spcAft>
+            </a:pPr>
+            <a:r>
+              <a:rPr lang="en-US" altLang="en-US" sz="1100" dirty="0">
                 <a:cs typeface="Times New Roman" panose="02020603050405020304" pitchFamily="18" charset="0"/>
               </a:rPr>
               <a:t>+ </a:t>
             </a:r>
             <a:r>
               <a:rPr lang="en-US" altLang="en-US" sz="1100" dirty="0" err="1">
-                <a:highlight>
-                  <a:srgbClr val="00FF00"/>
-                </a:highlight>
+                <a:cs typeface="Times New Roman" panose="02020603050405020304" pitchFamily="18" charset="0"/>
+              </a:rPr>
+              <a:t>isSpaceFree</a:t>
+            </a:r>
+            <a:r>
+              <a:rPr lang="en-US" altLang="en-US" sz="1100" dirty="0">
+                <a:cs typeface="Times New Roman" panose="02020603050405020304" pitchFamily="18" charset="0"/>
+              </a:rPr>
+              <a:t>(Vector2Int): bool &lt;&lt;override&gt;&gt;</a:t>
+            </a:r>
+          </a:p>
+          <a:p>
+            <a:pPr defTabSz="914400" eaLnBrk="0" fontAlgn="base" hangingPunct="0">
+              <a:spcBef>
+                <a:spcPct val="0"/>
+              </a:spcBef>
+              <a:spcAft>
+                <a:spcPct val="0"/>
+              </a:spcAft>
+            </a:pPr>
+            <a:r>
+              <a:rPr lang="en-US" altLang="en-US" sz="1100" dirty="0">
+                <a:cs typeface="Times New Roman" panose="02020603050405020304" pitchFamily="18" charset="0"/>
+              </a:rPr>
+              <a:t>+ </a:t>
+            </a:r>
+            <a:r>
+              <a:rPr lang="en-US" altLang="en-US" sz="1100" dirty="0" err="1">
+                <a:cs typeface="Times New Roman" panose="02020603050405020304" pitchFamily="18" charset="0"/>
+              </a:rPr>
+              <a:t>OnCreate</a:t>
+            </a:r>
+            <a:r>
+              <a:rPr lang="en-US" altLang="en-US" sz="1100" dirty="0">
+                <a:cs typeface="Times New Roman" panose="02020603050405020304" pitchFamily="18" charset="0"/>
+              </a:rPr>
+              <a:t>() : void &lt;&lt;override&gt;&gt;</a:t>
+            </a:r>
+            <a:endParaRPr lang="en-US" altLang="en-US" sz="1100" dirty="0"/>
+          </a:p>
+          <a:p>
+            <a:pPr defTabSz="914400" eaLnBrk="0" fontAlgn="base" hangingPunct="0">
+              <a:spcBef>
+                <a:spcPct val="0"/>
+              </a:spcBef>
+              <a:spcAft>
+                <a:spcPct val="0"/>
+              </a:spcAft>
+            </a:pPr>
+            <a:r>
+              <a:rPr lang="en-US" altLang="en-US" sz="1100" dirty="0">
+                <a:cs typeface="Times New Roman" panose="02020603050405020304" pitchFamily="18" charset="0"/>
+              </a:rPr>
+              <a:t>+ </a:t>
+            </a:r>
+            <a:r>
+              <a:rPr lang="en-US" altLang="en-US" sz="1100" dirty="0" err="1">
                 <a:cs typeface="Times New Roman" panose="02020603050405020304" pitchFamily="18" charset="0"/>
               </a:rPr>
               <a:t>DestroyObject</a:t>
             </a:r>
             <a:r>
               <a:rPr lang="en-US" altLang="en-US" sz="1100" dirty="0">
-                <a:highlight>
-                  <a:srgbClr val="00FF00"/>
-                </a:highlight>
                 <a:cs typeface="Times New Roman" panose="02020603050405020304" pitchFamily="18" charset="0"/>
               </a:rPr>
               <a:t>() : void &lt;&lt;override&gt;&gt;</a:t>
             </a:r>
-          </a:p>
-          <a:p>
-            <a:pPr defTabSz="914400" eaLnBrk="0" fontAlgn="base" hangingPunct="0">
-              <a:spcBef>
-                <a:spcPct val="0"/>
-              </a:spcBef>
-              <a:spcAft>
-                <a:spcPct val="0"/>
-              </a:spcAft>
-            </a:pPr>
-            <a:r>
-              <a:rPr lang="en-US" altLang="en-US" sz="1100" dirty="0">
-                <a:highlight>
-                  <a:srgbClr val="00FF00"/>
-                </a:highlight>
-                <a:cs typeface="Times New Roman" panose="02020603050405020304" pitchFamily="18" charset="0"/>
-              </a:rPr>
-              <a:t>+ </a:t>
-            </a:r>
-            <a:r>
-              <a:rPr lang="en-US" altLang="en-US" sz="1100" dirty="0" err="1">
-                <a:highlight>
-                  <a:srgbClr val="00FF00"/>
-                </a:highlight>
-                <a:cs typeface="Times New Roman" panose="02020603050405020304" pitchFamily="18" charset="0"/>
-              </a:rPr>
-              <a:t>OnCreate</a:t>
-            </a:r>
-            <a:r>
-              <a:rPr lang="en-US" altLang="en-US" sz="1100" dirty="0">
-                <a:highlight>
-                  <a:srgbClr val="00FF00"/>
-                </a:highlight>
-                <a:cs typeface="Times New Roman" panose="02020603050405020304" pitchFamily="18" charset="0"/>
-              </a:rPr>
-              <a:t>() : void &lt;&lt;override&gt;&gt;</a:t>
-            </a:r>
-            <a:endParaRPr lang="en-US" altLang="en-US" sz="1100" dirty="0">
-              <a:highlight>
-                <a:srgbClr val="00FF00"/>
-              </a:highlight>
-            </a:endParaRPr>
-          </a:p>
-          <a:p>
-            <a:pPr defTabSz="914400" eaLnBrk="0" fontAlgn="base" hangingPunct="0">
-              <a:spcBef>
-                <a:spcPct val="0"/>
-              </a:spcBef>
-              <a:spcAft>
-                <a:spcPct val="0"/>
-              </a:spcAft>
-            </a:pPr>
-            <a:r>
-              <a:rPr lang="en-US" altLang="en-US" sz="1100" dirty="0">
-                <a:highlight>
-                  <a:srgbClr val="00FF00"/>
-                </a:highlight>
-                <a:cs typeface="Times New Roman" panose="02020603050405020304" pitchFamily="18" charset="0"/>
-              </a:rPr>
-              <a:t>+ </a:t>
-            </a:r>
-            <a:r>
-              <a:rPr lang="en-US" altLang="en-US" sz="1100" dirty="0" err="1">
-                <a:highlight>
-                  <a:srgbClr val="00FF00"/>
-                </a:highlight>
-                <a:cs typeface="Times New Roman" panose="02020603050405020304" pitchFamily="18" charset="0"/>
-              </a:rPr>
-              <a:t>isSpaceFree</a:t>
-            </a:r>
-            <a:r>
-              <a:rPr lang="en-US" altLang="en-US" sz="1100" dirty="0">
-                <a:highlight>
-                  <a:srgbClr val="00FF00"/>
-                </a:highlight>
-                <a:cs typeface="Times New Roman" panose="02020603050405020304" pitchFamily="18" charset="0"/>
-              </a:rPr>
-              <a:t>(Vector2Int): bool &lt;&lt;override&gt;&gt;</a:t>
-            </a:r>
-          </a:p>
-          <a:p>
-            <a:pPr defTabSz="914400" eaLnBrk="0" fontAlgn="base" hangingPunct="0">
-              <a:spcBef>
-                <a:spcPct val="0"/>
-              </a:spcBef>
-              <a:spcAft>
-                <a:spcPct val="0"/>
-              </a:spcAft>
-            </a:pPr>
-            <a:r>
-              <a:rPr lang="en-US" altLang="en-US" sz="1100" dirty="0">
-                <a:highlight>
-                  <a:srgbClr val="00FF00"/>
-                </a:highlight>
-                <a:cs typeface="Times New Roman" panose="02020603050405020304" pitchFamily="18" charset="0"/>
-              </a:rPr>
-              <a:t>+ </a:t>
-            </a:r>
-            <a:r>
-              <a:rPr lang="en-US" altLang="en-US" sz="1100" dirty="0" err="1">
-                <a:highlight>
-                  <a:srgbClr val="00FF00"/>
-                </a:highlight>
-                <a:cs typeface="Times New Roman" panose="02020603050405020304" pitchFamily="18" charset="0"/>
-              </a:rPr>
-              <a:t>GetWorldObjectInventory</a:t>
-            </a:r>
-            <a:r>
-              <a:rPr lang="en-US" altLang="en-US" sz="1100" dirty="0">
-                <a:highlight>
-                  <a:srgbClr val="00FF00"/>
-                </a:highlight>
-                <a:cs typeface="Times New Roman" panose="02020603050405020304" pitchFamily="18" charset="0"/>
-              </a:rPr>
-              <a:t>(Vector2Int) : Inventory &lt;&lt;override&gt;&gt;</a:t>
-            </a:r>
-          </a:p>
-          <a:p>
-            <a:pPr defTabSz="914400" eaLnBrk="0" fontAlgn="base" hangingPunct="0">
-              <a:spcBef>
-                <a:spcPct val="0"/>
-              </a:spcBef>
-              <a:spcAft>
-                <a:spcPct val="0"/>
-              </a:spcAft>
-            </a:pPr>
-            <a:endParaRPr lang="en-US" altLang="en-US" sz="1100" dirty="0">
-              <a:highlight>
-                <a:srgbClr val="00FF00"/>
-              </a:highlight>
-            </a:endParaRPr>
           </a:p>
         </p:txBody>
       </p:sp>
@@ -5832,8 +5269,8 @@
         </p:nvSpPr>
         <p:spPr bwMode="auto">
           <a:xfrm>
-            <a:off x="8535553" y="6540263"/>
-            <a:ext cx="3976821" cy="3282156"/>
+            <a:off x="8535553" y="6540262"/>
+            <a:ext cx="3976821" cy="3436541"/>
           </a:xfrm>
           <a:prstGeom prst="rect">
             <a:avLst/>
@@ -5868,10 +5305,6 @@
             </a:pPr>
             <a:r>
               <a:rPr lang="en-US" altLang="en-US" sz="1100" i="1" dirty="0">
-                <a:highlight>
-                  <a:srgbClr val="00FF00"/>
-                </a:highlight>
-                <a:latin typeface="Calibri" panose="020F0502020204030204" pitchFamily="34" charset="0"/>
                 <a:ea typeface="Calibri" panose="020F0502020204030204" pitchFamily="34" charset="0"/>
                 <a:cs typeface="Times New Roman" panose="02020603050405020304" pitchFamily="18" charset="0"/>
               </a:rPr>
@@ -5889,10 +5322,6 @@
             </a:pPr>
             <a:r>
               <a:rPr lang="en-US" altLang="en-US" sz="1100" i="1" dirty="0">
-                <a:highlight>
-                  <a:srgbClr val="00FF00"/>
-                </a:highlight>
-                <a:latin typeface="Calibri" panose="020F0502020204030204" pitchFamily="34" charset="0"/>
                 <a:cs typeface="Times New Roman" panose="02020603050405020304" pitchFamily="18" charset="0"/>
               </a:rPr>
               <a:t>----------------------------------------------------------------------------------------</a:t>
@@ -5909,30 +5338,18 @@
             </a:pPr>
             <a:r>
               <a:rPr lang="en-US" altLang="en-US" sz="1100" i="1" dirty="0">
-                <a:highlight>
-                  <a:srgbClr val="00FF00"/>
-                </a:highlight>
-                <a:latin typeface="Calibri" panose="020F0502020204030204" pitchFamily="34" charset="0"/>
                 <a:cs typeface="Times New Roman" panose="02020603050405020304" pitchFamily="18" charset="0"/>
               </a:rPr>
               <a:t>+ </a:t>
             </a:r>
             <a:r>
               <a:rPr lang="en-US" altLang="en-US" sz="1100" i="1" u="sng" dirty="0" err="1">
-                <a:highlight>
-                  <a:srgbClr val="00FF00"/>
-                </a:highlight>
-                <a:latin typeface="Calibri" panose="020F0502020204030204" pitchFamily="34" charset="0"/>
                 <a:cs typeface="Times New Roman" panose="02020603050405020304" pitchFamily="18" charset="0"/>
               </a:rPr>
               <a:t>unitList</a:t>
             </a:r>
             <a:r>
               <a:rPr lang="en-US" altLang="en-US" sz="1100" i="1" u="sng" dirty="0">
-                <a:highlight>
-                  <a:srgbClr val="00FF00"/>
-                </a:highlight>
-                <a:latin typeface="Calibri" panose="020F0502020204030204" pitchFamily="34" charset="0"/>
                 <a:cs typeface="Times New Roman" panose="02020603050405020304" pitchFamily="18" charset="0"/>
               </a:rPr>
               <a:t> : List&lt;Unit&gt;</a:t>
@@ -5948,527 +5365,368 @@
               </a:spcAft>
             </a:pPr>
             <a:r>
-              <a:rPr lang="en-US" altLang="en-US" sz="1100" dirty="0">
-                <a:highlight>
-                  <a:srgbClr val="00FF00"/>
-                </a:highlight>
-              </a:rPr>
+              <a:rPr lang="en-US" altLang="en-US" sz="1100" dirty="0"/>
               <a:t>+ </a:t>
             </a:r>
             <a:r>
+              <a:rPr lang="en-US" altLang="en-US" sz="1100" dirty="0" err="1"/>
+              <a:t>unitTnventory</a:t>
+            </a:r>
+            <a:r>
+              <a:rPr lang="en-US" altLang="en-US" sz="1100" dirty="0"/>
+              <a:t> : Inventory</a:t>
+            </a:r>
+          </a:p>
+          <a:p>
+            <a:pPr defTabSz="914400" eaLnBrk="0" fontAlgn="base" hangingPunct="0">
+              <a:spcBef>
+                <a:spcPct val="0"/>
+              </a:spcBef>
+              <a:spcAft>
+                <a:spcPct val="0"/>
+              </a:spcAft>
+            </a:pPr>
+            <a:r>
+              <a:rPr lang="en-US" altLang="en-US" sz="1100" dirty="0"/>
+              <a:t>+ burrower : bool</a:t>
+            </a:r>
+          </a:p>
+          <a:p>
+            <a:pPr defTabSz="914400" eaLnBrk="0" fontAlgn="base" hangingPunct="0">
+              <a:spcBef>
+                <a:spcPct val="0"/>
+              </a:spcBef>
+              <a:spcAft>
+                <a:spcPct val="0"/>
+              </a:spcAft>
+            </a:pPr>
+            <a:r>
+              <a:rPr lang="en-US" altLang="en-US" sz="1100" dirty="0"/>
+              <a:t>+ dead : bool</a:t>
+            </a:r>
+          </a:p>
+          <a:p>
+            <a:pPr defTabSz="914400" eaLnBrk="0" fontAlgn="base" hangingPunct="0">
+              <a:spcBef>
+                <a:spcPct val="0"/>
+              </a:spcBef>
+              <a:spcAft>
+                <a:spcPct val="0"/>
+              </a:spcAft>
+            </a:pPr>
+            <a:r>
+              <a:rPr lang="en-US" altLang="en-US" sz="1100" dirty="0"/>
+              <a:t>+ speed : int</a:t>
+            </a:r>
+          </a:p>
+          <a:p>
+            <a:pPr defTabSz="914400" eaLnBrk="0" fontAlgn="base" hangingPunct="0">
+              <a:spcBef>
+                <a:spcPct val="0"/>
+              </a:spcBef>
+              <a:spcAft>
+                <a:spcPct val="0"/>
+              </a:spcAft>
+            </a:pPr>
+            <a:r>
+              <a:rPr lang="en-US" altLang="en-US" sz="1100" dirty="0"/>
+              <a:t>- </a:t>
+            </a:r>
+            <a:r>
+              <a:rPr lang="en-US" altLang="en-US" sz="1100" dirty="0" err="1"/>
+              <a:t>speedCounter</a:t>
+            </a:r>
+            <a:r>
+              <a:rPr lang="en-US" altLang="en-US" sz="1100" dirty="0"/>
+              <a:t> : int</a:t>
+            </a:r>
+          </a:p>
+          <a:p>
+            <a:pPr defTabSz="914400" eaLnBrk="0" fontAlgn="base" hangingPunct="0">
+              <a:spcBef>
+                <a:spcPct val="0"/>
+              </a:spcBef>
+              <a:spcAft>
+                <a:spcPct val="0"/>
+              </a:spcAft>
+            </a:pPr>
+            <a:r>
+              <a:rPr lang="en-US" altLang="en-US" sz="1100" dirty="0"/>
+              <a:t>----------------------------------------------------------------------------------------</a:t>
+            </a:r>
+          </a:p>
+          <a:p>
+            <a:pPr defTabSz="914400" eaLnBrk="0" fontAlgn="base" hangingPunct="0">
+              <a:spcBef>
+                <a:spcPct val="0"/>
+              </a:spcBef>
+              <a:spcAft>
+                <a:spcPct val="0"/>
+              </a:spcAft>
+            </a:pPr>
+            <a:r>
+              <a:rPr lang="en-US" altLang="en-US" sz="1100" dirty="0">
+                <a:cs typeface="Times New Roman" panose="02020603050405020304" pitchFamily="18" charset="0"/>
+              </a:rPr>
+              <a:t>- </a:t>
+            </a:r>
+            <a:r>
               <a:rPr lang="en-US" altLang="en-US" sz="1100" dirty="0" err="1">
-                <a:highlight>
-                  <a:srgbClr val="00FF00"/>
-                </a:highlight>
-              </a:rPr>
-              <a:t>unitTnventory</a:t>
-            </a:r>
-            <a:r>
-              <a:rPr lang="en-US" altLang="en-US" sz="1100" dirty="0">
-                <a:highlight>
-                  <a:srgbClr val="00FF00"/>
-                </a:highlight>
-              </a:rPr>
-              <a:t> : Inventory</a:t>
-            </a:r>
-          </a:p>
-          <a:p>
-            <a:pPr defTabSz="914400" eaLnBrk="0" fontAlgn="base" hangingPunct="0">
-              <a:spcBef>
-                <a:spcPct val="0"/>
-              </a:spcBef>
-              <a:spcAft>
-                <a:spcPct val="0"/>
-              </a:spcAft>
-            </a:pPr>
-            <a:r>
-              <a:rPr lang="en-US" altLang="en-US" sz="1100" dirty="0">
-                <a:highlight>
-                  <a:srgbClr val="00FF00"/>
-                </a:highlight>
-              </a:rPr>
-              <a:t>+ burrower : bool</a:t>
-            </a:r>
-          </a:p>
-          <a:p>
-            <a:pPr defTabSz="914400" eaLnBrk="0" fontAlgn="base" hangingPunct="0">
-              <a:spcBef>
-                <a:spcPct val="0"/>
-              </a:spcBef>
-              <a:spcAft>
-                <a:spcPct val="0"/>
-              </a:spcAft>
-            </a:pPr>
-            <a:r>
-              <a:rPr lang="en-US" altLang="en-US" sz="1100" dirty="0">
-                <a:highlight>
-                  <a:srgbClr val="00FF00"/>
-                </a:highlight>
-              </a:rPr>
-              <a:t>+ dead : bool</a:t>
-            </a:r>
-          </a:p>
-          <a:p>
-            <a:pPr defTabSz="914400" eaLnBrk="0" fontAlgn="base" hangingPunct="0">
-              <a:spcBef>
-                <a:spcPct val="0"/>
-              </a:spcBef>
-              <a:spcAft>
-                <a:spcPct val="0"/>
-              </a:spcAft>
-            </a:pPr>
-            <a:r>
-              <a:rPr lang="en-US" altLang="en-US" sz="1100" dirty="0">
-                <a:highlight>
-                  <a:srgbClr val="00FF00"/>
-                </a:highlight>
-              </a:rPr>
-              <a:t>+ speed : int</a:t>
-            </a:r>
-          </a:p>
-          <a:p>
-            <a:pPr defTabSz="914400" eaLnBrk="0" fontAlgn="base" hangingPunct="0">
-              <a:spcBef>
-                <a:spcPct val="0"/>
-              </a:spcBef>
-              <a:spcAft>
-                <a:spcPct val="0"/>
-              </a:spcAft>
-            </a:pPr>
-            <a:r>
-              <a:rPr lang="en-US" altLang="en-US" sz="1100" dirty="0">
-                <a:highlight>
-                  <a:srgbClr val="00FF00"/>
-                </a:highlight>
+                <a:cs typeface="Times New Roman" panose="02020603050405020304" pitchFamily="18" charset="0"/>
+              </a:rPr>
+              <a:t>GetMoveDirection</a:t>
+            </a:r>
+            <a:r>
+              <a:rPr lang="en-US" altLang="en-US" sz="1100" dirty="0">
+                <a:cs typeface="Times New Roman" panose="02020603050405020304" pitchFamily="18" charset="0"/>
+              </a:rPr>
+              <a:t>() : Vector2Int</a:t>
+            </a:r>
+          </a:p>
+          <a:p>
+            <a:pPr defTabSz="914400" eaLnBrk="0" fontAlgn="base" hangingPunct="0">
+              <a:spcBef>
+                <a:spcPct val="0"/>
+              </a:spcBef>
+              <a:spcAft>
+                <a:spcPct val="0"/>
+              </a:spcAft>
+            </a:pPr>
+            <a:r>
+              <a:rPr lang="en-US" altLang="en-US" sz="1100" dirty="0">
+                <a:cs typeface="Times New Roman" panose="02020603050405020304" pitchFamily="18" charset="0"/>
               </a:rPr>
               <a:t>- </a:t>
             </a:r>
             <a:r>
               <a:rPr lang="en-US" altLang="en-US" sz="1100" dirty="0" err="1">
-                <a:highlight>
-                  <a:srgbClr val="00FF00"/>
-                </a:highlight>
-              </a:rPr>
-              <a:t>speedCounter</a:t>
-            </a:r>
-            <a:r>
-              <a:rPr lang="en-US" altLang="en-US" sz="1100" dirty="0">
-                <a:highlight>
-                  <a:srgbClr val="00FF00"/>
-                </a:highlight>
-              </a:rPr>
-              <a:t> : int</a:t>
-            </a:r>
-          </a:p>
-          <a:p>
-            <a:pPr defTabSz="914400" eaLnBrk="0" fontAlgn="base" hangingPunct="0">
-              <a:spcBef>
-                <a:spcPct val="0"/>
-              </a:spcBef>
-              <a:spcAft>
-                <a:spcPct val="0"/>
-              </a:spcAft>
-            </a:pPr>
-            <a:r>
-              <a:rPr lang="en-US" altLang="en-US" sz="1100" dirty="0">
-                <a:highlight>
-                  <a:srgbClr val="00FF00"/>
-                </a:highlight>
-              </a:rPr>
-              <a:t>----------------------------------------------------------------------------------------</a:t>
-            </a:r>
-          </a:p>
-          <a:p>
-            <a:pPr defTabSz="914400" eaLnBrk="0" fontAlgn="base" hangingPunct="0">
-              <a:spcBef>
-                <a:spcPct val="0"/>
-              </a:spcBef>
-              <a:spcAft>
-                <a:spcPct val="0"/>
-              </a:spcAft>
-            </a:pPr>
-            <a:r>
-              <a:rPr lang="en-US" altLang="en-US" sz="1100" i="1" dirty="0">
-                <a:highlight>
-                  <a:srgbClr val="00FF00"/>
-                </a:highlight>
-              </a:rPr>
+                <a:cs typeface="Times New Roman" panose="02020603050405020304" pitchFamily="18" charset="0"/>
+              </a:rPr>
+              <a:t>GetMoveMap</a:t>
+            </a:r>
+            <a:r>
+              <a:rPr lang="en-US" altLang="en-US" sz="1100" dirty="0">
+                <a:cs typeface="Times New Roman" panose="02020603050405020304" pitchFamily="18" charset="0"/>
+              </a:rPr>
+              <a:t>() : Node[,]</a:t>
+            </a:r>
+          </a:p>
+          <a:p>
+            <a:pPr defTabSz="914400" eaLnBrk="0" fontAlgn="base" hangingPunct="0">
+              <a:spcBef>
+                <a:spcPct val="0"/>
+              </a:spcBef>
+              <a:spcAft>
+                <a:spcPct val="0"/>
+              </a:spcAft>
+            </a:pPr>
+            <a:r>
+              <a:rPr lang="en-US" altLang="en-US" sz="1100" dirty="0"/>
               <a:t># </a:t>
             </a:r>
             <a:r>
-              <a:rPr lang="en-US" altLang="en-US" sz="1100" i="1" dirty="0" err="1">
-                <a:highlight>
-                  <a:srgbClr val="00FF00"/>
-                </a:highlight>
-              </a:rPr>
+              <a:rPr lang="en-US" altLang="en-US" sz="1100" dirty="0" err="1"/>
+              <a:t>AttackMove</a:t>
+            </a:r>
+            <a:r>
+              <a:rPr lang="en-US" altLang="en-US" sz="1100" dirty="0"/>
+              <a:t>(Vecotr2Int) : bool</a:t>
+            </a:r>
+          </a:p>
+          <a:p>
+            <a:pPr defTabSz="914400" eaLnBrk="0" fontAlgn="base" hangingPunct="0">
+              <a:spcBef>
+                <a:spcPct val="0"/>
+              </a:spcBef>
+              <a:spcAft>
+                <a:spcPct val="0"/>
+              </a:spcAft>
+            </a:pPr>
+            <a:r>
+              <a:rPr lang="en-US" altLang="en-US" sz="1100" dirty="0"/>
+              <a:t>- </a:t>
+            </a:r>
+            <a:r>
+              <a:rPr lang="en-US" altLang="en-US" sz="1100" dirty="0" err="1"/>
+              <a:t>MeleeAttack</a:t>
+            </a:r>
+            <a:r>
+              <a:rPr lang="en-US" altLang="en-US" sz="1100" dirty="0"/>
+              <a:t>(</a:t>
+            </a:r>
+            <a:r>
+              <a:rPr lang="en-US" altLang="en-US" sz="1100" dirty="0" err="1"/>
+              <a:t>RoguelikeObject</a:t>
+            </a:r>
+            <a:r>
+              <a:rPr lang="en-US" altLang="en-US" sz="1100" dirty="0"/>
+              <a:t>) : bool</a:t>
+            </a:r>
+          </a:p>
+          <a:p>
+            <a:pPr defTabSz="914400" eaLnBrk="0" fontAlgn="base" hangingPunct="0">
+              <a:spcBef>
+                <a:spcPct val="0"/>
+              </a:spcBef>
+              <a:spcAft>
+                <a:spcPct val="0"/>
+              </a:spcAft>
+            </a:pPr>
+            <a:r>
+              <a:rPr lang="en-US" altLang="en-US" sz="1100" i="1" dirty="0"/>
+              <a:t># </a:t>
+            </a:r>
+            <a:r>
+              <a:rPr lang="en-US" altLang="en-US" sz="1100" i="1" dirty="0" err="1"/>
               <a:t>TakeTurn</a:t>
             </a:r>
             <a:r>
-              <a:rPr lang="en-US" altLang="en-US" sz="1100" i="1" dirty="0">
-                <a:highlight>
-                  <a:srgbClr val="00FF00"/>
-                </a:highlight>
-              </a:rPr>
+              <a:rPr lang="en-US" altLang="en-US" sz="1100" i="1" dirty="0"/>
               <a:t>() : void</a:t>
             </a:r>
-            <a:endParaRPr lang="en-US" altLang="en-US" sz="1100" dirty="0">
-              <a:highlight>
-                <a:srgbClr val="00FF00"/>
-              </a:highlight>
-              <a:cs typeface="Times New Roman" panose="02020603050405020304" pitchFamily="18" charset="0"/>
-            </a:endParaRPr>
-          </a:p>
-          <a:p>
-            <a:pPr defTabSz="914400" eaLnBrk="0" fontAlgn="base" hangingPunct="0">
-              <a:spcBef>
-                <a:spcPct val="0"/>
-              </a:spcBef>
-              <a:spcAft>
-                <a:spcPct val="0"/>
-              </a:spcAft>
-            </a:pPr>
-            <a:r>
-              <a:rPr lang="en-US" altLang="en-US" sz="1100" dirty="0">
-                <a:highlight>
-                  <a:srgbClr val="00FF00"/>
-                </a:highlight>
-                <a:cs typeface="Times New Roman" panose="02020603050405020304" pitchFamily="18" charset="0"/>
-              </a:rPr>
-              <a:t>- </a:t>
+            <a:endParaRPr lang="en-US" altLang="en-US" sz="1100" dirty="0"/>
+          </a:p>
+          <a:p>
+            <a:pPr defTabSz="914400" eaLnBrk="0" fontAlgn="base" hangingPunct="0">
+              <a:spcBef>
+                <a:spcPct val="0"/>
+              </a:spcBef>
+              <a:spcAft>
+                <a:spcPct val="0"/>
+              </a:spcAft>
+            </a:pPr>
+            <a:r>
+              <a:rPr lang="en-US" altLang="en-US" sz="1100" dirty="0"/>
+              <a:t>+ Die() : void &lt;&lt;override&gt;&gt;</a:t>
+            </a:r>
+          </a:p>
+          <a:p>
+            <a:pPr defTabSz="914400" eaLnBrk="0" fontAlgn="base" hangingPunct="0">
+              <a:spcBef>
+                <a:spcPct val="0"/>
+              </a:spcBef>
+              <a:spcAft>
+                <a:spcPct val="0"/>
+              </a:spcAft>
+            </a:pPr>
+            <a:r>
+              <a:rPr lang="en-US" altLang="en-US" sz="1100" dirty="0"/>
+              <a:t>+ Step() : void &lt;&lt;override&gt;&gt;</a:t>
+            </a:r>
+          </a:p>
+          <a:p>
+            <a:pPr defTabSz="914400" eaLnBrk="0" fontAlgn="base" hangingPunct="0">
+              <a:spcBef>
+                <a:spcPct val="0"/>
+              </a:spcBef>
+              <a:spcAft>
+                <a:spcPct val="0"/>
+              </a:spcAft>
+            </a:pPr>
+            <a:r>
+              <a:rPr lang="en-US" altLang="en-US" sz="1100" dirty="0">
+                <a:cs typeface="Times New Roman" panose="02020603050405020304" pitchFamily="18" charset="0"/>
+              </a:rPr>
+              <a:t>+ </a:t>
             </a:r>
             <a:r>
               <a:rPr lang="en-US" altLang="en-US" sz="1100" dirty="0" err="1">
-                <a:highlight>
-                  <a:srgbClr val="00FF00"/>
-                </a:highlight>
-                <a:cs typeface="Times New Roman" panose="02020603050405020304" pitchFamily="18" charset="0"/>
-              </a:rPr>
-              <a:t>GetMoveDirection</a:t>
-            </a:r>
-            <a:r>
-              <a:rPr lang="en-US" altLang="en-US" sz="1100" dirty="0">
-                <a:highlight>
-                  <a:srgbClr val="00FF00"/>
-                </a:highlight>
-                <a:cs typeface="Times New Roman" panose="02020603050405020304" pitchFamily="18" charset="0"/>
-              </a:rPr>
-              <a:t>() : Vector2Int</a:t>
-            </a:r>
-          </a:p>
-          <a:p>
-            <a:pPr defTabSz="914400" eaLnBrk="0" fontAlgn="base" hangingPunct="0">
-              <a:spcBef>
-                <a:spcPct val="0"/>
-              </a:spcBef>
-              <a:spcAft>
-                <a:spcPct val="0"/>
-              </a:spcAft>
-            </a:pPr>
-            <a:r>
-              <a:rPr lang="en-US" altLang="en-US" sz="1100" dirty="0">
-                <a:highlight>
-                  <a:srgbClr val="00FF00"/>
-                </a:highlight>
-                <a:cs typeface="Times New Roman" panose="02020603050405020304" pitchFamily="18" charset="0"/>
-              </a:rPr>
-              <a:t>- </a:t>
+                <a:cs typeface="Times New Roman" panose="02020603050405020304" pitchFamily="18" charset="0"/>
+              </a:rPr>
+              <a:t>GetWorldObjectInventory</a:t>
+            </a:r>
+            <a:r>
+              <a:rPr lang="en-US" altLang="en-US" sz="1100" dirty="0">
+                <a:cs typeface="Times New Roman" panose="02020603050405020304" pitchFamily="18" charset="0"/>
+              </a:rPr>
+              <a:t>(Vector2Int) : Inventory &lt;&lt;override&gt;&gt;</a:t>
+            </a:r>
+            <a:endParaRPr lang="en-US" altLang="en-US" sz="1100" dirty="0"/>
+          </a:p>
+          <a:p>
+            <a:pPr defTabSz="914400" eaLnBrk="0" fontAlgn="base" hangingPunct="0">
+              <a:spcBef>
+                <a:spcPct val="0"/>
+              </a:spcBef>
+              <a:spcAft>
+                <a:spcPct val="0"/>
+              </a:spcAft>
+            </a:pPr>
+            <a:r>
+              <a:rPr lang="en-US" altLang="en-US" sz="1100" dirty="0">
+                <a:cs typeface="Times New Roman" panose="02020603050405020304" pitchFamily="18" charset="0"/>
+              </a:rPr>
+              <a:t>+ </a:t>
             </a:r>
             <a:r>
               <a:rPr lang="en-US" altLang="en-US" sz="1100" dirty="0" err="1">
-                <a:highlight>
-                  <a:srgbClr val="00FF00"/>
-                </a:highlight>
-                <a:cs typeface="Times New Roman" panose="02020603050405020304" pitchFamily="18" charset="0"/>
-              </a:rPr>
-              <a:t>GetMoveMap</a:t>
-            </a:r>
-            <a:r>
-              <a:rPr lang="en-US" altLang="en-US" sz="1100" dirty="0">
-                <a:highlight>
-                  <a:srgbClr val="00FF00"/>
-                </a:highlight>
-                <a:cs typeface="Times New Roman" panose="02020603050405020304" pitchFamily="18" charset="0"/>
-              </a:rPr>
-              <a:t>() : Node[,]</a:t>
-            </a:r>
-          </a:p>
-          <a:p>
-            <a:pPr defTabSz="914400" eaLnBrk="0" fontAlgn="base" hangingPunct="0">
-              <a:spcBef>
-                <a:spcPct val="0"/>
-              </a:spcBef>
-              <a:spcAft>
-                <a:spcPct val="0"/>
-              </a:spcAft>
-            </a:pPr>
-            <a:r>
-              <a:rPr lang="en-US" altLang="en-US" sz="1100" dirty="0">
-                <a:highlight>
-                  <a:srgbClr val="00FF00"/>
-                </a:highlight>
-              </a:rPr>
-              <a:t># </a:t>
+                <a:cs typeface="Times New Roman" panose="02020603050405020304" pitchFamily="18" charset="0"/>
+              </a:rPr>
+              <a:t>isSpaceFree</a:t>
+            </a:r>
+            <a:r>
+              <a:rPr lang="en-US" altLang="en-US" sz="1100" dirty="0">
+                <a:cs typeface="Times New Roman" panose="02020603050405020304" pitchFamily="18" charset="0"/>
+              </a:rPr>
+              <a:t>(Vector2Int): bool &lt;&lt;override&gt;&gt;</a:t>
+            </a:r>
+          </a:p>
+          <a:p>
+            <a:pPr defTabSz="914400" eaLnBrk="0" fontAlgn="base" hangingPunct="0">
+              <a:spcBef>
+                <a:spcPct val="0"/>
+              </a:spcBef>
+              <a:spcAft>
+                <a:spcPct val="0"/>
+              </a:spcAft>
+            </a:pPr>
+            <a:r>
+              <a:rPr lang="en-US" altLang="en-US" sz="1100" dirty="0">
+                <a:cs typeface="Times New Roman" panose="02020603050405020304" pitchFamily="18" charset="0"/>
+              </a:rPr>
+              <a:t>+ </a:t>
             </a:r>
             <a:r>
               <a:rPr lang="en-US" altLang="en-US" sz="1100" dirty="0" err="1">
-                <a:highlight>
-                  <a:srgbClr val="00FF00"/>
-                </a:highlight>
-              </a:rPr>
-              <a:t>AttackMove</a:t>
-            </a:r>
-            <a:r>
-              <a:rPr lang="en-US" altLang="en-US" sz="1100" dirty="0">
-                <a:highlight>
-                  <a:srgbClr val="00FF00"/>
-                </a:highlight>
-              </a:rPr>
-              <a:t>(Vecotr2Int) : bool</a:t>
-            </a:r>
-          </a:p>
-          <a:p>
-            <a:pPr defTabSz="914400" eaLnBrk="0" fontAlgn="base" hangingPunct="0">
-              <a:spcBef>
-                <a:spcPct val="0"/>
-              </a:spcBef>
-              <a:spcAft>
-                <a:spcPct val="0"/>
-              </a:spcAft>
-            </a:pPr>
-            <a:r>
-              <a:rPr lang="en-US" altLang="en-US" sz="1100" dirty="0">
-                <a:highlight>
-                  <a:srgbClr val="00FF00"/>
-                </a:highlight>
-              </a:rPr>
-              <a:t>- </a:t>
+                <a:cs typeface="Times New Roman" panose="02020603050405020304" pitchFamily="18" charset="0"/>
+              </a:rPr>
+              <a:t>OnCreate</a:t>
+            </a:r>
+            <a:r>
+              <a:rPr lang="en-US" altLang="en-US" sz="1100" dirty="0">
+                <a:cs typeface="Times New Roman" panose="02020603050405020304" pitchFamily="18" charset="0"/>
+              </a:rPr>
+              <a:t>() : void &lt;&lt;override&gt;&gt;</a:t>
+            </a:r>
+          </a:p>
+          <a:p>
+            <a:pPr defTabSz="914400" eaLnBrk="0" fontAlgn="base" hangingPunct="0">
+              <a:spcBef>
+                <a:spcPct val="0"/>
+              </a:spcBef>
+              <a:spcAft>
+                <a:spcPct val="0"/>
+              </a:spcAft>
+            </a:pPr>
+            <a:r>
+              <a:rPr lang="en-US" altLang="en-US" sz="1100" dirty="0">
+                <a:cs typeface="Times New Roman" panose="02020603050405020304" pitchFamily="18" charset="0"/>
+              </a:rPr>
+              <a:t>+ </a:t>
             </a:r>
             <a:r>
               <a:rPr lang="en-US" altLang="en-US" sz="1100" dirty="0" err="1">
-                <a:highlight>
-                  <a:srgbClr val="00FF00"/>
-                </a:highlight>
-              </a:rPr>
-              <a:t>MeleeAttack</a:t>
-            </a:r>
-            <a:r>
-              <a:rPr lang="en-US" altLang="en-US" sz="1100" dirty="0">
-                <a:highlight>
-                  <a:srgbClr val="00FF00"/>
-                </a:highlight>
-              </a:rPr>
-              <a:t>(</a:t>
-            </a:r>
-            <a:r>
-              <a:rPr lang="en-US" altLang="en-US" sz="1100" dirty="0" err="1">
-                <a:highlight>
-                  <a:srgbClr val="00FF00"/>
-                </a:highlight>
-              </a:rPr>
-              <a:t>RoguelikeObject</a:t>
-            </a:r>
-            <a:r>
-              <a:rPr lang="en-US" altLang="en-US" sz="1100" dirty="0">
-                <a:highlight>
-                  <a:srgbClr val="00FF00"/>
-                </a:highlight>
-              </a:rPr>
-              <a:t>) : bool</a:t>
-            </a:r>
-          </a:p>
-          <a:p>
-            <a:pPr defTabSz="914400" eaLnBrk="0" fontAlgn="base" hangingPunct="0">
-              <a:spcBef>
-                <a:spcPct val="0"/>
-              </a:spcBef>
-              <a:spcAft>
-                <a:spcPct val="0"/>
-              </a:spcAft>
-            </a:pPr>
-            <a:r>
-              <a:rPr lang="en-US" altLang="en-US" sz="1100" dirty="0">
-                <a:highlight>
-                  <a:srgbClr val="00FF00"/>
-                </a:highlight>
-              </a:rPr>
-              <a:t>+ Die() : void &lt;&lt;override&gt;&gt;</a:t>
-            </a:r>
-          </a:p>
-          <a:p>
-            <a:pPr defTabSz="914400" eaLnBrk="0" fontAlgn="base" hangingPunct="0">
-              <a:spcBef>
-                <a:spcPct val="0"/>
-              </a:spcBef>
-              <a:spcAft>
-                <a:spcPct val="0"/>
-              </a:spcAft>
-            </a:pPr>
-            <a:r>
-              <a:rPr lang="en-US" altLang="en-US" sz="1100" dirty="0">
-                <a:highlight>
-                  <a:srgbClr val="00FF00"/>
-                </a:highlight>
-              </a:rPr>
-              <a:t>+ Step() : void &lt;&lt;override&gt;&gt;</a:t>
-            </a:r>
-          </a:p>
-          <a:p>
-            <a:pPr defTabSz="914400" eaLnBrk="0" fontAlgn="base" hangingPunct="0">
-              <a:spcBef>
-                <a:spcPct val="0"/>
-              </a:spcBef>
-              <a:spcAft>
-                <a:spcPct val="0"/>
-              </a:spcAft>
-            </a:pPr>
-            <a:r>
-              <a:rPr lang="en-US" altLang="en-US" sz="1100" dirty="0">
-                <a:highlight>
-                  <a:srgbClr val="00FF00"/>
-                </a:highlight>
-                <a:cs typeface="Times New Roman" panose="02020603050405020304" pitchFamily="18" charset="0"/>
-              </a:rPr>
-              <a:t>+ </a:t>
-            </a:r>
-            <a:r>
-              <a:rPr lang="en-US" altLang="en-US" sz="1100" dirty="0" err="1">
-                <a:highlight>
-                  <a:srgbClr val="00FF00"/>
-                </a:highlight>
-                <a:cs typeface="Times New Roman" panose="02020603050405020304" pitchFamily="18" charset="0"/>
-              </a:rPr>
-              <a:t>GetWorldObjectInventory</a:t>
-            </a:r>
-            <a:r>
-              <a:rPr lang="en-US" altLang="en-US" sz="1100" dirty="0">
-                <a:highlight>
-                  <a:srgbClr val="00FF00"/>
-                </a:highlight>
-                <a:cs typeface="Times New Roman" panose="02020603050405020304" pitchFamily="18" charset="0"/>
-              </a:rPr>
-              <a:t>(Vector2Int) : Inventory &lt;&lt;override&gt;&gt;</a:t>
-            </a:r>
-            <a:endParaRPr lang="en-US" altLang="en-US" sz="1100" dirty="0">
-              <a:highlight>
-                <a:srgbClr val="00FF00"/>
-              </a:highlight>
-            </a:endParaRPr>
-          </a:p>
-          <a:p>
-            <a:pPr defTabSz="914400" eaLnBrk="0" fontAlgn="base" hangingPunct="0">
-              <a:spcBef>
-                <a:spcPct val="0"/>
-              </a:spcBef>
-              <a:spcAft>
-                <a:spcPct val="0"/>
-              </a:spcAft>
-            </a:pPr>
-            <a:r>
-              <a:rPr lang="en-US" altLang="en-US" sz="1100" dirty="0">
-                <a:highlight>
-                  <a:srgbClr val="00FF00"/>
-                </a:highlight>
-                <a:cs typeface="Times New Roman" panose="02020603050405020304" pitchFamily="18" charset="0"/>
-              </a:rPr>
-              <a:t>+ </a:t>
-            </a:r>
-            <a:r>
-              <a:rPr lang="en-US" altLang="en-US" sz="1100" dirty="0" err="1">
-                <a:highlight>
-                  <a:srgbClr val="00FF00"/>
-                </a:highlight>
-                <a:cs typeface="Times New Roman" panose="02020603050405020304" pitchFamily="18" charset="0"/>
-              </a:rPr>
-              <a:t>isSpaceFree</a:t>
-            </a:r>
-            <a:r>
-              <a:rPr lang="en-US" altLang="en-US" sz="1100" dirty="0">
-                <a:highlight>
-                  <a:srgbClr val="00FF00"/>
-                </a:highlight>
-                <a:cs typeface="Times New Roman" panose="02020603050405020304" pitchFamily="18" charset="0"/>
-              </a:rPr>
-              <a:t>(Vector2Int): bool &lt;&lt;override&gt;&gt;</a:t>
-            </a:r>
-          </a:p>
-          <a:p>
-            <a:pPr defTabSz="914400" eaLnBrk="0" fontAlgn="base" hangingPunct="0">
-              <a:spcBef>
-                <a:spcPct val="0"/>
-              </a:spcBef>
-              <a:spcAft>
-                <a:spcPct val="0"/>
-              </a:spcAft>
-            </a:pPr>
-            <a:r>
-              <a:rPr lang="en-US" altLang="en-US" sz="1100" dirty="0">
-                <a:highlight>
-                  <a:srgbClr val="00FF00"/>
-                </a:highlight>
-                <a:cs typeface="Times New Roman" panose="02020603050405020304" pitchFamily="18" charset="0"/>
-              </a:rPr>
-              <a:t>+ </a:t>
-            </a:r>
-            <a:r>
-              <a:rPr lang="en-US" altLang="en-US" sz="1100" dirty="0" err="1">
-                <a:highlight>
-                  <a:srgbClr val="00FF00"/>
-                </a:highlight>
-                <a:cs typeface="Times New Roman" panose="02020603050405020304" pitchFamily="18" charset="0"/>
-              </a:rPr>
-              <a:t>OnCreate</a:t>
-            </a:r>
-            <a:r>
-              <a:rPr lang="en-US" altLang="en-US" sz="1100" dirty="0">
-                <a:highlight>
-                  <a:srgbClr val="00FF00"/>
-                </a:highlight>
+                <a:cs typeface="Times New Roman" panose="02020603050405020304" pitchFamily="18" charset="0"/>
+              </a:rPr>
+              <a:t>DestroyObject</a:t>
+            </a:r>
+            <a:r>
+              <a:rPr lang="en-US" altLang="en-US" sz="1100" dirty="0">
                 <a:cs typeface="Times New Roman" panose="02020603050405020304" pitchFamily="18" charset="0"/>
               </a:rPr>
               <a:t>() : void &lt;&lt;override&gt;&gt;</a:t>
             </a:r>
-          </a:p>
-          <a:p>
-            <a:pPr defTabSz="914400" eaLnBrk="0" fontAlgn="base" hangingPunct="0">
-              <a:spcBef>
-                <a:spcPct val="0"/>
-              </a:spcBef>
-              <a:spcAft>
-                <a:spcPct val="0"/>
-              </a:spcAft>
-            </a:pPr>
-            <a:r>
-              <a:rPr lang="en-US" altLang="en-US" sz="1100" dirty="0">
-                <a:highlight>
-                  <a:srgbClr val="00FF00"/>
-                </a:highlight>
-                <a:cs typeface="Times New Roman" panose="02020603050405020304" pitchFamily="18" charset="0"/>
-              </a:rPr>
-              <a:t>+ </a:t>
-            </a:r>
-            <a:r>
-              <a:rPr lang="en-US" altLang="en-US" sz="1100" dirty="0" err="1">
-                <a:highlight>
-                  <a:srgbClr val="00FF00"/>
-                </a:highlight>
-                <a:cs typeface="Times New Roman" panose="02020603050405020304" pitchFamily="18" charset="0"/>
-              </a:rPr>
-              <a:t>DestroyObject</a:t>
-            </a:r>
-            <a:r>
-              <a:rPr lang="en-US" altLang="en-US" sz="1100" dirty="0">
-                <a:highlight>
-                  <a:srgbClr val="00FF00"/>
-                </a:highlight>
-                <a:cs typeface="Times New Roman" panose="02020603050405020304" pitchFamily="18" charset="0"/>
-              </a:rPr>
-              <a:t>() : void &lt;&lt;override&gt;&gt;</a:t>
-            </a:r>
-            <a:endParaRPr lang="en-US" altLang="en-US" sz="1100" dirty="0">
-              <a:highlight>
-                <a:srgbClr val="00FF00"/>
-              </a:highlight>
-            </a:endParaRPr>
+            <a:endParaRPr lang="en-US" altLang="en-US" sz="1100" dirty="0"/>
           </a:p>
           <a:p>
             <a:pPr defTabSz="914400" eaLnBrk="0" fontAlgn="base" hangingPunct="0">
@@ -6516,8 +5774,8 @@
         </p:nvCxnSpPr>
         <p:spPr>
           <a:xfrm flipV="1">
-            <a:off x="6939688" y="4197747"/>
-            <a:ext cx="1989908" cy="1479470"/>
+            <a:off x="6545644" y="4319984"/>
+            <a:ext cx="2383952" cy="1783589"/>
           </a:xfrm>
           <a:prstGeom prst="bentConnector3">
             <a:avLst/>
@@ -6559,12 +5817,12 @@
         </p:nvCxnSpPr>
         <p:spPr>
           <a:xfrm>
-            <a:off x="12549330" y="4197747"/>
-            <a:ext cx="1167488" cy="2813593"/>
+            <a:off x="12549330" y="4319984"/>
+            <a:ext cx="1054800" cy="5521664"/>
           </a:xfrm>
           <a:prstGeom prst="bentConnector3">
             <a:avLst>
-              <a:gd name="adj1" fmla="val 50000"/>
+              <a:gd name="adj1" fmla="val 30736"/>
             </a:avLst>
           </a:prstGeom>
           <a:ln>
@@ -6605,11 +5863,11 @@
         <p:spPr>
           <a:xfrm flipV="1">
             <a:off x="12549330" y="2682121"/>
-            <a:ext cx="1167488" cy="1515626"/>
+            <a:ext cx="1167488" cy="1637863"/>
           </a:xfrm>
           <a:prstGeom prst="bentConnector3">
             <a:avLst>
-              <a:gd name="adj1" fmla="val 50000"/>
+              <a:gd name="adj1" fmla="val 28244"/>
             </a:avLst>
           </a:prstGeom>
           <a:ln>
@@ -6649,8 +5907,8 @@
         </p:nvCxnSpPr>
         <p:spPr>
           <a:xfrm rot="5400000">
-            <a:off x="10280995" y="6081795"/>
-            <a:ext cx="701438" cy="215499"/>
+            <a:off x="10403233" y="6204031"/>
+            <a:ext cx="456963" cy="215499"/>
           </a:xfrm>
           <a:prstGeom prst="bentConnector3">
             <a:avLst>
@@ -6767,8 +6025,8 @@
         </p:nvSpPr>
         <p:spPr bwMode="auto">
           <a:xfrm>
-            <a:off x="3052739" y="9967317"/>
-            <a:ext cx="745958" cy="600075"/>
+            <a:off x="2848642" y="9976803"/>
+            <a:ext cx="2599658" cy="2846251"/>
           </a:xfrm>
           <a:prstGeom prst="rect">
             <a:avLst/>
@@ -6803,25 +6061,263 @@
             </a:pPr>
             <a:r>
               <a:rPr lang="en-US" altLang="en-US" sz="1100" dirty="0">
-                <a:latin typeface="Calibri" panose="020F0502020204030204" pitchFamily="34" charset="0"/>
                 <a:cs typeface="Times New Roman" panose="02020603050405020304" pitchFamily="18" charset="0"/>
               </a:rPr>
               <a:t>Gold</a:t>
             </a:r>
-            <a:endParaRPr lang="en-US" altLang="en-US" sz="800" dirty="0"/>
-          </a:p>
-          <a:p>
-            <a:pPr defTabSz="914400" eaLnBrk="0" fontAlgn="base" hangingPunct="0">
-              <a:spcBef>
-                <a:spcPct val="0"/>
-              </a:spcBef>
-              <a:spcAft>
-                <a:spcPct val="0"/>
-              </a:spcAft>
-            </a:pPr>
-            <a:endParaRPr lang="en-US" altLang="en-US" sz="1800" dirty="0">
-              <a:latin typeface="Arial" panose="020B0604020202020204" pitchFamily="34" charset="0"/>
-            </a:endParaRPr>
+            <a:endParaRPr lang="en-US" altLang="en-US" sz="1100" dirty="0"/>
+          </a:p>
+          <a:p>
+            <a:pPr defTabSz="914400" eaLnBrk="0" fontAlgn="base" hangingPunct="0">
+              <a:spcBef>
+                <a:spcPct val="0"/>
+              </a:spcBef>
+              <a:spcAft>
+                <a:spcPct val="0"/>
+              </a:spcAft>
+            </a:pPr>
+            <a:r>
+              <a:rPr lang="en-US" altLang="en-US" sz="1100" dirty="0"/>
+              <a:t>------------------------------------------</a:t>
+            </a:r>
+          </a:p>
+          <a:p>
+            <a:pPr defTabSz="914400" eaLnBrk="0" fontAlgn="base" hangingPunct="0">
+              <a:spcBef>
+                <a:spcPct val="0"/>
+              </a:spcBef>
+              <a:spcAft>
+                <a:spcPct val="0"/>
+              </a:spcAft>
+            </a:pPr>
+            <a:r>
+              <a:rPr lang="en-US" altLang="en-US" sz="1100" dirty="0">
+                <a:cs typeface="Times New Roman" panose="02020603050405020304" pitchFamily="18" charset="0"/>
+              </a:rPr>
+              <a:t>+ </a:t>
+            </a:r>
+            <a:r>
+              <a:rPr lang="en-US" altLang="en-US" sz="1100" u="sng" dirty="0" err="1">
+                <a:cs typeface="Times New Roman" panose="02020603050405020304" pitchFamily="18" charset="0"/>
+              </a:rPr>
+              <a:t>goldList</a:t>
+            </a:r>
+            <a:r>
+              <a:rPr lang="en-US" altLang="en-US" sz="1100" u="sng" dirty="0">
+                <a:cs typeface="Times New Roman" panose="02020603050405020304" pitchFamily="18" charset="0"/>
+              </a:rPr>
+              <a:t> : List&lt;Gold&gt;</a:t>
+            </a:r>
+            <a:endParaRPr lang="en-US" altLang="en-US" sz="1100" dirty="0"/>
+          </a:p>
+          <a:p>
+            <a:r>
+              <a:rPr lang="en-US" sz="1100" dirty="0"/>
+              <a:t>- </a:t>
+            </a:r>
+            <a:r>
+              <a:rPr lang="en-US" sz="1100" dirty="0" err="1"/>
+              <a:t>copperSingle</a:t>
+            </a:r>
+            <a:r>
+              <a:rPr lang="en-US" sz="1100" dirty="0"/>
+              <a:t> : Sprite</a:t>
+            </a:r>
+          </a:p>
+          <a:p>
+            <a:r>
+              <a:rPr lang="en-US" sz="1100" dirty="0"/>
+              <a:t>- </a:t>
+            </a:r>
+            <a:r>
+              <a:rPr lang="en-US" sz="1100" dirty="0" err="1"/>
+              <a:t>copperStack</a:t>
+            </a:r>
+            <a:r>
+              <a:rPr lang="en-US" sz="1100" dirty="0"/>
+              <a:t> : Sprite </a:t>
+            </a:r>
+          </a:p>
+          <a:p>
+            <a:r>
+              <a:rPr lang="en-US" sz="1100" dirty="0"/>
+              <a:t>- </a:t>
+            </a:r>
+            <a:r>
+              <a:rPr lang="en-US" sz="1100" dirty="0" err="1"/>
+              <a:t>copperPile</a:t>
+            </a:r>
+            <a:r>
+              <a:rPr lang="en-US" sz="1100" dirty="0"/>
+              <a:t> : Sprite </a:t>
+            </a:r>
+          </a:p>
+          <a:p>
+            <a:r>
+              <a:rPr lang="en-US" sz="1100" dirty="0"/>
+              <a:t>- </a:t>
+            </a:r>
+            <a:r>
+              <a:rPr lang="en-US" sz="1100" dirty="0" err="1"/>
+              <a:t>silverSingle</a:t>
+            </a:r>
+            <a:r>
+              <a:rPr lang="en-US" sz="1100" dirty="0"/>
+              <a:t> : Sprite </a:t>
+            </a:r>
+          </a:p>
+          <a:p>
+            <a:r>
+              <a:rPr lang="en-US" sz="1100" dirty="0"/>
+              <a:t>- </a:t>
+            </a:r>
+            <a:r>
+              <a:rPr lang="en-US" sz="1100" dirty="0" err="1"/>
+              <a:t>silverStack</a:t>
+            </a:r>
+            <a:r>
+              <a:rPr lang="en-US" sz="1100" dirty="0"/>
+              <a:t> : Sprite </a:t>
+            </a:r>
+          </a:p>
+          <a:p>
+            <a:r>
+              <a:rPr lang="en-US" sz="1100" dirty="0"/>
+              <a:t>- </a:t>
+            </a:r>
+            <a:r>
+              <a:rPr lang="en-US" sz="1100" dirty="0" err="1"/>
+              <a:t>silverPile</a:t>
+            </a:r>
+            <a:r>
+              <a:rPr lang="en-US" sz="1100" dirty="0"/>
+              <a:t> : Sprite </a:t>
+            </a:r>
+          </a:p>
+          <a:p>
+            <a:r>
+              <a:rPr lang="en-US" sz="1100" dirty="0"/>
+              <a:t>- </a:t>
+            </a:r>
+            <a:r>
+              <a:rPr lang="en-US" sz="1100" dirty="0" err="1"/>
+              <a:t>goldSingle</a:t>
+            </a:r>
+            <a:r>
+              <a:rPr lang="en-US" sz="1100" dirty="0"/>
+              <a:t> : Sprite </a:t>
+            </a:r>
+          </a:p>
+          <a:p>
+            <a:r>
+              <a:rPr lang="en-US" sz="1100" dirty="0"/>
+              <a:t>- </a:t>
+            </a:r>
+            <a:r>
+              <a:rPr lang="en-US" sz="1100" dirty="0" err="1"/>
+              <a:t>goldStack</a:t>
+            </a:r>
+            <a:r>
+              <a:rPr lang="en-US" sz="1100" dirty="0"/>
+              <a:t> : Sprite </a:t>
+            </a:r>
+          </a:p>
+          <a:p>
+            <a:r>
+              <a:rPr lang="en-US" sz="1100" dirty="0"/>
+              <a:t>- </a:t>
+            </a:r>
+            <a:r>
+              <a:rPr lang="en-US" sz="1100" dirty="0" err="1"/>
+              <a:t>goldPile</a:t>
+            </a:r>
+            <a:r>
+              <a:rPr lang="en-US" sz="1100" dirty="0"/>
+              <a:t> : Sprite</a:t>
+            </a:r>
+          </a:p>
+          <a:p>
+            <a:r>
+              <a:rPr lang="en-US" altLang="en-US" sz="1100" dirty="0"/>
+              <a:t>--------------------------------------------</a:t>
+            </a:r>
+          </a:p>
+          <a:p>
+            <a:r>
+              <a:rPr lang="en-US" altLang="en-US" sz="1100" dirty="0">
+                <a:cs typeface="Times New Roman" panose="02020603050405020304" pitchFamily="18" charset="0"/>
+              </a:rPr>
+              <a:t>+ </a:t>
+            </a:r>
+            <a:r>
+              <a:rPr lang="en-US" altLang="en-US" sz="1100" dirty="0" err="1">
+                <a:cs typeface="Times New Roman" panose="02020603050405020304" pitchFamily="18" charset="0"/>
+              </a:rPr>
+              <a:t>GetCurrentSprite</a:t>
+            </a:r>
+            <a:r>
+              <a:rPr lang="en-US" altLang="en-US" sz="1100" dirty="0">
+                <a:cs typeface="Times New Roman" panose="02020603050405020304" pitchFamily="18" charset="0"/>
+              </a:rPr>
+              <a:t>() : Sprite &lt;&lt;override&gt;&gt;</a:t>
+            </a:r>
+          </a:p>
+          <a:p>
+            <a:pPr defTabSz="914400" eaLnBrk="0" fontAlgn="base" hangingPunct="0">
+              <a:spcBef>
+                <a:spcPct val="0"/>
+              </a:spcBef>
+              <a:spcAft>
+                <a:spcPct val="0"/>
+              </a:spcAft>
+            </a:pPr>
+            <a:r>
+              <a:rPr lang="en-US" altLang="en-US" sz="1100" dirty="0">
+                <a:cs typeface="Times New Roman" panose="02020603050405020304" pitchFamily="18" charset="0"/>
+              </a:rPr>
+              <a:t>+ </a:t>
+            </a:r>
+            <a:r>
+              <a:rPr lang="en-US" altLang="en-US" sz="1100" dirty="0" err="1">
+                <a:cs typeface="Times New Roman" panose="02020603050405020304" pitchFamily="18" charset="0"/>
+              </a:rPr>
+              <a:t>OnCreate</a:t>
+            </a:r>
+            <a:r>
+              <a:rPr lang="en-US" altLang="en-US" sz="1100" dirty="0">
+                <a:cs typeface="Times New Roman" panose="02020603050405020304" pitchFamily="18" charset="0"/>
+              </a:rPr>
+              <a:t>() : void &lt;&lt;override&gt;&gt;</a:t>
+            </a:r>
+          </a:p>
+          <a:p>
+            <a:pPr defTabSz="914400" eaLnBrk="0" fontAlgn="base" hangingPunct="0">
+              <a:spcBef>
+                <a:spcPct val="0"/>
+              </a:spcBef>
+              <a:spcAft>
+                <a:spcPct val="0"/>
+              </a:spcAft>
+            </a:pPr>
+            <a:r>
+              <a:rPr lang="en-US" altLang="en-US" sz="1100" dirty="0">
+                <a:cs typeface="Times New Roman" panose="02020603050405020304" pitchFamily="18" charset="0"/>
+              </a:rPr>
+              <a:t>+ </a:t>
+            </a:r>
+            <a:r>
+              <a:rPr lang="en-US" altLang="en-US" sz="1100" dirty="0" err="1">
+                <a:cs typeface="Times New Roman" panose="02020603050405020304" pitchFamily="18" charset="0"/>
+              </a:rPr>
+              <a:t>DestroyObject</a:t>
+            </a:r>
+            <a:r>
+              <a:rPr lang="en-US" altLang="en-US" sz="1100" dirty="0">
+                <a:cs typeface="Times New Roman" panose="02020603050405020304" pitchFamily="18" charset="0"/>
+              </a:rPr>
+              <a:t>() : void &lt;&lt;override&gt;&gt;</a:t>
+            </a:r>
+            <a:endParaRPr lang="en-US" altLang="en-US" sz="1100" dirty="0"/>
           </a:p>
         </p:txBody>
       </p:sp>
@@ -6843,8 +6339,8 @@
         </p:nvCxnSpPr>
         <p:spPr>
           <a:xfrm rot="5400000">
-            <a:off x="1993369" y="7659253"/>
-            <a:ext cx="1370948" cy="3273643"/>
+            <a:off x="2321215" y="8184120"/>
+            <a:ext cx="518235" cy="3076621"/>
           </a:xfrm>
           <a:prstGeom prst="bentConnector3">
             <a:avLst>
@@ -6888,8 +6384,8 @@
         </p:nvCxnSpPr>
         <p:spPr>
           <a:xfrm rot="5400000">
-            <a:off x="2555209" y="8216349"/>
-            <a:ext cx="1366204" cy="2154706"/>
+            <a:off x="2883055" y="8741216"/>
+            <a:ext cx="513491" cy="1957684"/>
           </a:xfrm>
           <a:prstGeom prst="bentConnector3">
             <a:avLst>
@@ -6932,9 +6428,9 @@
           <p:nvPr/>
         </p:nvCxnSpPr>
         <p:spPr>
-          <a:xfrm rot="5400000">
-            <a:off x="3192333" y="8843985"/>
-            <a:ext cx="1356717" cy="889946"/>
+          <a:xfrm rot="16200000" flipH="1">
+            <a:off x="3876811" y="9705143"/>
+            <a:ext cx="513490" cy="29829"/>
           </a:xfrm>
           <a:prstGeom prst="bentConnector3">
             <a:avLst>
@@ -7115,8 +6611,8 @@
         </p:nvSpPr>
         <p:spPr bwMode="auto">
           <a:xfrm>
-            <a:off x="13260557" y="3765860"/>
-            <a:ext cx="1846093" cy="711201"/>
+            <a:off x="13042900" y="3765860"/>
+            <a:ext cx="2549641" cy="2965140"/>
           </a:xfrm>
           <a:prstGeom prst="rect">
             <a:avLst/>
@@ -7155,7 +6651,7 @@
                 <a:ea typeface="Calibri" panose="020F0502020204030204" pitchFamily="34" charset="0"/>
                 <a:cs typeface="Times New Roman" panose="02020603050405020304" pitchFamily="18" charset="0"/>
               </a:rPr>
-              <a:t>WallSnappable</a:t>
+              <a:t>WallConnected</a:t>
             </a:r>
             <a:endParaRPr lang="en-US" altLang="en-US" sz="1100" dirty="0">
               <a:latin typeface="Calibri" panose="020F0502020204030204" pitchFamily="34" charset="0"/>
@@ -7177,7 +6673,7 @@
                 <a:latin typeface="Calibri" panose="020F0502020204030204" pitchFamily="34" charset="0"/>
                 <a:cs typeface="Times New Roman" panose="02020603050405020304" pitchFamily="18" charset="0"/>
               </a:rPr>
-              <a:t>---------------------------</a:t>
+              <a:t>---------------------------------------</a:t>
             </a:r>
           </a:p>
           <a:p>
@@ -7194,22 +6690,400 @@
                 <a:latin typeface="Calibri" panose="020F0502020204030204" pitchFamily="34" charset="0"/>
                 <a:cs typeface="Times New Roman" panose="02020603050405020304" pitchFamily="18" charset="0"/>
               </a:rPr>
-              <a:t>Walls that have sprites that snap to each other</a:t>
-            </a:r>
-            <a:endParaRPr lang="en-US" altLang="en-US" sz="800" dirty="0"/>
-          </a:p>
-          <a:p>
-            <a:pPr defTabSz="914400" eaLnBrk="0" fontAlgn="base" hangingPunct="0">
-              <a:spcBef>
-                <a:spcPct val="0"/>
-              </a:spcBef>
-              <a:spcAft>
-                <a:spcPct val="0"/>
-              </a:spcAft>
-            </a:pPr>
-            <a:endParaRPr lang="en-US" altLang="en-US" sz="1800" dirty="0">
-              <a:latin typeface="Arial" panose="020B0604020202020204" pitchFamily="34" charset="0"/>
-            </a:endParaRPr>
+              <a:t>- </a:t>
+            </a:r>
+            <a:r>
+              <a:rPr lang="en-US" altLang="en-US" sz="1100" dirty="0" err="1">
+                <a:latin typeface="Calibri" panose="020F0502020204030204" pitchFamily="34" charset="0"/>
+                <a:cs typeface="Times New Roman" panose="02020603050405020304" pitchFamily="18" charset="0"/>
+              </a:rPr>
+              <a:t>topLeft</a:t>
+            </a:r>
+            <a:r>
+              <a:rPr lang="en-US" altLang="en-US" sz="1100" dirty="0">
+                <a:latin typeface="Calibri" panose="020F0502020204030204" pitchFamily="34" charset="0"/>
+                <a:cs typeface="Times New Roman" panose="02020603050405020304" pitchFamily="18" charset="0"/>
+              </a:rPr>
+              <a:t> : Sprite</a:t>
+            </a:r>
+          </a:p>
+          <a:p>
+            <a:pPr defTabSz="914400" eaLnBrk="0" fontAlgn="base" hangingPunct="0">
+              <a:spcBef>
+                <a:spcPct val="0"/>
+              </a:spcBef>
+              <a:spcAft>
+                <a:spcPct val="0"/>
+              </a:spcAft>
+            </a:pPr>
+            <a:r>
+              <a:rPr lang="en-US" altLang="en-US" sz="1100" dirty="0">
+                <a:latin typeface="Calibri" panose="020F0502020204030204" pitchFamily="34" charset="0"/>
+                <a:cs typeface="Times New Roman" panose="02020603050405020304" pitchFamily="18" charset="0"/>
+              </a:rPr>
+              <a:t>- </a:t>
+            </a:r>
+            <a:r>
+              <a:rPr lang="en-US" altLang="en-US" sz="1100" dirty="0" err="1">
+                <a:latin typeface="Calibri" panose="020F0502020204030204" pitchFamily="34" charset="0"/>
+                <a:cs typeface="Times New Roman" panose="02020603050405020304" pitchFamily="18" charset="0"/>
+              </a:rPr>
+              <a:t>topRight</a:t>
+            </a:r>
+            <a:r>
+              <a:rPr lang="en-US" altLang="en-US" sz="1100" dirty="0">
+                <a:latin typeface="Calibri" panose="020F0502020204030204" pitchFamily="34" charset="0"/>
+                <a:cs typeface="Times New Roman" panose="02020603050405020304" pitchFamily="18" charset="0"/>
+              </a:rPr>
+              <a:t> : Sprite</a:t>
+            </a:r>
+          </a:p>
+          <a:p>
+            <a:pPr defTabSz="914400" eaLnBrk="0" fontAlgn="base" hangingPunct="0">
+              <a:spcBef>
+                <a:spcPct val="0"/>
+              </a:spcBef>
+              <a:spcAft>
+                <a:spcPct val="0"/>
+              </a:spcAft>
+            </a:pPr>
+            <a:r>
+              <a:rPr lang="en-US" altLang="en-US" sz="1100" dirty="0">
+                <a:latin typeface="Calibri" panose="020F0502020204030204" pitchFamily="34" charset="0"/>
+                <a:cs typeface="Times New Roman" panose="02020603050405020304" pitchFamily="18" charset="0"/>
+              </a:rPr>
+              <a:t>- </a:t>
+            </a:r>
+            <a:r>
+              <a:rPr lang="en-US" altLang="en-US" sz="1100" dirty="0" err="1">
+                <a:latin typeface="Calibri" panose="020F0502020204030204" pitchFamily="34" charset="0"/>
+                <a:cs typeface="Times New Roman" panose="02020603050405020304" pitchFamily="18" charset="0"/>
+              </a:rPr>
+              <a:t>bottomLeft</a:t>
+            </a:r>
+            <a:r>
+              <a:rPr lang="en-US" altLang="en-US" sz="1100" dirty="0">
+                <a:latin typeface="Calibri" panose="020F0502020204030204" pitchFamily="34" charset="0"/>
+                <a:cs typeface="Times New Roman" panose="02020603050405020304" pitchFamily="18" charset="0"/>
+              </a:rPr>
+              <a:t> : Sprite</a:t>
+            </a:r>
+          </a:p>
+          <a:p>
+            <a:pPr defTabSz="914400" eaLnBrk="0" fontAlgn="base" hangingPunct="0">
+              <a:spcBef>
+                <a:spcPct val="0"/>
+              </a:spcBef>
+              <a:spcAft>
+                <a:spcPct val="0"/>
+              </a:spcAft>
+            </a:pPr>
+            <a:r>
+              <a:rPr lang="en-US" altLang="en-US" sz="1100" dirty="0">
+                <a:latin typeface="Calibri" panose="020F0502020204030204" pitchFamily="34" charset="0"/>
+                <a:cs typeface="Times New Roman" panose="02020603050405020304" pitchFamily="18" charset="0"/>
+              </a:rPr>
+              <a:t>- </a:t>
+            </a:r>
+            <a:r>
+              <a:rPr lang="en-US" altLang="en-US" sz="1100" dirty="0" err="1">
+                <a:latin typeface="Calibri" panose="020F0502020204030204" pitchFamily="34" charset="0"/>
+                <a:cs typeface="Times New Roman" panose="02020603050405020304" pitchFamily="18" charset="0"/>
+              </a:rPr>
+              <a:t>bottomRight</a:t>
+            </a:r>
+            <a:r>
+              <a:rPr lang="en-US" altLang="en-US" sz="1100" dirty="0">
+                <a:latin typeface="Calibri" panose="020F0502020204030204" pitchFamily="34" charset="0"/>
+                <a:cs typeface="Times New Roman" panose="02020603050405020304" pitchFamily="18" charset="0"/>
+              </a:rPr>
+              <a:t> : Sprite</a:t>
+            </a:r>
+          </a:p>
+          <a:p>
+            <a:pPr defTabSz="914400" eaLnBrk="0" fontAlgn="base" hangingPunct="0">
+              <a:spcBef>
+                <a:spcPct val="0"/>
+              </a:spcBef>
+              <a:spcAft>
+                <a:spcPct val="0"/>
+              </a:spcAft>
+            </a:pPr>
+            <a:r>
+              <a:rPr lang="en-US" altLang="en-US" sz="1100" dirty="0">
+                <a:latin typeface="Calibri" panose="020F0502020204030204" pitchFamily="34" charset="0"/>
+                <a:cs typeface="Times New Roman" panose="02020603050405020304" pitchFamily="18" charset="0"/>
+              </a:rPr>
+              <a:t>- horizontal : Sprite</a:t>
+            </a:r>
+          </a:p>
+          <a:p>
+            <a:pPr defTabSz="914400" eaLnBrk="0" fontAlgn="base" hangingPunct="0">
+              <a:spcBef>
+                <a:spcPct val="0"/>
+              </a:spcBef>
+              <a:spcAft>
+                <a:spcPct val="0"/>
+              </a:spcAft>
+            </a:pPr>
+            <a:r>
+              <a:rPr lang="en-US" altLang="en-US" sz="1100" dirty="0">
+                <a:latin typeface="Calibri" panose="020F0502020204030204" pitchFamily="34" charset="0"/>
+                <a:cs typeface="Times New Roman" panose="02020603050405020304" pitchFamily="18" charset="0"/>
+              </a:rPr>
+              <a:t>- vertical : Sprite</a:t>
+            </a:r>
+          </a:p>
+          <a:p>
+            <a:pPr defTabSz="914400" eaLnBrk="0" fontAlgn="base" hangingPunct="0">
+              <a:spcBef>
+                <a:spcPct val="0"/>
+              </a:spcBef>
+              <a:spcAft>
+                <a:spcPct val="0"/>
+              </a:spcAft>
+            </a:pPr>
+            <a:r>
+              <a:rPr lang="en-US" altLang="en-US" sz="1100" dirty="0">
+                <a:latin typeface="Calibri" panose="020F0502020204030204" pitchFamily="34" charset="0"/>
+                <a:cs typeface="Times New Roman" panose="02020603050405020304" pitchFamily="18" charset="0"/>
+              </a:rPr>
+              <a:t>- </a:t>
+            </a:r>
+            <a:r>
+              <a:rPr lang="en-US" altLang="en-US" sz="1100" dirty="0" err="1">
+                <a:latin typeface="Calibri" panose="020F0502020204030204" pitchFamily="34" charset="0"/>
+                <a:cs typeface="Times New Roman" panose="02020603050405020304" pitchFamily="18" charset="0"/>
+              </a:rPr>
+              <a:t>bottomCap</a:t>
+            </a:r>
+            <a:r>
+              <a:rPr lang="en-US" altLang="en-US" sz="1100" dirty="0">
+                <a:latin typeface="Calibri" panose="020F0502020204030204" pitchFamily="34" charset="0"/>
+                <a:cs typeface="Times New Roman" panose="02020603050405020304" pitchFamily="18" charset="0"/>
+              </a:rPr>
+              <a:t> : Sprite</a:t>
+            </a:r>
+          </a:p>
+          <a:p>
+            <a:pPr defTabSz="914400" eaLnBrk="0" fontAlgn="base" hangingPunct="0">
+              <a:spcBef>
+                <a:spcPct val="0"/>
+              </a:spcBef>
+              <a:spcAft>
+                <a:spcPct val="0"/>
+              </a:spcAft>
+            </a:pPr>
+            <a:r>
+              <a:rPr lang="en-US" altLang="en-US" sz="1100" dirty="0">
+                <a:latin typeface="Calibri" panose="020F0502020204030204" pitchFamily="34" charset="0"/>
+                <a:cs typeface="Times New Roman" panose="02020603050405020304" pitchFamily="18" charset="0"/>
+              </a:rPr>
+              <a:t>- surrounded : Sprite</a:t>
+            </a:r>
+          </a:p>
+          <a:p>
+            <a:pPr defTabSz="914400" eaLnBrk="0" fontAlgn="base" hangingPunct="0">
+              <a:spcBef>
+                <a:spcPct val="0"/>
+              </a:spcBef>
+              <a:spcAft>
+                <a:spcPct val="0"/>
+              </a:spcAft>
+            </a:pPr>
+            <a:r>
+              <a:rPr lang="en-US" altLang="en-US" sz="1100" dirty="0">
+                <a:latin typeface="Calibri" panose="020F0502020204030204" pitchFamily="34" charset="0"/>
+                <a:cs typeface="Times New Roman" panose="02020603050405020304" pitchFamily="18" charset="0"/>
+              </a:rPr>
+              <a:t>- </a:t>
+            </a:r>
+            <a:r>
+              <a:rPr lang="en-US" altLang="en-US" sz="1100" dirty="0" err="1">
+                <a:latin typeface="Calibri" panose="020F0502020204030204" pitchFamily="34" charset="0"/>
+                <a:cs typeface="Times New Roman" panose="02020603050405020304" pitchFamily="18" charset="0"/>
+              </a:rPr>
+              <a:t>fourWay</a:t>
+            </a:r>
+            <a:r>
+              <a:rPr lang="en-US" altLang="en-US" sz="1100" dirty="0">
+                <a:latin typeface="Calibri" panose="020F0502020204030204" pitchFamily="34" charset="0"/>
+                <a:cs typeface="Times New Roman" panose="02020603050405020304" pitchFamily="18" charset="0"/>
+              </a:rPr>
+              <a:t> : Sprite</a:t>
+            </a:r>
+          </a:p>
+          <a:p>
+            <a:pPr defTabSz="914400" eaLnBrk="0" fontAlgn="base" hangingPunct="0">
+              <a:spcBef>
+                <a:spcPct val="0"/>
+              </a:spcBef>
+              <a:spcAft>
+                <a:spcPct val="0"/>
+              </a:spcAft>
+            </a:pPr>
+            <a:r>
+              <a:rPr lang="en-US" altLang="en-US" sz="1100" dirty="0">
+                <a:latin typeface="Calibri" panose="020F0502020204030204" pitchFamily="34" charset="0"/>
+                <a:cs typeface="Times New Roman" panose="02020603050405020304" pitchFamily="18" charset="0"/>
+              </a:rPr>
+              <a:t>- </a:t>
+            </a:r>
+            <a:r>
+              <a:rPr lang="en-US" altLang="en-US" sz="1100" dirty="0" err="1">
+                <a:latin typeface="Calibri" panose="020F0502020204030204" pitchFamily="34" charset="0"/>
+                <a:cs typeface="Times New Roman" panose="02020603050405020304" pitchFamily="18" charset="0"/>
+              </a:rPr>
+              <a:t>tLeftRightDown</a:t>
+            </a:r>
+            <a:r>
+              <a:rPr lang="en-US" altLang="en-US" sz="1100" dirty="0">
+                <a:latin typeface="Calibri" panose="020F0502020204030204" pitchFamily="34" charset="0"/>
+                <a:cs typeface="Times New Roman" panose="02020603050405020304" pitchFamily="18" charset="0"/>
+              </a:rPr>
+              <a:t> : Sprite</a:t>
+            </a:r>
+          </a:p>
+          <a:p>
+            <a:pPr defTabSz="914400" eaLnBrk="0" fontAlgn="base" hangingPunct="0">
+              <a:spcBef>
+                <a:spcPct val="0"/>
+              </a:spcBef>
+              <a:spcAft>
+                <a:spcPct val="0"/>
+              </a:spcAft>
+            </a:pPr>
+            <a:r>
+              <a:rPr lang="en-US" altLang="en-US" sz="1100" dirty="0">
+                <a:latin typeface="Calibri" panose="020F0502020204030204" pitchFamily="34" charset="0"/>
+                <a:cs typeface="Times New Roman" panose="02020603050405020304" pitchFamily="18" charset="0"/>
+              </a:rPr>
+              <a:t>- </a:t>
+            </a:r>
+            <a:r>
+              <a:rPr lang="en-US" altLang="en-US" sz="1100" dirty="0" err="1">
+                <a:latin typeface="Calibri" panose="020F0502020204030204" pitchFamily="34" charset="0"/>
+                <a:cs typeface="Times New Roman" panose="02020603050405020304" pitchFamily="18" charset="0"/>
+              </a:rPr>
+              <a:t>tLeftRightUp</a:t>
+            </a:r>
+            <a:r>
+              <a:rPr lang="en-US" altLang="en-US" sz="1100" dirty="0">
+                <a:latin typeface="Calibri" panose="020F0502020204030204" pitchFamily="34" charset="0"/>
+                <a:cs typeface="Times New Roman" panose="02020603050405020304" pitchFamily="18" charset="0"/>
+              </a:rPr>
+              <a:t> : Sprite</a:t>
+            </a:r>
+          </a:p>
+          <a:p>
+            <a:pPr defTabSz="914400" eaLnBrk="0" fontAlgn="base" hangingPunct="0">
+              <a:spcBef>
+                <a:spcPct val="0"/>
+              </a:spcBef>
+              <a:spcAft>
+                <a:spcPct val="0"/>
+              </a:spcAft>
+            </a:pPr>
+            <a:r>
+              <a:rPr lang="en-US" altLang="en-US" sz="1100" dirty="0">
+                <a:latin typeface="Calibri" panose="020F0502020204030204" pitchFamily="34" charset="0"/>
+                <a:cs typeface="Times New Roman" panose="02020603050405020304" pitchFamily="18" charset="0"/>
+              </a:rPr>
+              <a:t>- </a:t>
+            </a:r>
+            <a:r>
+              <a:rPr lang="en-US" altLang="en-US" sz="1100" dirty="0" err="1">
+                <a:latin typeface="Calibri" panose="020F0502020204030204" pitchFamily="34" charset="0"/>
+                <a:cs typeface="Times New Roman" panose="02020603050405020304" pitchFamily="18" charset="0"/>
+              </a:rPr>
+              <a:t>tRightDownUp</a:t>
+            </a:r>
+            <a:r>
+              <a:rPr lang="en-US" altLang="en-US" sz="1100" dirty="0">
+                <a:latin typeface="Calibri" panose="020F0502020204030204" pitchFamily="34" charset="0"/>
+                <a:cs typeface="Times New Roman" panose="02020603050405020304" pitchFamily="18" charset="0"/>
+              </a:rPr>
+              <a:t> : Sprite</a:t>
+            </a:r>
+          </a:p>
+          <a:p>
+            <a:pPr defTabSz="914400" eaLnBrk="0" fontAlgn="base" hangingPunct="0">
+              <a:spcBef>
+                <a:spcPct val="0"/>
+              </a:spcBef>
+              <a:spcAft>
+                <a:spcPct val="0"/>
+              </a:spcAft>
+            </a:pPr>
+            <a:r>
+              <a:rPr lang="en-US" altLang="en-US" sz="1100" dirty="0">
+                <a:latin typeface="Calibri" panose="020F0502020204030204" pitchFamily="34" charset="0"/>
+                <a:cs typeface="Times New Roman" panose="02020603050405020304" pitchFamily="18" charset="0"/>
+              </a:rPr>
+              <a:t>- </a:t>
+            </a:r>
+            <a:r>
+              <a:rPr lang="en-US" altLang="en-US" sz="1100" dirty="0" err="1">
+                <a:latin typeface="Calibri" panose="020F0502020204030204" pitchFamily="34" charset="0"/>
+                <a:cs typeface="Times New Roman" panose="02020603050405020304" pitchFamily="18" charset="0"/>
+              </a:rPr>
+              <a:t>tLeftDownUp</a:t>
+            </a:r>
+            <a:r>
+              <a:rPr lang="en-US" altLang="en-US" sz="1100" dirty="0">
+                <a:latin typeface="Calibri" panose="020F0502020204030204" pitchFamily="34" charset="0"/>
+                <a:cs typeface="Times New Roman" panose="02020603050405020304" pitchFamily="18" charset="0"/>
+              </a:rPr>
+              <a:t> : Sprite</a:t>
+            </a:r>
+          </a:p>
+          <a:p>
+            <a:pPr defTabSz="914400" eaLnBrk="0" fontAlgn="base" hangingPunct="0">
+              <a:spcBef>
+                <a:spcPct val="0"/>
+              </a:spcBef>
+              <a:spcAft>
+                <a:spcPct val="0"/>
+              </a:spcAft>
+            </a:pPr>
+            <a:r>
+              <a:rPr lang="en-US" altLang="en-US" sz="1100" dirty="0">
+                <a:latin typeface="Calibri" panose="020F0502020204030204" pitchFamily="34" charset="0"/>
+                <a:cs typeface="Times New Roman" panose="02020603050405020304" pitchFamily="18" charset="0"/>
+              </a:rPr>
+              <a:t>--------------------------------------------------</a:t>
+            </a:r>
+          </a:p>
+          <a:p>
+            <a:pPr defTabSz="914400" eaLnBrk="0" fontAlgn="base" hangingPunct="0">
+              <a:spcBef>
+                <a:spcPct val="0"/>
+              </a:spcBef>
+              <a:spcAft>
+                <a:spcPct val="0"/>
+              </a:spcAft>
+            </a:pPr>
+            <a:r>
+              <a:rPr lang="en-US" altLang="en-US" sz="1100" dirty="0">
+                <a:latin typeface="Calibri" panose="020F0502020204030204" pitchFamily="34" charset="0"/>
+                <a:cs typeface="Times New Roman" panose="02020603050405020304" pitchFamily="18" charset="0"/>
+              </a:rPr>
+              <a:t>+ </a:t>
+            </a:r>
+            <a:r>
+              <a:rPr lang="en-US" altLang="en-US" sz="1100" dirty="0" err="1">
+                <a:latin typeface="Calibri" panose="020F0502020204030204" pitchFamily="34" charset="0"/>
+                <a:cs typeface="Times New Roman" panose="02020603050405020304" pitchFamily="18" charset="0"/>
+              </a:rPr>
+              <a:t>GetWorldSprite</a:t>
+            </a:r>
+            <a:r>
+              <a:rPr lang="en-US" altLang="en-US" sz="1100" dirty="0">
+                <a:latin typeface="Calibri" panose="020F0502020204030204" pitchFamily="34" charset="0"/>
+                <a:cs typeface="Times New Roman" panose="02020603050405020304" pitchFamily="18" charset="0"/>
+              </a:rPr>
+              <a:t>() : Sprite &lt;&lt;override&gt;&gt;</a:t>
+            </a:r>
           </a:p>
         </p:txBody>
       </p:sp>
@@ -7231,8 +7105,8 @@
         </p:nvCxnSpPr>
         <p:spPr>
           <a:xfrm rot="5400000">
-            <a:off x="14804760" y="2865391"/>
-            <a:ext cx="279314" cy="1521625"/>
+            <a:off x="14871818" y="2932449"/>
+            <a:ext cx="279314" cy="1387508"/>
           </a:xfrm>
           <a:prstGeom prst="bentConnector3">
             <a:avLst>
@@ -7274,8 +7148,8 @@
         </p:nvSpPr>
         <p:spPr bwMode="auto">
           <a:xfrm>
-            <a:off x="14108240" y="8181656"/>
-            <a:ext cx="1533525" cy="711201"/>
+            <a:off x="12839701" y="11087736"/>
+            <a:ext cx="2540000" cy="3434404"/>
           </a:xfrm>
           <a:prstGeom prst="rect">
             <a:avLst/>
@@ -7310,14 +7184,12 @@
             </a:pPr>
             <a:r>
               <a:rPr lang="en-US" altLang="en-US" sz="1100" dirty="0" err="1">
-                <a:latin typeface="Calibri" panose="020F0502020204030204" pitchFamily="34" charset="0"/>
                 <a:ea typeface="Calibri" panose="020F0502020204030204" pitchFamily="34" charset="0"/>
                 <a:cs typeface="Times New Roman" panose="02020603050405020304" pitchFamily="18" charset="0"/>
               </a:rPr>
-              <a:t>FloorSnappable</a:t>
+              <a:t>FloorConnected</a:t>
             </a:r>
             <a:endParaRPr lang="en-US" altLang="en-US" sz="1100" dirty="0">
-              <a:latin typeface="Calibri" panose="020F0502020204030204" pitchFamily="34" charset="0"/>
               <a:ea typeface="Calibri" panose="020F0502020204030204" pitchFamily="34" charset="0"/>
               <a:cs typeface="Times New Roman" panose="02020603050405020304" pitchFamily="18" charset="0"/>
             </a:endParaRPr>
@@ -7333,42 +7205,221 @@
             </a:pPr>
             <a:r>
               <a:rPr lang="en-US" altLang="en-US" sz="1100" dirty="0">
-                <a:latin typeface="Calibri" panose="020F0502020204030204" pitchFamily="34" charset="0"/>
-                <a:cs typeface="Times New Roman" panose="02020603050405020304" pitchFamily="18" charset="0"/>
-              </a:rPr>
-              <a:t>---------------------------</a:t>
-            </a:r>
-          </a:p>
-          <a:p>
-            <a:pPr defTabSz="914400" eaLnBrk="0" fontAlgn="base" hangingPunct="0">
-              <a:spcBef>
-                <a:spcPct val="0"/>
-              </a:spcBef>
-              <a:spcAft>
-                <a:spcPct val="0"/>
-              </a:spcAft>
-            </a:pPr>
-            <a:r>
-              <a:rPr lang="en-US" altLang="en-US" sz="1100" dirty="0">
-                <a:latin typeface="Calibri" panose="020F0502020204030204" pitchFamily="34" charset="0"/>
-                <a:cs typeface="Times New Roman" panose="02020603050405020304" pitchFamily="18" charset="0"/>
-              </a:rPr>
-              <a:t>Floors that have sprites that snap to each other</a:t>
-            </a:r>
-            <a:endParaRPr lang="en-US" altLang="en-US" sz="800" dirty="0"/>
-          </a:p>
-          <a:p>
-            <a:pPr defTabSz="914400" eaLnBrk="0" fontAlgn="base" hangingPunct="0">
-              <a:spcBef>
-                <a:spcPct val="0"/>
-              </a:spcBef>
-              <a:spcAft>
-                <a:spcPct val="0"/>
-              </a:spcAft>
-            </a:pPr>
-            <a:endParaRPr lang="en-US" altLang="en-US" sz="1800" dirty="0">
-              <a:latin typeface="Arial" panose="020B0604020202020204" pitchFamily="34" charset="0"/>
-            </a:endParaRPr>
+                <a:cs typeface="Times New Roman" panose="02020603050405020304" pitchFamily="18" charset="0"/>
+              </a:rPr>
+              <a:t>------------------------------------------------------</a:t>
+            </a:r>
+          </a:p>
+          <a:p>
+            <a:r>
+              <a:rPr lang="en-US" sz="1100" dirty="0"/>
+              <a:t>- </a:t>
+            </a:r>
+            <a:r>
+              <a:rPr lang="en-US" sz="1100" dirty="0" err="1"/>
+              <a:t>topLeft</a:t>
+            </a:r>
+            <a:r>
+              <a:rPr lang="en-US" sz="1100" dirty="0"/>
+              <a:t> : Sprite</a:t>
+            </a:r>
+          </a:p>
+          <a:p>
+            <a:r>
+              <a:rPr lang="en-US" sz="1100" dirty="0"/>
+              <a:t>- </a:t>
+            </a:r>
+            <a:r>
+              <a:rPr lang="en-US" sz="1100" dirty="0" err="1"/>
+              <a:t>topRight</a:t>
+            </a:r>
+            <a:r>
+              <a:rPr lang="en-US" sz="1100" dirty="0"/>
+              <a:t> : Sprite</a:t>
+            </a:r>
+          </a:p>
+          <a:p>
+            <a:r>
+              <a:rPr lang="en-US" sz="1100" dirty="0"/>
+              <a:t>- </a:t>
+            </a:r>
+            <a:r>
+              <a:rPr lang="en-US" sz="1100" dirty="0" err="1"/>
+              <a:t>bottomLeft</a:t>
+            </a:r>
+            <a:r>
+              <a:rPr lang="en-US" sz="1100" dirty="0"/>
+              <a:t> : Sprite</a:t>
+            </a:r>
+          </a:p>
+          <a:p>
+            <a:r>
+              <a:rPr lang="en-US" sz="1100" dirty="0"/>
+              <a:t>- </a:t>
+            </a:r>
+            <a:r>
+              <a:rPr lang="en-US" sz="1100" dirty="0" err="1"/>
+              <a:t>bottomRight</a:t>
+            </a:r>
+            <a:r>
+              <a:rPr lang="en-US" sz="1100" dirty="0"/>
+              <a:t> : Sprite</a:t>
+            </a:r>
+          </a:p>
+          <a:p>
+            <a:r>
+              <a:rPr lang="en-US" sz="1100" dirty="0"/>
+              <a:t>- top : Sprite</a:t>
+            </a:r>
+          </a:p>
+          <a:p>
+            <a:r>
+              <a:rPr lang="en-US" sz="1100" dirty="0"/>
+              <a:t>- left : Sprite</a:t>
+            </a:r>
+          </a:p>
+          <a:p>
+            <a:r>
+              <a:rPr lang="en-US" sz="1100" dirty="0"/>
+              <a:t>- right : Sprite</a:t>
+            </a:r>
+          </a:p>
+          <a:p>
+            <a:r>
+              <a:rPr lang="en-US" sz="1100" dirty="0"/>
+              <a:t>- bottom : Sprite</a:t>
+            </a:r>
+          </a:p>
+          <a:p>
+            <a:r>
+              <a:rPr lang="en-US" sz="1100" dirty="0"/>
+              <a:t>- alone : Sprite</a:t>
+            </a:r>
+          </a:p>
+          <a:p>
+            <a:r>
+              <a:rPr lang="en-US" sz="1100" dirty="0"/>
+              <a:t>- </a:t>
+            </a:r>
+            <a:r>
+              <a:rPr lang="en-US" sz="1100" dirty="0" err="1"/>
+              <a:t>topCap</a:t>
+            </a:r>
+            <a:r>
+              <a:rPr lang="en-US" sz="1100" dirty="0"/>
+              <a:t> : Sprite</a:t>
+            </a:r>
+          </a:p>
+          <a:p>
+            <a:r>
+              <a:rPr lang="en-US" sz="1100" dirty="0"/>
+              <a:t>- vertical : Sprite</a:t>
+            </a:r>
+          </a:p>
+          <a:p>
+            <a:r>
+              <a:rPr lang="en-US" sz="1100" dirty="0"/>
+              <a:t>- </a:t>
+            </a:r>
+            <a:r>
+              <a:rPr lang="en-US" sz="1100" dirty="0" err="1"/>
+              <a:t>bottomCap</a:t>
+            </a:r>
+            <a:r>
+              <a:rPr lang="en-US" sz="1100" dirty="0"/>
+              <a:t> : Sprite</a:t>
+            </a:r>
+          </a:p>
+          <a:p>
+            <a:r>
+              <a:rPr lang="en-US" sz="1100" dirty="0"/>
+              <a:t>- </a:t>
+            </a:r>
+            <a:r>
+              <a:rPr lang="en-US" sz="1100" dirty="0" err="1"/>
+              <a:t>leftCap</a:t>
+            </a:r>
+            <a:r>
+              <a:rPr lang="en-US" sz="1100" dirty="0"/>
+              <a:t> : Sprite</a:t>
+            </a:r>
+          </a:p>
+          <a:p>
+            <a:r>
+              <a:rPr lang="en-US" sz="1100" dirty="0"/>
+              <a:t>- horizontal : Sprite</a:t>
+            </a:r>
+          </a:p>
+          <a:p>
+            <a:r>
+              <a:rPr lang="en-US" sz="1100" dirty="0"/>
+              <a:t>- </a:t>
+            </a:r>
+            <a:r>
+              <a:rPr lang="en-US" sz="1100" dirty="0" err="1"/>
+              <a:t>rightCap</a:t>
+            </a:r>
+            <a:r>
+              <a:rPr lang="en-US" sz="1100" dirty="0"/>
+              <a:t> : Sprite</a:t>
+            </a:r>
+          </a:p>
+          <a:p>
+            <a:r>
+              <a:rPr lang="en-US" sz="1100" dirty="0"/>
+              <a:t>- surrounded : Sprite</a:t>
+            </a:r>
+          </a:p>
+          <a:p>
+            <a:pPr defTabSz="914400" eaLnBrk="0" fontAlgn="base" hangingPunct="0">
+              <a:spcBef>
+                <a:spcPct val="0"/>
+              </a:spcBef>
+              <a:spcAft>
+                <a:spcPct val="0"/>
+              </a:spcAft>
+            </a:pPr>
+            <a:r>
+              <a:rPr lang="en-US" altLang="en-US" sz="1100" dirty="0">
+                <a:cs typeface="Times New Roman" panose="02020603050405020304" pitchFamily="18" charset="0"/>
+              </a:rPr>
+              <a:t>------------------------------------------------------</a:t>
+            </a:r>
+          </a:p>
+          <a:p>
+            <a:pPr defTabSz="914400" eaLnBrk="0" fontAlgn="base" hangingPunct="0">
+              <a:spcBef>
+                <a:spcPct val="0"/>
+              </a:spcBef>
+              <a:spcAft>
+                <a:spcPct val="0"/>
+              </a:spcAft>
+            </a:pPr>
+            <a:r>
+              <a:rPr lang="en-US" altLang="en-US" sz="1100" dirty="0">
+                <a:cs typeface="Times New Roman" panose="02020603050405020304" pitchFamily="18" charset="0"/>
+              </a:rPr>
+              <a:t>+ </a:t>
+            </a:r>
+            <a:r>
+              <a:rPr lang="en-US" altLang="en-US" sz="1100" dirty="0" err="1">
+                <a:cs typeface="Times New Roman" panose="02020603050405020304" pitchFamily="18" charset="0"/>
+              </a:rPr>
+              <a:t>GetWorldSprite</a:t>
+            </a:r>
+            <a:r>
+              <a:rPr lang="en-US" altLang="en-US" sz="1100" dirty="0">
+                <a:cs typeface="Times New Roman" panose="02020603050405020304" pitchFamily="18" charset="0"/>
+              </a:rPr>
+              <a:t>() : Sprite &lt;&lt;override&gt;&gt;</a:t>
+            </a:r>
+          </a:p>
+          <a:p>
+            <a:pPr marL="171450" indent="-171450">
+              <a:buFontTx/>
+              <a:buChar char="-"/>
+            </a:pPr>
+            <a:endParaRPr lang="en-US" altLang="en-US" sz="1100" dirty="0"/>
           </a:p>
         </p:txBody>
       </p:sp>
@@ -7390,11 +7441,13 @@
         </p:nvCxnSpPr>
         <p:spPr>
           <a:xfrm rot="5400000">
-            <a:off x="15090324" y="7566751"/>
-            <a:ext cx="399584" cy="830226"/>
+            <a:off x="14582993" y="10078188"/>
+            <a:ext cx="536256" cy="1482840"/>
           </a:xfrm>
           <a:prstGeom prst="bentConnector3">
-            <a:avLst/>
+            <a:avLst>
+              <a:gd name="adj1" fmla="val 50000"/>
+            </a:avLst>
           </a:prstGeom>
           <a:ln>
             <a:tailEnd type="triangle"/>
@@ -7431,8 +7484,8 @@
         </p:nvSpPr>
         <p:spPr bwMode="auto">
           <a:xfrm>
-            <a:off x="15880436" y="8178948"/>
-            <a:ext cx="1533525" cy="711201"/>
+            <a:off x="15494000" y="11085028"/>
+            <a:ext cx="2540000" cy="2605572"/>
           </a:xfrm>
           <a:prstGeom prst="rect">
             <a:avLst/>
@@ -7467,14 +7520,12 @@
             </a:pPr>
             <a:r>
               <a:rPr lang="en-US" altLang="en-US" sz="1100" dirty="0" err="1">
-                <a:latin typeface="Calibri" panose="020F0502020204030204" pitchFamily="34" charset="0"/>
                 <a:ea typeface="Calibri" panose="020F0502020204030204" pitchFamily="34" charset="0"/>
                 <a:cs typeface="Times New Roman" panose="02020603050405020304" pitchFamily="18" charset="0"/>
               </a:rPr>
-              <a:t>PitSnappable</a:t>
+              <a:t>PitConnected</a:t>
             </a:r>
             <a:endParaRPr lang="en-US" altLang="en-US" sz="1100" dirty="0">
-              <a:latin typeface="Calibri" panose="020F0502020204030204" pitchFamily="34" charset="0"/>
               <a:ea typeface="Calibri" panose="020F0502020204030204" pitchFamily="34" charset="0"/>
               <a:cs typeface="Times New Roman" panose="02020603050405020304" pitchFamily="18" charset="0"/>
             </a:endParaRPr>
@@ -7490,42 +7541,152 @@
             </a:pPr>
             <a:r>
               <a:rPr lang="en-US" altLang="en-US" sz="1100" dirty="0">
-                <a:latin typeface="Calibri" panose="020F0502020204030204" pitchFamily="34" charset="0"/>
-                <a:cs typeface="Times New Roman" panose="02020603050405020304" pitchFamily="18" charset="0"/>
-              </a:rPr>
-              <a:t>---------------------------</a:t>
-            </a:r>
-          </a:p>
-          <a:p>
-            <a:pPr defTabSz="914400" eaLnBrk="0" fontAlgn="base" hangingPunct="0">
-              <a:spcBef>
-                <a:spcPct val="0"/>
-              </a:spcBef>
-              <a:spcAft>
-                <a:spcPct val="0"/>
-              </a:spcAft>
-            </a:pPr>
-            <a:r>
-              <a:rPr lang="en-US" altLang="en-US" sz="1100" dirty="0">
-                <a:latin typeface="Calibri" panose="020F0502020204030204" pitchFamily="34" charset="0"/>
-                <a:cs typeface="Times New Roman" panose="02020603050405020304" pitchFamily="18" charset="0"/>
-              </a:rPr>
-              <a:t>Pits that have sprites that snap to each other</a:t>
-            </a:r>
-            <a:endParaRPr lang="en-US" altLang="en-US" sz="800" dirty="0"/>
-          </a:p>
-          <a:p>
-            <a:pPr defTabSz="914400" eaLnBrk="0" fontAlgn="base" hangingPunct="0">
-              <a:spcBef>
-                <a:spcPct val="0"/>
-              </a:spcBef>
-              <a:spcAft>
-                <a:spcPct val="0"/>
-              </a:spcAft>
-            </a:pPr>
-            <a:endParaRPr lang="en-US" altLang="en-US" sz="1800" dirty="0">
-              <a:latin typeface="Arial" panose="020B0604020202020204" pitchFamily="34" charset="0"/>
-            </a:endParaRPr>
+                <a:cs typeface="Times New Roman" panose="02020603050405020304" pitchFamily="18" charset="0"/>
+              </a:rPr>
+              <a:t>------------------------------------------------------</a:t>
+            </a:r>
+          </a:p>
+          <a:p>
+            <a:r>
+              <a:rPr lang="en-US" sz="1100" dirty="0"/>
+              <a:t>- </a:t>
+            </a:r>
+            <a:r>
+              <a:rPr lang="en-US" sz="1100" dirty="0" err="1"/>
+              <a:t>topLeft</a:t>
+            </a:r>
+            <a:r>
+              <a:rPr lang="en-US" sz="1100" dirty="0"/>
+              <a:t> : Sprite</a:t>
+            </a:r>
+          </a:p>
+          <a:p>
+            <a:r>
+              <a:rPr lang="en-US" sz="1100" dirty="0"/>
+              <a:t>- </a:t>
+            </a:r>
+            <a:r>
+              <a:rPr lang="en-US" sz="1100" dirty="0" err="1"/>
+              <a:t>topRight</a:t>
+            </a:r>
+            <a:r>
+              <a:rPr lang="en-US" sz="1100" dirty="0"/>
+              <a:t> : Sprite</a:t>
+            </a:r>
+          </a:p>
+          <a:p>
+            <a:r>
+              <a:rPr lang="en-US" sz="1100" dirty="0"/>
+              <a:t>- top : Sprite</a:t>
+            </a:r>
+          </a:p>
+          <a:p>
+            <a:r>
+              <a:rPr lang="en-US" sz="1100" dirty="0"/>
+              <a:t>- left : Sprite</a:t>
+            </a:r>
+          </a:p>
+          <a:p>
+            <a:r>
+              <a:rPr lang="en-US" sz="1100" dirty="0"/>
+              <a:t>- right : Sprite</a:t>
+            </a:r>
+          </a:p>
+          <a:p>
+            <a:r>
+              <a:rPr lang="en-US" sz="1100" dirty="0"/>
+              <a:t>- </a:t>
+            </a:r>
+            <a:r>
+              <a:rPr lang="en-US" sz="1100" dirty="0" err="1"/>
+              <a:t>topCap</a:t>
+            </a:r>
+            <a:r>
+              <a:rPr lang="en-US" sz="1100" dirty="0"/>
+              <a:t> : Sprite</a:t>
+            </a:r>
+          </a:p>
+          <a:p>
+            <a:r>
+              <a:rPr lang="en-US" sz="1100" dirty="0"/>
+              <a:t>- vertical : Sprite</a:t>
+            </a:r>
+          </a:p>
+          <a:p>
+            <a:r>
+              <a:rPr lang="en-US" sz="1100" dirty="0"/>
+              <a:t>- surrounded : Sprite</a:t>
+            </a:r>
+          </a:p>
+          <a:p>
+            <a:r>
+              <a:rPr lang="en-US" sz="1100" dirty="0"/>
+              <a:t>- </a:t>
+            </a:r>
+            <a:r>
+              <a:rPr lang="en-US" sz="1100" dirty="0" err="1"/>
+              <a:t>curveLeft</a:t>
+            </a:r>
+            <a:r>
+              <a:rPr lang="en-US" sz="1100" dirty="0"/>
+              <a:t> : Sprite</a:t>
+            </a:r>
+          </a:p>
+          <a:p>
+            <a:r>
+              <a:rPr lang="en-US" sz="1100" dirty="0"/>
+              <a:t>- </a:t>
+            </a:r>
+            <a:r>
+              <a:rPr lang="en-US" sz="1100" dirty="0" err="1"/>
+              <a:t>curveUp</a:t>
+            </a:r>
+            <a:r>
+              <a:rPr lang="en-US" sz="1100" dirty="0"/>
+              <a:t> : Sprite</a:t>
+            </a:r>
+          </a:p>
+          <a:p>
+            <a:r>
+              <a:rPr lang="en-US" sz="1100" dirty="0"/>
+              <a:t>- </a:t>
+            </a:r>
+            <a:r>
+              <a:rPr lang="en-US" sz="1100" dirty="0" err="1"/>
+              <a:t>curveRight</a:t>
+            </a:r>
+            <a:r>
+              <a:rPr lang="en-US" sz="1100" dirty="0"/>
+              <a:t> : Sprite</a:t>
+            </a:r>
+          </a:p>
+          <a:p>
+            <a:r>
+              <a:rPr lang="en-US" altLang="en-US" sz="1100" dirty="0">
+                <a:cs typeface="Times New Roman" panose="02020603050405020304" pitchFamily="18" charset="0"/>
+              </a:rPr>
+              <a:t>------------------------------------------------------</a:t>
+            </a:r>
+          </a:p>
+          <a:p>
+            <a:r>
+              <a:rPr lang="en-US" altLang="en-US" sz="1100" dirty="0">
+                <a:cs typeface="Times New Roman" panose="02020603050405020304" pitchFamily="18" charset="0"/>
+              </a:rPr>
+              <a:t>+ </a:t>
+            </a:r>
+            <a:r>
+              <a:rPr lang="en-US" altLang="en-US" sz="1100" dirty="0" err="1">
+                <a:cs typeface="Times New Roman" panose="02020603050405020304" pitchFamily="18" charset="0"/>
+              </a:rPr>
+              <a:t>GetWorldSprite</a:t>
+            </a:r>
+            <a:r>
+              <a:rPr lang="en-US" altLang="en-US" sz="1100" dirty="0">
+                <a:cs typeface="Times New Roman" panose="02020603050405020304" pitchFamily="18" charset="0"/>
+              </a:rPr>
+              <a:t>() : Sprite &lt;&lt;override&gt;&gt;</a:t>
+            </a:r>
           </a:p>
         </p:txBody>
       </p:sp>
@@ -7547,8 +7708,8 @@
         </p:nvCxnSpPr>
         <p:spPr>
           <a:xfrm rot="16200000" flipH="1">
-            <a:off x="15977776" y="7509525"/>
-            <a:ext cx="396876" cy="941970"/>
+            <a:off x="15911496" y="10232524"/>
+            <a:ext cx="533548" cy="1171459"/>
           </a:xfrm>
           <a:prstGeom prst="bentConnector3">
             <a:avLst>
@@ -7630,7 +7791,7 @@
                 <a:ea typeface="Calibri" panose="020F0502020204030204" pitchFamily="34" charset="0"/>
                 <a:cs typeface="Times New Roman" panose="02020603050405020304" pitchFamily="18" charset="0"/>
               </a:rPr>
-              <a:t>FenceSnappable</a:t>
+              <a:t>FenceConnected</a:t>
             </a:r>
             <a:endParaRPr lang="en-US" altLang="en-US" sz="1100" dirty="0">
               <a:latin typeface="Calibri" panose="020F0502020204030204" pitchFamily="34" charset="0"/>
@@ -7825,8 +7986,8 @@
         </p:nvCxnSpPr>
         <p:spPr>
           <a:xfrm rot="16200000" flipH="1">
-            <a:off x="4533752" y="8392512"/>
-            <a:ext cx="1366204" cy="1802380"/>
+            <a:off x="4861598" y="8720357"/>
+            <a:ext cx="513491" cy="1999402"/>
           </a:xfrm>
           <a:prstGeom prst="bentConnector3">
             <a:avLst>
@@ -8097,8 +8258,8 @@
         </p:nvCxnSpPr>
         <p:spPr>
           <a:xfrm rot="16200000" flipH="1">
-            <a:off x="-499415" y="3486161"/>
-            <a:ext cx="4185639" cy="196472"/>
+            <a:off x="-712594" y="3699339"/>
+            <a:ext cx="4611995" cy="196471"/>
           </a:xfrm>
           <a:prstGeom prst="bentConnector2">
             <a:avLst/>
@@ -8207,6 +8368,257 @@
           </a:p>
         </p:txBody>
       </p:sp>
+      <p:sp>
+        <p:nvSpPr>
+          <p:cNvPr id="104" name="Text Box 4">
+            <a:extLst>
+              <a:ext uri="{FF2B5EF4-FFF2-40B4-BE49-F238E27FC236}">
+                <a16:creationId xmlns:a16="http://schemas.microsoft.com/office/drawing/2014/main" id="{EA4314F0-2180-4839-B90D-1B61E2AE3428}"/>
+              </a:ext>
+            </a:extLst>
+          </p:cNvPr>
+          <p:cNvSpPr txBox="1">
+            <a:spLocks noChangeArrowheads="1"/>
+          </p:cNvSpPr>
+          <p:nvPr/>
+        </p:nvSpPr>
+        <p:spPr bwMode="auto">
+          <a:xfrm>
+            <a:off x="8319652" y="10819982"/>
+            <a:ext cx="3976821" cy="1651028"/>
+          </a:xfrm>
+          <a:prstGeom prst="rect">
+            <a:avLst/>
+          </a:prstGeom>
+          <a:solidFill>
+            <a:srgbClr val="FFFFFF"/>
+          </a:solidFill>
+          <a:ln w="9525">
+            <a:solidFill>
+              <a:srgbClr val="000000"/>
+            </a:solidFill>
+            <a:miter lim="800000"/>
+            <a:headEnd/>
+            <a:tailEnd/>
+          </a:ln>
+        </p:spPr>
+        <p:txBody>
+          <a:bodyPr vert="horz" wrap="square" lIns="91440" tIns="45720" rIns="91440" bIns="45720" numCol="1" anchor="t" anchorCtr="0" compatLnSpc="1">
+            <a:prstTxWarp prst="textNoShape">
+              <a:avLst/>
+            </a:prstTxWarp>
+          </a:bodyPr>
+          <a:lstStyle/>
+          <a:p>
+            <a:pPr defTabSz="914400" eaLnBrk="0" fontAlgn="base" hangingPunct="0">
+              <a:spcBef>
+                <a:spcPct val="0"/>
+              </a:spcBef>
+              <a:spcAft>
+                <a:spcPct val="0"/>
+              </a:spcAft>
+            </a:pPr>
+            <a:r>
+              <a:rPr lang="en-US" altLang="en-US" sz="1100" i="1" dirty="0">
+                <a:ea typeface="Calibri" panose="020F0502020204030204" pitchFamily="34" charset="0"/>
+                <a:cs typeface="Times New Roman" panose="02020603050405020304" pitchFamily="18" charset="0"/>
+              </a:rPr>
+              <a:t>Player</a:t>
+            </a:r>
+          </a:p>
+          <a:p>
+            <a:pPr defTabSz="914400" eaLnBrk="0" fontAlgn="base" hangingPunct="0">
+              <a:spcBef>
+                <a:spcPct val="0"/>
+              </a:spcBef>
+              <a:spcAft>
+                <a:spcPct val="0"/>
+              </a:spcAft>
+            </a:pPr>
+            <a:r>
+              <a:rPr lang="en-US" altLang="en-US" sz="1100" i="1" dirty="0">
+                <a:cs typeface="Times New Roman" panose="02020603050405020304" pitchFamily="18" charset="0"/>
+              </a:rPr>
+              <a:t>----------------------------------------------------------------------------------------</a:t>
+            </a:r>
+          </a:p>
+          <a:p>
+            <a:pPr defTabSz="914400" eaLnBrk="0" fontAlgn="base" hangingPunct="0">
+              <a:spcBef>
+                <a:spcPct val="0"/>
+              </a:spcBef>
+              <a:spcAft>
+                <a:spcPct val="0"/>
+              </a:spcAft>
+            </a:pPr>
+            <a:r>
+              <a:rPr lang="en-US" altLang="en-US" sz="1100" dirty="0"/>
+              <a:t>----------------------------------------------------------------------------------------</a:t>
+            </a:r>
+          </a:p>
+          <a:p>
+            <a:pPr defTabSz="914400" eaLnBrk="0" fontAlgn="base" hangingPunct="0">
+              <a:spcBef>
+                <a:spcPct val="0"/>
+              </a:spcBef>
+              <a:spcAft>
+                <a:spcPct val="0"/>
+              </a:spcAft>
+            </a:pPr>
+            <a:r>
+              <a:rPr lang="en-US" altLang="en-US" sz="1100" dirty="0"/>
+              <a:t>+ Turn() : void</a:t>
+            </a:r>
+          </a:p>
+          <a:p>
+            <a:pPr defTabSz="914400" eaLnBrk="0" fontAlgn="base" hangingPunct="0">
+              <a:spcBef>
+                <a:spcPct val="0"/>
+              </a:spcBef>
+              <a:spcAft>
+                <a:spcPct val="0"/>
+              </a:spcAft>
+            </a:pPr>
+            <a:r>
+              <a:rPr lang="en-US" altLang="en-US" sz="1100" dirty="0"/>
+              <a:t>- </a:t>
+            </a:r>
+            <a:r>
+              <a:rPr lang="en-US" altLang="en-US" sz="1100" dirty="0" err="1"/>
+              <a:t>EndTurn</a:t>
+            </a:r>
+            <a:r>
+              <a:rPr lang="en-US" altLang="en-US" sz="1100" dirty="0"/>
+              <a:t>() : void</a:t>
+            </a:r>
+          </a:p>
+          <a:p>
+            <a:pPr defTabSz="914400" eaLnBrk="0" fontAlgn="base" hangingPunct="0">
+              <a:spcBef>
+                <a:spcPct val="0"/>
+              </a:spcBef>
+              <a:spcAft>
+                <a:spcPct val="0"/>
+              </a:spcAft>
+            </a:pPr>
+            <a:r>
+              <a:rPr lang="en-US" altLang="en-US" sz="1100" dirty="0"/>
+              <a:t>- Pickup() : void</a:t>
+            </a:r>
+          </a:p>
+          <a:p>
+            <a:pPr defTabSz="914400" eaLnBrk="0" fontAlgn="base" hangingPunct="0">
+              <a:spcBef>
+                <a:spcPct val="0"/>
+              </a:spcBef>
+              <a:spcAft>
+                <a:spcPct val="0"/>
+              </a:spcAft>
+            </a:pPr>
+            <a:r>
+              <a:rPr lang="en-US" altLang="en-US" sz="1100" dirty="0"/>
+              <a:t>+ Initialize() : void &lt;&lt;override&gt;&gt;</a:t>
+            </a:r>
+          </a:p>
+          <a:p>
+            <a:pPr defTabSz="914400" eaLnBrk="0" fontAlgn="base" hangingPunct="0">
+              <a:spcBef>
+                <a:spcPct val="0"/>
+              </a:spcBef>
+              <a:spcAft>
+                <a:spcPct val="0"/>
+              </a:spcAft>
+            </a:pPr>
+            <a:r>
+              <a:rPr lang="en-US" altLang="en-US" sz="1100" dirty="0"/>
+              <a:t>+ </a:t>
+            </a:r>
+            <a:r>
+              <a:rPr lang="en-US" altLang="en-US" sz="1100" dirty="0" err="1"/>
+              <a:t>MoveToLocation</a:t>
+            </a:r>
+            <a:r>
+              <a:rPr lang="en-US" altLang="en-US" sz="1100" dirty="0"/>
+              <a:t>() : bool &lt;&lt;override&gt;&gt;</a:t>
+            </a:r>
+          </a:p>
+          <a:p>
+            <a:pPr defTabSz="914400" eaLnBrk="0" fontAlgn="base" hangingPunct="0">
+              <a:spcBef>
+                <a:spcPct val="0"/>
+              </a:spcBef>
+              <a:spcAft>
+                <a:spcPct val="0"/>
+              </a:spcAft>
+            </a:pPr>
+            <a:r>
+              <a:rPr lang="en-US" altLang="en-US" sz="1100" dirty="0"/>
+              <a:t># </a:t>
+            </a:r>
+            <a:r>
+              <a:rPr lang="en-US" altLang="en-US" sz="1100" dirty="0" err="1"/>
+              <a:t>TakeTurn</a:t>
+            </a:r>
+            <a:r>
+              <a:rPr lang="en-US" altLang="en-US" sz="1100" dirty="0"/>
+              <a:t>() : void &lt;&lt;override&gt;&gt;</a:t>
+            </a:r>
+          </a:p>
+          <a:p>
+            <a:pPr defTabSz="914400" eaLnBrk="0" fontAlgn="base" hangingPunct="0">
+              <a:spcBef>
+                <a:spcPct val="0"/>
+              </a:spcBef>
+              <a:spcAft>
+                <a:spcPct val="0"/>
+              </a:spcAft>
+            </a:pPr>
+            <a:endParaRPr lang="en-US" altLang="en-US" sz="1100" i="1" dirty="0"/>
+          </a:p>
+        </p:txBody>
+      </p:sp>
+      <p:cxnSp>
+        <p:nvCxnSpPr>
+          <p:cNvPr id="103" name="Connector: Elbow 102">
+            <a:extLst>
+              <a:ext uri="{FF2B5EF4-FFF2-40B4-BE49-F238E27FC236}">
+                <a16:creationId xmlns:a16="http://schemas.microsoft.com/office/drawing/2014/main" id="{B6546E52-EF2A-40C6-BBB5-2F766CC4D2CA}"/>
+              </a:ext>
+            </a:extLst>
+          </p:cNvPr>
+          <p:cNvCxnSpPr>
+            <a:stCxn id="9" idx="2"/>
+            <a:endCxn id="104" idx="0"/>
+          </p:cNvCxnSpPr>
+          <p:nvPr/>
+        </p:nvCxnSpPr>
+        <p:spPr>
+          <a:xfrm rot="5400000">
+            <a:off x="9994425" y="10290442"/>
+            <a:ext cx="843179" cy="215901"/>
+          </a:xfrm>
+          <a:prstGeom prst="bentConnector3">
+            <a:avLst/>
+          </a:prstGeom>
+          <a:ln>
+            <a:tailEnd type="triangle"/>
+          </a:ln>
+        </p:spPr>
+        <p:style>
+          <a:lnRef idx="1">
+            <a:schemeClr val="accent1"/>
+          </a:lnRef>
+          <a:fillRef idx="0">
+            <a:schemeClr val="accent1"/>
+          </a:fillRef>
+          <a:effectRef idx="0">
+            <a:schemeClr val="accent1"/>
+          </a:effectRef>
+          <a:fontRef idx="minor">
+            <a:schemeClr val="tx1"/>
+          </a:fontRef>
+        </p:style>
+      </p:cxnSp>
     </p:spTree>
     <p:extLst>
       <p:ext uri="{BB962C8B-B14F-4D97-AF65-F5344CB8AC3E}">

--- a/Class Diagram.pptx
+++ b/Class Diagram.pptx
@@ -2988,7 +2988,7 @@
         <p:spPr bwMode="auto">
           <a:xfrm>
             <a:off x="1691639" y="2743832"/>
-            <a:ext cx="4854005" cy="6719481"/>
+            <a:ext cx="4854005" cy="7555200"/>
           </a:xfrm>
           <a:prstGeom prst="rect">
             <a:avLst/>
@@ -3940,6 +3940,46 @@
               </a:spcAft>
             </a:pPr>
             <a:r>
+              <a:rPr lang="en-US" altLang="en-US" sz="1100" dirty="0">
+                <a:cs typeface="Times New Roman" panose="02020603050405020304" pitchFamily="18" charset="0"/>
+              </a:rPr>
+              <a:t>+ </a:t>
+            </a:r>
+            <a:r>
+              <a:rPr lang="en-US" altLang="en-US" sz="1100" dirty="0" err="1">
+                <a:cs typeface="Times New Roman" panose="02020603050405020304" pitchFamily="18" charset="0"/>
+              </a:rPr>
+              <a:t>TakeDamage</a:t>
+            </a:r>
+            <a:r>
+              <a:rPr lang="en-US" altLang="en-US" sz="1100" dirty="0">
+                <a:cs typeface="Times New Roman" panose="02020603050405020304" pitchFamily="18" charset="0"/>
+              </a:rPr>
+              <a:t>(</a:t>
+            </a:r>
+            <a:r>
+              <a:rPr lang="en-US" altLang="en-US" sz="1100" dirty="0" err="1">
+                <a:cs typeface="Times New Roman" panose="02020603050405020304" pitchFamily="18" charset="0"/>
+              </a:rPr>
+              <a:t>RoguelikeObject</a:t>
+            </a:r>
+            <a:r>
+              <a:rPr lang="en-US" altLang="en-US" sz="1100" dirty="0">
+                <a:cs typeface="Times New Roman" panose="02020603050405020304" pitchFamily="18" charset="0"/>
+              </a:rPr>
+              <a:t>, int)</a:t>
+            </a:r>
+          </a:p>
+          <a:p>
+            <a:pPr defTabSz="914400" eaLnBrk="0" fontAlgn="base" hangingPunct="0">
+              <a:spcBef>
+                <a:spcPct val="0"/>
+              </a:spcBef>
+              <a:spcAft>
+                <a:spcPct val="0"/>
+              </a:spcAft>
+            </a:pPr>
+            <a:r>
               <a:rPr lang="en-US" altLang="en-US" sz="1100" i="1" dirty="0">
                 <a:ea typeface="Calibri" panose="020F0502020204030204" pitchFamily="34" charset="0"/>
                 <a:cs typeface="Times New Roman" panose="02020603050405020304" pitchFamily="18" charset="0"/>
@@ -4039,6 +4079,76 @@
                 <a:cs typeface="Times New Roman" panose="02020603050405020304" pitchFamily="18" charset="0"/>
               </a:rPr>
               <a:t>+ Die() : void</a:t>
+            </a:r>
+          </a:p>
+          <a:p>
+            <a:pPr defTabSz="914400" eaLnBrk="0" fontAlgn="base" hangingPunct="0">
+              <a:spcBef>
+                <a:spcPct val="0"/>
+              </a:spcBef>
+              <a:spcAft>
+                <a:spcPct val="0"/>
+              </a:spcAft>
+            </a:pPr>
+            <a:r>
+              <a:rPr lang="en-US" altLang="en-US" sz="1100" i="1" dirty="0">
+                <a:ea typeface="Calibri" panose="020F0502020204030204" pitchFamily="34" charset="0"/>
+                <a:cs typeface="Times New Roman" panose="02020603050405020304" pitchFamily="18" charset="0"/>
+              </a:rPr>
+              <a:t>+ </a:t>
+            </a:r>
+            <a:r>
+              <a:rPr lang="en-US" altLang="en-US" sz="1100" i="1" dirty="0" err="1">
+                <a:ea typeface="Calibri" panose="020F0502020204030204" pitchFamily="34" charset="0"/>
+                <a:cs typeface="Times New Roman" panose="02020603050405020304" pitchFamily="18" charset="0"/>
+              </a:rPr>
+              <a:t>AttemptDodge</a:t>
+            </a:r>
+            <a:r>
+              <a:rPr lang="en-US" altLang="en-US" sz="1100" i="1" dirty="0">
+                <a:ea typeface="Calibri" panose="020F0502020204030204" pitchFamily="34" charset="0"/>
+                <a:cs typeface="Times New Roman" panose="02020603050405020304" pitchFamily="18" charset="0"/>
+              </a:rPr>
+              <a:t>(</a:t>
+            </a:r>
+            <a:r>
+              <a:rPr lang="en-US" altLang="en-US" sz="1100" dirty="0" err="1"/>
+              <a:t>RoguelikeObject</a:t>
+            </a:r>
+            <a:r>
+              <a:rPr lang="en-US" altLang="en-US" sz="1100" i="1" dirty="0">
+                <a:ea typeface="Calibri" panose="020F0502020204030204" pitchFamily="34" charset="0"/>
+                <a:cs typeface="Times New Roman" panose="02020603050405020304" pitchFamily="18" charset="0"/>
+              </a:rPr>
+              <a:t>) : bool</a:t>
+            </a:r>
+          </a:p>
+          <a:p>
+            <a:pPr defTabSz="914400" eaLnBrk="0" fontAlgn="base" hangingPunct="0">
+              <a:spcBef>
+                <a:spcPct val="0"/>
+              </a:spcBef>
+              <a:spcAft>
+                <a:spcPct val="0"/>
+              </a:spcAft>
+            </a:pPr>
+            <a:r>
+              <a:rPr lang="en-US" altLang="en-US" sz="1100" i="1" dirty="0">
+                <a:ea typeface="Calibri" panose="020F0502020204030204" pitchFamily="34" charset="0"/>
+                <a:cs typeface="Times New Roman" panose="02020603050405020304" pitchFamily="18" charset="0"/>
+              </a:rPr>
+              <a:t>+ Dodge(</a:t>
+            </a:r>
+            <a:r>
+              <a:rPr lang="en-US" altLang="en-US" sz="1100" dirty="0" err="1"/>
+              <a:t>RoguelikeObject</a:t>
+            </a:r>
+            <a:r>
+              <a:rPr lang="en-US" altLang="en-US" sz="1100" i="1" dirty="0">
+                <a:ea typeface="Calibri" panose="020F0502020204030204" pitchFamily="34" charset="0"/>
+                <a:cs typeface="Times New Roman" panose="02020603050405020304" pitchFamily="18" charset="0"/>
+              </a:rPr>
+              <a:t>) : bool</a:t>
             </a:r>
           </a:p>
           <a:p>
@@ -5194,7 +5304,7 @@
         </p:nvSpPr>
         <p:spPr bwMode="auto">
           <a:xfrm>
-            <a:off x="669042" y="9981548"/>
+            <a:off x="572254" y="11752405"/>
             <a:ext cx="745958" cy="600075"/>
           </a:xfrm>
           <a:prstGeom prst="rect">
@@ -5270,7 +5380,7 @@
         <p:spPr bwMode="auto">
           <a:xfrm>
             <a:off x="8535553" y="6540262"/>
-            <a:ext cx="3976821" cy="3436541"/>
+            <a:ext cx="3976821" cy="3841587"/>
           </a:xfrm>
           <a:prstGeom prst="rect">
             <a:avLst/>
@@ -5624,6 +5734,36 @@
               </a:spcAft>
             </a:pPr>
             <a:r>
+              <a:rPr lang="en-US" altLang="en-US" sz="1100" dirty="0"/>
+              <a:t>+ </a:t>
+            </a:r>
+            <a:r>
+              <a:rPr lang="en-US" altLang="en-US" sz="1100" dirty="0" err="1"/>
+              <a:t>AttempDodge</a:t>
+            </a:r>
+            <a:r>
+              <a:rPr lang="en-US" altLang="en-US" sz="1100" dirty="0"/>
+              <a:t>(</a:t>
+            </a:r>
+            <a:r>
+              <a:rPr lang="en-US" altLang="en-US" sz="1100" dirty="0" err="1"/>
+              <a:t>RoguelikeObject</a:t>
+            </a:r>
+            <a:r>
+              <a:rPr lang="en-US" altLang="en-US" sz="1100" dirty="0"/>
+              <a:t>) : bool &lt;&lt;override&gt;&gt;</a:t>
+            </a:r>
+          </a:p>
+          <a:p>
+            <a:pPr defTabSz="914400" eaLnBrk="0" fontAlgn="base" hangingPunct="0">
+              <a:spcBef>
+                <a:spcPct val="0"/>
+              </a:spcBef>
+              <a:spcAft>
+                <a:spcPct val="0"/>
+              </a:spcAft>
+            </a:pPr>
+            <a:r>
               <a:rPr lang="en-US" altLang="en-US" sz="1100" dirty="0">
                 <a:cs typeface="Times New Roman" panose="02020603050405020304" pitchFamily="18" charset="0"/>
               </a:rPr>
@@ -5775,7 +5915,7 @@
         <p:spPr>
           <a:xfrm flipV="1">
             <a:off x="6545644" y="4319984"/>
-            <a:ext cx="2383952" cy="1783589"/>
+            <a:ext cx="2383952" cy="2201448"/>
           </a:xfrm>
           <a:prstGeom prst="bentConnector3">
             <a:avLst/>
@@ -5950,7 +6090,7 @@
         </p:nvSpPr>
         <p:spPr bwMode="auto">
           <a:xfrm>
-            <a:off x="1787979" y="9976804"/>
+            <a:off x="1691191" y="11747661"/>
             <a:ext cx="745958" cy="600075"/>
           </a:xfrm>
           <a:prstGeom prst="rect">
@@ -6025,7 +6165,7 @@
         </p:nvSpPr>
         <p:spPr bwMode="auto">
           <a:xfrm>
-            <a:off x="2848642" y="9976803"/>
+            <a:off x="2751854" y="11747660"/>
             <a:ext cx="2599658" cy="2846251"/>
           </a:xfrm>
           <a:prstGeom prst="rect">
@@ -6339,8 +6479,8 @@
         </p:nvCxnSpPr>
         <p:spPr>
           <a:xfrm rot="5400000">
-            <a:off x="2321215" y="8184120"/>
-            <a:ext cx="518235" cy="3076621"/>
+            <a:off x="1805252" y="9439014"/>
+            <a:ext cx="1453373" cy="3173409"/>
           </a:xfrm>
           <a:prstGeom prst="bentConnector3">
             <a:avLst>
@@ -6384,8 +6524,8 @@
         </p:nvCxnSpPr>
         <p:spPr>
           <a:xfrm rot="5400000">
-            <a:off x="2883055" y="8741216"/>
-            <a:ext cx="513491" cy="1957684"/>
+            <a:off x="2367092" y="9996110"/>
+            <a:ext cx="1448629" cy="2054472"/>
           </a:xfrm>
           <a:prstGeom prst="bentConnector3">
             <a:avLst>
@@ -6428,9 +6568,9 @@
           <p:nvPr/>
         </p:nvCxnSpPr>
         <p:spPr>
-          <a:xfrm rot="16200000" flipH="1">
-            <a:off x="3876811" y="9705143"/>
-            <a:ext cx="513490" cy="29829"/>
+          <a:xfrm rot="5400000">
+            <a:off x="3360849" y="10989867"/>
+            <a:ext cx="1448628" cy="66959"/>
           </a:xfrm>
           <a:prstGeom prst="bentConnector3">
             <a:avLst>
@@ -7910,7 +8050,7 @@
         </p:nvSpPr>
         <p:spPr bwMode="auto">
           <a:xfrm>
-            <a:off x="5745065" y="9976804"/>
+            <a:off x="5648277" y="11747661"/>
             <a:ext cx="745958" cy="600075"/>
           </a:xfrm>
           <a:prstGeom prst="rect">
@@ -7986,8 +8126,8 @@
         </p:nvCxnSpPr>
         <p:spPr>
           <a:xfrm rot="16200000" flipH="1">
-            <a:off x="4861598" y="8720357"/>
-            <a:ext cx="513491" cy="1999402"/>
+            <a:off x="4345635" y="10072039"/>
+            <a:ext cx="1448629" cy="1902614"/>
           </a:xfrm>
           <a:prstGeom prst="bentConnector3">
             <a:avLst>
@@ -8258,8 +8398,8 @@
         </p:nvCxnSpPr>
         <p:spPr>
           <a:xfrm rot="16200000" flipH="1">
-            <a:off x="-712594" y="3699339"/>
-            <a:ext cx="4611995" cy="196471"/>
+            <a:off x="-921524" y="3908269"/>
+            <a:ext cx="5029854" cy="196471"/>
           </a:xfrm>
           <a:prstGeom prst="bentConnector2">
             <a:avLst/>
@@ -8384,8 +8524,8 @@
         </p:nvSpPr>
         <p:spPr bwMode="auto">
           <a:xfrm>
-            <a:off x="8319652" y="10819982"/>
-            <a:ext cx="3976821" cy="1651028"/>
+            <a:off x="8319653" y="11747660"/>
+            <a:ext cx="3976821" cy="1942940"/>
           </a:xfrm>
           <a:prstGeom prst="rect">
             <a:avLst/>
@@ -8573,6 +8713,28 @@
                 <a:spcPct val="0"/>
               </a:spcAft>
             </a:pPr>
+            <a:r>
+              <a:rPr lang="en-US" altLang="en-US" sz="1100" dirty="0"/>
+              <a:t>+ </a:t>
+            </a:r>
+            <a:r>
+              <a:rPr lang="en-US" altLang="en-US" sz="1100" dirty="0" err="1"/>
+              <a:t>GetFullName</a:t>
+            </a:r>
+            <a:r>
+              <a:rPr lang="en-US" altLang="en-US" sz="1100" dirty="0"/>
+              <a:t>() : string &lt;&lt;override&gt;&gt;</a:t>
+            </a:r>
+          </a:p>
+          <a:p>
+            <a:pPr defTabSz="914400" eaLnBrk="0" fontAlgn="base" hangingPunct="0">
+              <a:spcBef>
+                <a:spcPct val="0"/>
+              </a:spcBef>
+              <a:spcAft>
+                <a:spcPct val="0"/>
+              </a:spcAft>
+            </a:pPr>
             <a:endParaRPr lang="en-US" altLang="en-US" sz="1100" i="1" dirty="0"/>
           </a:p>
         </p:txBody>
@@ -8587,6 +8749,7 @@
             </a:extLst>
           </p:cNvPr>
           <p:cNvCxnSpPr>
+            <a:cxnSpLocks/>
             <a:stCxn id="9" idx="2"/>
             <a:endCxn id="104" idx="0"/>
           </p:cNvCxnSpPr>
@@ -8594,8 +8757,8 @@
         </p:nvCxnSpPr>
         <p:spPr>
           <a:xfrm rot="5400000">
-            <a:off x="9994425" y="10290442"/>
-            <a:ext cx="843179" cy="215901"/>
+            <a:off x="9733109" y="10956804"/>
+            <a:ext cx="1365811" cy="215900"/>
           </a:xfrm>
           <a:prstGeom prst="bentConnector3">
             <a:avLst/>

--- a/Class Diagram.pptx
+++ b/Class Diagram.pptx
@@ -3828,34 +3828,6 @@
               <a:rPr lang="en-US" altLang="en-US" sz="1100" dirty="0" err="1">
                 <a:cs typeface="Times New Roman" panose="02020603050405020304" pitchFamily="18" charset="0"/>
               </a:rPr>
-              <a:t>UpdateRogueSpriteRenderer</a:t>
-            </a:r>
-            <a:r>
-              <a:rPr lang="en-US" altLang="en-US" sz="1100" dirty="0">
-                <a:cs typeface="Times New Roman" panose="02020603050405020304" pitchFamily="18" charset="0"/>
-              </a:rPr>
-              <a:t>() : void</a:t>
-            </a:r>
-          </a:p>
-          <a:p>
-            <a:pPr defTabSz="914400" eaLnBrk="0" fontAlgn="base" hangingPunct="0">
-              <a:spcBef>
-                <a:spcPct val="0"/>
-              </a:spcBef>
-              <a:spcAft>
-                <a:spcPct val="0"/>
-              </a:spcAft>
-            </a:pPr>
-            <a:r>
-              <a:rPr lang="en-US" altLang="en-US" sz="1100" dirty="0">
-                <a:cs typeface="Times New Roman" panose="02020603050405020304" pitchFamily="18" charset="0"/>
-              </a:rPr>
-              <a:t>+ </a:t>
-            </a:r>
-            <a:r>
-              <a:rPr lang="en-US" altLang="en-US" sz="1100" dirty="0" err="1">
-                <a:cs typeface="Times New Roman" panose="02020603050405020304" pitchFamily="18" charset="0"/>
-              </a:rPr>
               <a:t>ToggleRogulikeObjectSprites</a:t>
             </a:r>
             <a:r>
@@ -3986,6 +3958,38 @@
               </a:rPr>
               <a:t>+ Initialize() : void</a:t>
             </a:r>
+          </a:p>
+          <a:p>
+            <a:pPr defTabSz="914400" eaLnBrk="0" fontAlgn="base" hangingPunct="0">
+              <a:spcBef>
+                <a:spcPct val="0"/>
+              </a:spcBef>
+              <a:spcAft>
+                <a:spcPct val="0"/>
+              </a:spcAft>
+            </a:pPr>
+            <a:r>
+              <a:rPr lang="en-US" altLang="en-US" sz="1100" i="1" dirty="0">
+                <a:cs typeface="Times New Roman" panose="02020603050405020304" pitchFamily="18" charset="0"/>
+              </a:rPr>
+              <a:t>+ </a:t>
+            </a:r>
+            <a:r>
+              <a:rPr lang="en-US" altLang="en-US" sz="1100" i="1" dirty="0" err="1">
+                <a:cs typeface="Times New Roman" panose="02020603050405020304" pitchFamily="18" charset="0"/>
+              </a:rPr>
+              <a:t>UpdateRogueSpriteRenderer</a:t>
+            </a:r>
+            <a:r>
+              <a:rPr lang="en-US" altLang="en-US" sz="1100" i="1" dirty="0">
+                <a:cs typeface="Times New Roman" panose="02020603050405020304" pitchFamily="18" charset="0"/>
+              </a:rPr>
+              <a:t>() : void</a:t>
+            </a:r>
+            <a:endParaRPr lang="en-US" altLang="en-US" sz="1100" i="1" dirty="0">
+              <a:ea typeface="Calibri" panose="020F0502020204030204" pitchFamily="34" charset="0"/>
+              <a:cs typeface="Times New Roman" panose="02020603050405020304" pitchFamily="18" charset="0"/>
+            </a:endParaRPr>
           </a:p>
           <a:p>
             <a:pPr defTabSz="914400" eaLnBrk="0" fontAlgn="base" hangingPunct="0">
@@ -4231,7 +4235,7 @@
         </p:nvSpPr>
         <p:spPr bwMode="auto">
           <a:xfrm>
-            <a:off x="8929596" y="2556668"/>
+            <a:off x="8122156" y="2556668"/>
             <a:ext cx="3619734" cy="3526631"/>
           </a:xfrm>
           <a:prstGeom prst="rect">
@@ -5379,7 +5383,7 @@
         </p:nvSpPr>
         <p:spPr bwMode="auto">
           <a:xfrm>
-            <a:off x="8535553" y="6540262"/>
+            <a:off x="7943612" y="6637423"/>
             <a:ext cx="3976821" cy="3841587"/>
           </a:xfrm>
           <a:prstGeom prst="rect">
@@ -5721,6 +5725,28 @@
             </a:pPr>
             <a:r>
               <a:rPr lang="en-US" altLang="en-US" sz="1100" dirty="0"/>
+              <a:t> + </a:t>
+            </a:r>
+            <a:r>
+              <a:rPr lang="en-US" altLang="en-US" sz="1100" dirty="0" err="1"/>
+              <a:t>UpdateRogueSpriteRenderer</a:t>
+            </a:r>
+            <a:r>
+              <a:rPr lang="en-US" altLang="en-US" sz="1100" dirty="0"/>
+              <a:t>() : void &lt;&lt;override&gt;&gt;</a:t>
+            </a:r>
+          </a:p>
+          <a:p>
+            <a:pPr defTabSz="914400" eaLnBrk="0" fontAlgn="base" hangingPunct="0">
+              <a:spcBef>
+                <a:spcPct val="0"/>
+              </a:spcBef>
+              <a:spcAft>
+                <a:spcPct val="0"/>
+              </a:spcAft>
+            </a:pPr>
+            <a:r>
+              <a:rPr lang="en-US" altLang="en-US" sz="1100" dirty="0"/>
               <a:t>+ Step() : void &lt;&lt;override&gt;&gt;</a:t>
             </a:r>
           </a:p>
@@ -5915,7 +5941,7 @@
         <p:spPr>
           <a:xfrm flipV="1">
             <a:off x="6545644" y="4319984"/>
-            <a:ext cx="2383952" cy="2201448"/>
+            <a:ext cx="1576512" cy="2201448"/>
           </a:xfrm>
           <a:prstGeom prst="bentConnector3">
             <a:avLst/>
@@ -5957,12 +5983,12 @@
         </p:nvCxnSpPr>
         <p:spPr>
           <a:xfrm>
-            <a:off x="12549330" y="4319984"/>
-            <a:ext cx="1054800" cy="5521664"/>
+            <a:off x="11741890" y="4319984"/>
+            <a:ext cx="1862240" cy="5521664"/>
           </a:xfrm>
           <a:prstGeom prst="bentConnector3">
             <a:avLst>
-              <a:gd name="adj1" fmla="val 30736"/>
+              <a:gd name="adj1" fmla="val 50000"/>
             </a:avLst>
           </a:prstGeom>
           <a:ln>
@@ -6002,12 +6028,12 @@
         </p:nvCxnSpPr>
         <p:spPr>
           <a:xfrm flipV="1">
-            <a:off x="12549330" y="2682121"/>
-            <a:ext cx="1167488" cy="1637863"/>
+            <a:off x="11741890" y="2682121"/>
+            <a:ext cx="1974928" cy="1637863"/>
           </a:xfrm>
           <a:prstGeom prst="bentConnector3">
             <a:avLst>
-              <a:gd name="adj1" fmla="val 28244"/>
+              <a:gd name="adj1" fmla="val 46751"/>
             </a:avLst>
           </a:prstGeom>
           <a:ln>
@@ -6047,8 +6073,8 @@
         </p:nvCxnSpPr>
         <p:spPr>
           <a:xfrm rot="5400000">
-            <a:off x="10403233" y="6204031"/>
-            <a:ext cx="456963" cy="215499"/>
+            <a:off x="9654961" y="6360361"/>
+            <a:ext cx="554124" cy="12700"/>
           </a:xfrm>
           <a:prstGeom prst="bentConnector3">
             <a:avLst>
@@ -8756,9 +8782,9 @@
           <p:nvPr/>
         </p:nvCxnSpPr>
         <p:spPr>
-          <a:xfrm rot="5400000">
-            <a:off x="9733109" y="10956804"/>
-            <a:ext cx="1365811" cy="215900"/>
+          <a:xfrm rot="16200000" flipH="1">
+            <a:off x="9485718" y="10925314"/>
+            <a:ext cx="1268650" cy="376041"/>
           </a:xfrm>
           <a:prstGeom prst="bentConnector3">
             <a:avLst/>

--- a/Class Diagram.pptx
+++ b/Class Diagram.pptx
@@ -243,7 +243,7 @@
           <a:p>
             <a:fld id="{DFA429E4-E4A0-4FCB-B57B-5790209CB571}" type="datetimeFigureOut">
               <a:rPr lang="en-US" smtClean="0"/>
-              <a:t>8/18/2019</a:t>
+              <a:t>9/5/2019</a:t>
             </a:fld>
             <a:endParaRPr lang="en-US"/>
           </a:p>
@@ -413,7 +413,7 @@
           <a:p>
             <a:fld id="{DFA429E4-E4A0-4FCB-B57B-5790209CB571}" type="datetimeFigureOut">
               <a:rPr lang="en-US" smtClean="0"/>
-              <a:t>8/18/2019</a:t>
+              <a:t>9/5/2019</a:t>
             </a:fld>
             <a:endParaRPr lang="en-US"/>
           </a:p>
@@ -593,7 +593,7 @@
           <a:p>
             <a:fld id="{DFA429E4-E4A0-4FCB-B57B-5790209CB571}" type="datetimeFigureOut">
               <a:rPr lang="en-US" smtClean="0"/>
-              <a:t>8/18/2019</a:t>
+              <a:t>9/5/2019</a:t>
             </a:fld>
             <a:endParaRPr lang="en-US"/>
           </a:p>
@@ -763,7 +763,7 @@
           <a:p>
             <a:fld id="{DFA429E4-E4A0-4FCB-B57B-5790209CB571}" type="datetimeFigureOut">
               <a:rPr lang="en-US" smtClean="0"/>
-              <a:t>8/18/2019</a:t>
+              <a:t>9/5/2019</a:t>
             </a:fld>
             <a:endParaRPr lang="en-US"/>
           </a:p>
@@ -1007,7 +1007,7 @@
           <a:p>
             <a:fld id="{DFA429E4-E4A0-4FCB-B57B-5790209CB571}" type="datetimeFigureOut">
               <a:rPr lang="en-US" smtClean="0"/>
-              <a:t>8/18/2019</a:t>
+              <a:t>9/5/2019</a:t>
             </a:fld>
             <a:endParaRPr lang="en-US"/>
           </a:p>
@@ -1239,7 +1239,7 @@
           <a:p>
             <a:fld id="{DFA429E4-E4A0-4FCB-B57B-5790209CB571}" type="datetimeFigureOut">
               <a:rPr lang="en-US" smtClean="0"/>
-              <a:t>8/18/2019</a:t>
+              <a:t>9/5/2019</a:t>
             </a:fld>
             <a:endParaRPr lang="en-US"/>
           </a:p>
@@ -1606,7 +1606,7 @@
           <a:p>
             <a:fld id="{DFA429E4-E4A0-4FCB-B57B-5790209CB571}" type="datetimeFigureOut">
               <a:rPr lang="en-US" smtClean="0"/>
-              <a:t>8/18/2019</a:t>
+              <a:t>9/5/2019</a:t>
             </a:fld>
             <a:endParaRPr lang="en-US"/>
           </a:p>
@@ -1724,7 +1724,7 @@
           <a:p>
             <a:fld id="{DFA429E4-E4A0-4FCB-B57B-5790209CB571}" type="datetimeFigureOut">
               <a:rPr lang="en-US" smtClean="0"/>
-              <a:t>8/18/2019</a:t>
+              <a:t>9/5/2019</a:t>
             </a:fld>
             <a:endParaRPr lang="en-US"/>
           </a:p>
@@ -1819,7 +1819,7 @@
           <a:p>
             <a:fld id="{DFA429E4-E4A0-4FCB-B57B-5790209CB571}" type="datetimeFigureOut">
               <a:rPr lang="en-US" smtClean="0"/>
-              <a:t>8/18/2019</a:t>
+              <a:t>9/5/2019</a:t>
             </a:fld>
             <a:endParaRPr lang="en-US"/>
           </a:p>
@@ -2096,7 +2096,7 @@
           <a:p>
             <a:fld id="{DFA429E4-E4A0-4FCB-B57B-5790209CB571}" type="datetimeFigureOut">
               <a:rPr lang="en-US" smtClean="0"/>
-              <a:t>8/18/2019</a:t>
+              <a:t>9/5/2019</a:t>
             </a:fld>
             <a:endParaRPr lang="en-US"/>
           </a:p>
@@ -2353,7 +2353,7 @@
           <a:p>
             <a:fld id="{DFA429E4-E4A0-4FCB-B57B-5790209CB571}" type="datetimeFigureOut">
               <a:rPr lang="en-US" smtClean="0"/>
-              <a:t>8/18/2019</a:t>
+              <a:t>9/5/2019</a:t>
             </a:fld>
             <a:endParaRPr lang="en-US"/>
           </a:p>
@@ -2566,7 +2566,7 @@
           <a:p>
             <a:fld id="{DFA429E4-E4A0-4FCB-B57B-5790209CB571}" type="datetimeFigureOut">
               <a:rPr lang="en-US" smtClean="0"/>
-              <a:t>8/18/2019</a:t>
+              <a:t>9/5/2019</a:t>
             </a:fld>
             <a:endParaRPr lang="en-US"/>
           </a:p>
@@ -2987,8 +2987,8 @@
         </p:nvSpPr>
         <p:spPr bwMode="auto">
           <a:xfrm>
-            <a:off x="1691639" y="2743832"/>
-            <a:ext cx="4854005" cy="7555200"/>
+            <a:off x="2545340" y="5868031"/>
+            <a:ext cx="4854005" cy="7735177"/>
           </a:xfrm>
           <a:prstGeom prst="rect">
             <a:avLst/>
@@ -3939,7 +3939,35 @@
               <a:rPr lang="en-US" altLang="en-US" sz="1100" dirty="0">
                 <a:cs typeface="Times New Roman" panose="02020603050405020304" pitchFamily="18" charset="0"/>
               </a:rPr>
-              <a:t>, int)</a:t>
+              <a:t>, int) : bool</a:t>
+            </a:r>
+          </a:p>
+          <a:p>
+            <a:pPr defTabSz="914400" eaLnBrk="0" fontAlgn="base" hangingPunct="0">
+              <a:spcBef>
+                <a:spcPct val="0"/>
+              </a:spcBef>
+              <a:spcAft>
+                <a:spcPct val="0"/>
+              </a:spcAft>
+            </a:pPr>
+            <a:r>
+              <a:rPr lang="en-US" altLang="en-US" sz="1100" i="1" dirty="0">
+                <a:cs typeface="Times New Roman" panose="02020603050405020304" pitchFamily="18" charset="0"/>
+              </a:rPr>
+              <a:t>+ </a:t>
+            </a:r>
+            <a:r>
+              <a:rPr lang="en-US" altLang="en-US" sz="1100" i="1" dirty="0" err="1">
+                <a:cs typeface="Times New Roman" panose="02020603050405020304" pitchFamily="18" charset="0"/>
+              </a:rPr>
+              <a:t>OpenInventory</a:t>
+            </a:r>
+            <a:r>
+              <a:rPr lang="en-US" altLang="en-US" sz="1100" i="1" dirty="0">
+                <a:cs typeface="Times New Roman" panose="02020603050405020304" pitchFamily="18" charset="0"/>
+              </a:rPr>
+              <a:t>() : void</a:t>
             </a:r>
           </a:p>
           <a:p>
@@ -4213,9 +4241,62 @@
               </a:rPr>
               <a:t>() : bool</a:t>
             </a:r>
-            <a:endParaRPr lang="en-US" altLang="en-US" sz="1100" dirty="0">
-              <a:cs typeface="Times New Roman" panose="02020603050405020304" pitchFamily="18" charset="0"/>
-            </a:endParaRPr>
+          </a:p>
+          <a:p>
+            <a:pPr defTabSz="914400" eaLnBrk="0" fontAlgn="base" hangingPunct="0">
+              <a:spcBef>
+                <a:spcPct val="0"/>
+              </a:spcBef>
+              <a:spcAft>
+                <a:spcPct val="0"/>
+              </a:spcAft>
+            </a:pPr>
+            <a:r>
+              <a:rPr lang="en-US" altLang="en-US" sz="1100" dirty="0">
+                <a:cs typeface="Times New Roman" panose="02020603050405020304" pitchFamily="18" charset="0"/>
+              </a:rPr>
+              <a:t>+ </a:t>
+            </a:r>
+            <a:r>
+              <a:rPr lang="en-US" altLang="en-US" sz="1100" dirty="0" err="1">
+                <a:cs typeface="Times New Roman" panose="02020603050405020304" pitchFamily="18" charset="0"/>
+              </a:rPr>
+              <a:t>GetInteractions</a:t>
+            </a:r>
+            <a:r>
+              <a:rPr lang="en-US" altLang="en-US" sz="1100" dirty="0">
+                <a:cs typeface="Times New Roman" panose="02020603050405020304" pitchFamily="18" charset="0"/>
+              </a:rPr>
+              <a:t>() : List&lt;Interactions&gt; &lt;&lt;override&gt;&gt;</a:t>
+            </a:r>
+          </a:p>
+          <a:p>
+            <a:pPr defTabSz="914400" eaLnBrk="0" fontAlgn="base" hangingPunct="0">
+              <a:spcBef>
+                <a:spcPct val="0"/>
+              </a:spcBef>
+              <a:spcAft>
+                <a:spcPct val="0"/>
+              </a:spcAft>
+            </a:pPr>
+            <a:r>
+              <a:rPr lang="en-US" altLang="en-US" sz="1100" dirty="0">
+                <a:cs typeface="Times New Roman" panose="02020603050405020304" pitchFamily="18" charset="0"/>
+              </a:rPr>
+              <a:t>+ </a:t>
+            </a:r>
+            <a:r>
+              <a:rPr lang="en-US" altLang="en-US" sz="1100" dirty="0" err="1">
+                <a:cs typeface="Times New Roman" panose="02020603050405020304" pitchFamily="18" charset="0"/>
+              </a:rPr>
+              <a:t>GetInteractiveName</a:t>
+            </a:r>
+            <a:r>
+              <a:rPr lang="en-US" altLang="en-US" sz="1100" dirty="0">
+                <a:cs typeface="Times New Roman" panose="02020603050405020304" pitchFamily="18" charset="0"/>
+              </a:rPr>
+              <a:t>() : string &lt;&lt;override&gt;&gt;</a:t>
+            </a:r>
           </a:p>
         </p:txBody>
       </p:sp>
@@ -4235,7 +4316,7 @@
         </p:nvSpPr>
         <p:spPr bwMode="auto">
           <a:xfrm>
-            <a:off x="8122156" y="2556668"/>
+            <a:off x="8099557" y="5680868"/>
             <a:ext cx="3619734" cy="3526631"/>
           </a:xfrm>
           <a:prstGeom prst="rect">
@@ -4823,7 +4904,7 @@
         </p:nvSpPr>
         <p:spPr bwMode="auto">
           <a:xfrm>
-            <a:off x="13716818" y="1877696"/>
+            <a:off x="13694219" y="5001896"/>
             <a:ext cx="3976822" cy="1608850"/>
           </a:xfrm>
           <a:prstGeom prst="rect">
@@ -5084,7 +5165,7 @@
         </p:nvSpPr>
         <p:spPr bwMode="auto">
           <a:xfrm>
-            <a:off x="13604130" y="9131815"/>
+            <a:off x="13581531" y="12256015"/>
             <a:ext cx="3976822" cy="1419665"/>
           </a:xfrm>
           <a:prstGeom prst="rect">
@@ -5308,7 +5389,7 @@
         </p:nvSpPr>
         <p:spPr bwMode="auto">
           <a:xfrm>
-            <a:off x="572254" y="11752405"/>
+            <a:off x="549655" y="14876605"/>
             <a:ext cx="745958" cy="600075"/>
           </a:xfrm>
           <a:prstGeom prst="rect">
@@ -5383,7 +5464,7 @@
         </p:nvSpPr>
         <p:spPr bwMode="auto">
           <a:xfrm>
-            <a:off x="7943612" y="6637423"/>
+            <a:off x="7921013" y="9761623"/>
             <a:ext cx="3976821" cy="3841587"/>
           </a:xfrm>
           <a:prstGeom prst="rect">
@@ -5940,8 +6021,8 @@
         </p:nvCxnSpPr>
         <p:spPr>
           <a:xfrm flipV="1">
-            <a:off x="6545644" y="4319984"/>
-            <a:ext cx="1576512" cy="2201448"/>
+            <a:off x="7399345" y="7444184"/>
+            <a:ext cx="700212" cy="2291436"/>
           </a:xfrm>
           <a:prstGeom prst="bentConnector3">
             <a:avLst/>
@@ -5983,7 +6064,7 @@
         </p:nvCxnSpPr>
         <p:spPr>
           <a:xfrm>
-            <a:off x="11741890" y="4319984"/>
+            <a:off x="11719291" y="7444184"/>
             <a:ext cx="1862240" cy="5521664"/>
           </a:xfrm>
           <a:prstGeom prst="bentConnector3">
@@ -6028,12 +6109,12 @@
         </p:nvCxnSpPr>
         <p:spPr>
           <a:xfrm flipV="1">
-            <a:off x="11741890" y="2682121"/>
+            <a:off x="11719291" y="5806321"/>
             <a:ext cx="1974928" cy="1637863"/>
           </a:xfrm>
           <a:prstGeom prst="bentConnector3">
             <a:avLst>
-              <a:gd name="adj1" fmla="val 46751"/>
+              <a:gd name="adj1" fmla="val 50000"/>
             </a:avLst>
           </a:prstGeom>
           <a:ln>
@@ -6073,7 +6154,7 @@
         </p:nvCxnSpPr>
         <p:spPr>
           <a:xfrm rot="5400000">
-            <a:off x="9654961" y="6360361"/>
+            <a:off x="9632362" y="9484561"/>
             <a:ext cx="554124" cy="12700"/>
           </a:xfrm>
           <a:prstGeom prst="bentConnector3">
@@ -6116,7 +6197,7 @@
         </p:nvSpPr>
         <p:spPr bwMode="auto">
           <a:xfrm>
-            <a:off x="1691191" y="11747661"/>
+            <a:off x="1668592" y="14871861"/>
             <a:ext cx="745958" cy="600075"/>
           </a:xfrm>
           <a:prstGeom prst="rect">
@@ -6191,7 +6272,7 @@
         </p:nvSpPr>
         <p:spPr bwMode="auto">
           <a:xfrm>
-            <a:off x="2751854" y="11747660"/>
+            <a:off x="2729255" y="14871860"/>
             <a:ext cx="2599658" cy="2846251"/>
           </a:xfrm>
           <a:prstGeom prst="rect">
@@ -6505,8 +6586,8 @@
         </p:nvCxnSpPr>
         <p:spPr>
           <a:xfrm rot="5400000">
-            <a:off x="1805252" y="9439014"/>
-            <a:ext cx="1453373" cy="3173409"/>
+            <a:off x="2310791" y="12215052"/>
+            <a:ext cx="1273397" cy="4049709"/>
           </a:xfrm>
           <a:prstGeom prst="bentConnector3">
             <a:avLst>
@@ -6550,8 +6631,8 @@
         </p:nvCxnSpPr>
         <p:spPr>
           <a:xfrm rot="5400000">
-            <a:off x="2367092" y="9996110"/>
-            <a:ext cx="1448629" cy="2054472"/>
+            <a:off x="2872631" y="12772148"/>
+            <a:ext cx="1268653" cy="2930772"/>
           </a:xfrm>
           <a:prstGeom prst="bentConnector3">
             <a:avLst>
@@ -6595,8 +6676,8 @@
         </p:nvCxnSpPr>
         <p:spPr>
           <a:xfrm rot="5400000">
-            <a:off x="3360849" y="10989867"/>
-            <a:ext cx="1448628" cy="66959"/>
+            <a:off x="3866388" y="13765905"/>
+            <a:ext cx="1268652" cy="943259"/>
           </a:xfrm>
           <a:prstGeom prst="bentConnector3">
             <a:avLst>
@@ -6777,7 +6858,7 @@
         </p:nvSpPr>
         <p:spPr bwMode="auto">
           <a:xfrm>
-            <a:off x="13042900" y="3765860"/>
+            <a:off x="13020301" y="6890060"/>
             <a:ext cx="2549641" cy="2965140"/>
           </a:xfrm>
           <a:prstGeom prst="rect">
@@ -7271,7 +7352,7 @@
         </p:nvCxnSpPr>
         <p:spPr>
           <a:xfrm rot="5400000">
-            <a:off x="14871818" y="2932449"/>
+            <a:off x="14849219" y="6056649"/>
             <a:ext cx="279314" cy="1387508"/>
           </a:xfrm>
           <a:prstGeom prst="bentConnector3">
@@ -7314,7 +7395,7 @@
         </p:nvSpPr>
         <p:spPr bwMode="auto">
           <a:xfrm>
-            <a:off x="12839701" y="11087736"/>
+            <a:off x="12817102" y="14211936"/>
             <a:ext cx="2540000" cy="3434404"/>
           </a:xfrm>
           <a:prstGeom prst="rect">
@@ -7607,7 +7688,7 @@
         </p:nvCxnSpPr>
         <p:spPr>
           <a:xfrm rot="5400000">
-            <a:off x="14582993" y="10078188"/>
+            <a:off x="14560394" y="13202388"/>
             <a:ext cx="536256" cy="1482840"/>
           </a:xfrm>
           <a:prstGeom prst="bentConnector3">
@@ -7650,7 +7731,7 @@
         </p:nvSpPr>
         <p:spPr bwMode="auto">
           <a:xfrm>
-            <a:off x="15494000" y="11085028"/>
+            <a:off x="15471401" y="14209228"/>
             <a:ext cx="2540000" cy="2605572"/>
           </a:xfrm>
           <a:prstGeom prst="rect">
@@ -7874,7 +7955,7 @@
         </p:nvCxnSpPr>
         <p:spPr>
           <a:xfrm rot="16200000" flipH="1">
-            <a:off x="15911496" y="10232524"/>
+            <a:off x="15888897" y="13356724"/>
             <a:ext cx="533548" cy="1171459"/>
           </a:xfrm>
           <a:prstGeom prst="bentConnector3">
@@ -7917,7 +7998,7 @@
         </p:nvSpPr>
         <p:spPr bwMode="auto">
           <a:xfrm>
-            <a:off x="15706726" y="3765860"/>
+            <a:off x="15684127" y="6890060"/>
             <a:ext cx="2331984" cy="988380"/>
           </a:xfrm>
           <a:prstGeom prst="rect">
@@ -8033,7 +8114,7 @@
         </p:nvCxnSpPr>
         <p:spPr>
           <a:xfrm rot="16200000" flipH="1">
-            <a:off x="16149316" y="3042458"/>
+            <a:off x="16126717" y="6166658"/>
             <a:ext cx="279314" cy="1167489"/>
           </a:xfrm>
           <a:prstGeom prst="bentConnector3">
@@ -8076,7 +8157,7 @@
         </p:nvSpPr>
         <p:spPr bwMode="auto">
           <a:xfrm>
-            <a:off x="5648277" y="11747661"/>
+            <a:off x="5625678" y="14871861"/>
             <a:ext cx="745958" cy="600075"/>
           </a:xfrm>
           <a:prstGeom prst="rect">
@@ -8152,8 +8233,8 @@
         </p:nvCxnSpPr>
         <p:spPr>
           <a:xfrm rot="16200000" flipH="1">
-            <a:off x="4345635" y="10072039"/>
-            <a:ext cx="1448629" cy="1902614"/>
+            <a:off x="4851174" y="13724377"/>
+            <a:ext cx="1268653" cy="1026314"/>
           </a:xfrm>
           <a:prstGeom prst="bentConnector3">
             <a:avLst>
@@ -8195,7 +8276,7 @@
         </p:nvSpPr>
         <p:spPr bwMode="auto">
           <a:xfrm>
-            <a:off x="138856" y="139084"/>
+            <a:off x="58843" y="4188521"/>
             <a:ext cx="2712623" cy="1352494"/>
           </a:xfrm>
           <a:prstGeom prst="rect">
@@ -8424,8 +8505,8 @@
         </p:nvCxnSpPr>
         <p:spPr>
           <a:xfrm rot="16200000" flipH="1">
-            <a:off x="-921524" y="3908269"/>
-            <a:ext cx="5029854" cy="196471"/>
+            <a:off x="-117055" y="7073224"/>
+            <a:ext cx="4194605" cy="1130185"/>
           </a:xfrm>
           <a:prstGeom prst="bentConnector2">
             <a:avLst/>
@@ -8550,7 +8631,7 @@
         </p:nvSpPr>
         <p:spPr bwMode="auto">
           <a:xfrm>
-            <a:off x="8319653" y="11747660"/>
+            <a:off x="8297054" y="14871860"/>
             <a:ext cx="3976821" cy="1942940"/>
           </a:xfrm>
           <a:prstGeom prst="rect">
@@ -8783,8 +8864,214 @@
         </p:nvCxnSpPr>
         <p:spPr>
           <a:xfrm rot="16200000" flipH="1">
-            <a:off x="9485718" y="10925314"/>
+            <a:off x="9463119" y="14049514"/>
             <a:ext cx="1268650" cy="376041"/>
+          </a:xfrm>
+          <a:prstGeom prst="bentConnector3">
+            <a:avLst/>
+          </a:prstGeom>
+          <a:ln>
+            <a:tailEnd type="triangle"/>
+          </a:ln>
+        </p:spPr>
+        <p:style>
+          <a:lnRef idx="1">
+            <a:schemeClr val="accent1"/>
+          </a:lnRef>
+          <a:fillRef idx="0">
+            <a:schemeClr val="accent1"/>
+          </a:fillRef>
+          <a:effectRef idx="0">
+            <a:schemeClr val="accent1"/>
+          </a:effectRef>
+          <a:fontRef idx="minor">
+            <a:schemeClr val="tx1"/>
+          </a:fontRef>
+        </p:style>
+      </p:cxnSp>
+      <p:sp>
+        <p:nvSpPr>
+          <p:cNvPr id="45" name="Text Box 10">
+            <a:extLst>
+              <a:ext uri="{FF2B5EF4-FFF2-40B4-BE49-F238E27FC236}">
+                <a16:creationId xmlns:a16="http://schemas.microsoft.com/office/drawing/2014/main" id="{A9D818C4-799B-415A-A501-A3CBE3B9F5BE}"/>
+              </a:ext>
+            </a:extLst>
+          </p:cNvPr>
+          <p:cNvSpPr txBox="1">
+            <a:spLocks noChangeArrowheads="1"/>
+          </p:cNvSpPr>
+          <p:nvPr/>
+        </p:nvSpPr>
+        <p:spPr bwMode="auto">
+          <a:xfrm>
+            <a:off x="3435730" y="4417292"/>
+            <a:ext cx="3073225" cy="894951"/>
+          </a:xfrm>
+          <a:prstGeom prst="rect">
+            <a:avLst/>
+          </a:prstGeom>
+          <a:solidFill>
+            <a:srgbClr val="FFFFFF"/>
+          </a:solidFill>
+          <a:ln w="9525">
+            <a:solidFill>
+              <a:srgbClr val="000000"/>
+            </a:solidFill>
+            <a:miter lim="800000"/>
+            <a:headEnd/>
+            <a:tailEnd/>
+          </a:ln>
+        </p:spPr>
+        <p:txBody>
+          <a:bodyPr vert="horz" wrap="square" lIns="91440" tIns="45720" rIns="91440" bIns="45720" numCol="1" anchor="t" anchorCtr="0" compatLnSpc="1">
+            <a:prstTxWarp prst="textNoShape">
+              <a:avLst/>
+            </a:prstTxWarp>
+          </a:bodyPr>
+          <a:lstStyle/>
+          <a:p>
+            <a:pPr defTabSz="914400" eaLnBrk="0" fontAlgn="base" hangingPunct="0">
+              <a:spcBef>
+                <a:spcPct val="0"/>
+              </a:spcBef>
+              <a:spcAft>
+                <a:spcPct val="0"/>
+              </a:spcAft>
+            </a:pPr>
+            <a:r>
+              <a:rPr lang="en-US" altLang="en-US" sz="1100" i="1" dirty="0">
+                <a:ea typeface="Calibri" panose="020F0502020204030204" pitchFamily="34" charset="0"/>
+                <a:cs typeface="Times New Roman" panose="02020603050405020304" pitchFamily="18" charset="0"/>
+              </a:rPr>
+              <a:t>Interactive</a:t>
+            </a:r>
+          </a:p>
+          <a:p>
+            <a:pPr defTabSz="914400" eaLnBrk="0" fontAlgn="base" hangingPunct="0">
+              <a:spcBef>
+                <a:spcPct val="0"/>
+              </a:spcBef>
+              <a:spcAft>
+                <a:spcPct val="0"/>
+              </a:spcAft>
+            </a:pPr>
+            <a:r>
+              <a:rPr lang="en-US" altLang="en-US" sz="1100" i="1" dirty="0">
+                <a:ea typeface="Calibri" panose="020F0502020204030204" pitchFamily="34" charset="0"/>
+                <a:cs typeface="Times New Roman" panose="02020603050405020304" pitchFamily="18" charset="0"/>
+              </a:rPr>
+              <a:t>-----------------------------------------------------------------</a:t>
+            </a:r>
+          </a:p>
+          <a:p>
+            <a:pPr defTabSz="914400" eaLnBrk="0" fontAlgn="base" hangingPunct="0">
+              <a:spcBef>
+                <a:spcPct val="0"/>
+              </a:spcBef>
+              <a:spcAft>
+                <a:spcPct val="0"/>
+              </a:spcAft>
+            </a:pPr>
+            <a:r>
+              <a:rPr lang="en-US" altLang="en-US" sz="1100" i="1" dirty="0">
+                <a:cs typeface="Times New Roman" panose="02020603050405020304" pitchFamily="18" charset="0"/>
+              </a:rPr>
+              <a:t>+ </a:t>
+            </a:r>
+            <a:r>
+              <a:rPr lang="en-US" altLang="en-US" sz="1100" i="1" dirty="0" err="1">
+                <a:cs typeface="Times New Roman" panose="02020603050405020304" pitchFamily="18" charset="0"/>
+              </a:rPr>
+              <a:t>GetInteractions</a:t>
+            </a:r>
+            <a:r>
+              <a:rPr lang="en-US" altLang="en-US" sz="1100" i="1" dirty="0">
+                <a:cs typeface="Times New Roman" panose="02020603050405020304" pitchFamily="18" charset="0"/>
+              </a:rPr>
+              <a:t>() : List&lt;Interactions&gt;</a:t>
+            </a:r>
+          </a:p>
+          <a:p>
+            <a:pPr defTabSz="914400" eaLnBrk="0" fontAlgn="base" hangingPunct="0">
+              <a:spcBef>
+                <a:spcPct val="0"/>
+              </a:spcBef>
+              <a:spcAft>
+                <a:spcPct val="0"/>
+              </a:spcAft>
+            </a:pPr>
+            <a:r>
+              <a:rPr lang="en-US" altLang="en-US" sz="1100" i="1" dirty="0">
+                <a:cs typeface="Times New Roman" panose="02020603050405020304" pitchFamily="18" charset="0"/>
+              </a:rPr>
+              <a:t>+ </a:t>
+            </a:r>
+            <a:r>
+              <a:rPr lang="en-US" altLang="en-US" sz="1100" i="1" dirty="0" err="1">
+                <a:cs typeface="Times New Roman" panose="02020603050405020304" pitchFamily="18" charset="0"/>
+              </a:rPr>
+              <a:t>GetInteractiveName</a:t>
+            </a:r>
+            <a:r>
+              <a:rPr lang="en-US" altLang="en-US" sz="1100" i="1" dirty="0">
+                <a:cs typeface="Times New Roman" panose="02020603050405020304" pitchFamily="18" charset="0"/>
+              </a:rPr>
+              <a:t>() : string</a:t>
+            </a:r>
+            <a:endParaRPr lang="en-US" altLang="en-US" sz="1100" i="1" dirty="0">
+              <a:highlight>
+                <a:srgbClr val="00FF00"/>
+              </a:highlight>
+              <a:cs typeface="Times New Roman" panose="02020603050405020304" pitchFamily="18" charset="0"/>
+            </a:endParaRPr>
+          </a:p>
+          <a:p>
+            <a:pPr defTabSz="914400" eaLnBrk="0" fontAlgn="base" hangingPunct="0">
+              <a:spcBef>
+                <a:spcPct val="0"/>
+              </a:spcBef>
+              <a:spcAft>
+                <a:spcPct val="0"/>
+              </a:spcAft>
+            </a:pPr>
+            <a:endParaRPr lang="en-US" altLang="en-US" sz="1100" dirty="0">
+              <a:cs typeface="Times New Roman" panose="02020603050405020304" pitchFamily="18" charset="0"/>
+            </a:endParaRPr>
+          </a:p>
+          <a:p>
+            <a:pPr defTabSz="914400" eaLnBrk="0" fontAlgn="base" hangingPunct="0">
+              <a:spcBef>
+                <a:spcPct val="0"/>
+              </a:spcBef>
+              <a:spcAft>
+                <a:spcPct val="0"/>
+              </a:spcAft>
+            </a:pPr>
+            <a:endParaRPr lang="en-US" altLang="en-US" sz="1100" dirty="0"/>
+          </a:p>
+        </p:txBody>
+      </p:sp>
+      <p:cxnSp>
+        <p:nvCxnSpPr>
+          <p:cNvPr id="36" name="Connector: Elbow 35">
+            <a:extLst>
+              <a:ext uri="{FF2B5EF4-FFF2-40B4-BE49-F238E27FC236}">
+                <a16:creationId xmlns:a16="http://schemas.microsoft.com/office/drawing/2014/main" id="{41D913F8-41D4-4DA7-BF62-FA99BA7203E3}"/>
+              </a:ext>
+            </a:extLst>
+          </p:cNvPr>
+          <p:cNvCxnSpPr>
+            <a:cxnSpLocks/>
+            <a:stCxn id="45" idx="2"/>
+            <a:endCxn id="4" idx="0"/>
+          </p:cNvCxnSpPr>
+          <p:nvPr/>
+        </p:nvCxnSpPr>
+        <p:spPr>
+          <a:xfrm rot="5400000">
+            <a:off x="4694449" y="5590137"/>
+            <a:ext cx="555788" cy="12700"/>
           </a:xfrm>
           <a:prstGeom prst="bentConnector3">
             <a:avLst/>
